--- a/2020_10_30_covid_usa_analysis.pptx
+++ b/2020_10_30_covid_usa_analysis.pptx
@@ -6,29 +6,32 @@
   </p:sldMasterIdLst>
   <p:sldIdLst>
     <p:sldId id="256" r:id="rId2"/>
-    <p:sldId id="257" r:id="rId3"/>
-    <p:sldId id="258" r:id="rId4"/>
-    <p:sldId id="259" r:id="rId5"/>
-    <p:sldId id="260" r:id="rId6"/>
-    <p:sldId id="261" r:id="rId7"/>
-    <p:sldId id="262" r:id="rId8"/>
-    <p:sldId id="263" r:id="rId9"/>
-    <p:sldId id="265" r:id="rId10"/>
-    <p:sldId id="266" r:id="rId11"/>
-    <p:sldId id="288" r:id="rId12"/>
-    <p:sldId id="289" r:id="rId13"/>
-    <p:sldId id="290" r:id="rId14"/>
-    <p:sldId id="291" r:id="rId15"/>
-    <p:sldId id="292" r:id="rId16"/>
-    <p:sldId id="294" r:id="rId17"/>
-    <p:sldId id="295" r:id="rId18"/>
-    <p:sldId id="296" r:id="rId19"/>
-    <p:sldId id="278" r:id="rId20"/>
-    <p:sldId id="279" r:id="rId21"/>
-    <p:sldId id="280" r:id="rId22"/>
-    <p:sldId id="281" r:id="rId23"/>
-    <p:sldId id="264" r:id="rId24"/>
-    <p:sldId id="282" r:id="rId25"/>
+    <p:sldId id="303" r:id="rId3"/>
+    <p:sldId id="257" r:id="rId4"/>
+    <p:sldId id="258" r:id="rId5"/>
+    <p:sldId id="259" r:id="rId6"/>
+    <p:sldId id="260" r:id="rId7"/>
+    <p:sldId id="261" r:id="rId8"/>
+    <p:sldId id="262" r:id="rId9"/>
+    <p:sldId id="263" r:id="rId10"/>
+    <p:sldId id="265" r:id="rId11"/>
+    <p:sldId id="266" r:id="rId12"/>
+    <p:sldId id="302" r:id="rId13"/>
+    <p:sldId id="304" r:id="rId14"/>
+    <p:sldId id="294" r:id="rId15"/>
+    <p:sldId id="295" r:id="rId16"/>
+    <p:sldId id="296" r:id="rId17"/>
+    <p:sldId id="278" r:id="rId18"/>
+    <p:sldId id="297" r:id="rId19"/>
+    <p:sldId id="298" r:id="rId20"/>
+    <p:sldId id="299" r:id="rId21"/>
+    <p:sldId id="300" r:id="rId22"/>
+    <p:sldId id="301" r:id="rId23"/>
+    <p:sldId id="279" r:id="rId24"/>
+    <p:sldId id="280" r:id="rId25"/>
+    <p:sldId id="281" r:id="rId26"/>
+    <p:sldId id="264" r:id="rId27"/>
+    <p:sldId id="282" r:id="rId28"/>
   </p:sldIdLst>
   <p:sldSz cx="12192000" cy="6858000"/>
   <p:notesSz cx="6858000" cy="9144000"/>
@@ -9474,66 +9477,6 @@
           </a:p>
         </p:txBody>
       </p:sp>
-      <p:sp>
-        <p:nvSpPr>
-          <p:cNvPr id="3" name="Subtitle 2">
-            <a:extLst>
-              <a:ext uri="{FF2B5EF4-FFF2-40B4-BE49-F238E27FC236}">
-                <a16:creationId xmlns:a16="http://schemas.microsoft.com/office/drawing/2014/main" id="{B8398EFA-7326-4F45-A3AD-F8A093790D0D}"/>
-              </a:ext>
-            </a:extLst>
-          </p:cNvPr>
-          <p:cNvSpPr>
-            <a:spLocks noGrp="1"/>
-          </p:cNvSpPr>
-          <p:nvPr>
-            <p:ph type="subTitle" idx="1"/>
-          </p:nvPr>
-        </p:nvSpPr>
-        <p:spPr>
-          <a:xfrm>
-            <a:off x="838200" y="4629235"/>
-            <a:ext cx="3785514" cy="1680298"/>
-          </a:xfrm>
-          <a:noFill/>
-        </p:spPr>
-        <p:txBody>
-          <a:bodyPr>
-            <a:normAutofit/>
-          </a:bodyPr>
-          <a:lstStyle/>
-          <a:p>
-            <a:pPr algn="l"/>
-            <a:r>
-              <a:rPr lang="en-US" dirty="0">
-                <a:latin typeface="Univers (body)"/>
-                <a:cs typeface="Arial" panose="020B0604020202020204" pitchFamily="34" charset="0"/>
-              </a:rPr>
-              <a:t>Caroline Clark</a:t>
-            </a:r>
-          </a:p>
-          <a:p>
-            <a:pPr algn="l"/>
-            <a:r>
-              <a:rPr lang="en-US" dirty="0">
-                <a:latin typeface="Univers (body)"/>
-                <a:cs typeface="Arial" panose="020B0604020202020204" pitchFamily="34" charset="0"/>
-              </a:rPr>
-              <a:t>Feras Atwal</a:t>
-            </a:r>
-          </a:p>
-          <a:p>
-            <a:pPr algn="l"/>
-            <a:r>
-              <a:rPr lang="en-US" dirty="0">
-                <a:latin typeface="Univers (body)"/>
-                <a:cs typeface="Arial" panose="020B0604020202020204" pitchFamily="34" charset="0"/>
-              </a:rPr>
-              <a:t>James Lee</a:t>
-            </a:r>
-          </a:p>
-        </p:txBody>
-      </p:sp>
       <p:pic>
         <p:nvPicPr>
           <p:cNvPr id="5" name="Picture 4" descr="A close up of a flower&#10;&#10;Description automatically generated">
@@ -9569,6 +9512,70 @@
           </a:prstGeom>
         </p:spPr>
       </p:pic>
+      <p:sp>
+        <p:nvSpPr>
+          <p:cNvPr id="3" name="Subtitle 2">
+            <a:extLst>
+              <a:ext uri="{FF2B5EF4-FFF2-40B4-BE49-F238E27FC236}">
+                <a16:creationId xmlns:a16="http://schemas.microsoft.com/office/drawing/2014/main" id="{B8398EFA-7326-4F45-A3AD-F8A093790D0D}"/>
+              </a:ext>
+            </a:extLst>
+          </p:cNvPr>
+          <p:cNvSpPr>
+            <a:spLocks noGrp="1"/>
+          </p:cNvSpPr>
+          <p:nvPr>
+            <p:ph type="subTitle" idx="1"/>
+          </p:nvPr>
+        </p:nvSpPr>
+        <p:spPr>
+          <a:xfrm>
+            <a:off x="838199" y="4629235"/>
+            <a:ext cx="6032863" cy="1680298"/>
+          </a:xfrm>
+          <a:noFill/>
+        </p:spPr>
+        <p:txBody>
+          <a:bodyPr>
+            <a:normAutofit/>
+          </a:bodyPr>
+          <a:lstStyle/>
+          <a:p>
+            <a:pPr algn="l"/>
+            <a:r>
+              <a:rPr lang="en-US" sz="2000" dirty="0">
+                <a:latin typeface="Univers (body)"/>
+                <a:cs typeface="Arial" panose="020B0604020202020204" pitchFamily="34" charset="0"/>
+              </a:rPr>
+              <a:t>Caroline Clark, Feras Atwal, James Lee</a:t>
+            </a:r>
+          </a:p>
+          <a:p>
+            <a:pPr algn="l"/>
+            <a:r>
+              <a:rPr lang="en-US" sz="2000" dirty="0">
+                <a:latin typeface="Univers (body)"/>
+                <a:cs typeface="Arial" panose="020B0604020202020204" pitchFamily="34" charset="0"/>
+              </a:rPr>
+              <a:t>October 30</a:t>
+            </a:r>
+            <a:r>
+              <a:rPr lang="en-US" sz="2000" baseline="30000" dirty="0">
+                <a:latin typeface="Univers (body)"/>
+                <a:cs typeface="Arial" panose="020B0604020202020204" pitchFamily="34" charset="0"/>
+              </a:rPr>
+              <a:t>th</a:t>
+            </a:r>
+            <a:r>
+              <a:rPr lang="en-US" sz="2000" dirty="0">
+                <a:latin typeface="Univers (body)"/>
+                <a:cs typeface="Arial" panose="020B0604020202020204" pitchFamily="34" charset="0"/>
+              </a:rPr>
+              <a:t>, 2020</a:t>
+            </a:r>
+          </a:p>
+        </p:txBody>
+      </p:sp>
     </p:spTree>
     <p:extLst>
       <p:ext uri="{BB962C8B-B14F-4D97-AF65-F5344CB8AC3E}">
@@ -9583,3909 +9590,6 @@
 </file>
 
 <file path=ppt/slides/slide10.xml><?xml version="1.0" encoding="utf-8"?>
-<p:sld xmlns:a="http://schemas.openxmlformats.org/drawingml/2006/main" xmlns:r="http://schemas.openxmlformats.org/officeDocument/2006/relationships" xmlns:p="http://schemas.openxmlformats.org/presentationml/2006/main">
-  <p:cSld>
-    <p:spTree>
-      <p:nvGrpSpPr>
-        <p:cNvPr id="1" name=""/>
-        <p:cNvGrpSpPr/>
-        <p:nvPr/>
-      </p:nvGrpSpPr>
-      <p:grpSpPr>
-        <a:xfrm>
-          <a:off x="0" y="0"/>
-          <a:ext cx="0" cy="0"/>
-          <a:chOff x="0" y="0"/>
-          <a:chExt cx="0" cy="0"/>
-        </a:xfrm>
-      </p:grpSpPr>
-      <p:sp>
-        <p:nvSpPr>
-          <p:cNvPr id="2" name="Title 1">
-            <a:extLst>
-              <a:ext uri="{FF2B5EF4-FFF2-40B4-BE49-F238E27FC236}">
-                <a16:creationId xmlns:a16="http://schemas.microsoft.com/office/drawing/2014/main" id="{5CA85E8E-1896-45D6-84F6-BA50194D75BD}"/>
-              </a:ext>
-            </a:extLst>
-          </p:cNvPr>
-          <p:cNvSpPr>
-            <a:spLocks noGrp="1"/>
-          </p:cNvSpPr>
-          <p:nvPr>
-            <p:ph type="title"/>
-          </p:nvPr>
-        </p:nvSpPr>
-        <p:spPr>
-          <a:xfrm>
-            <a:off x="838199" y="365125"/>
-            <a:ext cx="10951029" cy="1325563"/>
-          </a:xfrm>
-        </p:spPr>
-        <p:txBody>
-          <a:bodyPr>
-            <a:normAutofit/>
-          </a:bodyPr>
-          <a:lstStyle/>
-          <a:p>
-            <a:r>
-              <a:rPr lang="en-US" dirty="0">
-                <a:latin typeface="Univers (body)"/>
-              </a:rPr>
-              <a:t>Population Density and Income the Strongest Factors for All Five States</a:t>
-            </a:r>
-          </a:p>
-        </p:txBody>
-      </p:sp>
-      <p:pic>
-        <p:nvPicPr>
-          <p:cNvPr id="6" name="Content Placeholder 5" descr="Chart, bar chart&#10;&#10;Description automatically generated">
-            <a:extLst>
-              <a:ext uri="{FF2B5EF4-FFF2-40B4-BE49-F238E27FC236}">
-                <a16:creationId xmlns:a16="http://schemas.microsoft.com/office/drawing/2014/main" id="{E15A19D2-667D-4F77-B4D3-704178B2E372}"/>
-              </a:ext>
-            </a:extLst>
-          </p:cNvPr>
-          <p:cNvPicPr>
-            <a:picLocks noGrp="1" noChangeAspect="1"/>
-          </p:cNvPicPr>
-          <p:nvPr>
-            <p:ph sz="half" idx="1"/>
-          </p:nvPr>
-        </p:nvPicPr>
-        <p:blipFill>
-          <a:blip r:embed="rId2">
-            <a:extLst>
-              <a:ext uri="{28A0092B-C50C-407E-A947-70E740481C1C}">
-                <a14:useLocalDpi xmlns:a14="http://schemas.microsoft.com/office/drawing/2010/main" val="0"/>
-              </a:ext>
-            </a:extLst>
-          </a:blip>
-          <a:stretch>
-            <a:fillRect/>
-          </a:stretch>
-        </p:blipFill>
-        <p:spPr>
-          <a:xfrm>
-            <a:off x="328303" y="2383457"/>
-            <a:ext cx="5767697" cy="3739007"/>
-          </a:xfrm>
-        </p:spPr>
-      </p:pic>
-      <p:pic>
-        <p:nvPicPr>
-          <p:cNvPr id="12" name="Content Placeholder 11" descr="Chart, scatter chart&#10;&#10;Description automatically generated">
-            <a:extLst>
-              <a:ext uri="{FF2B5EF4-FFF2-40B4-BE49-F238E27FC236}">
-                <a16:creationId xmlns:a16="http://schemas.microsoft.com/office/drawing/2014/main" id="{5D06C290-EE4A-4F77-8EB4-3E5BA082767D}"/>
-              </a:ext>
-            </a:extLst>
-          </p:cNvPr>
-          <p:cNvPicPr>
-            <a:picLocks noGrp="1" noChangeAspect="1"/>
-          </p:cNvPicPr>
-          <p:nvPr>
-            <p:ph sz="half" idx="2"/>
-          </p:nvPr>
-        </p:nvPicPr>
-        <p:blipFill>
-          <a:blip r:embed="rId3">
-            <a:extLst>
-              <a:ext uri="{28A0092B-C50C-407E-A947-70E740481C1C}">
-                <a14:useLocalDpi xmlns:a14="http://schemas.microsoft.com/office/drawing/2010/main" val="0"/>
-              </a:ext>
-            </a:extLst>
-          </a:blip>
-          <a:stretch>
-            <a:fillRect/>
-          </a:stretch>
-        </p:blipFill>
-        <p:spPr>
-          <a:xfrm>
-            <a:off x="6457744" y="2353357"/>
-            <a:ext cx="5266170" cy="3846918"/>
-          </a:xfrm>
-        </p:spPr>
-      </p:pic>
-    </p:spTree>
-    <p:extLst>
-      <p:ext uri="{BB962C8B-B14F-4D97-AF65-F5344CB8AC3E}">
-        <p14:creationId xmlns:p14="http://schemas.microsoft.com/office/powerpoint/2010/main" val="2771053449"/>
-      </p:ext>
-    </p:extLst>
-  </p:cSld>
-  <p:clrMapOvr>
-    <a:masterClrMapping/>
-  </p:clrMapOvr>
-</p:sld>
-</file>
-
-<file path=ppt/slides/slide11.xml><?xml version="1.0" encoding="utf-8"?>
-<p:sld xmlns:a="http://schemas.openxmlformats.org/drawingml/2006/main" xmlns:r="http://schemas.openxmlformats.org/officeDocument/2006/relationships" xmlns:p="http://schemas.openxmlformats.org/presentationml/2006/main">
-  <p:cSld>
-    <p:spTree>
-      <p:nvGrpSpPr>
-        <p:cNvPr id="1" name=""/>
-        <p:cNvGrpSpPr/>
-        <p:nvPr/>
-      </p:nvGrpSpPr>
-      <p:grpSpPr>
-        <a:xfrm>
-          <a:off x="0" y="0"/>
-          <a:ext cx="0" cy="0"/>
-          <a:chOff x="0" y="0"/>
-          <a:chExt cx="0" cy="0"/>
-        </a:xfrm>
-      </p:grpSpPr>
-      <p:sp>
-        <p:nvSpPr>
-          <p:cNvPr id="2" name="Title 1">
-            <a:extLst>
-              <a:ext uri="{FF2B5EF4-FFF2-40B4-BE49-F238E27FC236}">
-                <a16:creationId xmlns:a16="http://schemas.microsoft.com/office/drawing/2014/main" id="{35D973D6-71EC-45D9-B233-8B21390D16AA}"/>
-              </a:ext>
-            </a:extLst>
-          </p:cNvPr>
-          <p:cNvSpPr>
-            <a:spLocks noGrp="1"/>
-          </p:cNvSpPr>
-          <p:nvPr>
-            <p:ph type="title"/>
-          </p:nvPr>
-        </p:nvSpPr>
-        <p:spPr/>
-        <p:txBody>
-          <a:bodyPr/>
-          <a:lstStyle/>
-          <a:p>
-            <a:r>
-              <a:rPr lang="en-US" dirty="0">
-                <a:latin typeface="Univers (body)"/>
-              </a:rPr>
-              <a:t>In California, Testing and Race Emerged as Strongest Predictors</a:t>
-            </a:r>
-          </a:p>
-        </p:txBody>
-      </p:sp>
-      <p:pic>
-        <p:nvPicPr>
-          <p:cNvPr id="6" name="Content Placeholder 5" descr="Chart, bar chart&#10;&#10;Description automatically generated">
-            <a:extLst>
-              <a:ext uri="{FF2B5EF4-FFF2-40B4-BE49-F238E27FC236}">
-                <a16:creationId xmlns:a16="http://schemas.microsoft.com/office/drawing/2014/main" id="{CD1F4428-9C1D-4E9C-AF4C-2E458239EB23}"/>
-              </a:ext>
-            </a:extLst>
-          </p:cNvPr>
-          <p:cNvPicPr>
-            <a:picLocks noGrp="1" noChangeAspect="1"/>
-          </p:cNvPicPr>
-          <p:nvPr>
-            <p:ph sz="half" idx="1"/>
-          </p:nvPr>
-        </p:nvPicPr>
-        <p:blipFill>
-          <a:blip r:embed="rId2">
-            <a:extLst>
-              <a:ext uri="{28A0092B-C50C-407E-A947-70E740481C1C}">
-                <a14:useLocalDpi xmlns:a14="http://schemas.microsoft.com/office/drawing/2010/main" val="0"/>
-              </a:ext>
-            </a:extLst>
-          </a:blip>
-          <a:stretch>
-            <a:fillRect/>
-          </a:stretch>
-        </p:blipFill>
-        <p:spPr>
-          <a:xfrm>
-            <a:off x="304598" y="2096860"/>
-            <a:ext cx="5791402" cy="3900986"/>
-          </a:xfrm>
-        </p:spPr>
-      </p:pic>
-      <p:pic>
-        <p:nvPicPr>
-          <p:cNvPr id="8" name="Content Placeholder 7" descr="Chart, scatter chart&#10;&#10;Description automatically generated">
-            <a:extLst>
-              <a:ext uri="{FF2B5EF4-FFF2-40B4-BE49-F238E27FC236}">
-                <a16:creationId xmlns:a16="http://schemas.microsoft.com/office/drawing/2014/main" id="{2FFEAE23-A9BC-49CE-BB1A-7D10C3BB1F7C}"/>
-              </a:ext>
-            </a:extLst>
-          </p:cNvPr>
-          <p:cNvPicPr>
-            <a:picLocks noGrp="1" noChangeAspect="1"/>
-          </p:cNvPicPr>
-          <p:nvPr>
-            <p:ph sz="half" idx="2"/>
-          </p:nvPr>
-        </p:nvPicPr>
-        <p:blipFill>
-          <a:blip r:embed="rId3">
-            <a:extLst>
-              <a:ext uri="{28A0092B-C50C-407E-A947-70E740481C1C}">
-                <a14:useLocalDpi xmlns:a14="http://schemas.microsoft.com/office/drawing/2010/main" val="0"/>
-              </a:ext>
-            </a:extLst>
-          </a:blip>
-          <a:stretch>
-            <a:fillRect/>
-          </a:stretch>
-        </p:blipFill>
-        <p:spPr>
-          <a:xfrm>
-            <a:off x="6253843" y="2015194"/>
-            <a:ext cx="5181600" cy="4064317"/>
-          </a:xfrm>
-        </p:spPr>
-      </p:pic>
-    </p:spTree>
-    <p:extLst>
-      <p:ext uri="{BB962C8B-B14F-4D97-AF65-F5344CB8AC3E}">
-        <p14:creationId xmlns:p14="http://schemas.microsoft.com/office/powerpoint/2010/main" val="2332557982"/>
-      </p:ext>
-    </p:extLst>
-  </p:cSld>
-  <p:clrMapOvr>
-    <a:masterClrMapping/>
-  </p:clrMapOvr>
-</p:sld>
-</file>
-
-<file path=ppt/slides/slide12.xml><?xml version="1.0" encoding="utf-8"?>
-<p:sld xmlns:a="http://schemas.openxmlformats.org/drawingml/2006/main" xmlns:r="http://schemas.openxmlformats.org/officeDocument/2006/relationships" xmlns:p="http://schemas.openxmlformats.org/presentationml/2006/main">
-  <p:cSld>
-    <p:spTree>
-      <p:nvGrpSpPr>
-        <p:cNvPr id="1" name=""/>
-        <p:cNvGrpSpPr/>
-        <p:nvPr/>
-      </p:nvGrpSpPr>
-      <p:grpSpPr>
-        <a:xfrm>
-          <a:off x="0" y="0"/>
-          <a:ext cx="0" cy="0"/>
-          <a:chOff x="0" y="0"/>
-          <a:chExt cx="0" cy="0"/>
-        </a:xfrm>
-      </p:grpSpPr>
-      <p:sp>
-        <p:nvSpPr>
-          <p:cNvPr id="2" name="Title 1">
-            <a:extLst>
-              <a:ext uri="{FF2B5EF4-FFF2-40B4-BE49-F238E27FC236}">
-                <a16:creationId xmlns:a16="http://schemas.microsoft.com/office/drawing/2014/main" id="{35D973D6-71EC-45D9-B233-8B21390D16AA}"/>
-              </a:ext>
-            </a:extLst>
-          </p:cNvPr>
-          <p:cNvSpPr>
-            <a:spLocks noGrp="1"/>
-          </p:cNvSpPr>
-          <p:nvPr>
-            <p:ph type="title"/>
-          </p:nvPr>
-        </p:nvSpPr>
-        <p:spPr/>
-        <p:txBody>
-          <a:bodyPr/>
-          <a:lstStyle/>
-          <a:p>
-            <a:r>
-              <a:rPr lang="en-US" dirty="0">
-                <a:latin typeface="Univers (body)"/>
-              </a:rPr>
-              <a:t>In Florida, Race Emerged as Strongest Predictors</a:t>
-            </a:r>
-          </a:p>
-        </p:txBody>
-      </p:sp>
-      <p:pic>
-        <p:nvPicPr>
-          <p:cNvPr id="10" name="Content Placeholder 9" descr="Chart, bar chart&#10;&#10;Description automatically generated">
-            <a:extLst>
-              <a:ext uri="{FF2B5EF4-FFF2-40B4-BE49-F238E27FC236}">
-                <a16:creationId xmlns:a16="http://schemas.microsoft.com/office/drawing/2014/main" id="{E312025E-BD8A-4464-9C0E-0EAC92745425}"/>
-              </a:ext>
-            </a:extLst>
-          </p:cNvPr>
-          <p:cNvPicPr>
-            <a:picLocks noGrp="1" noChangeAspect="1"/>
-          </p:cNvPicPr>
-          <p:nvPr>
-            <p:ph sz="half" idx="1"/>
-          </p:nvPr>
-        </p:nvPicPr>
-        <p:blipFill>
-          <a:blip r:embed="rId2">
-            <a:extLst>
-              <a:ext uri="{28A0092B-C50C-407E-A947-70E740481C1C}">
-                <a14:useLocalDpi xmlns:a14="http://schemas.microsoft.com/office/drawing/2010/main" val="0"/>
-              </a:ext>
-            </a:extLst>
-          </a:blip>
-          <a:stretch>
-            <a:fillRect/>
-          </a:stretch>
-        </p:blipFill>
-        <p:spPr>
-          <a:xfrm>
-            <a:off x="223575" y="2208201"/>
-            <a:ext cx="5954070" cy="3827616"/>
-          </a:xfrm>
-        </p:spPr>
-      </p:pic>
-      <p:pic>
-        <p:nvPicPr>
-          <p:cNvPr id="12" name="Content Placeholder 11" descr="Chart, scatter chart&#10;&#10;Description automatically generated">
-            <a:extLst>
-              <a:ext uri="{FF2B5EF4-FFF2-40B4-BE49-F238E27FC236}">
-                <a16:creationId xmlns:a16="http://schemas.microsoft.com/office/drawing/2014/main" id="{407A4FD5-049D-4515-AA3C-C6DB394EED30}"/>
-              </a:ext>
-            </a:extLst>
-          </p:cNvPr>
-          <p:cNvPicPr>
-            <a:picLocks noGrp="1" noChangeAspect="1"/>
-          </p:cNvPicPr>
-          <p:nvPr>
-            <p:ph sz="half" idx="2"/>
-          </p:nvPr>
-        </p:nvPicPr>
-        <p:blipFill>
-          <a:blip r:embed="rId3">
-            <a:extLst>
-              <a:ext uri="{28A0092B-C50C-407E-A947-70E740481C1C}">
-                <a14:useLocalDpi xmlns:a14="http://schemas.microsoft.com/office/drawing/2010/main" val="0"/>
-              </a:ext>
-            </a:extLst>
-          </a:blip>
-          <a:stretch>
-            <a:fillRect/>
-          </a:stretch>
-        </p:blipFill>
-        <p:spPr>
-          <a:xfrm>
-            <a:off x="6417130" y="2208201"/>
-            <a:ext cx="5181600" cy="3978072"/>
-          </a:xfrm>
-        </p:spPr>
-      </p:pic>
-    </p:spTree>
-    <p:extLst>
-      <p:ext uri="{BB962C8B-B14F-4D97-AF65-F5344CB8AC3E}">
-        <p14:creationId xmlns:p14="http://schemas.microsoft.com/office/powerpoint/2010/main" val="1269814998"/>
-      </p:ext>
-    </p:extLst>
-  </p:cSld>
-  <p:clrMapOvr>
-    <a:masterClrMapping/>
-  </p:clrMapOvr>
-</p:sld>
-</file>
-
-<file path=ppt/slides/slide13.xml><?xml version="1.0" encoding="utf-8"?>
-<p:sld xmlns:a="http://schemas.openxmlformats.org/drawingml/2006/main" xmlns:r="http://schemas.openxmlformats.org/officeDocument/2006/relationships" xmlns:p="http://schemas.openxmlformats.org/presentationml/2006/main">
-  <p:cSld>
-    <p:spTree>
-      <p:nvGrpSpPr>
-        <p:cNvPr id="1" name=""/>
-        <p:cNvGrpSpPr/>
-        <p:nvPr/>
-      </p:nvGrpSpPr>
-      <p:grpSpPr>
-        <a:xfrm>
-          <a:off x="0" y="0"/>
-          <a:ext cx="0" cy="0"/>
-          <a:chOff x="0" y="0"/>
-          <a:chExt cx="0" cy="0"/>
-        </a:xfrm>
-      </p:grpSpPr>
-      <p:sp>
-        <p:nvSpPr>
-          <p:cNvPr id="2" name="Title 1">
-            <a:extLst>
-              <a:ext uri="{FF2B5EF4-FFF2-40B4-BE49-F238E27FC236}">
-                <a16:creationId xmlns:a16="http://schemas.microsoft.com/office/drawing/2014/main" id="{35D973D6-71EC-45D9-B233-8B21390D16AA}"/>
-              </a:ext>
-            </a:extLst>
-          </p:cNvPr>
-          <p:cNvSpPr>
-            <a:spLocks noGrp="1"/>
-          </p:cNvSpPr>
-          <p:nvPr>
-            <p:ph type="title"/>
-          </p:nvPr>
-        </p:nvSpPr>
-        <p:spPr/>
-        <p:txBody>
-          <a:bodyPr/>
-          <a:lstStyle/>
-          <a:p>
-            <a:r>
-              <a:rPr lang="en-US" dirty="0">
-                <a:latin typeface="Univers (body)"/>
-              </a:rPr>
-              <a:t>In Illinois, Age and Being Insured Emerged as Strongest Predictors</a:t>
-            </a:r>
-          </a:p>
-        </p:txBody>
-      </p:sp>
-      <p:pic>
-        <p:nvPicPr>
-          <p:cNvPr id="8" name="Content Placeholder 7" descr="Chart, bar chart&#10;&#10;Description automatically generated">
-            <a:extLst>
-              <a:ext uri="{FF2B5EF4-FFF2-40B4-BE49-F238E27FC236}">
-                <a16:creationId xmlns:a16="http://schemas.microsoft.com/office/drawing/2014/main" id="{04B03B16-784B-4AF6-BD02-D6ED6E1CD5D4}"/>
-              </a:ext>
-            </a:extLst>
-          </p:cNvPr>
-          <p:cNvPicPr>
-            <a:picLocks noGrp="1" noChangeAspect="1"/>
-          </p:cNvPicPr>
-          <p:nvPr>
-            <p:ph sz="half" idx="1"/>
-          </p:nvPr>
-        </p:nvPicPr>
-        <p:blipFill>
-          <a:blip r:embed="rId2">
-            <a:extLst>
-              <a:ext uri="{28A0092B-C50C-407E-A947-70E740481C1C}">
-                <a14:useLocalDpi xmlns:a14="http://schemas.microsoft.com/office/drawing/2010/main" val="0"/>
-              </a:ext>
-            </a:extLst>
-          </a:blip>
-          <a:stretch>
-            <a:fillRect/>
-          </a:stretch>
-        </p:blipFill>
-        <p:spPr>
-          <a:xfrm>
-            <a:off x="359229" y="2294357"/>
-            <a:ext cx="5521778" cy="3501406"/>
-          </a:xfrm>
-        </p:spPr>
-      </p:pic>
-      <p:pic>
-        <p:nvPicPr>
-          <p:cNvPr id="11" name="Content Placeholder 10" descr="Chart, scatter chart&#10;&#10;Description automatically generated">
-            <a:extLst>
-              <a:ext uri="{FF2B5EF4-FFF2-40B4-BE49-F238E27FC236}">
-                <a16:creationId xmlns:a16="http://schemas.microsoft.com/office/drawing/2014/main" id="{32F0EA16-181C-478B-86C7-6C6431CF5298}"/>
-              </a:ext>
-            </a:extLst>
-          </p:cNvPr>
-          <p:cNvPicPr>
-            <a:picLocks noGrp="1" noChangeAspect="1"/>
-          </p:cNvPicPr>
-          <p:nvPr>
-            <p:ph sz="half" idx="2"/>
-          </p:nvPr>
-        </p:nvPicPr>
-        <p:blipFill>
-          <a:blip r:embed="rId3">
-            <a:extLst>
-              <a:ext uri="{28A0092B-C50C-407E-A947-70E740481C1C}">
-                <a14:useLocalDpi xmlns:a14="http://schemas.microsoft.com/office/drawing/2010/main" val="0"/>
-              </a:ext>
-            </a:extLst>
-          </a:blip>
-          <a:stretch>
-            <a:fillRect/>
-          </a:stretch>
-        </p:blipFill>
-        <p:spPr>
-          <a:xfrm>
-            <a:off x="6096000" y="2192780"/>
-            <a:ext cx="5442857" cy="3754604"/>
-          </a:xfrm>
-        </p:spPr>
-      </p:pic>
-    </p:spTree>
-    <p:extLst>
-      <p:ext uri="{BB962C8B-B14F-4D97-AF65-F5344CB8AC3E}">
-        <p14:creationId xmlns:p14="http://schemas.microsoft.com/office/powerpoint/2010/main" val="1452443302"/>
-      </p:ext>
-    </p:extLst>
-  </p:cSld>
-  <p:clrMapOvr>
-    <a:masterClrMapping/>
-  </p:clrMapOvr>
-</p:sld>
-</file>
-
-<file path=ppt/slides/slide14.xml><?xml version="1.0" encoding="utf-8"?>
-<p:sld xmlns:a="http://schemas.openxmlformats.org/drawingml/2006/main" xmlns:r="http://schemas.openxmlformats.org/officeDocument/2006/relationships" xmlns:p="http://schemas.openxmlformats.org/presentationml/2006/main">
-  <p:cSld>
-    <p:spTree>
-      <p:nvGrpSpPr>
-        <p:cNvPr id="1" name=""/>
-        <p:cNvGrpSpPr/>
-        <p:nvPr/>
-      </p:nvGrpSpPr>
-      <p:grpSpPr>
-        <a:xfrm>
-          <a:off x="0" y="0"/>
-          <a:ext cx="0" cy="0"/>
-          <a:chOff x="0" y="0"/>
-          <a:chExt cx="0" cy="0"/>
-        </a:xfrm>
-      </p:grpSpPr>
-      <p:sp>
-        <p:nvSpPr>
-          <p:cNvPr id="2" name="Title 1">
-            <a:extLst>
-              <a:ext uri="{FF2B5EF4-FFF2-40B4-BE49-F238E27FC236}">
-                <a16:creationId xmlns:a16="http://schemas.microsoft.com/office/drawing/2014/main" id="{35D973D6-71EC-45D9-B233-8B21390D16AA}"/>
-              </a:ext>
-            </a:extLst>
-          </p:cNvPr>
-          <p:cNvSpPr>
-            <a:spLocks noGrp="1"/>
-          </p:cNvSpPr>
-          <p:nvPr>
-            <p:ph type="title"/>
-          </p:nvPr>
-        </p:nvSpPr>
-        <p:spPr/>
-        <p:txBody>
-          <a:bodyPr>
-            <a:normAutofit/>
-          </a:bodyPr>
-          <a:lstStyle/>
-          <a:p>
-            <a:r>
-              <a:rPr lang="en-US" dirty="0">
-                <a:latin typeface="Univers (body)"/>
-              </a:rPr>
-              <a:t>In New York, Race and Age Emerged as Strongest Predictors</a:t>
-            </a:r>
-          </a:p>
-        </p:txBody>
-      </p:sp>
-      <p:pic>
-        <p:nvPicPr>
-          <p:cNvPr id="9" name="Content Placeholder 8" descr="Chart, bar chart&#10;&#10;Description automatically generated">
-            <a:extLst>
-              <a:ext uri="{FF2B5EF4-FFF2-40B4-BE49-F238E27FC236}">
-                <a16:creationId xmlns:a16="http://schemas.microsoft.com/office/drawing/2014/main" id="{FA16E064-5C9E-4131-897E-546106F8CD7C}"/>
-              </a:ext>
-            </a:extLst>
-          </p:cNvPr>
-          <p:cNvPicPr>
-            <a:picLocks noGrp="1" noChangeAspect="1"/>
-          </p:cNvPicPr>
-          <p:nvPr>
-            <p:ph sz="half" idx="1"/>
-          </p:nvPr>
-        </p:nvPicPr>
-        <p:blipFill>
-          <a:blip r:embed="rId2">
-            <a:extLst>
-              <a:ext uri="{28A0092B-C50C-407E-A947-70E740481C1C}">
-                <a14:useLocalDpi xmlns:a14="http://schemas.microsoft.com/office/drawing/2010/main" val="0"/>
-              </a:ext>
-            </a:extLst>
-          </a:blip>
-          <a:stretch>
-            <a:fillRect/>
-          </a:stretch>
-        </p:blipFill>
-        <p:spPr>
-          <a:xfrm>
-            <a:off x="253752" y="2407548"/>
-            <a:ext cx="5766049" cy="3547019"/>
-          </a:xfrm>
-        </p:spPr>
-      </p:pic>
-      <p:pic>
-        <p:nvPicPr>
-          <p:cNvPr id="12" name="Content Placeholder 11" descr="Chart, scatter chart&#10;&#10;Description automatically generated">
-            <a:extLst>
-              <a:ext uri="{FF2B5EF4-FFF2-40B4-BE49-F238E27FC236}">
-                <a16:creationId xmlns:a16="http://schemas.microsoft.com/office/drawing/2014/main" id="{44EFA7C4-B3B3-4025-9B42-ABFB477BE816}"/>
-              </a:ext>
-            </a:extLst>
-          </p:cNvPr>
-          <p:cNvPicPr>
-            <a:picLocks noGrp="1" noChangeAspect="1"/>
-          </p:cNvPicPr>
-          <p:nvPr>
-            <p:ph sz="half" idx="2"/>
-          </p:nvPr>
-        </p:nvPicPr>
-        <p:blipFill>
-          <a:blip r:embed="rId3">
-            <a:extLst>
-              <a:ext uri="{28A0092B-C50C-407E-A947-70E740481C1C}">
-                <a14:useLocalDpi xmlns:a14="http://schemas.microsoft.com/office/drawing/2010/main" val="0"/>
-              </a:ext>
-            </a:extLst>
-          </a:blip>
-          <a:stretch>
-            <a:fillRect/>
-          </a:stretch>
-        </p:blipFill>
-        <p:spPr>
-          <a:xfrm>
-            <a:off x="6457950" y="2325607"/>
-            <a:ext cx="5181600" cy="3906546"/>
-          </a:xfrm>
-        </p:spPr>
-      </p:pic>
-    </p:spTree>
-    <p:extLst>
-      <p:ext uri="{BB962C8B-B14F-4D97-AF65-F5344CB8AC3E}">
-        <p14:creationId xmlns:p14="http://schemas.microsoft.com/office/powerpoint/2010/main" val="1941836410"/>
-      </p:ext>
-    </p:extLst>
-  </p:cSld>
-  <p:clrMapOvr>
-    <a:masterClrMapping/>
-  </p:clrMapOvr>
-</p:sld>
-</file>
-
-<file path=ppt/slides/slide15.xml><?xml version="1.0" encoding="utf-8"?>
-<p:sld xmlns:a="http://schemas.openxmlformats.org/drawingml/2006/main" xmlns:r="http://schemas.openxmlformats.org/officeDocument/2006/relationships" xmlns:p="http://schemas.openxmlformats.org/presentationml/2006/main">
-  <p:cSld>
-    <p:spTree>
-      <p:nvGrpSpPr>
-        <p:cNvPr id="1" name=""/>
-        <p:cNvGrpSpPr/>
-        <p:nvPr/>
-      </p:nvGrpSpPr>
-      <p:grpSpPr>
-        <a:xfrm>
-          <a:off x="0" y="0"/>
-          <a:ext cx="0" cy="0"/>
-          <a:chOff x="0" y="0"/>
-          <a:chExt cx="0" cy="0"/>
-        </a:xfrm>
-      </p:grpSpPr>
-      <p:sp>
-        <p:nvSpPr>
-          <p:cNvPr id="2" name="Title 1">
-            <a:extLst>
-              <a:ext uri="{FF2B5EF4-FFF2-40B4-BE49-F238E27FC236}">
-                <a16:creationId xmlns:a16="http://schemas.microsoft.com/office/drawing/2014/main" id="{35D973D6-71EC-45D9-B233-8B21390D16AA}"/>
-              </a:ext>
-            </a:extLst>
-          </p:cNvPr>
-          <p:cNvSpPr>
-            <a:spLocks noGrp="1"/>
-          </p:cNvSpPr>
-          <p:nvPr>
-            <p:ph type="title"/>
-          </p:nvPr>
-        </p:nvSpPr>
-        <p:spPr/>
-        <p:txBody>
-          <a:bodyPr>
-            <a:normAutofit/>
-          </a:bodyPr>
-          <a:lstStyle/>
-          <a:p>
-            <a:r>
-              <a:rPr lang="en-US">
-                <a:latin typeface="Univers (body)"/>
-              </a:rPr>
-              <a:t>In Texas, Race and Income Emerged as Strongest Predictors</a:t>
-            </a:r>
-            <a:endParaRPr lang="en-US" dirty="0">
-              <a:latin typeface="Univers (body)"/>
-            </a:endParaRPr>
-          </a:p>
-        </p:txBody>
-      </p:sp>
-      <p:pic>
-        <p:nvPicPr>
-          <p:cNvPr id="8" name="Content Placeholder 7" descr="Chart&#10;&#10;Description automatically generated">
-            <a:extLst>
-              <a:ext uri="{FF2B5EF4-FFF2-40B4-BE49-F238E27FC236}">
-                <a16:creationId xmlns:a16="http://schemas.microsoft.com/office/drawing/2014/main" id="{85D0746E-0DEC-4550-8D3E-0ACB2D8F7700}"/>
-              </a:ext>
-            </a:extLst>
-          </p:cNvPr>
-          <p:cNvPicPr>
-            <a:picLocks noGrp="1" noChangeAspect="1"/>
-          </p:cNvPicPr>
-          <p:nvPr>
-            <p:ph sz="half" idx="1"/>
-          </p:nvPr>
-        </p:nvPicPr>
-        <p:blipFill>
-          <a:blip r:embed="rId2">
-            <a:extLst>
-              <a:ext uri="{28A0092B-C50C-407E-A947-70E740481C1C}">
-                <a14:useLocalDpi xmlns:a14="http://schemas.microsoft.com/office/drawing/2010/main" val="0"/>
-              </a:ext>
-            </a:extLst>
-          </a:blip>
-          <a:stretch>
-            <a:fillRect/>
-          </a:stretch>
-        </p:blipFill>
-        <p:spPr>
-          <a:xfrm>
-            <a:off x="406004" y="2155371"/>
-            <a:ext cx="5613797" cy="3742531"/>
-          </a:xfrm>
-        </p:spPr>
-      </p:pic>
-      <p:pic>
-        <p:nvPicPr>
-          <p:cNvPr id="11" name="Content Placeholder 10" descr="Chart, scatter chart&#10;&#10;Description automatically generated">
-            <a:extLst>
-              <a:ext uri="{FF2B5EF4-FFF2-40B4-BE49-F238E27FC236}">
-                <a16:creationId xmlns:a16="http://schemas.microsoft.com/office/drawing/2014/main" id="{DBACF3C1-A5EC-4643-A36B-207BC03D2019}"/>
-              </a:ext>
-            </a:extLst>
-          </p:cNvPr>
-          <p:cNvPicPr>
-            <a:picLocks noGrp="1" noChangeAspect="1"/>
-          </p:cNvPicPr>
-          <p:nvPr>
-            <p:ph sz="half" idx="2"/>
-          </p:nvPr>
-        </p:nvPicPr>
-        <p:blipFill>
-          <a:blip r:embed="rId3">
-            <a:extLst>
-              <a:ext uri="{28A0092B-C50C-407E-A947-70E740481C1C}">
-                <a14:useLocalDpi xmlns:a14="http://schemas.microsoft.com/office/drawing/2010/main" val="0"/>
-              </a:ext>
-            </a:extLst>
-          </a:blip>
-          <a:stretch>
-            <a:fillRect/>
-          </a:stretch>
-        </p:blipFill>
-        <p:spPr>
-          <a:xfrm>
-            <a:off x="6172201" y="2155371"/>
-            <a:ext cx="5415643" cy="4118145"/>
-          </a:xfrm>
-        </p:spPr>
-      </p:pic>
-    </p:spTree>
-    <p:extLst>
-      <p:ext uri="{BB962C8B-B14F-4D97-AF65-F5344CB8AC3E}">
-        <p14:creationId xmlns:p14="http://schemas.microsoft.com/office/powerpoint/2010/main" val="3826644190"/>
-      </p:ext>
-    </p:extLst>
-  </p:cSld>
-  <p:clrMapOvr>
-    <a:masterClrMapping/>
-  </p:clrMapOvr>
-</p:sld>
-</file>
-
-<file path=ppt/slides/slide16.xml><?xml version="1.0" encoding="utf-8"?>
-<p:sld xmlns:a="http://schemas.openxmlformats.org/drawingml/2006/main" xmlns:r="http://schemas.openxmlformats.org/officeDocument/2006/relationships" xmlns:p="http://schemas.openxmlformats.org/presentationml/2006/main">
-  <p:cSld>
-    <p:bg>
-      <p:bgPr>
-        <a:solidFill>
-          <a:schemeClr val="bg1"/>
-        </a:solidFill>
-        <a:effectLst/>
-      </p:bgPr>
-    </p:bg>
-    <p:spTree>
-      <p:nvGrpSpPr>
-        <p:cNvPr id="1" name=""/>
-        <p:cNvGrpSpPr/>
-        <p:nvPr/>
-      </p:nvGrpSpPr>
-      <p:grpSpPr>
-        <a:xfrm>
-          <a:off x="0" y="0"/>
-          <a:ext cx="0" cy="0"/>
-          <a:chOff x="0" y="0"/>
-          <a:chExt cx="0" cy="0"/>
-        </a:xfrm>
-      </p:grpSpPr>
-      <p:sp>
-        <p:nvSpPr>
-          <p:cNvPr id="2" name="Title 1">
-            <a:extLst>
-              <a:ext uri="{FF2B5EF4-FFF2-40B4-BE49-F238E27FC236}">
-                <a16:creationId xmlns:a16="http://schemas.microsoft.com/office/drawing/2014/main" id="{A0D1BE85-58F0-4D8F-B2DB-F82D419834A9}"/>
-              </a:ext>
-            </a:extLst>
-          </p:cNvPr>
-          <p:cNvSpPr>
-            <a:spLocks noGrp="1"/>
-          </p:cNvSpPr>
-          <p:nvPr>
-            <p:ph type="title"/>
-          </p:nvPr>
-        </p:nvSpPr>
-        <p:spPr>
-          <a:xfrm>
-            <a:off x="396573" y="320675"/>
-            <a:ext cx="11407487" cy="1325563"/>
-          </a:xfrm>
-        </p:spPr>
-        <p:txBody>
-          <a:bodyPr>
-            <a:normAutofit/>
-          </a:bodyPr>
-          <a:lstStyle/>
-          <a:p>
-            <a:r>
-              <a:rPr lang="en-US" sz="5400" dirty="0">
-                <a:latin typeface="Univers (body)"/>
-              </a:rPr>
-              <a:t>Conclusions and Key Challenges</a:t>
-            </a:r>
-          </a:p>
-        </p:txBody>
-      </p:sp>
-      <p:sp>
-        <p:nvSpPr>
-          <p:cNvPr id="9" name="Rectangle 8">
-            <a:extLst>
-              <a:ext uri="{FF2B5EF4-FFF2-40B4-BE49-F238E27FC236}">
-                <a16:creationId xmlns:a16="http://schemas.microsoft.com/office/drawing/2014/main" id="{37E32B78-23DD-4E77-8B9C-7779E3BF20C2}"/>
-              </a:ext>
-              <a:ext uri="{C183D7F6-B498-43B3-948B-1728B52AA6E4}">
-                <adec:decorative xmlns:adec="http://schemas.microsoft.com/office/drawing/2017/decorative" val="1"/>
-              </a:ext>
-            </a:extLst>
-          </p:cNvPr>
-          <p:cNvSpPr>
-            <a:spLocks noGrp="1" noRot="1" noChangeAspect="1" noMove="1" noResize="1" noEditPoints="1" noAdjustHandles="1" noChangeArrowheads="1" noChangeShapeType="1" noTextEdit="1"/>
-          </p:cNvSpPr>
-          <p:nvPr>
-            <p:extLst>
-              <p:ext uri="{386F3935-93C4-4BCD-93E2-E3B085C9AB24}">
-                <p16:designElem xmlns:p16="http://schemas.microsoft.com/office/powerpoint/2015/main" val="1"/>
-              </p:ext>
-            </p:extLst>
-          </p:nvPr>
-        </p:nvSpPr>
-        <p:spPr>
-          <a:xfrm>
-            <a:off x="0" y="0"/>
-            <a:ext cx="126124" cy="6858000"/>
-          </a:xfrm>
-          <a:prstGeom prst="rect">
-            <a:avLst/>
-          </a:prstGeom>
-          <a:solidFill>
-            <a:srgbClr val="4472C4"/>
-          </a:solidFill>
-          <a:ln w="12700" cap="flat" cmpd="sng" algn="ctr">
-            <a:noFill/>
-            <a:prstDash val="solid"/>
-            <a:miter lim="800000"/>
-          </a:ln>
-          <a:effectLst/>
-        </p:spPr>
-        <p:txBody>
-          <a:bodyPr rtlCol="0" anchor="ctr"/>
-          <a:lstStyle/>
-          <a:p>
-            <a:pPr marL="0" marR="0" lvl="0" indent="0" algn="ctr" defTabSz="914400" eaLnBrk="1" fontAlgn="auto" latinLnBrk="0" hangingPunct="1">
-              <a:lnSpc>
-                <a:spcPct val="100000"/>
-              </a:lnSpc>
-              <a:spcBef>
-                <a:spcPts val="0"/>
-              </a:spcBef>
-              <a:spcAft>
-                <a:spcPts val="0"/>
-              </a:spcAft>
-              <a:buClrTx/>
-              <a:buSzTx/>
-              <a:buFontTx/>
-              <a:buNone/>
-              <a:tabLst/>
-              <a:defRPr/>
-            </a:pPr>
-            <a:endParaRPr kumimoji="0" lang="en-US" sz="1800" b="0" i="0" u="none" strike="noStrike" kern="0" cap="none" spc="0" normalizeH="0" baseline="0" noProof="0">
-              <a:ln>
-                <a:noFill/>
-              </a:ln>
-              <a:solidFill>
-                <a:prstClr val="white"/>
-              </a:solidFill>
-              <a:effectLst/>
-              <a:uLnTx/>
-              <a:uFillTx/>
-              <a:latin typeface="Calibri" panose="020F0502020204030204"/>
-              <a:ea typeface="+mn-ea"/>
-              <a:cs typeface="+mn-cs"/>
-            </a:endParaRPr>
-          </a:p>
-        </p:txBody>
-      </p:sp>
-      <p:graphicFrame>
-        <p:nvGraphicFramePr>
-          <p:cNvPr id="5" name="Content Placeholder 2">
-            <a:extLst>
-              <a:ext uri="{FF2B5EF4-FFF2-40B4-BE49-F238E27FC236}">
-                <a16:creationId xmlns:a16="http://schemas.microsoft.com/office/drawing/2014/main" id="{8DAEBF91-F53E-4DD2-8552-D4860C057DE4}"/>
-              </a:ext>
-            </a:extLst>
-          </p:cNvPr>
-          <p:cNvGraphicFramePr>
-            <a:graphicFrameLocks noGrp="1"/>
-          </p:cNvGraphicFramePr>
-          <p:nvPr>
-            <p:ph idx="1"/>
-            <p:extLst>
-              <p:ext uri="{D42A27DB-BD31-4B8C-83A1-F6EECF244321}">
-                <p14:modId xmlns:p14="http://schemas.microsoft.com/office/powerpoint/2010/main" val="1933739201"/>
-              </p:ext>
-            </p:extLst>
-          </p:nvPr>
-        </p:nvGraphicFramePr>
-        <p:xfrm>
-          <a:off x="396574" y="1825625"/>
-          <a:ext cx="11407487" cy="4351338"/>
-        </p:xfrm>
-        <a:graphic>
-          <a:graphicData uri="http://schemas.openxmlformats.org/drawingml/2006/diagram">
-            <dgm:relIds xmlns:dgm="http://schemas.openxmlformats.org/drawingml/2006/diagram" xmlns:r="http://schemas.openxmlformats.org/officeDocument/2006/relationships" r:dm="rId2" r:lo="rId3" r:qs="rId4" r:cs="rId5"/>
-          </a:graphicData>
-        </a:graphic>
-      </p:graphicFrame>
-    </p:spTree>
-    <p:extLst>
-      <p:ext uri="{BB962C8B-B14F-4D97-AF65-F5344CB8AC3E}">
-        <p14:creationId xmlns:p14="http://schemas.microsoft.com/office/powerpoint/2010/main" val="632227119"/>
-      </p:ext>
-    </p:extLst>
-  </p:cSld>
-  <p:clrMapOvr>
-    <a:masterClrMapping/>
-  </p:clrMapOvr>
-</p:sld>
-</file>
-
-<file path=ppt/slides/slide17.xml><?xml version="1.0" encoding="utf-8"?>
-<p:sld xmlns:a="http://schemas.openxmlformats.org/drawingml/2006/main" xmlns:r="http://schemas.openxmlformats.org/officeDocument/2006/relationships" xmlns:p="http://schemas.openxmlformats.org/presentationml/2006/main">
-  <p:cSld>
-    <p:bg>
-      <p:bgPr>
-        <a:solidFill>
-          <a:schemeClr val="bg1"/>
-        </a:solidFill>
-        <a:effectLst/>
-      </p:bgPr>
-    </p:bg>
-    <p:spTree>
-      <p:nvGrpSpPr>
-        <p:cNvPr id="1" name=""/>
-        <p:cNvGrpSpPr/>
-        <p:nvPr/>
-      </p:nvGrpSpPr>
-      <p:grpSpPr>
-        <a:xfrm>
-          <a:off x="0" y="0"/>
-          <a:ext cx="0" cy="0"/>
-          <a:chOff x="0" y="0"/>
-          <a:chExt cx="0" cy="0"/>
-        </a:xfrm>
-      </p:grpSpPr>
-      <p:sp useBgFill="1">
-        <p:nvSpPr>
-          <p:cNvPr id="10" name="Rectangle 9">
-            <a:extLst>
-              <a:ext uri="{FF2B5EF4-FFF2-40B4-BE49-F238E27FC236}">
-                <a16:creationId xmlns:a16="http://schemas.microsoft.com/office/drawing/2014/main" id="{7D9D36D6-2AC5-46A1-A849-4C82D5264A3A}"/>
-              </a:ext>
-              <a:ext uri="{C183D7F6-B498-43B3-948B-1728B52AA6E4}">
-                <adec:decorative xmlns:adec="http://schemas.microsoft.com/office/drawing/2017/decorative" val="1"/>
-              </a:ext>
-            </a:extLst>
-          </p:cNvPr>
-          <p:cNvSpPr>
-            <a:spLocks noGrp="1" noRot="1" noChangeAspect="1" noMove="1" noResize="1" noEditPoints="1" noAdjustHandles="1" noChangeArrowheads="1" noChangeShapeType="1" noTextEdit="1"/>
-          </p:cNvSpPr>
-          <p:nvPr>
-            <p:extLst>
-              <p:ext uri="{386F3935-93C4-4BCD-93E2-E3B085C9AB24}">
-                <p16:designElem xmlns:p16="http://schemas.microsoft.com/office/powerpoint/2015/main" val="1"/>
-              </p:ext>
-            </p:extLst>
-          </p:nvPr>
-        </p:nvSpPr>
-        <p:spPr>
-          <a:xfrm>
-            <a:off x="-1" y="0"/>
-            <a:ext cx="12188952" cy="6858000"/>
-          </a:xfrm>
-          <a:prstGeom prst="rect">
-            <a:avLst/>
-          </a:prstGeom>
-          <a:ln>
-            <a:noFill/>
-          </a:ln>
-        </p:spPr>
-        <p:style>
-          <a:lnRef idx="2">
-            <a:schemeClr val="accent1">
-              <a:shade val="50000"/>
-            </a:schemeClr>
-          </a:lnRef>
-          <a:fillRef idx="1">
-            <a:schemeClr val="accent1"/>
-          </a:fillRef>
-          <a:effectRef idx="0">
-            <a:schemeClr val="accent1"/>
-          </a:effectRef>
-          <a:fontRef idx="minor">
-            <a:schemeClr val="lt1"/>
-          </a:fontRef>
-        </p:style>
-        <p:txBody>
-          <a:bodyPr rtlCol="0" anchor="ctr"/>
-          <a:lstStyle/>
-          <a:p>
-            <a:pPr algn="ctr"/>
-            <a:endParaRPr lang="en-US" dirty="0"/>
-          </a:p>
-        </p:txBody>
-      </p:sp>
-      <p:sp>
-        <p:nvSpPr>
-          <p:cNvPr id="2" name="Title 1">
-            <a:extLst>
-              <a:ext uri="{FF2B5EF4-FFF2-40B4-BE49-F238E27FC236}">
-                <a16:creationId xmlns:a16="http://schemas.microsoft.com/office/drawing/2014/main" id="{411F2758-7045-4E69-9114-0F4233A9A4C4}"/>
-              </a:ext>
-            </a:extLst>
-          </p:cNvPr>
-          <p:cNvSpPr>
-            <a:spLocks noGrp="1"/>
-          </p:cNvSpPr>
-          <p:nvPr>
-            <p:ph type="title"/>
-          </p:nvPr>
-        </p:nvSpPr>
-        <p:spPr>
-          <a:xfrm>
-            <a:off x="5354955" y="552182"/>
-            <a:ext cx="5998840" cy="3343135"/>
-          </a:xfrm>
-          <a:noFill/>
-        </p:spPr>
-        <p:txBody>
-          <a:bodyPr vert="horz" lIns="91440" tIns="45720" rIns="91440" bIns="45720" rtlCol="0" anchor="b">
-            <a:normAutofit fontScale="90000"/>
-          </a:bodyPr>
-          <a:lstStyle/>
-          <a:p>
-            <a:r>
-              <a:rPr lang="en-US" sz="5200" dirty="0">
-                <a:latin typeface="Univers (body)"/>
-              </a:rPr>
-              <a:t>Demo: Interacting with Demographic Data and Classification Model</a:t>
-            </a:r>
-          </a:p>
-        </p:txBody>
-      </p:sp>
-      <p:pic>
-        <p:nvPicPr>
-          <p:cNvPr id="5" name="Content Placeholder 4" descr="Map&#10;&#10;Description automatically generated">
-            <a:extLst>
-              <a:ext uri="{FF2B5EF4-FFF2-40B4-BE49-F238E27FC236}">
-                <a16:creationId xmlns:a16="http://schemas.microsoft.com/office/drawing/2014/main" id="{5E1DF80B-7BC6-43DD-90D2-4E0B724C88B2}"/>
-              </a:ext>
-            </a:extLst>
-          </p:cNvPr>
-          <p:cNvPicPr>
-            <a:picLocks noGrp="1" noChangeAspect="1"/>
-          </p:cNvPicPr>
-          <p:nvPr>
-            <p:ph idx="1"/>
-          </p:nvPr>
-        </p:nvPicPr>
-        <p:blipFill rotWithShape="1">
-          <a:blip r:embed="rId2">
-            <a:extLst>
-              <a:ext uri="{28A0092B-C50C-407E-A947-70E740481C1C}">
-                <a14:useLocalDpi xmlns:a14="http://schemas.microsoft.com/office/drawing/2010/main" val="0"/>
-              </a:ext>
-            </a:extLst>
-          </a:blip>
-          <a:srcRect l="4530" r="5029"/>
-          <a:stretch/>
-        </p:blipFill>
-        <p:spPr>
-          <a:xfrm>
-            <a:off x="20" y="10"/>
-            <a:ext cx="4992985" cy="6857990"/>
-          </a:xfrm>
-          <a:prstGeom prst="rect">
-            <a:avLst/>
-          </a:prstGeom>
-        </p:spPr>
-      </p:pic>
-    </p:spTree>
-    <p:extLst>
-      <p:ext uri="{BB962C8B-B14F-4D97-AF65-F5344CB8AC3E}">
-        <p14:creationId xmlns:p14="http://schemas.microsoft.com/office/powerpoint/2010/main" val="945821856"/>
-      </p:ext>
-    </p:extLst>
-  </p:cSld>
-  <p:clrMapOvr>
-    <a:masterClrMapping/>
-  </p:clrMapOvr>
-</p:sld>
-</file>
-
-<file path=ppt/slides/slide18.xml><?xml version="1.0" encoding="utf-8"?>
-<p:sld xmlns:a="http://schemas.openxmlformats.org/drawingml/2006/main" xmlns:r="http://schemas.openxmlformats.org/officeDocument/2006/relationships" xmlns:p="http://schemas.openxmlformats.org/presentationml/2006/main">
-  <p:cSld>
-    <p:bg>
-      <p:bgPr>
-        <a:solidFill>
-          <a:schemeClr val="bg1"/>
-        </a:solidFill>
-        <a:effectLst/>
-      </p:bgPr>
-    </p:bg>
-    <p:spTree>
-      <p:nvGrpSpPr>
-        <p:cNvPr id="1" name=""/>
-        <p:cNvGrpSpPr/>
-        <p:nvPr/>
-      </p:nvGrpSpPr>
-      <p:grpSpPr>
-        <a:xfrm>
-          <a:off x="0" y="0"/>
-          <a:ext cx="0" cy="0"/>
-          <a:chOff x="0" y="0"/>
-          <a:chExt cx="0" cy="0"/>
-        </a:xfrm>
-      </p:grpSpPr>
-      <p:sp useBgFill="1">
-        <p:nvSpPr>
-          <p:cNvPr id="7" name="Rectangle 6">
-            <a:extLst>
-              <a:ext uri="{FF2B5EF4-FFF2-40B4-BE49-F238E27FC236}">
-                <a16:creationId xmlns:a16="http://schemas.microsoft.com/office/drawing/2014/main" id="{FFD48BC7-DC40-47DE-87EE-9F4B6ECB9ABB}"/>
-              </a:ext>
-              <a:ext uri="{C183D7F6-B498-43B3-948B-1728B52AA6E4}">
-                <adec:decorative xmlns:adec="http://schemas.microsoft.com/office/drawing/2017/decorative" val="1"/>
-              </a:ext>
-            </a:extLst>
-          </p:cNvPr>
-          <p:cNvSpPr>
-            <a:spLocks noGrp="1" noRot="1" noChangeAspect="1" noMove="1" noResize="1" noEditPoints="1" noAdjustHandles="1" noChangeArrowheads="1" noChangeShapeType="1" noTextEdit="1"/>
-          </p:cNvSpPr>
-          <p:nvPr>
-            <p:extLst>
-              <p:ext uri="{386F3935-93C4-4BCD-93E2-E3B085C9AB24}">
-                <p16:designElem xmlns:p16="http://schemas.microsoft.com/office/powerpoint/2015/main" val="1"/>
-              </p:ext>
-            </p:extLst>
-          </p:nvPr>
-        </p:nvSpPr>
-        <p:spPr>
-          <a:xfrm>
-            <a:off x="0" y="0"/>
-            <a:ext cx="12192000" cy="6858000"/>
-          </a:xfrm>
-          <a:prstGeom prst="rect">
-            <a:avLst/>
-          </a:prstGeom>
-          <a:ln>
-            <a:noFill/>
-          </a:ln>
-        </p:spPr>
-        <p:style>
-          <a:lnRef idx="2">
-            <a:schemeClr val="accent1">
-              <a:shade val="50000"/>
-            </a:schemeClr>
-          </a:lnRef>
-          <a:fillRef idx="1">
-            <a:schemeClr val="accent1"/>
-          </a:fillRef>
-          <a:effectRef idx="0">
-            <a:schemeClr val="accent1"/>
-          </a:effectRef>
-          <a:fontRef idx="minor">
-            <a:schemeClr val="lt1"/>
-          </a:fontRef>
-        </p:style>
-        <p:txBody>
-          <a:bodyPr rtlCol="0" anchor="ctr"/>
-          <a:lstStyle/>
-          <a:p>
-            <a:pPr algn="ctr"/>
-            <a:endParaRPr lang="en-US"/>
-          </a:p>
-        </p:txBody>
-      </p:sp>
-      <p:sp useBgFill="1">
-        <p:nvSpPr>
-          <p:cNvPr id="9" name="Freeform: Shape 8">
-            <a:extLst>
-              <a:ext uri="{FF2B5EF4-FFF2-40B4-BE49-F238E27FC236}">
-                <a16:creationId xmlns:a16="http://schemas.microsoft.com/office/drawing/2014/main" id="{E502BBC7-2C76-46F3-BC24-5985BC13DB88}"/>
-              </a:ext>
-              <a:ext uri="{C183D7F6-B498-43B3-948B-1728B52AA6E4}">
-                <adec:decorative xmlns:adec="http://schemas.microsoft.com/office/drawing/2017/decorative" val="1"/>
-              </a:ext>
-            </a:extLst>
-          </p:cNvPr>
-          <p:cNvSpPr>
-            <a:spLocks noGrp="1" noRot="1" noChangeAspect="1" noMove="1" noResize="1" noEditPoints="1" noAdjustHandles="1" noChangeArrowheads="1" noChangeShapeType="1" noTextEdit="1"/>
-          </p:cNvSpPr>
-          <p:nvPr>
-            <p:extLst>
-              <p:ext uri="{386F3935-93C4-4BCD-93E2-E3B085C9AB24}">
-                <p16:designElem xmlns:p16="http://schemas.microsoft.com/office/powerpoint/2015/main" val="1"/>
-              </p:ext>
-            </p:extLst>
-          </p:nvPr>
-        </p:nvSpPr>
-        <p:spPr>
-          <a:xfrm>
-            <a:off x="1114425" y="0"/>
-            <a:ext cx="9963150" cy="6858000"/>
-          </a:xfrm>
-          <a:custGeom>
-            <a:avLst/>
-            <a:gdLst>
-              <a:gd name="connsiteX0" fmla="*/ 1595771 w 9963150"/>
-              <a:gd name="connsiteY0" fmla="*/ 0 h 6858000"/>
-              <a:gd name="connsiteX1" fmla="*/ 8367379 w 9963150"/>
-              <a:gd name="connsiteY1" fmla="*/ 0 h 6858000"/>
-              <a:gd name="connsiteX2" fmla="*/ 8504080 w 9963150"/>
-              <a:gd name="connsiteY2" fmla="*/ 130333 h 6858000"/>
-              <a:gd name="connsiteX3" fmla="*/ 9963150 w 9963150"/>
-              <a:gd name="connsiteY3" fmla="*/ 3652838 h 6858000"/>
-              <a:gd name="connsiteX4" fmla="*/ 8825600 w 9963150"/>
-              <a:gd name="connsiteY4" fmla="*/ 6821583 h 6858000"/>
-              <a:gd name="connsiteX5" fmla="*/ 8794055 w 9963150"/>
-              <a:gd name="connsiteY5" fmla="*/ 6858000 h 6858000"/>
-              <a:gd name="connsiteX6" fmla="*/ 1169096 w 9963150"/>
-              <a:gd name="connsiteY6" fmla="*/ 6858000 h 6858000"/>
-              <a:gd name="connsiteX7" fmla="*/ 1137550 w 9963150"/>
-              <a:gd name="connsiteY7" fmla="*/ 6821583 h 6858000"/>
-              <a:gd name="connsiteX8" fmla="*/ 0 w 9963150"/>
-              <a:gd name="connsiteY8" fmla="*/ 3652838 h 6858000"/>
-              <a:gd name="connsiteX9" fmla="*/ 1459070 w 9963150"/>
-              <a:gd name="connsiteY9" fmla="*/ 130333 h 6858000"/>
-            </a:gdLst>
-            <a:ahLst/>
-            <a:cxnLst>
-              <a:cxn ang="0">
-                <a:pos x="connsiteX0" y="connsiteY0"/>
-              </a:cxn>
-              <a:cxn ang="0">
-                <a:pos x="connsiteX1" y="connsiteY1"/>
-              </a:cxn>
-              <a:cxn ang="0">
-                <a:pos x="connsiteX2" y="connsiteY2"/>
-              </a:cxn>
-              <a:cxn ang="0">
-                <a:pos x="connsiteX3" y="connsiteY3"/>
-              </a:cxn>
-              <a:cxn ang="0">
-                <a:pos x="connsiteX4" y="connsiteY4"/>
-              </a:cxn>
-              <a:cxn ang="0">
-                <a:pos x="connsiteX5" y="connsiteY5"/>
-              </a:cxn>
-              <a:cxn ang="0">
-                <a:pos x="connsiteX6" y="connsiteY6"/>
-              </a:cxn>
-              <a:cxn ang="0">
-                <a:pos x="connsiteX7" y="connsiteY7"/>
-              </a:cxn>
-              <a:cxn ang="0">
-                <a:pos x="connsiteX8" y="connsiteY8"/>
-              </a:cxn>
-              <a:cxn ang="0">
-                <a:pos x="connsiteX9" y="connsiteY9"/>
-              </a:cxn>
-            </a:cxnLst>
-            <a:rect l="l" t="t" r="r" b="b"/>
-            <a:pathLst>
-              <a:path w="9963150" h="6858000">
-                <a:moveTo>
-                  <a:pt x="1595771" y="0"/>
-                </a:moveTo>
-                <a:lnTo>
-                  <a:pt x="8367379" y="0"/>
-                </a:lnTo>
-                <a:lnTo>
-                  <a:pt x="8504080" y="130333"/>
-                </a:lnTo>
-                <a:cubicBezTo>
-                  <a:pt x="9405568" y="1031820"/>
-                  <a:pt x="9963150" y="2277214"/>
-                  <a:pt x="9963150" y="3652838"/>
-                </a:cubicBezTo>
-                <a:cubicBezTo>
-                  <a:pt x="9963150" y="4856509"/>
-                  <a:pt x="9536251" y="5960473"/>
-                  <a:pt x="8825600" y="6821583"/>
-                </a:cubicBezTo>
-                <a:lnTo>
-                  <a:pt x="8794055" y="6858000"/>
-                </a:lnTo>
-                <a:lnTo>
-                  <a:pt x="1169096" y="6858000"/>
-                </a:lnTo>
-                <a:lnTo>
-                  <a:pt x="1137550" y="6821583"/>
-                </a:lnTo>
-                <a:cubicBezTo>
-                  <a:pt x="426899" y="5960473"/>
-                  <a:pt x="0" y="4856509"/>
-                  <a:pt x="0" y="3652838"/>
-                </a:cubicBezTo>
-                <a:cubicBezTo>
-                  <a:pt x="0" y="2277214"/>
-                  <a:pt x="557582" y="1031820"/>
-                  <a:pt x="1459070" y="130333"/>
-                </a:cubicBezTo>
-                <a:close/>
-              </a:path>
-            </a:pathLst>
-          </a:custGeom>
-          <a:ln w="9525">
-            <a:solidFill>
-              <a:srgbClr val="EFEFEF"/>
-            </a:solidFill>
-          </a:ln>
-          <a:effectLst>
-            <a:outerShdw blurRad="139700" sx="102000" sy="102000" algn="ctr" rotWithShape="0">
-              <a:schemeClr val="bg1">
-                <a:lumMod val="85000"/>
-                <a:alpha val="38000"/>
-              </a:schemeClr>
-            </a:outerShdw>
-          </a:effectLst>
-        </p:spPr>
-        <p:style>
-          <a:lnRef idx="2">
-            <a:schemeClr val="accent1">
-              <a:shade val="50000"/>
-            </a:schemeClr>
-          </a:lnRef>
-          <a:fillRef idx="1">
-            <a:schemeClr val="accent1"/>
-          </a:fillRef>
-          <a:effectRef idx="0">
-            <a:schemeClr val="accent1"/>
-          </a:effectRef>
-          <a:fontRef idx="minor">
-            <a:schemeClr val="lt1"/>
-          </a:fontRef>
-        </p:style>
-        <p:txBody>
-          <a:bodyPr wrap="square" rtlCol="0" anchor="ctr">
-            <a:noAutofit/>
-          </a:bodyPr>
-          <a:lstStyle/>
-          <a:p>
-            <a:pPr marL="0" marR="0" lvl="0" indent="0" algn="ctr" defTabSz="914400" rtl="0" eaLnBrk="1" fontAlgn="auto" latinLnBrk="0" hangingPunct="1">
-              <a:lnSpc>
-                <a:spcPct val="100000"/>
-              </a:lnSpc>
-              <a:spcBef>
-                <a:spcPts val="0"/>
-              </a:spcBef>
-              <a:spcAft>
-                <a:spcPts val="0"/>
-              </a:spcAft>
-              <a:buClrTx/>
-              <a:buSzTx/>
-              <a:buFontTx/>
-              <a:buNone/>
-              <a:tabLst/>
-              <a:defRPr/>
-            </a:pPr>
-            <a:endParaRPr kumimoji="0" lang="en-US" sz="1800" b="0" i="0" u="none" strike="noStrike" kern="1200" cap="none" spc="0" normalizeH="0" baseline="0" noProof="0">
-              <a:ln>
-                <a:noFill/>
-              </a:ln>
-              <a:solidFill>
-                <a:prstClr val="white"/>
-              </a:solidFill>
-              <a:effectLst/>
-              <a:uLnTx/>
-              <a:uFillTx/>
-              <a:latin typeface="Calibri" panose="020F0502020204030204"/>
-              <a:ea typeface="+mn-ea"/>
-              <a:cs typeface="+mn-cs"/>
-            </a:endParaRPr>
-          </a:p>
-        </p:txBody>
-      </p:sp>
-      <p:sp useBgFill="1">
-        <p:nvSpPr>
-          <p:cNvPr id="11" name="Freeform: Shape 10">
-            <a:extLst>
-              <a:ext uri="{FF2B5EF4-FFF2-40B4-BE49-F238E27FC236}">
-                <a16:creationId xmlns:a16="http://schemas.microsoft.com/office/drawing/2014/main" id="{C7F28D52-2A5F-4D23-81AE-7CB8B591C7AF}"/>
-              </a:ext>
-              <a:ext uri="{C183D7F6-B498-43B3-948B-1728B52AA6E4}">
-                <adec:decorative xmlns:adec="http://schemas.microsoft.com/office/drawing/2017/decorative" val="1"/>
-              </a:ext>
-            </a:extLst>
-          </p:cNvPr>
-          <p:cNvSpPr>
-            <a:spLocks noGrp="1" noRot="1" noChangeAspect="1" noMove="1" noResize="1" noEditPoints="1" noAdjustHandles="1" noChangeArrowheads="1" noChangeShapeType="1" noTextEdit="1"/>
-          </p:cNvSpPr>
-          <p:nvPr>
-            <p:extLst>
-              <p:ext uri="{386F3935-93C4-4BCD-93E2-E3B085C9AB24}">
-                <p16:designElem xmlns:p16="http://schemas.microsoft.com/office/powerpoint/2015/main" val="1"/>
-              </p:ext>
-            </p:extLst>
-          </p:nvPr>
-        </p:nvSpPr>
-        <p:spPr>
-          <a:xfrm>
-            <a:off x="1121664" y="0"/>
-            <a:ext cx="9948672" cy="6858000"/>
-          </a:xfrm>
-          <a:custGeom>
-            <a:avLst/>
-            <a:gdLst>
-              <a:gd name="connsiteX0" fmla="*/ 1595771 w 9963150"/>
-              <a:gd name="connsiteY0" fmla="*/ 0 h 6858000"/>
-              <a:gd name="connsiteX1" fmla="*/ 8367379 w 9963150"/>
-              <a:gd name="connsiteY1" fmla="*/ 0 h 6858000"/>
-              <a:gd name="connsiteX2" fmla="*/ 8504080 w 9963150"/>
-              <a:gd name="connsiteY2" fmla="*/ 130333 h 6858000"/>
-              <a:gd name="connsiteX3" fmla="*/ 9963150 w 9963150"/>
-              <a:gd name="connsiteY3" fmla="*/ 3652838 h 6858000"/>
-              <a:gd name="connsiteX4" fmla="*/ 8825600 w 9963150"/>
-              <a:gd name="connsiteY4" fmla="*/ 6821583 h 6858000"/>
-              <a:gd name="connsiteX5" fmla="*/ 8794055 w 9963150"/>
-              <a:gd name="connsiteY5" fmla="*/ 6858000 h 6858000"/>
-              <a:gd name="connsiteX6" fmla="*/ 1169096 w 9963150"/>
-              <a:gd name="connsiteY6" fmla="*/ 6858000 h 6858000"/>
-              <a:gd name="connsiteX7" fmla="*/ 1137550 w 9963150"/>
-              <a:gd name="connsiteY7" fmla="*/ 6821583 h 6858000"/>
-              <a:gd name="connsiteX8" fmla="*/ 0 w 9963150"/>
-              <a:gd name="connsiteY8" fmla="*/ 3652838 h 6858000"/>
-              <a:gd name="connsiteX9" fmla="*/ 1459070 w 9963150"/>
-              <a:gd name="connsiteY9" fmla="*/ 130333 h 6858000"/>
-            </a:gdLst>
-            <a:ahLst/>
-            <a:cxnLst>
-              <a:cxn ang="0">
-                <a:pos x="connsiteX0" y="connsiteY0"/>
-              </a:cxn>
-              <a:cxn ang="0">
-                <a:pos x="connsiteX1" y="connsiteY1"/>
-              </a:cxn>
-              <a:cxn ang="0">
-                <a:pos x="connsiteX2" y="connsiteY2"/>
-              </a:cxn>
-              <a:cxn ang="0">
-                <a:pos x="connsiteX3" y="connsiteY3"/>
-              </a:cxn>
-              <a:cxn ang="0">
-                <a:pos x="connsiteX4" y="connsiteY4"/>
-              </a:cxn>
-              <a:cxn ang="0">
-                <a:pos x="connsiteX5" y="connsiteY5"/>
-              </a:cxn>
-              <a:cxn ang="0">
-                <a:pos x="connsiteX6" y="connsiteY6"/>
-              </a:cxn>
-              <a:cxn ang="0">
-                <a:pos x="connsiteX7" y="connsiteY7"/>
-              </a:cxn>
-              <a:cxn ang="0">
-                <a:pos x="connsiteX8" y="connsiteY8"/>
-              </a:cxn>
-              <a:cxn ang="0">
-                <a:pos x="connsiteX9" y="connsiteY9"/>
-              </a:cxn>
-            </a:cxnLst>
-            <a:rect l="l" t="t" r="r" b="b"/>
-            <a:pathLst>
-              <a:path w="9963150" h="6858000">
-                <a:moveTo>
-                  <a:pt x="1595771" y="0"/>
-                </a:moveTo>
-                <a:lnTo>
-                  <a:pt x="8367379" y="0"/>
-                </a:lnTo>
-                <a:lnTo>
-                  <a:pt x="8504080" y="130333"/>
-                </a:lnTo>
-                <a:cubicBezTo>
-                  <a:pt x="9405568" y="1031820"/>
-                  <a:pt x="9963150" y="2277214"/>
-                  <a:pt x="9963150" y="3652838"/>
-                </a:cubicBezTo>
-                <a:cubicBezTo>
-                  <a:pt x="9963150" y="4856509"/>
-                  <a:pt x="9536251" y="5960473"/>
-                  <a:pt x="8825600" y="6821583"/>
-                </a:cubicBezTo>
-                <a:lnTo>
-                  <a:pt x="8794055" y="6858000"/>
-                </a:lnTo>
-                <a:lnTo>
-                  <a:pt x="1169096" y="6858000"/>
-                </a:lnTo>
-                <a:lnTo>
-                  <a:pt x="1137550" y="6821583"/>
-                </a:lnTo>
-                <a:cubicBezTo>
-                  <a:pt x="426899" y="5960473"/>
-                  <a:pt x="0" y="4856509"/>
-                  <a:pt x="0" y="3652838"/>
-                </a:cubicBezTo>
-                <a:cubicBezTo>
-                  <a:pt x="0" y="2277214"/>
-                  <a:pt x="557582" y="1031820"/>
-                  <a:pt x="1459070" y="130333"/>
-                </a:cubicBezTo>
-                <a:close/>
-              </a:path>
-            </a:pathLst>
-          </a:custGeom>
-          <a:ln w="9525">
-            <a:noFill/>
-          </a:ln>
-          <a:effectLst/>
-        </p:spPr>
-        <p:style>
-          <a:lnRef idx="2">
-            <a:schemeClr val="accent1">
-              <a:shade val="50000"/>
-            </a:schemeClr>
-          </a:lnRef>
-          <a:fillRef idx="1">
-            <a:schemeClr val="accent1"/>
-          </a:fillRef>
-          <a:effectRef idx="0">
-            <a:schemeClr val="accent1"/>
-          </a:effectRef>
-          <a:fontRef idx="minor">
-            <a:schemeClr val="lt1"/>
-          </a:fontRef>
-        </p:style>
-        <p:txBody>
-          <a:bodyPr wrap="square" rtlCol="0" anchor="ctr">
-            <a:noAutofit/>
-          </a:bodyPr>
-          <a:lstStyle/>
-          <a:p>
-            <a:pPr marL="0" marR="0" lvl="0" indent="0" algn="ctr" defTabSz="914400" rtl="0" eaLnBrk="1" fontAlgn="auto" latinLnBrk="0" hangingPunct="1">
-              <a:lnSpc>
-                <a:spcPct val="100000"/>
-              </a:lnSpc>
-              <a:spcBef>
-                <a:spcPts val="0"/>
-              </a:spcBef>
-              <a:spcAft>
-                <a:spcPts val="0"/>
-              </a:spcAft>
-              <a:buClrTx/>
-              <a:buSzTx/>
-              <a:buFontTx/>
-              <a:buNone/>
-              <a:tabLst/>
-              <a:defRPr/>
-            </a:pPr>
-            <a:endParaRPr kumimoji="0" lang="en-US" sz="1800" b="0" i="0" u="none" strike="noStrike" kern="1200" cap="none" spc="0" normalizeH="0" baseline="0" noProof="0">
-              <a:ln>
-                <a:noFill/>
-              </a:ln>
-              <a:solidFill>
-                <a:prstClr val="white"/>
-              </a:solidFill>
-              <a:effectLst/>
-              <a:uLnTx/>
-              <a:uFillTx/>
-              <a:latin typeface="Calibri" panose="020F0502020204030204"/>
-              <a:ea typeface="+mn-ea"/>
-              <a:cs typeface="+mn-cs"/>
-            </a:endParaRPr>
-          </a:p>
-        </p:txBody>
-      </p:sp>
-      <p:sp>
-        <p:nvSpPr>
-          <p:cNvPr id="2" name="Title 1">
-            <a:extLst>
-              <a:ext uri="{FF2B5EF4-FFF2-40B4-BE49-F238E27FC236}">
-                <a16:creationId xmlns:a16="http://schemas.microsoft.com/office/drawing/2014/main" id="{230E5FF9-57D1-481F-978A-B3EFE4610FD2}"/>
-              </a:ext>
-            </a:extLst>
-          </p:cNvPr>
-          <p:cNvSpPr>
-            <a:spLocks noGrp="1"/>
-          </p:cNvSpPr>
-          <p:nvPr>
-            <p:ph type="title"/>
-          </p:nvPr>
-        </p:nvSpPr>
-        <p:spPr>
-          <a:xfrm>
-            <a:off x="1524003" y="1999615"/>
-            <a:ext cx="9144000" cy="2764028"/>
-          </a:xfrm>
-        </p:spPr>
-        <p:txBody>
-          <a:bodyPr vert="horz" lIns="91440" tIns="45720" rIns="91440" bIns="45720" rtlCol="0" anchor="ctr">
-            <a:normAutofit/>
-          </a:bodyPr>
-          <a:lstStyle/>
-          <a:p>
-            <a:pPr algn="ctr"/>
-            <a:r>
-              <a:rPr lang="en-US" sz="7200" kern="1200">
-                <a:solidFill>
-                  <a:schemeClr val="tx1"/>
-                </a:solidFill>
-                <a:latin typeface="+mj-lt"/>
-                <a:ea typeface="+mj-ea"/>
-                <a:cs typeface="+mj-cs"/>
-              </a:rPr>
-              <a:t>Thank you</a:t>
-            </a:r>
-          </a:p>
-        </p:txBody>
-      </p:sp>
-      <p:sp>
-        <p:nvSpPr>
-          <p:cNvPr id="13" name="Rectangle 12">
-            <a:extLst>
-              <a:ext uri="{FF2B5EF4-FFF2-40B4-BE49-F238E27FC236}">
-                <a16:creationId xmlns:a16="http://schemas.microsoft.com/office/drawing/2014/main" id="{3629484E-3792-4B3D-89AD-7C8A1ED0E0D4}"/>
-              </a:ext>
-              <a:ext uri="{C183D7F6-B498-43B3-948B-1728B52AA6E4}">
-                <adec:decorative xmlns:adec="http://schemas.microsoft.com/office/drawing/2017/decorative" val="1"/>
-              </a:ext>
-            </a:extLst>
-          </p:cNvPr>
-          <p:cNvSpPr>
-            <a:spLocks noGrp="1" noRot="1" noChangeAspect="1" noMove="1" noResize="1" noEditPoints="1" noAdjustHandles="1" noChangeArrowheads="1" noChangeShapeType="1" noTextEdit="1"/>
-          </p:cNvSpPr>
-          <p:nvPr>
-            <p:extLst>
-              <p:ext uri="{386F3935-93C4-4BCD-93E2-E3B085C9AB24}">
-                <p16:designElem xmlns:p16="http://schemas.microsoft.com/office/powerpoint/2015/main" val="1"/>
-              </p:ext>
-            </p:extLst>
-          </p:nvPr>
-        </p:nvSpPr>
-        <p:spPr>
-          <a:xfrm>
-            <a:off x="3718560" y="5524786"/>
-            <a:ext cx="4754880" cy="27432"/>
-          </a:xfrm>
-          <a:prstGeom prst="rect">
-            <a:avLst/>
-          </a:prstGeom>
-          <a:solidFill>
-            <a:schemeClr val="accent2"/>
-          </a:solidFill>
-          <a:ln>
-            <a:noFill/>
-          </a:ln>
-        </p:spPr>
-        <p:style>
-          <a:lnRef idx="2">
-            <a:schemeClr val="accent1">
-              <a:shade val="50000"/>
-            </a:schemeClr>
-          </a:lnRef>
-          <a:fillRef idx="1">
-            <a:schemeClr val="accent1"/>
-          </a:fillRef>
-          <a:effectRef idx="0">
-            <a:schemeClr val="accent1"/>
-          </a:effectRef>
-          <a:fontRef idx="minor">
-            <a:schemeClr val="lt1"/>
-          </a:fontRef>
-        </p:style>
-        <p:txBody>
-          <a:bodyPr rtlCol="0" anchor="ctr"/>
-          <a:lstStyle/>
-          <a:p>
-            <a:pPr marL="0" marR="0" lvl="0" indent="0" algn="ctr" defTabSz="914400" rtl="0" eaLnBrk="1" fontAlgn="auto" latinLnBrk="0" hangingPunct="1">
-              <a:lnSpc>
-                <a:spcPct val="100000"/>
-              </a:lnSpc>
-              <a:spcBef>
-                <a:spcPts val="0"/>
-              </a:spcBef>
-              <a:spcAft>
-                <a:spcPts val="0"/>
-              </a:spcAft>
-              <a:buClrTx/>
-              <a:buSzTx/>
-              <a:buFontTx/>
-              <a:buNone/>
-              <a:tabLst/>
-              <a:defRPr/>
-            </a:pPr>
-            <a:endParaRPr kumimoji="0" lang="en-US" sz="1800" b="0" i="0" u="none" strike="noStrike" kern="1200" cap="none" spc="0" normalizeH="0" baseline="0" noProof="0">
-              <a:ln>
-                <a:noFill/>
-              </a:ln>
-              <a:solidFill>
-                <a:prstClr val="white"/>
-              </a:solidFill>
-              <a:effectLst/>
-              <a:uLnTx/>
-              <a:uFillTx/>
-              <a:latin typeface="Calibri" panose="020F0502020204030204"/>
-              <a:ea typeface="+mn-ea"/>
-              <a:cs typeface="+mn-cs"/>
-            </a:endParaRPr>
-          </a:p>
-        </p:txBody>
-      </p:sp>
-    </p:spTree>
-    <p:extLst>
-      <p:ext uri="{BB962C8B-B14F-4D97-AF65-F5344CB8AC3E}">
-        <p14:creationId xmlns:p14="http://schemas.microsoft.com/office/powerpoint/2010/main" val="1104827844"/>
-      </p:ext>
-    </p:extLst>
-  </p:cSld>
-  <p:clrMapOvr>
-    <a:masterClrMapping/>
-  </p:clrMapOvr>
-</p:sld>
-</file>
-
-<file path=ppt/slides/slide19.xml><?xml version="1.0" encoding="utf-8"?>
-<p:sld xmlns:a="http://schemas.openxmlformats.org/drawingml/2006/main" xmlns:r="http://schemas.openxmlformats.org/officeDocument/2006/relationships" xmlns:p="http://schemas.openxmlformats.org/presentationml/2006/main">
-  <p:cSld>
-    <p:spTree>
-      <p:nvGrpSpPr>
-        <p:cNvPr id="1" name=""/>
-        <p:cNvGrpSpPr/>
-        <p:nvPr/>
-      </p:nvGrpSpPr>
-      <p:grpSpPr>
-        <a:xfrm>
-          <a:off x="0" y="0"/>
-          <a:ext cx="0" cy="0"/>
-          <a:chOff x="0" y="0"/>
-          <a:chExt cx="0" cy="0"/>
-        </a:xfrm>
-      </p:grpSpPr>
-      <p:sp>
-        <p:nvSpPr>
-          <p:cNvPr id="2" name="Title 1">
-            <a:extLst>
-              <a:ext uri="{FF2B5EF4-FFF2-40B4-BE49-F238E27FC236}">
-                <a16:creationId xmlns:a16="http://schemas.microsoft.com/office/drawing/2014/main" id="{47CB1DD9-A108-41AE-A941-4957E4082EF4}"/>
-              </a:ext>
-            </a:extLst>
-          </p:cNvPr>
-          <p:cNvSpPr>
-            <a:spLocks noGrp="1"/>
-          </p:cNvSpPr>
-          <p:nvPr>
-            <p:ph type="title"/>
-          </p:nvPr>
-        </p:nvSpPr>
-        <p:spPr/>
-        <p:txBody>
-          <a:bodyPr/>
-          <a:lstStyle/>
-          <a:p>
-            <a:r>
-              <a:rPr lang="en-US" dirty="0">
-                <a:latin typeface="Univers (body)"/>
-              </a:rPr>
-              <a:t>Appendix</a:t>
-            </a:r>
-          </a:p>
-        </p:txBody>
-      </p:sp>
-    </p:spTree>
-    <p:extLst>
-      <p:ext uri="{BB962C8B-B14F-4D97-AF65-F5344CB8AC3E}">
-        <p14:creationId xmlns:p14="http://schemas.microsoft.com/office/powerpoint/2010/main" val="3864256442"/>
-      </p:ext>
-    </p:extLst>
-  </p:cSld>
-  <p:clrMapOvr>
-    <a:masterClrMapping/>
-  </p:clrMapOvr>
-</p:sld>
-</file>
-
-<file path=ppt/slides/slide2.xml><?xml version="1.0" encoding="utf-8"?>
-<p:sld xmlns:a="http://schemas.openxmlformats.org/drawingml/2006/main" xmlns:r="http://schemas.openxmlformats.org/officeDocument/2006/relationships" xmlns:p="http://schemas.openxmlformats.org/presentationml/2006/main">
-  <p:cSld>
-    <p:spTree>
-      <p:nvGrpSpPr>
-        <p:cNvPr id="1" name=""/>
-        <p:cNvGrpSpPr/>
-        <p:nvPr/>
-      </p:nvGrpSpPr>
-      <p:grpSpPr>
-        <a:xfrm>
-          <a:off x="0" y="0"/>
-          <a:ext cx="0" cy="0"/>
-          <a:chOff x="0" y="0"/>
-          <a:chExt cx="0" cy="0"/>
-        </a:xfrm>
-      </p:grpSpPr>
-      <p:sp>
-        <p:nvSpPr>
-          <p:cNvPr id="2" name="Title 1">
-            <a:extLst>
-              <a:ext uri="{FF2B5EF4-FFF2-40B4-BE49-F238E27FC236}">
-                <a16:creationId xmlns:a16="http://schemas.microsoft.com/office/drawing/2014/main" id="{1C086237-4AD6-4141-95B3-E7ADF12CD7CA}"/>
-              </a:ext>
-            </a:extLst>
-          </p:cNvPr>
-          <p:cNvSpPr>
-            <a:spLocks noGrp="1"/>
-          </p:cNvSpPr>
-          <p:nvPr>
-            <p:ph type="title"/>
-          </p:nvPr>
-        </p:nvSpPr>
-        <p:spPr>
-          <a:xfrm>
-            <a:off x="642815" y="505802"/>
-            <a:ext cx="11103708" cy="1325563"/>
-          </a:xfrm>
-        </p:spPr>
-        <p:txBody>
-          <a:bodyPr/>
-          <a:lstStyle/>
-          <a:p>
-            <a:pPr algn="ctr"/>
-            <a:r>
-              <a:rPr lang="en-US" dirty="0">
-                <a:latin typeface="Univers (body)"/>
-                <a:cs typeface="Arial" panose="020B0604020202020204" pitchFamily="34" charset="0"/>
-              </a:rPr>
-              <a:t>Can we predict COVID-19 severity using demographic data?</a:t>
-            </a:r>
-          </a:p>
-        </p:txBody>
-      </p:sp>
-      <p:pic>
-        <p:nvPicPr>
-          <p:cNvPr id="5" name="Content Placeholder 4" descr="Map&#10;&#10;Description automatically generated">
-            <a:extLst>
-              <a:ext uri="{FF2B5EF4-FFF2-40B4-BE49-F238E27FC236}">
-                <a16:creationId xmlns:a16="http://schemas.microsoft.com/office/drawing/2014/main" id="{B63EA9B2-1151-47BE-9DD8-FE89AAE60894}"/>
-              </a:ext>
-            </a:extLst>
-          </p:cNvPr>
-          <p:cNvPicPr>
-            <a:picLocks noGrp="1" noChangeAspect="1"/>
-          </p:cNvPicPr>
-          <p:nvPr>
-            <p:ph idx="1"/>
-          </p:nvPr>
-        </p:nvPicPr>
-        <p:blipFill>
-          <a:blip r:embed="rId2">
-            <a:extLst>
-              <a:ext uri="{28A0092B-C50C-407E-A947-70E740481C1C}">
-                <a14:useLocalDpi xmlns:a14="http://schemas.microsoft.com/office/drawing/2010/main" val="0"/>
-              </a:ext>
-            </a:extLst>
-          </a:blip>
-          <a:stretch>
-            <a:fillRect/>
-          </a:stretch>
-        </p:blipFill>
-        <p:spPr>
-          <a:xfrm>
-            <a:off x="2313368" y="2146055"/>
-            <a:ext cx="7299541" cy="4351338"/>
-          </a:xfrm>
-        </p:spPr>
-      </p:pic>
-    </p:spTree>
-    <p:extLst>
-      <p:ext uri="{BB962C8B-B14F-4D97-AF65-F5344CB8AC3E}">
-        <p14:creationId xmlns:p14="http://schemas.microsoft.com/office/powerpoint/2010/main" val="1716994429"/>
-      </p:ext>
-    </p:extLst>
-  </p:cSld>
-  <p:clrMapOvr>
-    <a:masterClrMapping/>
-  </p:clrMapOvr>
-</p:sld>
-</file>
-
-<file path=ppt/slides/slide20.xml><?xml version="1.0" encoding="utf-8"?>
-<p:sld xmlns:a="http://schemas.openxmlformats.org/drawingml/2006/main" xmlns:r="http://schemas.openxmlformats.org/officeDocument/2006/relationships" xmlns:p="http://schemas.openxmlformats.org/presentationml/2006/main">
-  <p:cSld>
-    <p:spTree>
-      <p:nvGrpSpPr>
-        <p:cNvPr id="1" name=""/>
-        <p:cNvGrpSpPr/>
-        <p:nvPr/>
-      </p:nvGrpSpPr>
-      <p:grpSpPr>
-        <a:xfrm>
-          <a:off x="0" y="0"/>
-          <a:ext cx="0" cy="0"/>
-          <a:chOff x="0" y="0"/>
-          <a:chExt cx="0" cy="0"/>
-        </a:xfrm>
-      </p:grpSpPr>
-      <p:sp>
-        <p:nvSpPr>
-          <p:cNvPr id="2" name="Title 1">
-            <a:extLst>
-              <a:ext uri="{FF2B5EF4-FFF2-40B4-BE49-F238E27FC236}">
-                <a16:creationId xmlns:a16="http://schemas.microsoft.com/office/drawing/2014/main" id="{1DED85DE-321B-4CAC-87CC-8211BBDE26D9}"/>
-              </a:ext>
-            </a:extLst>
-          </p:cNvPr>
-          <p:cNvSpPr>
-            <a:spLocks noGrp="1"/>
-          </p:cNvSpPr>
-          <p:nvPr>
-            <p:ph type="title"/>
-          </p:nvPr>
-        </p:nvSpPr>
-        <p:spPr/>
-        <p:txBody>
-          <a:bodyPr/>
-          <a:lstStyle/>
-          <a:p>
-            <a:r>
-              <a:rPr lang="en-US" dirty="0"/>
-              <a:t>Highest Death Rate Counties by State</a:t>
-            </a:r>
-          </a:p>
-        </p:txBody>
-      </p:sp>
-      <p:pic>
-        <p:nvPicPr>
-          <p:cNvPr id="5" name="Content Placeholder 4" descr="Chart, bar chart&#10;&#10;Description automatically generated">
-            <a:extLst>
-              <a:ext uri="{FF2B5EF4-FFF2-40B4-BE49-F238E27FC236}">
-                <a16:creationId xmlns:a16="http://schemas.microsoft.com/office/drawing/2014/main" id="{E5866393-E060-48F9-BA59-B8A5A9168B75}"/>
-              </a:ext>
-            </a:extLst>
-          </p:cNvPr>
-          <p:cNvPicPr>
-            <a:picLocks noGrp="1" noChangeAspect="1"/>
-          </p:cNvPicPr>
-          <p:nvPr>
-            <p:ph idx="1"/>
-          </p:nvPr>
-        </p:nvPicPr>
-        <p:blipFill>
-          <a:blip r:embed="rId2">
-            <a:extLst>
-              <a:ext uri="{28A0092B-C50C-407E-A947-70E740481C1C}">
-                <a14:useLocalDpi xmlns:a14="http://schemas.microsoft.com/office/drawing/2010/main" val="0"/>
-              </a:ext>
-            </a:extLst>
-          </a:blip>
-          <a:stretch>
-            <a:fillRect/>
-          </a:stretch>
-        </p:blipFill>
-        <p:spPr>
-          <a:xfrm>
-            <a:off x="1838325" y="1920081"/>
-            <a:ext cx="8515350" cy="4162425"/>
-          </a:xfrm>
-        </p:spPr>
-      </p:pic>
-    </p:spTree>
-    <p:extLst>
-      <p:ext uri="{BB962C8B-B14F-4D97-AF65-F5344CB8AC3E}">
-        <p14:creationId xmlns:p14="http://schemas.microsoft.com/office/powerpoint/2010/main" val="2223830996"/>
-      </p:ext>
-    </p:extLst>
-  </p:cSld>
-  <p:clrMapOvr>
-    <a:masterClrMapping/>
-  </p:clrMapOvr>
-</p:sld>
-</file>
-
-<file path=ppt/slides/slide21.xml><?xml version="1.0" encoding="utf-8"?>
-<p:sld xmlns:a="http://schemas.openxmlformats.org/drawingml/2006/main" xmlns:r="http://schemas.openxmlformats.org/officeDocument/2006/relationships" xmlns:p="http://schemas.openxmlformats.org/presentationml/2006/main">
-  <p:cSld>
-    <p:spTree>
-      <p:nvGrpSpPr>
-        <p:cNvPr id="1" name=""/>
-        <p:cNvGrpSpPr/>
-        <p:nvPr/>
-      </p:nvGrpSpPr>
-      <p:grpSpPr>
-        <a:xfrm>
-          <a:off x="0" y="0"/>
-          <a:ext cx="0" cy="0"/>
-          <a:chOff x="0" y="0"/>
-          <a:chExt cx="0" cy="0"/>
-        </a:xfrm>
-      </p:grpSpPr>
-      <p:sp>
-        <p:nvSpPr>
-          <p:cNvPr id="2" name="Title 1">
-            <a:extLst>
-              <a:ext uri="{FF2B5EF4-FFF2-40B4-BE49-F238E27FC236}">
-                <a16:creationId xmlns:a16="http://schemas.microsoft.com/office/drawing/2014/main" id="{632FA0E1-08F4-4075-8FBC-63BB33F63322}"/>
-              </a:ext>
-            </a:extLst>
-          </p:cNvPr>
-          <p:cNvSpPr>
-            <a:spLocks noGrp="1"/>
-          </p:cNvSpPr>
-          <p:nvPr>
-            <p:ph type="title"/>
-          </p:nvPr>
-        </p:nvSpPr>
-        <p:spPr/>
-        <p:txBody>
-          <a:bodyPr/>
-          <a:lstStyle/>
-          <a:p>
-            <a:r>
-              <a:rPr lang="en-US" dirty="0"/>
-              <a:t>Highest Case Counties by State</a:t>
-            </a:r>
-          </a:p>
-        </p:txBody>
-      </p:sp>
-      <p:pic>
-        <p:nvPicPr>
-          <p:cNvPr id="5" name="Content Placeholder 4" descr="Chart, bar chart, funnel chart&#10;&#10;Description automatically generated">
-            <a:extLst>
-              <a:ext uri="{FF2B5EF4-FFF2-40B4-BE49-F238E27FC236}">
-                <a16:creationId xmlns:a16="http://schemas.microsoft.com/office/drawing/2014/main" id="{850741C8-BB10-430D-A7C4-BC997CEFE0CE}"/>
-              </a:ext>
-            </a:extLst>
-          </p:cNvPr>
-          <p:cNvPicPr>
-            <a:picLocks noGrp="1" noChangeAspect="1"/>
-          </p:cNvPicPr>
-          <p:nvPr>
-            <p:ph idx="1"/>
-          </p:nvPr>
-        </p:nvPicPr>
-        <p:blipFill>
-          <a:blip r:embed="rId2">
-            <a:extLst>
-              <a:ext uri="{28A0092B-C50C-407E-A947-70E740481C1C}">
-                <a14:useLocalDpi xmlns:a14="http://schemas.microsoft.com/office/drawing/2010/main" val="0"/>
-              </a:ext>
-            </a:extLst>
-          </a:blip>
-          <a:stretch>
-            <a:fillRect/>
-          </a:stretch>
-        </p:blipFill>
-        <p:spPr>
-          <a:xfrm>
-            <a:off x="1733550" y="1943894"/>
-            <a:ext cx="8724900" cy="4114800"/>
-          </a:xfrm>
-        </p:spPr>
-      </p:pic>
-    </p:spTree>
-    <p:extLst>
-      <p:ext uri="{BB962C8B-B14F-4D97-AF65-F5344CB8AC3E}">
-        <p14:creationId xmlns:p14="http://schemas.microsoft.com/office/powerpoint/2010/main" val="541895281"/>
-      </p:ext>
-    </p:extLst>
-  </p:cSld>
-  <p:clrMapOvr>
-    <a:masterClrMapping/>
-  </p:clrMapOvr>
-</p:sld>
-</file>
-
-<file path=ppt/slides/slide22.xml><?xml version="1.0" encoding="utf-8"?>
-<p:sld xmlns:a="http://schemas.openxmlformats.org/drawingml/2006/main" xmlns:r="http://schemas.openxmlformats.org/officeDocument/2006/relationships" xmlns:p="http://schemas.openxmlformats.org/presentationml/2006/main">
-  <p:cSld>
-    <p:spTree>
-      <p:nvGrpSpPr>
-        <p:cNvPr id="1" name=""/>
-        <p:cNvGrpSpPr/>
-        <p:nvPr/>
-      </p:nvGrpSpPr>
-      <p:grpSpPr>
-        <a:xfrm>
-          <a:off x="0" y="0"/>
-          <a:ext cx="0" cy="0"/>
-          <a:chOff x="0" y="0"/>
-          <a:chExt cx="0" cy="0"/>
-        </a:xfrm>
-      </p:grpSpPr>
-      <p:sp>
-        <p:nvSpPr>
-          <p:cNvPr id="2" name="Title 1">
-            <a:extLst>
-              <a:ext uri="{FF2B5EF4-FFF2-40B4-BE49-F238E27FC236}">
-                <a16:creationId xmlns:a16="http://schemas.microsoft.com/office/drawing/2014/main" id="{F5E66CDC-3267-4ADB-824B-C87E9518D34C}"/>
-              </a:ext>
-            </a:extLst>
-          </p:cNvPr>
-          <p:cNvSpPr>
-            <a:spLocks noGrp="1"/>
-          </p:cNvSpPr>
-          <p:nvPr>
-            <p:ph type="title"/>
-          </p:nvPr>
-        </p:nvSpPr>
-        <p:spPr/>
-        <p:txBody>
-          <a:bodyPr/>
-          <a:lstStyle/>
-          <a:p>
-            <a:r>
-              <a:rPr lang="en-US" dirty="0"/>
-              <a:t>Lowest Case Counties by State</a:t>
-            </a:r>
-          </a:p>
-        </p:txBody>
-      </p:sp>
-      <p:pic>
-        <p:nvPicPr>
-          <p:cNvPr id="5" name="Content Placeholder 4" descr="Chart, bar chart&#10;&#10;Description automatically generated">
-            <a:extLst>
-              <a:ext uri="{FF2B5EF4-FFF2-40B4-BE49-F238E27FC236}">
-                <a16:creationId xmlns:a16="http://schemas.microsoft.com/office/drawing/2014/main" id="{D0C79509-4737-457A-A798-D19BE2434D29}"/>
-              </a:ext>
-            </a:extLst>
-          </p:cNvPr>
-          <p:cNvPicPr>
-            <a:picLocks noGrp="1" noChangeAspect="1"/>
-          </p:cNvPicPr>
-          <p:nvPr>
-            <p:ph idx="1"/>
-          </p:nvPr>
-        </p:nvPicPr>
-        <p:blipFill>
-          <a:blip r:embed="rId2">
-            <a:extLst>
-              <a:ext uri="{28A0092B-C50C-407E-A947-70E740481C1C}">
-                <a14:useLocalDpi xmlns:a14="http://schemas.microsoft.com/office/drawing/2010/main" val="0"/>
-              </a:ext>
-            </a:extLst>
-          </a:blip>
-          <a:stretch>
-            <a:fillRect/>
-          </a:stretch>
-        </p:blipFill>
-        <p:spPr>
-          <a:xfrm>
-            <a:off x="1981200" y="1943894"/>
-            <a:ext cx="8229600" cy="4114800"/>
-          </a:xfrm>
-        </p:spPr>
-      </p:pic>
-    </p:spTree>
-    <p:extLst>
-      <p:ext uri="{BB962C8B-B14F-4D97-AF65-F5344CB8AC3E}">
-        <p14:creationId xmlns:p14="http://schemas.microsoft.com/office/powerpoint/2010/main" val="1039485576"/>
-      </p:ext>
-    </p:extLst>
-  </p:cSld>
-  <p:clrMapOvr>
-    <a:masterClrMapping/>
-  </p:clrMapOvr>
-</p:sld>
-</file>
-
-<file path=ppt/slides/slide23.xml><?xml version="1.0" encoding="utf-8"?>
-<p:sld xmlns:a="http://schemas.openxmlformats.org/drawingml/2006/main" xmlns:r="http://schemas.openxmlformats.org/officeDocument/2006/relationships" xmlns:p="http://schemas.openxmlformats.org/presentationml/2006/main">
-  <p:cSld>
-    <p:spTree>
-      <p:nvGrpSpPr>
-        <p:cNvPr id="1" name=""/>
-        <p:cNvGrpSpPr/>
-        <p:nvPr/>
-      </p:nvGrpSpPr>
-      <p:grpSpPr>
-        <a:xfrm>
-          <a:off x="0" y="0"/>
-          <a:ext cx="0" cy="0"/>
-          <a:chOff x="0" y="0"/>
-          <a:chExt cx="0" cy="0"/>
-        </a:xfrm>
-      </p:grpSpPr>
-      <p:sp>
-        <p:nvSpPr>
-          <p:cNvPr id="2" name="Title 1">
-            <a:extLst>
-              <a:ext uri="{FF2B5EF4-FFF2-40B4-BE49-F238E27FC236}">
-                <a16:creationId xmlns:a16="http://schemas.microsoft.com/office/drawing/2014/main" id="{EC11FCF5-95D7-4739-ADC4-9065790DBF46}"/>
-              </a:ext>
-            </a:extLst>
-          </p:cNvPr>
-          <p:cNvSpPr>
-            <a:spLocks noGrp="1"/>
-          </p:cNvSpPr>
-          <p:nvPr>
-            <p:ph type="title"/>
-          </p:nvPr>
-        </p:nvSpPr>
-        <p:spPr/>
-        <p:txBody>
-          <a:bodyPr/>
-          <a:lstStyle/>
-          <a:p>
-            <a:r>
-              <a:rPr lang="en-US" dirty="0"/>
-              <a:t>Lowest Cases/100 People Counties by State</a:t>
-            </a:r>
-          </a:p>
-        </p:txBody>
-      </p:sp>
-      <p:pic>
-        <p:nvPicPr>
-          <p:cNvPr id="5" name="Content Placeholder 4" descr="Chart, bar chart&#10;&#10;Description automatically generated">
-            <a:extLst>
-              <a:ext uri="{FF2B5EF4-FFF2-40B4-BE49-F238E27FC236}">
-                <a16:creationId xmlns:a16="http://schemas.microsoft.com/office/drawing/2014/main" id="{87355CD8-B751-4190-9C32-3962EC7BA040}"/>
-              </a:ext>
-            </a:extLst>
-          </p:cNvPr>
-          <p:cNvPicPr>
-            <a:picLocks noGrp="1" noChangeAspect="1"/>
-          </p:cNvPicPr>
-          <p:nvPr>
-            <p:ph idx="1"/>
-          </p:nvPr>
-        </p:nvPicPr>
-        <p:blipFill>
-          <a:blip r:embed="rId2">
-            <a:extLst>
-              <a:ext uri="{28A0092B-C50C-407E-A947-70E740481C1C}">
-                <a14:useLocalDpi xmlns:a14="http://schemas.microsoft.com/office/drawing/2010/main" val="0"/>
-              </a:ext>
-            </a:extLst>
-          </a:blip>
-          <a:stretch>
-            <a:fillRect/>
-          </a:stretch>
-        </p:blipFill>
-        <p:spPr>
-          <a:xfrm>
-            <a:off x="1843087" y="1924844"/>
-            <a:ext cx="8505825" cy="4152900"/>
-          </a:xfrm>
-        </p:spPr>
-      </p:pic>
-    </p:spTree>
-    <p:extLst>
-      <p:ext uri="{BB962C8B-B14F-4D97-AF65-F5344CB8AC3E}">
-        <p14:creationId xmlns:p14="http://schemas.microsoft.com/office/powerpoint/2010/main" val="329792228"/>
-      </p:ext>
-    </p:extLst>
-  </p:cSld>
-  <p:clrMapOvr>
-    <a:masterClrMapping/>
-  </p:clrMapOvr>
-</p:sld>
-</file>
-
-<file path=ppt/slides/slide24.xml><?xml version="1.0" encoding="utf-8"?>
-<p:sld xmlns:a="http://schemas.openxmlformats.org/drawingml/2006/main" xmlns:r="http://schemas.openxmlformats.org/officeDocument/2006/relationships" xmlns:p="http://schemas.openxmlformats.org/presentationml/2006/main">
-  <p:cSld>
-    <p:spTree>
-      <p:nvGrpSpPr>
-        <p:cNvPr id="1" name=""/>
-        <p:cNvGrpSpPr/>
-        <p:nvPr/>
-      </p:nvGrpSpPr>
-      <p:grpSpPr>
-        <a:xfrm>
-          <a:off x="0" y="0"/>
-          <a:ext cx="0" cy="0"/>
-          <a:chOff x="0" y="0"/>
-          <a:chExt cx="0" cy="0"/>
-        </a:xfrm>
-      </p:grpSpPr>
-      <p:sp>
-        <p:nvSpPr>
-          <p:cNvPr id="2" name="Title 1">
-            <a:extLst>
-              <a:ext uri="{FF2B5EF4-FFF2-40B4-BE49-F238E27FC236}">
-                <a16:creationId xmlns:a16="http://schemas.microsoft.com/office/drawing/2014/main" id="{9D2B5B3A-4DCA-4D6F-9819-01C23241DAE0}"/>
-              </a:ext>
-            </a:extLst>
-          </p:cNvPr>
-          <p:cNvSpPr>
-            <a:spLocks noGrp="1"/>
-          </p:cNvSpPr>
-          <p:nvPr>
-            <p:ph type="title"/>
-          </p:nvPr>
-        </p:nvSpPr>
-        <p:spPr/>
-        <p:txBody>
-          <a:bodyPr/>
-          <a:lstStyle/>
-          <a:p>
-            <a:r>
-              <a:rPr lang="en-US" dirty="0"/>
-              <a:t>Highest Cases/100 People Counties by State</a:t>
-            </a:r>
-          </a:p>
-        </p:txBody>
-      </p:sp>
-      <p:pic>
-        <p:nvPicPr>
-          <p:cNvPr id="5" name="Content Placeholder 4" descr="Chart, bar chart&#10;&#10;Description automatically generated">
-            <a:extLst>
-              <a:ext uri="{FF2B5EF4-FFF2-40B4-BE49-F238E27FC236}">
-                <a16:creationId xmlns:a16="http://schemas.microsoft.com/office/drawing/2014/main" id="{966F1CBE-6EB4-4CF2-B7FF-C34B66E395BE}"/>
-              </a:ext>
-            </a:extLst>
-          </p:cNvPr>
-          <p:cNvPicPr>
-            <a:picLocks noGrp="1" noChangeAspect="1"/>
-          </p:cNvPicPr>
-          <p:nvPr>
-            <p:ph idx="1"/>
-          </p:nvPr>
-        </p:nvPicPr>
-        <p:blipFill>
-          <a:blip r:embed="rId2">
-            <a:extLst>
-              <a:ext uri="{28A0092B-C50C-407E-A947-70E740481C1C}">
-                <a14:useLocalDpi xmlns:a14="http://schemas.microsoft.com/office/drawing/2010/main" val="0"/>
-              </a:ext>
-            </a:extLst>
-          </a:blip>
-          <a:stretch>
-            <a:fillRect/>
-          </a:stretch>
-        </p:blipFill>
-        <p:spPr>
-          <a:xfrm>
-            <a:off x="1838325" y="1958181"/>
-            <a:ext cx="8515350" cy="4086225"/>
-          </a:xfrm>
-        </p:spPr>
-      </p:pic>
-    </p:spTree>
-    <p:extLst>
-      <p:ext uri="{BB962C8B-B14F-4D97-AF65-F5344CB8AC3E}">
-        <p14:creationId xmlns:p14="http://schemas.microsoft.com/office/powerpoint/2010/main" val="858165553"/>
-      </p:ext>
-    </p:extLst>
-  </p:cSld>
-  <p:clrMapOvr>
-    <a:masterClrMapping/>
-  </p:clrMapOvr>
-</p:sld>
-</file>
-
-<file path=ppt/slides/slide3.xml><?xml version="1.0" encoding="utf-8"?>
-<p:sld xmlns:a="http://schemas.openxmlformats.org/drawingml/2006/main" xmlns:r="http://schemas.openxmlformats.org/officeDocument/2006/relationships" xmlns:p="http://schemas.openxmlformats.org/presentationml/2006/main">
-  <p:cSld>
-    <p:bg>
-      <p:bgPr>
-        <a:solidFill>
-          <a:schemeClr val="bg1"/>
-        </a:solidFill>
-        <a:effectLst/>
-      </p:bgPr>
-    </p:bg>
-    <p:spTree>
-      <p:nvGrpSpPr>
-        <p:cNvPr id="1" name=""/>
-        <p:cNvGrpSpPr/>
-        <p:nvPr/>
-      </p:nvGrpSpPr>
-      <p:grpSpPr>
-        <a:xfrm>
-          <a:off x="0" y="0"/>
-          <a:ext cx="0" cy="0"/>
-          <a:chOff x="0" y="0"/>
-          <a:chExt cx="0" cy="0"/>
-        </a:xfrm>
-      </p:grpSpPr>
-      <p:sp useBgFill="1">
-        <p:nvSpPr>
-          <p:cNvPr id="9" name="Rectangle 8">
-            <a:extLst>
-              <a:ext uri="{FF2B5EF4-FFF2-40B4-BE49-F238E27FC236}">
-                <a16:creationId xmlns:a16="http://schemas.microsoft.com/office/drawing/2014/main" id="{53B021B3-DE93-4AB7-8A18-CF5F1CED88B8}"/>
-              </a:ext>
-              <a:ext uri="{C183D7F6-B498-43B3-948B-1728B52AA6E4}">
-                <adec:decorative xmlns:adec="http://schemas.microsoft.com/office/drawing/2017/decorative" val="1"/>
-              </a:ext>
-            </a:extLst>
-          </p:cNvPr>
-          <p:cNvSpPr>
-            <a:spLocks noGrp="1" noRot="1" noChangeAspect="1" noMove="1" noResize="1" noEditPoints="1" noAdjustHandles="1" noChangeArrowheads="1" noChangeShapeType="1" noTextEdit="1"/>
-          </p:cNvSpPr>
-          <p:nvPr>
-            <p:extLst>
-              <p:ext uri="{386F3935-93C4-4BCD-93E2-E3B085C9AB24}">
-                <p16:designElem xmlns:p16="http://schemas.microsoft.com/office/powerpoint/2015/main" val="1"/>
-              </p:ext>
-            </p:extLst>
-          </p:nvPr>
-        </p:nvSpPr>
-        <p:spPr>
-          <a:xfrm>
-            <a:off x="0" y="0"/>
-            <a:ext cx="12192000" cy="6858000"/>
-          </a:xfrm>
-          <a:prstGeom prst="rect">
-            <a:avLst/>
-          </a:prstGeom>
-          <a:ln>
-            <a:noFill/>
-          </a:ln>
-        </p:spPr>
-        <p:style>
-          <a:lnRef idx="2">
-            <a:schemeClr val="accent1">
-              <a:shade val="50000"/>
-            </a:schemeClr>
-          </a:lnRef>
-          <a:fillRef idx="1">
-            <a:schemeClr val="accent1"/>
-          </a:fillRef>
-          <a:effectRef idx="0">
-            <a:schemeClr val="accent1"/>
-          </a:effectRef>
-          <a:fontRef idx="minor">
-            <a:schemeClr val="lt1"/>
-          </a:fontRef>
-        </p:style>
-        <p:txBody>
-          <a:bodyPr rtlCol="0" anchor="ctr"/>
-          <a:lstStyle/>
-          <a:p>
-            <a:pPr algn="ctr"/>
-            <a:endParaRPr lang="en-US"/>
-          </a:p>
-        </p:txBody>
-      </p:sp>
-      <p:sp>
-        <p:nvSpPr>
-          <p:cNvPr id="2" name="Title 1">
-            <a:extLst>
-              <a:ext uri="{FF2B5EF4-FFF2-40B4-BE49-F238E27FC236}">
-                <a16:creationId xmlns:a16="http://schemas.microsoft.com/office/drawing/2014/main" id="{82E305B5-9653-4D8B-85C5-B34A9A99CEBA}"/>
-              </a:ext>
-            </a:extLst>
-          </p:cNvPr>
-          <p:cNvSpPr>
-            <a:spLocks noGrp="1"/>
-          </p:cNvSpPr>
-          <p:nvPr>
-            <p:ph type="title"/>
-          </p:nvPr>
-        </p:nvSpPr>
-        <p:spPr>
-          <a:xfrm>
-            <a:off x="841248" y="256032"/>
-            <a:ext cx="10506456" cy="1014984"/>
-          </a:xfrm>
-        </p:spPr>
-        <p:txBody>
-          <a:bodyPr anchor="b">
-            <a:normAutofit/>
-          </a:bodyPr>
-          <a:lstStyle/>
-          <a:p>
-            <a:r>
-              <a:rPr lang="en-US" dirty="0">
-                <a:latin typeface="Univers (body)"/>
-                <a:cs typeface="Arial" panose="020B0604020202020204" pitchFamily="34" charset="0"/>
-              </a:rPr>
-              <a:t>Project Pipeline</a:t>
-            </a:r>
-          </a:p>
-        </p:txBody>
-      </p:sp>
-      <p:sp>
-        <p:nvSpPr>
-          <p:cNvPr id="11" name="Rectangle 10">
-            <a:extLst>
-              <a:ext uri="{FF2B5EF4-FFF2-40B4-BE49-F238E27FC236}">
-                <a16:creationId xmlns:a16="http://schemas.microsoft.com/office/drawing/2014/main" id="{52D502E5-F6B4-4D58-B4AE-FC466FF15EE8}"/>
-              </a:ext>
-              <a:ext uri="{C183D7F6-B498-43B3-948B-1728B52AA6E4}">
-                <adec:decorative xmlns:adec="http://schemas.microsoft.com/office/drawing/2017/decorative" val="1"/>
-              </a:ext>
-            </a:extLst>
-          </p:cNvPr>
-          <p:cNvSpPr>
-            <a:spLocks noGrp="1" noRot="1" noChangeAspect="1" noMove="1" noResize="1" noEditPoints="1" noAdjustHandles="1" noChangeArrowheads="1" noChangeShapeType="1" noTextEdit="1"/>
-          </p:cNvSpPr>
-          <p:nvPr>
-            <p:extLst>
-              <p:ext uri="{386F3935-93C4-4BCD-93E2-E3B085C9AB24}">
-                <p16:designElem xmlns:p16="http://schemas.microsoft.com/office/powerpoint/2015/main" val="1"/>
-              </p:ext>
-            </p:extLst>
-          </p:nvPr>
-        </p:nvSpPr>
-        <p:spPr>
-          <a:xfrm>
-            <a:off x="865953" y="1634502"/>
-            <a:ext cx="10451592" cy="18288"/>
-          </a:xfrm>
-          <a:prstGeom prst="rect">
-            <a:avLst/>
-          </a:prstGeom>
-          <a:solidFill>
-            <a:srgbClr val="D5D5D5"/>
-          </a:solidFill>
-          <a:ln w="3175">
-            <a:noFill/>
-          </a:ln>
-          <a:effectLst/>
-        </p:spPr>
-        <p:style>
-          <a:lnRef idx="2">
-            <a:schemeClr val="accent1">
-              <a:shade val="50000"/>
-            </a:schemeClr>
-          </a:lnRef>
-          <a:fillRef idx="1">
-            <a:schemeClr val="accent1"/>
-          </a:fillRef>
-          <a:effectRef idx="0">
-            <a:schemeClr val="accent1"/>
-          </a:effectRef>
-          <a:fontRef idx="minor">
-            <a:schemeClr val="lt1"/>
-          </a:fontRef>
-        </p:style>
-        <p:txBody>
-          <a:bodyPr rtlCol="0" anchor="ctr"/>
-          <a:lstStyle/>
-          <a:p>
-            <a:pPr algn="ctr"/>
-            <a:endParaRPr lang="en-US">
-              <a:solidFill>
-                <a:prstClr val="white"/>
-              </a:solidFill>
-              <a:latin typeface="Calibri" panose="020F0502020204030204"/>
-            </a:endParaRPr>
-          </a:p>
-        </p:txBody>
-      </p:sp>
-      <p:sp>
-        <p:nvSpPr>
-          <p:cNvPr id="13" name="Rectangle 12">
-            <a:extLst>
-              <a:ext uri="{FF2B5EF4-FFF2-40B4-BE49-F238E27FC236}">
-                <a16:creationId xmlns:a16="http://schemas.microsoft.com/office/drawing/2014/main" id="{9DECDBF4-02B6-4BB4-B65B-B8107AD6A9E8}"/>
-              </a:ext>
-              <a:ext uri="{C183D7F6-B498-43B3-948B-1728B52AA6E4}">
-                <adec:decorative xmlns:adec="http://schemas.microsoft.com/office/drawing/2017/decorative" val="1"/>
-              </a:ext>
-            </a:extLst>
-          </p:cNvPr>
-          <p:cNvSpPr>
-            <a:spLocks noGrp="1" noRot="1" noChangeAspect="1" noMove="1" noResize="1" noEditPoints="1" noAdjustHandles="1" noChangeArrowheads="1" noChangeShapeType="1" noTextEdit="1"/>
-          </p:cNvSpPr>
-          <p:nvPr>
-            <p:extLst>
-              <p:ext uri="{386F3935-93C4-4BCD-93E2-E3B085C9AB24}">
-                <p16:designElem xmlns:p16="http://schemas.microsoft.com/office/powerpoint/2015/main" val="1"/>
-              </p:ext>
-            </p:extLst>
-          </p:nvPr>
-        </p:nvSpPr>
-        <p:spPr>
-          <a:xfrm flipV="1">
-            <a:off x="841248" y="1538176"/>
-            <a:ext cx="1873457" cy="109814"/>
-          </a:xfrm>
-          <a:prstGeom prst="rect">
-            <a:avLst/>
-          </a:prstGeom>
-          <a:solidFill>
-            <a:schemeClr val="accent2"/>
-          </a:solidFill>
-          <a:ln>
-            <a:noFill/>
-          </a:ln>
-        </p:spPr>
-        <p:style>
-          <a:lnRef idx="2">
-            <a:schemeClr val="accent1">
-              <a:shade val="50000"/>
-            </a:schemeClr>
-          </a:lnRef>
-          <a:fillRef idx="1">
-            <a:schemeClr val="accent1"/>
-          </a:fillRef>
-          <a:effectRef idx="0">
-            <a:schemeClr val="accent1"/>
-          </a:effectRef>
-          <a:fontRef idx="minor">
-            <a:schemeClr val="lt1"/>
-          </a:fontRef>
-        </p:style>
-        <p:txBody>
-          <a:bodyPr rtlCol="0" anchor="ctr"/>
-          <a:lstStyle/>
-          <a:p>
-            <a:pPr algn="ctr"/>
-            <a:endParaRPr lang="en-US">
-              <a:solidFill>
-                <a:prstClr val="white"/>
-              </a:solidFill>
-              <a:latin typeface="Calibri" panose="020F0502020204030204"/>
-            </a:endParaRPr>
-          </a:p>
-        </p:txBody>
-      </p:sp>
-      <p:graphicFrame>
-        <p:nvGraphicFramePr>
-          <p:cNvPr id="6" name="Content Placeholder 2">
-            <a:extLst>
-              <a:ext uri="{FF2B5EF4-FFF2-40B4-BE49-F238E27FC236}">
-                <a16:creationId xmlns:a16="http://schemas.microsoft.com/office/drawing/2014/main" id="{BF2987AD-B0B1-41FC-A03F-1FCA46650C39}"/>
-              </a:ext>
-            </a:extLst>
-          </p:cNvPr>
-          <p:cNvGraphicFramePr>
-            <a:graphicFrameLocks noGrp="1"/>
-          </p:cNvGraphicFramePr>
-          <p:nvPr>
-            <p:ph idx="1"/>
-            <p:extLst>
-              <p:ext uri="{D42A27DB-BD31-4B8C-83A1-F6EECF244321}">
-                <p14:modId xmlns:p14="http://schemas.microsoft.com/office/powerpoint/2010/main" val="2277813771"/>
-              </p:ext>
-            </p:extLst>
-          </p:nvPr>
-        </p:nvGraphicFramePr>
-        <p:xfrm>
-          <a:off x="742236" y="2011476"/>
-          <a:ext cx="10777642" cy="4357524"/>
-        </p:xfrm>
-        <a:graphic>
-          <a:graphicData uri="http://schemas.openxmlformats.org/drawingml/2006/diagram">
-            <dgm:relIds xmlns:dgm="http://schemas.openxmlformats.org/drawingml/2006/diagram" xmlns:r="http://schemas.openxmlformats.org/officeDocument/2006/relationships" r:dm="rId2" r:lo="rId3" r:qs="rId4" r:cs="rId5"/>
-          </a:graphicData>
-        </a:graphic>
-      </p:graphicFrame>
-    </p:spTree>
-    <p:extLst>
-      <p:ext uri="{BB962C8B-B14F-4D97-AF65-F5344CB8AC3E}">
-        <p14:creationId xmlns:p14="http://schemas.microsoft.com/office/powerpoint/2010/main" val="3770369252"/>
-      </p:ext>
-    </p:extLst>
-  </p:cSld>
-  <p:clrMapOvr>
-    <a:masterClrMapping/>
-  </p:clrMapOvr>
-</p:sld>
-</file>
-
-<file path=ppt/slides/slide4.xml><?xml version="1.0" encoding="utf-8"?>
-<p:sld xmlns:a="http://schemas.openxmlformats.org/drawingml/2006/main" xmlns:r="http://schemas.openxmlformats.org/officeDocument/2006/relationships" xmlns:p="http://schemas.openxmlformats.org/presentationml/2006/main">
-  <p:cSld>
-    <p:spTree>
-      <p:nvGrpSpPr>
-        <p:cNvPr id="1" name=""/>
-        <p:cNvGrpSpPr/>
-        <p:nvPr/>
-      </p:nvGrpSpPr>
-      <p:grpSpPr>
-        <a:xfrm>
-          <a:off x="0" y="0"/>
-          <a:ext cx="0" cy="0"/>
-          <a:chOff x="0" y="0"/>
-          <a:chExt cx="0" cy="0"/>
-        </a:xfrm>
-      </p:grpSpPr>
-      <p:pic>
-        <p:nvPicPr>
-          <p:cNvPr id="5" name="Picture 4" descr="A picture containing logo&#10;&#10;Description automatically generated">
-            <a:extLst>
-              <a:ext uri="{FF2B5EF4-FFF2-40B4-BE49-F238E27FC236}">
-                <a16:creationId xmlns:a16="http://schemas.microsoft.com/office/drawing/2014/main" id="{659E7C7B-368A-4327-86B1-FAC5D246817A}"/>
-              </a:ext>
-            </a:extLst>
-          </p:cNvPr>
-          <p:cNvPicPr>
-            <a:picLocks noChangeAspect="1"/>
-          </p:cNvPicPr>
-          <p:nvPr/>
-        </p:nvPicPr>
-        <p:blipFill>
-          <a:blip r:embed="rId2">
-            <a:extLst>
-              <a:ext uri="{28A0092B-C50C-407E-A947-70E740481C1C}">
-                <a14:useLocalDpi xmlns:a14="http://schemas.microsoft.com/office/drawing/2010/main" val="0"/>
-              </a:ext>
-            </a:extLst>
-          </a:blip>
-          <a:stretch>
-            <a:fillRect/>
-          </a:stretch>
-        </p:blipFill>
-        <p:spPr>
-          <a:xfrm>
-            <a:off x="1276254" y="1027906"/>
-            <a:ext cx="4225777" cy="3169333"/>
-          </a:xfrm>
-          <a:prstGeom prst="rect">
-            <a:avLst/>
-          </a:prstGeom>
-        </p:spPr>
-      </p:pic>
-      <p:sp>
-        <p:nvSpPr>
-          <p:cNvPr id="2" name="Title 1">
-            <a:extLst>
-              <a:ext uri="{FF2B5EF4-FFF2-40B4-BE49-F238E27FC236}">
-                <a16:creationId xmlns:a16="http://schemas.microsoft.com/office/drawing/2014/main" id="{B137E46C-952B-4317-B423-8D8A963AEF64}"/>
-              </a:ext>
-            </a:extLst>
-          </p:cNvPr>
-          <p:cNvSpPr>
-            <a:spLocks noGrp="1"/>
-          </p:cNvSpPr>
-          <p:nvPr>
-            <p:ph type="title"/>
-          </p:nvPr>
-        </p:nvSpPr>
-        <p:spPr/>
-        <p:txBody>
-          <a:bodyPr/>
-          <a:lstStyle/>
-          <a:p>
-            <a:r>
-              <a:rPr lang="en-US" dirty="0">
-                <a:latin typeface="Univers (body)"/>
-                <a:cs typeface="Arial" panose="020B0604020202020204" pitchFamily="34" charset="0"/>
-              </a:rPr>
-              <a:t>Data Collection</a:t>
-            </a:r>
-          </a:p>
-        </p:txBody>
-      </p:sp>
-      <p:pic>
-        <p:nvPicPr>
-          <p:cNvPr id="7" name="Content Placeholder 6" descr="Logo&#10;&#10;Description automatically generated">
-            <a:extLst>
-              <a:ext uri="{FF2B5EF4-FFF2-40B4-BE49-F238E27FC236}">
-                <a16:creationId xmlns:a16="http://schemas.microsoft.com/office/drawing/2014/main" id="{13EBC806-D0ED-4D70-AFE5-CF922FBF30FC}"/>
-              </a:ext>
-            </a:extLst>
-          </p:cNvPr>
-          <p:cNvPicPr>
-            <a:picLocks noGrp="1" noChangeAspect="1"/>
-          </p:cNvPicPr>
-          <p:nvPr>
-            <p:ph idx="1"/>
-          </p:nvPr>
-        </p:nvPicPr>
-        <p:blipFill>
-          <a:blip r:embed="rId3">
-            <a:extLst>
-              <a:ext uri="{28A0092B-C50C-407E-A947-70E740481C1C}">
-                <a14:useLocalDpi xmlns:a14="http://schemas.microsoft.com/office/drawing/2010/main" val="0"/>
-              </a:ext>
-            </a:extLst>
-          </a:blip>
-          <a:stretch>
-            <a:fillRect/>
-          </a:stretch>
-        </p:blipFill>
-        <p:spPr>
-          <a:xfrm>
-            <a:off x="1766275" y="3923324"/>
-            <a:ext cx="3323945" cy="2446215"/>
-          </a:xfrm>
-        </p:spPr>
-      </p:pic>
-      <p:sp>
-        <p:nvSpPr>
-          <p:cNvPr id="8" name="TextBox 7">
-            <a:extLst>
-              <a:ext uri="{FF2B5EF4-FFF2-40B4-BE49-F238E27FC236}">
-                <a16:creationId xmlns:a16="http://schemas.microsoft.com/office/drawing/2014/main" id="{68D18CBB-A0CA-43C1-B5EA-4C2814678990}"/>
-              </a:ext>
-            </a:extLst>
-          </p:cNvPr>
-          <p:cNvSpPr txBox="1"/>
-          <p:nvPr/>
-        </p:nvSpPr>
-        <p:spPr>
-          <a:xfrm>
-            <a:off x="6689971" y="1570841"/>
-            <a:ext cx="3157415" cy="4524315"/>
-          </a:xfrm>
-          <a:prstGeom prst="rect">
-            <a:avLst/>
-          </a:prstGeom>
-          <a:noFill/>
-        </p:spPr>
-        <p:txBody>
-          <a:bodyPr wrap="square" rtlCol="0">
-            <a:spAutoFit/>
-          </a:bodyPr>
-          <a:lstStyle/>
-          <a:p>
-            <a:r>
-              <a:rPr lang="en-US" dirty="0">
-                <a:latin typeface="Univers (body)"/>
-              </a:rPr>
-              <a:t>Area</a:t>
-            </a:r>
-          </a:p>
-          <a:p>
-            <a:pPr marL="285750" indent="-285750">
-              <a:buFont typeface="Arial" panose="020B0604020202020204" pitchFamily="34" charset="0"/>
-              <a:buChar char="•"/>
-            </a:pPr>
-            <a:r>
-              <a:rPr lang="en-US" dirty="0">
-                <a:latin typeface="Univers (body)"/>
-              </a:rPr>
-              <a:t>Population Density</a:t>
-            </a:r>
-          </a:p>
-          <a:p>
-            <a:endParaRPr lang="en-US" dirty="0">
-              <a:latin typeface="Univers (body)"/>
-            </a:endParaRPr>
-          </a:p>
-          <a:p>
-            <a:r>
-              <a:rPr lang="en-US" dirty="0">
-                <a:latin typeface="Univers (body)"/>
-              </a:rPr>
-              <a:t>Demographics</a:t>
-            </a:r>
-          </a:p>
-          <a:p>
-            <a:pPr marL="285750" indent="-285750">
-              <a:buFont typeface="Arial" panose="020B0604020202020204" pitchFamily="34" charset="0"/>
-              <a:buChar char="•"/>
-            </a:pPr>
-            <a:r>
-              <a:rPr lang="en-US" dirty="0">
-                <a:latin typeface="Univers (body)"/>
-              </a:rPr>
-              <a:t>Age</a:t>
-            </a:r>
-          </a:p>
-          <a:p>
-            <a:pPr marL="285750" indent="-285750">
-              <a:buFont typeface="Arial" panose="020B0604020202020204" pitchFamily="34" charset="0"/>
-              <a:buChar char="•"/>
-            </a:pPr>
-            <a:r>
-              <a:rPr lang="en-US" dirty="0">
-                <a:latin typeface="Univers (body)"/>
-              </a:rPr>
-              <a:t>Gender</a:t>
-            </a:r>
-          </a:p>
-          <a:p>
-            <a:pPr marL="285750" indent="-285750">
-              <a:buFont typeface="Arial" panose="020B0604020202020204" pitchFamily="34" charset="0"/>
-              <a:buChar char="•"/>
-            </a:pPr>
-            <a:r>
-              <a:rPr lang="en-US" dirty="0">
-                <a:latin typeface="Univers (body)"/>
-              </a:rPr>
-              <a:t>Race</a:t>
-            </a:r>
-          </a:p>
-          <a:p>
-            <a:endParaRPr lang="en-US" dirty="0">
-              <a:latin typeface="Univers (body)"/>
-            </a:endParaRPr>
-          </a:p>
-          <a:p>
-            <a:r>
-              <a:rPr lang="en-US" dirty="0">
-                <a:latin typeface="Univers (body)"/>
-              </a:rPr>
-              <a:t>Economic Indicators</a:t>
-            </a:r>
-          </a:p>
-          <a:p>
-            <a:pPr marL="285750" indent="-285750">
-              <a:buFont typeface="Arial" panose="020B0604020202020204" pitchFamily="34" charset="0"/>
-              <a:buChar char="•"/>
-            </a:pPr>
-            <a:r>
-              <a:rPr lang="en-US" dirty="0">
-                <a:latin typeface="Univers (body)"/>
-              </a:rPr>
-              <a:t>Income Per Capita</a:t>
-            </a:r>
-          </a:p>
-          <a:p>
-            <a:pPr marL="285750" indent="-285750">
-              <a:buFont typeface="Arial" panose="020B0604020202020204" pitchFamily="34" charset="0"/>
-              <a:buChar char="•"/>
-            </a:pPr>
-            <a:r>
-              <a:rPr lang="en-US" dirty="0">
-                <a:latin typeface="Univers (body)"/>
-              </a:rPr>
-              <a:t>Household Income</a:t>
-            </a:r>
-          </a:p>
-          <a:p>
-            <a:pPr marL="285750" indent="-285750">
-              <a:buFont typeface="Arial" panose="020B0604020202020204" pitchFamily="34" charset="0"/>
-              <a:buChar char="•"/>
-            </a:pPr>
-            <a:r>
-              <a:rPr lang="en-US" dirty="0">
-                <a:latin typeface="Univers (body)"/>
-              </a:rPr>
-              <a:t>Median Worker Income</a:t>
-            </a:r>
-          </a:p>
-          <a:p>
-            <a:pPr marL="285750" indent="-285750">
-              <a:buFont typeface="Arial" panose="020B0604020202020204" pitchFamily="34" charset="0"/>
-              <a:buChar char="•"/>
-            </a:pPr>
-            <a:endParaRPr lang="en-US" dirty="0">
-              <a:latin typeface="Univers (body)"/>
-            </a:endParaRPr>
-          </a:p>
-          <a:p>
-            <a:r>
-              <a:rPr lang="en-US" dirty="0">
-                <a:latin typeface="Univers (body)"/>
-              </a:rPr>
-              <a:t>Health Indicators</a:t>
-            </a:r>
-          </a:p>
-          <a:p>
-            <a:pPr marL="285750" indent="-285750">
-              <a:buFont typeface="Arial" panose="020B0604020202020204" pitchFamily="34" charset="0"/>
-              <a:buChar char="•"/>
-            </a:pPr>
-            <a:r>
-              <a:rPr lang="en-US" dirty="0">
-                <a:latin typeface="Univers (body)"/>
-              </a:rPr>
-              <a:t>Obesity Rates</a:t>
-            </a:r>
-          </a:p>
-          <a:p>
-            <a:endParaRPr lang="en-US" dirty="0">
-              <a:latin typeface="Univers (body)"/>
-            </a:endParaRPr>
-          </a:p>
-        </p:txBody>
-      </p:sp>
-      <p:sp>
-        <p:nvSpPr>
-          <p:cNvPr id="9" name="TextBox 8">
-            <a:extLst>
-              <a:ext uri="{FF2B5EF4-FFF2-40B4-BE49-F238E27FC236}">
-                <a16:creationId xmlns:a16="http://schemas.microsoft.com/office/drawing/2014/main" id="{A7321E71-F952-4D86-BDF3-549C265E018F}"/>
-              </a:ext>
-            </a:extLst>
-          </p:cNvPr>
-          <p:cNvSpPr txBox="1"/>
-          <p:nvPr/>
-        </p:nvSpPr>
-        <p:spPr>
-          <a:xfrm>
-            <a:off x="10051299" y="1636824"/>
-            <a:ext cx="1881161" cy="1754326"/>
-          </a:xfrm>
-          <a:prstGeom prst="rect">
-            <a:avLst/>
-          </a:prstGeom>
-          <a:noFill/>
-        </p:spPr>
-        <p:txBody>
-          <a:bodyPr wrap="square" rtlCol="0">
-            <a:spAutoFit/>
-          </a:bodyPr>
-          <a:lstStyle/>
-          <a:p>
-            <a:r>
-              <a:rPr lang="en-US" dirty="0">
-                <a:latin typeface="Univers (body)"/>
-              </a:rPr>
-              <a:t>COVID-19</a:t>
-            </a:r>
-          </a:p>
-          <a:p>
-            <a:pPr marL="285750" indent="-285750">
-              <a:buFont typeface="Arial" panose="020B0604020202020204" pitchFamily="34" charset="0"/>
-              <a:buChar char="•"/>
-            </a:pPr>
-            <a:r>
-              <a:rPr lang="en-US" dirty="0">
-                <a:latin typeface="Univers (body)"/>
-              </a:rPr>
-              <a:t>Tests</a:t>
-            </a:r>
-          </a:p>
-          <a:p>
-            <a:pPr marL="285750" indent="-285750">
-              <a:buFont typeface="Arial" panose="020B0604020202020204" pitchFamily="34" charset="0"/>
-              <a:buChar char="•"/>
-            </a:pPr>
-            <a:r>
-              <a:rPr lang="en-US" dirty="0">
-                <a:latin typeface="Univers (body)"/>
-              </a:rPr>
-              <a:t>Cases</a:t>
-            </a:r>
-          </a:p>
-          <a:p>
-            <a:pPr marL="285750" indent="-285750">
-              <a:buFont typeface="Arial" panose="020B0604020202020204" pitchFamily="34" charset="0"/>
-              <a:buChar char="•"/>
-            </a:pPr>
-            <a:r>
-              <a:rPr lang="en-US" dirty="0">
-                <a:latin typeface="Univers (body)"/>
-              </a:rPr>
-              <a:t>Fatalities</a:t>
-            </a:r>
-          </a:p>
-          <a:p>
-            <a:endParaRPr lang="en-US" dirty="0">
-              <a:latin typeface="Univers (body)"/>
-            </a:endParaRPr>
-          </a:p>
-          <a:p>
-            <a:endParaRPr lang="en-US" dirty="0">
-              <a:latin typeface="Univers (body)"/>
-            </a:endParaRPr>
-          </a:p>
-        </p:txBody>
-      </p:sp>
-      <p:sp>
-        <p:nvSpPr>
-          <p:cNvPr id="11" name="TextBox 10">
-            <a:extLst>
-              <a:ext uri="{FF2B5EF4-FFF2-40B4-BE49-F238E27FC236}">
-                <a16:creationId xmlns:a16="http://schemas.microsoft.com/office/drawing/2014/main" id="{A7FD48D7-FCB4-48E1-9DF9-4F2249EC7986}"/>
-              </a:ext>
-            </a:extLst>
-          </p:cNvPr>
-          <p:cNvSpPr txBox="1"/>
-          <p:nvPr/>
-        </p:nvSpPr>
-        <p:spPr>
-          <a:xfrm>
-            <a:off x="7678419" y="762844"/>
-            <a:ext cx="3157415" cy="369332"/>
-          </a:xfrm>
-          <a:prstGeom prst="rect">
-            <a:avLst/>
-          </a:prstGeom>
-          <a:noFill/>
-        </p:spPr>
-        <p:txBody>
-          <a:bodyPr wrap="square" rtlCol="0">
-            <a:spAutoFit/>
-          </a:bodyPr>
-          <a:lstStyle/>
-          <a:p>
-            <a:pPr algn="ctr"/>
-            <a:r>
-              <a:rPr lang="en-US" dirty="0">
-                <a:latin typeface="Univers (body)"/>
-              </a:rPr>
-              <a:t>County-level</a:t>
-            </a:r>
-          </a:p>
-        </p:txBody>
-      </p:sp>
-    </p:spTree>
-    <p:extLst>
-      <p:ext uri="{BB962C8B-B14F-4D97-AF65-F5344CB8AC3E}">
-        <p14:creationId xmlns:p14="http://schemas.microsoft.com/office/powerpoint/2010/main" val="3103748562"/>
-      </p:ext>
-    </p:extLst>
-  </p:cSld>
-  <p:clrMapOvr>
-    <a:masterClrMapping/>
-  </p:clrMapOvr>
-</p:sld>
-</file>
-
-<file path=ppt/slides/slide5.xml><?xml version="1.0" encoding="utf-8"?>
-<p:sld xmlns:a="http://schemas.openxmlformats.org/drawingml/2006/main" xmlns:r="http://schemas.openxmlformats.org/officeDocument/2006/relationships" xmlns:p="http://schemas.openxmlformats.org/presentationml/2006/main">
-  <p:cSld>
-    <p:bg>
-      <p:bgPr>
-        <a:solidFill>
-          <a:schemeClr val="bg1"/>
-        </a:solidFill>
-        <a:effectLst/>
-      </p:bgPr>
-    </p:bg>
-    <p:spTree>
-      <p:nvGrpSpPr>
-        <p:cNvPr id="1" name=""/>
-        <p:cNvGrpSpPr/>
-        <p:nvPr/>
-      </p:nvGrpSpPr>
-      <p:grpSpPr>
-        <a:xfrm>
-          <a:off x="0" y="0"/>
-          <a:ext cx="0" cy="0"/>
-          <a:chOff x="0" y="0"/>
-          <a:chExt cx="0" cy="0"/>
-        </a:xfrm>
-      </p:grpSpPr>
-      <p:sp useBgFill="1">
-        <p:nvSpPr>
-          <p:cNvPr id="10" name="Rectangle 9">
-            <a:extLst>
-              <a:ext uri="{FF2B5EF4-FFF2-40B4-BE49-F238E27FC236}">
-                <a16:creationId xmlns:a16="http://schemas.microsoft.com/office/drawing/2014/main" id="{E45B1D5C-0827-4AF0-8186-11FC5A8B8B92}"/>
-              </a:ext>
-              <a:ext uri="{C183D7F6-B498-43B3-948B-1728B52AA6E4}">
-                <adec:decorative xmlns:adec="http://schemas.microsoft.com/office/drawing/2017/decorative" val="1"/>
-              </a:ext>
-            </a:extLst>
-          </p:cNvPr>
-          <p:cNvSpPr>
-            <a:spLocks noGrp="1" noRot="1" noChangeAspect="1" noMove="1" noResize="1" noEditPoints="1" noAdjustHandles="1" noChangeArrowheads="1" noChangeShapeType="1" noTextEdit="1"/>
-          </p:cNvSpPr>
-          <p:nvPr>
-            <p:extLst>
-              <p:ext uri="{386F3935-93C4-4BCD-93E2-E3B085C9AB24}">
-                <p16:designElem xmlns:p16="http://schemas.microsoft.com/office/powerpoint/2015/main" val="1"/>
-              </p:ext>
-            </p:extLst>
-          </p:nvPr>
-        </p:nvSpPr>
-        <p:spPr>
-          <a:xfrm>
-            <a:off x="0" y="0"/>
-            <a:ext cx="12191999" cy="6857365"/>
-          </a:xfrm>
-          <a:prstGeom prst="rect">
-            <a:avLst/>
-          </a:prstGeom>
-          <a:ln>
-            <a:noFill/>
-          </a:ln>
-        </p:spPr>
-        <p:style>
-          <a:lnRef idx="2">
-            <a:schemeClr val="accent1">
-              <a:shade val="50000"/>
-            </a:schemeClr>
-          </a:lnRef>
-          <a:fillRef idx="1">
-            <a:schemeClr val="accent1"/>
-          </a:fillRef>
-          <a:effectRef idx="0">
-            <a:schemeClr val="accent1"/>
-          </a:effectRef>
-          <a:fontRef idx="minor">
-            <a:schemeClr val="lt1"/>
-          </a:fontRef>
-        </p:style>
-        <p:txBody>
-          <a:bodyPr rtlCol="0" anchor="ctr"/>
-          <a:lstStyle/>
-          <a:p>
-            <a:pPr algn="ctr"/>
-            <a:endParaRPr lang="en-US"/>
-          </a:p>
-        </p:txBody>
-      </p:sp>
-      <p:sp>
-        <p:nvSpPr>
-          <p:cNvPr id="2" name="Title 1">
-            <a:extLst>
-              <a:ext uri="{FF2B5EF4-FFF2-40B4-BE49-F238E27FC236}">
-                <a16:creationId xmlns:a16="http://schemas.microsoft.com/office/drawing/2014/main" id="{FD6D3165-EE6F-49DB-92BD-10C31853E824}"/>
-              </a:ext>
-            </a:extLst>
-          </p:cNvPr>
-          <p:cNvSpPr>
-            <a:spLocks noGrp="1"/>
-          </p:cNvSpPr>
-          <p:nvPr>
-            <p:ph type="title"/>
-          </p:nvPr>
-        </p:nvSpPr>
-        <p:spPr>
-          <a:xfrm>
-            <a:off x="9267909" y="2023110"/>
-            <a:ext cx="2469624" cy="2846070"/>
-          </a:xfrm>
-        </p:spPr>
-        <p:txBody>
-          <a:bodyPr vert="horz" lIns="91440" tIns="45720" rIns="91440" bIns="45720" rtlCol="0" anchor="ctr">
-            <a:normAutofit fontScale="90000"/>
-          </a:bodyPr>
-          <a:lstStyle/>
-          <a:p>
-            <a:r>
-              <a:rPr lang="en-US" sz="3700" dirty="0">
-                <a:latin typeface="Univers (body)"/>
-              </a:rPr>
-              <a:t>Five States with the Most COVID-19 Data</a:t>
-            </a:r>
-          </a:p>
-        </p:txBody>
-      </p:sp>
-      <p:sp>
-        <p:nvSpPr>
-          <p:cNvPr id="12" name="Rectangle 11">
-            <a:extLst>
-              <a:ext uri="{FF2B5EF4-FFF2-40B4-BE49-F238E27FC236}">
-                <a16:creationId xmlns:a16="http://schemas.microsoft.com/office/drawing/2014/main" id="{99413ED5-9ED4-4772-BCE4-2BCAE6B12E35}"/>
-              </a:ext>
-              <a:ext uri="{C183D7F6-B498-43B3-948B-1728B52AA6E4}">
-                <adec:decorative xmlns:adec="http://schemas.microsoft.com/office/drawing/2017/decorative" val="1"/>
-              </a:ext>
-            </a:extLst>
-          </p:cNvPr>
-          <p:cNvSpPr>
-            <a:spLocks noGrp="1" noRot="1" noChangeAspect="1" noMove="1" noResize="1" noEditPoints="1" noAdjustHandles="1" noChangeArrowheads="1" noChangeShapeType="1" noTextEdit="1"/>
-          </p:cNvSpPr>
-          <p:nvPr>
-            <p:extLst>
-              <p:ext uri="{386F3935-93C4-4BCD-93E2-E3B085C9AB24}">
-                <p16:designElem xmlns:p16="http://schemas.microsoft.com/office/powerpoint/2015/main" val="1"/>
-              </p:ext>
-            </p:extLst>
-          </p:nvPr>
-        </p:nvSpPr>
-        <p:spPr>
-          <a:xfrm rot="16200000">
-            <a:off x="3433973" y="-827233"/>
-            <a:ext cx="1715478" cy="8583421"/>
-          </a:xfrm>
-          <a:prstGeom prst="rect">
-            <a:avLst/>
-          </a:prstGeom>
-          <a:solidFill>
-            <a:schemeClr val="accent4"/>
-          </a:solidFill>
-          <a:ln>
-            <a:noFill/>
-          </a:ln>
-        </p:spPr>
-        <p:style>
-          <a:lnRef idx="2">
-            <a:schemeClr val="accent1">
-              <a:shade val="50000"/>
-            </a:schemeClr>
-          </a:lnRef>
-          <a:fillRef idx="1">
-            <a:schemeClr val="accent1"/>
-          </a:fillRef>
-          <a:effectRef idx="0">
-            <a:schemeClr val="accent1"/>
-          </a:effectRef>
-          <a:fontRef idx="minor">
-            <a:schemeClr val="lt1"/>
-          </a:fontRef>
-        </p:style>
-        <p:txBody>
-          <a:bodyPr rtlCol="0" anchor="ctr"/>
-          <a:lstStyle/>
-          <a:p>
-            <a:pPr algn="ctr"/>
-            <a:endParaRPr lang="en-US" dirty="0"/>
-          </a:p>
-        </p:txBody>
-      </p:sp>
-      <p:sp>
-        <p:nvSpPr>
-          <p:cNvPr id="14" name="Rectangle 13">
-            <a:extLst>
-              <a:ext uri="{FF2B5EF4-FFF2-40B4-BE49-F238E27FC236}">
-                <a16:creationId xmlns:a16="http://schemas.microsoft.com/office/drawing/2014/main" id="{04357C93-F0CB-4A1C-8F77-4E9063789819}"/>
-              </a:ext>
-              <a:ext uri="{C183D7F6-B498-43B3-948B-1728B52AA6E4}">
-                <adec:decorative xmlns:adec="http://schemas.microsoft.com/office/drawing/2017/decorative" val="1"/>
-              </a:ext>
-            </a:extLst>
-          </p:cNvPr>
-          <p:cNvSpPr>
-            <a:spLocks noGrp="1" noRot="1" noChangeAspect="1" noMove="1" noResize="1" noEditPoints="1" noAdjustHandles="1" noChangeArrowheads="1" noChangeShapeType="1" noTextEdit="1"/>
-          </p:cNvSpPr>
-          <p:nvPr>
-            <p:extLst>
-              <p:ext uri="{386F3935-93C4-4BCD-93E2-E3B085C9AB24}">
-                <p16:designElem xmlns:p16="http://schemas.microsoft.com/office/powerpoint/2015/main" val="1"/>
-              </p:ext>
-            </p:extLst>
-          </p:nvPr>
-        </p:nvSpPr>
-        <p:spPr>
-          <a:xfrm>
-            <a:off x="302085" y="664308"/>
-            <a:ext cx="8082632" cy="5600340"/>
-          </a:xfrm>
-          <a:prstGeom prst="rect">
-            <a:avLst/>
-          </a:prstGeom>
-          <a:solidFill>
-            <a:schemeClr val="bg1"/>
-          </a:solidFill>
-          <a:ln>
-            <a:noFill/>
-          </a:ln>
-          <a:effectLst>
-            <a:outerShdw blurRad="139700" dist="127000" dir="5400000" algn="t" rotWithShape="0">
-              <a:prstClr val="black">
-                <a:alpha val="15000"/>
-              </a:prstClr>
-            </a:outerShdw>
-          </a:effectLst>
-        </p:spPr>
-        <p:style>
-          <a:lnRef idx="2">
-            <a:schemeClr val="accent1">
-              <a:shade val="50000"/>
-            </a:schemeClr>
-          </a:lnRef>
-          <a:fillRef idx="1">
-            <a:schemeClr val="accent1"/>
-          </a:fillRef>
-          <a:effectRef idx="0">
-            <a:schemeClr val="accent1"/>
-          </a:effectRef>
-          <a:fontRef idx="minor">
-            <a:schemeClr val="lt1"/>
-          </a:fontRef>
-        </p:style>
-        <p:txBody>
-          <a:bodyPr rtlCol="0" anchor="ctr"/>
-          <a:lstStyle/>
-          <a:p>
-            <a:pPr algn="ctr"/>
-            <a:endParaRPr lang="en-US"/>
-          </a:p>
-        </p:txBody>
-      </p:sp>
-      <p:pic>
-        <p:nvPicPr>
-          <p:cNvPr id="5" name="Content Placeholder 4" descr="Chart, line chart&#10;&#10;Description automatically generated">
-            <a:extLst>
-              <a:ext uri="{FF2B5EF4-FFF2-40B4-BE49-F238E27FC236}">
-                <a16:creationId xmlns:a16="http://schemas.microsoft.com/office/drawing/2014/main" id="{A741A626-8131-4C77-A7BA-9F03C672C849}"/>
-              </a:ext>
-            </a:extLst>
-          </p:cNvPr>
-          <p:cNvPicPr>
-            <a:picLocks noGrp="1" noChangeAspect="1"/>
-          </p:cNvPicPr>
-          <p:nvPr>
-            <p:ph idx="1"/>
-          </p:nvPr>
-        </p:nvPicPr>
-        <p:blipFill rotWithShape="1">
-          <a:blip r:embed="rId2">
-            <a:extLst>
-              <a:ext uri="{28A0092B-C50C-407E-A947-70E740481C1C}">
-                <a14:useLocalDpi xmlns:a14="http://schemas.microsoft.com/office/drawing/2010/main" val="0"/>
-              </a:ext>
-            </a:extLst>
-          </a:blip>
-          <a:srcRect t="-788" b="2"/>
-          <a:stretch/>
-        </p:blipFill>
-        <p:spPr>
-          <a:xfrm>
-            <a:off x="552310" y="787569"/>
-            <a:ext cx="7608304" cy="5406123"/>
-          </a:xfrm>
-          <a:prstGeom prst="rect">
-            <a:avLst/>
-          </a:prstGeom>
-        </p:spPr>
-      </p:pic>
-      <p:sp>
-        <p:nvSpPr>
-          <p:cNvPr id="16" name="Rectangle 15">
-            <a:extLst>
-              <a:ext uri="{FF2B5EF4-FFF2-40B4-BE49-F238E27FC236}">
-                <a16:creationId xmlns:a16="http://schemas.microsoft.com/office/drawing/2014/main" id="{90F533E9-6690-41A8-A372-4C6C622D028D}"/>
-              </a:ext>
-              <a:ext uri="{C183D7F6-B498-43B3-948B-1728B52AA6E4}">
-                <adec:decorative xmlns:adec="http://schemas.microsoft.com/office/drawing/2017/decorative" val="1"/>
-              </a:ext>
-            </a:extLst>
-          </p:cNvPr>
-          <p:cNvSpPr>
-            <a:spLocks noGrp="1" noRot="1" noChangeAspect="1" noMove="1" noResize="1" noEditPoints="1" noAdjustHandles="1" noChangeArrowheads="1" noChangeShapeType="1" noTextEdit="1"/>
-          </p:cNvSpPr>
-          <p:nvPr>
-            <p:extLst>
-              <p:ext uri="{386F3935-93C4-4BCD-93E2-E3B085C9AB24}">
-                <p16:designElem xmlns:p16="http://schemas.microsoft.com/office/powerpoint/2015/main" val="1"/>
-              </p:ext>
-            </p:extLst>
-          </p:nvPr>
-        </p:nvSpPr>
-        <p:spPr>
-          <a:xfrm rot="5400000">
-            <a:off x="7950447" y="3392097"/>
-            <a:ext cx="1719072" cy="152382"/>
-          </a:xfrm>
-          <a:prstGeom prst="rect">
-            <a:avLst/>
-          </a:prstGeom>
-          <a:solidFill>
-            <a:schemeClr val="accent4"/>
-          </a:solidFill>
-          <a:ln>
-            <a:noFill/>
-          </a:ln>
-        </p:spPr>
-        <p:style>
-          <a:lnRef idx="2">
-            <a:schemeClr val="accent1">
-              <a:shade val="50000"/>
-            </a:schemeClr>
-          </a:lnRef>
-          <a:fillRef idx="1">
-            <a:schemeClr val="accent1"/>
-          </a:fillRef>
-          <a:effectRef idx="0">
-            <a:schemeClr val="accent1"/>
-          </a:effectRef>
-          <a:fontRef idx="minor">
-            <a:schemeClr val="lt1"/>
-          </a:fontRef>
-        </p:style>
-        <p:txBody>
-          <a:bodyPr rtlCol="0" anchor="ctr"/>
-          <a:lstStyle/>
-          <a:p>
-            <a:pPr algn="ctr"/>
-            <a:endParaRPr lang="en-US"/>
-          </a:p>
-        </p:txBody>
-      </p:sp>
-    </p:spTree>
-    <p:extLst>
-      <p:ext uri="{BB962C8B-B14F-4D97-AF65-F5344CB8AC3E}">
-        <p14:creationId xmlns:p14="http://schemas.microsoft.com/office/powerpoint/2010/main" val="547691016"/>
-      </p:ext>
-    </p:extLst>
-  </p:cSld>
-  <p:clrMapOvr>
-    <a:masterClrMapping/>
-  </p:clrMapOvr>
-</p:sld>
-</file>
-
-<file path=ppt/slides/slide6.xml><?xml version="1.0" encoding="utf-8"?>
-<p:sld xmlns:a="http://schemas.openxmlformats.org/drawingml/2006/main" xmlns:r="http://schemas.openxmlformats.org/officeDocument/2006/relationships" xmlns:p="http://schemas.openxmlformats.org/presentationml/2006/main">
-  <p:cSld>
-    <p:spTree>
-      <p:nvGrpSpPr>
-        <p:cNvPr id="1" name=""/>
-        <p:cNvGrpSpPr/>
-        <p:nvPr/>
-      </p:nvGrpSpPr>
-      <p:grpSpPr>
-        <a:xfrm>
-          <a:off x="0" y="0"/>
-          <a:ext cx="0" cy="0"/>
-          <a:chOff x="0" y="0"/>
-          <a:chExt cx="0" cy="0"/>
-        </a:xfrm>
-      </p:grpSpPr>
-      <p:sp>
-        <p:nvSpPr>
-          <p:cNvPr id="2" name="Title 1">
-            <a:extLst>
-              <a:ext uri="{FF2B5EF4-FFF2-40B4-BE49-F238E27FC236}">
-                <a16:creationId xmlns:a16="http://schemas.microsoft.com/office/drawing/2014/main" id="{29800417-36C6-43F2-BF14-27AA0DC18E3E}"/>
-              </a:ext>
-            </a:extLst>
-          </p:cNvPr>
-          <p:cNvSpPr>
-            <a:spLocks noGrp="1"/>
-          </p:cNvSpPr>
-          <p:nvPr>
-            <p:ph type="title"/>
-          </p:nvPr>
-        </p:nvSpPr>
-        <p:spPr/>
-        <p:txBody>
-          <a:bodyPr/>
-          <a:lstStyle/>
-          <a:p>
-            <a:r>
-              <a:rPr lang="en-US" dirty="0">
-                <a:latin typeface="Univers (body)"/>
-              </a:rPr>
-              <a:t>COVID Statistics Vary Widely </a:t>
-            </a:r>
-          </a:p>
-        </p:txBody>
-      </p:sp>
-      <p:pic>
-        <p:nvPicPr>
-          <p:cNvPr id="6" name="Content Placeholder 5" descr="Chart, bar chart&#10;&#10;Description automatically generated">
-            <a:extLst>
-              <a:ext uri="{FF2B5EF4-FFF2-40B4-BE49-F238E27FC236}">
-                <a16:creationId xmlns:a16="http://schemas.microsoft.com/office/drawing/2014/main" id="{72BB05A1-5E7D-4A1D-81CF-95C3FCC0FD59}"/>
-              </a:ext>
-            </a:extLst>
-          </p:cNvPr>
-          <p:cNvPicPr>
-            <a:picLocks noGrp="1" noChangeAspect="1"/>
-          </p:cNvPicPr>
-          <p:nvPr>
-            <p:ph sz="half" idx="1"/>
-          </p:nvPr>
-        </p:nvPicPr>
-        <p:blipFill>
-          <a:blip r:embed="rId2">
-            <a:extLst>
-              <a:ext uri="{28A0092B-C50C-407E-A947-70E740481C1C}">
-                <a14:useLocalDpi xmlns:a14="http://schemas.microsoft.com/office/drawing/2010/main" val="0"/>
-              </a:ext>
-            </a:extLst>
-          </a:blip>
-          <a:stretch>
-            <a:fillRect/>
-          </a:stretch>
-        </p:blipFill>
-        <p:spPr>
-          <a:xfrm>
-            <a:off x="345830" y="2383693"/>
-            <a:ext cx="5541805" cy="3184524"/>
-          </a:xfrm>
-        </p:spPr>
-      </p:pic>
-      <p:pic>
-        <p:nvPicPr>
-          <p:cNvPr id="8" name="Content Placeholder 7" descr="Chart, bar chart&#10;&#10;Description automatically generated">
-            <a:extLst>
-              <a:ext uri="{FF2B5EF4-FFF2-40B4-BE49-F238E27FC236}">
-                <a16:creationId xmlns:a16="http://schemas.microsoft.com/office/drawing/2014/main" id="{D1F9CA49-4748-469D-9E4E-D0E082D7C735}"/>
-              </a:ext>
-            </a:extLst>
-          </p:cNvPr>
-          <p:cNvPicPr>
-            <a:picLocks noGrp="1" noChangeAspect="1"/>
-          </p:cNvPicPr>
-          <p:nvPr>
-            <p:ph sz="half" idx="2"/>
-          </p:nvPr>
-        </p:nvPicPr>
-        <p:blipFill>
-          <a:blip r:embed="rId3">
-            <a:extLst>
-              <a:ext uri="{28A0092B-C50C-407E-A947-70E740481C1C}">
-                <a14:useLocalDpi xmlns:a14="http://schemas.microsoft.com/office/drawing/2010/main" val="0"/>
-              </a:ext>
-            </a:extLst>
-          </a:blip>
-          <a:stretch>
-            <a:fillRect/>
-          </a:stretch>
-        </p:blipFill>
-        <p:spPr>
-          <a:xfrm>
-            <a:off x="6258168" y="2381637"/>
-            <a:ext cx="5541805" cy="3216160"/>
-          </a:xfrm>
-        </p:spPr>
-      </p:pic>
-    </p:spTree>
-    <p:extLst>
-      <p:ext uri="{BB962C8B-B14F-4D97-AF65-F5344CB8AC3E}">
-        <p14:creationId xmlns:p14="http://schemas.microsoft.com/office/powerpoint/2010/main" val="502793554"/>
-      </p:ext>
-    </p:extLst>
-  </p:cSld>
-  <p:clrMapOvr>
-    <a:masterClrMapping/>
-  </p:clrMapOvr>
-</p:sld>
-</file>
-
-<file path=ppt/slides/slide7.xml><?xml version="1.0" encoding="utf-8"?>
-<p:sld xmlns:a="http://schemas.openxmlformats.org/drawingml/2006/main" xmlns:r="http://schemas.openxmlformats.org/officeDocument/2006/relationships" xmlns:p="http://schemas.openxmlformats.org/presentationml/2006/main">
-  <p:cSld>
-    <p:spTree>
-      <p:nvGrpSpPr>
-        <p:cNvPr id="1" name=""/>
-        <p:cNvGrpSpPr/>
-        <p:nvPr/>
-      </p:nvGrpSpPr>
-      <p:grpSpPr>
-        <a:xfrm>
-          <a:off x="0" y="0"/>
-          <a:ext cx="0" cy="0"/>
-          <a:chOff x="0" y="0"/>
-          <a:chExt cx="0" cy="0"/>
-        </a:xfrm>
-      </p:grpSpPr>
-      <p:sp>
-        <p:nvSpPr>
-          <p:cNvPr id="2" name="Title 1">
-            <a:extLst>
-              <a:ext uri="{FF2B5EF4-FFF2-40B4-BE49-F238E27FC236}">
-                <a16:creationId xmlns:a16="http://schemas.microsoft.com/office/drawing/2014/main" id="{C25562AC-F94B-42FD-8660-A811F4491437}"/>
-              </a:ext>
-            </a:extLst>
-          </p:cNvPr>
-          <p:cNvSpPr>
-            <a:spLocks noGrp="1"/>
-          </p:cNvSpPr>
-          <p:nvPr>
-            <p:ph type="title"/>
-          </p:nvPr>
-        </p:nvSpPr>
-        <p:spPr/>
-        <p:txBody>
-          <a:bodyPr>
-            <a:normAutofit fontScale="90000"/>
-          </a:bodyPr>
-          <a:lstStyle/>
-          <a:p>
-            <a:r>
-              <a:rPr lang="en-US" dirty="0">
-                <a:latin typeface="Univers (body)"/>
-              </a:rPr>
-              <a:t>High COVID Case Counties Likely to be Younger, Have Lower Income Per Capita</a:t>
-            </a:r>
-          </a:p>
-        </p:txBody>
-      </p:sp>
-      <p:pic>
-        <p:nvPicPr>
-          <p:cNvPr id="6" name="Content Placeholder 5" descr="Chart, histogram&#10;&#10;Description automatically generated">
-            <a:extLst>
-              <a:ext uri="{FF2B5EF4-FFF2-40B4-BE49-F238E27FC236}">
-                <a16:creationId xmlns:a16="http://schemas.microsoft.com/office/drawing/2014/main" id="{031D485D-E281-4498-99F0-6CDB9EC6D733}"/>
-              </a:ext>
-            </a:extLst>
-          </p:cNvPr>
-          <p:cNvPicPr>
-            <a:picLocks noGrp="1" noChangeAspect="1"/>
-          </p:cNvPicPr>
-          <p:nvPr>
-            <p:ph sz="half" idx="1"/>
-          </p:nvPr>
-        </p:nvPicPr>
-        <p:blipFill>
-          <a:blip r:embed="rId2">
-            <a:extLst>
-              <a:ext uri="{28A0092B-C50C-407E-A947-70E740481C1C}">
-                <a14:useLocalDpi xmlns:a14="http://schemas.microsoft.com/office/drawing/2010/main" val="0"/>
-              </a:ext>
-            </a:extLst>
-          </a:blip>
-          <a:stretch>
-            <a:fillRect/>
-          </a:stretch>
-        </p:blipFill>
-        <p:spPr>
-          <a:xfrm>
-            <a:off x="838200" y="2339762"/>
-            <a:ext cx="5181600" cy="3323063"/>
-          </a:xfrm>
-        </p:spPr>
-      </p:pic>
-      <p:pic>
-        <p:nvPicPr>
-          <p:cNvPr id="8" name="Content Placeholder 7" descr="Chart, line chart&#10;&#10;Description automatically generated">
-            <a:extLst>
-              <a:ext uri="{FF2B5EF4-FFF2-40B4-BE49-F238E27FC236}">
-                <a16:creationId xmlns:a16="http://schemas.microsoft.com/office/drawing/2014/main" id="{BAF10E59-CA46-4663-94D2-5A826511FC8A}"/>
-              </a:ext>
-            </a:extLst>
-          </p:cNvPr>
-          <p:cNvPicPr>
-            <a:picLocks noGrp="1" noChangeAspect="1"/>
-          </p:cNvPicPr>
-          <p:nvPr>
-            <p:ph sz="half" idx="2"/>
-          </p:nvPr>
-        </p:nvPicPr>
-        <p:blipFill>
-          <a:blip r:embed="rId3">
-            <a:extLst>
-              <a:ext uri="{28A0092B-C50C-407E-A947-70E740481C1C}">
-                <a14:useLocalDpi xmlns:a14="http://schemas.microsoft.com/office/drawing/2010/main" val="0"/>
-              </a:ext>
-            </a:extLst>
-          </a:blip>
-          <a:stretch>
-            <a:fillRect/>
-          </a:stretch>
-        </p:blipFill>
-        <p:spPr>
-          <a:xfrm>
-            <a:off x="6172200" y="2250753"/>
-            <a:ext cx="5181600" cy="3501081"/>
-          </a:xfrm>
-        </p:spPr>
-      </p:pic>
-    </p:spTree>
-    <p:extLst>
-      <p:ext uri="{BB962C8B-B14F-4D97-AF65-F5344CB8AC3E}">
-        <p14:creationId xmlns:p14="http://schemas.microsoft.com/office/powerpoint/2010/main" val="1915659772"/>
-      </p:ext>
-    </p:extLst>
-  </p:cSld>
-  <p:clrMapOvr>
-    <a:masterClrMapping/>
-  </p:clrMapOvr>
-</p:sld>
-</file>
-
-<file path=ppt/slides/slide8.xml><?xml version="1.0" encoding="utf-8"?>
-<p:sld xmlns:a="http://schemas.openxmlformats.org/drawingml/2006/main" xmlns:r="http://schemas.openxmlformats.org/officeDocument/2006/relationships" xmlns:p="http://schemas.openxmlformats.org/presentationml/2006/main">
-  <p:cSld>
-    <p:spTree>
-      <p:nvGrpSpPr>
-        <p:cNvPr id="1" name=""/>
-        <p:cNvGrpSpPr/>
-        <p:nvPr/>
-      </p:nvGrpSpPr>
-      <p:grpSpPr>
-        <a:xfrm>
-          <a:off x="0" y="0"/>
-          <a:ext cx="0" cy="0"/>
-          <a:chOff x="0" y="0"/>
-          <a:chExt cx="0" cy="0"/>
-        </a:xfrm>
-      </p:grpSpPr>
-      <p:sp>
-        <p:nvSpPr>
-          <p:cNvPr id="2" name="Title 1">
-            <a:extLst>
-              <a:ext uri="{FF2B5EF4-FFF2-40B4-BE49-F238E27FC236}">
-                <a16:creationId xmlns:a16="http://schemas.microsoft.com/office/drawing/2014/main" id="{9FAB24F9-9293-4782-9DC2-F77766335E07}"/>
-              </a:ext>
-            </a:extLst>
-          </p:cNvPr>
-          <p:cNvSpPr>
-            <a:spLocks noGrp="1"/>
-          </p:cNvSpPr>
-          <p:nvPr>
-            <p:ph type="title"/>
-          </p:nvPr>
-        </p:nvSpPr>
-        <p:spPr/>
-        <p:txBody>
-          <a:bodyPr>
-            <a:normAutofit fontScale="90000"/>
-          </a:bodyPr>
-          <a:lstStyle/>
-          <a:p>
-            <a:r>
-              <a:rPr lang="en-US" dirty="0">
-                <a:latin typeface="Univers (body)"/>
-              </a:rPr>
-              <a:t>Low COVID Case Counties Likely to have Insurance Coverage, Lower Pop. Density</a:t>
-            </a:r>
-          </a:p>
-        </p:txBody>
-      </p:sp>
-      <p:pic>
-        <p:nvPicPr>
-          <p:cNvPr id="6" name="Content Placeholder 5" descr="Chart, line chart, histogram&#10;&#10;Description automatically generated">
-            <a:extLst>
-              <a:ext uri="{FF2B5EF4-FFF2-40B4-BE49-F238E27FC236}">
-                <a16:creationId xmlns:a16="http://schemas.microsoft.com/office/drawing/2014/main" id="{13FC31A0-1302-49A5-A436-D76937903A73}"/>
-              </a:ext>
-            </a:extLst>
-          </p:cNvPr>
-          <p:cNvPicPr>
-            <a:picLocks noGrp="1" noChangeAspect="1"/>
-          </p:cNvPicPr>
-          <p:nvPr>
-            <p:ph sz="half" idx="1"/>
-          </p:nvPr>
-        </p:nvPicPr>
-        <p:blipFill>
-          <a:blip r:embed="rId2">
-            <a:extLst>
-              <a:ext uri="{28A0092B-C50C-407E-A947-70E740481C1C}">
-                <a14:useLocalDpi xmlns:a14="http://schemas.microsoft.com/office/drawing/2010/main" val="0"/>
-              </a:ext>
-            </a:extLst>
-          </a:blip>
-          <a:stretch>
-            <a:fillRect/>
-          </a:stretch>
-        </p:blipFill>
-        <p:spPr>
-          <a:xfrm>
-            <a:off x="838200" y="2241870"/>
-            <a:ext cx="5181600" cy="3518847"/>
-          </a:xfrm>
-        </p:spPr>
-      </p:pic>
-      <p:pic>
-        <p:nvPicPr>
-          <p:cNvPr id="8" name="Content Placeholder 7" descr="Chart, line chart&#10;&#10;Description automatically generated">
-            <a:extLst>
-              <a:ext uri="{FF2B5EF4-FFF2-40B4-BE49-F238E27FC236}">
-                <a16:creationId xmlns:a16="http://schemas.microsoft.com/office/drawing/2014/main" id="{EAF82298-1B76-4A70-8E89-812AD14700D3}"/>
-              </a:ext>
-            </a:extLst>
-          </p:cNvPr>
-          <p:cNvPicPr>
-            <a:picLocks noGrp="1" noChangeAspect="1"/>
-          </p:cNvPicPr>
-          <p:nvPr>
-            <p:ph sz="half" idx="2"/>
-          </p:nvPr>
-        </p:nvPicPr>
-        <p:blipFill>
-          <a:blip r:embed="rId3">
-            <a:extLst>
-              <a:ext uri="{28A0092B-C50C-407E-A947-70E740481C1C}">
-                <a14:useLocalDpi xmlns:a14="http://schemas.microsoft.com/office/drawing/2010/main" val="0"/>
-              </a:ext>
-            </a:extLst>
-          </a:blip>
-          <a:stretch>
-            <a:fillRect/>
-          </a:stretch>
-        </p:blipFill>
-        <p:spPr>
-          <a:xfrm>
-            <a:off x="6172200" y="2348223"/>
-            <a:ext cx="5181600" cy="3306142"/>
-          </a:xfrm>
-        </p:spPr>
-      </p:pic>
-    </p:spTree>
-    <p:extLst>
-      <p:ext uri="{BB962C8B-B14F-4D97-AF65-F5344CB8AC3E}">
-        <p14:creationId xmlns:p14="http://schemas.microsoft.com/office/powerpoint/2010/main" val="3953207219"/>
-      </p:ext>
-    </p:extLst>
-  </p:cSld>
-  <p:clrMapOvr>
-    <a:masterClrMapping/>
-  </p:clrMapOvr>
-</p:sld>
-</file>
-
-<file path=ppt/slides/slide9.xml><?xml version="1.0" encoding="utf-8"?>
 <p:sld xmlns:a="http://schemas.openxmlformats.org/drawingml/2006/main" xmlns:r="http://schemas.openxmlformats.org/officeDocument/2006/relationships" xmlns:p="http://schemas.openxmlformats.org/presentationml/2006/main">
   <p:cSld>
     <p:bg>
@@ -13594,12 +9698,12 @@
         </p:spPr>
         <p:txBody>
           <a:bodyPr vert="horz" lIns="91440" tIns="45720" rIns="91440" bIns="45720" rtlCol="0" anchor="ctr">
-            <a:normAutofit fontScale="90000"/>
+            <a:normAutofit/>
           </a:bodyPr>
           <a:lstStyle/>
           <a:p>
             <a:r>
-              <a:rPr lang="en-US" sz="5200" kern="1200" dirty="0">
+              <a:rPr lang="en-US" sz="4000" kern="1200" dirty="0">
                 <a:solidFill>
                   <a:schemeClr val="tx1"/>
                 </a:solidFill>
@@ -15217,6 +11321,4557 @@
 </p:sld>
 </file>
 
+<file path=ppt/slides/slide11.xml><?xml version="1.0" encoding="utf-8"?>
+<p:sld xmlns:a="http://schemas.openxmlformats.org/drawingml/2006/main" xmlns:r="http://schemas.openxmlformats.org/officeDocument/2006/relationships" xmlns:p="http://schemas.openxmlformats.org/presentationml/2006/main">
+  <p:cSld>
+    <p:spTree>
+      <p:nvGrpSpPr>
+        <p:cNvPr id="1" name=""/>
+        <p:cNvGrpSpPr/>
+        <p:nvPr/>
+      </p:nvGrpSpPr>
+      <p:grpSpPr>
+        <a:xfrm>
+          <a:off x="0" y="0"/>
+          <a:ext cx="0" cy="0"/>
+          <a:chOff x="0" y="0"/>
+          <a:chExt cx="0" cy="0"/>
+        </a:xfrm>
+      </p:grpSpPr>
+      <p:sp>
+        <p:nvSpPr>
+          <p:cNvPr id="2" name="Title 1">
+            <a:extLst>
+              <a:ext uri="{FF2B5EF4-FFF2-40B4-BE49-F238E27FC236}">
+                <a16:creationId xmlns:a16="http://schemas.microsoft.com/office/drawing/2014/main" id="{5CA85E8E-1896-45D6-84F6-BA50194D75BD}"/>
+              </a:ext>
+            </a:extLst>
+          </p:cNvPr>
+          <p:cNvSpPr>
+            <a:spLocks noGrp="1"/>
+          </p:cNvSpPr>
+          <p:nvPr>
+            <p:ph type="title"/>
+          </p:nvPr>
+        </p:nvSpPr>
+        <p:spPr>
+          <a:xfrm>
+            <a:off x="838199" y="365125"/>
+            <a:ext cx="11065330" cy="1325563"/>
+          </a:xfrm>
+        </p:spPr>
+        <p:txBody>
+          <a:bodyPr>
+            <a:normAutofit/>
+          </a:bodyPr>
+          <a:lstStyle/>
+          <a:p>
+            <a:r>
+              <a:rPr lang="en-US" sz="4000" dirty="0">
+                <a:latin typeface="Univers (body)"/>
+              </a:rPr>
+              <a:t>Predictors Varied in State-Level Models</a:t>
+            </a:r>
+          </a:p>
+        </p:txBody>
+      </p:sp>
+      <p:pic>
+        <p:nvPicPr>
+          <p:cNvPr id="18" name="Content Placeholder 17" descr="Chart, bar chart&#10;&#10;Description automatically generated">
+            <a:extLst>
+              <a:ext uri="{FF2B5EF4-FFF2-40B4-BE49-F238E27FC236}">
+                <a16:creationId xmlns:a16="http://schemas.microsoft.com/office/drawing/2014/main" id="{6C1E5650-A0CC-472E-A48C-7467C05E1BCE}"/>
+              </a:ext>
+            </a:extLst>
+          </p:cNvPr>
+          <p:cNvPicPr>
+            <a:picLocks noGrp="1" noChangeAspect="1"/>
+          </p:cNvPicPr>
+          <p:nvPr>
+            <p:ph sz="half" idx="1"/>
+          </p:nvPr>
+        </p:nvPicPr>
+        <p:blipFill>
+          <a:blip r:embed="rId2">
+            <a:extLst>
+              <a:ext uri="{28A0092B-C50C-407E-A947-70E740481C1C}">
+                <a14:useLocalDpi xmlns:a14="http://schemas.microsoft.com/office/drawing/2010/main" val="0"/>
+              </a:ext>
+            </a:extLst>
+          </a:blip>
+          <a:stretch>
+            <a:fillRect/>
+          </a:stretch>
+        </p:blipFill>
+        <p:spPr>
+          <a:xfrm>
+            <a:off x="313439" y="2083411"/>
+            <a:ext cx="5864649" cy="3718823"/>
+          </a:xfrm>
+        </p:spPr>
+      </p:pic>
+      <p:pic>
+        <p:nvPicPr>
+          <p:cNvPr id="20" name="Content Placeholder 19" descr="Chart, bar chart&#10;&#10;Description automatically generated">
+            <a:extLst>
+              <a:ext uri="{FF2B5EF4-FFF2-40B4-BE49-F238E27FC236}">
+                <a16:creationId xmlns:a16="http://schemas.microsoft.com/office/drawing/2014/main" id="{C8E24D5D-C892-4FFE-85C4-F5C0AEE9E12E}"/>
+              </a:ext>
+            </a:extLst>
+          </p:cNvPr>
+          <p:cNvPicPr>
+            <a:picLocks noGrp="1" noChangeAspect="1"/>
+          </p:cNvPicPr>
+          <p:nvPr>
+            <p:ph sz="half" idx="2"/>
+          </p:nvPr>
+        </p:nvPicPr>
+        <p:blipFill>
+          <a:blip r:embed="rId3">
+            <a:extLst>
+              <a:ext uri="{28A0092B-C50C-407E-A947-70E740481C1C}">
+                <a14:useLocalDpi xmlns:a14="http://schemas.microsoft.com/office/drawing/2010/main" val="0"/>
+              </a:ext>
+            </a:extLst>
+          </a:blip>
+          <a:stretch>
+            <a:fillRect/>
+          </a:stretch>
+        </p:blipFill>
+        <p:spPr>
+          <a:xfrm>
+            <a:off x="6059553" y="2138985"/>
+            <a:ext cx="6045332" cy="3718822"/>
+          </a:xfrm>
+        </p:spPr>
+      </p:pic>
+    </p:spTree>
+    <p:extLst>
+      <p:ext uri="{BB962C8B-B14F-4D97-AF65-F5344CB8AC3E}">
+        <p14:creationId xmlns:p14="http://schemas.microsoft.com/office/powerpoint/2010/main" val="2771053449"/>
+      </p:ext>
+    </p:extLst>
+  </p:cSld>
+  <p:clrMapOvr>
+    <a:masterClrMapping/>
+  </p:clrMapOvr>
+</p:sld>
+</file>
+
+<file path=ppt/slides/slide12.xml><?xml version="1.0" encoding="utf-8"?>
+<p:sld xmlns:a="http://schemas.openxmlformats.org/drawingml/2006/main" xmlns:r="http://schemas.openxmlformats.org/officeDocument/2006/relationships" xmlns:p="http://schemas.openxmlformats.org/presentationml/2006/main">
+  <p:cSld>
+    <p:spTree>
+      <p:nvGrpSpPr>
+        <p:cNvPr id="1" name=""/>
+        <p:cNvGrpSpPr/>
+        <p:nvPr/>
+      </p:nvGrpSpPr>
+      <p:grpSpPr>
+        <a:xfrm>
+          <a:off x="0" y="0"/>
+          <a:ext cx="0" cy="0"/>
+          <a:chOff x="0" y="0"/>
+          <a:chExt cx="0" cy="0"/>
+        </a:xfrm>
+      </p:grpSpPr>
+      <p:sp>
+        <p:nvSpPr>
+          <p:cNvPr id="2" name="Title 1">
+            <a:extLst>
+              <a:ext uri="{FF2B5EF4-FFF2-40B4-BE49-F238E27FC236}">
+                <a16:creationId xmlns:a16="http://schemas.microsoft.com/office/drawing/2014/main" id="{5CA85E8E-1896-45D6-84F6-BA50194D75BD}"/>
+              </a:ext>
+            </a:extLst>
+          </p:cNvPr>
+          <p:cNvSpPr>
+            <a:spLocks noGrp="1"/>
+          </p:cNvSpPr>
+          <p:nvPr>
+            <p:ph type="title"/>
+          </p:nvPr>
+        </p:nvSpPr>
+        <p:spPr>
+          <a:xfrm>
+            <a:off x="838199" y="365125"/>
+            <a:ext cx="11065330" cy="1325563"/>
+          </a:xfrm>
+        </p:spPr>
+        <p:txBody>
+          <a:bodyPr>
+            <a:normAutofit/>
+          </a:bodyPr>
+          <a:lstStyle/>
+          <a:p>
+            <a:r>
+              <a:rPr lang="en-US" sz="4000" dirty="0">
+                <a:latin typeface="Univers (body)"/>
+              </a:rPr>
+              <a:t>Predictors Varied in State-Level Models</a:t>
+            </a:r>
+          </a:p>
+        </p:txBody>
+      </p:sp>
+      <p:pic>
+        <p:nvPicPr>
+          <p:cNvPr id="18" name="Content Placeholder 17" descr="Chart, bar chart&#10;&#10;Description automatically generated">
+            <a:extLst>
+              <a:ext uri="{FF2B5EF4-FFF2-40B4-BE49-F238E27FC236}">
+                <a16:creationId xmlns:a16="http://schemas.microsoft.com/office/drawing/2014/main" id="{6C1E5650-A0CC-472E-A48C-7467C05E1BCE}"/>
+              </a:ext>
+            </a:extLst>
+          </p:cNvPr>
+          <p:cNvPicPr>
+            <a:picLocks noGrp="1" noChangeAspect="1"/>
+          </p:cNvPicPr>
+          <p:nvPr>
+            <p:ph sz="half" idx="1"/>
+          </p:nvPr>
+        </p:nvPicPr>
+        <p:blipFill>
+          <a:blip r:embed="rId2">
+            <a:extLst>
+              <a:ext uri="{28A0092B-C50C-407E-A947-70E740481C1C}">
+                <a14:useLocalDpi xmlns:a14="http://schemas.microsoft.com/office/drawing/2010/main" val="0"/>
+              </a:ext>
+            </a:extLst>
+          </a:blip>
+          <a:stretch>
+            <a:fillRect/>
+          </a:stretch>
+        </p:blipFill>
+        <p:spPr>
+          <a:xfrm>
+            <a:off x="22495" y="2065525"/>
+            <a:ext cx="5927637" cy="3758764"/>
+          </a:xfrm>
+        </p:spPr>
+      </p:pic>
+      <p:pic>
+        <p:nvPicPr>
+          <p:cNvPr id="6" name="Content Placeholder 5" descr="Chart&#10;&#10;Description automatically generated">
+            <a:extLst>
+              <a:ext uri="{FF2B5EF4-FFF2-40B4-BE49-F238E27FC236}">
+                <a16:creationId xmlns:a16="http://schemas.microsoft.com/office/drawing/2014/main" id="{355734C8-2096-4C19-ABC9-B53DBC21BAD9}"/>
+              </a:ext>
+            </a:extLst>
+          </p:cNvPr>
+          <p:cNvPicPr>
+            <a:picLocks noGrp="1" noChangeAspect="1"/>
+          </p:cNvPicPr>
+          <p:nvPr>
+            <p:ph sz="half" idx="2"/>
+          </p:nvPr>
+        </p:nvPicPr>
+        <p:blipFill>
+          <a:blip r:embed="rId3">
+            <a:extLst>
+              <a:ext uri="{28A0092B-C50C-407E-A947-70E740481C1C}">
+                <a14:useLocalDpi xmlns:a14="http://schemas.microsoft.com/office/drawing/2010/main" val="0"/>
+              </a:ext>
+            </a:extLst>
+          </a:blip>
+          <a:stretch>
+            <a:fillRect/>
+          </a:stretch>
+        </p:blipFill>
+        <p:spPr>
+          <a:xfrm>
+            <a:off x="5950132" y="1930519"/>
+            <a:ext cx="5840655" cy="3893770"/>
+          </a:xfrm>
+        </p:spPr>
+      </p:pic>
+    </p:spTree>
+    <p:extLst>
+      <p:ext uri="{BB962C8B-B14F-4D97-AF65-F5344CB8AC3E}">
+        <p14:creationId xmlns:p14="http://schemas.microsoft.com/office/powerpoint/2010/main" val="4203865588"/>
+      </p:ext>
+    </p:extLst>
+  </p:cSld>
+  <p:clrMapOvr>
+    <a:masterClrMapping/>
+  </p:clrMapOvr>
+</p:sld>
+</file>
+
+<file path=ppt/slides/slide13.xml><?xml version="1.0" encoding="utf-8"?>
+<p:sld xmlns:a="http://schemas.openxmlformats.org/drawingml/2006/main" xmlns:r="http://schemas.openxmlformats.org/officeDocument/2006/relationships" xmlns:p="http://schemas.openxmlformats.org/presentationml/2006/main">
+  <p:cSld>
+    <p:spTree>
+      <p:nvGrpSpPr>
+        <p:cNvPr id="1" name=""/>
+        <p:cNvGrpSpPr/>
+        <p:nvPr/>
+      </p:nvGrpSpPr>
+      <p:grpSpPr>
+        <a:xfrm>
+          <a:off x="0" y="0"/>
+          <a:ext cx="0" cy="0"/>
+          <a:chOff x="0" y="0"/>
+          <a:chExt cx="0" cy="0"/>
+        </a:xfrm>
+      </p:grpSpPr>
+      <p:sp>
+        <p:nvSpPr>
+          <p:cNvPr id="2" name="Title 1">
+            <a:extLst>
+              <a:ext uri="{FF2B5EF4-FFF2-40B4-BE49-F238E27FC236}">
+                <a16:creationId xmlns:a16="http://schemas.microsoft.com/office/drawing/2014/main" id="{5CA85E8E-1896-45D6-84F6-BA50194D75BD}"/>
+              </a:ext>
+            </a:extLst>
+          </p:cNvPr>
+          <p:cNvSpPr>
+            <a:spLocks noGrp="1"/>
+          </p:cNvSpPr>
+          <p:nvPr>
+            <p:ph type="title"/>
+          </p:nvPr>
+        </p:nvSpPr>
+        <p:spPr>
+          <a:xfrm>
+            <a:off x="838199" y="365125"/>
+            <a:ext cx="11065330" cy="1325563"/>
+          </a:xfrm>
+        </p:spPr>
+        <p:txBody>
+          <a:bodyPr>
+            <a:normAutofit/>
+          </a:bodyPr>
+          <a:lstStyle/>
+          <a:p>
+            <a:r>
+              <a:rPr lang="en-US" sz="4000" dirty="0">
+                <a:latin typeface="Univers (body)"/>
+              </a:rPr>
+              <a:t>Predictors Varied in State-Level Models</a:t>
+            </a:r>
+          </a:p>
+        </p:txBody>
+      </p:sp>
+      <p:pic>
+        <p:nvPicPr>
+          <p:cNvPr id="6" name="Content Placeholder 5" descr="Chart, bar chart&#10;&#10;Description automatically generated">
+            <a:extLst>
+              <a:ext uri="{FF2B5EF4-FFF2-40B4-BE49-F238E27FC236}">
+                <a16:creationId xmlns:a16="http://schemas.microsoft.com/office/drawing/2014/main" id="{F6DA7980-634A-42AC-A741-88078191D217}"/>
+              </a:ext>
+            </a:extLst>
+          </p:cNvPr>
+          <p:cNvPicPr>
+            <a:picLocks noGrp="1" noChangeAspect="1"/>
+          </p:cNvPicPr>
+          <p:nvPr>
+            <p:ph sz="half" idx="1"/>
+          </p:nvPr>
+        </p:nvPicPr>
+        <p:blipFill>
+          <a:blip r:embed="rId2">
+            <a:extLst>
+              <a:ext uri="{28A0092B-C50C-407E-A947-70E740481C1C}">
+                <a14:useLocalDpi xmlns:a14="http://schemas.microsoft.com/office/drawing/2010/main" val="0"/>
+              </a:ext>
+            </a:extLst>
+          </a:blip>
+          <a:stretch>
+            <a:fillRect/>
+          </a:stretch>
+        </p:blipFill>
+        <p:spPr>
+          <a:xfrm>
+            <a:off x="278675" y="2044416"/>
+            <a:ext cx="5854337" cy="3601330"/>
+          </a:xfrm>
+        </p:spPr>
+      </p:pic>
+      <p:pic>
+        <p:nvPicPr>
+          <p:cNvPr id="10" name="Content Placeholder 9" descr="Chart&#10;&#10;Description automatically generated">
+            <a:extLst>
+              <a:ext uri="{FF2B5EF4-FFF2-40B4-BE49-F238E27FC236}">
+                <a16:creationId xmlns:a16="http://schemas.microsoft.com/office/drawing/2014/main" id="{193A27A3-CCB1-43DB-9659-D18BBAA86BAA}"/>
+              </a:ext>
+            </a:extLst>
+          </p:cNvPr>
+          <p:cNvPicPr>
+            <a:picLocks noGrp="1" noChangeAspect="1"/>
+          </p:cNvPicPr>
+          <p:nvPr>
+            <p:ph sz="half" idx="2"/>
+          </p:nvPr>
+        </p:nvPicPr>
+        <p:blipFill>
+          <a:blip r:embed="rId3">
+            <a:extLst>
+              <a:ext uri="{28A0092B-C50C-407E-A947-70E740481C1C}">
+                <a14:useLocalDpi xmlns:a14="http://schemas.microsoft.com/office/drawing/2010/main" val="0"/>
+              </a:ext>
+            </a:extLst>
+          </a:blip>
+          <a:stretch>
+            <a:fillRect/>
+          </a:stretch>
+        </p:blipFill>
+        <p:spPr>
+          <a:xfrm>
+            <a:off x="6133012" y="1893635"/>
+            <a:ext cx="5854337" cy="3902891"/>
+          </a:xfrm>
+        </p:spPr>
+      </p:pic>
+    </p:spTree>
+    <p:extLst>
+      <p:ext uri="{BB962C8B-B14F-4D97-AF65-F5344CB8AC3E}">
+        <p14:creationId xmlns:p14="http://schemas.microsoft.com/office/powerpoint/2010/main" val="4120571536"/>
+      </p:ext>
+    </p:extLst>
+  </p:cSld>
+  <p:clrMapOvr>
+    <a:masterClrMapping/>
+  </p:clrMapOvr>
+</p:sld>
+</file>
+
+<file path=ppt/slides/slide14.xml><?xml version="1.0" encoding="utf-8"?>
+<p:sld xmlns:a="http://schemas.openxmlformats.org/drawingml/2006/main" xmlns:r="http://schemas.openxmlformats.org/officeDocument/2006/relationships" xmlns:p="http://schemas.openxmlformats.org/presentationml/2006/main">
+  <p:cSld>
+    <p:bg>
+      <p:bgPr>
+        <a:solidFill>
+          <a:schemeClr val="bg1"/>
+        </a:solidFill>
+        <a:effectLst/>
+      </p:bgPr>
+    </p:bg>
+    <p:spTree>
+      <p:nvGrpSpPr>
+        <p:cNvPr id="1" name=""/>
+        <p:cNvGrpSpPr/>
+        <p:nvPr/>
+      </p:nvGrpSpPr>
+      <p:grpSpPr>
+        <a:xfrm>
+          <a:off x="0" y="0"/>
+          <a:ext cx="0" cy="0"/>
+          <a:chOff x="0" y="0"/>
+          <a:chExt cx="0" cy="0"/>
+        </a:xfrm>
+      </p:grpSpPr>
+      <p:sp>
+        <p:nvSpPr>
+          <p:cNvPr id="2" name="Title 1">
+            <a:extLst>
+              <a:ext uri="{FF2B5EF4-FFF2-40B4-BE49-F238E27FC236}">
+                <a16:creationId xmlns:a16="http://schemas.microsoft.com/office/drawing/2014/main" id="{A0D1BE85-58F0-4D8F-B2DB-F82D419834A9}"/>
+              </a:ext>
+            </a:extLst>
+          </p:cNvPr>
+          <p:cNvSpPr>
+            <a:spLocks noGrp="1"/>
+          </p:cNvSpPr>
+          <p:nvPr>
+            <p:ph type="title"/>
+          </p:nvPr>
+        </p:nvSpPr>
+        <p:spPr>
+          <a:xfrm>
+            <a:off x="396573" y="320675"/>
+            <a:ext cx="11407487" cy="1325563"/>
+          </a:xfrm>
+        </p:spPr>
+        <p:txBody>
+          <a:bodyPr>
+            <a:normAutofit/>
+          </a:bodyPr>
+          <a:lstStyle/>
+          <a:p>
+            <a:r>
+              <a:rPr lang="en-US" sz="5400" dirty="0">
+                <a:latin typeface="Univers (body)"/>
+              </a:rPr>
+              <a:t>Conclusions and Key Challenges</a:t>
+            </a:r>
+          </a:p>
+        </p:txBody>
+      </p:sp>
+      <p:sp>
+        <p:nvSpPr>
+          <p:cNvPr id="9" name="Rectangle 8">
+            <a:extLst>
+              <a:ext uri="{FF2B5EF4-FFF2-40B4-BE49-F238E27FC236}">
+                <a16:creationId xmlns:a16="http://schemas.microsoft.com/office/drawing/2014/main" id="{37E32B78-23DD-4E77-8B9C-7779E3BF20C2}"/>
+              </a:ext>
+              <a:ext uri="{C183D7F6-B498-43B3-948B-1728B52AA6E4}">
+                <adec:decorative xmlns:adec="http://schemas.microsoft.com/office/drawing/2017/decorative" val="1"/>
+              </a:ext>
+            </a:extLst>
+          </p:cNvPr>
+          <p:cNvSpPr>
+            <a:spLocks noGrp="1" noRot="1" noChangeAspect="1" noMove="1" noResize="1" noEditPoints="1" noAdjustHandles="1" noChangeArrowheads="1" noChangeShapeType="1" noTextEdit="1"/>
+          </p:cNvSpPr>
+          <p:nvPr>
+            <p:extLst>
+              <p:ext uri="{386F3935-93C4-4BCD-93E2-E3B085C9AB24}">
+                <p16:designElem xmlns:p16="http://schemas.microsoft.com/office/powerpoint/2015/main" val="1"/>
+              </p:ext>
+            </p:extLst>
+          </p:nvPr>
+        </p:nvSpPr>
+        <p:spPr>
+          <a:xfrm>
+            <a:off x="0" y="0"/>
+            <a:ext cx="126124" cy="6858000"/>
+          </a:xfrm>
+          <a:prstGeom prst="rect">
+            <a:avLst/>
+          </a:prstGeom>
+          <a:solidFill>
+            <a:srgbClr val="4472C4"/>
+          </a:solidFill>
+          <a:ln w="12700" cap="flat" cmpd="sng" algn="ctr">
+            <a:noFill/>
+            <a:prstDash val="solid"/>
+            <a:miter lim="800000"/>
+          </a:ln>
+          <a:effectLst/>
+        </p:spPr>
+        <p:txBody>
+          <a:bodyPr rtlCol="0" anchor="ctr"/>
+          <a:lstStyle/>
+          <a:p>
+            <a:pPr marL="0" marR="0" lvl="0" indent="0" algn="ctr" defTabSz="914400" eaLnBrk="1" fontAlgn="auto" latinLnBrk="0" hangingPunct="1">
+              <a:lnSpc>
+                <a:spcPct val="100000"/>
+              </a:lnSpc>
+              <a:spcBef>
+                <a:spcPts val="0"/>
+              </a:spcBef>
+              <a:spcAft>
+                <a:spcPts val="0"/>
+              </a:spcAft>
+              <a:buClrTx/>
+              <a:buSzTx/>
+              <a:buFontTx/>
+              <a:buNone/>
+              <a:tabLst/>
+              <a:defRPr/>
+            </a:pPr>
+            <a:endParaRPr kumimoji="0" lang="en-US" sz="1800" b="0" i="0" u="none" strike="noStrike" kern="0" cap="none" spc="0" normalizeH="0" baseline="0" noProof="0">
+              <a:ln>
+                <a:noFill/>
+              </a:ln>
+              <a:solidFill>
+                <a:prstClr val="white"/>
+              </a:solidFill>
+              <a:effectLst/>
+              <a:uLnTx/>
+              <a:uFillTx/>
+              <a:latin typeface="Calibri" panose="020F0502020204030204"/>
+              <a:ea typeface="+mn-ea"/>
+              <a:cs typeface="+mn-cs"/>
+            </a:endParaRPr>
+          </a:p>
+        </p:txBody>
+      </p:sp>
+      <p:graphicFrame>
+        <p:nvGraphicFramePr>
+          <p:cNvPr id="5" name="Content Placeholder 2">
+            <a:extLst>
+              <a:ext uri="{FF2B5EF4-FFF2-40B4-BE49-F238E27FC236}">
+                <a16:creationId xmlns:a16="http://schemas.microsoft.com/office/drawing/2014/main" id="{8DAEBF91-F53E-4DD2-8552-D4860C057DE4}"/>
+              </a:ext>
+            </a:extLst>
+          </p:cNvPr>
+          <p:cNvGraphicFramePr>
+            <a:graphicFrameLocks noGrp="1"/>
+          </p:cNvGraphicFramePr>
+          <p:nvPr>
+            <p:ph idx="1"/>
+            <p:extLst>
+              <p:ext uri="{D42A27DB-BD31-4B8C-83A1-F6EECF244321}">
+                <p14:modId xmlns:p14="http://schemas.microsoft.com/office/powerpoint/2010/main" val="1933739201"/>
+              </p:ext>
+            </p:extLst>
+          </p:nvPr>
+        </p:nvGraphicFramePr>
+        <p:xfrm>
+          <a:off x="396574" y="1825625"/>
+          <a:ext cx="11407487" cy="4351338"/>
+        </p:xfrm>
+        <a:graphic>
+          <a:graphicData uri="http://schemas.openxmlformats.org/drawingml/2006/diagram">
+            <dgm:relIds xmlns:dgm="http://schemas.openxmlformats.org/drawingml/2006/diagram" xmlns:r="http://schemas.openxmlformats.org/officeDocument/2006/relationships" r:dm="rId2" r:lo="rId3" r:qs="rId4" r:cs="rId5"/>
+          </a:graphicData>
+        </a:graphic>
+      </p:graphicFrame>
+    </p:spTree>
+    <p:extLst>
+      <p:ext uri="{BB962C8B-B14F-4D97-AF65-F5344CB8AC3E}">
+        <p14:creationId xmlns:p14="http://schemas.microsoft.com/office/powerpoint/2010/main" val="632227119"/>
+      </p:ext>
+    </p:extLst>
+  </p:cSld>
+  <p:clrMapOvr>
+    <a:masterClrMapping/>
+  </p:clrMapOvr>
+</p:sld>
+</file>
+
+<file path=ppt/slides/slide15.xml><?xml version="1.0" encoding="utf-8"?>
+<p:sld xmlns:a="http://schemas.openxmlformats.org/drawingml/2006/main" xmlns:r="http://schemas.openxmlformats.org/officeDocument/2006/relationships" xmlns:p="http://schemas.openxmlformats.org/presentationml/2006/main">
+  <p:cSld>
+    <p:bg>
+      <p:bgPr>
+        <a:solidFill>
+          <a:schemeClr val="bg1"/>
+        </a:solidFill>
+        <a:effectLst/>
+      </p:bgPr>
+    </p:bg>
+    <p:spTree>
+      <p:nvGrpSpPr>
+        <p:cNvPr id="1" name=""/>
+        <p:cNvGrpSpPr/>
+        <p:nvPr/>
+      </p:nvGrpSpPr>
+      <p:grpSpPr>
+        <a:xfrm>
+          <a:off x="0" y="0"/>
+          <a:ext cx="0" cy="0"/>
+          <a:chOff x="0" y="0"/>
+          <a:chExt cx="0" cy="0"/>
+        </a:xfrm>
+      </p:grpSpPr>
+      <p:sp useBgFill="1">
+        <p:nvSpPr>
+          <p:cNvPr id="10" name="Rectangle 9">
+            <a:extLst>
+              <a:ext uri="{FF2B5EF4-FFF2-40B4-BE49-F238E27FC236}">
+                <a16:creationId xmlns:a16="http://schemas.microsoft.com/office/drawing/2014/main" id="{7D9D36D6-2AC5-46A1-A849-4C82D5264A3A}"/>
+              </a:ext>
+              <a:ext uri="{C183D7F6-B498-43B3-948B-1728B52AA6E4}">
+                <adec:decorative xmlns:adec="http://schemas.microsoft.com/office/drawing/2017/decorative" val="1"/>
+              </a:ext>
+            </a:extLst>
+          </p:cNvPr>
+          <p:cNvSpPr>
+            <a:spLocks noGrp="1" noRot="1" noChangeAspect="1" noMove="1" noResize="1" noEditPoints="1" noAdjustHandles="1" noChangeArrowheads="1" noChangeShapeType="1" noTextEdit="1"/>
+          </p:cNvSpPr>
+          <p:nvPr>
+            <p:extLst>
+              <p:ext uri="{386F3935-93C4-4BCD-93E2-E3B085C9AB24}">
+                <p16:designElem xmlns:p16="http://schemas.microsoft.com/office/powerpoint/2015/main" val="1"/>
+              </p:ext>
+            </p:extLst>
+          </p:nvPr>
+        </p:nvSpPr>
+        <p:spPr>
+          <a:xfrm>
+            <a:off x="-1" y="0"/>
+            <a:ext cx="12188952" cy="6858000"/>
+          </a:xfrm>
+          <a:prstGeom prst="rect">
+            <a:avLst/>
+          </a:prstGeom>
+          <a:ln>
+            <a:noFill/>
+          </a:ln>
+        </p:spPr>
+        <p:style>
+          <a:lnRef idx="2">
+            <a:schemeClr val="accent1">
+              <a:shade val="50000"/>
+            </a:schemeClr>
+          </a:lnRef>
+          <a:fillRef idx="1">
+            <a:schemeClr val="accent1"/>
+          </a:fillRef>
+          <a:effectRef idx="0">
+            <a:schemeClr val="accent1"/>
+          </a:effectRef>
+          <a:fontRef idx="minor">
+            <a:schemeClr val="lt1"/>
+          </a:fontRef>
+        </p:style>
+        <p:txBody>
+          <a:bodyPr rtlCol="0" anchor="ctr"/>
+          <a:lstStyle/>
+          <a:p>
+            <a:pPr algn="ctr"/>
+            <a:endParaRPr lang="en-US" dirty="0"/>
+          </a:p>
+        </p:txBody>
+      </p:sp>
+      <p:sp>
+        <p:nvSpPr>
+          <p:cNvPr id="2" name="Title 1">
+            <a:extLst>
+              <a:ext uri="{FF2B5EF4-FFF2-40B4-BE49-F238E27FC236}">
+                <a16:creationId xmlns:a16="http://schemas.microsoft.com/office/drawing/2014/main" id="{411F2758-7045-4E69-9114-0F4233A9A4C4}"/>
+              </a:ext>
+            </a:extLst>
+          </p:cNvPr>
+          <p:cNvSpPr>
+            <a:spLocks noGrp="1"/>
+          </p:cNvSpPr>
+          <p:nvPr>
+            <p:ph type="title"/>
+          </p:nvPr>
+        </p:nvSpPr>
+        <p:spPr>
+          <a:xfrm>
+            <a:off x="5293995" y="1553667"/>
+            <a:ext cx="5998840" cy="3343135"/>
+          </a:xfrm>
+          <a:noFill/>
+        </p:spPr>
+        <p:txBody>
+          <a:bodyPr vert="horz" lIns="91440" tIns="45720" rIns="91440" bIns="45720" rtlCol="0" anchor="b">
+            <a:normAutofit fontScale="90000"/>
+          </a:bodyPr>
+          <a:lstStyle/>
+          <a:p>
+            <a:r>
+              <a:rPr lang="en-US" sz="5200" dirty="0">
+                <a:latin typeface="Univers (body)"/>
+              </a:rPr>
+              <a:t>Demo: Interacting with Demographic Data and Classification Model</a:t>
+            </a:r>
+          </a:p>
+        </p:txBody>
+      </p:sp>
+      <p:pic>
+        <p:nvPicPr>
+          <p:cNvPr id="5" name="Content Placeholder 4" descr="Map&#10;&#10;Description automatically generated">
+            <a:extLst>
+              <a:ext uri="{FF2B5EF4-FFF2-40B4-BE49-F238E27FC236}">
+                <a16:creationId xmlns:a16="http://schemas.microsoft.com/office/drawing/2014/main" id="{5E1DF80B-7BC6-43DD-90D2-4E0B724C88B2}"/>
+              </a:ext>
+            </a:extLst>
+          </p:cNvPr>
+          <p:cNvPicPr>
+            <a:picLocks noGrp="1" noChangeAspect="1"/>
+          </p:cNvPicPr>
+          <p:nvPr>
+            <p:ph idx="1"/>
+          </p:nvPr>
+        </p:nvPicPr>
+        <p:blipFill rotWithShape="1">
+          <a:blip r:embed="rId2">
+            <a:extLst>
+              <a:ext uri="{28A0092B-C50C-407E-A947-70E740481C1C}">
+                <a14:useLocalDpi xmlns:a14="http://schemas.microsoft.com/office/drawing/2010/main" val="0"/>
+              </a:ext>
+            </a:extLst>
+          </a:blip>
+          <a:srcRect l="4530" r="5029"/>
+          <a:stretch/>
+        </p:blipFill>
+        <p:spPr>
+          <a:xfrm>
+            <a:off x="20" y="10"/>
+            <a:ext cx="4992985" cy="6857990"/>
+          </a:xfrm>
+          <a:prstGeom prst="rect">
+            <a:avLst/>
+          </a:prstGeom>
+        </p:spPr>
+      </p:pic>
+    </p:spTree>
+    <p:extLst>
+      <p:ext uri="{BB962C8B-B14F-4D97-AF65-F5344CB8AC3E}">
+        <p14:creationId xmlns:p14="http://schemas.microsoft.com/office/powerpoint/2010/main" val="945821856"/>
+      </p:ext>
+    </p:extLst>
+  </p:cSld>
+  <p:clrMapOvr>
+    <a:masterClrMapping/>
+  </p:clrMapOvr>
+</p:sld>
+</file>
+
+<file path=ppt/slides/slide16.xml><?xml version="1.0" encoding="utf-8"?>
+<p:sld xmlns:a="http://schemas.openxmlformats.org/drawingml/2006/main" xmlns:r="http://schemas.openxmlformats.org/officeDocument/2006/relationships" xmlns:p="http://schemas.openxmlformats.org/presentationml/2006/main">
+  <p:cSld>
+    <p:bg>
+      <p:bgPr>
+        <a:solidFill>
+          <a:schemeClr val="bg1"/>
+        </a:solidFill>
+        <a:effectLst/>
+      </p:bgPr>
+    </p:bg>
+    <p:spTree>
+      <p:nvGrpSpPr>
+        <p:cNvPr id="1" name=""/>
+        <p:cNvGrpSpPr/>
+        <p:nvPr/>
+      </p:nvGrpSpPr>
+      <p:grpSpPr>
+        <a:xfrm>
+          <a:off x="0" y="0"/>
+          <a:ext cx="0" cy="0"/>
+          <a:chOff x="0" y="0"/>
+          <a:chExt cx="0" cy="0"/>
+        </a:xfrm>
+      </p:grpSpPr>
+      <p:sp useBgFill="1">
+        <p:nvSpPr>
+          <p:cNvPr id="7" name="Rectangle 6">
+            <a:extLst>
+              <a:ext uri="{FF2B5EF4-FFF2-40B4-BE49-F238E27FC236}">
+                <a16:creationId xmlns:a16="http://schemas.microsoft.com/office/drawing/2014/main" id="{FFD48BC7-DC40-47DE-87EE-9F4B6ECB9ABB}"/>
+              </a:ext>
+              <a:ext uri="{C183D7F6-B498-43B3-948B-1728B52AA6E4}">
+                <adec:decorative xmlns:adec="http://schemas.microsoft.com/office/drawing/2017/decorative" val="1"/>
+              </a:ext>
+            </a:extLst>
+          </p:cNvPr>
+          <p:cNvSpPr>
+            <a:spLocks noGrp="1" noRot="1" noChangeAspect="1" noMove="1" noResize="1" noEditPoints="1" noAdjustHandles="1" noChangeArrowheads="1" noChangeShapeType="1" noTextEdit="1"/>
+          </p:cNvSpPr>
+          <p:nvPr>
+            <p:extLst>
+              <p:ext uri="{386F3935-93C4-4BCD-93E2-E3B085C9AB24}">
+                <p16:designElem xmlns:p16="http://schemas.microsoft.com/office/powerpoint/2015/main" val="1"/>
+              </p:ext>
+            </p:extLst>
+          </p:nvPr>
+        </p:nvSpPr>
+        <p:spPr>
+          <a:xfrm>
+            <a:off x="0" y="0"/>
+            <a:ext cx="12192000" cy="6858000"/>
+          </a:xfrm>
+          <a:prstGeom prst="rect">
+            <a:avLst/>
+          </a:prstGeom>
+          <a:ln>
+            <a:noFill/>
+          </a:ln>
+        </p:spPr>
+        <p:style>
+          <a:lnRef idx="2">
+            <a:schemeClr val="accent1">
+              <a:shade val="50000"/>
+            </a:schemeClr>
+          </a:lnRef>
+          <a:fillRef idx="1">
+            <a:schemeClr val="accent1"/>
+          </a:fillRef>
+          <a:effectRef idx="0">
+            <a:schemeClr val="accent1"/>
+          </a:effectRef>
+          <a:fontRef idx="minor">
+            <a:schemeClr val="lt1"/>
+          </a:fontRef>
+        </p:style>
+        <p:txBody>
+          <a:bodyPr rtlCol="0" anchor="ctr"/>
+          <a:lstStyle/>
+          <a:p>
+            <a:pPr algn="ctr"/>
+            <a:endParaRPr lang="en-US"/>
+          </a:p>
+        </p:txBody>
+      </p:sp>
+      <p:sp useBgFill="1">
+        <p:nvSpPr>
+          <p:cNvPr id="9" name="Freeform: Shape 8">
+            <a:extLst>
+              <a:ext uri="{FF2B5EF4-FFF2-40B4-BE49-F238E27FC236}">
+                <a16:creationId xmlns:a16="http://schemas.microsoft.com/office/drawing/2014/main" id="{E502BBC7-2C76-46F3-BC24-5985BC13DB88}"/>
+              </a:ext>
+              <a:ext uri="{C183D7F6-B498-43B3-948B-1728B52AA6E4}">
+                <adec:decorative xmlns:adec="http://schemas.microsoft.com/office/drawing/2017/decorative" val="1"/>
+              </a:ext>
+            </a:extLst>
+          </p:cNvPr>
+          <p:cNvSpPr>
+            <a:spLocks noGrp="1" noRot="1" noChangeAspect="1" noMove="1" noResize="1" noEditPoints="1" noAdjustHandles="1" noChangeArrowheads="1" noChangeShapeType="1" noTextEdit="1"/>
+          </p:cNvSpPr>
+          <p:nvPr>
+            <p:extLst>
+              <p:ext uri="{386F3935-93C4-4BCD-93E2-E3B085C9AB24}">
+                <p16:designElem xmlns:p16="http://schemas.microsoft.com/office/powerpoint/2015/main" val="1"/>
+              </p:ext>
+            </p:extLst>
+          </p:nvPr>
+        </p:nvSpPr>
+        <p:spPr>
+          <a:xfrm>
+            <a:off x="1114425" y="0"/>
+            <a:ext cx="9963150" cy="6858000"/>
+          </a:xfrm>
+          <a:custGeom>
+            <a:avLst/>
+            <a:gdLst>
+              <a:gd name="connsiteX0" fmla="*/ 1595771 w 9963150"/>
+              <a:gd name="connsiteY0" fmla="*/ 0 h 6858000"/>
+              <a:gd name="connsiteX1" fmla="*/ 8367379 w 9963150"/>
+              <a:gd name="connsiteY1" fmla="*/ 0 h 6858000"/>
+              <a:gd name="connsiteX2" fmla="*/ 8504080 w 9963150"/>
+              <a:gd name="connsiteY2" fmla="*/ 130333 h 6858000"/>
+              <a:gd name="connsiteX3" fmla="*/ 9963150 w 9963150"/>
+              <a:gd name="connsiteY3" fmla="*/ 3652838 h 6858000"/>
+              <a:gd name="connsiteX4" fmla="*/ 8825600 w 9963150"/>
+              <a:gd name="connsiteY4" fmla="*/ 6821583 h 6858000"/>
+              <a:gd name="connsiteX5" fmla="*/ 8794055 w 9963150"/>
+              <a:gd name="connsiteY5" fmla="*/ 6858000 h 6858000"/>
+              <a:gd name="connsiteX6" fmla="*/ 1169096 w 9963150"/>
+              <a:gd name="connsiteY6" fmla="*/ 6858000 h 6858000"/>
+              <a:gd name="connsiteX7" fmla="*/ 1137550 w 9963150"/>
+              <a:gd name="connsiteY7" fmla="*/ 6821583 h 6858000"/>
+              <a:gd name="connsiteX8" fmla="*/ 0 w 9963150"/>
+              <a:gd name="connsiteY8" fmla="*/ 3652838 h 6858000"/>
+              <a:gd name="connsiteX9" fmla="*/ 1459070 w 9963150"/>
+              <a:gd name="connsiteY9" fmla="*/ 130333 h 6858000"/>
+            </a:gdLst>
+            <a:ahLst/>
+            <a:cxnLst>
+              <a:cxn ang="0">
+                <a:pos x="connsiteX0" y="connsiteY0"/>
+              </a:cxn>
+              <a:cxn ang="0">
+                <a:pos x="connsiteX1" y="connsiteY1"/>
+              </a:cxn>
+              <a:cxn ang="0">
+                <a:pos x="connsiteX2" y="connsiteY2"/>
+              </a:cxn>
+              <a:cxn ang="0">
+                <a:pos x="connsiteX3" y="connsiteY3"/>
+              </a:cxn>
+              <a:cxn ang="0">
+                <a:pos x="connsiteX4" y="connsiteY4"/>
+              </a:cxn>
+              <a:cxn ang="0">
+                <a:pos x="connsiteX5" y="connsiteY5"/>
+              </a:cxn>
+              <a:cxn ang="0">
+                <a:pos x="connsiteX6" y="connsiteY6"/>
+              </a:cxn>
+              <a:cxn ang="0">
+                <a:pos x="connsiteX7" y="connsiteY7"/>
+              </a:cxn>
+              <a:cxn ang="0">
+                <a:pos x="connsiteX8" y="connsiteY8"/>
+              </a:cxn>
+              <a:cxn ang="0">
+                <a:pos x="connsiteX9" y="connsiteY9"/>
+              </a:cxn>
+            </a:cxnLst>
+            <a:rect l="l" t="t" r="r" b="b"/>
+            <a:pathLst>
+              <a:path w="9963150" h="6858000">
+                <a:moveTo>
+                  <a:pt x="1595771" y="0"/>
+                </a:moveTo>
+                <a:lnTo>
+                  <a:pt x="8367379" y="0"/>
+                </a:lnTo>
+                <a:lnTo>
+                  <a:pt x="8504080" y="130333"/>
+                </a:lnTo>
+                <a:cubicBezTo>
+                  <a:pt x="9405568" y="1031820"/>
+                  <a:pt x="9963150" y="2277214"/>
+                  <a:pt x="9963150" y="3652838"/>
+                </a:cubicBezTo>
+                <a:cubicBezTo>
+                  <a:pt x="9963150" y="4856509"/>
+                  <a:pt x="9536251" y="5960473"/>
+                  <a:pt x="8825600" y="6821583"/>
+                </a:cubicBezTo>
+                <a:lnTo>
+                  <a:pt x="8794055" y="6858000"/>
+                </a:lnTo>
+                <a:lnTo>
+                  <a:pt x="1169096" y="6858000"/>
+                </a:lnTo>
+                <a:lnTo>
+                  <a:pt x="1137550" y="6821583"/>
+                </a:lnTo>
+                <a:cubicBezTo>
+                  <a:pt x="426899" y="5960473"/>
+                  <a:pt x="0" y="4856509"/>
+                  <a:pt x="0" y="3652838"/>
+                </a:cubicBezTo>
+                <a:cubicBezTo>
+                  <a:pt x="0" y="2277214"/>
+                  <a:pt x="557582" y="1031820"/>
+                  <a:pt x="1459070" y="130333"/>
+                </a:cubicBezTo>
+                <a:close/>
+              </a:path>
+            </a:pathLst>
+          </a:custGeom>
+          <a:ln w="9525">
+            <a:solidFill>
+              <a:srgbClr val="EFEFEF"/>
+            </a:solidFill>
+          </a:ln>
+          <a:effectLst>
+            <a:outerShdw blurRad="139700" sx="102000" sy="102000" algn="ctr" rotWithShape="0">
+              <a:schemeClr val="bg1">
+                <a:lumMod val="85000"/>
+                <a:alpha val="38000"/>
+              </a:schemeClr>
+            </a:outerShdw>
+          </a:effectLst>
+        </p:spPr>
+        <p:style>
+          <a:lnRef idx="2">
+            <a:schemeClr val="accent1">
+              <a:shade val="50000"/>
+            </a:schemeClr>
+          </a:lnRef>
+          <a:fillRef idx="1">
+            <a:schemeClr val="accent1"/>
+          </a:fillRef>
+          <a:effectRef idx="0">
+            <a:schemeClr val="accent1"/>
+          </a:effectRef>
+          <a:fontRef idx="minor">
+            <a:schemeClr val="lt1"/>
+          </a:fontRef>
+        </p:style>
+        <p:txBody>
+          <a:bodyPr wrap="square" rtlCol="0" anchor="ctr">
+            <a:noAutofit/>
+          </a:bodyPr>
+          <a:lstStyle/>
+          <a:p>
+            <a:pPr marL="0" marR="0" lvl="0" indent="0" algn="ctr" defTabSz="914400" rtl="0" eaLnBrk="1" fontAlgn="auto" latinLnBrk="0" hangingPunct="1">
+              <a:lnSpc>
+                <a:spcPct val="100000"/>
+              </a:lnSpc>
+              <a:spcBef>
+                <a:spcPts val="0"/>
+              </a:spcBef>
+              <a:spcAft>
+                <a:spcPts val="0"/>
+              </a:spcAft>
+              <a:buClrTx/>
+              <a:buSzTx/>
+              <a:buFontTx/>
+              <a:buNone/>
+              <a:tabLst/>
+              <a:defRPr/>
+            </a:pPr>
+            <a:endParaRPr kumimoji="0" lang="en-US" sz="1800" b="0" i="0" u="none" strike="noStrike" kern="1200" cap="none" spc="0" normalizeH="0" baseline="0" noProof="0">
+              <a:ln>
+                <a:noFill/>
+              </a:ln>
+              <a:solidFill>
+                <a:prstClr val="white"/>
+              </a:solidFill>
+              <a:effectLst/>
+              <a:uLnTx/>
+              <a:uFillTx/>
+              <a:latin typeface="Calibri" panose="020F0502020204030204"/>
+              <a:ea typeface="+mn-ea"/>
+              <a:cs typeface="+mn-cs"/>
+            </a:endParaRPr>
+          </a:p>
+        </p:txBody>
+      </p:sp>
+      <p:sp useBgFill="1">
+        <p:nvSpPr>
+          <p:cNvPr id="11" name="Freeform: Shape 10">
+            <a:extLst>
+              <a:ext uri="{FF2B5EF4-FFF2-40B4-BE49-F238E27FC236}">
+                <a16:creationId xmlns:a16="http://schemas.microsoft.com/office/drawing/2014/main" id="{C7F28D52-2A5F-4D23-81AE-7CB8B591C7AF}"/>
+              </a:ext>
+              <a:ext uri="{C183D7F6-B498-43B3-948B-1728B52AA6E4}">
+                <adec:decorative xmlns:adec="http://schemas.microsoft.com/office/drawing/2017/decorative" val="1"/>
+              </a:ext>
+            </a:extLst>
+          </p:cNvPr>
+          <p:cNvSpPr>
+            <a:spLocks noGrp="1" noRot="1" noChangeAspect="1" noMove="1" noResize="1" noEditPoints="1" noAdjustHandles="1" noChangeArrowheads="1" noChangeShapeType="1" noTextEdit="1"/>
+          </p:cNvSpPr>
+          <p:nvPr>
+            <p:extLst>
+              <p:ext uri="{386F3935-93C4-4BCD-93E2-E3B085C9AB24}">
+                <p16:designElem xmlns:p16="http://schemas.microsoft.com/office/powerpoint/2015/main" val="1"/>
+              </p:ext>
+            </p:extLst>
+          </p:nvPr>
+        </p:nvSpPr>
+        <p:spPr>
+          <a:xfrm>
+            <a:off x="1121664" y="0"/>
+            <a:ext cx="9948672" cy="6858000"/>
+          </a:xfrm>
+          <a:custGeom>
+            <a:avLst/>
+            <a:gdLst>
+              <a:gd name="connsiteX0" fmla="*/ 1595771 w 9963150"/>
+              <a:gd name="connsiteY0" fmla="*/ 0 h 6858000"/>
+              <a:gd name="connsiteX1" fmla="*/ 8367379 w 9963150"/>
+              <a:gd name="connsiteY1" fmla="*/ 0 h 6858000"/>
+              <a:gd name="connsiteX2" fmla="*/ 8504080 w 9963150"/>
+              <a:gd name="connsiteY2" fmla="*/ 130333 h 6858000"/>
+              <a:gd name="connsiteX3" fmla="*/ 9963150 w 9963150"/>
+              <a:gd name="connsiteY3" fmla="*/ 3652838 h 6858000"/>
+              <a:gd name="connsiteX4" fmla="*/ 8825600 w 9963150"/>
+              <a:gd name="connsiteY4" fmla="*/ 6821583 h 6858000"/>
+              <a:gd name="connsiteX5" fmla="*/ 8794055 w 9963150"/>
+              <a:gd name="connsiteY5" fmla="*/ 6858000 h 6858000"/>
+              <a:gd name="connsiteX6" fmla="*/ 1169096 w 9963150"/>
+              <a:gd name="connsiteY6" fmla="*/ 6858000 h 6858000"/>
+              <a:gd name="connsiteX7" fmla="*/ 1137550 w 9963150"/>
+              <a:gd name="connsiteY7" fmla="*/ 6821583 h 6858000"/>
+              <a:gd name="connsiteX8" fmla="*/ 0 w 9963150"/>
+              <a:gd name="connsiteY8" fmla="*/ 3652838 h 6858000"/>
+              <a:gd name="connsiteX9" fmla="*/ 1459070 w 9963150"/>
+              <a:gd name="connsiteY9" fmla="*/ 130333 h 6858000"/>
+            </a:gdLst>
+            <a:ahLst/>
+            <a:cxnLst>
+              <a:cxn ang="0">
+                <a:pos x="connsiteX0" y="connsiteY0"/>
+              </a:cxn>
+              <a:cxn ang="0">
+                <a:pos x="connsiteX1" y="connsiteY1"/>
+              </a:cxn>
+              <a:cxn ang="0">
+                <a:pos x="connsiteX2" y="connsiteY2"/>
+              </a:cxn>
+              <a:cxn ang="0">
+                <a:pos x="connsiteX3" y="connsiteY3"/>
+              </a:cxn>
+              <a:cxn ang="0">
+                <a:pos x="connsiteX4" y="connsiteY4"/>
+              </a:cxn>
+              <a:cxn ang="0">
+                <a:pos x="connsiteX5" y="connsiteY5"/>
+              </a:cxn>
+              <a:cxn ang="0">
+                <a:pos x="connsiteX6" y="connsiteY6"/>
+              </a:cxn>
+              <a:cxn ang="0">
+                <a:pos x="connsiteX7" y="connsiteY7"/>
+              </a:cxn>
+              <a:cxn ang="0">
+                <a:pos x="connsiteX8" y="connsiteY8"/>
+              </a:cxn>
+              <a:cxn ang="0">
+                <a:pos x="connsiteX9" y="connsiteY9"/>
+              </a:cxn>
+            </a:cxnLst>
+            <a:rect l="l" t="t" r="r" b="b"/>
+            <a:pathLst>
+              <a:path w="9963150" h="6858000">
+                <a:moveTo>
+                  <a:pt x="1595771" y="0"/>
+                </a:moveTo>
+                <a:lnTo>
+                  <a:pt x="8367379" y="0"/>
+                </a:lnTo>
+                <a:lnTo>
+                  <a:pt x="8504080" y="130333"/>
+                </a:lnTo>
+                <a:cubicBezTo>
+                  <a:pt x="9405568" y="1031820"/>
+                  <a:pt x="9963150" y="2277214"/>
+                  <a:pt x="9963150" y="3652838"/>
+                </a:cubicBezTo>
+                <a:cubicBezTo>
+                  <a:pt x="9963150" y="4856509"/>
+                  <a:pt x="9536251" y="5960473"/>
+                  <a:pt x="8825600" y="6821583"/>
+                </a:cubicBezTo>
+                <a:lnTo>
+                  <a:pt x="8794055" y="6858000"/>
+                </a:lnTo>
+                <a:lnTo>
+                  <a:pt x="1169096" y="6858000"/>
+                </a:lnTo>
+                <a:lnTo>
+                  <a:pt x="1137550" y="6821583"/>
+                </a:lnTo>
+                <a:cubicBezTo>
+                  <a:pt x="426899" y="5960473"/>
+                  <a:pt x="0" y="4856509"/>
+                  <a:pt x="0" y="3652838"/>
+                </a:cubicBezTo>
+                <a:cubicBezTo>
+                  <a:pt x="0" y="2277214"/>
+                  <a:pt x="557582" y="1031820"/>
+                  <a:pt x="1459070" y="130333"/>
+                </a:cubicBezTo>
+                <a:close/>
+              </a:path>
+            </a:pathLst>
+          </a:custGeom>
+          <a:ln w="9525">
+            <a:noFill/>
+          </a:ln>
+          <a:effectLst/>
+        </p:spPr>
+        <p:style>
+          <a:lnRef idx="2">
+            <a:schemeClr val="accent1">
+              <a:shade val="50000"/>
+            </a:schemeClr>
+          </a:lnRef>
+          <a:fillRef idx="1">
+            <a:schemeClr val="accent1"/>
+          </a:fillRef>
+          <a:effectRef idx="0">
+            <a:schemeClr val="accent1"/>
+          </a:effectRef>
+          <a:fontRef idx="minor">
+            <a:schemeClr val="lt1"/>
+          </a:fontRef>
+        </p:style>
+        <p:txBody>
+          <a:bodyPr wrap="square" rtlCol="0" anchor="ctr">
+            <a:noAutofit/>
+          </a:bodyPr>
+          <a:lstStyle/>
+          <a:p>
+            <a:pPr marL="0" marR="0" lvl="0" indent="0" algn="ctr" defTabSz="914400" rtl="0" eaLnBrk="1" fontAlgn="auto" latinLnBrk="0" hangingPunct="1">
+              <a:lnSpc>
+                <a:spcPct val="100000"/>
+              </a:lnSpc>
+              <a:spcBef>
+                <a:spcPts val="0"/>
+              </a:spcBef>
+              <a:spcAft>
+                <a:spcPts val="0"/>
+              </a:spcAft>
+              <a:buClrTx/>
+              <a:buSzTx/>
+              <a:buFontTx/>
+              <a:buNone/>
+              <a:tabLst/>
+              <a:defRPr/>
+            </a:pPr>
+            <a:endParaRPr kumimoji="0" lang="en-US" sz="1800" b="0" i="0" u="none" strike="noStrike" kern="1200" cap="none" spc="0" normalizeH="0" baseline="0" noProof="0">
+              <a:ln>
+                <a:noFill/>
+              </a:ln>
+              <a:solidFill>
+                <a:prstClr val="white"/>
+              </a:solidFill>
+              <a:effectLst/>
+              <a:uLnTx/>
+              <a:uFillTx/>
+              <a:latin typeface="Calibri" panose="020F0502020204030204"/>
+              <a:ea typeface="+mn-ea"/>
+              <a:cs typeface="+mn-cs"/>
+            </a:endParaRPr>
+          </a:p>
+        </p:txBody>
+      </p:sp>
+      <p:sp>
+        <p:nvSpPr>
+          <p:cNvPr id="2" name="Title 1">
+            <a:extLst>
+              <a:ext uri="{FF2B5EF4-FFF2-40B4-BE49-F238E27FC236}">
+                <a16:creationId xmlns:a16="http://schemas.microsoft.com/office/drawing/2014/main" id="{230E5FF9-57D1-481F-978A-B3EFE4610FD2}"/>
+              </a:ext>
+            </a:extLst>
+          </p:cNvPr>
+          <p:cNvSpPr>
+            <a:spLocks noGrp="1"/>
+          </p:cNvSpPr>
+          <p:nvPr>
+            <p:ph type="title"/>
+          </p:nvPr>
+        </p:nvSpPr>
+        <p:spPr>
+          <a:xfrm>
+            <a:off x="1524003" y="1999615"/>
+            <a:ext cx="9144000" cy="2764028"/>
+          </a:xfrm>
+        </p:spPr>
+        <p:txBody>
+          <a:bodyPr vert="horz" lIns="91440" tIns="45720" rIns="91440" bIns="45720" rtlCol="0" anchor="ctr">
+            <a:normAutofit/>
+          </a:bodyPr>
+          <a:lstStyle/>
+          <a:p>
+            <a:pPr algn="ctr"/>
+            <a:r>
+              <a:rPr lang="en-US" sz="7200" kern="1200">
+                <a:solidFill>
+                  <a:schemeClr val="tx1"/>
+                </a:solidFill>
+                <a:latin typeface="+mj-lt"/>
+                <a:ea typeface="+mj-ea"/>
+                <a:cs typeface="+mj-cs"/>
+              </a:rPr>
+              <a:t>Thank you</a:t>
+            </a:r>
+          </a:p>
+        </p:txBody>
+      </p:sp>
+      <p:sp>
+        <p:nvSpPr>
+          <p:cNvPr id="13" name="Rectangle 12">
+            <a:extLst>
+              <a:ext uri="{FF2B5EF4-FFF2-40B4-BE49-F238E27FC236}">
+                <a16:creationId xmlns:a16="http://schemas.microsoft.com/office/drawing/2014/main" id="{3629484E-3792-4B3D-89AD-7C8A1ED0E0D4}"/>
+              </a:ext>
+              <a:ext uri="{C183D7F6-B498-43B3-948B-1728B52AA6E4}">
+                <adec:decorative xmlns:adec="http://schemas.microsoft.com/office/drawing/2017/decorative" val="1"/>
+              </a:ext>
+            </a:extLst>
+          </p:cNvPr>
+          <p:cNvSpPr>
+            <a:spLocks noGrp="1" noRot="1" noChangeAspect="1" noMove="1" noResize="1" noEditPoints="1" noAdjustHandles="1" noChangeArrowheads="1" noChangeShapeType="1" noTextEdit="1"/>
+          </p:cNvSpPr>
+          <p:nvPr>
+            <p:extLst>
+              <p:ext uri="{386F3935-93C4-4BCD-93E2-E3B085C9AB24}">
+                <p16:designElem xmlns:p16="http://schemas.microsoft.com/office/powerpoint/2015/main" val="1"/>
+              </p:ext>
+            </p:extLst>
+          </p:nvPr>
+        </p:nvSpPr>
+        <p:spPr>
+          <a:xfrm>
+            <a:off x="3718560" y="5524786"/>
+            <a:ext cx="4754880" cy="27432"/>
+          </a:xfrm>
+          <a:prstGeom prst="rect">
+            <a:avLst/>
+          </a:prstGeom>
+          <a:solidFill>
+            <a:schemeClr val="accent2"/>
+          </a:solidFill>
+          <a:ln>
+            <a:noFill/>
+          </a:ln>
+        </p:spPr>
+        <p:style>
+          <a:lnRef idx="2">
+            <a:schemeClr val="accent1">
+              <a:shade val="50000"/>
+            </a:schemeClr>
+          </a:lnRef>
+          <a:fillRef idx="1">
+            <a:schemeClr val="accent1"/>
+          </a:fillRef>
+          <a:effectRef idx="0">
+            <a:schemeClr val="accent1"/>
+          </a:effectRef>
+          <a:fontRef idx="minor">
+            <a:schemeClr val="lt1"/>
+          </a:fontRef>
+        </p:style>
+        <p:txBody>
+          <a:bodyPr rtlCol="0" anchor="ctr"/>
+          <a:lstStyle/>
+          <a:p>
+            <a:pPr marL="0" marR="0" lvl="0" indent="0" algn="ctr" defTabSz="914400" rtl="0" eaLnBrk="1" fontAlgn="auto" latinLnBrk="0" hangingPunct="1">
+              <a:lnSpc>
+                <a:spcPct val="100000"/>
+              </a:lnSpc>
+              <a:spcBef>
+                <a:spcPts val="0"/>
+              </a:spcBef>
+              <a:spcAft>
+                <a:spcPts val="0"/>
+              </a:spcAft>
+              <a:buClrTx/>
+              <a:buSzTx/>
+              <a:buFontTx/>
+              <a:buNone/>
+              <a:tabLst/>
+              <a:defRPr/>
+            </a:pPr>
+            <a:endParaRPr kumimoji="0" lang="en-US" sz="1800" b="0" i="0" u="none" strike="noStrike" kern="1200" cap="none" spc="0" normalizeH="0" baseline="0" noProof="0">
+              <a:ln>
+                <a:noFill/>
+              </a:ln>
+              <a:solidFill>
+                <a:prstClr val="white"/>
+              </a:solidFill>
+              <a:effectLst/>
+              <a:uLnTx/>
+              <a:uFillTx/>
+              <a:latin typeface="Calibri" panose="020F0502020204030204"/>
+              <a:ea typeface="+mn-ea"/>
+              <a:cs typeface="+mn-cs"/>
+            </a:endParaRPr>
+          </a:p>
+        </p:txBody>
+      </p:sp>
+    </p:spTree>
+    <p:extLst>
+      <p:ext uri="{BB962C8B-B14F-4D97-AF65-F5344CB8AC3E}">
+        <p14:creationId xmlns:p14="http://schemas.microsoft.com/office/powerpoint/2010/main" val="1104827844"/>
+      </p:ext>
+    </p:extLst>
+  </p:cSld>
+  <p:clrMapOvr>
+    <a:masterClrMapping/>
+  </p:clrMapOvr>
+</p:sld>
+</file>
+
+<file path=ppt/slides/slide17.xml><?xml version="1.0" encoding="utf-8"?>
+<p:sld xmlns:a="http://schemas.openxmlformats.org/drawingml/2006/main" xmlns:r="http://schemas.openxmlformats.org/officeDocument/2006/relationships" xmlns:p="http://schemas.openxmlformats.org/presentationml/2006/main">
+  <p:cSld>
+    <p:spTree>
+      <p:nvGrpSpPr>
+        <p:cNvPr id="1" name=""/>
+        <p:cNvGrpSpPr/>
+        <p:nvPr/>
+      </p:nvGrpSpPr>
+      <p:grpSpPr>
+        <a:xfrm>
+          <a:off x="0" y="0"/>
+          <a:ext cx="0" cy="0"/>
+          <a:chOff x="0" y="0"/>
+          <a:chExt cx="0" cy="0"/>
+        </a:xfrm>
+      </p:grpSpPr>
+      <p:sp>
+        <p:nvSpPr>
+          <p:cNvPr id="2" name="Title 1">
+            <a:extLst>
+              <a:ext uri="{FF2B5EF4-FFF2-40B4-BE49-F238E27FC236}">
+                <a16:creationId xmlns:a16="http://schemas.microsoft.com/office/drawing/2014/main" id="{47CB1DD9-A108-41AE-A941-4957E4082EF4}"/>
+              </a:ext>
+            </a:extLst>
+          </p:cNvPr>
+          <p:cNvSpPr>
+            <a:spLocks noGrp="1"/>
+          </p:cNvSpPr>
+          <p:nvPr>
+            <p:ph type="title"/>
+          </p:nvPr>
+        </p:nvSpPr>
+        <p:spPr/>
+        <p:txBody>
+          <a:bodyPr/>
+          <a:lstStyle/>
+          <a:p>
+            <a:r>
+              <a:rPr lang="en-US" dirty="0">
+                <a:latin typeface="Univers (body)"/>
+              </a:rPr>
+              <a:t>Appendix</a:t>
+            </a:r>
+          </a:p>
+        </p:txBody>
+      </p:sp>
+    </p:spTree>
+    <p:extLst>
+      <p:ext uri="{BB962C8B-B14F-4D97-AF65-F5344CB8AC3E}">
+        <p14:creationId xmlns:p14="http://schemas.microsoft.com/office/powerpoint/2010/main" val="3864256442"/>
+      </p:ext>
+    </p:extLst>
+  </p:cSld>
+  <p:clrMapOvr>
+    <a:masterClrMapping/>
+  </p:clrMapOvr>
+</p:sld>
+</file>
+
+<file path=ppt/slides/slide18.xml><?xml version="1.0" encoding="utf-8"?>
+<p:sld xmlns:a="http://schemas.openxmlformats.org/drawingml/2006/main" xmlns:r="http://schemas.openxmlformats.org/officeDocument/2006/relationships" xmlns:p="http://schemas.openxmlformats.org/presentationml/2006/main">
+  <p:cSld>
+    <p:spTree>
+      <p:nvGrpSpPr>
+        <p:cNvPr id="1" name=""/>
+        <p:cNvGrpSpPr/>
+        <p:nvPr/>
+      </p:nvGrpSpPr>
+      <p:grpSpPr>
+        <a:xfrm>
+          <a:off x="0" y="0"/>
+          <a:ext cx="0" cy="0"/>
+          <a:chOff x="0" y="0"/>
+          <a:chExt cx="0" cy="0"/>
+        </a:xfrm>
+      </p:grpSpPr>
+      <p:sp>
+        <p:nvSpPr>
+          <p:cNvPr id="2" name="Title 1">
+            <a:extLst>
+              <a:ext uri="{FF2B5EF4-FFF2-40B4-BE49-F238E27FC236}">
+                <a16:creationId xmlns:a16="http://schemas.microsoft.com/office/drawing/2014/main" id="{35D973D6-71EC-45D9-B233-8B21390D16AA}"/>
+              </a:ext>
+            </a:extLst>
+          </p:cNvPr>
+          <p:cNvSpPr>
+            <a:spLocks noGrp="1"/>
+          </p:cNvSpPr>
+          <p:nvPr>
+            <p:ph type="title"/>
+          </p:nvPr>
+        </p:nvSpPr>
+        <p:spPr/>
+        <p:txBody>
+          <a:bodyPr/>
+          <a:lstStyle/>
+          <a:p>
+            <a:r>
+              <a:rPr lang="en-US" dirty="0">
+                <a:latin typeface="Univers (body)"/>
+              </a:rPr>
+              <a:t>In California, Testing and Race Emerged as Strongest Predictors</a:t>
+            </a:r>
+          </a:p>
+        </p:txBody>
+      </p:sp>
+      <p:pic>
+        <p:nvPicPr>
+          <p:cNvPr id="6" name="Content Placeholder 5" descr="Chart, bar chart&#10;&#10;Description automatically generated">
+            <a:extLst>
+              <a:ext uri="{FF2B5EF4-FFF2-40B4-BE49-F238E27FC236}">
+                <a16:creationId xmlns:a16="http://schemas.microsoft.com/office/drawing/2014/main" id="{CD1F4428-9C1D-4E9C-AF4C-2E458239EB23}"/>
+              </a:ext>
+            </a:extLst>
+          </p:cNvPr>
+          <p:cNvPicPr>
+            <a:picLocks noGrp="1" noChangeAspect="1"/>
+          </p:cNvPicPr>
+          <p:nvPr>
+            <p:ph sz="half" idx="1"/>
+          </p:nvPr>
+        </p:nvPicPr>
+        <p:blipFill>
+          <a:blip r:embed="rId2">
+            <a:extLst>
+              <a:ext uri="{28A0092B-C50C-407E-A947-70E740481C1C}">
+                <a14:useLocalDpi xmlns:a14="http://schemas.microsoft.com/office/drawing/2010/main" val="0"/>
+              </a:ext>
+            </a:extLst>
+          </a:blip>
+          <a:stretch>
+            <a:fillRect/>
+          </a:stretch>
+        </p:blipFill>
+        <p:spPr>
+          <a:xfrm>
+            <a:off x="304598" y="2096860"/>
+            <a:ext cx="5791402" cy="3900986"/>
+          </a:xfrm>
+        </p:spPr>
+      </p:pic>
+      <p:pic>
+        <p:nvPicPr>
+          <p:cNvPr id="8" name="Content Placeholder 7" descr="Chart, scatter chart&#10;&#10;Description automatically generated">
+            <a:extLst>
+              <a:ext uri="{FF2B5EF4-FFF2-40B4-BE49-F238E27FC236}">
+                <a16:creationId xmlns:a16="http://schemas.microsoft.com/office/drawing/2014/main" id="{2FFEAE23-A9BC-49CE-BB1A-7D10C3BB1F7C}"/>
+              </a:ext>
+            </a:extLst>
+          </p:cNvPr>
+          <p:cNvPicPr>
+            <a:picLocks noGrp="1" noChangeAspect="1"/>
+          </p:cNvPicPr>
+          <p:nvPr>
+            <p:ph sz="half" idx="2"/>
+          </p:nvPr>
+        </p:nvPicPr>
+        <p:blipFill>
+          <a:blip r:embed="rId3">
+            <a:extLst>
+              <a:ext uri="{28A0092B-C50C-407E-A947-70E740481C1C}">
+                <a14:useLocalDpi xmlns:a14="http://schemas.microsoft.com/office/drawing/2010/main" val="0"/>
+              </a:ext>
+            </a:extLst>
+          </a:blip>
+          <a:stretch>
+            <a:fillRect/>
+          </a:stretch>
+        </p:blipFill>
+        <p:spPr>
+          <a:xfrm>
+            <a:off x="6253843" y="2015194"/>
+            <a:ext cx="5181600" cy="4064317"/>
+          </a:xfrm>
+        </p:spPr>
+      </p:pic>
+    </p:spTree>
+    <p:extLst>
+      <p:ext uri="{BB962C8B-B14F-4D97-AF65-F5344CB8AC3E}">
+        <p14:creationId xmlns:p14="http://schemas.microsoft.com/office/powerpoint/2010/main" val="577137192"/>
+      </p:ext>
+    </p:extLst>
+  </p:cSld>
+  <p:clrMapOvr>
+    <a:masterClrMapping/>
+  </p:clrMapOvr>
+</p:sld>
+</file>
+
+<file path=ppt/slides/slide19.xml><?xml version="1.0" encoding="utf-8"?>
+<p:sld xmlns:a="http://schemas.openxmlformats.org/drawingml/2006/main" xmlns:r="http://schemas.openxmlformats.org/officeDocument/2006/relationships" xmlns:p="http://schemas.openxmlformats.org/presentationml/2006/main">
+  <p:cSld>
+    <p:spTree>
+      <p:nvGrpSpPr>
+        <p:cNvPr id="1" name=""/>
+        <p:cNvGrpSpPr/>
+        <p:nvPr/>
+      </p:nvGrpSpPr>
+      <p:grpSpPr>
+        <a:xfrm>
+          <a:off x="0" y="0"/>
+          <a:ext cx="0" cy="0"/>
+          <a:chOff x="0" y="0"/>
+          <a:chExt cx="0" cy="0"/>
+        </a:xfrm>
+      </p:grpSpPr>
+      <p:sp>
+        <p:nvSpPr>
+          <p:cNvPr id="2" name="Title 1">
+            <a:extLst>
+              <a:ext uri="{FF2B5EF4-FFF2-40B4-BE49-F238E27FC236}">
+                <a16:creationId xmlns:a16="http://schemas.microsoft.com/office/drawing/2014/main" id="{35D973D6-71EC-45D9-B233-8B21390D16AA}"/>
+              </a:ext>
+            </a:extLst>
+          </p:cNvPr>
+          <p:cNvSpPr>
+            <a:spLocks noGrp="1"/>
+          </p:cNvSpPr>
+          <p:nvPr>
+            <p:ph type="title"/>
+          </p:nvPr>
+        </p:nvSpPr>
+        <p:spPr/>
+        <p:txBody>
+          <a:bodyPr/>
+          <a:lstStyle/>
+          <a:p>
+            <a:r>
+              <a:rPr lang="en-US" dirty="0">
+                <a:latin typeface="Univers (body)"/>
+              </a:rPr>
+              <a:t>In Florida, Race Emerged as Strongest Predictors</a:t>
+            </a:r>
+          </a:p>
+        </p:txBody>
+      </p:sp>
+      <p:pic>
+        <p:nvPicPr>
+          <p:cNvPr id="10" name="Content Placeholder 9" descr="Chart, bar chart&#10;&#10;Description automatically generated">
+            <a:extLst>
+              <a:ext uri="{FF2B5EF4-FFF2-40B4-BE49-F238E27FC236}">
+                <a16:creationId xmlns:a16="http://schemas.microsoft.com/office/drawing/2014/main" id="{E312025E-BD8A-4464-9C0E-0EAC92745425}"/>
+              </a:ext>
+            </a:extLst>
+          </p:cNvPr>
+          <p:cNvPicPr>
+            <a:picLocks noGrp="1" noChangeAspect="1"/>
+          </p:cNvPicPr>
+          <p:nvPr>
+            <p:ph sz="half" idx="1"/>
+          </p:nvPr>
+        </p:nvPicPr>
+        <p:blipFill>
+          <a:blip r:embed="rId2">
+            <a:extLst>
+              <a:ext uri="{28A0092B-C50C-407E-A947-70E740481C1C}">
+                <a14:useLocalDpi xmlns:a14="http://schemas.microsoft.com/office/drawing/2010/main" val="0"/>
+              </a:ext>
+            </a:extLst>
+          </a:blip>
+          <a:stretch>
+            <a:fillRect/>
+          </a:stretch>
+        </p:blipFill>
+        <p:spPr>
+          <a:xfrm>
+            <a:off x="223575" y="2208201"/>
+            <a:ext cx="5954070" cy="3827616"/>
+          </a:xfrm>
+        </p:spPr>
+      </p:pic>
+      <p:pic>
+        <p:nvPicPr>
+          <p:cNvPr id="12" name="Content Placeholder 11" descr="Chart, scatter chart&#10;&#10;Description automatically generated">
+            <a:extLst>
+              <a:ext uri="{FF2B5EF4-FFF2-40B4-BE49-F238E27FC236}">
+                <a16:creationId xmlns:a16="http://schemas.microsoft.com/office/drawing/2014/main" id="{407A4FD5-049D-4515-AA3C-C6DB394EED30}"/>
+              </a:ext>
+            </a:extLst>
+          </p:cNvPr>
+          <p:cNvPicPr>
+            <a:picLocks noGrp="1" noChangeAspect="1"/>
+          </p:cNvPicPr>
+          <p:nvPr>
+            <p:ph sz="half" idx="2"/>
+          </p:nvPr>
+        </p:nvPicPr>
+        <p:blipFill>
+          <a:blip r:embed="rId3">
+            <a:extLst>
+              <a:ext uri="{28A0092B-C50C-407E-A947-70E740481C1C}">
+                <a14:useLocalDpi xmlns:a14="http://schemas.microsoft.com/office/drawing/2010/main" val="0"/>
+              </a:ext>
+            </a:extLst>
+          </a:blip>
+          <a:stretch>
+            <a:fillRect/>
+          </a:stretch>
+        </p:blipFill>
+        <p:spPr>
+          <a:xfrm>
+            <a:off x="6417130" y="2208201"/>
+            <a:ext cx="5181600" cy="3978072"/>
+          </a:xfrm>
+        </p:spPr>
+      </p:pic>
+    </p:spTree>
+    <p:extLst>
+      <p:ext uri="{BB962C8B-B14F-4D97-AF65-F5344CB8AC3E}">
+        <p14:creationId xmlns:p14="http://schemas.microsoft.com/office/powerpoint/2010/main" val="3391945793"/>
+      </p:ext>
+    </p:extLst>
+  </p:cSld>
+  <p:clrMapOvr>
+    <a:masterClrMapping/>
+  </p:clrMapOvr>
+</p:sld>
+</file>
+
+<file path=ppt/slides/slide2.xml><?xml version="1.0" encoding="utf-8"?>
+<p:sld xmlns:a="http://schemas.openxmlformats.org/drawingml/2006/main" xmlns:r="http://schemas.openxmlformats.org/officeDocument/2006/relationships" xmlns:p="http://schemas.openxmlformats.org/presentationml/2006/main">
+  <p:cSld>
+    <p:bg>
+      <p:bgPr>
+        <a:solidFill>
+          <a:schemeClr val="bg1"/>
+        </a:solidFill>
+        <a:effectLst/>
+      </p:bgPr>
+    </p:bg>
+    <p:spTree>
+      <p:nvGrpSpPr>
+        <p:cNvPr id="1" name=""/>
+        <p:cNvGrpSpPr/>
+        <p:nvPr/>
+      </p:nvGrpSpPr>
+      <p:grpSpPr>
+        <a:xfrm>
+          <a:off x="0" y="0"/>
+          <a:ext cx="0" cy="0"/>
+          <a:chOff x="0" y="0"/>
+          <a:chExt cx="0" cy="0"/>
+        </a:xfrm>
+      </p:grpSpPr>
+      <p:sp useBgFill="1">
+        <p:nvSpPr>
+          <p:cNvPr id="10" name="Rectangle 9">
+            <a:extLst>
+              <a:ext uri="{FF2B5EF4-FFF2-40B4-BE49-F238E27FC236}">
+                <a16:creationId xmlns:a16="http://schemas.microsoft.com/office/drawing/2014/main" id="{0E2F58BF-12E5-4B5A-AD25-4DAAA2742A7B}"/>
+              </a:ext>
+              <a:ext uri="{C183D7F6-B498-43B3-948B-1728B52AA6E4}">
+                <adec:decorative xmlns:adec="http://schemas.microsoft.com/office/drawing/2017/decorative" val="1"/>
+              </a:ext>
+            </a:extLst>
+          </p:cNvPr>
+          <p:cNvSpPr>
+            <a:spLocks noGrp="1" noRot="1" noChangeAspect="1" noMove="1" noResize="1" noEditPoints="1" noAdjustHandles="1" noChangeArrowheads="1" noChangeShapeType="1" noTextEdit="1"/>
+          </p:cNvSpPr>
+          <p:nvPr>
+            <p:extLst>
+              <p:ext uri="{386F3935-93C4-4BCD-93E2-E3B085C9AB24}">
+                <p16:designElem xmlns:p16="http://schemas.microsoft.com/office/powerpoint/2015/main" val="1"/>
+              </p:ext>
+            </p:extLst>
+          </p:nvPr>
+        </p:nvSpPr>
+        <p:spPr>
+          <a:xfrm>
+            <a:off x="0" y="0"/>
+            <a:ext cx="12192000" cy="6858000"/>
+          </a:xfrm>
+          <a:prstGeom prst="rect">
+            <a:avLst/>
+          </a:prstGeom>
+          <a:ln>
+            <a:noFill/>
+          </a:ln>
+        </p:spPr>
+        <p:style>
+          <a:lnRef idx="2">
+            <a:schemeClr val="accent1">
+              <a:shade val="50000"/>
+            </a:schemeClr>
+          </a:lnRef>
+          <a:fillRef idx="1">
+            <a:schemeClr val="accent1"/>
+          </a:fillRef>
+          <a:effectRef idx="0">
+            <a:schemeClr val="accent1"/>
+          </a:effectRef>
+          <a:fontRef idx="minor">
+            <a:schemeClr val="lt1"/>
+          </a:fontRef>
+        </p:style>
+        <p:txBody>
+          <a:bodyPr rtlCol="0" anchor="ctr"/>
+          <a:lstStyle/>
+          <a:p>
+            <a:pPr algn="ctr"/>
+            <a:endParaRPr lang="en-US"/>
+          </a:p>
+        </p:txBody>
+      </p:sp>
+      <p:sp>
+        <p:nvSpPr>
+          <p:cNvPr id="2" name="Title 1">
+            <a:extLst>
+              <a:ext uri="{FF2B5EF4-FFF2-40B4-BE49-F238E27FC236}">
+                <a16:creationId xmlns:a16="http://schemas.microsoft.com/office/drawing/2014/main" id="{BC9265AD-2C88-41B3-A940-B4790B6F3748}"/>
+              </a:ext>
+            </a:extLst>
+          </p:cNvPr>
+          <p:cNvSpPr>
+            <a:spLocks noGrp="1"/>
+          </p:cNvSpPr>
+          <p:nvPr>
+            <p:ph type="ctrTitle"/>
+          </p:nvPr>
+        </p:nvSpPr>
+        <p:spPr>
+          <a:xfrm>
+            <a:off x="477980" y="1220388"/>
+            <a:ext cx="4738453" cy="3204134"/>
+          </a:xfrm>
+        </p:spPr>
+        <p:txBody>
+          <a:bodyPr anchor="b">
+            <a:noAutofit/>
+          </a:bodyPr>
+          <a:lstStyle/>
+          <a:p>
+            <a:pPr algn="l"/>
+            <a:r>
+              <a:rPr lang="en-US" sz="4800" dirty="0">
+                <a:latin typeface="Univers (body)"/>
+                <a:cs typeface="Arial" panose="020B0604020202020204" pitchFamily="34" charset="0"/>
+              </a:rPr>
+              <a:t>Predicting COVID-19 Using Demographic Data</a:t>
+            </a:r>
+          </a:p>
+        </p:txBody>
+      </p:sp>
+      <p:sp>
+        <p:nvSpPr>
+          <p:cNvPr id="12" name="Rectangle 11">
+            <a:extLst>
+              <a:ext uri="{FF2B5EF4-FFF2-40B4-BE49-F238E27FC236}">
+                <a16:creationId xmlns:a16="http://schemas.microsoft.com/office/drawing/2014/main" id="{AF2F604E-43BE-4DC3-B983-E071523364F8}"/>
+              </a:ext>
+              <a:ext uri="{C183D7F6-B498-43B3-948B-1728B52AA6E4}">
+                <adec:decorative xmlns:adec="http://schemas.microsoft.com/office/drawing/2017/decorative" val="1"/>
+              </a:ext>
+            </a:extLst>
+          </p:cNvPr>
+          <p:cNvSpPr>
+            <a:spLocks noGrp="1" noRot="1" noChangeAspect="1" noMove="1" noResize="1" noEditPoints="1" noAdjustHandles="1" noChangeArrowheads="1" noChangeShapeType="1" noTextEdit="1"/>
+          </p:cNvSpPr>
+          <p:nvPr>
+            <p:extLst>
+              <p:ext uri="{386F3935-93C4-4BCD-93E2-E3B085C9AB24}">
+                <p16:designElem xmlns:p16="http://schemas.microsoft.com/office/powerpoint/2015/main" val="1"/>
+              </p:ext>
+            </p:extLst>
+          </p:nvPr>
+        </p:nvSpPr>
+        <p:spPr>
+          <a:xfrm rot="5400000">
+            <a:off x="759921" y="346791"/>
+            <a:ext cx="146304" cy="704088"/>
+          </a:xfrm>
+          <a:prstGeom prst="rect">
+            <a:avLst/>
+          </a:prstGeom>
+          <a:solidFill>
+            <a:schemeClr val="accent2"/>
+          </a:solidFill>
+          <a:ln>
+            <a:noFill/>
+          </a:ln>
+        </p:spPr>
+        <p:style>
+          <a:lnRef idx="2">
+            <a:schemeClr val="accent1">
+              <a:shade val="50000"/>
+            </a:schemeClr>
+          </a:lnRef>
+          <a:fillRef idx="1">
+            <a:schemeClr val="accent1"/>
+          </a:fillRef>
+          <a:effectRef idx="0">
+            <a:schemeClr val="accent1"/>
+          </a:effectRef>
+          <a:fontRef idx="minor">
+            <a:schemeClr val="lt1"/>
+          </a:fontRef>
+        </p:style>
+        <p:txBody>
+          <a:bodyPr rtlCol="0" anchor="ctr"/>
+          <a:lstStyle/>
+          <a:p>
+            <a:pPr algn="ctr"/>
+            <a:endParaRPr lang="en-US">
+              <a:solidFill>
+                <a:prstClr val="white"/>
+              </a:solidFill>
+              <a:latin typeface="Calibri" panose="020F0502020204030204"/>
+            </a:endParaRPr>
+          </a:p>
+        </p:txBody>
+      </p:sp>
+      <p:sp>
+        <p:nvSpPr>
+          <p:cNvPr id="14" name="Rectangle 13">
+            <a:extLst>
+              <a:ext uri="{FF2B5EF4-FFF2-40B4-BE49-F238E27FC236}">
+                <a16:creationId xmlns:a16="http://schemas.microsoft.com/office/drawing/2014/main" id="{08C9B587-E65E-4B52-B37C-ABEBB6E87928}"/>
+              </a:ext>
+              <a:ext uri="{C183D7F6-B498-43B3-948B-1728B52AA6E4}">
+                <adec:decorative xmlns:adec="http://schemas.microsoft.com/office/drawing/2017/decorative" val="1"/>
+              </a:ext>
+            </a:extLst>
+          </p:cNvPr>
+          <p:cNvSpPr>
+            <a:spLocks noGrp="1" noRot="1" noChangeAspect="1" noMove="1" noResize="1" noEditPoints="1" noAdjustHandles="1" noChangeArrowheads="1" noChangeShapeType="1" noTextEdit="1"/>
+          </p:cNvSpPr>
+          <p:nvPr>
+            <p:extLst>
+              <p:ext uri="{386F3935-93C4-4BCD-93E2-E3B085C9AB24}">
+                <p16:designElem xmlns:p16="http://schemas.microsoft.com/office/powerpoint/2015/main" val="1"/>
+              </p:ext>
+            </p:extLst>
+          </p:nvPr>
+        </p:nvSpPr>
+        <p:spPr>
+          <a:xfrm>
+            <a:off x="481029" y="4546920"/>
+            <a:ext cx="4023360" cy="18288"/>
+          </a:xfrm>
+          <a:prstGeom prst="rect">
+            <a:avLst/>
+          </a:prstGeom>
+          <a:solidFill>
+            <a:srgbClr val="D5D5D5"/>
+          </a:solidFill>
+          <a:ln w="3175">
+            <a:noFill/>
+          </a:ln>
+          <a:effectLst/>
+        </p:spPr>
+        <p:style>
+          <a:lnRef idx="2">
+            <a:schemeClr val="accent1">
+              <a:shade val="50000"/>
+            </a:schemeClr>
+          </a:lnRef>
+          <a:fillRef idx="1">
+            <a:schemeClr val="accent1"/>
+          </a:fillRef>
+          <a:effectRef idx="0">
+            <a:schemeClr val="accent1"/>
+          </a:effectRef>
+          <a:fontRef idx="minor">
+            <a:schemeClr val="lt1"/>
+          </a:fontRef>
+        </p:style>
+        <p:txBody>
+          <a:bodyPr rtlCol="0" anchor="ctr"/>
+          <a:lstStyle/>
+          <a:p>
+            <a:pPr algn="ctr"/>
+            <a:endParaRPr lang="en-US">
+              <a:solidFill>
+                <a:prstClr val="white"/>
+              </a:solidFill>
+              <a:latin typeface="Calibri" panose="020F0502020204030204"/>
+            </a:endParaRPr>
+          </a:p>
+        </p:txBody>
+      </p:sp>
+      <p:pic>
+        <p:nvPicPr>
+          <p:cNvPr id="5" name="Picture 4" descr="A close up of a flower&#10;&#10;Description automatically generated">
+            <a:extLst>
+              <a:ext uri="{FF2B5EF4-FFF2-40B4-BE49-F238E27FC236}">
+                <a16:creationId xmlns:a16="http://schemas.microsoft.com/office/drawing/2014/main" id="{2FEAFB3A-DD73-4E57-8411-4E49D284EC1C}"/>
+              </a:ext>
+            </a:extLst>
+          </p:cNvPr>
+          <p:cNvPicPr>
+            <a:picLocks noChangeAspect="1"/>
+          </p:cNvPicPr>
+          <p:nvPr/>
+        </p:nvPicPr>
+        <p:blipFill rotWithShape="1">
+          <a:blip r:embed="rId2">
+            <a:extLst>
+              <a:ext uri="{28A0092B-C50C-407E-A947-70E740481C1C}">
+                <a14:useLocalDpi xmlns:a14="http://schemas.microsoft.com/office/drawing/2010/main" val="0"/>
+              </a:ext>
+            </a:extLst>
+          </a:blip>
+          <a:srcRect t="1698" r="1" b="4660"/>
+          <a:stretch/>
+        </p:blipFill>
+        <p:spPr>
+          <a:xfrm>
+            <a:off x="5733408" y="638443"/>
+            <a:ext cx="6098373" cy="5710727"/>
+          </a:xfrm>
+          <a:prstGeom prst="rect">
+            <a:avLst/>
+          </a:prstGeom>
+        </p:spPr>
+      </p:pic>
+      <p:sp>
+        <p:nvSpPr>
+          <p:cNvPr id="3" name="Subtitle 2">
+            <a:extLst>
+              <a:ext uri="{FF2B5EF4-FFF2-40B4-BE49-F238E27FC236}">
+                <a16:creationId xmlns:a16="http://schemas.microsoft.com/office/drawing/2014/main" id="{B8398EFA-7326-4F45-A3AD-F8A093790D0D}"/>
+              </a:ext>
+            </a:extLst>
+          </p:cNvPr>
+          <p:cNvSpPr>
+            <a:spLocks noGrp="1"/>
+          </p:cNvSpPr>
+          <p:nvPr>
+            <p:ph type="subTitle" idx="1"/>
+          </p:nvPr>
+        </p:nvSpPr>
+        <p:spPr>
+          <a:xfrm>
+            <a:off x="477980" y="4872922"/>
+            <a:ext cx="4895209" cy="1564453"/>
+          </a:xfrm>
+        </p:spPr>
+        <p:txBody>
+          <a:bodyPr>
+            <a:normAutofit/>
+          </a:bodyPr>
+          <a:lstStyle/>
+          <a:p>
+            <a:pPr algn="l"/>
+            <a:r>
+              <a:rPr lang="en-US" sz="2000" dirty="0">
+                <a:latin typeface="Univers (body)"/>
+                <a:cs typeface="Arial" panose="020B0604020202020204" pitchFamily="34" charset="0"/>
+              </a:rPr>
+              <a:t>Caroline Clark, Feras Atwal, James Lee</a:t>
+            </a:r>
+          </a:p>
+          <a:p>
+            <a:pPr algn="l"/>
+            <a:r>
+              <a:rPr lang="en-US" sz="2000" dirty="0">
+                <a:latin typeface="Univers (body)"/>
+                <a:cs typeface="Arial" panose="020B0604020202020204" pitchFamily="34" charset="0"/>
+              </a:rPr>
+              <a:t>October 30</a:t>
+            </a:r>
+            <a:r>
+              <a:rPr lang="en-US" sz="2000" baseline="30000" dirty="0">
+                <a:latin typeface="Univers (body)"/>
+                <a:cs typeface="Arial" panose="020B0604020202020204" pitchFamily="34" charset="0"/>
+              </a:rPr>
+              <a:t>th</a:t>
+            </a:r>
+            <a:r>
+              <a:rPr lang="en-US" sz="2000" dirty="0">
+                <a:latin typeface="Univers (body)"/>
+                <a:cs typeface="Arial" panose="020B0604020202020204" pitchFamily="34" charset="0"/>
+              </a:rPr>
+              <a:t>, 2020</a:t>
+            </a:r>
+          </a:p>
+        </p:txBody>
+      </p:sp>
+    </p:spTree>
+    <p:extLst>
+      <p:ext uri="{BB962C8B-B14F-4D97-AF65-F5344CB8AC3E}">
+        <p14:creationId xmlns:p14="http://schemas.microsoft.com/office/powerpoint/2010/main" val="772073649"/>
+      </p:ext>
+    </p:extLst>
+  </p:cSld>
+  <p:clrMapOvr>
+    <a:masterClrMapping/>
+  </p:clrMapOvr>
+</p:sld>
+</file>
+
+<file path=ppt/slides/slide20.xml><?xml version="1.0" encoding="utf-8"?>
+<p:sld xmlns:a="http://schemas.openxmlformats.org/drawingml/2006/main" xmlns:r="http://schemas.openxmlformats.org/officeDocument/2006/relationships" xmlns:p="http://schemas.openxmlformats.org/presentationml/2006/main">
+  <p:cSld>
+    <p:spTree>
+      <p:nvGrpSpPr>
+        <p:cNvPr id="1" name=""/>
+        <p:cNvGrpSpPr/>
+        <p:nvPr/>
+      </p:nvGrpSpPr>
+      <p:grpSpPr>
+        <a:xfrm>
+          <a:off x="0" y="0"/>
+          <a:ext cx="0" cy="0"/>
+          <a:chOff x="0" y="0"/>
+          <a:chExt cx="0" cy="0"/>
+        </a:xfrm>
+      </p:grpSpPr>
+      <p:sp>
+        <p:nvSpPr>
+          <p:cNvPr id="2" name="Title 1">
+            <a:extLst>
+              <a:ext uri="{FF2B5EF4-FFF2-40B4-BE49-F238E27FC236}">
+                <a16:creationId xmlns:a16="http://schemas.microsoft.com/office/drawing/2014/main" id="{35D973D6-71EC-45D9-B233-8B21390D16AA}"/>
+              </a:ext>
+            </a:extLst>
+          </p:cNvPr>
+          <p:cNvSpPr>
+            <a:spLocks noGrp="1"/>
+          </p:cNvSpPr>
+          <p:nvPr>
+            <p:ph type="title"/>
+          </p:nvPr>
+        </p:nvSpPr>
+        <p:spPr/>
+        <p:txBody>
+          <a:bodyPr/>
+          <a:lstStyle/>
+          <a:p>
+            <a:r>
+              <a:rPr lang="en-US" dirty="0">
+                <a:latin typeface="Univers (body)"/>
+              </a:rPr>
+              <a:t>In Illinois, Age and Being Insured Emerged as Strongest Predictors</a:t>
+            </a:r>
+          </a:p>
+        </p:txBody>
+      </p:sp>
+      <p:pic>
+        <p:nvPicPr>
+          <p:cNvPr id="8" name="Content Placeholder 7" descr="Chart, bar chart&#10;&#10;Description automatically generated">
+            <a:extLst>
+              <a:ext uri="{FF2B5EF4-FFF2-40B4-BE49-F238E27FC236}">
+                <a16:creationId xmlns:a16="http://schemas.microsoft.com/office/drawing/2014/main" id="{04B03B16-784B-4AF6-BD02-D6ED6E1CD5D4}"/>
+              </a:ext>
+            </a:extLst>
+          </p:cNvPr>
+          <p:cNvPicPr>
+            <a:picLocks noGrp="1" noChangeAspect="1"/>
+          </p:cNvPicPr>
+          <p:nvPr>
+            <p:ph sz="half" idx="1"/>
+          </p:nvPr>
+        </p:nvPicPr>
+        <p:blipFill>
+          <a:blip r:embed="rId2">
+            <a:extLst>
+              <a:ext uri="{28A0092B-C50C-407E-A947-70E740481C1C}">
+                <a14:useLocalDpi xmlns:a14="http://schemas.microsoft.com/office/drawing/2010/main" val="0"/>
+              </a:ext>
+            </a:extLst>
+          </a:blip>
+          <a:stretch>
+            <a:fillRect/>
+          </a:stretch>
+        </p:blipFill>
+        <p:spPr>
+          <a:xfrm>
+            <a:off x="359229" y="2294357"/>
+            <a:ext cx="5521778" cy="3501406"/>
+          </a:xfrm>
+        </p:spPr>
+      </p:pic>
+      <p:pic>
+        <p:nvPicPr>
+          <p:cNvPr id="11" name="Content Placeholder 10" descr="Chart, scatter chart&#10;&#10;Description automatically generated">
+            <a:extLst>
+              <a:ext uri="{FF2B5EF4-FFF2-40B4-BE49-F238E27FC236}">
+                <a16:creationId xmlns:a16="http://schemas.microsoft.com/office/drawing/2014/main" id="{32F0EA16-181C-478B-86C7-6C6431CF5298}"/>
+              </a:ext>
+            </a:extLst>
+          </p:cNvPr>
+          <p:cNvPicPr>
+            <a:picLocks noGrp="1" noChangeAspect="1"/>
+          </p:cNvPicPr>
+          <p:nvPr>
+            <p:ph sz="half" idx="2"/>
+          </p:nvPr>
+        </p:nvPicPr>
+        <p:blipFill>
+          <a:blip r:embed="rId3">
+            <a:extLst>
+              <a:ext uri="{28A0092B-C50C-407E-A947-70E740481C1C}">
+                <a14:useLocalDpi xmlns:a14="http://schemas.microsoft.com/office/drawing/2010/main" val="0"/>
+              </a:ext>
+            </a:extLst>
+          </a:blip>
+          <a:stretch>
+            <a:fillRect/>
+          </a:stretch>
+        </p:blipFill>
+        <p:spPr>
+          <a:xfrm>
+            <a:off x="6096000" y="2192780"/>
+            <a:ext cx="5442857" cy="3754604"/>
+          </a:xfrm>
+        </p:spPr>
+      </p:pic>
+    </p:spTree>
+    <p:extLst>
+      <p:ext uri="{BB962C8B-B14F-4D97-AF65-F5344CB8AC3E}">
+        <p14:creationId xmlns:p14="http://schemas.microsoft.com/office/powerpoint/2010/main" val="1050194192"/>
+      </p:ext>
+    </p:extLst>
+  </p:cSld>
+  <p:clrMapOvr>
+    <a:masterClrMapping/>
+  </p:clrMapOvr>
+</p:sld>
+</file>
+
+<file path=ppt/slides/slide21.xml><?xml version="1.0" encoding="utf-8"?>
+<p:sld xmlns:a="http://schemas.openxmlformats.org/drawingml/2006/main" xmlns:r="http://schemas.openxmlformats.org/officeDocument/2006/relationships" xmlns:p="http://schemas.openxmlformats.org/presentationml/2006/main">
+  <p:cSld>
+    <p:spTree>
+      <p:nvGrpSpPr>
+        <p:cNvPr id="1" name=""/>
+        <p:cNvGrpSpPr/>
+        <p:nvPr/>
+      </p:nvGrpSpPr>
+      <p:grpSpPr>
+        <a:xfrm>
+          <a:off x="0" y="0"/>
+          <a:ext cx="0" cy="0"/>
+          <a:chOff x="0" y="0"/>
+          <a:chExt cx="0" cy="0"/>
+        </a:xfrm>
+      </p:grpSpPr>
+      <p:sp>
+        <p:nvSpPr>
+          <p:cNvPr id="2" name="Title 1">
+            <a:extLst>
+              <a:ext uri="{FF2B5EF4-FFF2-40B4-BE49-F238E27FC236}">
+                <a16:creationId xmlns:a16="http://schemas.microsoft.com/office/drawing/2014/main" id="{35D973D6-71EC-45D9-B233-8B21390D16AA}"/>
+              </a:ext>
+            </a:extLst>
+          </p:cNvPr>
+          <p:cNvSpPr>
+            <a:spLocks noGrp="1"/>
+          </p:cNvSpPr>
+          <p:nvPr>
+            <p:ph type="title"/>
+          </p:nvPr>
+        </p:nvSpPr>
+        <p:spPr/>
+        <p:txBody>
+          <a:bodyPr>
+            <a:normAutofit/>
+          </a:bodyPr>
+          <a:lstStyle/>
+          <a:p>
+            <a:r>
+              <a:rPr lang="en-US" dirty="0">
+                <a:latin typeface="Univers (body)"/>
+              </a:rPr>
+              <a:t>In New York, Race and Age Emerged as Strongest Predictors</a:t>
+            </a:r>
+          </a:p>
+        </p:txBody>
+      </p:sp>
+      <p:pic>
+        <p:nvPicPr>
+          <p:cNvPr id="9" name="Content Placeholder 8" descr="Chart, bar chart&#10;&#10;Description automatically generated">
+            <a:extLst>
+              <a:ext uri="{FF2B5EF4-FFF2-40B4-BE49-F238E27FC236}">
+                <a16:creationId xmlns:a16="http://schemas.microsoft.com/office/drawing/2014/main" id="{FA16E064-5C9E-4131-897E-546106F8CD7C}"/>
+              </a:ext>
+            </a:extLst>
+          </p:cNvPr>
+          <p:cNvPicPr>
+            <a:picLocks noGrp="1" noChangeAspect="1"/>
+          </p:cNvPicPr>
+          <p:nvPr>
+            <p:ph sz="half" idx="1"/>
+          </p:nvPr>
+        </p:nvPicPr>
+        <p:blipFill>
+          <a:blip r:embed="rId2">
+            <a:extLst>
+              <a:ext uri="{28A0092B-C50C-407E-A947-70E740481C1C}">
+                <a14:useLocalDpi xmlns:a14="http://schemas.microsoft.com/office/drawing/2010/main" val="0"/>
+              </a:ext>
+            </a:extLst>
+          </a:blip>
+          <a:stretch>
+            <a:fillRect/>
+          </a:stretch>
+        </p:blipFill>
+        <p:spPr>
+          <a:xfrm>
+            <a:off x="253752" y="2407548"/>
+            <a:ext cx="5766049" cy="3547019"/>
+          </a:xfrm>
+        </p:spPr>
+      </p:pic>
+      <p:pic>
+        <p:nvPicPr>
+          <p:cNvPr id="12" name="Content Placeholder 11" descr="Chart, scatter chart&#10;&#10;Description automatically generated">
+            <a:extLst>
+              <a:ext uri="{FF2B5EF4-FFF2-40B4-BE49-F238E27FC236}">
+                <a16:creationId xmlns:a16="http://schemas.microsoft.com/office/drawing/2014/main" id="{44EFA7C4-B3B3-4025-9B42-ABFB477BE816}"/>
+              </a:ext>
+            </a:extLst>
+          </p:cNvPr>
+          <p:cNvPicPr>
+            <a:picLocks noGrp="1" noChangeAspect="1"/>
+          </p:cNvPicPr>
+          <p:nvPr>
+            <p:ph sz="half" idx="2"/>
+          </p:nvPr>
+        </p:nvPicPr>
+        <p:blipFill>
+          <a:blip r:embed="rId3">
+            <a:extLst>
+              <a:ext uri="{28A0092B-C50C-407E-A947-70E740481C1C}">
+                <a14:useLocalDpi xmlns:a14="http://schemas.microsoft.com/office/drawing/2010/main" val="0"/>
+              </a:ext>
+            </a:extLst>
+          </a:blip>
+          <a:stretch>
+            <a:fillRect/>
+          </a:stretch>
+        </p:blipFill>
+        <p:spPr>
+          <a:xfrm>
+            <a:off x="6457950" y="2325607"/>
+            <a:ext cx="5181600" cy="3906546"/>
+          </a:xfrm>
+        </p:spPr>
+      </p:pic>
+    </p:spTree>
+    <p:extLst>
+      <p:ext uri="{BB962C8B-B14F-4D97-AF65-F5344CB8AC3E}">
+        <p14:creationId xmlns:p14="http://schemas.microsoft.com/office/powerpoint/2010/main" val="458866838"/>
+      </p:ext>
+    </p:extLst>
+  </p:cSld>
+  <p:clrMapOvr>
+    <a:masterClrMapping/>
+  </p:clrMapOvr>
+</p:sld>
+</file>
+
+<file path=ppt/slides/slide22.xml><?xml version="1.0" encoding="utf-8"?>
+<p:sld xmlns:a="http://schemas.openxmlformats.org/drawingml/2006/main" xmlns:r="http://schemas.openxmlformats.org/officeDocument/2006/relationships" xmlns:p="http://schemas.openxmlformats.org/presentationml/2006/main">
+  <p:cSld>
+    <p:spTree>
+      <p:nvGrpSpPr>
+        <p:cNvPr id="1" name=""/>
+        <p:cNvGrpSpPr/>
+        <p:nvPr/>
+      </p:nvGrpSpPr>
+      <p:grpSpPr>
+        <a:xfrm>
+          <a:off x="0" y="0"/>
+          <a:ext cx="0" cy="0"/>
+          <a:chOff x="0" y="0"/>
+          <a:chExt cx="0" cy="0"/>
+        </a:xfrm>
+      </p:grpSpPr>
+      <p:sp>
+        <p:nvSpPr>
+          <p:cNvPr id="2" name="Title 1">
+            <a:extLst>
+              <a:ext uri="{FF2B5EF4-FFF2-40B4-BE49-F238E27FC236}">
+                <a16:creationId xmlns:a16="http://schemas.microsoft.com/office/drawing/2014/main" id="{35D973D6-71EC-45D9-B233-8B21390D16AA}"/>
+              </a:ext>
+            </a:extLst>
+          </p:cNvPr>
+          <p:cNvSpPr>
+            <a:spLocks noGrp="1"/>
+          </p:cNvSpPr>
+          <p:nvPr>
+            <p:ph type="title"/>
+          </p:nvPr>
+        </p:nvSpPr>
+        <p:spPr/>
+        <p:txBody>
+          <a:bodyPr>
+            <a:normAutofit/>
+          </a:bodyPr>
+          <a:lstStyle/>
+          <a:p>
+            <a:r>
+              <a:rPr lang="en-US">
+                <a:latin typeface="Univers (body)"/>
+              </a:rPr>
+              <a:t>In Texas, Race and Income Emerged as Strongest Predictors</a:t>
+            </a:r>
+            <a:endParaRPr lang="en-US" dirty="0">
+              <a:latin typeface="Univers (body)"/>
+            </a:endParaRPr>
+          </a:p>
+        </p:txBody>
+      </p:sp>
+      <p:pic>
+        <p:nvPicPr>
+          <p:cNvPr id="8" name="Content Placeholder 7" descr="Chart&#10;&#10;Description automatically generated">
+            <a:extLst>
+              <a:ext uri="{FF2B5EF4-FFF2-40B4-BE49-F238E27FC236}">
+                <a16:creationId xmlns:a16="http://schemas.microsoft.com/office/drawing/2014/main" id="{85D0746E-0DEC-4550-8D3E-0ACB2D8F7700}"/>
+              </a:ext>
+            </a:extLst>
+          </p:cNvPr>
+          <p:cNvPicPr>
+            <a:picLocks noGrp="1" noChangeAspect="1"/>
+          </p:cNvPicPr>
+          <p:nvPr>
+            <p:ph sz="half" idx="1"/>
+          </p:nvPr>
+        </p:nvPicPr>
+        <p:blipFill>
+          <a:blip r:embed="rId2">
+            <a:extLst>
+              <a:ext uri="{28A0092B-C50C-407E-A947-70E740481C1C}">
+                <a14:useLocalDpi xmlns:a14="http://schemas.microsoft.com/office/drawing/2010/main" val="0"/>
+              </a:ext>
+            </a:extLst>
+          </a:blip>
+          <a:stretch>
+            <a:fillRect/>
+          </a:stretch>
+        </p:blipFill>
+        <p:spPr>
+          <a:xfrm>
+            <a:off x="406004" y="2155371"/>
+            <a:ext cx="5613797" cy="3742531"/>
+          </a:xfrm>
+        </p:spPr>
+      </p:pic>
+      <p:pic>
+        <p:nvPicPr>
+          <p:cNvPr id="11" name="Content Placeholder 10" descr="Chart, scatter chart&#10;&#10;Description automatically generated">
+            <a:extLst>
+              <a:ext uri="{FF2B5EF4-FFF2-40B4-BE49-F238E27FC236}">
+                <a16:creationId xmlns:a16="http://schemas.microsoft.com/office/drawing/2014/main" id="{DBACF3C1-A5EC-4643-A36B-207BC03D2019}"/>
+              </a:ext>
+            </a:extLst>
+          </p:cNvPr>
+          <p:cNvPicPr>
+            <a:picLocks noGrp="1" noChangeAspect="1"/>
+          </p:cNvPicPr>
+          <p:nvPr>
+            <p:ph sz="half" idx="2"/>
+          </p:nvPr>
+        </p:nvPicPr>
+        <p:blipFill>
+          <a:blip r:embed="rId3">
+            <a:extLst>
+              <a:ext uri="{28A0092B-C50C-407E-A947-70E740481C1C}">
+                <a14:useLocalDpi xmlns:a14="http://schemas.microsoft.com/office/drawing/2010/main" val="0"/>
+              </a:ext>
+            </a:extLst>
+          </a:blip>
+          <a:stretch>
+            <a:fillRect/>
+          </a:stretch>
+        </p:blipFill>
+        <p:spPr>
+          <a:xfrm>
+            <a:off x="6172201" y="2155371"/>
+            <a:ext cx="5415643" cy="4118145"/>
+          </a:xfrm>
+        </p:spPr>
+      </p:pic>
+    </p:spTree>
+    <p:extLst>
+      <p:ext uri="{BB962C8B-B14F-4D97-AF65-F5344CB8AC3E}">
+        <p14:creationId xmlns:p14="http://schemas.microsoft.com/office/powerpoint/2010/main" val="1172165414"/>
+      </p:ext>
+    </p:extLst>
+  </p:cSld>
+  <p:clrMapOvr>
+    <a:masterClrMapping/>
+  </p:clrMapOvr>
+</p:sld>
+</file>
+
+<file path=ppt/slides/slide23.xml><?xml version="1.0" encoding="utf-8"?>
+<p:sld xmlns:a="http://schemas.openxmlformats.org/drawingml/2006/main" xmlns:r="http://schemas.openxmlformats.org/officeDocument/2006/relationships" xmlns:p="http://schemas.openxmlformats.org/presentationml/2006/main">
+  <p:cSld>
+    <p:spTree>
+      <p:nvGrpSpPr>
+        <p:cNvPr id="1" name=""/>
+        <p:cNvGrpSpPr/>
+        <p:nvPr/>
+      </p:nvGrpSpPr>
+      <p:grpSpPr>
+        <a:xfrm>
+          <a:off x="0" y="0"/>
+          <a:ext cx="0" cy="0"/>
+          <a:chOff x="0" y="0"/>
+          <a:chExt cx="0" cy="0"/>
+        </a:xfrm>
+      </p:grpSpPr>
+      <p:sp>
+        <p:nvSpPr>
+          <p:cNvPr id="2" name="Title 1">
+            <a:extLst>
+              <a:ext uri="{FF2B5EF4-FFF2-40B4-BE49-F238E27FC236}">
+                <a16:creationId xmlns:a16="http://schemas.microsoft.com/office/drawing/2014/main" id="{1DED85DE-321B-4CAC-87CC-8211BBDE26D9}"/>
+              </a:ext>
+            </a:extLst>
+          </p:cNvPr>
+          <p:cNvSpPr>
+            <a:spLocks noGrp="1"/>
+          </p:cNvSpPr>
+          <p:nvPr>
+            <p:ph type="title"/>
+          </p:nvPr>
+        </p:nvSpPr>
+        <p:spPr/>
+        <p:txBody>
+          <a:bodyPr/>
+          <a:lstStyle/>
+          <a:p>
+            <a:r>
+              <a:rPr lang="en-US" dirty="0"/>
+              <a:t>Highest Death Rate Counties by State</a:t>
+            </a:r>
+          </a:p>
+        </p:txBody>
+      </p:sp>
+      <p:pic>
+        <p:nvPicPr>
+          <p:cNvPr id="5" name="Content Placeholder 4" descr="Chart, bar chart&#10;&#10;Description automatically generated">
+            <a:extLst>
+              <a:ext uri="{FF2B5EF4-FFF2-40B4-BE49-F238E27FC236}">
+                <a16:creationId xmlns:a16="http://schemas.microsoft.com/office/drawing/2014/main" id="{E5866393-E060-48F9-BA59-B8A5A9168B75}"/>
+              </a:ext>
+            </a:extLst>
+          </p:cNvPr>
+          <p:cNvPicPr>
+            <a:picLocks noGrp="1" noChangeAspect="1"/>
+          </p:cNvPicPr>
+          <p:nvPr>
+            <p:ph idx="1"/>
+          </p:nvPr>
+        </p:nvPicPr>
+        <p:blipFill>
+          <a:blip r:embed="rId2">
+            <a:extLst>
+              <a:ext uri="{28A0092B-C50C-407E-A947-70E740481C1C}">
+                <a14:useLocalDpi xmlns:a14="http://schemas.microsoft.com/office/drawing/2010/main" val="0"/>
+              </a:ext>
+            </a:extLst>
+          </a:blip>
+          <a:stretch>
+            <a:fillRect/>
+          </a:stretch>
+        </p:blipFill>
+        <p:spPr>
+          <a:xfrm>
+            <a:off x="1838325" y="1920081"/>
+            <a:ext cx="8515350" cy="4162425"/>
+          </a:xfrm>
+        </p:spPr>
+      </p:pic>
+    </p:spTree>
+    <p:extLst>
+      <p:ext uri="{BB962C8B-B14F-4D97-AF65-F5344CB8AC3E}">
+        <p14:creationId xmlns:p14="http://schemas.microsoft.com/office/powerpoint/2010/main" val="2223830996"/>
+      </p:ext>
+    </p:extLst>
+  </p:cSld>
+  <p:clrMapOvr>
+    <a:masterClrMapping/>
+  </p:clrMapOvr>
+</p:sld>
+</file>
+
+<file path=ppt/slides/slide24.xml><?xml version="1.0" encoding="utf-8"?>
+<p:sld xmlns:a="http://schemas.openxmlformats.org/drawingml/2006/main" xmlns:r="http://schemas.openxmlformats.org/officeDocument/2006/relationships" xmlns:p="http://schemas.openxmlformats.org/presentationml/2006/main">
+  <p:cSld>
+    <p:spTree>
+      <p:nvGrpSpPr>
+        <p:cNvPr id="1" name=""/>
+        <p:cNvGrpSpPr/>
+        <p:nvPr/>
+      </p:nvGrpSpPr>
+      <p:grpSpPr>
+        <a:xfrm>
+          <a:off x="0" y="0"/>
+          <a:ext cx="0" cy="0"/>
+          <a:chOff x="0" y="0"/>
+          <a:chExt cx="0" cy="0"/>
+        </a:xfrm>
+      </p:grpSpPr>
+      <p:sp>
+        <p:nvSpPr>
+          <p:cNvPr id="2" name="Title 1">
+            <a:extLst>
+              <a:ext uri="{FF2B5EF4-FFF2-40B4-BE49-F238E27FC236}">
+                <a16:creationId xmlns:a16="http://schemas.microsoft.com/office/drawing/2014/main" id="{632FA0E1-08F4-4075-8FBC-63BB33F63322}"/>
+              </a:ext>
+            </a:extLst>
+          </p:cNvPr>
+          <p:cNvSpPr>
+            <a:spLocks noGrp="1"/>
+          </p:cNvSpPr>
+          <p:nvPr>
+            <p:ph type="title"/>
+          </p:nvPr>
+        </p:nvSpPr>
+        <p:spPr/>
+        <p:txBody>
+          <a:bodyPr/>
+          <a:lstStyle/>
+          <a:p>
+            <a:r>
+              <a:rPr lang="en-US" dirty="0"/>
+              <a:t>Highest Case Counties by State</a:t>
+            </a:r>
+          </a:p>
+        </p:txBody>
+      </p:sp>
+      <p:pic>
+        <p:nvPicPr>
+          <p:cNvPr id="5" name="Content Placeholder 4" descr="Chart, bar chart, funnel chart&#10;&#10;Description automatically generated">
+            <a:extLst>
+              <a:ext uri="{FF2B5EF4-FFF2-40B4-BE49-F238E27FC236}">
+                <a16:creationId xmlns:a16="http://schemas.microsoft.com/office/drawing/2014/main" id="{850741C8-BB10-430D-A7C4-BC997CEFE0CE}"/>
+              </a:ext>
+            </a:extLst>
+          </p:cNvPr>
+          <p:cNvPicPr>
+            <a:picLocks noGrp="1" noChangeAspect="1"/>
+          </p:cNvPicPr>
+          <p:nvPr>
+            <p:ph idx="1"/>
+          </p:nvPr>
+        </p:nvPicPr>
+        <p:blipFill>
+          <a:blip r:embed="rId2">
+            <a:extLst>
+              <a:ext uri="{28A0092B-C50C-407E-A947-70E740481C1C}">
+                <a14:useLocalDpi xmlns:a14="http://schemas.microsoft.com/office/drawing/2010/main" val="0"/>
+              </a:ext>
+            </a:extLst>
+          </a:blip>
+          <a:stretch>
+            <a:fillRect/>
+          </a:stretch>
+        </p:blipFill>
+        <p:spPr>
+          <a:xfrm>
+            <a:off x="1733550" y="1943894"/>
+            <a:ext cx="8724900" cy="4114800"/>
+          </a:xfrm>
+        </p:spPr>
+      </p:pic>
+    </p:spTree>
+    <p:extLst>
+      <p:ext uri="{BB962C8B-B14F-4D97-AF65-F5344CB8AC3E}">
+        <p14:creationId xmlns:p14="http://schemas.microsoft.com/office/powerpoint/2010/main" val="541895281"/>
+      </p:ext>
+    </p:extLst>
+  </p:cSld>
+  <p:clrMapOvr>
+    <a:masterClrMapping/>
+  </p:clrMapOvr>
+</p:sld>
+</file>
+
+<file path=ppt/slides/slide25.xml><?xml version="1.0" encoding="utf-8"?>
+<p:sld xmlns:a="http://schemas.openxmlformats.org/drawingml/2006/main" xmlns:r="http://schemas.openxmlformats.org/officeDocument/2006/relationships" xmlns:p="http://schemas.openxmlformats.org/presentationml/2006/main">
+  <p:cSld>
+    <p:spTree>
+      <p:nvGrpSpPr>
+        <p:cNvPr id="1" name=""/>
+        <p:cNvGrpSpPr/>
+        <p:nvPr/>
+      </p:nvGrpSpPr>
+      <p:grpSpPr>
+        <a:xfrm>
+          <a:off x="0" y="0"/>
+          <a:ext cx="0" cy="0"/>
+          <a:chOff x="0" y="0"/>
+          <a:chExt cx="0" cy="0"/>
+        </a:xfrm>
+      </p:grpSpPr>
+      <p:sp>
+        <p:nvSpPr>
+          <p:cNvPr id="2" name="Title 1">
+            <a:extLst>
+              <a:ext uri="{FF2B5EF4-FFF2-40B4-BE49-F238E27FC236}">
+                <a16:creationId xmlns:a16="http://schemas.microsoft.com/office/drawing/2014/main" id="{F5E66CDC-3267-4ADB-824B-C87E9518D34C}"/>
+              </a:ext>
+            </a:extLst>
+          </p:cNvPr>
+          <p:cNvSpPr>
+            <a:spLocks noGrp="1"/>
+          </p:cNvSpPr>
+          <p:nvPr>
+            <p:ph type="title"/>
+          </p:nvPr>
+        </p:nvSpPr>
+        <p:spPr/>
+        <p:txBody>
+          <a:bodyPr/>
+          <a:lstStyle/>
+          <a:p>
+            <a:r>
+              <a:rPr lang="en-US" dirty="0"/>
+              <a:t>Lowest Case Counties by State</a:t>
+            </a:r>
+          </a:p>
+        </p:txBody>
+      </p:sp>
+      <p:pic>
+        <p:nvPicPr>
+          <p:cNvPr id="5" name="Content Placeholder 4" descr="Chart, bar chart&#10;&#10;Description automatically generated">
+            <a:extLst>
+              <a:ext uri="{FF2B5EF4-FFF2-40B4-BE49-F238E27FC236}">
+                <a16:creationId xmlns:a16="http://schemas.microsoft.com/office/drawing/2014/main" id="{D0C79509-4737-457A-A798-D19BE2434D29}"/>
+              </a:ext>
+            </a:extLst>
+          </p:cNvPr>
+          <p:cNvPicPr>
+            <a:picLocks noGrp="1" noChangeAspect="1"/>
+          </p:cNvPicPr>
+          <p:nvPr>
+            <p:ph idx="1"/>
+          </p:nvPr>
+        </p:nvPicPr>
+        <p:blipFill>
+          <a:blip r:embed="rId2">
+            <a:extLst>
+              <a:ext uri="{28A0092B-C50C-407E-A947-70E740481C1C}">
+                <a14:useLocalDpi xmlns:a14="http://schemas.microsoft.com/office/drawing/2010/main" val="0"/>
+              </a:ext>
+            </a:extLst>
+          </a:blip>
+          <a:stretch>
+            <a:fillRect/>
+          </a:stretch>
+        </p:blipFill>
+        <p:spPr>
+          <a:xfrm>
+            <a:off x="1981200" y="1943894"/>
+            <a:ext cx="8229600" cy="4114800"/>
+          </a:xfrm>
+        </p:spPr>
+      </p:pic>
+    </p:spTree>
+    <p:extLst>
+      <p:ext uri="{BB962C8B-B14F-4D97-AF65-F5344CB8AC3E}">
+        <p14:creationId xmlns:p14="http://schemas.microsoft.com/office/powerpoint/2010/main" val="1039485576"/>
+      </p:ext>
+    </p:extLst>
+  </p:cSld>
+  <p:clrMapOvr>
+    <a:masterClrMapping/>
+  </p:clrMapOvr>
+</p:sld>
+</file>
+
+<file path=ppt/slides/slide26.xml><?xml version="1.0" encoding="utf-8"?>
+<p:sld xmlns:a="http://schemas.openxmlformats.org/drawingml/2006/main" xmlns:r="http://schemas.openxmlformats.org/officeDocument/2006/relationships" xmlns:p="http://schemas.openxmlformats.org/presentationml/2006/main">
+  <p:cSld>
+    <p:spTree>
+      <p:nvGrpSpPr>
+        <p:cNvPr id="1" name=""/>
+        <p:cNvGrpSpPr/>
+        <p:nvPr/>
+      </p:nvGrpSpPr>
+      <p:grpSpPr>
+        <a:xfrm>
+          <a:off x="0" y="0"/>
+          <a:ext cx="0" cy="0"/>
+          <a:chOff x="0" y="0"/>
+          <a:chExt cx="0" cy="0"/>
+        </a:xfrm>
+      </p:grpSpPr>
+      <p:sp>
+        <p:nvSpPr>
+          <p:cNvPr id="2" name="Title 1">
+            <a:extLst>
+              <a:ext uri="{FF2B5EF4-FFF2-40B4-BE49-F238E27FC236}">
+                <a16:creationId xmlns:a16="http://schemas.microsoft.com/office/drawing/2014/main" id="{EC11FCF5-95D7-4739-ADC4-9065790DBF46}"/>
+              </a:ext>
+            </a:extLst>
+          </p:cNvPr>
+          <p:cNvSpPr>
+            <a:spLocks noGrp="1"/>
+          </p:cNvSpPr>
+          <p:nvPr>
+            <p:ph type="title"/>
+          </p:nvPr>
+        </p:nvSpPr>
+        <p:spPr/>
+        <p:txBody>
+          <a:bodyPr/>
+          <a:lstStyle/>
+          <a:p>
+            <a:r>
+              <a:rPr lang="en-US" dirty="0"/>
+              <a:t>Lowest Cases/100 People Counties by State</a:t>
+            </a:r>
+          </a:p>
+        </p:txBody>
+      </p:sp>
+      <p:pic>
+        <p:nvPicPr>
+          <p:cNvPr id="5" name="Content Placeholder 4" descr="Chart, bar chart&#10;&#10;Description automatically generated">
+            <a:extLst>
+              <a:ext uri="{FF2B5EF4-FFF2-40B4-BE49-F238E27FC236}">
+                <a16:creationId xmlns:a16="http://schemas.microsoft.com/office/drawing/2014/main" id="{87355CD8-B751-4190-9C32-3962EC7BA040}"/>
+              </a:ext>
+            </a:extLst>
+          </p:cNvPr>
+          <p:cNvPicPr>
+            <a:picLocks noGrp="1" noChangeAspect="1"/>
+          </p:cNvPicPr>
+          <p:nvPr>
+            <p:ph idx="1"/>
+          </p:nvPr>
+        </p:nvPicPr>
+        <p:blipFill>
+          <a:blip r:embed="rId2">
+            <a:extLst>
+              <a:ext uri="{28A0092B-C50C-407E-A947-70E740481C1C}">
+                <a14:useLocalDpi xmlns:a14="http://schemas.microsoft.com/office/drawing/2010/main" val="0"/>
+              </a:ext>
+            </a:extLst>
+          </a:blip>
+          <a:stretch>
+            <a:fillRect/>
+          </a:stretch>
+        </p:blipFill>
+        <p:spPr>
+          <a:xfrm>
+            <a:off x="1843087" y="1924844"/>
+            <a:ext cx="8505825" cy="4152900"/>
+          </a:xfrm>
+        </p:spPr>
+      </p:pic>
+    </p:spTree>
+    <p:extLst>
+      <p:ext uri="{BB962C8B-B14F-4D97-AF65-F5344CB8AC3E}">
+        <p14:creationId xmlns:p14="http://schemas.microsoft.com/office/powerpoint/2010/main" val="329792228"/>
+      </p:ext>
+    </p:extLst>
+  </p:cSld>
+  <p:clrMapOvr>
+    <a:masterClrMapping/>
+  </p:clrMapOvr>
+</p:sld>
+</file>
+
+<file path=ppt/slides/slide27.xml><?xml version="1.0" encoding="utf-8"?>
+<p:sld xmlns:a="http://schemas.openxmlformats.org/drawingml/2006/main" xmlns:r="http://schemas.openxmlformats.org/officeDocument/2006/relationships" xmlns:p="http://schemas.openxmlformats.org/presentationml/2006/main">
+  <p:cSld>
+    <p:spTree>
+      <p:nvGrpSpPr>
+        <p:cNvPr id="1" name=""/>
+        <p:cNvGrpSpPr/>
+        <p:nvPr/>
+      </p:nvGrpSpPr>
+      <p:grpSpPr>
+        <a:xfrm>
+          <a:off x="0" y="0"/>
+          <a:ext cx="0" cy="0"/>
+          <a:chOff x="0" y="0"/>
+          <a:chExt cx="0" cy="0"/>
+        </a:xfrm>
+      </p:grpSpPr>
+      <p:sp>
+        <p:nvSpPr>
+          <p:cNvPr id="2" name="Title 1">
+            <a:extLst>
+              <a:ext uri="{FF2B5EF4-FFF2-40B4-BE49-F238E27FC236}">
+                <a16:creationId xmlns:a16="http://schemas.microsoft.com/office/drawing/2014/main" id="{9D2B5B3A-4DCA-4D6F-9819-01C23241DAE0}"/>
+              </a:ext>
+            </a:extLst>
+          </p:cNvPr>
+          <p:cNvSpPr>
+            <a:spLocks noGrp="1"/>
+          </p:cNvSpPr>
+          <p:nvPr>
+            <p:ph type="title"/>
+          </p:nvPr>
+        </p:nvSpPr>
+        <p:spPr/>
+        <p:txBody>
+          <a:bodyPr/>
+          <a:lstStyle/>
+          <a:p>
+            <a:r>
+              <a:rPr lang="en-US" dirty="0"/>
+              <a:t>Highest Cases/100 People Counties by State</a:t>
+            </a:r>
+          </a:p>
+        </p:txBody>
+      </p:sp>
+      <p:pic>
+        <p:nvPicPr>
+          <p:cNvPr id="5" name="Content Placeholder 4" descr="Chart, bar chart&#10;&#10;Description automatically generated">
+            <a:extLst>
+              <a:ext uri="{FF2B5EF4-FFF2-40B4-BE49-F238E27FC236}">
+                <a16:creationId xmlns:a16="http://schemas.microsoft.com/office/drawing/2014/main" id="{966F1CBE-6EB4-4CF2-B7FF-C34B66E395BE}"/>
+              </a:ext>
+            </a:extLst>
+          </p:cNvPr>
+          <p:cNvPicPr>
+            <a:picLocks noGrp="1" noChangeAspect="1"/>
+          </p:cNvPicPr>
+          <p:nvPr>
+            <p:ph idx="1"/>
+          </p:nvPr>
+        </p:nvPicPr>
+        <p:blipFill>
+          <a:blip r:embed="rId2">
+            <a:extLst>
+              <a:ext uri="{28A0092B-C50C-407E-A947-70E740481C1C}">
+                <a14:useLocalDpi xmlns:a14="http://schemas.microsoft.com/office/drawing/2010/main" val="0"/>
+              </a:ext>
+            </a:extLst>
+          </a:blip>
+          <a:stretch>
+            <a:fillRect/>
+          </a:stretch>
+        </p:blipFill>
+        <p:spPr>
+          <a:xfrm>
+            <a:off x="1838325" y="1958181"/>
+            <a:ext cx="8515350" cy="4086225"/>
+          </a:xfrm>
+        </p:spPr>
+      </p:pic>
+    </p:spTree>
+    <p:extLst>
+      <p:ext uri="{BB962C8B-B14F-4D97-AF65-F5344CB8AC3E}">
+        <p14:creationId xmlns:p14="http://schemas.microsoft.com/office/powerpoint/2010/main" val="858165553"/>
+      </p:ext>
+    </p:extLst>
+  </p:cSld>
+  <p:clrMapOvr>
+    <a:masterClrMapping/>
+  </p:clrMapOvr>
+</p:sld>
+</file>
+
+<file path=ppt/slides/slide3.xml><?xml version="1.0" encoding="utf-8"?>
+<p:sld xmlns:a="http://schemas.openxmlformats.org/drawingml/2006/main" xmlns:r="http://schemas.openxmlformats.org/officeDocument/2006/relationships" xmlns:p="http://schemas.openxmlformats.org/presentationml/2006/main">
+  <p:cSld>
+    <p:spTree>
+      <p:nvGrpSpPr>
+        <p:cNvPr id="1" name=""/>
+        <p:cNvGrpSpPr/>
+        <p:nvPr/>
+      </p:nvGrpSpPr>
+      <p:grpSpPr>
+        <a:xfrm>
+          <a:off x="0" y="0"/>
+          <a:ext cx="0" cy="0"/>
+          <a:chOff x="0" y="0"/>
+          <a:chExt cx="0" cy="0"/>
+        </a:xfrm>
+      </p:grpSpPr>
+      <p:sp>
+        <p:nvSpPr>
+          <p:cNvPr id="2" name="Title 1">
+            <a:extLst>
+              <a:ext uri="{FF2B5EF4-FFF2-40B4-BE49-F238E27FC236}">
+                <a16:creationId xmlns:a16="http://schemas.microsoft.com/office/drawing/2014/main" id="{1C086237-4AD6-4141-95B3-E7ADF12CD7CA}"/>
+              </a:ext>
+            </a:extLst>
+          </p:cNvPr>
+          <p:cNvSpPr>
+            <a:spLocks noGrp="1"/>
+          </p:cNvSpPr>
+          <p:nvPr>
+            <p:ph type="title"/>
+          </p:nvPr>
+        </p:nvSpPr>
+        <p:spPr>
+          <a:xfrm>
+            <a:off x="642815" y="505802"/>
+            <a:ext cx="11103708" cy="1325563"/>
+          </a:xfrm>
+        </p:spPr>
+        <p:txBody>
+          <a:bodyPr/>
+          <a:lstStyle/>
+          <a:p>
+            <a:pPr algn="ctr"/>
+            <a:r>
+              <a:rPr lang="en-US" dirty="0">
+                <a:latin typeface="Univers (body)"/>
+                <a:cs typeface="Arial" panose="020B0604020202020204" pitchFamily="34" charset="0"/>
+              </a:rPr>
+              <a:t>Can we predict COVID-19 severity using demographic data?</a:t>
+            </a:r>
+          </a:p>
+        </p:txBody>
+      </p:sp>
+      <p:pic>
+        <p:nvPicPr>
+          <p:cNvPr id="5" name="Content Placeholder 4" descr="Map&#10;&#10;Description automatically generated">
+            <a:extLst>
+              <a:ext uri="{FF2B5EF4-FFF2-40B4-BE49-F238E27FC236}">
+                <a16:creationId xmlns:a16="http://schemas.microsoft.com/office/drawing/2014/main" id="{B63EA9B2-1151-47BE-9DD8-FE89AAE60894}"/>
+              </a:ext>
+            </a:extLst>
+          </p:cNvPr>
+          <p:cNvPicPr>
+            <a:picLocks noGrp="1" noChangeAspect="1"/>
+          </p:cNvPicPr>
+          <p:nvPr>
+            <p:ph idx="1"/>
+          </p:nvPr>
+        </p:nvPicPr>
+        <p:blipFill>
+          <a:blip r:embed="rId2">
+            <a:extLst>
+              <a:ext uri="{28A0092B-C50C-407E-A947-70E740481C1C}">
+                <a14:useLocalDpi xmlns:a14="http://schemas.microsoft.com/office/drawing/2010/main" val="0"/>
+              </a:ext>
+            </a:extLst>
+          </a:blip>
+          <a:stretch>
+            <a:fillRect/>
+          </a:stretch>
+        </p:blipFill>
+        <p:spPr>
+          <a:xfrm>
+            <a:off x="2313368" y="2146055"/>
+            <a:ext cx="7299541" cy="4351338"/>
+          </a:xfrm>
+        </p:spPr>
+      </p:pic>
+    </p:spTree>
+    <p:extLst>
+      <p:ext uri="{BB962C8B-B14F-4D97-AF65-F5344CB8AC3E}">
+        <p14:creationId xmlns:p14="http://schemas.microsoft.com/office/powerpoint/2010/main" val="1716994429"/>
+      </p:ext>
+    </p:extLst>
+  </p:cSld>
+  <p:clrMapOvr>
+    <a:masterClrMapping/>
+  </p:clrMapOvr>
+</p:sld>
+</file>
+
+<file path=ppt/slides/slide4.xml><?xml version="1.0" encoding="utf-8"?>
+<p:sld xmlns:a="http://schemas.openxmlformats.org/drawingml/2006/main" xmlns:r="http://schemas.openxmlformats.org/officeDocument/2006/relationships" xmlns:p="http://schemas.openxmlformats.org/presentationml/2006/main">
+  <p:cSld>
+    <p:bg>
+      <p:bgPr>
+        <a:solidFill>
+          <a:schemeClr val="bg1"/>
+        </a:solidFill>
+        <a:effectLst/>
+      </p:bgPr>
+    </p:bg>
+    <p:spTree>
+      <p:nvGrpSpPr>
+        <p:cNvPr id="1" name=""/>
+        <p:cNvGrpSpPr/>
+        <p:nvPr/>
+      </p:nvGrpSpPr>
+      <p:grpSpPr>
+        <a:xfrm>
+          <a:off x="0" y="0"/>
+          <a:ext cx="0" cy="0"/>
+          <a:chOff x="0" y="0"/>
+          <a:chExt cx="0" cy="0"/>
+        </a:xfrm>
+      </p:grpSpPr>
+      <p:sp useBgFill="1">
+        <p:nvSpPr>
+          <p:cNvPr id="9" name="Rectangle 8">
+            <a:extLst>
+              <a:ext uri="{FF2B5EF4-FFF2-40B4-BE49-F238E27FC236}">
+                <a16:creationId xmlns:a16="http://schemas.microsoft.com/office/drawing/2014/main" id="{53B021B3-DE93-4AB7-8A18-CF5F1CED88B8}"/>
+              </a:ext>
+              <a:ext uri="{C183D7F6-B498-43B3-948B-1728B52AA6E4}">
+                <adec:decorative xmlns:adec="http://schemas.microsoft.com/office/drawing/2017/decorative" val="1"/>
+              </a:ext>
+            </a:extLst>
+          </p:cNvPr>
+          <p:cNvSpPr>
+            <a:spLocks noGrp="1" noRot="1" noChangeAspect="1" noMove="1" noResize="1" noEditPoints="1" noAdjustHandles="1" noChangeArrowheads="1" noChangeShapeType="1" noTextEdit="1"/>
+          </p:cNvSpPr>
+          <p:nvPr>
+            <p:extLst>
+              <p:ext uri="{386F3935-93C4-4BCD-93E2-E3B085C9AB24}">
+                <p16:designElem xmlns:p16="http://schemas.microsoft.com/office/powerpoint/2015/main" val="1"/>
+              </p:ext>
+            </p:extLst>
+          </p:nvPr>
+        </p:nvSpPr>
+        <p:spPr>
+          <a:xfrm>
+            <a:off x="0" y="0"/>
+            <a:ext cx="12192000" cy="6858000"/>
+          </a:xfrm>
+          <a:prstGeom prst="rect">
+            <a:avLst/>
+          </a:prstGeom>
+          <a:ln>
+            <a:noFill/>
+          </a:ln>
+        </p:spPr>
+        <p:style>
+          <a:lnRef idx="2">
+            <a:schemeClr val="accent1">
+              <a:shade val="50000"/>
+            </a:schemeClr>
+          </a:lnRef>
+          <a:fillRef idx="1">
+            <a:schemeClr val="accent1"/>
+          </a:fillRef>
+          <a:effectRef idx="0">
+            <a:schemeClr val="accent1"/>
+          </a:effectRef>
+          <a:fontRef idx="minor">
+            <a:schemeClr val="lt1"/>
+          </a:fontRef>
+        </p:style>
+        <p:txBody>
+          <a:bodyPr rtlCol="0" anchor="ctr"/>
+          <a:lstStyle/>
+          <a:p>
+            <a:pPr algn="ctr"/>
+            <a:endParaRPr lang="en-US"/>
+          </a:p>
+        </p:txBody>
+      </p:sp>
+      <p:sp>
+        <p:nvSpPr>
+          <p:cNvPr id="2" name="Title 1">
+            <a:extLst>
+              <a:ext uri="{FF2B5EF4-FFF2-40B4-BE49-F238E27FC236}">
+                <a16:creationId xmlns:a16="http://schemas.microsoft.com/office/drawing/2014/main" id="{82E305B5-9653-4D8B-85C5-B34A9A99CEBA}"/>
+              </a:ext>
+            </a:extLst>
+          </p:cNvPr>
+          <p:cNvSpPr>
+            <a:spLocks noGrp="1"/>
+          </p:cNvSpPr>
+          <p:nvPr>
+            <p:ph type="title"/>
+          </p:nvPr>
+        </p:nvSpPr>
+        <p:spPr>
+          <a:xfrm>
+            <a:off x="841248" y="256032"/>
+            <a:ext cx="10506456" cy="1014984"/>
+          </a:xfrm>
+        </p:spPr>
+        <p:txBody>
+          <a:bodyPr anchor="b">
+            <a:normAutofit/>
+          </a:bodyPr>
+          <a:lstStyle/>
+          <a:p>
+            <a:r>
+              <a:rPr lang="en-US" dirty="0">
+                <a:latin typeface="Univers (body)"/>
+                <a:cs typeface="Arial" panose="020B0604020202020204" pitchFamily="34" charset="0"/>
+              </a:rPr>
+              <a:t>Project Pipeline</a:t>
+            </a:r>
+          </a:p>
+        </p:txBody>
+      </p:sp>
+      <p:sp>
+        <p:nvSpPr>
+          <p:cNvPr id="11" name="Rectangle 10">
+            <a:extLst>
+              <a:ext uri="{FF2B5EF4-FFF2-40B4-BE49-F238E27FC236}">
+                <a16:creationId xmlns:a16="http://schemas.microsoft.com/office/drawing/2014/main" id="{52D502E5-F6B4-4D58-B4AE-FC466FF15EE8}"/>
+              </a:ext>
+              <a:ext uri="{C183D7F6-B498-43B3-948B-1728B52AA6E4}">
+                <adec:decorative xmlns:adec="http://schemas.microsoft.com/office/drawing/2017/decorative" val="1"/>
+              </a:ext>
+            </a:extLst>
+          </p:cNvPr>
+          <p:cNvSpPr>
+            <a:spLocks noGrp="1" noRot="1" noChangeAspect="1" noMove="1" noResize="1" noEditPoints="1" noAdjustHandles="1" noChangeArrowheads="1" noChangeShapeType="1" noTextEdit="1"/>
+          </p:cNvSpPr>
+          <p:nvPr>
+            <p:extLst>
+              <p:ext uri="{386F3935-93C4-4BCD-93E2-E3B085C9AB24}">
+                <p16:designElem xmlns:p16="http://schemas.microsoft.com/office/powerpoint/2015/main" val="1"/>
+              </p:ext>
+            </p:extLst>
+          </p:nvPr>
+        </p:nvSpPr>
+        <p:spPr>
+          <a:xfrm>
+            <a:off x="865953" y="1634502"/>
+            <a:ext cx="10451592" cy="18288"/>
+          </a:xfrm>
+          <a:prstGeom prst="rect">
+            <a:avLst/>
+          </a:prstGeom>
+          <a:solidFill>
+            <a:srgbClr val="D5D5D5"/>
+          </a:solidFill>
+          <a:ln w="3175">
+            <a:noFill/>
+          </a:ln>
+          <a:effectLst/>
+        </p:spPr>
+        <p:style>
+          <a:lnRef idx="2">
+            <a:schemeClr val="accent1">
+              <a:shade val="50000"/>
+            </a:schemeClr>
+          </a:lnRef>
+          <a:fillRef idx="1">
+            <a:schemeClr val="accent1"/>
+          </a:fillRef>
+          <a:effectRef idx="0">
+            <a:schemeClr val="accent1"/>
+          </a:effectRef>
+          <a:fontRef idx="minor">
+            <a:schemeClr val="lt1"/>
+          </a:fontRef>
+        </p:style>
+        <p:txBody>
+          <a:bodyPr rtlCol="0" anchor="ctr"/>
+          <a:lstStyle/>
+          <a:p>
+            <a:pPr algn="ctr"/>
+            <a:endParaRPr lang="en-US">
+              <a:solidFill>
+                <a:prstClr val="white"/>
+              </a:solidFill>
+              <a:latin typeface="Calibri" panose="020F0502020204030204"/>
+            </a:endParaRPr>
+          </a:p>
+        </p:txBody>
+      </p:sp>
+      <p:sp>
+        <p:nvSpPr>
+          <p:cNvPr id="13" name="Rectangle 12">
+            <a:extLst>
+              <a:ext uri="{FF2B5EF4-FFF2-40B4-BE49-F238E27FC236}">
+                <a16:creationId xmlns:a16="http://schemas.microsoft.com/office/drawing/2014/main" id="{9DECDBF4-02B6-4BB4-B65B-B8107AD6A9E8}"/>
+              </a:ext>
+              <a:ext uri="{C183D7F6-B498-43B3-948B-1728B52AA6E4}">
+                <adec:decorative xmlns:adec="http://schemas.microsoft.com/office/drawing/2017/decorative" val="1"/>
+              </a:ext>
+            </a:extLst>
+          </p:cNvPr>
+          <p:cNvSpPr>
+            <a:spLocks noGrp="1" noRot="1" noChangeAspect="1" noMove="1" noResize="1" noEditPoints="1" noAdjustHandles="1" noChangeArrowheads="1" noChangeShapeType="1" noTextEdit="1"/>
+          </p:cNvSpPr>
+          <p:nvPr>
+            <p:extLst>
+              <p:ext uri="{386F3935-93C4-4BCD-93E2-E3B085C9AB24}">
+                <p16:designElem xmlns:p16="http://schemas.microsoft.com/office/powerpoint/2015/main" val="1"/>
+              </p:ext>
+            </p:extLst>
+          </p:nvPr>
+        </p:nvSpPr>
+        <p:spPr>
+          <a:xfrm flipV="1">
+            <a:off x="841248" y="1538176"/>
+            <a:ext cx="1873457" cy="109814"/>
+          </a:xfrm>
+          <a:prstGeom prst="rect">
+            <a:avLst/>
+          </a:prstGeom>
+          <a:solidFill>
+            <a:schemeClr val="accent2"/>
+          </a:solidFill>
+          <a:ln>
+            <a:noFill/>
+          </a:ln>
+        </p:spPr>
+        <p:style>
+          <a:lnRef idx="2">
+            <a:schemeClr val="accent1">
+              <a:shade val="50000"/>
+            </a:schemeClr>
+          </a:lnRef>
+          <a:fillRef idx="1">
+            <a:schemeClr val="accent1"/>
+          </a:fillRef>
+          <a:effectRef idx="0">
+            <a:schemeClr val="accent1"/>
+          </a:effectRef>
+          <a:fontRef idx="minor">
+            <a:schemeClr val="lt1"/>
+          </a:fontRef>
+        </p:style>
+        <p:txBody>
+          <a:bodyPr rtlCol="0" anchor="ctr"/>
+          <a:lstStyle/>
+          <a:p>
+            <a:pPr algn="ctr"/>
+            <a:endParaRPr lang="en-US">
+              <a:solidFill>
+                <a:prstClr val="white"/>
+              </a:solidFill>
+              <a:latin typeface="Calibri" panose="020F0502020204030204"/>
+            </a:endParaRPr>
+          </a:p>
+        </p:txBody>
+      </p:sp>
+      <p:graphicFrame>
+        <p:nvGraphicFramePr>
+          <p:cNvPr id="6" name="Content Placeholder 2">
+            <a:extLst>
+              <a:ext uri="{FF2B5EF4-FFF2-40B4-BE49-F238E27FC236}">
+                <a16:creationId xmlns:a16="http://schemas.microsoft.com/office/drawing/2014/main" id="{BF2987AD-B0B1-41FC-A03F-1FCA46650C39}"/>
+              </a:ext>
+            </a:extLst>
+          </p:cNvPr>
+          <p:cNvGraphicFramePr>
+            <a:graphicFrameLocks noGrp="1"/>
+          </p:cNvGraphicFramePr>
+          <p:nvPr>
+            <p:ph idx="1"/>
+            <p:extLst>
+              <p:ext uri="{D42A27DB-BD31-4B8C-83A1-F6EECF244321}">
+                <p14:modId xmlns:p14="http://schemas.microsoft.com/office/powerpoint/2010/main" val="2277813771"/>
+              </p:ext>
+            </p:extLst>
+          </p:nvPr>
+        </p:nvGraphicFramePr>
+        <p:xfrm>
+          <a:off x="742236" y="2011476"/>
+          <a:ext cx="10777642" cy="4357524"/>
+        </p:xfrm>
+        <a:graphic>
+          <a:graphicData uri="http://schemas.openxmlformats.org/drawingml/2006/diagram">
+            <dgm:relIds xmlns:dgm="http://schemas.openxmlformats.org/drawingml/2006/diagram" xmlns:r="http://schemas.openxmlformats.org/officeDocument/2006/relationships" r:dm="rId2" r:lo="rId3" r:qs="rId4" r:cs="rId5"/>
+          </a:graphicData>
+        </a:graphic>
+      </p:graphicFrame>
+    </p:spTree>
+    <p:extLst>
+      <p:ext uri="{BB962C8B-B14F-4D97-AF65-F5344CB8AC3E}">
+        <p14:creationId xmlns:p14="http://schemas.microsoft.com/office/powerpoint/2010/main" val="3770369252"/>
+      </p:ext>
+    </p:extLst>
+  </p:cSld>
+  <p:clrMapOvr>
+    <a:masterClrMapping/>
+  </p:clrMapOvr>
+</p:sld>
+</file>
+
+<file path=ppt/slides/slide5.xml><?xml version="1.0" encoding="utf-8"?>
+<p:sld xmlns:a="http://schemas.openxmlformats.org/drawingml/2006/main" xmlns:r="http://schemas.openxmlformats.org/officeDocument/2006/relationships" xmlns:p="http://schemas.openxmlformats.org/presentationml/2006/main">
+  <p:cSld>
+    <p:spTree>
+      <p:nvGrpSpPr>
+        <p:cNvPr id="1" name=""/>
+        <p:cNvGrpSpPr/>
+        <p:nvPr/>
+      </p:nvGrpSpPr>
+      <p:grpSpPr>
+        <a:xfrm>
+          <a:off x="0" y="0"/>
+          <a:ext cx="0" cy="0"/>
+          <a:chOff x="0" y="0"/>
+          <a:chExt cx="0" cy="0"/>
+        </a:xfrm>
+      </p:grpSpPr>
+      <p:pic>
+        <p:nvPicPr>
+          <p:cNvPr id="5" name="Picture 4" descr="A picture containing logo&#10;&#10;Description automatically generated">
+            <a:extLst>
+              <a:ext uri="{FF2B5EF4-FFF2-40B4-BE49-F238E27FC236}">
+                <a16:creationId xmlns:a16="http://schemas.microsoft.com/office/drawing/2014/main" id="{659E7C7B-368A-4327-86B1-FAC5D246817A}"/>
+              </a:ext>
+            </a:extLst>
+          </p:cNvPr>
+          <p:cNvPicPr>
+            <a:picLocks noChangeAspect="1"/>
+          </p:cNvPicPr>
+          <p:nvPr/>
+        </p:nvPicPr>
+        <p:blipFill>
+          <a:blip r:embed="rId2">
+            <a:extLst>
+              <a:ext uri="{28A0092B-C50C-407E-A947-70E740481C1C}">
+                <a14:useLocalDpi xmlns:a14="http://schemas.microsoft.com/office/drawing/2010/main" val="0"/>
+              </a:ext>
+            </a:extLst>
+          </a:blip>
+          <a:stretch>
+            <a:fillRect/>
+          </a:stretch>
+        </p:blipFill>
+        <p:spPr>
+          <a:xfrm>
+            <a:off x="1276254" y="1027906"/>
+            <a:ext cx="4225777" cy="3169333"/>
+          </a:xfrm>
+          <a:prstGeom prst="rect">
+            <a:avLst/>
+          </a:prstGeom>
+        </p:spPr>
+      </p:pic>
+      <p:sp>
+        <p:nvSpPr>
+          <p:cNvPr id="2" name="Title 1">
+            <a:extLst>
+              <a:ext uri="{FF2B5EF4-FFF2-40B4-BE49-F238E27FC236}">
+                <a16:creationId xmlns:a16="http://schemas.microsoft.com/office/drawing/2014/main" id="{B137E46C-952B-4317-B423-8D8A963AEF64}"/>
+              </a:ext>
+            </a:extLst>
+          </p:cNvPr>
+          <p:cNvSpPr>
+            <a:spLocks noGrp="1"/>
+          </p:cNvSpPr>
+          <p:nvPr>
+            <p:ph type="title"/>
+          </p:nvPr>
+        </p:nvSpPr>
+        <p:spPr/>
+        <p:txBody>
+          <a:bodyPr/>
+          <a:lstStyle/>
+          <a:p>
+            <a:r>
+              <a:rPr lang="en-US" dirty="0">
+                <a:latin typeface="Univers (body)"/>
+                <a:cs typeface="Arial" panose="020B0604020202020204" pitchFamily="34" charset="0"/>
+              </a:rPr>
+              <a:t>Data Collection</a:t>
+            </a:r>
+          </a:p>
+        </p:txBody>
+      </p:sp>
+      <p:pic>
+        <p:nvPicPr>
+          <p:cNvPr id="7" name="Content Placeholder 6" descr="Logo&#10;&#10;Description automatically generated">
+            <a:extLst>
+              <a:ext uri="{FF2B5EF4-FFF2-40B4-BE49-F238E27FC236}">
+                <a16:creationId xmlns:a16="http://schemas.microsoft.com/office/drawing/2014/main" id="{13EBC806-D0ED-4D70-AFE5-CF922FBF30FC}"/>
+              </a:ext>
+            </a:extLst>
+          </p:cNvPr>
+          <p:cNvPicPr>
+            <a:picLocks noGrp="1" noChangeAspect="1"/>
+          </p:cNvPicPr>
+          <p:nvPr>
+            <p:ph idx="1"/>
+          </p:nvPr>
+        </p:nvPicPr>
+        <p:blipFill>
+          <a:blip r:embed="rId3">
+            <a:extLst>
+              <a:ext uri="{28A0092B-C50C-407E-A947-70E740481C1C}">
+                <a14:useLocalDpi xmlns:a14="http://schemas.microsoft.com/office/drawing/2010/main" val="0"/>
+              </a:ext>
+            </a:extLst>
+          </a:blip>
+          <a:stretch>
+            <a:fillRect/>
+          </a:stretch>
+        </p:blipFill>
+        <p:spPr>
+          <a:xfrm>
+            <a:off x="1766275" y="3923324"/>
+            <a:ext cx="3323945" cy="2446215"/>
+          </a:xfrm>
+        </p:spPr>
+      </p:pic>
+      <p:sp>
+        <p:nvSpPr>
+          <p:cNvPr id="8" name="TextBox 7">
+            <a:extLst>
+              <a:ext uri="{FF2B5EF4-FFF2-40B4-BE49-F238E27FC236}">
+                <a16:creationId xmlns:a16="http://schemas.microsoft.com/office/drawing/2014/main" id="{68D18CBB-A0CA-43C1-B5EA-4C2814678990}"/>
+              </a:ext>
+            </a:extLst>
+          </p:cNvPr>
+          <p:cNvSpPr txBox="1"/>
+          <p:nvPr/>
+        </p:nvSpPr>
+        <p:spPr>
+          <a:xfrm>
+            <a:off x="6689971" y="1570841"/>
+            <a:ext cx="3157415" cy="4524315"/>
+          </a:xfrm>
+          <a:prstGeom prst="rect">
+            <a:avLst/>
+          </a:prstGeom>
+          <a:noFill/>
+        </p:spPr>
+        <p:txBody>
+          <a:bodyPr wrap="square" rtlCol="0">
+            <a:spAutoFit/>
+          </a:bodyPr>
+          <a:lstStyle/>
+          <a:p>
+            <a:r>
+              <a:rPr lang="en-US" dirty="0">
+                <a:latin typeface="Univers (body)"/>
+              </a:rPr>
+              <a:t>Area</a:t>
+            </a:r>
+          </a:p>
+          <a:p>
+            <a:pPr marL="285750" indent="-285750">
+              <a:buFont typeface="Arial" panose="020B0604020202020204" pitchFamily="34" charset="0"/>
+              <a:buChar char="•"/>
+            </a:pPr>
+            <a:r>
+              <a:rPr lang="en-US" dirty="0">
+                <a:latin typeface="Univers (body)"/>
+              </a:rPr>
+              <a:t>Population Density</a:t>
+            </a:r>
+          </a:p>
+          <a:p>
+            <a:endParaRPr lang="en-US" dirty="0">
+              <a:latin typeface="Univers (body)"/>
+            </a:endParaRPr>
+          </a:p>
+          <a:p>
+            <a:r>
+              <a:rPr lang="en-US" dirty="0">
+                <a:latin typeface="Univers (body)"/>
+              </a:rPr>
+              <a:t>Demographics</a:t>
+            </a:r>
+          </a:p>
+          <a:p>
+            <a:pPr marL="285750" indent="-285750">
+              <a:buFont typeface="Arial" panose="020B0604020202020204" pitchFamily="34" charset="0"/>
+              <a:buChar char="•"/>
+            </a:pPr>
+            <a:r>
+              <a:rPr lang="en-US" dirty="0">
+                <a:latin typeface="Univers (body)"/>
+              </a:rPr>
+              <a:t>Age</a:t>
+            </a:r>
+          </a:p>
+          <a:p>
+            <a:pPr marL="285750" indent="-285750">
+              <a:buFont typeface="Arial" panose="020B0604020202020204" pitchFamily="34" charset="0"/>
+              <a:buChar char="•"/>
+            </a:pPr>
+            <a:r>
+              <a:rPr lang="en-US" dirty="0">
+                <a:latin typeface="Univers (body)"/>
+              </a:rPr>
+              <a:t>Gender</a:t>
+            </a:r>
+          </a:p>
+          <a:p>
+            <a:pPr marL="285750" indent="-285750">
+              <a:buFont typeface="Arial" panose="020B0604020202020204" pitchFamily="34" charset="0"/>
+              <a:buChar char="•"/>
+            </a:pPr>
+            <a:r>
+              <a:rPr lang="en-US" dirty="0">
+                <a:latin typeface="Univers (body)"/>
+              </a:rPr>
+              <a:t>Race</a:t>
+            </a:r>
+          </a:p>
+          <a:p>
+            <a:endParaRPr lang="en-US" dirty="0">
+              <a:latin typeface="Univers (body)"/>
+            </a:endParaRPr>
+          </a:p>
+          <a:p>
+            <a:r>
+              <a:rPr lang="en-US" dirty="0">
+                <a:latin typeface="Univers (body)"/>
+              </a:rPr>
+              <a:t>Economic Indicators</a:t>
+            </a:r>
+          </a:p>
+          <a:p>
+            <a:pPr marL="285750" indent="-285750">
+              <a:buFont typeface="Arial" panose="020B0604020202020204" pitchFamily="34" charset="0"/>
+              <a:buChar char="•"/>
+            </a:pPr>
+            <a:r>
+              <a:rPr lang="en-US" dirty="0">
+                <a:latin typeface="Univers (body)"/>
+              </a:rPr>
+              <a:t>Income Per Capita</a:t>
+            </a:r>
+          </a:p>
+          <a:p>
+            <a:pPr marL="285750" indent="-285750">
+              <a:buFont typeface="Arial" panose="020B0604020202020204" pitchFamily="34" charset="0"/>
+              <a:buChar char="•"/>
+            </a:pPr>
+            <a:r>
+              <a:rPr lang="en-US" dirty="0">
+                <a:latin typeface="Univers (body)"/>
+              </a:rPr>
+              <a:t>Household Income</a:t>
+            </a:r>
+          </a:p>
+          <a:p>
+            <a:pPr marL="285750" indent="-285750">
+              <a:buFont typeface="Arial" panose="020B0604020202020204" pitchFamily="34" charset="0"/>
+              <a:buChar char="•"/>
+            </a:pPr>
+            <a:r>
+              <a:rPr lang="en-US" dirty="0">
+                <a:latin typeface="Univers (body)"/>
+              </a:rPr>
+              <a:t>Median Worker Income</a:t>
+            </a:r>
+          </a:p>
+          <a:p>
+            <a:pPr marL="285750" indent="-285750">
+              <a:buFont typeface="Arial" panose="020B0604020202020204" pitchFamily="34" charset="0"/>
+              <a:buChar char="•"/>
+            </a:pPr>
+            <a:endParaRPr lang="en-US" dirty="0">
+              <a:latin typeface="Univers (body)"/>
+            </a:endParaRPr>
+          </a:p>
+          <a:p>
+            <a:r>
+              <a:rPr lang="en-US" dirty="0">
+                <a:latin typeface="Univers (body)"/>
+              </a:rPr>
+              <a:t>Health Indicators</a:t>
+            </a:r>
+          </a:p>
+          <a:p>
+            <a:pPr marL="285750" indent="-285750">
+              <a:buFont typeface="Arial" panose="020B0604020202020204" pitchFamily="34" charset="0"/>
+              <a:buChar char="•"/>
+            </a:pPr>
+            <a:r>
+              <a:rPr lang="en-US" dirty="0">
+                <a:latin typeface="Univers (body)"/>
+              </a:rPr>
+              <a:t>Obesity Rates</a:t>
+            </a:r>
+          </a:p>
+          <a:p>
+            <a:endParaRPr lang="en-US" dirty="0">
+              <a:latin typeface="Univers (body)"/>
+            </a:endParaRPr>
+          </a:p>
+        </p:txBody>
+      </p:sp>
+      <p:sp>
+        <p:nvSpPr>
+          <p:cNvPr id="9" name="TextBox 8">
+            <a:extLst>
+              <a:ext uri="{FF2B5EF4-FFF2-40B4-BE49-F238E27FC236}">
+                <a16:creationId xmlns:a16="http://schemas.microsoft.com/office/drawing/2014/main" id="{A7321E71-F952-4D86-BDF3-549C265E018F}"/>
+              </a:ext>
+            </a:extLst>
+          </p:cNvPr>
+          <p:cNvSpPr txBox="1"/>
+          <p:nvPr/>
+        </p:nvSpPr>
+        <p:spPr>
+          <a:xfrm>
+            <a:off x="10051299" y="1636824"/>
+            <a:ext cx="1881161" cy="1754326"/>
+          </a:xfrm>
+          <a:prstGeom prst="rect">
+            <a:avLst/>
+          </a:prstGeom>
+          <a:noFill/>
+        </p:spPr>
+        <p:txBody>
+          <a:bodyPr wrap="square" rtlCol="0">
+            <a:spAutoFit/>
+          </a:bodyPr>
+          <a:lstStyle/>
+          <a:p>
+            <a:r>
+              <a:rPr lang="en-US" dirty="0">
+                <a:latin typeface="Univers (body)"/>
+              </a:rPr>
+              <a:t>COVID-19</a:t>
+            </a:r>
+          </a:p>
+          <a:p>
+            <a:pPr marL="285750" indent="-285750">
+              <a:buFont typeface="Arial" panose="020B0604020202020204" pitchFamily="34" charset="0"/>
+              <a:buChar char="•"/>
+            </a:pPr>
+            <a:r>
+              <a:rPr lang="en-US" dirty="0">
+                <a:latin typeface="Univers (body)"/>
+              </a:rPr>
+              <a:t>Tests</a:t>
+            </a:r>
+          </a:p>
+          <a:p>
+            <a:pPr marL="285750" indent="-285750">
+              <a:buFont typeface="Arial" panose="020B0604020202020204" pitchFamily="34" charset="0"/>
+              <a:buChar char="•"/>
+            </a:pPr>
+            <a:r>
+              <a:rPr lang="en-US" dirty="0">
+                <a:latin typeface="Univers (body)"/>
+              </a:rPr>
+              <a:t>Cases</a:t>
+            </a:r>
+          </a:p>
+          <a:p>
+            <a:pPr marL="285750" indent="-285750">
+              <a:buFont typeface="Arial" panose="020B0604020202020204" pitchFamily="34" charset="0"/>
+              <a:buChar char="•"/>
+            </a:pPr>
+            <a:r>
+              <a:rPr lang="en-US" dirty="0">
+                <a:latin typeface="Univers (body)"/>
+              </a:rPr>
+              <a:t>Fatalities</a:t>
+            </a:r>
+          </a:p>
+          <a:p>
+            <a:endParaRPr lang="en-US" dirty="0">
+              <a:latin typeface="Univers (body)"/>
+            </a:endParaRPr>
+          </a:p>
+          <a:p>
+            <a:endParaRPr lang="en-US" dirty="0">
+              <a:latin typeface="Univers (body)"/>
+            </a:endParaRPr>
+          </a:p>
+        </p:txBody>
+      </p:sp>
+      <p:sp>
+        <p:nvSpPr>
+          <p:cNvPr id="11" name="TextBox 10">
+            <a:extLst>
+              <a:ext uri="{FF2B5EF4-FFF2-40B4-BE49-F238E27FC236}">
+                <a16:creationId xmlns:a16="http://schemas.microsoft.com/office/drawing/2014/main" id="{A7FD48D7-FCB4-48E1-9DF9-4F2249EC7986}"/>
+              </a:ext>
+            </a:extLst>
+          </p:cNvPr>
+          <p:cNvSpPr txBox="1"/>
+          <p:nvPr/>
+        </p:nvSpPr>
+        <p:spPr>
+          <a:xfrm>
+            <a:off x="7678419" y="762844"/>
+            <a:ext cx="3157415" cy="369332"/>
+          </a:xfrm>
+          <a:prstGeom prst="rect">
+            <a:avLst/>
+          </a:prstGeom>
+          <a:noFill/>
+        </p:spPr>
+        <p:txBody>
+          <a:bodyPr wrap="square" rtlCol="0">
+            <a:spAutoFit/>
+          </a:bodyPr>
+          <a:lstStyle/>
+          <a:p>
+            <a:pPr algn="ctr"/>
+            <a:r>
+              <a:rPr lang="en-US" dirty="0">
+                <a:latin typeface="Univers (body)"/>
+              </a:rPr>
+              <a:t>County-level</a:t>
+            </a:r>
+          </a:p>
+        </p:txBody>
+      </p:sp>
+    </p:spTree>
+    <p:extLst>
+      <p:ext uri="{BB962C8B-B14F-4D97-AF65-F5344CB8AC3E}">
+        <p14:creationId xmlns:p14="http://schemas.microsoft.com/office/powerpoint/2010/main" val="3103748562"/>
+      </p:ext>
+    </p:extLst>
+  </p:cSld>
+  <p:clrMapOvr>
+    <a:masterClrMapping/>
+  </p:clrMapOvr>
+</p:sld>
+</file>
+
+<file path=ppt/slides/slide6.xml><?xml version="1.0" encoding="utf-8"?>
+<p:sld xmlns:a="http://schemas.openxmlformats.org/drawingml/2006/main" xmlns:r="http://schemas.openxmlformats.org/officeDocument/2006/relationships" xmlns:p="http://schemas.openxmlformats.org/presentationml/2006/main">
+  <p:cSld>
+    <p:bg>
+      <p:bgPr>
+        <a:solidFill>
+          <a:schemeClr val="bg1"/>
+        </a:solidFill>
+        <a:effectLst/>
+      </p:bgPr>
+    </p:bg>
+    <p:spTree>
+      <p:nvGrpSpPr>
+        <p:cNvPr id="1" name=""/>
+        <p:cNvGrpSpPr/>
+        <p:nvPr/>
+      </p:nvGrpSpPr>
+      <p:grpSpPr>
+        <a:xfrm>
+          <a:off x="0" y="0"/>
+          <a:ext cx="0" cy="0"/>
+          <a:chOff x="0" y="0"/>
+          <a:chExt cx="0" cy="0"/>
+        </a:xfrm>
+      </p:grpSpPr>
+      <p:sp useBgFill="1">
+        <p:nvSpPr>
+          <p:cNvPr id="10" name="Rectangle 9">
+            <a:extLst>
+              <a:ext uri="{FF2B5EF4-FFF2-40B4-BE49-F238E27FC236}">
+                <a16:creationId xmlns:a16="http://schemas.microsoft.com/office/drawing/2014/main" id="{E45B1D5C-0827-4AF0-8186-11FC5A8B8B92}"/>
+              </a:ext>
+              <a:ext uri="{C183D7F6-B498-43B3-948B-1728B52AA6E4}">
+                <adec:decorative xmlns:adec="http://schemas.microsoft.com/office/drawing/2017/decorative" val="1"/>
+              </a:ext>
+            </a:extLst>
+          </p:cNvPr>
+          <p:cNvSpPr>
+            <a:spLocks noGrp="1" noRot="1" noChangeAspect="1" noMove="1" noResize="1" noEditPoints="1" noAdjustHandles="1" noChangeArrowheads="1" noChangeShapeType="1" noTextEdit="1"/>
+          </p:cNvSpPr>
+          <p:nvPr>
+            <p:extLst>
+              <p:ext uri="{386F3935-93C4-4BCD-93E2-E3B085C9AB24}">
+                <p16:designElem xmlns:p16="http://schemas.microsoft.com/office/powerpoint/2015/main" val="1"/>
+              </p:ext>
+            </p:extLst>
+          </p:nvPr>
+        </p:nvSpPr>
+        <p:spPr>
+          <a:xfrm>
+            <a:off x="0" y="0"/>
+            <a:ext cx="12191999" cy="6857365"/>
+          </a:xfrm>
+          <a:prstGeom prst="rect">
+            <a:avLst/>
+          </a:prstGeom>
+          <a:ln>
+            <a:noFill/>
+          </a:ln>
+        </p:spPr>
+        <p:style>
+          <a:lnRef idx="2">
+            <a:schemeClr val="accent1">
+              <a:shade val="50000"/>
+            </a:schemeClr>
+          </a:lnRef>
+          <a:fillRef idx="1">
+            <a:schemeClr val="accent1"/>
+          </a:fillRef>
+          <a:effectRef idx="0">
+            <a:schemeClr val="accent1"/>
+          </a:effectRef>
+          <a:fontRef idx="minor">
+            <a:schemeClr val="lt1"/>
+          </a:fontRef>
+        </p:style>
+        <p:txBody>
+          <a:bodyPr rtlCol="0" anchor="ctr"/>
+          <a:lstStyle/>
+          <a:p>
+            <a:pPr algn="ctr"/>
+            <a:endParaRPr lang="en-US"/>
+          </a:p>
+        </p:txBody>
+      </p:sp>
+      <p:sp>
+        <p:nvSpPr>
+          <p:cNvPr id="2" name="Title 1">
+            <a:extLst>
+              <a:ext uri="{FF2B5EF4-FFF2-40B4-BE49-F238E27FC236}">
+                <a16:creationId xmlns:a16="http://schemas.microsoft.com/office/drawing/2014/main" id="{FD6D3165-EE6F-49DB-92BD-10C31853E824}"/>
+              </a:ext>
+            </a:extLst>
+          </p:cNvPr>
+          <p:cNvSpPr>
+            <a:spLocks noGrp="1"/>
+          </p:cNvSpPr>
+          <p:nvPr>
+            <p:ph type="title"/>
+          </p:nvPr>
+        </p:nvSpPr>
+        <p:spPr>
+          <a:xfrm>
+            <a:off x="9267909" y="2023110"/>
+            <a:ext cx="2469624" cy="2846070"/>
+          </a:xfrm>
+        </p:spPr>
+        <p:txBody>
+          <a:bodyPr vert="horz" lIns="91440" tIns="45720" rIns="91440" bIns="45720" rtlCol="0" anchor="ctr">
+            <a:noAutofit/>
+          </a:bodyPr>
+          <a:lstStyle/>
+          <a:p>
+            <a:r>
+              <a:rPr lang="en-US" sz="3700" dirty="0">
+                <a:latin typeface="Univers (body)"/>
+              </a:rPr>
+              <a:t>Five States with the Most COVID-19 Data</a:t>
+            </a:r>
+          </a:p>
+        </p:txBody>
+      </p:sp>
+      <p:sp>
+        <p:nvSpPr>
+          <p:cNvPr id="12" name="Rectangle 11">
+            <a:extLst>
+              <a:ext uri="{FF2B5EF4-FFF2-40B4-BE49-F238E27FC236}">
+                <a16:creationId xmlns:a16="http://schemas.microsoft.com/office/drawing/2014/main" id="{99413ED5-9ED4-4772-BCE4-2BCAE6B12E35}"/>
+              </a:ext>
+              <a:ext uri="{C183D7F6-B498-43B3-948B-1728B52AA6E4}">
+                <adec:decorative xmlns:adec="http://schemas.microsoft.com/office/drawing/2017/decorative" val="1"/>
+              </a:ext>
+            </a:extLst>
+          </p:cNvPr>
+          <p:cNvSpPr>
+            <a:spLocks noGrp="1" noRot="1" noChangeAspect="1" noMove="1" noResize="1" noEditPoints="1" noAdjustHandles="1" noChangeArrowheads="1" noChangeShapeType="1" noTextEdit="1"/>
+          </p:cNvSpPr>
+          <p:nvPr>
+            <p:extLst>
+              <p:ext uri="{386F3935-93C4-4BCD-93E2-E3B085C9AB24}">
+                <p16:designElem xmlns:p16="http://schemas.microsoft.com/office/powerpoint/2015/main" val="1"/>
+              </p:ext>
+            </p:extLst>
+          </p:nvPr>
+        </p:nvSpPr>
+        <p:spPr>
+          <a:xfrm rot="16200000">
+            <a:off x="3433973" y="-827233"/>
+            <a:ext cx="1715478" cy="8583421"/>
+          </a:xfrm>
+          <a:prstGeom prst="rect">
+            <a:avLst/>
+          </a:prstGeom>
+          <a:solidFill>
+            <a:schemeClr val="accent4"/>
+          </a:solidFill>
+          <a:ln>
+            <a:noFill/>
+          </a:ln>
+        </p:spPr>
+        <p:style>
+          <a:lnRef idx="2">
+            <a:schemeClr val="accent1">
+              <a:shade val="50000"/>
+            </a:schemeClr>
+          </a:lnRef>
+          <a:fillRef idx="1">
+            <a:schemeClr val="accent1"/>
+          </a:fillRef>
+          <a:effectRef idx="0">
+            <a:schemeClr val="accent1"/>
+          </a:effectRef>
+          <a:fontRef idx="minor">
+            <a:schemeClr val="lt1"/>
+          </a:fontRef>
+        </p:style>
+        <p:txBody>
+          <a:bodyPr rtlCol="0" anchor="ctr"/>
+          <a:lstStyle/>
+          <a:p>
+            <a:pPr algn="ctr"/>
+            <a:endParaRPr lang="en-US" dirty="0"/>
+          </a:p>
+        </p:txBody>
+      </p:sp>
+      <p:sp>
+        <p:nvSpPr>
+          <p:cNvPr id="14" name="Rectangle 13">
+            <a:extLst>
+              <a:ext uri="{FF2B5EF4-FFF2-40B4-BE49-F238E27FC236}">
+                <a16:creationId xmlns:a16="http://schemas.microsoft.com/office/drawing/2014/main" id="{04357C93-F0CB-4A1C-8F77-4E9063789819}"/>
+              </a:ext>
+              <a:ext uri="{C183D7F6-B498-43B3-948B-1728B52AA6E4}">
+                <adec:decorative xmlns:adec="http://schemas.microsoft.com/office/drawing/2017/decorative" val="1"/>
+              </a:ext>
+            </a:extLst>
+          </p:cNvPr>
+          <p:cNvSpPr>
+            <a:spLocks noGrp="1" noRot="1" noChangeAspect="1" noMove="1" noResize="1" noEditPoints="1" noAdjustHandles="1" noChangeArrowheads="1" noChangeShapeType="1" noTextEdit="1"/>
+          </p:cNvSpPr>
+          <p:nvPr>
+            <p:extLst>
+              <p:ext uri="{386F3935-93C4-4BCD-93E2-E3B085C9AB24}">
+                <p16:designElem xmlns:p16="http://schemas.microsoft.com/office/powerpoint/2015/main" val="1"/>
+              </p:ext>
+            </p:extLst>
+          </p:nvPr>
+        </p:nvSpPr>
+        <p:spPr>
+          <a:xfrm>
+            <a:off x="302085" y="664308"/>
+            <a:ext cx="8082632" cy="5600340"/>
+          </a:xfrm>
+          <a:prstGeom prst="rect">
+            <a:avLst/>
+          </a:prstGeom>
+          <a:solidFill>
+            <a:schemeClr val="bg1"/>
+          </a:solidFill>
+          <a:ln>
+            <a:noFill/>
+          </a:ln>
+          <a:effectLst>
+            <a:outerShdw blurRad="139700" dist="127000" dir="5400000" algn="t" rotWithShape="0">
+              <a:prstClr val="black">
+                <a:alpha val="15000"/>
+              </a:prstClr>
+            </a:outerShdw>
+          </a:effectLst>
+        </p:spPr>
+        <p:style>
+          <a:lnRef idx="2">
+            <a:schemeClr val="accent1">
+              <a:shade val="50000"/>
+            </a:schemeClr>
+          </a:lnRef>
+          <a:fillRef idx="1">
+            <a:schemeClr val="accent1"/>
+          </a:fillRef>
+          <a:effectRef idx="0">
+            <a:schemeClr val="accent1"/>
+          </a:effectRef>
+          <a:fontRef idx="minor">
+            <a:schemeClr val="lt1"/>
+          </a:fontRef>
+        </p:style>
+        <p:txBody>
+          <a:bodyPr rtlCol="0" anchor="ctr"/>
+          <a:lstStyle/>
+          <a:p>
+            <a:pPr algn="ctr"/>
+            <a:endParaRPr lang="en-US"/>
+          </a:p>
+        </p:txBody>
+      </p:sp>
+      <p:pic>
+        <p:nvPicPr>
+          <p:cNvPr id="5" name="Content Placeholder 4" descr="Chart, line chart&#10;&#10;Description automatically generated">
+            <a:extLst>
+              <a:ext uri="{FF2B5EF4-FFF2-40B4-BE49-F238E27FC236}">
+                <a16:creationId xmlns:a16="http://schemas.microsoft.com/office/drawing/2014/main" id="{A741A626-8131-4C77-A7BA-9F03C672C849}"/>
+              </a:ext>
+            </a:extLst>
+          </p:cNvPr>
+          <p:cNvPicPr>
+            <a:picLocks noGrp="1" noChangeAspect="1"/>
+          </p:cNvPicPr>
+          <p:nvPr>
+            <p:ph idx="1"/>
+          </p:nvPr>
+        </p:nvPicPr>
+        <p:blipFill rotWithShape="1">
+          <a:blip r:embed="rId2">
+            <a:extLst>
+              <a:ext uri="{28A0092B-C50C-407E-A947-70E740481C1C}">
+                <a14:useLocalDpi xmlns:a14="http://schemas.microsoft.com/office/drawing/2010/main" val="0"/>
+              </a:ext>
+            </a:extLst>
+          </a:blip>
+          <a:srcRect t="-788" b="2"/>
+          <a:stretch/>
+        </p:blipFill>
+        <p:spPr>
+          <a:xfrm>
+            <a:off x="552310" y="787569"/>
+            <a:ext cx="7608304" cy="5406123"/>
+          </a:xfrm>
+          <a:prstGeom prst="rect">
+            <a:avLst/>
+          </a:prstGeom>
+        </p:spPr>
+      </p:pic>
+      <p:sp>
+        <p:nvSpPr>
+          <p:cNvPr id="16" name="Rectangle 15">
+            <a:extLst>
+              <a:ext uri="{FF2B5EF4-FFF2-40B4-BE49-F238E27FC236}">
+                <a16:creationId xmlns:a16="http://schemas.microsoft.com/office/drawing/2014/main" id="{90F533E9-6690-41A8-A372-4C6C622D028D}"/>
+              </a:ext>
+              <a:ext uri="{C183D7F6-B498-43B3-948B-1728B52AA6E4}">
+                <adec:decorative xmlns:adec="http://schemas.microsoft.com/office/drawing/2017/decorative" val="1"/>
+              </a:ext>
+            </a:extLst>
+          </p:cNvPr>
+          <p:cNvSpPr>
+            <a:spLocks noGrp="1" noRot="1" noChangeAspect="1" noMove="1" noResize="1" noEditPoints="1" noAdjustHandles="1" noChangeArrowheads="1" noChangeShapeType="1" noTextEdit="1"/>
+          </p:cNvSpPr>
+          <p:nvPr>
+            <p:extLst>
+              <p:ext uri="{386F3935-93C4-4BCD-93E2-E3B085C9AB24}">
+                <p16:designElem xmlns:p16="http://schemas.microsoft.com/office/powerpoint/2015/main" val="1"/>
+              </p:ext>
+            </p:extLst>
+          </p:nvPr>
+        </p:nvSpPr>
+        <p:spPr>
+          <a:xfrm rot="5400000">
+            <a:off x="7950447" y="3392097"/>
+            <a:ext cx="1719072" cy="152382"/>
+          </a:xfrm>
+          <a:prstGeom prst="rect">
+            <a:avLst/>
+          </a:prstGeom>
+          <a:solidFill>
+            <a:schemeClr val="accent4"/>
+          </a:solidFill>
+          <a:ln>
+            <a:noFill/>
+          </a:ln>
+        </p:spPr>
+        <p:style>
+          <a:lnRef idx="2">
+            <a:schemeClr val="accent1">
+              <a:shade val="50000"/>
+            </a:schemeClr>
+          </a:lnRef>
+          <a:fillRef idx="1">
+            <a:schemeClr val="accent1"/>
+          </a:fillRef>
+          <a:effectRef idx="0">
+            <a:schemeClr val="accent1"/>
+          </a:effectRef>
+          <a:fontRef idx="minor">
+            <a:schemeClr val="lt1"/>
+          </a:fontRef>
+        </p:style>
+        <p:txBody>
+          <a:bodyPr rtlCol="0" anchor="ctr"/>
+          <a:lstStyle/>
+          <a:p>
+            <a:pPr algn="ctr"/>
+            <a:endParaRPr lang="en-US"/>
+          </a:p>
+        </p:txBody>
+      </p:sp>
+    </p:spTree>
+    <p:extLst>
+      <p:ext uri="{BB962C8B-B14F-4D97-AF65-F5344CB8AC3E}">
+        <p14:creationId xmlns:p14="http://schemas.microsoft.com/office/powerpoint/2010/main" val="547691016"/>
+      </p:ext>
+    </p:extLst>
+  </p:cSld>
+  <p:clrMapOvr>
+    <a:masterClrMapping/>
+  </p:clrMapOvr>
+</p:sld>
+</file>
+
+<file path=ppt/slides/slide7.xml><?xml version="1.0" encoding="utf-8"?>
+<p:sld xmlns:a="http://schemas.openxmlformats.org/drawingml/2006/main" xmlns:r="http://schemas.openxmlformats.org/officeDocument/2006/relationships" xmlns:p="http://schemas.openxmlformats.org/presentationml/2006/main">
+  <p:cSld>
+    <p:spTree>
+      <p:nvGrpSpPr>
+        <p:cNvPr id="1" name=""/>
+        <p:cNvGrpSpPr/>
+        <p:nvPr/>
+      </p:nvGrpSpPr>
+      <p:grpSpPr>
+        <a:xfrm>
+          <a:off x="0" y="0"/>
+          <a:ext cx="0" cy="0"/>
+          <a:chOff x="0" y="0"/>
+          <a:chExt cx="0" cy="0"/>
+        </a:xfrm>
+      </p:grpSpPr>
+      <p:sp>
+        <p:nvSpPr>
+          <p:cNvPr id="2" name="Title 1">
+            <a:extLst>
+              <a:ext uri="{FF2B5EF4-FFF2-40B4-BE49-F238E27FC236}">
+                <a16:creationId xmlns:a16="http://schemas.microsoft.com/office/drawing/2014/main" id="{29800417-36C6-43F2-BF14-27AA0DC18E3E}"/>
+              </a:ext>
+            </a:extLst>
+          </p:cNvPr>
+          <p:cNvSpPr>
+            <a:spLocks noGrp="1"/>
+          </p:cNvSpPr>
+          <p:nvPr>
+            <p:ph type="title"/>
+          </p:nvPr>
+        </p:nvSpPr>
+        <p:spPr/>
+        <p:txBody>
+          <a:bodyPr>
+            <a:normAutofit/>
+          </a:bodyPr>
+          <a:lstStyle/>
+          <a:p>
+            <a:r>
+              <a:rPr lang="en-US" sz="4000" dirty="0">
+                <a:latin typeface="Univers (body)"/>
+              </a:rPr>
+              <a:t>COVID-19 Statistics Vary Widely Among Counties </a:t>
+            </a:r>
+          </a:p>
+        </p:txBody>
+      </p:sp>
+      <p:pic>
+        <p:nvPicPr>
+          <p:cNvPr id="14" name="Content Placeholder 13" descr="Chart, bar chart&#10;&#10;Description automatically generated">
+            <a:extLst>
+              <a:ext uri="{FF2B5EF4-FFF2-40B4-BE49-F238E27FC236}">
+                <a16:creationId xmlns:a16="http://schemas.microsoft.com/office/drawing/2014/main" id="{5C9D743C-E5FB-44DB-8814-F4E36B260134}"/>
+              </a:ext>
+            </a:extLst>
+          </p:cNvPr>
+          <p:cNvPicPr>
+            <a:picLocks noGrp="1" noChangeAspect="1"/>
+          </p:cNvPicPr>
+          <p:nvPr>
+            <p:ph sz="half" idx="1"/>
+          </p:nvPr>
+        </p:nvPicPr>
+        <p:blipFill>
+          <a:blip r:embed="rId2">
+            <a:extLst>
+              <a:ext uri="{28A0092B-C50C-407E-A947-70E740481C1C}">
+                <a14:useLocalDpi xmlns:a14="http://schemas.microsoft.com/office/drawing/2010/main" val="0"/>
+              </a:ext>
+            </a:extLst>
+          </a:blip>
+          <a:stretch>
+            <a:fillRect/>
+          </a:stretch>
+        </p:blipFill>
+        <p:spPr>
+          <a:xfrm>
+            <a:off x="72716" y="2167982"/>
+            <a:ext cx="5857277" cy="3353930"/>
+          </a:xfrm>
+        </p:spPr>
+      </p:pic>
+      <p:pic>
+        <p:nvPicPr>
+          <p:cNvPr id="16" name="Content Placeholder 15" descr="Chart, bar chart&#10;&#10;Description automatically generated">
+            <a:extLst>
+              <a:ext uri="{FF2B5EF4-FFF2-40B4-BE49-F238E27FC236}">
+                <a16:creationId xmlns:a16="http://schemas.microsoft.com/office/drawing/2014/main" id="{2F6FBCDE-E2CE-45DB-A762-F19A7FB23C16}"/>
+              </a:ext>
+            </a:extLst>
+          </p:cNvPr>
+          <p:cNvPicPr>
+            <a:picLocks noGrp="1" noChangeAspect="1"/>
+          </p:cNvPicPr>
+          <p:nvPr>
+            <p:ph sz="half" idx="2"/>
+          </p:nvPr>
+        </p:nvPicPr>
+        <p:blipFill>
+          <a:blip r:embed="rId3">
+            <a:extLst>
+              <a:ext uri="{28A0092B-C50C-407E-A947-70E740481C1C}">
+                <a14:useLocalDpi xmlns:a14="http://schemas.microsoft.com/office/drawing/2010/main" val="0"/>
+              </a:ext>
+            </a:extLst>
+          </a:blip>
+          <a:stretch>
+            <a:fillRect/>
+          </a:stretch>
+        </p:blipFill>
+        <p:spPr>
+          <a:xfrm>
+            <a:off x="5929993" y="2218826"/>
+            <a:ext cx="5541108" cy="3252241"/>
+          </a:xfrm>
+        </p:spPr>
+      </p:pic>
+    </p:spTree>
+    <p:extLst>
+      <p:ext uri="{BB962C8B-B14F-4D97-AF65-F5344CB8AC3E}">
+        <p14:creationId xmlns:p14="http://schemas.microsoft.com/office/powerpoint/2010/main" val="502793554"/>
+      </p:ext>
+    </p:extLst>
+  </p:cSld>
+  <p:clrMapOvr>
+    <a:masterClrMapping/>
+  </p:clrMapOvr>
+</p:sld>
+</file>
+
+<file path=ppt/slides/slide8.xml><?xml version="1.0" encoding="utf-8"?>
+<p:sld xmlns:a="http://schemas.openxmlformats.org/drawingml/2006/main" xmlns:r="http://schemas.openxmlformats.org/officeDocument/2006/relationships" xmlns:p="http://schemas.openxmlformats.org/presentationml/2006/main">
+  <p:cSld>
+    <p:spTree>
+      <p:nvGrpSpPr>
+        <p:cNvPr id="1" name=""/>
+        <p:cNvGrpSpPr/>
+        <p:nvPr/>
+      </p:nvGrpSpPr>
+      <p:grpSpPr>
+        <a:xfrm>
+          <a:off x="0" y="0"/>
+          <a:ext cx="0" cy="0"/>
+          <a:chOff x="0" y="0"/>
+          <a:chExt cx="0" cy="0"/>
+        </a:xfrm>
+      </p:grpSpPr>
+      <p:sp>
+        <p:nvSpPr>
+          <p:cNvPr id="2" name="Title 1">
+            <a:extLst>
+              <a:ext uri="{FF2B5EF4-FFF2-40B4-BE49-F238E27FC236}">
+                <a16:creationId xmlns:a16="http://schemas.microsoft.com/office/drawing/2014/main" id="{C25562AC-F94B-42FD-8660-A811F4491437}"/>
+              </a:ext>
+            </a:extLst>
+          </p:cNvPr>
+          <p:cNvSpPr>
+            <a:spLocks noGrp="1"/>
+          </p:cNvSpPr>
+          <p:nvPr>
+            <p:ph type="title"/>
+          </p:nvPr>
+        </p:nvSpPr>
+        <p:spPr/>
+        <p:txBody>
+          <a:bodyPr>
+            <a:normAutofit fontScale="90000"/>
+          </a:bodyPr>
+          <a:lstStyle/>
+          <a:p>
+            <a:r>
+              <a:rPr lang="en-US" dirty="0">
+                <a:latin typeface="Univers (body)"/>
+              </a:rPr>
+              <a:t>High COVID Case Counties Likely to be Younger, Have Lower Income Per Capita</a:t>
+            </a:r>
+          </a:p>
+        </p:txBody>
+      </p:sp>
+      <p:pic>
+        <p:nvPicPr>
+          <p:cNvPr id="12" name="Content Placeholder 11" descr="Chart, histogram&#10;&#10;Description automatically generated">
+            <a:extLst>
+              <a:ext uri="{FF2B5EF4-FFF2-40B4-BE49-F238E27FC236}">
+                <a16:creationId xmlns:a16="http://schemas.microsoft.com/office/drawing/2014/main" id="{4A290072-F217-4188-B1DC-6AE17E925777}"/>
+              </a:ext>
+            </a:extLst>
+          </p:cNvPr>
+          <p:cNvPicPr>
+            <a:picLocks noGrp="1" noChangeAspect="1"/>
+          </p:cNvPicPr>
+          <p:nvPr>
+            <p:ph sz="half" idx="1"/>
+          </p:nvPr>
+        </p:nvPicPr>
+        <p:blipFill>
+          <a:blip r:embed="rId2">
+            <a:extLst>
+              <a:ext uri="{28A0092B-C50C-407E-A947-70E740481C1C}">
+                <a14:useLocalDpi xmlns:a14="http://schemas.microsoft.com/office/drawing/2010/main" val="0"/>
+              </a:ext>
+            </a:extLst>
+          </a:blip>
+          <a:stretch>
+            <a:fillRect/>
+          </a:stretch>
+        </p:blipFill>
+        <p:spPr>
+          <a:xfrm>
+            <a:off x="5862471" y="2396084"/>
+            <a:ext cx="5551061" cy="3657508"/>
+          </a:xfrm>
+        </p:spPr>
+      </p:pic>
+      <p:pic>
+        <p:nvPicPr>
+          <p:cNvPr id="16" name="Content Placeholder 15" descr="Chart, line chart&#10;&#10;Description automatically generated">
+            <a:extLst>
+              <a:ext uri="{FF2B5EF4-FFF2-40B4-BE49-F238E27FC236}">
+                <a16:creationId xmlns:a16="http://schemas.microsoft.com/office/drawing/2014/main" id="{953892BA-855C-4501-B32D-1406B15BE372}"/>
+              </a:ext>
+            </a:extLst>
+          </p:cNvPr>
+          <p:cNvPicPr>
+            <a:picLocks noGrp="1" noChangeAspect="1"/>
+          </p:cNvPicPr>
+          <p:nvPr>
+            <p:ph sz="half" idx="2"/>
+          </p:nvPr>
+        </p:nvPicPr>
+        <p:blipFill>
+          <a:blip r:embed="rId3">
+            <a:extLst>
+              <a:ext uri="{28A0092B-C50C-407E-A947-70E740481C1C}">
+                <a14:useLocalDpi xmlns:a14="http://schemas.microsoft.com/office/drawing/2010/main" val="0"/>
+              </a:ext>
+            </a:extLst>
+          </a:blip>
+          <a:stretch>
+            <a:fillRect/>
+          </a:stretch>
+        </p:blipFill>
+        <p:spPr>
+          <a:xfrm>
+            <a:off x="100178" y="2396084"/>
+            <a:ext cx="5595118" cy="3657508"/>
+          </a:xfrm>
+        </p:spPr>
+      </p:pic>
+    </p:spTree>
+    <p:extLst>
+      <p:ext uri="{BB962C8B-B14F-4D97-AF65-F5344CB8AC3E}">
+        <p14:creationId xmlns:p14="http://schemas.microsoft.com/office/powerpoint/2010/main" val="1915659772"/>
+      </p:ext>
+    </p:extLst>
+  </p:cSld>
+  <p:clrMapOvr>
+    <a:masterClrMapping/>
+  </p:clrMapOvr>
+</p:sld>
+</file>
+
+<file path=ppt/slides/slide9.xml><?xml version="1.0" encoding="utf-8"?>
+<p:sld xmlns:a="http://schemas.openxmlformats.org/drawingml/2006/main" xmlns:r="http://schemas.openxmlformats.org/officeDocument/2006/relationships" xmlns:p="http://schemas.openxmlformats.org/presentationml/2006/main">
+  <p:cSld>
+    <p:spTree>
+      <p:nvGrpSpPr>
+        <p:cNvPr id="1" name=""/>
+        <p:cNvGrpSpPr/>
+        <p:nvPr/>
+      </p:nvGrpSpPr>
+      <p:grpSpPr>
+        <a:xfrm>
+          <a:off x="0" y="0"/>
+          <a:ext cx="0" cy="0"/>
+          <a:chOff x="0" y="0"/>
+          <a:chExt cx="0" cy="0"/>
+        </a:xfrm>
+      </p:grpSpPr>
+      <p:sp>
+        <p:nvSpPr>
+          <p:cNvPr id="2" name="Title 1">
+            <a:extLst>
+              <a:ext uri="{FF2B5EF4-FFF2-40B4-BE49-F238E27FC236}">
+                <a16:creationId xmlns:a16="http://schemas.microsoft.com/office/drawing/2014/main" id="{9FAB24F9-9293-4782-9DC2-F77766335E07}"/>
+              </a:ext>
+            </a:extLst>
+          </p:cNvPr>
+          <p:cNvSpPr>
+            <a:spLocks noGrp="1"/>
+          </p:cNvSpPr>
+          <p:nvPr>
+            <p:ph type="title"/>
+          </p:nvPr>
+        </p:nvSpPr>
+        <p:spPr/>
+        <p:txBody>
+          <a:bodyPr>
+            <a:normAutofit/>
+          </a:bodyPr>
+          <a:lstStyle/>
+          <a:p>
+            <a:r>
+              <a:rPr lang="en-US" sz="4000" dirty="0">
+                <a:latin typeface="Univers (body)"/>
+              </a:rPr>
+              <a:t>Low COVID Case Counties Likely to have Insurance Coverage, Lower Pop. Density</a:t>
+            </a:r>
+          </a:p>
+        </p:txBody>
+      </p:sp>
+      <p:pic>
+        <p:nvPicPr>
+          <p:cNvPr id="12" name="Content Placeholder 11" descr="Chart, line chart, histogram&#10;&#10;Description automatically generated">
+            <a:extLst>
+              <a:ext uri="{FF2B5EF4-FFF2-40B4-BE49-F238E27FC236}">
+                <a16:creationId xmlns:a16="http://schemas.microsoft.com/office/drawing/2014/main" id="{0507CF35-EB6F-45CA-B573-E17F794F9D4E}"/>
+              </a:ext>
+            </a:extLst>
+          </p:cNvPr>
+          <p:cNvPicPr>
+            <a:picLocks noGrp="1" noChangeAspect="1"/>
+          </p:cNvPicPr>
+          <p:nvPr>
+            <p:ph sz="half" idx="1"/>
+          </p:nvPr>
+        </p:nvPicPr>
+        <p:blipFill>
+          <a:blip r:embed="rId2">
+            <a:extLst>
+              <a:ext uri="{28A0092B-C50C-407E-A947-70E740481C1C}">
+                <a14:useLocalDpi xmlns:a14="http://schemas.microsoft.com/office/drawing/2010/main" val="0"/>
+              </a:ext>
+            </a:extLst>
+          </a:blip>
+          <a:stretch>
+            <a:fillRect/>
+          </a:stretch>
+        </p:blipFill>
+        <p:spPr>
+          <a:xfrm>
+            <a:off x="227397" y="2271806"/>
+            <a:ext cx="5531145" cy="3728944"/>
+          </a:xfrm>
+        </p:spPr>
+      </p:pic>
+      <p:pic>
+        <p:nvPicPr>
+          <p:cNvPr id="16" name="Content Placeholder 15" descr="Chart, line chart&#10;&#10;Description automatically generated">
+            <a:extLst>
+              <a:ext uri="{FF2B5EF4-FFF2-40B4-BE49-F238E27FC236}">
+                <a16:creationId xmlns:a16="http://schemas.microsoft.com/office/drawing/2014/main" id="{B3B07CFB-E0F7-4E42-9029-15410F89284F}"/>
+              </a:ext>
+            </a:extLst>
+          </p:cNvPr>
+          <p:cNvPicPr>
+            <a:picLocks noGrp="1" noChangeAspect="1"/>
+          </p:cNvPicPr>
+          <p:nvPr>
+            <p:ph sz="half" idx="2"/>
+          </p:nvPr>
+        </p:nvPicPr>
+        <p:blipFill>
+          <a:blip r:embed="rId3">
+            <a:extLst>
+              <a:ext uri="{28A0092B-C50C-407E-A947-70E740481C1C}">
+                <a14:useLocalDpi xmlns:a14="http://schemas.microsoft.com/office/drawing/2010/main" val="0"/>
+              </a:ext>
+            </a:extLst>
+          </a:blip>
+          <a:stretch>
+            <a:fillRect/>
+          </a:stretch>
+        </p:blipFill>
+        <p:spPr>
+          <a:xfrm>
+            <a:off x="5887968" y="2308436"/>
+            <a:ext cx="5531145" cy="3692314"/>
+          </a:xfrm>
+        </p:spPr>
+      </p:pic>
+    </p:spTree>
+    <p:extLst>
+      <p:ext uri="{BB962C8B-B14F-4D97-AF65-F5344CB8AC3E}">
+        <p14:creationId xmlns:p14="http://schemas.microsoft.com/office/powerpoint/2010/main" val="3953207219"/>
+      </p:ext>
+    </p:extLst>
+  </p:cSld>
+  <p:clrMapOvr>
+    <a:masterClrMapping/>
+  </p:clrMapOvr>
+</p:sld>
+</file>
+
 <file path=ppt/theme/theme1.xml><?xml version="1.0" encoding="utf-8"?>
 <a:theme xmlns:a="http://schemas.openxmlformats.org/drawingml/2006/main" name="Office Theme">
   <a:themeElements>

--- a/2020_10_30_covid_usa_analysis.pptx
+++ b/2020_10_30_covid_usa_analysis.pptx
@@ -5,19 +5,19 @@
     <p:sldMasterId id="2147483648" r:id="rId1"/>
   </p:sldMasterIdLst>
   <p:sldIdLst>
-    <p:sldId id="256" r:id="rId2"/>
-    <p:sldId id="303" r:id="rId3"/>
-    <p:sldId id="257" r:id="rId4"/>
-    <p:sldId id="258" r:id="rId5"/>
-    <p:sldId id="259" r:id="rId6"/>
-    <p:sldId id="260" r:id="rId7"/>
-    <p:sldId id="261" r:id="rId8"/>
-    <p:sldId id="262" r:id="rId9"/>
-    <p:sldId id="263" r:id="rId10"/>
+    <p:sldId id="303" r:id="rId2"/>
+    <p:sldId id="257" r:id="rId3"/>
+    <p:sldId id="258" r:id="rId4"/>
+    <p:sldId id="259" r:id="rId5"/>
+    <p:sldId id="260" r:id="rId6"/>
+    <p:sldId id="261" r:id="rId7"/>
+    <p:sldId id="262" r:id="rId8"/>
+    <p:sldId id="263" r:id="rId9"/>
+    <p:sldId id="307" r:id="rId10"/>
     <p:sldId id="265" r:id="rId11"/>
-    <p:sldId id="266" r:id="rId12"/>
-    <p:sldId id="302" r:id="rId13"/>
-    <p:sldId id="304" r:id="rId14"/>
+    <p:sldId id="305" r:id="rId12"/>
+    <p:sldId id="266" r:id="rId13"/>
+    <p:sldId id="306" r:id="rId14"/>
     <p:sldId id="294" r:id="rId15"/>
     <p:sldId id="295" r:id="rId16"/>
     <p:sldId id="296" r:id="rId17"/>
@@ -130,6 +130,11 @@
       </a:defRPr>
     </a:lvl9pPr>
   </p:defaultTextStyle>
+  <p:extLst>
+    <p:ext uri="{EFAFB233-063F-42B5-8137-9DF3F51BA10A}">
+      <p15:sldGuideLst xmlns:p15="http://schemas.microsoft.com/office/powerpoint/2012/main"/>
+    </p:ext>
+  </p:extLst>
 </p:presentation>
 </file>
 
@@ -9382,7 +9387,7 @@
           <p:cNvPr id="10" name="Rectangle 9">
             <a:extLst>
               <a:ext uri="{FF2B5EF4-FFF2-40B4-BE49-F238E27FC236}">
-                <a16:creationId xmlns:a16="http://schemas.microsoft.com/office/drawing/2014/main" id="{026A84AF-6F58-471A-BF1F-10D8C03511C4}"/>
+                <a16:creationId xmlns:a16="http://schemas.microsoft.com/office/drawing/2014/main" id="{0E2F58BF-12E5-4B5A-AD25-4DAAA2742A7B}"/>
               </a:ext>
               <a:ext uri="{C183D7F6-B498-43B3-948B-1728B52AA6E4}">
                 <adec:decorative xmlns:adec="http://schemas.microsoft.com/office/drawing/2017/decorative" val="1"/>
@@ -9402,8 +9407,8 @@
         </p:nvSpPr>
         <p:spPr>
           <a:xfrm>
-            <a:off x="-1" y="0"/>
-            <a:ext cx="12188952" cy="6858000"/>
+            <a:off x="0" y="0"/>
+            <a:ext cx="12192000" cy="6858000"/>
           </a:xfrm>
           <a:prstGeom prst="rect">
             <a:avLst/>
@@ -9455,20 +9460,19 @@
         </p:nvSpPr>
         <p:spPr>
           <a:xfrm>
-            <a:off x="838200" y="728662"/>
-            <a:ext cx="4515338" cy="3728853"/>
+            <a:off x="477980" y="1220388"/>
+            <a:ext cx="4738453" cy="3204134"/>
           </a:xfrm>
-          <a:noFill/>
         </p:spPr>
         <p:txBody>
-          <a:bodyPr>
-            <a:normAutofit/>
+          <a:bodyPr anchor="b">
+            <a:noAutofit/>
           </a:bodyPr>
           <a:lstStyle/>
           <a:p>
             <a:pPr algn="l"/>
             <a:r>
-              <a:rPr lang="en-US" sz="5200" dirty="0">
+              <a:rPr lang="en-US" sz="4800" dirty="0">
                 <a:latin typeface="Univers (body)"/>
                 <a:cs typeface="Arial" panose="020B0604020202020204" pitchFamily="34" charset="0"/>
               </a:rPr>
@@ -9477,6 +9481,143 @@
           </a:p>
         </p:txBody>
       </p:sp>
+      <p:sp>
+        <p:nvSpPr>
+          <p:cNvPr id="12" name="Rectangle 11">
+            <a:extLst>
+              <a:ext uri="{FF2B5EF4-FFF2-40B4-BE49-F238E27FC236}">
+                <a16:creationId xmlns:a16="http://schemas.microsoft.com/office/drawing/2014/main" id="{AF2F604E-43BE-4DC3-B983-E071523364F8}"/>
+              </a:ext>
+              <a:ext uri="{C183D7F6-B498-43B3-948B-1728B52AA6E4}">
+                <adec:decorative xmlns:adec="http://schemas.microsoft.com/office/drawing/2017/decorative" val="1"/>
+              </a:ext>
+            </a:extLst>
+          </p:cNvPr>
+          <p:cNvSpPr>
+            <a:spLocks noGrp="1" noRot="1" noChangeAspect="1" noMove="1" noResize="1" noEditPoints="1" noAdjustHandles="1" noChangeArrowheads="1" noChangeShapeType="1" noTextEdit="1"/>
+          </p:cNvSpPr>
+          <p:nvPr>
+            <p:extLst>
+              <p:ext uri="{386F3935-93C4-4BCD-93E2-E3B085C9AB24}">
+                <p16:designElem xmlns:p16="http://schemas.microsoft.com/office/powerpoint/2015/main" val="1"/>
+              </p:ext>
+            </p:extLst>
+          </p:nvPr>
+        </p:nvSpPr>
+        <p:spPr>
+          <a:xfrm rot="5400000">
+            <a:off x="759921" y="346791"/>
+            <a:ext cx="146304" cy="704088"/>
+          </a:xfrm>
+          <a:prstGeom prst="rect">
+            <a:avLst/>
+          </a:prstGeom>
+          <a:solidFill>
+            <a:schemeClr val="accent2"/>
+          </a:solidFill>
+          <a:ln>
+            <a:noFill/>
+          </a:ln>
+        </p:spPr>
+        <p:style>
+          <a:lnRef idx="2">
+            <a:schemeClr val="accent1">
+              <a:shade val="50000"/>
+            </a:schemeClr>
+          </a:lnRef>
+          <a:fillRef idx="1">
+            <a:schemeClr val="accent1"/>
+          </a:fillRef>
+          <a:effectRef idx="0">
+            <a:schemeClr val="accent1"/>
+          </a:effectRef>
+          <a:fontRef idx="minor">
+            <a:schemeClr val="lt1"/>
+          </a:fontRef>
+        </p:style>
+        <p:txBody>
+          <a:bodyPr rtlCol="0" anchor="ctr"/>
+          <a:lstStyle/>
+          <a:p>
+            <a:pPr algn="ctr"/>
+            <a:endParaRPr lang="en-US">
+              <a:solidFill>
+                <a:prstClr val="white"/>
+              </a:solidFill>
+              <a:latin typeface="Calibri" panose="020F0502020204030204"/>
+            </a:endParaRPr>
+          </a:p>
+        </p:txBody>
+      </p:sp>
+      <p:sp>
+        <p:nvSpPr>
+          <p:cNvPr id="14" name="Rectangle 13">
+            <a:extLst>
+              <a:ext uri="{FF2B5EF4-FFF2-40B4-BE49-F238E27FC236}">
+                <a16:creationId xmlns:a16="http://schemas.microsoft.com/office/drawing/2014/main" id="{08C9B587-E65E-4B52-B37C-ABEBB6E87928}"/>
+              </a:ext>
+              <a:ext uri="{C183D7F6-B498-43B3-948B-1728B52AA6E4}">
+                <adec:decorative xmlns:adec="http://schemas.microsoft.com/office/drawing/2017/decorative" val="1"/>
+              </a:ext>
+            </a:extLst>
+          </p:cNvPr>
+          <p:cNvSpPr>
+            <a:spLocks noGrp="1" noRot="1" noChangeAspect="1" noMove="1" noResize="1" noEditPoints="1" noAdjustHandles="1" noChangeArrowheads="1" noChangeShapeType="1" noTextEdit="1"/>
+          </p:cNvSpPr>
+          <p:nvPr>
+            <p:extLst>
+              <p:ext uri="{386F3935-93C4-4BCD-93E2-E3B085C9AB24}">
+                <p16:designElem xmlns:p16="http://schemas.microsoft.com/office/powerpoint/2015/main" val="1"/>
+              </p:ext>
+            </p:extLst>
+          </p:nvPr>
+        </p:nvSpPr>
+        <p:spPr>
+          <a:xfrm>
+            <a:off x="481029" y="4546920"/>
+            <a:ext cx="4023360" cy="18288"/>
+          </a:xfrm>
+          <a:prstGeom prst="rect">
+            <a:avLst/>
+          </a:prstGeom>
+          <a:solidFill>
+            <a:srgbClr val="D5D5D5"/>
+          </a:solidFill>
+          <a:ln w="3175">
+            <a:noFill/>
+          </a:ln>
+          <a:effectLst/>
+        </p:spPr>
+        <p:style>
+          <a:lnRef idx="2">
+            <a:schemeClr val="accent1">
+              <a:shade val="50000"/>
+            </a:schemeClr>
+          </a:lnRef>
+          <a:fillRef idx="1">
+            <a:schemeClr val="accent1"/>
+          </a:fillRef>
+          <a:effectRef idx="0">
+            <a:schemeClr val="accent1"/>
+          </a:effectRef>
+          <a:fontRef idx="minor">
+            <a:schemeClr val="lt1"/>
+          </a:fontRef>
+        </p:style>
+        <p:txBody>
+          <a:bodyPr rtlCol="0" anchor="ctr"/>
+          <a:lstStyle/>
+          <a:p>
+            <a:pPr algn="ctr"/>
+            <a:endParaRPr lang="en-US">
+              <a:solidFill>
+                <a:prstClr val="white"/>
+              </a:solidFill>
+              <a:latin typeface="Calibri" panose="020F0502020204030204"/>
+            </a:endParaRPr>
+          </a:p>
+        </p:txBody>
+      </p:sp>
       <p:pic>
         <p:nvPicPr>
           <p:cNvPr id="5" name="Picture 4" descr="A close up of a flower&#10;&#10;Description automatically generated">
@@ -9499,13 +9640,13 @@
               </a:ext>
             </a:extLst>
           </a:blip>
-          <a:srcRect t="779" r="-1" b="3738"/>
+          <a:srcRect t="1698" r="1" b="4660"/>
           <a:stretch/>
         </p:blipFill>
         <p:spPr>
           <a:xfrm>
-            <a:off x="5461914" y="501450"/>
-            <a:ext cx="6132150" cy="5855100"/>
+            <a:off x="5733408" y="638443"/>
+            <a:ext cx="6098373" cy="5710727"/>
           </a:xfrm>
           <a:prstGeom prst="rect">
             <a:avLst/>
@@ -9530,10 +9671,9 @@
         </p:nvSpPr>
         <p:spPr>
           <a:xfrm>
-            <a:off x="838199" y="4629235"/>
-            <a:ext cx="6032863" cy="1680298"/>
+            <a:off x="477980" y="4872922"/>
+            <a:ext cx="4895209" cy="1564453"/>
           </a:xfrm>
-          <a:noFill/>
         </p:spPr>
         <p:txBody>
           <a:bodyPr>
@@ -9579,7 +9719,7 @@
     </p:spTree>
     <p:extLst>
       <p:ext uri="{BB962C8B-B14F-4D97-AF65-F5344CB8AC3E}">
-        <p14:creationId xmlns:p14="http://schemas.microsoft.com/office/powerpoint/2010/main" val="962675834"/>
+        <p14:creationId xmlns:p14="http://schemas.microsoft.com/office/powerpoint/2010/main" val="772073649"/>
       </p:ext>
     </p:extLst>
   </p:cSld>
@@ -11343,6 +11483,138 @@
           <p:cNvPr id="2" name="Title 1">
             <a:extLst>
               <a:ext uri="{FF2B5EF4-FFF2-40B4-BE49-F238E27FC236}">
+                <a16:creationId xmlns:a16="http://schemas.microsoft.com/office/drawing/2014/main" id="{A1A5D932-74A6-4E12-A1DE-2B48BAD3E905}"/>
+              </a:ext>
+            </a:extLst>
+          </p:cNvPr>
+          <p:cNvSpPr>
+            <a:spLocks noGrp="1"/>
+          </p:cNvSpPr>
+          <p:nvPr>
+            <p:ph type="title"/>
+          </p:nvPr>
+        </p:nvSpPr>
+        <p:spPr/>
+        <p:txBody>
+          <a:bodyPr>
+            <a:normAutofit fontScale="90000"/>
+          </a:bodyPr>
+          <a:lstStyle/>
+          <a:p>
+            <a:r>
+              <a:rPr lang="en-US" dirty="0">
+                <a:latin typeface="Univers (body)"/>
+              </a:rPr>
+              <a:t>Population Density and Income Strongest Factors when Modeling All Five States</a:t>
+            </a:r>
+          </a:p>
+        </p:txBody>
+      </p:sp>
+      <p:pic>
+        <p:nvPicPr>
+          <p:cNvPr id="8" name="Content Placeholder 7" descr="Chart, bar chart&#10;&#10;Description automatically generated">
+            <a:extLst>
+              <a:ext uri="{FF2B5EF4-FFF2-40B4-BE49-F238E27FC236}">
+                <a16:creationId xmlns:a16="http://schemas.microsoft.com/office/drawing/2014/main" id="{FD030CD7-FE67-4D33-B5B2-C5B7E0E3D65F}"/>
+              </a:ext>
+            </a:extLst>
+          </p:cNvPr>
+          <p:cNvPicPr>
+            <a:picLocks noGrp="1" noChangeAspect="1"/>
+          </p:cNvPicPr>
+          <p:nvPr>
+            <p:ph sz="half" idx="1"/>
+          </p:nvPr>
+        </p:nvPicPr>
+        <p:blipFill>
+          <a:blip r:embed="rId2">
+            <a:extLst>
+              <a:ext uri="{28A0092B-C50C-407E-A947-70E740481C1C}">
+                <a14:useLocalDpi xmlns:a14="http://schemas.microsoft.com/office/drawing/2010/main" val="0"/>
+              </a:ext>
+            </a:extLst>
+          </a:blip>
+          <a:stretch>
+            <a:fillRect/>
+          </a:stretch>
+        </p:blipFill>
+        <p:spPr>
+          <a:xfrm>
+            <a:off x="186643" y="2118998"/>
+            <a:ext cx="6119942" cy="3967356"/>
+          </a:xfrm>
+        </p:spPr>
+      </p:pic>
+      <p:pic>
+        <p:nvPicPr>
+          <p:cNvPr id="6" name="Content Placeholder 5" descr="Chart, scatter chart&#10;&#10;Description automatically generated">
+            <a:extLst>
+              <a:ext uri="{FF2B5EF4-FFF2-40B4-BE49-F238E27FC236}">
+                <a16:creationId xmlns:a16="http://schemas.microsoft.com/office/drawing/2014/main" id="{153AC1B3-F64B-4C3E-AAF0-84A3B86E3098}"/>
+              </a:ext>
+            </a:extLst>
+          </p:cNvPr>
+          <p:cNvPicPr>
+            <a:picLocks noGrp="1" noChangeAspect="1"/>
+          </p:cNvPicPr>
+          <p:nvPr>
+            <p:ph sz="half" idx="2"/>
+          </p:nvPr>
+        </p:nvPicPr>
+        <p:blipFill>
+          <a:blip r:embed="rId3">
+            <a:extLst>
+              <a:ext uri="{28A0092B-C50C-407E-A947-70E740481C1C}">
+                <a14:useLocalDpi xmlns:a14="http://schemas.microsoft.com/office/drawing/2010/main" val="0"/>
+              </a:ext>
+            </a:extLst>
+          </a:blip>
+          <a:stretch>
+            <a:fillRect/>
+          </a:stretch>
+        </p:blipFill>
+        <p:spPr>
+          <a:xfrm>
+            <a:off x="6352689" y="2118998"/>
+            <a:ext cx="5552074" cy="4055770"/>
+          </a:xfrm>
+        </p:spPr>
+      </p:pic>
+    </p:spTree>
+    <p:extLst>
+      <p:ext uri="{BB962C8B-B14F-4D97-AF65-F5344CB8AC3E}">
+        <p14:creationId xmlns:p14="http://schemas.microsoft.com/office/powerpoint/2010/main" val="44909633"/>
+      </p:ext>
+    </p:extLst>
+  </p:cSld>
+  <p:clrMapOvr>
+    <a:masterClrMapping/>
+  </p:clrMapOvr>
+</p:sld>
+</file>
+
+<file path=ppt/slides/slide12.xml><?xml version="1.0" encoding="utf-8"?>
+<p:sld xmlns:a="http://schemas.openxmlformats.org/drawingml/2006/main" xmlns:r="http://schemas.openxmlformats.org/officeDocument/2006/relationships" xmlns:p="http://schemas.openxmlformats.org/presentationml/2006/main">
+  <p:cSld>
+    <p:spTree>
+      <p:nvGrpSpPr>
+        <p:cNvPr id="1" name=""/>
+        <p:cNvGrpSpPr/>
+        <p:nvPr/>
+      </p:nvGrpSpPr>
+      <p:grpSpPr>
+        <a:xfrm>
+          <a:off x="0" y="0"/>
+          <a:ext cx="0" cy="0"/>
+          <a:chOff x="0" y="0"/>
+          <a:chExt cx="0" cy="0"/>
+        </a:xfrm>
+      </p:grpSpPr>
+      <p:sp>
+        <p:nvSpPr>
+          <p:cNvPr id="2" name="Title 1">
+            <a:extLst>
+              <a:ext uri="{FF2B5EF4-FFF2-40B4-BE49-F238E27FC236}">
                 <a16:creationId xmlns:a16="http://schemas.microsoft.com/office/drawing/2014/main" id="{5CA85E8E-1896-45D6-84F6-BA50194D75BD}"/>
               </a:ext>
             </a:extLst>
@@ -11410,41 +11682,6 @@
           </a:xfrm>
         </p:spPr>
       </p:pic>
-      <p:pic>
-        <p:nvPicPr>
-          <p:cNvPr id="20" name="Content Placeholder 19" descr="Chart, bar chart&#10;&#10;Description automatically generated">
-            <a:extLst>
-              <a:ext uri="{FF2B5EF4-FFF2-40B4-BE49-F238E27FC236}">
-                <a16:creationId xmlns:a16="http://schemas.microsoft.com/office/drawing/2014/main" id="{C8E24D5D-C892-4FFE-85C4-F5C0AEE9E12E}"/>
-              </a:ext>
-            </a:extLst>
-          </p:cNvPr>
-          <p:cNvPicPr>
-            <a:picLocks noGrp="1" noChangeAspect="1"/>
-          </p:cNvPicPr>
-          <p:nvPr>
-            <p:ph sz="half" idx="2"/>
-          </p:nvPr>
-        </p:nvPicPr>
-        <p:blipFill>
-          <a:blip r:embed="rId3">
-            <a:extLst>
-              <a:ext uri="{28A0092B-C50C-407E-A947-70E740481C1C}">
-                <a14:useLocalDpi xmlns:a14="http://schemas.microsoft.com/office/drawing/2010/main" val="0"/>
-              </a:ext>
-            </a:extLst>
-          </a:blip>
-          <a:stretch>
-            <a:fillRect/>
-          </a:stretch>
-        </p:blipFill>
-        <p:spPr>
-          <a:xfrm>
-            <a:off x="6059553" y="2138985"/>
-            <a:ext cx="6045332" cy="3718822"/>
-          </a:xfrm>
-        </p:spPr>
-      </p:pic>
     </p:spTree>
     <p:extLst>
       <p:ext uri="{BB962C8B-B14F-4D97-AF65-F5344CB8AC3E}">
@@ -11458,7 +11695,7 @@
 </p:sld>
 </file>
 
-<file path=ppt/slides/slide12.xml><?xml version="1.0" encoding="utf-8"?>
+<file path=ppt/slides/slide13.xml><?xml version="1.0" encoding="utf-8"?>
 <p:sld xmlns:a="http://schemas.openxmlformats.org/drawingml/2006/main" xmlns:r="http://schemas.openxmlformats.org/officeDocument/2006/relationships" xmlns:p="http://schemas.openxmlformats.org/presentationml/2006/main">
   <p:cSld>
     <p:spTree>
@@ -11542,17 +11779,17 @@
         </p:blipFill>
         <p:spPr>
           <a:xfrm>
-            <a:off x="22495" y="2065525"/>
-            <a:ext cx="5927637" cy="3758764"/>
+            <a:off x="313439" y="2083411"/>
+            <a:ext cx="5864649" cy="3718823"/>
           </a:xfrm>
         </p:spPr>
       </p:pic>
       <p:pic>
         <p:nvPicPr>
-          <p:cNvPr id="6" name="Content Placeholder 5" descr="Chart&#10;&#10;Description automatically generated">
+          <p:cNvPr id="20" name="Content Placeholder 19" descr="Chart, bar chart&#10;&#10;Description automatically generated">
             <a:extLst>
               <a:ext uri="{FF2B5EF4-FFF2-40B4-BE49-F238E27FC236}">
-                <a16:creationId xmlns:a16="http://schemas.microsoft.com/office/drawing/2014/main" id="{355734C8-2096-4C19-ABC9-B53DBC21BAD9}"/>
+                <a16:creationId xmlns:a16="http://schemas.microsoft.com/office/drawing/2014/main" id="{C8E24D5D-C892-4FFE-85C4-F5C0AEE9E12E}"/>
               </a:ext>
             </a:extLst>
           </p:cNvPr>
@@ -11577,152 +11814,15 @@
         </p:blipFill>
         <p:spPr>
           <a:xfrm>
-            <a:off x="5950132" y="1930519"/>
-            <a:ext cx="5840655" cy="3893770"/>
+            <a:off x="6059553" y="2138985"/>
+            <a:ext cx="6045332" cy="3718822"/>
           </a:xfrm>
         </p:spPr>
       </p:pic>
     </p:spTree>
     <p:extLst>
       <p:ext uri="{BB962C8B-B14F-4D97-AF65-F5344CB8AC3E}">
-        <p14:creationId xmlns:p14="http://schemas.microsoft.com/office/powerpoint/2010/main" val="4203865588"/>
-      </p:ext>
-    </p:extLst>
-  </p:cSld>
-  <p:clrMapOvr>
-    <a:masterClrMapping/>
-  </p:clrMapOvr>
-</p:sld>
-</file>
-
-<file path=ppt/slides/slide13.xml><?xml version="1.0" encoding="utf-8"?>
-<p:sld xmlns:a="http://schemas.openxmlformats.org/drawingml/2006/main" xmlns:r="http://schemas.openxmlformats.org/officeDocument/2006/relationships" xmlns:p="http://schemas.openxmlformats.org/presentationml/2006/main">
-  <p:cSld>
-    <p:spTree>
-      <p:nvGrpSpPr>
-        <p:cNvPr id="1" name=""/>
-        <p:cNvGrpSpPr/>
-        <p:nvPr/>
-      </p:nvGrpSpPr>
-      <p:grpSpPr>
-        <a:xfrm>
-          <a:off x="0" y="0"/>
-          <a:ext cx="0" cy="0"/>
-          <a:chOff x="0" y="0"/>
-          <a:chExt cx="0" cy="0"/>
-        </a:xfrm>
-      </p:grpSpPr>
-      <p:sp>
-        <p:nvSpPr>
-          <p:cNvPr id="2" name="Title 1">
-            <a:extLst>
-              <a:ext uri="{FF2B5EF4-FFF2-40B4-BE49-F238E27FC236}">
-                <a16:creationId xmlns:a16="http://schemas.microsoft.com/office/drawing/2014/main" id="{5CA85E8E-1896-45D6-84F6-BA50194D75BD}"/>
-              </a:ext>
-            </a:extLst>
-          </p:cNvPr>
-          <p:cNvSpPr>
-            <a:spLocks noGrp="1"/>
-          </p:cNvSpPr>
-          <p:nvPr>
-            <p:ph type="title"/>
-          </p:nvPr>
-        </p:nvSpPr>
-        <p:spPr>
-          <a:xfrm>
-            <a:off x="838199" y="365125"/>
-            <a:ext cx="11065330" cy="1325563"/>
-          </a:xfrm>
-        </p:spPr>
-        <p:txBody>
-          <a:bodyPr>
-            <a:normAutofit/>
-          </a:bodyPr>
-          <a:lstStyle/>
-          <a:p>
-            <a:r>
-              <a:rPr lang="en-US" sz="4000" dirty="0">
-                <a:latin typeface="Univers (body)"/>
-              </a:rPr>
-              <a:t>Predictors Varied in State-Level Models</a:t>
-            </a:r>
-          </a:p>
-        </p:txBody>
-      </p:sp>
-      <p:pic>
-        <p:nvPicPr>
-          <p:cNvPr id="6" name="Content Placeholder 5" descr="Chart, bar chart&#10;&#10;Description automatically generated">
-            <a:extLst>
-              <a:ext uri="{FF2B5EF4-FFF2-40B4-BE49-F238E27FC236}">
-                <a16:creationId xmlns:a16="http://schemas.microsoft.com/office/drawing/2014/main" id="{F6DA7980-634A-42AC-A741-88078191D217}"/>
-              </a:ext>
-            </a:extLst>
-          </p:cNvPr>
-          <p:cNvPicPr>
-            <a:picLocks noGrp="1" noChangeAspect="1"/>
-          </p:cNvPicPr>
-          <p:nvPr>
-            <p:ph sz="half" idx="1"/>
-          </p:nvPr>
-        </p:nvPicPr>
-        <p:blipFill>
-          <a:blip r:embed="rId2">
-            <a:extLst>
-              <a:ext uri="{28A0092B-C50C-407E-A947-70E740481C1C}">
-                <a14:useLocalDpi xmlns:a14="http://schemas.microsoft.com/office/drawing/2010/main" val="0"/>
-              </a:ext>
-            </a:extLst>
-          </a:blip>
-          <a:stretch>
-            <a:fillRect/>
-          </a:stretch>
-        </p:blipFill>
-        <p:spPr>
-          <a:xfrm>
-            <a:off x="278675" y="2044416"/>
-            <a:ext cx="5854337" cy="3601330"/>
-          </a:xfrm>
-        </p:spPr>
-      </p:pic>
-      <p:pic>
-        <p:nvPicPr>
-          <p:cNvPr id="10" name="Content Placeholder 9" descr="Chart&#10;&#10;Description automatically generated">
-            <a:extLst>
-              <a:ext uri="{FF2B5EF4-FFF2-40B4-BE49-F238E27FC236}">
-                <a16:creationId xmlns:a16="http://schemas.microsoft.com/office/drawing/2014/main" id="{193A27A3-CCB1-43DB-9659-D18BBAA86BAA}"/>
-              </a:ext>
-            </a:extLst>
-          </p:cNvPr>
-          <p:cNvPicPr>
-            <a:picLocks noGrp="1" noChangeAspect="1"/>
-          </p:cNvPicPr>
-          <p:nvPr>
-            <p:ph sz="half" idx="2"/>
-          </p:nvPr>
-        </p:nvPicPr>
-        <p:blipFill>
-          <a:blip r:embed="rId3">
-            <a:extLst>
-              <a:ext uri="{28A0092B-C50C-407E-A947-70E740481C1C}">
-                <a14:useLocalDpi xmlns:a14="http://schemas.microsoft.com/office/drawing/2010/main" val="0"/>
-              </a:ext>
-            </a:extLst>
-          </a:blip>
-          <a:stretch>
-            <a:fillRect/>
-          </a:stretch>
-        </p:blipFill>
-        <p:spPr>
-          <a:xfrm>
-            <a:off x="6133012" y="1893635"/>
-            <a:ext cx="5854337" cy="3902891"/>
-          </a:xfrm>
-        </p:spPr>
-      </p:pic>
-    </p:spTree>
-    <p:extLst>
-      <p:ext uri="{BB962C8B-B14F-4D97-AF65-F5344CB8AC3E}">
-        <p14:creationId xmlns:p14="http://schemas.microsoft.com/office/powerpoint/2010/main" val="4120571536"/>
+        <p14:creationId xmlns:p14="http://schemas.microsoft.com/office/powerpoint/2010/main" val="98062703"/>
       </p:ext>
     </p:extLst>
   </p:cSld>
@@ -12032,11 +12132,14 @@
           <a:lstStyle/>
           <a:p>
             <a:r>
-              <a:rPr lang="en-US" sz="5200" dirty="0">
+              <a:rPr lang="en-US" sz="5200">
                 <a:latin typeface="Univers (body)"/>
               </a:rPr>
               <a:t>Demo: Interacting with Demographic Data and Classification Model</a:t>
             </a:r>
+            <a:endParaRPr lang="en-US" sz="5200" dirty="0">
+              <a:latin typeface="Univers (body)"/>
+            </a:endParaRPr>
           </a:p>
         </p:txBody>
       </p:sp>
@@ -13037,14 +13140,6 @@
 <file path=ppt/slides/slide2.xml><?xml version="1.0" encoding="utf-8"?>
 <p:sld xmlns:a="http://schemas.openxmlformats.org/drawingml/2006/main" xmlns:r="http://schemas.openxmlformats.org/officeDocument/2006/relationships" xmlns:p="http://schemas.openxmlformats.org/presentationml/2006/main">
   <p:cSld>
-    <p:bg>
-      <p:bgPr>
-        <a:solidFill>
-          <a:schemeClr val="bg1"/>
-        </a:solidFill>
-        <a:effectLst/>
-      </p:bgPr>
-    </p:bg>
     <p:spTree>
       <p:nvGrpSpPr>
         <p:cNvPr id="1" name=""/>
@@ -13059,72 +13154,12 @@
           <a:chExt cx="0" cy="0"/>
         </a:xfrm>
       </p:grpSpPr>
-      <p:sp useBgFill="1">
-        <p:nvSpPr>
-          <p:cNvPr id="10" name="Rectangle 9">
-            <a:extLst>
-              <a:ext uri="{FF2B5EF4-FFF2-40B4-BE49-F238E27FC236}">
-                <a16:creationId xmlns:a16="http://schemas.microsoft.com/office/drawing/2014/main" id="{0E2F58BF-12E5-4B5A-AD25-4DAAA2742A7B}"/>
-              </a:ext>
-              <a:ext uri="{C183D7F6-B498-43B3-948B-1728B52AA6E4}">
-                <adec:decorative xmlns:adec="http://schemas.microsoft.com/office/drawing/2017/decorative" val="1"/>
-              </a:ext>
-            </a:extLst>
-          </p:cNvPr>
-          <p:cNvSpPr>
-            <a:spLocks noGrp="1" noRot="1" noChangeAspect="1" noMove="1" noResize="1" noEditPoints="1" noAdjustHandles="1" noChangeArrowheads="1" noChangeShapeType="1" noTextEdit="1"/>
-          </p:cNvSpPr>
-          <p:nvPr>
-            <p:extLst>
-              <p:ext uri="{386F3935-93C4-4BCD-93E2-E3B085C9AB24}">
-                <p16:designElem xmlns:p16="http://schemas.microsoft.com/office/powerpoint/2015/main" val="1"/>
-              </p:ext>
-            </p:extLst>
-          </p:nvPr>
-        </p:nvSpPr>
-        <p:spPr>
-          <a:xfrm>
-            <a:off x="0" y="0"/>
-            <a:ext cx="12192000" cy="6858000"/>
-          </a:xfrm>
-          <a:prstGeom prst="rect">
-            <a:avLst/>
-          </a:prstGeom>
-          <a:ln>
-            <a:noFill/>
-          </a:ln>
-        </p:spPr>
-        <p:style>
-          <a:lnRef idx="2">
-            <a:schemeClr val="accent1">
-              <a:shade val="50000"/>
-            </a:schemeClr>
-          </a:lnRef>
-          <a:fillRef idx="1">
-            <a:schemeClr val="accent1"/>
-          </a:fillRef>
-          <a:effectRef idx="0">
-            <a:schemeClr val="accent1"/>
-          </a:effectRef>
-          <a:fontRef idx="minor">
-            <a:schemeClr val="lt1"/>
-          </a:fontRef>
-        </p:style>
-        <p:txBody>
-          <a:bodyPr rtlCol="0" anchor="ctr"/>
-          <a:lstStyle/>
-          <a:p>
-            <a:pPr algn="ctr"/>
-            <a:endParaRPr lang="en-US"/>
-          </a:p>
-        </p:txBody>
-      </p:sp>
       <p:sp>
         <p:nvSpPr>
           <p:cNvPr id="2" name="Title 1">
             <a:extLst>
               <a:ext uri="{FF2B5EF4-FFF2-40B4-BE49-F238E27FC236}">
-                <a16:creationId xmlns:a16="http://schemas.microsoft.com/office/drawing/2014/main" id="{BC9265AD-2C88-41B3-A940-B4790B6F3748}"/>
+                <a16:creationId xmlns:a16="http://schemas.microsoft.com/office/drawing/2014/main" id="{1C086237-4AD6-4141-95B3-E7ADF12CD7CA}"/>
               </a:ext>
             </a:extLst>
           </p:cNvPr>
@@ -13132,184 +13167,47 @@
             <a:spLocks noGrp="1"/>
           </p:cNvSpPr>
           <p:nvPr>
-            <p:ph type="ctrTitle"/>
+            <p:ph type="title"/>
           </p:nvPr>
         </p:nvSpPr>
         <p:spPr>
           <a:xfrm>
-            <a:off x="477980" y="1220388"/>
-            <a:ext cx="4738453" cy="3204134"/>
+            <a:off x="642815" y="505802"/>
+            <a:ext cx="11103708" cy="1325563"/>
           </a:xfrm>
         </p:spPr>
         <p:txBody>
-          <a:bodyPr anchor="b">
-            <a:noAutofit/>
-          </a:bodyPr>
+          <a:bodyPr/>
           <a:lstStyle/>
           <a:p>
-            <a:pPr algn="l"/>
+            <a:pPr algn="ctr"/>
             <a:r>
-              <a:rPr lang="en-US" sz="4800" dirty="0">
+              <a:rPr lang="en-US" dirty="0">
                 <a:latin typeface="Univers (body)"/>
                 <a:cs typeface="Arial" panose="020B0604020202020204" pitchFamily="34" charset="0"/>
               </a:rPr>
-              <a:t>Predicting COVID-19 Using Demographic Data</a:t>
+              <a:t>Can we predict COVID-19 severity using demographic data?</a:t>
             </a:r>
-          </a:p>
-        </p:txBody>
-      </p:sp>
-      <p:sp>
-        <p:nvSpPr>
-          <p:cNvPr id="12" name="Rectangle 11">
-            <a:extLst>
-              <a:ext uri="{FF2B5EF4-FFF2-40B4-BE49-F238E27FC236}">
-                <a16:creationId xmlns:a16="http://schemas.microsoft.com/office/drawing/2014/main" id="{AF2F604E-43BE-4DC3-B983-E071523364F8}"/>
-              </a:ext>
-              <a:ext uri="{C183D7F6-B498-43B3-948B-1728B52AA6E4}">
-                <adec:decorative xmlns:adec="http://schemas.microsoft.com/office/drawing/2017/decorative" val="1"/>
-              </a:ext>
-            </a:extLst>
-          </p:cNvPr>
-          <p:cNvSpPr>
-            <a:spLocks noGrp="1" noRot="1" noChangeAspect="1" noMove="1" noResize="1" noEditPoints="1" noAdjustHandles="1" noChangeArrowheads="1" noChangeShapeType="1" noTextEdit="1"/>
-          </p:cNvSpPr>
-          <p:nvPr>
-            <p:extLst>
-              <p:ext uri="{386F3935-93C4-4BCD-93E2-E3B085C9AB24}">
-                <p16:designElem xmlns:p16="http://schemas.microsoft.com/office/powerpoint/2015/main" val="1"/>
-              </p:ext>
-            </p:extLst>
-          </p:nvPr>
-        </p:nvSpPr>
-        <p:spPr>
-          <a:xfrm rot="5400000">
-            <a:off x="759921" y="346791"/>
-            <a:ext cx="146304" cy="704088"/>
-          </a:xfrm>
-          <a:prstGeom prst="rect">
-            <a:avLst/>
-          </a:prstGeom>
-          <a:solidFill>
-            <a:schemeClr val="accent2"/>
-          </a:solidFill>
-          <a:ln>
-            <a:noFill/>
-          </a:ln>
-        </p:spPr>
-        <p:style>
-          <a:lnRef idx="2">
-            <a:schemeClr val="accent1">
-              <a:shade val="50000"/>
-            </a:schemeClr>
-          </a:lnRef>
-          <a:fillRef idx="1">
-            <a:schemeClr val="accent1"/>
-          </a:fillRef>
-          <a:effectRef idx="0">
-            <a:schemeClr val="accent1"/>
-          </a:effectRef>
-          <a:fontRef idx="minor">
-            <a:schemeClr val="lt1"/>
-          </a:fontRef>
-        </p:style>
-        <p:txBody>
-          <a:bodyPr rtlCol="0" anchor="ctr"/>
-          <a:lstStyle/>
-          <a:p>
-            <a:pPr algn="ctr"/>
-            <a:endParaRPr lang="en-US">
-              <a:solidFill>
-                <a:prstClr val="white"/>
-              </a:solidFill>
-              <a:latin typeface="Calibri" panose="020F0502020204030204"/>
-            </a:endParaRPr>
-          </a:p>
-        </p:txBody>
-      </p:sp>
-      <p:sp>
-        <p:nvSpPr>
-          <p:cNvPr id="14" name="Rectangle 13">
-            <a:extLst>
-              <a:ext uri="{FF2B5EF4-FFF2-40B4-BE49-F238E27FC236}">
-                <a16:creationId xmlns:a16="http://schemas.microsoft.com/office/drawing/2014/main" id="{08C9B587-E65E-4B52-B37C-ABEBB6E87928}"/>
-              </a:ext>
-              <a:ext uri="{C183D7F6-B498-43B3-948B-1728B52AA6E4}">
-                <adec:decorative xmlns:adec="http://schemas.microsoft.com/office/drawing/2017/decorative" val="1"/>
-              </a:ext>
-            </a:extLst>
-          </p:cNvPr>
-          <p:cNvSpPr>
-            <a:spLocks noGrp="1" noRot="1" noChangeAspect="1" noMove="1" noResize="1" noEditPoints="1" noAdjustHandles="1" noChangeArrowheads="1" noChangeShapeType="1" noTextEdit="1"/>
-          </p:cNvSpPr>
-          <p:nvPr>
-            <p:extLst>
-              <p:ext uri="{386F3935-93C4-4BCD-93E2-E3B085C9AB24}">
-                <p16:designElem xmlns:p16="http://schemas.microsoft.com/office/powerpoint/2015/main" val="1"/>
-              </p:ext>
-            </p:extLst>
-          </p:nvPr>
-        </p:nvSpPr>
-        <p:spPr>
-          <a:xfrm>
-            <a:off x="481029" y="4546920"/>
-            <a:ext cx="4023360" cy="18288"/>
-          </a:xfrm>
-          <a:prstGeom prst="rect">
-            <a:avLst/>
-          </a:prstGeom>
-          <a:solidFill>
-            <a:srgbClr val="D5D5D5"/>
-          </a:solidFill>
-          <a:ln w="3175">
-            <a:noFill/>
-          </a:ln>
-          <a:effectLst/>
-        </p:spPr>
-        <p:style>
-          <a:lnRef idx="2">
-            <a:schemeClr val="accent1">
-              <a:shade val="50000"/>
-            </a:schemeClr>
-          </a:lnRef>
-          <a:fillRef idx="1">
-            <a:schemeClr val="accent1"/>
-          </a:fillRef>
-          <a:effectRef idx="0">
-            <a:schemeClr val="accent1"/>
-          </a:effectRef>
-          <a:fontRef idx="minor">
-            <a:schemeClr val="lt1"/>
-          </a:fontRef>
-        </p:style>
-        <p:txBody>
-          <a:bodyPr rtlCol="0" anchor="ctr"/>
-          <a:lstStyle/>
-          <a:p>
-            <a:pPr algn="ctr"/>
-            <a:endParaRPr lang="en-US">
-              <a:solidFill>
-                <a:prstClr val="white"/>
-              </a:solidFill>
-              <a:latin typeface="Calibri" panose="020F0502020204030204"/>
-            </a:endParaRPr>
           </a:p>
         </p:txBody>
       </p:sp>
       <p:pic>
         <p:nvPicPr>
-          <p:cNvPr id="5" name="Picture 4" descr="A close up of a flower&#10;&#10;Description automatically generated">
+          <p:cNvPr id="5" name="Content Placeholder 4" descr="Map&#10;&#10;Description automatically generated">
             <a:extLst>
               <a:ext uri="{FF2B5EF4-FFF2-40B4-BE49-F238E27FC236}">
-                <a16:creationId xmlns:a16="http://schemas.microsoft.com/office/drawing/2014/main" id="{2FEAFB3A-DD73-4E57-8411-4E49D284EC1C}"/>
+                <a16:creationId xmlns:a16="http://schemas.microsoft.com/office/drawing/2014/main" id="{B63EA9B2-1151-47BE-9DD8-FE89AAE60894}"/>
               </a:ext>
             </a:extLst>
           </p:cNvPr>
           <p:cNvPicPr>
-            <a:picLocks noChangeAspect="1"/>
+            <a:picLocks noGrp="1" noChangeAspect="1"/>
           </p:cNvPicPr>
-          <p:nvPr/>
+          <p:nvPr>
+            <p:ph idx="1"/>
+          </p:nvPr>
         </p:nvPicPr>
-        <p:blipFill rotWithShape="1">
+        <p:blipFill>
           <a:blip r:embed="rId2">
             <a:extLst>
               <a:ext uri="{28A0092B-C50C-407E-A947-70E740481C1C}">
@@ -13317,86 +13215,21 @@
               </a:ext>
             </a:extLst>
           </a:blip>
-          <a:srcRect t="1698" r="1" b="4660"/>
-          <a:stretch/>
+          <a:stretch>
+            <a:fillRect/>
+          </a:stretch>
         </p:blipFill>
         <p:spPr>
           <a:xfrm>
-            <a:off x="5733408" y="638443"/>
-            <a:ext cx="6098373" cy="5710727"/>
+            <a:off x="2313368" y="2146055"/>
+            <a:ext cx="7299541" cy="4351338"/>
           </a:xfrm>
-          <a:prstGeom prst="rect">
-            <a:avLst/>
-          </a:prstGeom>
         </p:spPr>
       </p:pic>
-      <p:sp>
-        <p:nvSpPr>
-          <p:cNvPr id="3" name="Subtitle 2">
-            <a:extLst>
-              <a:ext uri="{FF2B5EF4-FFF2-40B4-BE49-F238E27FC236}">
-                <a16:creationId xmlns:a16="http://schemas.microsoft.com/office/drawing/2014/main" id="{B8398EFA-7326-4F45-A3AD-F8A093790D0D}"/>
-              </a:ext>
-            </a:extLst>
-          </p:cNvPr>
-          <p:cNvSpPr>
-            <a:spLocks noGrp="1"/>
-          </p:cNvSpPr>
-          <p:nvPr>
-            <p:ph type="subTitle" idx="1"/>
-          </p:nvPr>
-        </p:nvSpPr>
-        <p:spPr>
-          <a:xfrm>
-            <a:off x="477980" y="4872922"/>
-            <a:ext cx="4895209" cy="1564453"/>
-          </a:xfrm>
-        </p:spPr>
-        <p:txBody>
-          <a:bodyPr>
-            <a:normAutofit/>
-          </a:bodyPr>
-          <a:lstStyle/>
-          <a:p>
-            <a:pPr algn="l"/>
-            <a:r>
-              <a:rPr lang="en-US" sz="2000" dirty="0">
-                <a:latin typeface="Univers (body)"/>
-                <a:cs typeface="Arial" panose="020B0604020202020204" pitchFamily="34" charset="0"/>
-              </a:rPr>
-              <a:t>Caroline Clark, Feras Atwal, James Lee</a:t>
-            </a:r>
-          </a:p>
-          <a:p>
-            <a:pPr algn="l"/>
-            <a:r>
-              <a:rPr lang="en-US" sz="2000" dirty="0">
-                <a:latin typeface="Univers (body)"/>
-                <a:cs typeface="Arial" panose="020B0604020202020204" pitchFamily="34" charset="0"/>
-              </a:rPr>
-              <a:t>October 30</a:t>
-            </a:r>
-            <a:r>
-              <a:rPr lang="en-US" sz="2000" baseline="30000" dirty="0">
-                <a:latin typeface="Univers (body)"/>
-                <a:cs typeface="Arial" panose="020B0604020202020204" pitchFamily="34" charset="0"/>
-              </a:rPr>
-              <a:t>th</a:t>
-            </a:r>
-            <a:r>
-              <a:rPr lang="en-US" sz="2000" dirty="0">
-                <a:latin typeface="Univers (body)"/>
-                <a:cs typeface="Arial" panose="020B0604020202020204" pitchFamily="34" charset="0"/>
-              </a:rPr>
-              <a:t>, 2020</a:t>
-            </a:r>
-          </a:p>
-        </p:txBody>
-      </p:sp>
     </p:spTree>
     <p:extLst>
       <p:ext uri="{BB962C8B-B14F-4D97-AF65-F5344CB8AC3E}">
-        <p14:creationId xmlns:p14="http://schemas.microsoft.com/office/powerpoint/2010/main" val="772073649"/>
+        <p14:creationId xmlns:p14="http://schemas.microsoft.com/office/powerpoint/2010/main" val="1716994429"/>
       </p:ext>
     </p:extLst>
   </p:cSld>
@@ -14269,108 +14102,6 @@
 </file>
 
 <file path=ppt/slides/slide3.xml><?xml version="1.0" encoding="utf-8"?>
-<p:sld xmlns:a="http://schemas.openxmlformats.org/drawingml/2006/main" xmlns:r="http://schemas.openxmlformats.org/officeDocument/2006/relationships" xmlns:p="http://schemas.openxmlformats.org/presentationml/2006/main">
-  <p:cSld>
-    <p:spTree>
-      <p:nvGrpSpPr>
-        <p:cNvPr id="1" name=""/>
-        <p:cNvGrpSpPr/>
-        <p:nvPr/>
-      </p:nvGrpSpPr>
-      <p:grpSpPr>
-        <a:xfrm>
-          <a:off x="0" y="0"/>
-          <a:ext cx="0" cy="0"/>
-          <a:chOff x="0" y="0"/>
-          <a:chExt cx="0" cy="0"/>
-        </a:xfrm>
-      </p:grpSpPr>
-      <p:sp>
-        <p:nvSpPr>
-          <p:cNvPr id="2" name="Title 1">
-            <a:extLst>
-              <a:ext uri="{FF2B5EF4-FFF2-40B4-BE49-F238E27FC236}">
-                <a16:creationId xmlns:a16="http://schemas.microsoft.com/office/drawing/2014/main" id="{1C086237-4AD6-4141-95B3-E7ADF12CD7CA}"/>
-              </a:ext>
-            </a:extLst>
-          </p:cNvPr>
-          <p:cNvSpPr>
-            <a:spLocks noGrp="1"/>
-          </p:cNvSpPr>
-          <p:nvPr>
-            <p:ph type="title"/>
-          </p:nvPr>
-        </p:nvSpPr>
-        <p:spPr>
-          <a:xfrm>
-            <a:off x="642815" y="505802"/>
-            <a:ext cx="11103708" cy="1325563"/>
-          </a:xfrm>
-        </p:spPr>
-        <p:txBody>
-          <a:bodyPr/>
-          <a:lstStyle/>
-          <a:p>
-            <a:pPr algn="ctr"/>
-            <a:r>
-              <a:rPr lang="en-US" dirty="0">
-                <a:latin typeface="Univers (body)"/>
-                <a:cs typeface="Arial" panose="020B0604020202020204" pitchFamily="34" charset="0"/>
-              </a:rPr>
-              <a:t>Can we predict COVID-19 severity using demographic data?</a:t>
-            </a:r>
-          </a:p>
-        </p:txBody>
-      </p:sp>
-      <p:pic>
-        <p:nvPicPr>
-          <p:cNvPr id="5" name="Content Placeholder 4" descr="Map&#10;&#10;Description automatically generated">
-            <a:extLst>
-              <a:ext uri="{FF2B5EF4-FFF2-40B4-BE49-F238E27FC236}">
-                <a16:creationId xmlns:a16="http://schemas.microsoft.com/office/drawing/2014/main" id="{B63EA9B2-1151-47BE-9DD8-FE89AAE60894}"/>
-              </a:ext>
-            </a:extLst>
-          </p:cNvPr>
-          <p:cNvPicPr>
-            <a:picLocks noGrp="1" noChangeAspect="1"/>
-          </p:cNvPicPr>
-          <p:nvPr>
-            <p:ph idx="1"/>
-          </p:nvPr>
-        </p:nvPicPr>
-        <p:blipFill>
-          <a:blip r:embed="rId2">
-            <a:extLst>
-              <a:ext uri="{28A0092B-C50C-407E-A947-70E740481C1C}">
-                <a14:useLocalDpi xmlns:a14="http://schemas.microsoft.com/office/drawing/2010/main" val="0"/>
-              </a:ext>
-            </a:extLst>
-          </a:blip>
-          <a:stretch>
-            <a:fillRect/>
-          </a:stretch>
-        </p:blipFill>
-        <p:spPr>
-          <a:xfrm>
-            <a:off x="2313368" y="2146055"/>
-            <a:ext cx="7299541" cy="4351338"/>
-          </a:xfrm>
-        </p:spPr>
-      </p:pic>
-    </p:spTree>
-    <p:extLst>
-      <p:ext uri="{BB962C8B-B14F-4D97-AF65-F5344CB8AC3E}">
-        <p14:creationId xmlns:p14="http://schemas.microsoft.com/office/powerpoint/2010/main" val="1716994429"/>
-      </p:ext>
-    </p:extLst>
-  </p:cSld>
-  <p:clrMapOvr>
-    <a:masterClrMapping/>
-  </p:clrMapOvr>
-</p:sld>
-</file>
-
-<file path=ppt/slides/slide4.xml><?xml version="1.0" encoding="utf-8"?>
 <p:sld xmlns:a="http://schemas.openxmlformats.org/drawingml/2006/main" xmlns:r="http://schemas.openxmlformats.org/officeDocument/2006/relationships" xmlns:p="http://schemas.openxmlformats.org/presentationml/2006/main">
   <p:cSld>
     <p:bg>
@@ -14674,7 +14405,7 @@
 </p:sld>
 </file>
 
-<file path=ppt/slides/slide5.xml><?xml version="1.0" encoding="utf-8"?>
+<file path=ppt/slides/slide4.xml><?xml version="1.0" encoding="utf-8"?>
 <p:sld xmlns:a="http://schemas.openxmlformats.org/drawingml/2006/main" xmlns:r="http://schemas.openxmlformats.org/officeDocument/2006/relationships" xmlns:p="http://schemas.openxmlformats.org/presentationml/2006/main">
   <p:cSld>
     <p:spTree>
@@ -15108,7 +14839,7 @@
 </p:sld>
 </file>
 
-<file path=ppt/slides/slide6.xml><?xml version="1.0" encoding="utf-8"?>
+<file path=ppt/slides/slide5.xml><?xml version="1.0" encoding="utf-8"?>
 <p:sld xmlns:a="http://schemas.openxmlformats.org/drawingml/2006/main" xmlns:r="http://schemas.openxmlformats.org/officeDocument/2006/relationships" xmlns:p="http://schemas.openxmlformats.org/presentationml/2006/main">
   <p:cSld>
     <p:bg>
@@ -15476,7 +15207,7 @@
 </p:sld>
 </file>
 
-<file path=ppt/slides/slide7.xml><?xml version="1.0" encoding="utf-8"?>
+<file path=ppt/slides/slide6.xml><?xml version="1.0" encoding="utf-8"?>
 <p:sld xmlns:a="http://schemas.openxmlformats.org/drawingml/2006/main" xmlns:r="http://schemas.openxmlformats.org/officeDocument/2006/relationships" xmlns:p="http://schemas.openxmlformats.org/presentationml/2006/main">
   <p:cSld>
     <p:spTree>
@@ -15555,8 +15286,8 @@
         </p:blipFill>
         <p:spPr>
           <a:xfrm>
-            <a:off x="72716" y="2167982"/>
-            <a:ext cx="5857277" cy="3353930"/>
+            <a:off x="188252" y="2143845"/>
+            <a:ext cx="6038701" cy="3457815"/>
           </a:xfrm>
         </p:spPr>
       </p:pic>
@@ -15590,8 +15321,8 @@
         </p:blipFill>
         <p:spPr>
           <a:xfrm>
-            <a:off x="5929993" y="2218826"/>
-            <a:ext cx="5541108" cy="3252241"/>
+            <a:off x="6299190" y="2189812"/>
+            <a:ext cx="5656003" cy="3319676"/>
           </a:xfrm>
         </p:spPr>
       </p:pic>
@@ -15599,6 +15330,138 @@
     <p:extLst>
       <p:ext uri="{BB962C8B-B14F-4D97-AF65-F5344CB8AC3E}">
         <p14:creationId xmlns:p14="http://schemas.microsoft.com/office/powerpoint/2010/main" val="502793554"/>
+      </p:ext>
+    </p:extLst>
+  </p:cSld>
+  <p:clrMapOvr>
+    <a:masterClrMapping/>
+  </p:clrMapOvr>
+</p:sld>
+</file>
+
+<file path=ppt/slides/slide7.xml><?xml version="1.0" encoding="utf-8"?>
+<p:sld xmlns:a="http://schemas.openxmlformats.org/drawingml/2006/main" xmlns:r="http://schemas.openxmlformats.org/officeDocument/2006/relationships" xmlns:p="http://schemas.openxmlformats.org/presentationml/2006/main">
+  <p:cSld>
+    <p:spTree>
+      <p:nvGrpSpPr>
+        <p:cNvPr id="1" name=""/>
+        <p:cNvGrpSpPr/>
+        <p:nvPr/>
+      </p:nvGrpSpPr>
+      <p:grpSpPr>
+        <a:xfrm>
+          <a:off x="0" y="0"/>
+          <a:ext cx="0" cy="0"/>
+          <a:chOff x="0" y="0"/>
+          <a:chExt cx="0" cy="0"/>
+        </a:xfrm>
+      </p:grpSpPr>
+      <p:sp>
+        <p:nvSpPr>
+          <p:cNvPr id="2" name="Title 1">
+            <a:extLst>
+              <a:ext uri="{FF2B5EF4-FFF2-40B4-BE49-F238E27FC236}">
+                <a16:creationId xmlns:a16="http://schemas.microsoft.com/office/drawing/2014/main" id="{C25562AC-F94B-42FD-8660-A811F4491437}"/>
+              </a:ext>
+            </a:extLst>
+          </p:cNvPr>
+          <p:cNvSpPr>
+            <a:spLocks noGrp="1"/>
+          </p:cNvSpPr>
+          <p:nvPr>
+            <p:ph type="title"/>
+          </p:nvPr>
+        </p:nvSpPr>
+        <p:spPr/>
+        <p:txBody>
+          <a:bodyPr>
+            <a:normAutofit fontScale="90000"/>
+          </a:bodyPr>
+          <a:lstStyle/>
+          <a:p>
+            <a:r>
+              <a:rPr lang="en-US" dirty="0">
+                <a:latin typeface="Univers (body)"/>
+              </a:rPr>
+              <a:t>High COVID Counties Likely to be Younger, Have Lower Income Per Capita</a:t>
+            </a:r>
+          </a:p>
+        </p:txBody>
+      </p:sp>
+      <p:pic>
+        <p:nvPicPr>
+          <p:cNvPr id="12" name="Content Placeholder 11" descr="Chart, histogram&#10;&#10;Description automatically generated">
+            <a:extLst>
+              <a:ext uri="{FF2B5EF4-FFF2-40B4-BE49-F238E27FC236}">
+                <a16:creationId xmlns:a16="http://schemas.microsoft.com/office/drawing/2014/main" id="{4A290072-F217-4188-B1DC-6AE17E925777}"/>
+              </a:ext>
+            </a:extLst>
+          </p:cNvPr>
+          <p:cNvPicPr>
+            <a:picLocks noGrp="1" noChangeAspect="1"/>
+          </p:cNvPicPr>
+          <p:nvPr>
+            <p:ph sz="half" idx="1"/>
+          </p:nvPr>
+        </p:nvPicPr>
+        <p:blipFill>
+          <a:blip r:embed="rId2">
+            <a:extLst>
+              <a:ext uri="{28A0092B-C50C-407E-A947-70E740481C1C}">
+                <a14:useLocalDpi xmlns:a14="http://schemas.microsoft.com/office/drawing/2010/main" val="0"/>
+              </a:ext>
+            </a:extLst>
+          </a:blip>
+          <a:stretch>
+            <a:fillRect/>
+          </a:stretch>
+        </p:blipFill>
+        <p:spPr>
+          <a:xfrm>
+            <a:off x="5862471" y="2396084"/>
+            <a:ext cx="5551061" cy="3657508"/>
+          </a:xfrm>
+        </p:spPr>
+      </p:pic>
+      <p:pic>
+        <p:nvPicPr>
+          <p:cNvPr id="16" name="Content Placeholder 15" descr="Chart, line chart&#10;&#10;Description automatically generated">
+            <a:extLst>
+              <a:ext uri="{FF2B5EF4-FFF2-40B4-BE49-F238E27FC236}">
+                <a16:creationId xmlns:a16="http://schemas.microsoft.com/office/drawing/2014/main" id="{953892BA-855C-4501-B32D-1406B15BE372}"/>
+              </a:ext>
+            </a:extLst>
+          </p:cNvPr>
+          <p:cNvPicPr>
+            <a:picLocks noGrp="1" noChangeAspect="1"/>
+          </p:cNvPicPr>
+          <p:nvPr>
+            <p:ph sz="half" idx="2"/>
+          </p:nvPr>
+        </p:nvPicPr>
+        <p:blipFill>
+          <a:blip r:embed="rId3">
+            <a:extLst>
+              <a:ext uri="{28A0092B-C50C-407E-A947-70E740481C1C}">
+                <a14:useLocalDpi xmlns:a14="http://schemas.microsoft.com/office/drawing/2010/main" val="0"/>
+              </a:ext>
+            </a:extLst>
+          </a:blip>
+          <a:stretch>
+            <a:fillRect/>
+          </a:stretch>
+        </p:blipFill>
+        <p:spPr>
+          <a:xfrm>
+            <a:off x="100178" y="2396084"/>
+            <a:ext cx="5595118" cy="3657508"/>
+          </a:xfrm>
+        </p:spPr>
+      </p:pic>
+    </p:spTree>
+    <p:extLst>
+      <p:ext uri="{BB962C8B-B14F-4D97-AF65-F5344CB8AC3E}">
+        <p14:creationId xmlns:p14="http://schemas.microsoft.com/office/powerpoint/2010/main" val="1915659772"/>
       </p:ext>
     </p:extLst>
   </p:cSld>
@@ -15630,7 +15493,7 @@
           <p:cNvPr id="2" name="Title 1">
             <a:extLst>
               <a:ext uri="{FF2B5EF4-FFF2-40B4-BE49-F238E27FC236}">
-                <a16:creationId xmlns:a16="http://schemas.microsoft.com/office/drawing/2014/main" id="{C25562AC-F94B-42FD-8660-A811F4491437}"/>
+                <a16:creationId xmlns:a16="http://schemas.microsoft.com/office/drawing/2014/main" id="{9FAB24F9-9293-4782-9DC2-F77766335E07}"/>
               </a:ext>
             </a:extLst>
           </p:cNvPr>
@@ -15644,25 +15507,25 @@
         <p:spPr/>
         <p:txBody>
           <a:bodyPr>
-            <a:normAutofit fontScale="90000"/>
+            <a:normAutofit/>
           </a:bodyPr>
           <a:lstStyle/>
           <a:p>
             <a:r>
-              <a:rPr lang="en-US" dirty="0">
+              <a:rPr lang="en-US" sz="4000" dirty="0">
                 <a:latin typeface="Univers (body)"/>
               </a:rPr>
-              <a:t>High COVID Case Counties Likely to be Younger, Have Lower Income Per Capita</a:t>
+              <a:t>Low COVID Counties Likely to have Insurance Coverage, Lower Pop. Density</a:t>
             </a:r>
           </a:p>
         </p:txBody>
       </p:sp>
       <p:pic>
         <p:nvPicPr>
-          <p:cNvPr id="12" name="Content Placeholder 11" descr="Chart, histogram&#10;&#10;Description automatically generated">
+          <p:cNvPr id="12" name="Content Placeholder 11" descr="Chart, line chart, histogram&#10;&#10;Description automatically generated">
             <a:extLst>
               <a:ext uri="{FF2B5EF4-FFF2-40B4-BE49-F238E27FC236}">
-                <a16:creationId xmlns:a16="http://schemas.microsoft.com/office/drawing/2014/main" id="{4A290072-F217-4188-B1DC-6AE17E925777}"/>
+                <a16:creationId xmlns:a16="http://schemas.microsoft.com/office/drawing/2014/main" id="{0507CF35-EB6F-45CA-B573-E17F794F9D4E}"/>
               </a:ext>
             </a:extLst>
           </p:cNvPr>
@@ -15687,8 +15550,8 @@
         </p:blipFill>
         <p:spPr>
           <a:xfrm>
-            <a:off x="5862471" y="2396084"/>
-            <a:ext cx="5551061" cy="3657508"/>
+            <a:off x="227397" y="2271806"/>
+            <a:ext cx="5531145" cy="3728944"/>
           </a:xfrm>
         </p:spPr>
       </p:pic>
@@ -15697,7 +15560,7 @@
           <p:cNvPr id="16" name="Content Placeholder 15" descr="Chart, line chart&#10;&#10;Description automatically generated">
             <a:extLst>
               <a:ext uri="{FF2B5EF4-FFF2-40B4-BE49-F238E27FC236}">
-                <a16:creationId xmlns:a16="http://schemas.microsoft.com/office/drawing/2014/main" id="{953892BA-855C-4501-B32D-1406B15BE372}"/>
+                <a16:creationId xmlns:a16="http://schemas.microsoft.com/office/drawing/2014/main" id="{B3B07CFB-E0F7-4E42-9029-15410F89284F}"/>
               </a:ext>
             </a:extLst>
           </p:cNvPr>
@@ -15722,15 +15585,15 @@
         </p:blipFill>
         <p:spPr>
           <a:xfrm>
-            <a:off x="100178" y="2396084"/>
-            <a:ext cx="5595118" cy="3657508"/>
+            <a:off x="5887968" y="2308436"/>
+            <a:ext cx="5531145" cy="3692314"/>
           </a:xfrm>
         </p:spPr>
       </p:pic>
     </p:spTree>
     <p:extLst>
       <p:ext uri="{BB962C8B-B14F-4D97-AF65-F5344CB8AC3E}">
-        <p14:creationId xmlns:p14="http://schemas.microsoft.com/office/powerpoint/2010/main" val="1915659772"/>
+        <p14:creationId xmlns:p14="http://schemas.microsoft.com/office/powerpoint/2010/main" val="3953207219"/>
       </p:ext>
     </p:extLst>
   </p:cSld>
@@ -15762,7 +15625,7 @@
           <p:cNvPr id="2" name="Title 1">
             <a:extLst>
               <a:ext uri="{FF2B5EF4-FFF2-40B4-BE49-F238E27FC236}">
-                <a16:creationId xmlns:a16="http://schemas.microsoft.com/office/drawing/2014/main" id="{9FAB24F9-9293-4782-9DC2-F77766335E07}"/>
+                <a16:creationId xmlns:a16="http://schemas.microsoft.com/office/drawing/2014/main" id="{B4BBCC9A-A51F-4F61-A179-478D114E2DF1}"/>
               </a:ext>
             </a:extLst>
           </p:cNvPr>
@@ -15773,96 +15636,1616 @@
             <p:ph type="title"/>
           </p:nvPr>
         </p:nvSpPr>
-        <p:spPr/>
+        <p:spPr>
+          <a:xfrm>
+            <a:off x="838200" y="184805"/>
+            <a:ext cx="10515600" cy="1505883"/>
+          </a:xfrm>
+        </p:spPr>
         <p:txBody>
-          <a:bodyPr>
+          <a:bodyPr vert="horz" lIns="91440" tIns="45720" rIns="91440" bIns="45720" rtlCol="0" anchor="ctr">
             <a:normAutofit/>
           </a:bodyPr>
           <a:lstStyle/>
           <a:p>
             <a:r>
-              <a:rPr lang="en-US" sz="4000" dirty="0">
+              <a:rPr lang="en-US" sz="4000" kern="1200" dirty="0">
+                <a:solidFill>
+                  <a:schemeClr val="tx1"/>
+                </a:solidFill>
                 <a:latin typeface="Univers (body)"/>
               </a:rPr>
-              <a:t>Low COVID Case Counties Likely to have Insurance Coverage, Lower Pop. Density</a:t>
+              <a:t>Modeling Successes and Challenges</a:t>
             </a:r>
           </a:p>
         </p:txBody>
       </p:sp>
-      <p:pic>
-        <p:nvPicPr>
-          <p:cNvPr id="12" name="Content Placeholder 11" descr="Chart, line chart, histogram&#10;&#10;Description automatically generated">
+      <p:graphicFrame>
+        <p:nvGraphicFramePr>
+          <p:cNvPr id="16" name="Table 4">
             <a:extLst>
               <a:ext uri="{FF2B5EF4-FFF2-40B4-BE49-F238E27FC236}">
-                <a16:creationId xmlns:a16="http://schemas.microsoft.com/office/drawing/2014/main" id="{0507CF35-EB6F-45CA-B573-E17F794F9D4E}"/>
+                <a16:creationId xmlns:a16="http://schemas.microsoft.com/office/drawing/2014/main" id="{FEFE4496-E043-4F59-A8B6-E1546DBD2584}"/>
               </a:ext>
             </a:extLst>
           </p:cNvPr>
-          <p:cNvPicPr>
-            <a:picLocks noGrp="1" noChangeAspect="1"/>
-          </p:cNvPicPr>
+          <p:cNvGraphicFramePr>
+            <a:graphicFrameLocks/>
+          </p:cNvGraphicFramePr>
           <p:nvPr>
-            <p:ph sz="half" idx="1"/>
+            <p:extLst>
+              <p:ext uri="{D42A27DB-BD31-4B8C-83A1-F6EECF244321}">
+                <p14:modId xmlns:p14="http://schemas.microsoft.com/office/powerpoint/2010/main" val="1892090100"/>
+              </p:ext>
+            </p:extLst>
           </p:nvPr>
-        </p:nvPicPr>
-        <p:blipFill>
-          <a:blip r:embed="rId2">
-            <a:extLst>
-              <a:ext uri="{28A0092B-C50C-407E-A947-70E740481C1C}">
-                <a14:useLocalDpi xmlns:a14="http://schemas.microsoft.com/office/drawing/2010/main" val="0"/>
-              </a:ext>
-            </a:extLst>
-          </a:blip>
-          <a:stretch>
-            <a:fillRect/>
-          </a:stretch>
-        </p:blipFill>
-        <p:spPr>
-          <a:xfrm>
-            <a:off x="227397" y="2271806"/>
-            <a:ext cx="5531145" cy="3728944"/>
-          </a:xfrm>
-        </p:spPr>
-      </p:pic>
-      <p:pic>
-        <p:nvPicPr>
-          <p:cNvPr id="16" name="Content Placeholder 15" descr="Chart, line chart&#10;&#10;Description automatically generated">
-            <a:extLst>
-              <a:ext uri="{FF2B5EF4-FFF2-40B4-BE49-F238E27FC236}">
-                <a16:creationId xmlns:a16="http://schemas.microsoft.com/office/drawing/2014/main" id="{B3B07CFB-E0F7-4E42-9029-15410F89284F}"/>
-              </a:ext>
-            </a:extLst>
-          </p:cNvPr>
-          <p:cNvPicPr>
-            <a:picLocks noGrp="1" noChangeAspect="1"/>
-          </p:cNvPicPr>
-          <p:nvPr>
-            <p:ph sz="half" idx="2"/>
-          </p:nvPr>
-        </p:nvPicPr>
-        <p:blipFill>
-          <a:blip r:embed="rId3">
-            <a:extLst>
-              <a:ext uri="{28A0092B-C50C-407E-A947-70E740481C1C}">
-                <a14:useLocalDpi xmlns:a14="http://schemas.microsoft.com/office/drawing/2010/main" val="0"/>
-              </a:ext>
-            </a:extLst>
-          </a:blip>
-          <a:stretch>
-            <a:fillRect/>
-          </a:stretch>
-        </p:blipFill>
-        <p:spPr>
-          <a:xfrm>
-            <a:off x="5887968" y="2308436"/>
-            <a:ext cx="5531145" cy="3692314"/>
-          </a:xfrm>
-        </p:spPr>
-      </p:pic>
+        </p:nvGraphicFramePr>
+        <p:xfrm>
+          <a:off x="930730" y="1567544"/>
+          <a:ext cx="10423070" cy="4728194"/>
+        </p:xfrm>
+        <a:graphic>
+          <a:graphicData uri="http://schemas.openxmlformats.org/drawingml/2006/table">
+            <a:tbl>
+              <a:tblPr firstRow="1" bandRow="1">
+                <a:noFill/>
+                <a:tableStyleId>{2D5ABB26-0587-4C30-8999-92F81FD0307C}</a:tableStyleId>
+              </a:tblPr>
+              <a:tblGrid>
+                <a:gridCol w="2379447">
+                  <a:extLst>
+                    <a:ext uri="{9D8B030D-6E8A-4147-A177-3AD203B41FA5}">
+                      <a16:colId xmlns:a16="http://schemas.microsoft.com/office/drawing/2014/main" val="1713280189"/>
+                    </a:ext>
+                  </a:extLst>
+                </a:gridCol>
+                <a:gridCol w="2666080">
+                  <a:extLst>
+                    <a:ext uri="{9D8B030D-6E8A-4147-A177-3AD203B41FA5}">
+                      <a16:colId xmlns:a16="http://schemas.microsoft.com/office/drawing/2014/main" val="896554457"/>
+                    </a:ext>
+                  </a:extLst>
+                </a:gridCol>
+                <a:gridCol w="2955472">
+                  <a:extLst>
+                    <a:ext uri="{9D8B030D-6E8A-4147-A177-3AD203B41FA5}">
+                      <a16:colId xmlns:a16="http://schemas.microsoft.com/office/drawing/2014/main" val="1631822685"/>
+                    </a:ext>
+                  </a:extLst>
+                </a:gridCol>
+                <a:gridCol w="2422071">
+                  <a:extLst>
+                    <a:ext uri="{9D8B030D-6E8A-4147-A177-3AD203B41FA5}">
+                      <a16:colId xmlns:a16="http://schemas.microsoft.com/office/drawing/2014/main" val="1892636438"/>
+                    </a:ext>
+                  </a:extLst>
+                </a:gridCol>
+              </a:tblGrid>
+              <a:tr h="1410398">
+                <a:tc>
+                  <a:txBody>
+                    <a:bodyPr/>
+                    <a:lstStyle/>
+                    <a:p>
+                      <a:r>
+                        <a:rPr lang="en-US" sz="2400" b="0" cap="none" spc="0" dirty="0">
+                          <a:solidFill>
+                            <a:schemeClr val="tx1"/>
+                          </a:solidFill>
+                          <a:latin typeface="Univers (body)"/>
+                          <a:cs typeface="Arial" panose="020B0604020202020204" pitchFamily="34" charset="0"/>
+                        </a:rPr>
+                        <a:t>Region</a:t>
+                      </a:r>
+                    </a:p>
+                  </a:txBody>
+                  <a:tcPr marL="67253" marR="67253" marT="63143" marB="134507" anchor="b">
+                    <a:lnL w="12700" cmpd="sng">
+                      <a:noFill/>
+                    </a:lnL>
+                    <a:lnR w="12700" cmpd="sng">
+                      <a:noFill/>
+                    </a:lnR>
+                    <a:lnT w="9525" cap="flat" cmpd="sng" algn="ctr">
+                      <a:noFill/>
+                      <a:prstDash val="solid"/>
+                    </a:lnT>
+                    <a:lnB w="38100" cmpd="sng">
+                      <a:noFill/>
+                    </a:lnB>
+                    <a:lnTlToBr w="12700" cmpd="sng">
+                      <a:noFill/>
+                      <a:prstDash val="solid"/>
+                    </a:lnTlToBr>
+                    <a:lnBlToTr w="12700" cmpd="sng">
+                      <a:noFill/>
+                      <a:prstDash val="solid"/>
+                    </a:lnBlToTr>
+                    <a:noFill/>
+                  </a:tcPr>
+                </a:tc>
+                <a:tc>
+                  <a:txBody>
+                    <a:bodyPr/>
+                    <a:lstStyle/>
+                    <a:p>
+                      <a:r>
+                        <a:rPr lang="en-US" sz="2400" b="0" cap="none" spc="0">
+                          <a:solidFill>
+                            <a:schemeClr val="tx1"/>
+                          </a:solidFill>
+                          <a:latin typeface="Univers (body)"/>
+                          <a:cs typeface="Arial" panose="020B0604020202020204" pitchFamily="34" charset="0"/>
+                        </a:rPr>
+                        <a:t>Best Regression </a:t>
+                      </a:r>
+                    </a:p>
+                    <a:p>
+                      <a:r>
+                        <a:rPr lang="en-US" sz="2400" b="0" cap="none" spc="0">
+                          <a:solidFill>
+                            <a:schemeClr val="tx1"/>
+                          </a:solidFill>
+                          <a:latin typeface="Univers (body)"/>
+                          <a:cs typeface="Arial" panose="020B0604020202020204" pitchFamily="34" charset="0"/>
+                        </a:rPr>
+                        <a:t>R2 Score</a:t>
+                      </a:r>
+                    </a:p>
+                  </a:txBody>
+                  <a:tcPr marL="67253" marR="67253" marT="63143" marB="134507" anchor="b">
+                    <a:lnL w="12700" cmpd="sng">
+                      <a:noFill/>
+                    </a:lnL>
+                    <a:lnR w="12700" cap="flat" cmpd="sng" algn="ctr">
+                      <a:solidFill>
+                        <a:schemeClr val="tx1">
+                          <a:lumMod val="50000"/>
+                          <a:lumOff val="50000"/>
+                        </a:schemeClr>
+                      </a:solidFill>
+                      <a:prstDash val="solid"/>
+                      <a:round/>
+                      <a:headEnd type="none" w="med" len="med"/>
+                      <a:tailEnd type="none" w="med" len="med"/>
+                    </a:lnR>
+                    <a:lnT w="9525" cap="flat" cmpd="sng" algn="ctr">
+                      <a:noFill/>
+                      <a:prstDash val="solid"/>
+                    </a:lnT>
+                    <a:lnB w="38100" cmpd="sng">
+                      <a:noFill/>
+                    </a:lnB>
+                    <a:lnTlToBr w="12700" cmpd="sng">
+                      <a:noFill/>
+                      <a:prstDash val="solid"/>
+                    </a:lnTlToBr>
+                    <a:lnBlToTr w="12700" cmpd="sng">
+                      <a:noFill/>
+                      <a:prstDash val="solid"/>
+                    </a:lnBlToTr>
+                    <a:noFill/>
+                  </a:tcPr>
+                </a:tc>
+                <a:tc>
+                  <a:txBody>
+                    <a:bodyPr/>
+                    <a:lstStyle/>
+                    <a:p>
+                      <a:r>
+                        <a:rPr lang="en-US" sz="2400" b="0" cap="none" spc="0" dirty="0">
+                          <a:solidFill>
+                            <a:schemeClr val="tx1"/>
+                          </a:solidFill>
+                          <a:latin typeface="Univers (body)"/>
+                          <a:cs typeface="Arial" panose="020B0604020202020204" pitchFamily="34" charset="0"/>
+                        </a:rPr>
+                        <a:t>Best Classification Accuracy Score</a:t>
+                      </a:r>
+                    </a:p>
+                  </a:txBody>
+                  <a:tcPr marL="67253" marR="67253" marT="63143" marB="134507" anchor="b">
+                    <a:lnL w="12700" cap="flat" cmpd="sng" algn="ctr">
+                      <a:solidFill>
+                        <a:schemeClr val="tx1">
+                          <a:lumMod val="50000"/>
+                          <a:lumOff val="50000"/>
+                        </a:schemeClr>
+                      </a:solidFill>
+                      <a:prstDash val="solid"/>
+                      <a:round/>
+                      <a:headEnd type="none" w="med" len="med"/>
+                      <a:tailEnd type="none" w="med" len="med"/>
+                    </a:lnL>
+                    <a:lnR w="12700" cmpd="sng">
+                      <a:noFill/>
+                    </a:lnR>
+                    <a:lnT w="9525" cap="flat" cmpd="sng" algn="ctr">
+                      <a:noFill/>
+                      <a:prstDash val="solid"/>
+                    </a:lnT>
+                    <a:lnB w="38100" cmpd="sng">
+                      <a:noFill/>
+                    </a:lnB>
+                    <a:lnTlToBr w="12700" cmpd="sng">
+                      <a:noFill/>
+                      <a:prstDash val="solid"/>
+                    </a:lnTlToBr>
+                    <a:lnBlToTr w="12700" cmpd="sng">
+                      <a:noFill/>
+                      <a:prstDash val="solid"/>
+                    </a:lnBlToTr>
+                    <a:noFill/>
+                  </a:tcPr>
+                </a:tc>
+                <a:tc>
+                  <a:txBody>
+                    <a:bodyPr/>
+                    <a:lstStyle/>
+                    <a:p>
+                      <a:r>
+                        <a:rPr lang="en-US" sz="2400" b="0" cap="none" spc="0">
+                          <a:solidFill>
+                            <a:schemeClr val="bg1">
+                              <a:lumMod val="65000"/>
+                            </a:schemeClr>
+                          </a:solidFill>
+                          <a:latin typeface="Univers (body)"/>
+                          <a:cs typeface="Arial" panose="020B0604020202020204" pitchFamily="34" charset="0"/>
+                        </a:rPr>
+                        <a:t>Classification Baseline</a:t>
+                      </a:r>
+                    </a:p>
+                  </a:txBody>
+                  <a:tcPr marL="67253" marR="67253" marT="63143" marB="134507" anchor="b">
+                    <a:lnL w="12700" cmpd="sng">
+                      <a:noFill/>
+                    </a:lnL>
+                    <a:lnR w="12700" cmpd="sng">
+                      <a:noFill/>
+                    </a:lnR>
+                    <a:lnT w="9525" cap="flat" cmpd="sng" algn="ctr">
+                      <a:noFill/>
+                      <a:prstDash val="solid"/>
+                    </a:lnT>
+                    <a:lnB w="38100" cmpd="sng">
+                      <a:noFill/>
+                    </a:lnB>
+                    <a:lnTlToBr w="12700" cmpd="sng">
+                      <a:noFill/>
+                      <a:prstDash val="solid"/>
+                    </a:lnTlToBr>
+                    <a:lnBlToTr w="12700" cmpd="sng">
+                      <a:noFill/>
+                      <a:prstDash val="solid"/>
+                    </a:lnBlToTr>
+                    <a:noFill/>
+                  </a:tcPr>
+                </a:tc>
+                <a:extLst>
+                  <a:ext uri="{0D108BD9-81ED-4DB2-BD59-A6C34878D82A}">
+                    <a16:rowId xmlns:a16="http://schemas.microsoft.com/office/drawing/2014/main" val="2657872141"/>
+                  </a:ext>
+                </a:extLst>
+              </a:tr>
+              <a:tr h="552966">
+                <a:tc>
+                  <a:txBody>
+                    <a:bodyPr/>
+                    <a:lstStyle/>
+                    <a:p>
+                      <a:r>
+                        <a:rPr lang="en-US" sz="1800" cap="none" spc="0" dirty="0">
+                          <a:solidFill>
+                            <a:schemeClr val="tx1"/>
+                          </a:solidFill>
+                          <a:latin typeface="Univers (body)"/>
+                          <a:cs typeface="Arial" panose="020B0604020202020204" pitchFamily="34" charset="0"/>
+                        </a:rPr>
+                        <a:t>All Five States</a:t>
+                      </a:r>
+                    </a:p>
+                  </a:txBody>
+                  <a:tcPr marL="67253" marR="67253" marT="63143" marB="134507" anchor="ctr">
+                    <a:lnL w="12700" cmpd="sng">
+                      <a:noFill/>
+                      <a:prstDash val="solid"/>
+                    </a:lnL>
+                    <a:lnR w="12700" cmpd="sng">
+                      <a:noFill/>
+                      <a:prstDash val="solid"/>
+                    </a:lnR>
+                    <a:lnT w="38100" cmpd="sng">
+                      <a:noFill/>
+                    </a:lnT>
+                    <a:lnB w="12700" cap="flat" cmpd="sng" algn="ctr">
+                      <a:solidFill>
+                        <a:schemeClr val="accent1"/>
+                      </a:solidFill>
+                      <a:prstDash val="solid"/>
+                    </a:lnB>
+                    <a:lnTlToBr w="12700" cmpd="sng">
+                      <a:noFill/>
+                      <a:prstDash val="solid"/>
+                    </a:lnTlToBr>
+                    <a:lnBlToTr w="12700" cmpd="sng">
+                      <a:noFill/>
+                      <a:prstDash val="solid"/>
+                    </a:lnBlToTr>
+                    <a:noFill/>
+                  </a:tcPr>
+                </a:tc>
+                <a:tc>
+                  <a:txBody>
+                    <a:bodyPr/>
+                    <a:lstStyle/>
+                    <a:p>
+                      <a:r>
+                        <a:rPr lang="en-US" sz="1800" cap="none" spc="0">
+                          <a:solidFill>
+                            <a:schemeClr val="tx1"/>
+                          </a:solidFill>
+                          <a:latin typeface="Univers (body)"/>
+                          <a:cs typeface="Arial" panose="020B0604020202020204" pitchFamily="34" charset="0"/>
+                        </a:rPr>
+                        <a:t>47%</a:t>
+                      </a:r>
+                    </a:p>
+                  </a:txBody>
+                  <a:tcPr marL="67253" marR="67253" marT="63143" marB="134507" anchor="ctr">
+                    <a:lnL w="12700" cmpd="sng">
+                      <a:noFill/>
+                      <a:prstDash val="solid"/>
+                    </a:lnL>
+                    <a:lnR w="12700" cap="flat" cmpd="sng" algn="ctr">
+                      <a:solidFill>
+                        <a:schemeClr val="tx1">
+                          <a:lumMod val="50000"/>
+                          <a:lumOff val="50000"/>
+                        </a:schemeClr>
+                      </a:solidFill>
+                      <a:prstDash val="solid"/>
+                      <a:round/>
+                      <a:headEnd type="none" w="med" len="med"/>
+                      <a:tailEnd type="none" w="med" len="med"/>
+                    </a:lnR>
+                    <a:lnT w="38100" cmpd="sng">
+                      <a:noFill/>
+                    </a:lnT>
+                    <a:lnB w="12700" cap="flat" cmpd="sng" algn="ctr">
+                      <a:solidFill>
+                        <a:schemeClr val="accent1"/>
+                      </a:solidFill>
+                      <a:prstDash val="solid"/>
+                    </a:lnB>
+                    <a:lnTlToBr w="12700" cmpd="sng">
+                      <a:noFill/>
+                      <a:prstDash val="solid"/>
+                    </a:lnTlToBr>
+                    <a:lnBlToTr w="12700" cmpd="sng">
+                      <a:noFill/>
+                      <a:prstDash val="solid"/>
+                    </a:lnBlToTr>
+                    <a:noFill/>
+                  </a:tcPr>
+                </a:tc>
+                <a:tc>
+                  <a:txBody>
+                    <a:bodyPr/>
+                    <a:lstStyle/>
+                    <a:p>
+                      <a:r>
+                        <a:rPr lang="en-US" sz="1800" cap="none" spc="0" dirty="0">
+                          <a:solidFill>
+                            <a:schemeClr val="tx1"/>
+                          </a:solidFill>
+                          <a:latin typeface="Univers (body)"/>
+                          <a:cs typeface="Arial" panose="020B0604020202020204" pitchFamily="34" charset="0"/>
+                        </a:rPr>
+                        <a:t>63%</a:t>
+                      </a:r>
+                    </a:p>
+                  </a:txBody>
+                  <a:tcPr marL="67253" marR="67253" marT="63143" marB="134507" anchor="ctr">
+                    <a:lnL w="12700" cap="flat" cmpd="sng" algn="ctr">
+                      <a:solidFill>
+                        <a:schemeClr val="tx1">
+                          <a:lumMod val="50000"/>
+                          <a:lumOff val="50000"/>
+                        </a:schemeClr>
+                      </a:solidFill>
+                      <a:prstDash val="solid"/>
+                      <a:round/>
+                      <a:headEnd type="none" w="med" len="med"/>
+                      <a:tailEnd type="none" w="med" len="med"/>
+                    </a:lnL>
+                    <a:lnR w="12700" cmpd="sng">
+                      <a:noFill/>
+                      <a:prstDash val="solid"/>
+                    </a:lnR>
+                    <a:lnT w="38100" cmpd="sng">
+                      <a:noFill/>
+                    </a:lnT>
+                    <a:lnB w="12700" cap="flat" cmpd="sng" algn="ctr">
+                      <a:solidFill>
+                        <a:schemeClr val="accent1"/>
+                      </a:solidFill>
+                      <a:prstDash val="solid"/>
+                    </a:lnB>
+                    <a:lnTlToBr w="12700" cmpd="sng">
+                      <a:noFill/>
+                      <a:prstDash val="solid"/>
+                    </a:lnTlToBr>
+                    <a:lnBlToTr w="12700" cmpd="sng">
+                      <a:noFill/>
+                      <a:prstDash val="solid"/>
+                    </a:lnBlToTr>
+                    <a:noFill/>
+                  </a:tcPr>
+                </a:tc>
+                <a:tc>
+                  <a:txBody>
+                    <a:bodyPr/>
+                    <a:lstStyle/>
+                    <a:p>
+                      <a:r>
+                        <a:rPr lang="en-US" sz="1800" cap="none" spc="0" dirty="0">
+                          <a:solidFill>
+                            <a:schemeClr val="bg1">
+                              <a:lumMod val="65000"/>
+                            </a:schemeClr>
+                          </a:solidFill>
+                          <a:latin typeface="Univers (body)"/>
+                          <a:cs typeface="Arial" panose="020B0604020202020204" pitchFamily="34" charset="0"/>
+                        </a:rPr>
+                        <a:t>42%</a:t>
+                      </a:r>
+                    </a:p>
+                  </a:txBody>
+                  <a:tcPr marL="67253" marR="67253" marT="63143" marB="134507" anchor="ctr">
+                    <a:lnL w="12700" cmpd="sng">
+                      <a:noFill/>
+                      <a:prstDash val="solid"/>
+                    </a:lnL>
+                    <a:lnR w="12700" cmpd="sng">
+                      <a:noFill/>
+                      <a:prstDash val="solid"/>
+                    </a:lnR>
+                    <a:lnT w="38100" cmpd="sng">
+                      <a:noFill/>
+                    </a:lnT>
+                    <a:lnB w="12700" cap="flat" cmpd="sng" algn="ctr">
+                      <a:solidFill>
+                        <a:schemeClr val="accent1"/>
+                      </a:solidFill>
+                      <a:prstDash val="solid"/>
+                    </a:lnB>
+                    <a:lnTlToBr w="12700" cmpd="sng">
+                      <a:noFill/>
+                      <a:prstDash val="solid"/>
+                    </a:lnTlToBr>
+                    <a:lnBlToTr w="12700" cmpd="sng">
+                      <a:noFill/>
+                      <a:prstDash val="solid"/>
+                    </a:lnBlToTr>
+                    <a:noFill/>
+                  </a:tcPr>
+                </a:tc>
+                <a:extLst>
+                  <a:ext uri="{0D108BD9-81ED-4DB2-BD59-A6C34878D82A}">
+                    <a16:rowId xmlns:a16="http://schemas.microsoft.com/office/drawing/2014/main" val="2897736832"/>
+                  </a:ext>
+                </a:extLst>
+              </a:tr>
+              <a:tr h="552966">
+                <a:tc>
+                  <a:txBody>
+                    <a:bodyPr/>
+                    <a:lstStyle/>
+                    <a:p>
+                      <a:endParaRPr lang="en-US" sz="1800" cap="none" spc="0" dirty="0">
+                        <a:solidFill>
+                          <a:schemeClr val="tx1"/>
+                        </a:solidFill>
+                        <a:latin typeface="Univers (body)"/>
+                        <a:cs typeface="Arial" panose="020B0604020202020204" pitchFamily="34" charset="0"/>
+                      </a:endParaRPr>
+                    </a:p>
+                  </a:txBody>
+                  <a:tcPr marL="67253" marR="67253" marT="63143" marB="134507" anchor="ctr">
+                    <a:lnL w="12700" cmpd="sng">
+                      <a:noFill/>
+                      <a:prstDash val="solid"/>
+                    </a:lnL>
+                    <a:lnR w="12700" cmpd="sng">
+                      <a:noFill/>
+                      <a:prstDash val="solid"/>
+                    </a:lnR>
+                    <a:lnT w="12700" cap="flat" cmpd="sng" algn="ctr">
+                      <a:solidFill>
+                        <a:schemeClr val="accent1"/>
+                      </a:solidFill>
+                      <a:prstDash val="solid"/>
+                    </a:lnT>
+                    <a:lnB w="12700" cmpd="sng">
+                      <a:noFill/>
+                      <a:prstDash val="solid"/>
+                    </a:lnB>
+                    <a:lnTlToBr w="12700" cmpd="sng">
+                      <a:noFill/>
+                      <a:prstDash val="solid"/>
+                    </a:lnTlToBr>
+                    <a:lnBlToTr w="12700" cmpd="sng">
+                      <a:noFill/>
+                      <a:prstDash val="solid"/>
+                    </a:lnBlToTr>
+                    <a:solidFill>
+                      <a:schemeClr val="bg1">
+                        <a:lumMod val="95000"/>
+                      </a:schemeClr>
+                    </a:solidFill>
+                  </a:tcPr>
+                </a:tc>
+                <a:tc>
+                  <a:txBody>
+                    <a:bodyPr/>
+                    <a:lstStyle/>
+                    <a:p>
+                      <a:endParaRPr lang="en-US" sz="1800" cap="none" spc="0" dirty="0">
+                        <a:solidFill>
+                          <a:schemeClr val="tx1"/>
+                        </a:solidFill>
+                        <a:latin typeface="Univers (body)"/>
+                        <a:cs typeface="Arial" panose="020B0604020202020204" pitchFamily="34" charset="0"/>
+                      </a:endParaRPr>
+                    </a:p>
+                  </a:txBody>
+                  <a:tcPr marL="67253" marR="67253" marT="63143" marB="134507" anchor="ctr">
+                    <a:lnL w="12700" cmpd="sng">
+                      <a:noFill/>
+                      <a:prstDash val="solid"/>
+                    </a:lnL>
+                    <a:lnR w="12700" cap="flat" cmpd="sng" algn="ctr">
+                      <a:solidFill>
+                        <a:schemeClr val="tx1">
+                          <a:lumMod val="50000"/>
+                          <a:lumOff val="50000"/>
+                        </a:schemeClr>
+                      </a:solidFill>
+                      <a:prstDash val="solid"/>
+                      <a:round/>
+                      <a:headEnd type="none" w="med" len="med"/>
+                      <a:tailEnd type="none" w="med" len="med"/>
+                    </a:lnR>
+                    <a:lnT w="12700" cap="flat" cmpd="sng" algn="ctr">
+                      <a:solidFill>
+                        <a:schemeClr val="accent1"/>
+                      </a:solidFill>
+                      <a:prstDash val="solid"/>
+                    </a:lnT>
+                    <a:lnB w="12700" cmpd="sng">
+                      <a:noFill/>
+                      <a:prstDash val="solid"/>
+                    </a:lnB>
+                    <a:lnTlToBr w="12700" cmpd="sng">
+                      <a:noFill/>
+                      <a:prstDash val="solid"/>
+                    </a:lnTlToBr>
+                    <a:lnBlToTr w="12700" cmpd="sng">
+                      <a:noFill/>
+                      <a:prstDash val="solid"/>
+                    </a:lnBlToTr>
+                    <a:solidFill>
+                      <a:schemeClr val="bg1">
+                        <a:lumMod val="95000"/>
+                      </a:schemeClr>
+                    </a:solidFill>
+                  </a:tcPr>
+                </a:tc>
+                <a:tc>
+                  <a:txBody>
+                    <a:bodyPr/>
+                    <a:lstStyle/>
+                    <a:p>
+                      <a:endParaRPr lang="en-US" sz="1800" cap="none" spc="0" dirty="0">
+                        <a:solidFill>
+                          <a:schemeClr val="tx1"/>
+                        </a:solidFill>
+                        <a:latin typeface="Univers (body)"/>
+                        <a:cs typeface="Arial" panose="020B0604020202020204" pitchFamily="34" charset="0"/>
+                      </a:endParaRPr>
+                    </a:p>
+                  </a:txBody>
+                  <a:tcPr marL="67253" marR="67253" marT="63143" marB="134507" anchor="ctr">
+                    <a:lnL w="12700" cap="flat" cmpd="sng" algn="ctr">
+                      <a:solidFill>
+                        <a:schemeClr val="tx1">
+                          <a:lumMod val="50000"/>
+                          <a:lumOff val="50000"/>
+                        </a:schemeClr>
+                      </a:solidFill>
+                      <a:prstDash val="solid"/>
+                      <a:round/>
+                      <a:headEnd type="none" w="med" len="med"/>
+                      <a:tailEnd type="none" w="med" len="med"/>
+                    </a:lnL>
+                    <a:lnR w="12700" cmpd="sng">
+                      <a:noFill/>
+                      <a:prstDash val="solid"/>
+                    </a:lnR>
+                    <a:lnT w="12700" cap="flat" cmpd="sng" algn="ctr">
+                      <a:solidFill>
+                        <a:schemeClr val="accent1"/>
+                      </a:solidFill>
+                      <a:prstDash val="solid"/>
+                    </a:lnT>
+                    <a:lnB w="12700" cmpd="sng">
+                      <a:noFill/>
+                      <a:prstDash val="solid"/>
+                    </a:lnB>
+                    <a:lnTlToBr w="12700" cmpd="sng">
+                      <a:noFill/>
+                      <a:prstDash val="solid"/>
+                    </a:lnTlToBr>
+                    <a:lnBlToTr w="12700" cmpd="sng">
+                      <a:noFill/>
+                      <a:prstDash val="solid"/>
+                    </a:lnBlToTr>
+                    <a:solidFill>
+                      <a:schemeClr val="bg1">
+                        <a:lumMod val="95000"/>
+                      </a:schemeClr>
+                    </a:solidFill>
+                  </a:tcPr>
+                </a:tc>
+                <a:tc>
+                  <a:txBody>
+                    <a:bodyPr/>
+                    <a:lstStyle/>
+                    <a:p>
+                      <a:endParaRPr lang="en-US" sz="1800" cap="none" spc="0">
+                        <a:solidFill>
+                          <a:schemeClr val="bg1">
+                            <a:lumMod val="65000"/>
+                          </a:schemeClr>
+                        </a:solidFill>
+                        <a:latin typeface="Univers (body)"/>
+                        <a:cs typeface="Arial" panose="020B0604020202020204" pitchFamily="34" charset="0"/>
+                      </a:endParaRPr>
+                    </a:p>
+                  </a:txBody>
+                  <a:tcPr marL="67253" marR="67253" marT="63143" marB="134507" anchor="ctr">
+                    <a:lnL w="12700" cmpd="sng">
+                      <a:noFill/>
+                      <a:prstDash val="solid"/>
+                    </a:lnL>
+                    <a:lnR w="12700" cmpd="sng">
+                      <a:noFill/>
+                      <a:prstDash val="solid"/>
+                    </a:lnR>
+                    <a:lnT w="12700" cap="flat" cmpd="sng" algn="ctr">
+                      <a:solidFill>
+                        <a:schemeClr val="accent1"/>
+                      </a:solidFill>
+                      <a:prstDash val="solid"/>
+                    </a:lnT>
+                    <a:lnB w="12700" cmpd="sng">
+                      <a:noFill/>
+                      <a:prstDash val="solid"/>
+                    </a:lnB>
+                    <a:lnTlToBr w="12700" cmpd="sng">
+                      <a:noFill/>
+                      <a:prstDash val="solid"/>
+                    </a:lnTlToBr>
+                    <a:lnBlToTr w="12700" cmpd="sng">
+                      <a:noFill/>
+                      <a:prstDash val="solid"/>
+                    </a:lnBlToTr>
+                    <a:solidFill>
+                      <a:schemeClr val="bg1">
+                        <a:lumMod val="95000"/>
+                      </a:schemeClr>
+                    </a:solidFill>
+                  </a:tcPr>
+                </a:tc>
+                <a:extLst>
+                  <a:ext uri="{0D108BD9-81ED-4DB2-BD59-A6C34878D82A}">
+                    <a16:rowId xmlns:a16="http://schemas.microsoft.com/office/drawing/2014/main" val="4078723155"/>
+                  </a:ext>
+                </a:extLst>
+              </a:tr>
+              <a:tr h="552966">
+                <a:tc>
+                  <a:txBody>
+                    <a:bodyPr/>
+                    <a:lstStyle/>
+                    <a:p>
+                      <a:endParaRPr lang="en-US" sz="1800" cap="none" spc="0">
+                        <a:solidFill>
+                          <a:schemeClr val="tx1"/>
+                        </a:solidFill>
+                        <a:latin typeface="Univers (body)"/>
+                        <a:cs typeface="Arial" panose="020B0604020202020204" pitchFamily="34" charset="0"/>
+                      </a:endParaRPr>
+                    </a:p>
+                  </a:txBody>
+                  <a:tcPr marL="67253" marR="67253" marT="63143" marB="134507" anchor="ctr">
+                    <a:lnL w="12700" cmpd="sng">
+                      <a:noFill/>
+                      <a:prstDash val="solid"/>
+                    </a:lnL>
+                    <a:lnR w="12700" cmpd="sng">
+                      <a:noFill/>
+                      <a:prstDash val="solid"/>
+                    </a:lnR>
+                    <a:lnT w="12700" cap="flat" cmpd="sng" algn="ctr">
+                      <a:noFill/>
+                      <a:prstDash val="solid"/>
+                      <a:round/>
+                      <a:headEnd type="none" w="med" len="med"/>
+                      <a:tailEnd type="none" w="med" len="med"/>
+                    </a:lnT>
+                    <a:lnB w="12700" cap="flat" cmpd="sng" algn="ctr">
+                      <a:solidFill>
+                        <a:schemeClr val="accent1"/>
+                      </a:solidFill>
+                      <a:prstDash val="solid"/>
+                    </a:lnB>
+                    <a:lnTlToBr w="12700" cmpd="sng">
+                      <a:noFill/>
+                      <a:prstDash val="solid"/>
+                    </a:lnTlToBr>
+                    <a:lnBlToTr w="12700" cmpd="sng">
+                      <a:noFill/>
+                      <a:prstDash val="solid"/>
+                    </a:lnBlToTr>
+                    <a:noFill/>
+                  </a:tcPr>
+                </a:tc>
+                <a:tc>
+                  <a:txBody>
+                    <a:bodyPr/>
+                    <a:lstStyle/>
+                    <a:p>
+                      <a:endParaRPr lang="en-US" sz="1800" cap="none" spc="0">
+                        <a:solidFill>
+                          <a:schemeClr val="tx1"/>
+                        </a:solidFill>
+                        <a:latin typeface="Univers (body)"/>
+                        <a:cs typeface="Arial" panose="020B0604020202020204" pitchFamily="34" charset="0"/>
+                      </a:endParaRPr>
+                    </a:p>
+                  </a:txBody>
+                  <a:tcPr marL="67253" marR="67253" marT="63143" marB="134507" anchor="ctr">
+                    <a:lnL w="12700" cmpd="sng">
+                      <a:noFill/>
+                      <a:prstDash val="solid"/>
+                    </a:lnL>
+                    <a:lnR w="12700" cap="flat" cmpd="sng" algn="ctr">
+                      <a:solidFill>
+                        <a:schemeClr val="tx1">
+                          <a:lumMod val="50000"/>
+                          <a:lumOff val="50000"/>
+                        </a:schemeClr>
+                      </a:solidFill>
+                      <a:prstDash val="solid"/>
+                      <a:round/>
+                      <a:headEnd type="none" w="med" len="med"/>
+                      <a:tailEnd type="none" w="med" len="med"/>
+                    </a:lnR>
+                    <a:lnT w="12700" cap="flat" cmpd="sng" algn="ctr">
+                      <a:noFill/>
+                      <a:prstDash val="solid"/>
+                      <a:round/>
+                      <a:headEnd type="none" w="med" len="med"/>
+                      <a:tailEnd type="none" w="med" len="med"/>
+                    </a:lnT>
+                    <a:lnB w="12700" cap="flat" cmpd="sng" algn="ctr">
+                      <a:solidFill>
+                        <a:schemeClr val="accent1"/>
+                      </a:solidFill>
+                      <a:prstDash val="solid"/>
+                    </a:lnB>
+                    <a:lnTlToBr w="12700" cmpd="sng">
+                      <a:noFill/>
+                      <a:prstDash val="solid"/>
+                    </a:lnTlToBr>
+                    <a:lnBlToTr w="12700" cmpd="sng">
+                      <a:noFill/>
+                      <a:prstDash val="solid"/>
+                    </a:lnBlToTr>
+                    <a:noFill/>
+                  </a:tcPr>
+                </a:tc>
+                <a:tc>
+                  <a:txBody>
+                    <a:bodyPr/>
+                    <a:lstStyle/>
+                    <a:p>
+                      <a:endParaRPr lang="en-US" sz="1800" cap="none" spc="0" dirty="0">
+                        <a:solidFill>
+                          <a:schemeClr val="tx1"/>
+                        </a:solidFill>
+                        <a:latin typeface="Univers (body)"/>
+                        <a:cs typeface="Arial" panose="020B0604020202020204" pitchFamily="34" charset="0"/>
+                      </a:endParaRPr>
+                    </a:p>
+                  </a:txBody>
+                  <a:tcPr marL="67253" marR="67253" marT="63143" marB="134507" anchor="ctr">
+                    <a:lnL w="12700" cap="flat" cmpd="sng" algn="ctr">
+                      <a:solidFill>
+                        <a:schemeClr val="tx1">
+                          <a:lumMod val="50000"/>
+                          <a:lumOff val="50000"/>
+                        </a:schemeClr>
+                      </a:solidFill>
+                      <a:prstDash val="solid"/>
+                      <a:round/>
+                      <a:headEnd type="none" w="med" len="med"/>
+                      <a:tailEnd type="none" w="med" len="med"/>
+                    </a:lnL>
+                    <a:lnR w="12700" cmpd="sng">
+                      <a:noFill/>
+                      <a:prstDash val="solid"/>
+                    </a:lnR>
+                    <a:lnT w="12700" cap="flat" cmpd="sng" algn="ctr">
+                      <a:noFill/>
+                      <a:prstDash val="solid"/>
+                      <a:round/>
+                      <a:headEnd type="none" w="med" len="med"/>
+                      <a:tailEnd type="none" w="med" len="med"/>
+                    </a:lnT>
+                    <a:lnB w="12700" cap="flat" cmpd="sng" algn="ctr">
+                      <a:solidFill>
+                        <a:schemeClr val="accent1"/>
+                      </a:solidFill>
+                      <a:prstDash val="solid"/>
+                    </a:lnB>
+                    <a:lnTlToBr w="12700" cmpd="sng">
+                      <a:noFill/>
+                      <a:prstDash val="solid"/>
+                    </a:lnTlToBr>
+                    <a:lnBlToTr w="12700" cmpd="sng">
+                      <a:noFill/>
+                      <a:prstDash val="solid"/>
+                    </a:lnBlToTr>
+                    <a:noFill/>
+                  </a:tcPr>
+                </a:tc>
+                <a:tc>
+                  <a:txBody>
+                    <a:bodyPr/>
+                    <a:lstStyle/>
+                    <a:p>
+                      <a:endParaRPr lang="en-US" sz="1800" cap="none" spc="0">
+                        <a:solidFill>
+                          <a:schemeClr val="bg1">
+                            <a:lumMod val="65000"/>
+                          </a:schemeClr>
+                        </a:solidFill>
+                        <a:latin typeface="Univers (body)"/>
+                        <a:cs typeface="Arial" panose="020B0604020202020204" pitchFamily="34" charset="0"/>
+                      </a:endParaRPr>
+                    </a:p>
+                  </a:txBody>
+                  <a:tcPr marL="67253" marR="67253" marT="63143" marB="134507" anchor="ctr">
+                    <a:lnL w="12700" cmpd="sng">
+                      <a:noFill/>
+                      <a:prstDash val="solid"/>
+                    </a:lnL>
+                    <a:lnR w="12700" cmpd="sng">
+                      <a:noFill/>
+                      <a:prstDash val="solid"/>
+                    </a:lnR>
+                    <a:lnT w="12700" cap="flat" cmpd="sng" algn="ctr">
+                      <a:noFill/>
+                      <a:prstDash val="solid"/>
+                      <a:round/>
+                      <a:headEnd type="none" w="med" len="med"/>
+                      <a:tailEnd type="none" w="med" len="med"/>
+                    </a:lnT>
+                    <a:lnB w="12700" cap="flat" cmpd="sng" algn="ctr">
+                      <a:solidFill>
+                        <a:schemeClr val="accent1"/>
+                      </a:solidFill>
+                      <a:prstDash val="solid"/>
+                    </a:lnB>
+                    <a:lnTlToBr w="12700" cmpd="sng">
+                      <a:noFill/>
+                      <a:prstDash val="solid"/>
+                    </a:lnTlToBr>
+                    <a:lnBlToTr w="12700" cmpd="sng">
+                      <a:noFill/>
+                      <a:prstDash val="solid"/>
+                    </a:lnBlToTr>
+                    <a:noFill/>
+                  </a:tcPr>
+                </a:tc>
+                <a:extLst>
+                  <a:ext uri="{0D108BD9-81ED-4DB2-BD59-A6C34878D82A}">
+                    <a16:rowId xmlns:a16="http://schemas.microsoft.com/office/drawing/2014/main" val="405655041"/>
+                  </a:ext>
+                </a:extLst>
+              </a:tr>
+              <a:tr h="552966">
+                <a:tc>
+                  <a:txBody>
+                    <a:bodyPr/>
+                    <a:lstStyle/>
+                    <a:p>
+                      <a:endParaRPr lang="en-US" sz="1800" cap="none" spc="0">
+                        <a:solidFill>
+                          <a:schemeClr val="tx1"/>
+                        </a:solidFill>
+                        <a:latin typeface="Univers (body)"/>
+                        <a:cs typeface="Arial" panose="020B0604020202020204" pitchFamily="34" charset="0"/>
+                      </a:endParaRPr>
+                    </a:p>
+                  </a:txBody>
+                  <a:tcPr marL="67253" marR="67253" marT="63143" marB="134507" anchor="ctr">
+                    <a:lnL w="12700" cmpd="sng">
+                      <a:noFill/>
+                      <a:prstDash val="solid"/>
+                    </a:lnL>
+                    <a:lnR w="12700" cmpd="sng">
+                      <a:noFill/>
+                      <a:prstDash val="solid"/>
+                    </a:lnR>
+                    <a:lnT w="12700" cap="flat" cmpd="sng" algn="ctr">
+                      <a:solidFill>
+                        <a:schemeClr val="accent1"/>
+                      </a:solidFill>
+                      <a:prstDash val="solid"/>
+                      <a:round/>
+                      <a:headEnd type="none" w="med" len="med"/>
+                      <a:tailEnd type="none" w="med" len="med"/>
+                    </a:lnT>
+                    <a:lnB w="12700" cmpd="sng">
+                      <a:noFill/>
+                      <a:prstDash val="solid"/>
+                    </a:lnB>
+                    <a:lnTlToBr w="12700" cmpd="sng">
+                      <a:noFill/>
+                      <a:prstDash val="solid"/>
+                    </a:lnTlToBr>
+                    <a:lnBlToTr w="12700" cmpd="sng">
+                      <a:noFill/>
+                      <a:prstDash val="solid"/>
+                    </a:lnBlToTr>
+                    <a:solidFill>
+                      <a:schemeClr val="bg1">
+                        <a:lumMod val="95000"/>
+                      </a:schemeClr>
+                    </a:solidFill>
+                  </a:tcPr>
+                </a:tc>
+                <a:tc>
+                  <a:txBody>
+                    <a:bodyPr/>
+                    <a:lstStyle/>
+                    <a:p>
+                      <a:endParaRPr lang="en-US" sz="1800" cap="none" spc="0">
+                        <a:solidFill>
+                          <a:schemeClr val="tx1"/>
+                        </a:solidFill>
+                        <a:latin typeface="Univers (body)"/>
+                        <a:cs typeface="Arial" panose="020B0604020202020204" pitchFamily="34" charset="0"/>
+                      </a:endParaRPr>
+                    </a:p>
+                  </a:txBody>
+                  <a:tcPr marL="67253" marR="67253" marT="63143" marB="134507" anchor="ctr">
+                    <a:lnL w="12700" cmpd="sng">
+                      <a:noFill/>
+                      <a:prstDash val="solid"/>
+                    </a:lnL>
+                    <a:lnR w="12700" cap="flat" cmpd="sng" algn="ctr">
+                      <a:solidFill>
+                        <a:schemeClr val="tx1">
+                          <a:lumMod val="50000"/>
+                          <a:lumOff val="50000"/>
+                        </a:schemeClr>
+                      </a:solidFill>
+                      <a:prstDash val="solid"/>
+                      <a:round/>
+                      <a:headEnd type="none" w="med" len="med"/>
+                      <a:tailEnd type="none" w="med" len="med"/>
+                    </a:lnR>
+                    <a:lnT w="12700" cap="flat" cmpd="sng" algn="ctr">
+                      <a:solidFill>
+                        <a:schemeClr val="accent1"/>
+                      </a:solidFill>
+                      <a:prstDash val="solid"/>
+                      <a:round/>
+                      <a:headEnd type="none" w="med" len="med"/>
+                      <a:tailEnd type="none" w="med" len="med"/>
+                    </a:lnT>
+                    <a:lnB w="12700" cmpd="sng">
+                      <a:noFill/>
+                      <a:prstDash val="solid"/>
+                    </a:lnB>
+                    <a:lnTlToBr w="12700" cmpd="sng">
+                      <a:noFill/>
+                      <a:prstDash val="solid"/>
+                    </a:lnTlToBr>
+                    <a:lnBlToTr w="12700" cmpd="sng">
+                      <a:noFill/>
+                      <a:prstDash val="solid"/>
+                    </a:lnBlToTr>
+                    <a:solidFill>
+                      <a:schemeClr val="bg1">
+                        <a:lumMod val="95000"/>
+                      </a:schemeClr>
+                    </a:solidFill>
+                  </a:tcPr>
+                </a:tc>
+                <a:tc>
+                  <a:txBody>
+                    <a:bodyPr/>
+                    <a:lstStyle/>
+                    <a:p>
+                      <a:endParaRPr lang="en-US" sz="1800" cap="none" spc="0" dirty="0">
+                        <a:solidFill>
+                          <a:schemeClr val="tx1"/>
+                        </a:solidFill>
+                        <a:latin typeface="Univers (body)"/>
+                        <a:cs typeface="Arial" panose="020B0604020202020204" pitchFamily="34" charset="0"/>
+                      </a:endParaRPr>
+                    </a:p>
+                  </a:txBody>
+                  <a:tcPr marL="67253" marR="67253" marT="63143" marB="134507" anchor="ctr">
+                    <a:lnL w="12700" cap="flat" cmpd="sng" algn="ctr">
+                      <a:solidFill>
+                        <a:schemeClr val="tx1">
+                          <a:lumMod val="50000"/>
+                          <a:lumOff val="50000"/>
+                        </a:schemeClr>
+                      </a:solidFill>
+                      <a:prstDash val="solid"/>
+                      <a:round/>
+                      <a:headEnd type="none" w="med" len="med"/>
+                      <a:tailEnd type="none" w="med" len="med"/>
+                    </a:lnL>
+                    <a:lnR w="12700" cmpd="sng">
+                      <a:noFill/>
+                      <a:prstDash val="solid"/>
+                    </a:lnR>
+                    <a:lnT w="12700" cap="flat" cmpd="sng" algn="ctr">
+                      <a:solidFill>
+                        <a:schemeClr val="accent1"/>
+                      </a:solidFill>
+                      <a:prstDash val="solid"/>
+                      <a:round/>
+                      <a:headEnd type="none" w="med" len="med"/>
+                      <a:tailEnd type="none" w="med" len="med"/>
+                    </a:lnT>
+                    <a:lnB w="12700" cmpd="sng">
+                      <a:noFill/>
+                      <a:prstDash val="solid"/>
+                    </a:lnB>
+                    <a:lnTlToBr w="12700" cmpd="sng">
+                      <a:noFill/>
+                      <a:prstDash val="solid"/>
+                    </a:lnTlToBr>
+                    <a:lnBlToTr w="12700" cmpd="sng">
+                      <a:noFill/>
+                      <a:prstDash val="solid"/>
+                    </a:lnBlToTr>
+                    <a:solidFill>
+                      <a:schemeClr val="bg1">
+                        <a:lumMod val="95000"/>
+                      </a:schemeClr>
+                    </a:solidFill>
+                  </a:tcPr>
+                </a:tc>
+                <a:tc>
+                  <a:txBody>
+                    <a:bodyPr/>
+                    <a:lstStyle/>
+                    <a:p>
+                      <a:endParaRPr lang="en-US" sz="1800" cap="none" spc="0">
+                        <a:solidFill>
+                          <a:schemeClr val="bg1">
+                            <a:lumMod val="65000"/>
+                          </a:schemeClr>
+                        </a:solidFill>
+                        <a:latin typeface="Univers (body)"/>
+                        <a:cs typeface="Arial" panose="020B0604020202020204" pitchFamily="34" charset="0"/>
+                      </a:endParaRPr>
+                    </a:p>
+                  </a:txBody>
+                  <a:tcPr marL="67253" marR="67253" marT="63143" marB="134507" anchor="ctr">
+                    <a:lnL w="12700" cmpd="sng">
+                      <a:noFill/>
+                      <a:prstDash val="solid"/>
+                    </a:lnL>
+                    <a:lnR w="12700" cmpd="sng">
+                      <a:noFill/>
+                      <a:prstDash val="solid"/>
+                    </a:lnR>
+                    <a:lnT w="12700" cap="flat" cmpd="sng" algn="ctr">
+                      <a:solidFill>
+                        <a:schemeClr val="accent1"/>
+                      </a:solidFill>
+                      <a:prstDash val="solid"/>
+                      <a:round/>
+                      <a:headEnd type="none" w="med" len="med"/>
+                      <a:tailEnd type="none" w="med" len="med"/>
+                    </a:lnT>
+                    <a:lnB w="12700" cmpd="sng">
+                      <a:noFill/>
+                      <a:prstDash val="solid"/>
+                    </a:lnB>
+                    <a:lnTlToBr w="12700" cmpd="sng">
+                      <a:noFill/>
+                      <a:prstDash val="solid"/>
+                    </a:lnTlToBr>
+                    <a:lnBlToTr w="12700" cmpd="sng">
+                      <a:noFill/>
+                      <a:prstDash val="solid"/>
+                    </a:lnBlToTr>
+                    <a:solidFill>
+                      <a:schemeClr val="bg1">
+                        <a:lumMod val="95000"/>
+                      </a:schemeClr>
+                    </a:solidFill>
+                  </a:tcPr>
+                </a:tc>
+                <a:extLst>
+                  <a:ext uri="{0D108BD9-81ED-4DB2-BD59-A6C34878D82A}">
+                    <a16:rowId xmlns:a16="http://schemas.microsoft.com/office/drawing/2014/main" val="3853413919"/>
+                  </a:ext>
+                </a:extLst>
+              </a:tr>
+              <a:tr h="552966">
+                <a:tc>
+                  <a:txBody>
+                    <a:bodyPr/>
+                    <a:lstStyle/>
+                    <a:p>
+                      <a:endParaRPr lang="en-US" sz="1800" cap="none" spc="0">
+                        <a:solidFill>
+                          <a:schemeClr val="tx1"/>
+                        </a:solidFill>
+                        <a:latin typeface="Univers (body)"/>
+                        <a:cs typeface="Arial" panose="020B0604020202020204" pitchFamily="34" charset="0"/>
+                      </a:endParaRPr>
+                    </a:p>
+                  </a:txBody>
+                  <a:tcPr marL="67253" marR="67253" marT="63143" marB="134507" anchor="ctr">
+                    <a:lnL w="12700" cmpd="sng">
+                      <a:noFill/>
+                      <a:prstDash val="solid"/>
+                    </a:lnL>
+                    <a:lnR w="12700" cmpd="sng">
+                      <a:noFill/>
+                      <a:prstDash val="solid"/>
+                    </a:lnR>
+                    <a:lnT w="12700" cap="flat" cmpd="sng" algn="ctr">
+                      <a:noFill/>
+                      <a:prstDash val="solid"/>
+                      <a:round/>
+                      <a:headEnd type="none" w="med" len="med"/>
+                      <a:tailEnd type="none" w="med" len="med"/>
+                    </a:lnT>
+                    <a:lnB w="12700" cap="flat" cmpd="sng" algn="ctr">
+                      <a:solidFill>
+                        <a:schemeClr val="accent1"/>
+                      </a:solidFill>
+                      <a:prstDash val="solid"/>
+                    </a:lnB>
+                    <a:lnTlToBr w="12700" cmpd="sng">
+                      <a:noFill/>
+                      <a:prstDash val="solid"/>
+                    </a:lnTlToBr>
+                    <a:lnBlToTr w="12700" cmpd="sng">
+                      <a:noFill/>
+                      <a:prstDash val="solid"/>
+                    </a:lnBlToTr>
+                    <a:noFill/>
+                  </a:tcPr>
+                </a:tc>
+                <a:tc>
+                  <a:txBody>
+                    <a:bodyPr/>
+                    <a:lstStyle/>
+                    <a:p>
+                      <a:endParaRPr lang="en-US" sz="1800" cap="none" spc="0">
+                        <a:solidFill>
+                          <a:schemeClr val="tx1"/>
+                        </a:solidFill>
+                        <a:latin typeface="Univers (body)"/>
+                        <a:cs typeface="Arial" panose="020B0604020202020204" pitchFamily="34" charset="0"/>
+                      </a:endParaRPr>
+                    </a:p>
+                  </a:txBody>
+                  <a:tcPr marL="67253" marR="67253" marT="63143" marB="134507" anchor="ctr">
+                    <a:lnL w="12700" cmpd="sng">
+                      <a:noFill/>
+                      <a:prstDash val="solid"/>
+                    </a:lnL>
+                    <a:lnR w="12700" cap="flat" cmpd="sng" algn="ctr">
+                      <a:solidFill>
+                        <a:schemeClr val="tx1">
+                          <a:lumMod val="50000"/>
+                          <a:lumOff val="50000"/>
+                        </a:schemeClr>
+                      </a:solidFill>
+                      <a:prstDash val="solid"/>
+                      <a:round/>
+                      <a:headEnd type="none" w="med" len="med"/>
+                      <a:tailEnd type="none" w="med" len="med"/>
+                    </a:lnR>
+                    <a:lnT w="12700" cap="flat" cmpd="sng" algn="ctr">
+                      <a:noFill/>
+                      <a:prstDash val="solid"/>
+                      <a:round/>
+                      <a:headEnd type="none" w="med" len="med"/>
+                      <a:tailEnd type="none" w="med" len="med"/>
+                    </a:lnT>
+                    <a:lnB w="12700" cap="flat" cmpd="sng" algn="ctr">
+                      <a:solidFill>
+                        <a:schemeClr val="accent1"/>
+                      </a:solidFill>
+                      <a:prstDash val="solid"/>
+                    </a:lnB>
+                    <a:lnTlToBr w="12700" cmpd="sng">
+                      <a:noFill/>
+                      <a:prstDash val="solid"/>
+                    </a:lnTlToBr>
+                    <a:lnBlToTr w="12700" cmpd="sng">
+                      <a:noFill/>
+                      <a:prstDash val="solid"/>
+                    </a:lnBlToTr>
+                    <a:noFill/>
+                  </a:tcPr>
+                </a:tc>
+                <a:tc>
+                  <a:txBody>
+                    <a:bodyPr/>
+                    <a:lstStyle/>
+                    <a:p>
+                      <a:endParaRPr lang="en-US" sz="1800" cap="none" spc="0" dirty="0">
+                        <a:solidFill>
+                          <a:schemeClr val="tx1"/>
+                        </a:solidFill>
+                        <a:latin typeface="Univers (body)"/>
+                        <a:cs typeface="Arial" panose="020B0604020202020204" pitchFamily="34" charset="0"/>
+                      </a:endParaRPr>
+                    </a:p>
+                  </a:txBody>
+                  <a:tcPr marL="67253" marR="67253" marT="63143" marB="134507" anchor="ctr">
+                    <a:lnL w="12700" cap="flat" cmpd="sng" algn="ctr">
+                      <a:solidFill>
+                        <a:schemeClr val="tx1">
+                          <a:lumMod val="50000"/>
+                          <a:lumOff val="50000"/>
+                        </a:schemeClr>
+                      </a:solidFill>
+                      <a:prstDash val="solid"/>
+                      <a:round/>
+                      <a:headEnd type="none" w="med" len="med"/>
+                      <a:tailEnd type="none" w="med" len="med"/>
+                    </a:lnL>
+                    <a:lnR w="12700" cmpd="sng">
+                      <a:noFill/>
+                      <a:prstDash val="solid"/>
+                    </a:lnR>
+                    <a:lnT w="12700" cap="flat" cmpd="sng" algn="ctr">
+                      <a:noFill/>
+                      <a:prstDash val="solid"/>
+                      <a:round/>
+                      <a:headEnd type="none" w="med" len="med"/>
+                      <a:tailEnd type="none" w="med" len="med"/>
+                    </a:lnT>
+                    <a:lnB w="12700" cap="flat" cmpd="sng" algn="ctr">
+                      <a:solidFill>
+                        <a:schemeClr val="accent1"/>
+                      </a:solidFill>
+                      <a:prstDash val="solid"/>
+                    </a:lnB>
+                    <a:lnTlToBr w="12700" cmpd="sng">
+                      <a:noFill/>
+                      <a:prstDash val="solid"/>
+                    </a:lnTlToBr>
+                    <a:lnBlToTr w="12700" cmpd="sng">
+                      <a:noFill/>
+                      <a:prstDash val="solid"/>
+                    </a:lnBlToTr>
+                    <a:noFill/>
+                  </a:tcPr>
+                </a:tc>
+                <a:tc>
+                  <a:txBody>
+                    <a:bodyPr/>
+                    <a:lstStyle/>
+                    <a:p>
+                      <a:endParaRPr lang="en-US" sz="1800" cap="none" spc="0">
+                        <a:solidFill>
+                          <a:schemeClr val="bg1">
+                            <a:lumMod val="65000"/>
+                          </a:schemeClr>
+                        </a:solidFill>
+                        <a:latin typeface="Univers (body)"/>
+                        <a:cs typeface="Arial" panose="020B0604020202020204" pitchFamily="34" charset="0"/>
+                      </a:endParaRPr>
+                    </a:p>
+                  </a:txBody>
+                  <a:tcPr marL="67253" marR="67253" marT="63143" marB="134507" anchor="ctr">
+                    <a:lnL w="12700" cmpd="sng">
+                      <a:noFill/>
+                      <a:prstDash val="solid"/>
+                    </a:lnL>
+                    <a:lnR w="12700" cmpd="sng">
+                      <a:noFill/>
+                      <a:prstDash val="solid"/>
+                    </a:lnR>
+                    <a:lnT w="12700" cap="flat" cmpd="sng" algn="ctr">
+                      <a:noFill/>
+                      <a:prstDash val="solid"/>
+                      <a:round/>
+                      <a:headEnd type="none" w="med" len="med"/>
+                      <a:tailEnd type="none" w="med" len="med"/>
+                    </a:lnT>
+                    <a:lnB w="12700" cap="flat" cmpd="sng" algn="ctr">
+                      <a:solidFill>
+                        <a:schemeClr val="accent1"/>
+                      </a:solidFill>
+                      <a:prstDash val="solid"/>
+                    </a:lnB>
+                    <a:lnTlToBr w="12700" cmpd="sng">
+                      <a:noFill/>
+                      <a:prstDash val="solid"/>
+                    </a:lnTlToBr>
+                    <a:lnBlToTr w="12700" cmpd="sng">
+                      <a:noFill/>
+                      <a:prstDash val="solid"/>
+                    </a:lnBlToTr>
+                    <a:noFill/>
+                  </a:tcPr>
+                </a:tc>
+                <a:extLst>
+                  <a:ext uri="{0D108BD9-81ED-4DB2-BD59-A6C34878D82A}">
+                    <a16:rowId xmlns:a16="http://schemas.microsoft.com/office/drawing/2014/main" val="2760649330"/>
+                  </a:ext>
+                </a:extLst>
+              </a:tr>
+              <a:tr h="552966">
+                <a:tc>
+                  <a:txBody>
+                    <a:bodyPr/>
+                    <a:lstStyle/>
+                    <a:p>
+                      <a:endParaRPr lang="en-US" sz="1800" cap="none" spc="0">
+                        <a:solidFill>
+                          <a:schemeClr val="tx1"/>
+                        </a:solidFill>
+                        <a:latin typeface="Univers (body)"/>
+                        <a:cs typeface="Arial" panose="020B0604020202020204" pitchFamily="34" charset="0"/>
+                      </a:endParaRPr>
+                    </a:p>
+                  </a:txBody>
+                  <a:tcPr marL="67253" marR="67253" marT="63143" marB="134507" anchor="ctr">
+                    <a:lnL w="12700" cmpd="sng">
+                      <a:noFill/>
+                      <a:prstDash val="solid"/>
+                    </a:lnL>
+                    <a:lnR w="12700" cmpd="sng">
+                      <a:noFill/>
+                      <a:prstDash val="solid"/>
+                    </a:lnR>
+                    <a:lnT w="12700" cap="flat" cmpd="sng" algn="ctr">
+                      <a:solidFill>
+                        <a:schemeClr val="accent1"/>
+                      </a:solidFill>
+                      <a:prstDash val="solid"/>
+                      <a:round/>
+                      <a:headEnd type="none" w="med" len="med"/>
+                      <a:tailEnd type="none" w="med" len="med"/>
+                    </a:lnT>
+                    <a:lnB w="12700" cmpd="sng">
+                      <a:noFill/>
+                      <a:prstDash val="solid"/>
+                    </a:lnB>
+                    <a:lnTlToBr w="12700" cmpd="sng">
+                      <a:noFill/>
+                      <a:prstDash val="solid"/>
+                    </a:lnTlToBr>
+                    <a:lnBlToTr w="12700" cmpd="sng">
+                      <a:noFill/>
+                      <a:prstDash val="solid"/>
+                    </a:lnBlToTr>
+                    <a:solidFill>
+                      <a:schemeClr val="bg1">
+                        <a:lumMod val="95000"/>
+                      </a:schemeClr>
+                    </a:solidFill>
+                  </a:tcPr>
+                </a:tc>
+                <a:tc>
+                  <a:txBody>
+                    <a:bodyPr/>
+                    <a:lstStyle/>
+                    <a:p>
+                      <a:endParaRPr lang="en-US" sz="1800" cap="none" spc="0">
+                        <a:solidFill>
+                          <a:schemeClr val="tx1"/>
+                        </a:solidFill>
+                        <a:latin typeface="Univers (body)"/>
+                        <a:cs typeface="Arial" panose="020B0604020202020204" pitchFamily="34" charset="0"/>
+                      </a:endParaRPr>
+                    </a:p>
+                  </a:txBody>
+                  <a:tcPr marL="67253" marR="67253" marT="63143" marB="134507" anchor="ctr">
+                    <a:lnL w="12700" cmpd="sng">
+                      <a:noFill/>
+                      <a:prstDash val="solid"/>
+                    </a:lnL>
+                    <a:lnR w="12700" cap="flat" cmpd="sng" algn="ctr">
+                      <a:solidFill>
+                        <a:schemeClr val="tx1">
+                          <a:lumMod val="50000"/>
+                          <a:lumOff val="50000"/>
+                        </a:schemeClr>
+                      </a:solidFill>
+                      <a:prstDash val="solid"/>
+                      <a:round/>
+                      <a:headEnd type="none" w="med" len="med"/>
+                      <a:tailEnd type="none" w="med" len="med"/>
+                    </a:lnR>
+                    <a:lnT w="12700" cap="flat" cmpd="sng" algn="ctr">
+                      <a:solidFill>
+                        <a:schemeClr val="accent1"/>
+                      </a:solidFill>
+                      <a:prstDash val="solid"/>
+                      <a:round/>
+                      <a:headEnd type="none" w="med" len="med"/>
+                      <a:tailEnd type="none" w="med" len="med"/>
+                    </a:lnT>
+                    <a:lnB w="12700" cmpd="sng">
+                      <a:noFill/>
+                      <a:prstDash val="solid"/>
+                    </a:lnB>
+                    <a:lnTlToBr w="12700" cmpd="sng">
+                      <a:noFill/>
+                      <a:prstDash val="solid"/>
+                    </a:lnTlToBr>
+                    <a:lnBlToTr w="12700" cmpd="sng">
+                      <a:noFill/>
+                      <a:prstDash val="solid"/>
+                    </a:lnBlToTr>
+                    <a:solidFill>
+                      <a:schemeClr val="bg1">
+                        <a:lumMod val="95000"/>
+                      </a:schemeClr>
+                    </a:solidFill>
+                  </a:tcPr>
+                </a:tc>
+                <a:tc>
+                  <a:txBody>
+                    <a:bodyPr/>
+                    <a:lstStyle/>
+                    <a:p>
+                      <a:endParaRPr lang="en-US" sz="1800" cap="none" spc="0" dirty="0">
+                        <a:solidFill>
+                          <a:schemeClr val="tx1"/>
+                        </a:solidFill>
+                        <a:latin typeface="Univers (body)"/>
+                        <a:cs typeface="Arial" panose="020B0604020202020204" pitchFamily="34" charset="0"/>
+                      </a:endParaRPr>
+                    </a:p>
+                  </a:txBody>
+                  <a:tcPr marL="67253" marR="67253" marT="63143" marB="134507" anchor="ctr">
+                    <a:lnL w="12700" cap="flat" cmpd="sng" algn="ctr">
+                      <a:solidFill>
+                        <a:schemeClr val="tx1">
+                          <a:lumMod val="50000"/>
+                          <a:lumOff val="50000"/>
+                        </a:schemeClr>
+                      </a:solidFill>
+                      <a:prstDash val="solid"/>
+                      <a:round/>
+                      <a:headEnd type="none" w="med" len="med"/>
+                      <a:tailEnd type="none" w="med" len="med"/>
+                    </a:lnL>
+                    <a:lnR w="12700" cmpd="sng">
+                      <a:noFill/>
+                      <a:prstDash val="solid"/>
+                    </a:lnR>
+                    <a:lnT w="12700" cap="flat" cmpd="sng" algn="ctr">
+                      <a:solidFill>
+                        <a:schemeClr val="accent1"/>
+                      </a:solidFill>
+                      <a:prstDash val="solid"/>
+                      <a:round/>
+                      <a:headEnd type="none" w="med" len="med"/>
+                      <a:tailEnd type="none" w="med" len="med"/>
+                    </a:lnT>
+                    <a:lnB w="12700" cmpd="sng">
+                      <a:noFill/>
+                      <a:prstDash val="solid"/>
+                    </a:lnB>
+                    <a:lnTlToBr w="12700" cmpd="sng">
+                      <a:noFill/>
+                      <a:prstDash val="solid"/>
+                    </a:lnTlToBr>
+                    <a:lnBlToTr w="12700" cmpd="sng">
+                      <a:noFill/>
+                      <a:prstDash val="solid"/>
+                    </a:lnBlToTr>
+                    <a:solidFill>
+                      <a:schemeClr val="bg1">
+                        <a:lumMod val="95000"/>
+                      </a:schemeClr>
+                    </a:solidFill>
+                  </a:tcPr>
+                </a:tc>
+                <a:tc>
+                  <a:txBody>
+                    <a:bodyPr/>
+                    <a:lstStyle/>
+                    <a:p>
+                      <a:endParaRPr lang="en-US" sz="1800" cap="none" spc="0" dirty="0">
+                        <a:solidFill>
+                          <a:schemeClr val="bg1">
+                            <a:lumMod val="65000"/>
+                          </a:schemeClr>
+                        </a:solidFill>
+                        <a:latin typeface="Univers (body)"/>
+                        <a:cs typeface="Arial" panose="020B0604020202020204" pitchFamily="34" charset="0"/>
+                      </a:endParaRPr>
+                    </a:p>
+                  </a:txBody>
+                  <a:tcPr marL="67253" marR="67253" marT="63143" marB="134507" anchor="ctr">
+                    <a:lnL w="12700" cmpd="sng">
+                      <a:noFill/>
+                      <a:prstDash val="solid"/>
+                    </a:lnL>
+                    <a:lnR w="12700" cmpd="sng">
+                      <a:noFill/>
+                      <a:prstDash val="solid"/>
+                    </a:lnR>
+                    <a:lnT w="12700" cap="flat" cmpd="sng" algn="ctr">
+                      <a:solidFill>
+                        <a:schemeClr val="accent1"/>
+                      </a:solidFill>
+                      <a:prstDash val="solid"/>
+                      <a:round/>
+                      <a:headEnd type="none" w="med" len="med"/>
+                      <a:tailEnd type="none" w="med" len="med"/>
+                    </a:lnT>
+                    <a:lnB w="12700" cmpd="sng">
+                      <a:noFill/>
+                      <a:prstDash val="solid"/>
+                    </a:lnB>
+                    <a:lnTlToBr w="12700" cmpd="sng">
+                      <a:noFill/>
+                      <a:prstDash val="solid"/>
+                    </a:lnTlToBr>
+                    <a:lnBlToTr w="12700" cmpd="sng">
+                      <a:noFill/>
+                      <a:prstDash val="solid"/>
+                    </a:lnBlToTr>
+                    <a:solidFill>
+                      <a:schemeClr val="bg1">
+                        <a:lumMod val="95000"/>
+                      </a:schemeClr>
+                    </a:solidFill>
+                  </a:tcPr>
+                </a:tc>
+                <a:extLst>
+                  <a:ext uri="{0D108BD9-81ED-4DB2-BD59-A6C34878D82A}">
+                    <a16:rowId xmlns:a16="http://schemas.microsoft.com/office/drawing/2014/main" val="726089835"/>
+                  </a:ext>
+                </a:extLst>
+              </a:tr>
+            </a:tbl>
+          </a:graphicData>
+        </a:graphic>
+      </p:graphicFrame>
     </p:spTree>
     <p:extLst>
       <p:ext uri="{BB962C8B-B14F-4D97-AF65-F5344CB8AC3E}">
-        <p14:creationId xmlns:p14="http://schemas.microsoft.com/office/powerpoint/2010/main" val="3953207219"/>
+        <p14:creationId xmlns:p14="http://schemas.microsoft.com/office/powerpoint/2010/main" val="2597092904"/>
       </p:ext>
     </p:extLst>
   </p:cSld>

--- a/2020_10_30_covid_usa_analysis.pptx
+++ b/2020_10_30_covid_usa_analysis.pptx
@@ -13,25 +13,23 @@
     <p:sldId id="261" r:id="rId7"/>
     <p:sldId id="262" r:id="rId8"/>
     <p:sldId id="263" r:id="rId9"/>
-    <p:sldId id="307" r:id="rId10"/>
-    <p:sldId id="265" r:id="rId11"/>
-    <p:sldId id="305" r:id="rId12"/>
-    <p:sldId id="266" r:id="rId13"/>
-    <p:sldId id="306" r:id="rId14"/>
-    <p:sldId id="294" r:id="rId15"/>
-    <p:sldId id="295" r:id="rId16"/>
-    <p:sldId id="296" r:id="rId17"/>
-    <p:sldId id="278" r:id="rId18"/>
-    <p:sldId id="297" r:id="rId19"/>
-    <p:sldId id="298" r:id="rId20"/>
-    <p:sldId id="299" r:id="rId21"/>
-    <p:sldId id="300" r:id="rId22"/>
-    <p:sldId id="301" r:id="rId23"/>
-    <p:sldId id="279" r:id="rId24"/>
-    <p:sldId id="280" r:id="rId25"/>
-    <p:sldId id="281" r:id="rId26"/>
-    <p:sldId id="264" r:id="rId27"/>
-    <p:sldId id="282" r:id="rId28"/>
+    <p:sldId id="265" r:id="rId10"/>
+    <p:sldId id="305" r:id="rId11"/>
+    <p:sldId id="306" r:id="rId12"/>
+    <p:sldId id="294" r:id="rId13"/>
+    <p:sldId id="295" r:id="rId14"/>
+    <p:sldId id="296" r:id="rId15"/>
+    <p:sldId id="278" r:id="rId16"/>
+    <p:sldId id="297" r:id="rId17"/>
+    <p:sldId id="298" r:id="rId18"/>
+    <p:sldId id="299" r:id="rId19"/>
+    <p:sldId id="300" r:id="rId20"/>
+    <p:sldId id="301" r:id="rId21"/>
+    <p:sldId id="279" r:id="rId22"/>
+    <p:sldId id="280" r:id="rId23"/>
+    <p:sldId id="281" r:id="rId24"/>
+    <p:sldId id="264" r:id="rId25"/>
+    <p:sldId id="282" r:id="rId26"/>
   </p:sldIdLst>
   <p:sldSz cx="12192000" cy="6858000"/>
   <p:notesSz cx="6858000" cy="9144000"/>
@@ -9730,6 +9728,4046 @@
 </file>
 
 <file path=ppt/slides/slide10.xml><?xml version="1.0" encoding="utf-8"?>
+<p:sld xmlns:a="http://schemas.openxmlformats.org/drawingml/2006/main" xmlns:r="http://schemas.openxmlformats.org/officeDocument/2006/relationships" xmlns:p="http://schemas.openxmlformats.org/presentationml/2006/main">
+  <p:cSld>
+    <p:spTree>
+      <p:nvGrpSpPr>
+        <p:cNvPr id="1" name=""/>
+        <p:cNvGrpSpPr/>
+        <p:nvPr/>
+      </p:nvGrpSpPr>
+      <p:grpSpPr>
+        <a:xfrm>
+          <a:off x="0" y="0"/>
+          <a:ext cx="0" cy="0"/>
+          <a:chOff x="0" y="0"/>
+          <a:chExt cx="0" cy="0"/>
+        </a:xfrm>
+      </p:grpSpPr>
+      <p:sp>
+        <p:nvSpPr>
+          <p:cNvPr id="2" name="Title 1">
+            <a:extLst>
+              <a:ext uri="{FF2B5EF4-FFF2-40B4-BE49-F238E27FC236}">
+                <a16:creationId xmlns:a16="http://schemas.microsoft.com/office/drawing/2014/main" id="{A1A5D932-74A6-4E12-A1DE-2B48BAD3E905}"/>
+              </a:ext>
+            </a:extLst>
+          </p:cNvPr>
+          <p:cNvSpPr>
+            <a:spLocks noGrp="1"/>
+          </p:cNvSpPr>
+          <p:nvPr>
+            <p:ph type="title"/>
+          </p:nvPr>
+        </p:nvSpPr>
+        <p:spPr/>
+        <p:txBody>
+          <a:bodyPr>
+            <a:normAutofit fontScale="90000"/>
+          </a:bodyPr>
+          <a:lstStyle/>
+          <a:p>
+            <a:r>
+              <a:rPr lang="en-US" dirty="0">
+                <a:latin typeface="Univers (body)"/>
+              </a:rPr>
+              <a:t>Population Density and Income Strongest Factors when Modeling All Five States</a:t>
+            </a:r>
+          </a:p>
+        </p:txBody>
+      </p:sp>
+      <p:pic>
+        <p:nvPicPr>
+          <p:cNvPr id="8" name="Content Placeholder 7" descr="Chart, bar chart&#10;&#10;Description automatically generated">
+            <a:extLst>
+              <a:ext uri="{FF2B5EF4-FFF2-40B4-BE49-F238E27FC236}">
+                <a16:creationId xmlns:a16="http://schemas.microsoft.com/office/drawing/2014/main" id="{FD030CD7-FE67-4D33-B5B2-C5B7E0E3D65F}"/>
+              </a:ext>
+            </a:extLst>
+          </p:cNvPr>
+          <p:cNvPicPr>
+            <a:picLocks noGrp="1" noChangeAspect="1"/>
+          </p:cNvPicPr>
+          <p:nvPr>
+            <p:ph sz="half" idx="1"/>
+          </p:nvPr>
+        </p:nvPicPr>
+        <p:blipFill>
+          <a:blip r:embed="rId2">
+            <a:extLst>
+              <a:ext uri="{28A0092B-C50C-407E-A947-70E740481C1C}">
+                <a14:useLocalDpi xmlns:a14="http://schemas.microsoft.com/office/drawing/2010/main" val="0"/>
+              </a:ext>
+            </a:extLst>
+          </a:blip>
+          <a:stretch>
+            <a:fillRect/>
+          </a:stretch>
+        </p:blipFill>
+        <p:spPr>
+          <a:xfrm>
+            <a:off x="186643" y="2118998"/>
+            <a:ext cx="6119942" cy="3967356"/>
+          </a:xfrm>
+        </p:spPr>
+      </p:pic>
+      <p:pic>
+        <p:nvPicPr>
+          <p:cNvPr id="6" name="Content Placeholder 5" descr="Chart, scatter chart&#10;&#10;Description automatically generated">
+            <a:extLst>
+              <a:ext uri="{FF2B5EF4-FFF2-40B4-BE49-F238E27FC236}">
+                <a16:creationId xmlns:a16="http://schemas.microsoft.com/office/drawing/2014/main" id="{153AC1B3-F64B-4C3E-AAF0-84A3B86E3098}"/>
+              </a:ext>
+            </a:extLst>
+          </p:cNvPr>
+          <p:cNvPicPr>
+            <a:picLocks noGrp="1" noChangeAspect="1"/>
+          </p:cNvPicPr>
+          <p:nvPr>
+            <p:ph sz="half" idx="2"/>
+          </p:nvPr>
+        </p:nvPicPr>
+        <p:blipFill>
+          <a:blip r:embed="rId3">
+            <a:extLst>
+              <a:ext uri="{28A0092B-C50C-407E-A947-70E740481C1C}">
+                <a14:useLocalDpi xmlns:a14="http://schemas.microsoft.com/office/drawing/2010/main" val="0"/>
+              </a:ext>
+            </a:extLst>
+          </a:blip>
+          <a:stretch>
+            <a:fillRect/>
+          </a:stretch>
+        </p:blipFill>
+        <p:spPr>
+          <a:xfrm>
+            <a:off x="6352689" y="2118998"/>
+            <a:ext cx="5552074" cy="4055770"/>
+          </a:xfrm>
+        </p:spPr>
+      </p:pic>
+    </p:spTree>
+    <p:extLst>
+      <p:ext uri="{BB962C8B-B14F-4D97-AF65-F5344CB8AC3E}">
+        <p14:creationId xmlns:p14="http://schemas.microsoft.com/office/powerpoint/2010/main" val="44909633"/>
+      </p:ext>
+    </p:extLst>
+  </p:cSld>
+  <p:clrMapOvr>
+    <a:masterClrMapping/>
+  </p:clrMapOvr>
+</p:sld>
+</file>
+
+<file path=ppt/slides/slide11.xml><?xml version="1.0" encoding="utf-8"?>
+<p:sld xmlns:a="http://schemas.openxmlformats.org/drawingml/2006/main" xmlns:r="http://schemas.openxmlformats.org/officeDocument/2006/relationships" xmlns:p="http://schemas.openxmlformats.org/presentationml/2006/main">
+  <p:cSld>
+    <p:spTree>
+      <p:nvGrpSpPr>
+        <p:cNvPr id="1" name=""/>
+        <p:cNvGrpSpPr/>
+        <p:nvPr/>
+      </p:nvGrpSpPr>
+      <p:grpSpPr>
+        <a:xfrm>
+          <a:off x="0" y="0"/>
+          <a:ext cx="0" cy="0"/>
+          <a:chOff x="0" y="0"/>
+          <a:chExt cx="0" cy="0"/>
+        </a:xfrm>
+      </p:grpSpPr>
+      <p:sp>
+        <p:nvSpPr>
+          <p:cNvPr id="2" name="Title 1">
+            <a:extLst>
+              <a:ext uri="{FF2B5EF4-FFF2-40B4-BE49-F238E27FC236}">
+                <a16:creationId xmlns:a16="http://schemas.microsoft.com/office/drawing/2014/main" id="{5CA85E8E-1896-45D6-84F6-BA50194D75BD}"/>
+              </a:ext>
+            </a:extLst>
+          </p:cNvPr>
+          <p:cNvSpPr>
+            <a:spLocks noGrp="1"/>
+          </p:cNvSpPr>
+          <p:nvPr>
+            <p:ph type="title"/>
+          </p:nvPr>
+        </p:nvSpPr>
+        <p:spPr>
+          <a:xfrm>
+            <a:off x="838199" y="365125"/>
+            <a:ext cx="11065330" cy="1325563"/>
+          </a:xfrm>
+        </p:spPr>
+        <p:txBody>
+          <a:bodyPr>
+            <a:normAutofit/>
+          </a:bodyPr>
+          <a:lstStyle/>
+          <a:p>
+            <a:r>
+              <a:rPr lang="en-US" sz="4000" dirty="0">
+                <a:latin typeface="Univers (body)"/>
+              </a:rPr>
+              <a:t>Predictors Varied in State-Level Models</a:t>
+            </a:r>
+          </a:p>
+        </p:txBody>
+      </p:sp>
+      <p:pic>
+        <p:nvPicPr>
+          <p:cNvPr id="18" name="Content Placeholder 17" descr="Chart, bar chart&#10;&#10;Description automatically generated">
+            <a:extLst>
+              <a:ext uri="{FF2B5EF4-FFF2-40B4-BE49-F238E27FC236}">
+                <a16:creationId xmlns:a16="http://schemas.microsoft.com/office/drawing/2014/main" id="{6C1E5650-A0CC-472E-A48C-7467C05E1BCE}"/>
+              </a:ext>
+            </a:extLst>
+          </p:cNvPr>
+          <p:cNvPicPr>
+            <a:picLocks noGrp="1" noChangeAspect="1"/>
+          </p:cNvPicPr>
+          <p:nvPr>
+            <p:ph sz="half" idx="1"/>
+          </p:nvPr>
+        </p:nvPicPr>
+        <p:blipFill>
+          <a:blip r:embed="rId2">
+            <a:extLst>
+              <a:ext uri="{28A0092B-C50C-407E-A947-70E740481C1C}">
+                <a14:useLocalDpi xmlns:a14="http://schemas.microsoft.com/office/drawing/2010/main" val="0"/>
+              </a:ext>
+            </a:extLst>
+          </a:blip>
+          <a:stretch>
+            <a:fillRect/>
+          </a:stretch>
+        </p:blipFill>
+        <p:spPr>
+          <a:xfrm>
+            <a:off x="313439" y="2083411"/>
+            <a:ext cx="5864649" cy="3718823"/>
+          </a:xfrm>
+        </p:spPr>
+      </p:pic>
+      <p:pic>
+        <p:nvPicPr>
+          <p:cNvPr id="20" name="Content Placeholder 19" descr="Chart, bar chart&#10;&#10;Description automatically generated">
+            <a:extLst>
+              <a:ext uri="{FF2B5EF4-FFF2-40B4-BE49-F238E27FC236}">
+                <a16:creationId xmlns:a16="http://schemas.microsoft.com/office/drawing/2014/main" id="{C8E24D5D-C892-4FFE-85C4-F5C0AEE9E12E}"/>
+              </a:ext>
+            </a:extLst>
+          </p:cNvPr>
+          <p:cNvPicPr>
+            <a:picLocks noGrp="1" noChangeAspect="1"/>
+          </p:cNvPicPr>
+          <p:nvPr>
+            <p:ph sz="half" idx="2"/>
+          </p:nvPr>
+        </p:nvPicPr>
+        <p:blipFill>
+          <a:blip r:embed="rId3">
+            <a:extLst>
+              <a:ext uri="{28A0092B-C50C-407E-A947-70E740481C1C}">
+                <a14:useLocalDpi xmlns:a14="http://schemas.microsoft.com/office/drawing/2010/main" val="0"/>
+              </a:ext>
+            </a:extLst>
+          </a:blip>
+          <a:stretch>
+            <a:fillRect/>
+          </a:stretch>
+        </p:blipFill>
+        <p:spPr>
+          <a:xfrm>
+            <a:off x="6059553" y="2138985"/>
+            <a:ext cx="6045332" cy="3718822"/>
+          </a:xfrm>
+        </p:spPr>
+      </p:pic>
+    </p:spTree>
+    <p:extLst>
+      <p:ext uri="{BB962C8B-B14F-4D97-AF65-F5344CB8AC3E}">
+        <p14:creationId xmlns:p14="http://schemas.microsoft.com/office/powerpoint/2010/main" val="98062703"/>
+      </p:ext>
+    </p:extLst>
+  </p:cSld>
+  <p:clrMapOvr>
+    <a:masterClrMapping/>
+  </p:clrMapOvr>
+</p:sld>
+</file>
+
+<file path=ppt/slides/slide12.xml><?xml version="1.0" encoding="utf-8"?>
+<p:sld xmlns:a="http://schemas.openxmlformats.org/drawingml/2006/main" xmlns:r="http://schemas.openxmlformats.org/officeDocument/2006/relationships" xmlns:p="http://schemas.openxmlformats.org/presentationml/2006/main">
+  <p:cSld>
+    <p:bg>
+      <p:bgPr>
+        <a:solidFill>
+          <a:schemeClr val="bg1"/>
+        </a:solidFill>
+        <a:effectLst/>
+      </p:bgPr>
+    </p:bg>
+    <p:spTree>
+      <p:nvGrpSpPr>
+        <p:cNvPr id="1" name=""/>
+        <p:cNvGrpSpPr/>
+        <p:nvPr/>
+      </p:nvGrpSpPr>
+      <p:grpSpPr>
+        <a:xfrm>
+          <a:off x="0" y="0"/>
+          <a:ext cx="0" cy="0"/>
+          <a:chOff x="0" y="0"/>
+          <a:chExt cx="0" cy="0"/>
+        </a:xfrm>
+      </p:grpSpPr>
+      <p:sp>
+        <p:nvSpPr>
+          <p:cNvPr id="2" name="Title 1">
+            <a:extLst>
+              <a:ext uri="{FF2B5EF4-FFF2-40B4-BE49-F238E27FC236}">
+                <a16:creationId xmlns:a16="http://schemas.microsoft.com/office/drawing/2014/main" id="{A0D1BE85-58F0-4D8F-B2DB-F82D419834A9}"/>
+              </a:ext>
+            </a:extLst>
+          </p:cNvPr>
+          <p:cNvSpPr>
+            <a:spLocks noGrp="1"/>
+          </p:cNvSpPr>
+          <p:nvPr>
+            <p:ph type="title"/>
+          </p:nvPr>
+        </p:nvSpPr>
+        <p:spPr>
+          <a:xfrm>
+            <a:off x="396573" y="320675"/>
+            <a:ext cx="11407487" cy="1325563"/>
+          </a:xfrm>
+        </p:spPr>
+        <p:txBody>
+          <a:bodyPr>
+            <a:normAutofit/>
+          </a:bodyPr>
+          <a:lstStyle/>
+          <a:p>
+            <a:r>
+              <a:rPr lang="en-US" sz="5400" dirty="0">
+                <a:latin typeface="Univers (body)"/>
+              </a:rPr>
+              <a:t>Conclusions and Key Challenges</a:t>
+            </a:r>
+          </a:p>
+        </p:txBody>
+      </p:sp>
+      <p:sp>
+        <p:nvSpPr>
+          <p:cNvPr id="9" name="Rectangle 8">
+            <a:extLst>
+              <a:ext uri="{FF2B5EF4-FFF2-40B4-BE49-F238E27FC236}">
+                <a16:creationId xmlns:a16="http://schemas.microsoft.com/office/drawing/2014/main" id="{37E32B78-23DD-4E77-8B9C-7779E3BF20C2}"/>
+              </a:ext>
+              <a:ext uri="{C183D7F6-B498-43B3-948B-1728B52AA6E4}">
+                <adec:decorative xmlns:adec="http://schemas.microsoft.com/office/drawing/2017/decorative" val="1"/>
+              </a:ext>
+            </a:extLst>
+          </p:cNvPr>
+          <p:cNvSpPr>
+            <a:spLocks noGrp="1" noRot="1" noChangeAspect="1" noMove="1" noResize="1" noEditPoints="1" noAdjustHandles="1" noChangeArrowheads="1" noChangeShapeType="1" noTextEdit="1"/>
+          </p:cNvSpPr>
+          <p:nvPr>
+            <p:extLst>
+              <p:ext uri="{386F3935-93C4-4BCD-93E2-E3B085C9AB24}">
+                <p16:designElem xmlns:p16="http://schemas.microsoft.com/office/powerpoint/2015/main" val="1"/>
+              </p:ext>
+            </p:extLst>
+          </p:nvPr>
+        </p:nvSpPr>
+        <p:spPr>
+          <a:xfrm>
+            <a:off x="0" y="0"/>
+            <a:ext cx="126124" cy="6858000"/>
+          </a:xfrm>
+          <a:prstGeom prst="rect">
+            <a:avLst/>
+          </a:prstGeom>
+          <a:solidFill>
+            <a:srgbClr val="4472C4"/>
+          </a:solidFill>
+          <a:ln w="12700" cap="flat" cmpd="sng" algn="ctr">
+            <a:noFill/>
+            <a:prstDash val="solid"/>
+            <a:miter lim="800000"/>
+          </a:ln>
+          <a:effectLst/>
+        </p:spPr>
+        <p:txBody>
+          <a:bodyPr rtlCol="0" anchor="ctr"/>
+          <a:lstStyle/>
+          <a:p>
+            <a:pPr marL="0" marR="0" lvl="0" indent="0" algn="ctr" defTabSz="914400" eaLnBrk="1" fontAlgn="auto" latinLnBrk="0" hangingPunct="1">
+              <a:lnSpc>
+                <a:spcPct val="100000"/>
+              </a:lnSpc>
+              <a:spcBef>
+                <a:spcPts val="0"/>
+              </a:spcBef>
+              <a:spcAft>
+                <a:spcPts val="0"/>
+              </a:spcAft>
+              <a:buClrTx/>
+              <a:buSzTx/>
+              <a:buFontTx/>
+              <a:buNone/>
+              <a:tabLst/>
+              <a:defRPr/>
+            </a:pPr>
+            <a:endParaRPr kumimoji="0" lang="en-US" sz="1800" b="0" i="0" u="none" strike="noStrike" kern="0" cap="none" spc="0" normalizeH="0" baseline="0" noProof="0">
+              <a:ln>
+                <a:noFill/>
+              </a:ln>
+              <a:solidFill>
+                <a:prstClr val="white"/>
+              </a:solidFill>
+              <a:effectLst/>
+              <a:uLnTx/>
+              <a:uFillTx/>
+              <a:latin typeface="Calibri" panose="020F0502020204030204"/>
+              <a:ea typeface="+mn-ea"/>
+              <a:cs typeface="+mn-cs"/>
+            </a:endParaRPr>
+          </a:p>
+        </p:txBody>
+      </p:sp>
+      <p:graphicFrame>
+        <p:nvGraphicFramePr>
+          <p:cNvPr id="5" name="Content Placeholder 2">
+            <a:extLst>
+              <a:ext uri="{FF2B5EF4-FFF2-40B4-BE49-F238E27FC236}">
+                <a16:creationId xmlns:a16="http://schemas.microsoft.com/office/drawing/2014/main" id="{8DAEBF91-F53E-4DD2-8552-D4860C057DE4}"/>
+              </a:ext>
+            </a:extLst>
+          </p:cNvPr>
+          <p:cNvGraphicFramePr>
+            <a:graphicFrameLocks noGrp="1"/>
+          </p:cNvGraphicFramePr>
+          <p:nvPr>
+            <p:ph idx="1"/>
+            <p:extLst>
+              <p:ext uri="{D42A27DB-BD31-4B8C-83A1-F6EECF244321}">
+                <p14:modId xmlns:p14="http://schemas.microsoft.com/office/powerpoint/2010/main" val="1933739201"/>
+              </p:ext>
+            </p:extLst>
+          </p:nvPr>
+        </p:nvGraphicFramePr>
+        <p:xfrm>
+          <a:off x="396574" y="1825625"/>
+          <a:ext cx="11407487" cy="4351338"/>
+        </p:xfrm>
+        <a:graphic>
+          <a:graphicData uri="http://schemas.openxmlformats.org/drawingml/2006/diagram">
+            <dgm:relIds xmlns:dgm="http://schemas.openxmlformats.org/drawingml/2006/diagram" xmlns:r="http://schemas.openxmlformats.org/officeDocument/2006/relationships" r:dm="rId2" r:lo="rId3" r:qs="rId4" r:cs="rId5"/>
+          </a:graphicData>
+        </a:graphic>
+      </p:graphicFrame>
+    </p:spTree>
+    <p:extLst>
+      <p:ext uri="{BB962C8B-B14F-4D97-AF65-F5344CB8AC3E}">
+        <p14:creationId xmlns:p14="http://schemas.microsoft.com/office/powerpoint/2010/main" val="632227119"/>
+      </p:ext>
+    </p:extLst>
+  </p:cSld>
+  <p:clrMapOvr>
+    <a:masterClrMapping/>
+  </p:clrMapOvr>
+</p:sld>
+</file>
+
+<file path=ppt/slides/slide13.xml><?xml version="1.0" encoding="utf-8"?>
+<p:sld xmlns:a="http://schemas.openxmlformats.org/drawingml/2006/main" xmlns:r="http://schemas.openxmlformats.org/officeDocument/2006/relationships" xmlns:p="http://schemas.openxmlformats.org/presentationml/2006/main">
+  <p:cSld>
+    <p:bg>
+      <p:bgPr>
+        <a:solidFill>
+          <a:schemeClr val="bg1"/>
+        </a:solidFill>
+        <a:effectLst/>
+      </p:bgPr>
+    </p:bg>
+    <p:spTree>
+      <p:nvGrpSpPr>
+        <p:cNvPr id="1" name=""/>
+        <p:cNvGrpSpPr/>
+        <p:nvPr/>
+      </p:nvGrpSpPr>
+      <p:grpSpPr>
+        <a:xfrm>
+          <a:off x="0" y="0"/>
+          <a:ext cx="0" cy="0"/>
+          <a:chOff x="0" y="0"/>
+          <a:chExt cx="0" cy="0"/>
+        </a:xfrm>
+      </p:grpSpPr>
+      <p:sp useBgFill="1">
+        <p:nvSpPr>
+          <p:cNvPr id="10" name="Rectangle 9">
+            <a:extLst>
+              <a:ext uri="{FF2B5EF4-FFF2-40B4-BE49-F238E27FC236}">
+                <a16:creationId xmlns:a16="http://schemas.microsoft.com/office/drawing/2014/main" id="{7D9D36D6-2AC5-46A1-A849-4C82D5264A3A}"/>
+              </a:ext>
+              <a:ext uri="{C183D7F6-B498-43B3-948B-1728B52AA6E4}">
+                <adec:decorative xmlns:adec="http://schemas.microsoft.com/office/drawing/2017/decorative" val="1"/>
+              </a:ext>
+            </a:extLst>
+          </p:cNvPr>
+          <p:cNvSpPr>
+            <a:spLocks noGrp="1" noRot="1" noChangeAspect="1" noMove="1" noResize="1" noEditPoints="1" noAdjustHandles="1" noChangeArrowheads="1" noChangeShapeType="1" noTextEdit="1"/>
+          </p:cNvSpPr>
+          <p:nvPr>
+            <p:extLst>
+              <p:ext uri="{386F3935-93C4-4BCD-93E2-E3B085C9AB24}">
+                <p16:designElem xmlns:p16="http://schemas.microsoft.com/office/powerpoint/2015/main" val="1"/>
+              </p:ext>
+            </p:extLst>
+          </p:nvPr>
+        </p:nvSpPr>
+        <p:spPr>
+          <a:xfrm>
+            <a:off x="-1" y="0"/>
+            <a:ext cx="12188952" cy="6858000"/>
+          </a:xfrm>
+          <a:prstGeom prst="rect">
+            <a:avLst/>
+          </a:prstGeom>
+          <a:ln>
+            <a:noFill/>
+          </a:ln>
+        </p:spPr>
+        <p:style>
+          <a:lnRef idx="2">
+            <a:schemeClr val="accent1">
+              <a:shade val="50000"/>
+            </a:schemeClr>
+          </a:lnRef>
+          <a:fillRef idx="1">
+            <a:schemeClr val="accent1"/>
+          </a:fillRef>
+          <a:effectRef idx="0">
+            <a:schemeClr val="accent1"/>
+          </a:effectRef>
+          <a:fontRef idx="minor">
+            <a:schemeClr val="lt1"/>
+          </a:fontRef>
+        </p:style>
+        <p:txBody>
+          <a:bodyPr rtlCol="0" anchor="ctr"/>
+          <a:lstStyle/>
+          <a:p>
+            <a:pPr algn="ctr"/>
+            <a:endParaRPr lang="en-US" dirty="0"/>
+          </a:p>
+        </p:txBody>
+      </p:sp>
+      <p:sp>
+        <p:nvSpPr>
+          <p:cNvPr id="2" name="Title 1">
+            <a:extLst>
+              <a:ext uri="{FF2B5EF4-FFF2-40B4-BE49-F238E27FC236}">
+                <a16:creationId xmlns:a16="http://schemas.microsoft.com/office/drawing/2014/main" id="{411F2758-7045-4E69-9114-0F4233A9A4C4}"/>
+              </a:ext>
+            </a:extLst>
+          </p:cNvPr>
+          <p:cNvSpPr>
+            <a:spLocks noGrp="1"/>
+          </p:cNvSpPr>
+          <p:nvPr>
+            <p:ph type="title"/>
+          </p:nvPr>
+        </p:nvSpPr>
+        <p:spPr>
+          <a:xfrm>
+            <a:off x="5293995" y="1553667"/>
+            <a:ext cx="5998840" cy="3343135"/>
+          </a:xfrm>
+          <a:noFill/>
+        </p:spPr>
+        <p:txBody>
+          <a:bodyPr vert="horz" lIns="91440" tIns="45720" rIns="91440" bIns="45720" rtlCol="0" anchor="b">
+            <a:normAutofit fontScale="90000"/>
+          </a:bodyPr>
+          <a:lstStyle/>
+          <a:p>
+            <a:r>
+              <a:rPr lang="en-US" sz="5200">
+                <a:latin typeface="Univers (body)"/>
+              </a:rPr>
+              <a:t>Demo: Interacting with Demographic Data and Classification Model</a:t>
+            </a:r>
+            <a:endParaRPr lang="en-US" sz="5200" dirty="0">
+              <a:latin typeface="Univers (body)"/>
+            </a:endParaRPr>
+          </a:p>
+        </p:txBody>
+      </p:sp>
+      <p:pic>
+        <p:nvPicPr>
+          <p:cNvPr id="5" name="Content Placeholder 4" descr="Map&#10;&#10;Description automatically generated">
+            <a:extLst>
+              <a:ext uri="{FF2B5EF4-FFF2-40B4-BE49-F238E27FC236}">
+                <a16:creationId xmlns:a16="http://schemas.microsoft.com/office/drawing/2014/main" id="{5E1DF80B-7BC6-43DD-90D2-4E0B724C88B2}"/>
+              </a:ext>
+            </a:extLst>
+          </p:cNvPr>
+          <p:cNvPicPr>
+            <a:picLocks noGrp="1" noChangeAspect="1"/>
+          </p:cNvPicPr>
+          <p:nvPr>
+            <p:ph idx="1"/>
+          </p:nvPr>
+        </p:nvPicPr>
+        <p:blipFill rotWithShape="1">
+          <a:blip r:embed="rId2">
+            <a:extLst>
+              <a:ext uri="{28A0092B-C50C-407E-A947-70E740481C1C}">
+                <a14:useLocalDpi xmlns:a14="http://schemas.microsoft.com/office/drawing/2010/main" val="0"/>
+              </a:ext>
+            </a:extLst>
+          </a:blip>
+          <a:srcRect l="4530" r="5029"/>
+          <a:stretch/>
+        </p:blipFill>
+        <p:spPr>
+          <a:xfrm>
+            <a:off x="20" y="10"/>
+            <a:ext cx="4992985" cy="6857990"/>
+          </a:xfrm>
+          <a:prstGeom prst="rect">
+            <a:avLst/>
+          </a:prstGeom>
+        </p:spPr>
+      </p:pic>
+    </p:spTree>
+    <p:extLst>
+      <p:ext uri="{BB962C8B-B14F-4D97-AF65-F5344CB8AC3E}">
+        <p14:creationId xmlns:p14="http://schemas.microsoft.com/office/powerpoint/2010/main" val="945821856"/>
+      </p:ext>
+    </p:extLst>
+  </p:cSld>
+  <p:clrMapOvr>
+    <a:masterClrMapping/>
+  </p:clrMapOvr>
+</p:sld>
+</file>
+
+<file path=ppt/slides/slide14.xml><?xml version="1.0" encoding="utf-8"?>
+<p:sld xmlns:a="http://schemas.openxmlformats.org/drawingml/2006/main" xmlns:r="http://schemas.openxmlformats.org/officeDocument/2006/relationships" xmlns:p="http://schemas.openxmlformats.org/presentationml/2006/main">
+  <p:cSld>
+    <p:bg>
+      <p:bgPr>
+        <a:solidFill>
+          <a:schemeClr val="bg1"/>
+        </a:solidFill>
+        <a:effectLst/>
+      </p:bgPr>
+    </p:bg>
+    <p:spTree>
+      <p:nvGrpSpPr>
+        <p:cNvPr id="1" name=""/>
+        <p:cNvGrpSpPr/>
+        <p:nvPr/>
+      </p:nvGrpSpPr>
+      <p:grpSpPr>
+        <a:xfrm>
+          <a:off x="0" y="0"/>
+          <a:ext cx="0" cy="0"/>
+          <a:chOff x="0" y="0"/>
+          <a:chExt cx="0" cy="0"/>
+        </a:xfrm>
+      </p:grpSpPr>
+      <p:sp useBgFill="1">
+        <p:nvSpPr>
+          <p:cNvPr id="7" name="Rectangle 6">
+            <a:extLst>
+              <a:ext uri="{FF2B5EF4-FFF2-40B4-BE49-F238E27FC236}">
+                <a16:creationId xmlns:a16="http://schemas.microsoft.com/office/drawing/2014/main" id="{FFD48BC7-DC40-47DE-87EE-9F4B6ECB9ABB}"/>
+              </a:ext>
+              <a:ext uri="{C183D7F6-B498-43B3-948B-1728B52AA6E4}">
+                <adec:decorative xmlns:adec="http://schemas.microsoft.com/office/drawing/2017/decorative" val="1"/>
+              </a:ext>
+            </a:extLst>
+          </p:cNvPr>
+          <p:cNvSpPr>
+            <a:spLocks noGrp="1" noRot="1" noChangeAspect="1" noMove="1" noResize="1" noEditPoints="1" noAdjustHandles="1" noChangeArrowheads="1" noChangeShapeType="1" noTextEdit="1"/>
+          </p:cNvSpPr>
+          <p:nvPr>
+            <p:extLst>
+              <p:ext uri="{386F3935-93C4-4BCD-93E2-E3B085C9AB24}">
+                <p16:designElem xmlns:p16="http://schemas.microsoft.com/office/powerpoint/2015/main" val="1"/>
+              </p:ext>
+            </p:extLst>
+          </p:nvPr>
+        </p:nvSpPr>
+        <p:spPr>
+          <a:xfrm>
+            <a:off x="0" y="0"/>
+            <a:ext cx="12192000" cy="6858000"/>
+          </a:xfrm>
+          <a:prstGeom prst="rect">
+            <a:avLst/>
+          </a:prstGeom>
+          <a:ln>
+            <a:noFill/>
+          </a:ln>
+        </p:spPr>
+        <p:style>
+          <a:lnRef idx="2">
+            <a:schemeClr val="accent1">
+              <a:shade val="50000"/>
+            </a:schemeClr>
+          </a:lnRef>
+          <a:fillRef idx="1">
+            <a:schemeClr val="accent1"/>
+          </a:fillRef>
+          <a:effectRef idx="0">
+            <a:schemeClr val="accent1"/>
+          </a:effectRef>
+          <a:fontRef idx="minor">
+            <a:schemeClr val="lt1"/>
+          </a:fontRef>
+        </p:style>
+        <p:txBody>
+          <a:bodyPr rtlCol="0" anchor="ctr"/>
+          <a:lstStyle/>
+          <a:p>
+            <a:pPr algn="ctr"/>
+            <a:endParaRPr lang="en-US"/>
+          </a:p>
+        </p:txBody>
+      </p:sp>
+      <p:sp useBgFill="1">
+        <p:nvSpPr>
+          <p:cNvPr id="9" name="Freeform: Shape 8">
+            <a:extLst>
+              <a:ext uri="{FF2B5EF4-FFF2-40B4-BE49-F238E27FC236}">
+                <a16:creationId xmlns:a16="http://schemas.microsoft.com/office/drawing/2014/main" id="{E502BBC7-2C76-46F3-BC24-5985BC13DB88}"/>
+              </a:ext>
+              <a:ext uri="{C183D7F6-B498-43B3-948B-1728B52AA6E4}">
+                <adec:decorative xmlns:adec="http://schemas.microsoft.com/office/drawing/2017/decorative" val="1"/>
+              </a:ext>
+            </a:extLst>
+          </p:cNvPr>
+          <p:cNvSpPr>
+            <a:spLocks noGrp="1" noRot="1" noChangeAspect="1" noMove="1" noResize="1" noEditPoints="1" noAdjustHandles="1" noChangeArrowheads="1" noChangeShapeType="1" noTextEdit="1"/>
+          </p:cNvSpPr>
+          <p:nvPr>
+            <p:extLst>
+              <p:ext uri="{386F3935-93C4-4BCD-93E2-E3B085C9AB24}">
+                <p16:designElem xmlns:p16="http://schemas.microsoft.com/office/powerpoint/2015/main" val="1"/>
+              </p:ext>
+            </p:extLst>
+          </p:nvPr>
+        </p:nvSpPr>
+        <p:spPr>
+          <a:xfrm>
+            <a:off x="1114425" y="0"/>
+            <a:ext cx="9963150" cy="6858000"/>
+          </a:xfrm>
+          <a:custGeom>
+            <a:avLst/>
+            <a:gdLst>
+              <a:gd name="connsiteX0" fmla="*/ 1595771 w 9963150"/>
+              <a:gd name="connsiteY0" fmla="*/ 0 h 6858000"/>
+              <a:gd name="connsiteX1" fmla="*/ 8367379 w 9963150"/>
+              <a:gd name="connsiteY1" fmla="*/ 0 h 6858000"/>
+              <a:gd name="connsiteX2" fmla="*/ 8504080 w 9963150"/>
+              <a:gd name="connsiteY2" fmla="*/ 130333 h 6858000"/>
+              <a:gd name="connsiteX3" fmla="*/ 9963150 w 9963150"/>
+              <a:gd name="connsiteY3" fmla="*/ 3652838 h 6858000"/>
+              <a:gd name="connsiteX4" fmla="*/ 8825600 w 9963150"/>
+              <a:gd name="connsiteY4" fmla="*/ 6821583 h 6858000"/>
+              <a:gd name="connsiteX5" fmla="*/ 8794055 w 9963150"/>
+              <a:gd name="connsiteY5" fmla="*/ 6858000 h 6858000"/>
+              <a:gd name="connsiteX6" fmla="*/ 1169096 w 9963150"/>
+              <a:gd name="connsiteY6" fmla="*/ 6858000 h 6858000"/>
+              <a:gd name="connsiteX7" fmla="*/ 1137550 w 9963150"/>
+              <a:gd name="connsiteY7" fmla="*/ 6821583 h 6858000"/>
+              <a:gd name="connsiteX8" fmla="*/ 0 w 9963150"/>
+              <a:gd name="connsiteY8" fmla="*/ 3652838 h 6858000"/>
+              <a:gd name="connsiteX9" fmla="*/ 1459070 w 9963150"/>
+              <a:gd name="connsiteY9" fmla="*/ 130333 h 6858000"/>
+            </a:gdLst>
+            <a:ahLst/>
+            <a:cxnLst>
+              <a:cxn ang="0">
+                <a:pos x="connsiteX0" y="connsiteY0"/>
+              </a:cxn>
+              <a:cxn ang="0">
+                <a:pos x="connsiteX1" y="connsiteY1"/>
+              </a:cxn>
+              <a:cxn ang="0">
+                <a:pos x="connsiteX2" y="connsiteY2"/>
+              </a:cxn>
+              <a:cxn ang="0">
+                <a:pos x="connsiteX3" y="connsiteY3"/>
+              </a:cxn>
+              <a:cxn ang="0">
+                <a:pos x="connsiteX4" y="connsiteY4"/>
+              </a:cxn>
+              <a:cxn ang="0">
+                <a:pos x="connsiteX5" y="connsiteY5"/>
+              </a:cxn>
+              <a:cxn ang="0">
+                <a:pos x="connsiteX6" y="connsiteY6"/>
+              </a:cxn>
+              <a:cxn ang="0">
+                <a:pos x="connsiteX7" y="connsiteY7"/>
+              </a:cxn>
+              <a:cxn ang="0">
+                <a:pos x="connsiteX8" y="connsiteY8"/>
+              </a:cxn>
+              <a:cxn ang="0">
+                <a:pos x="connsiteX9" y="connsiteY9"/>
+              </a:cxn>
+            </a:cxnLst>
+            <a:rect l="l" t="t" r="r" b="b"/>
+            <a:pathLst>
+              <a:path w="9963150" h="6858000">
+                <a:moveTo>
+                  <a:pt x="1595771" y="0"/>
+                </a:moveTo>
+                <a:lnTo>
+                  <a:pt x="8367379" y="0"/>
+                </a:lnTo>
+                <a:lnTo>
+                  <a:pt x="8504080" y="130333"/>
+                </a:lnTo>
+                <a:cubicBezTo>
+                  <a:pt x="9405568" y="1031820"/>
+                  <a:pt x="9963150" y="2277214"/>
+                  <a:pt x="9963150" y="3652838"/>
+                </a:cubicBezTo>
+                <a:cubicBezTo>
+                  <a:pt x="9963150" y="4856509"/>
+                  <a:pt x="9536251" y="5960473"/>
+                  <a:pt x="8825600" y="6821583"/>
+                </a:cubicBezTo>
+                <a:lnTo>
+                  <a:pt x="8794055" y="6858000"/>
+                </a:lnTo>
+                <a:lnTo>
+                  <a:pt x="1169096" y="6858000"/>
+                </a:lnTo>
+                <a:lnTo>
+                  <a:pt x="1137550" y="6821583"/>
+                </a:lnTo>
+                <a:cubicBezTo>
+                  <a:pt x="426899" y="5960473"/>
+                  <a:pt x="0" y="4856509"/>
+                  <a:pt x="0" y="3652838"/>
+                </a:cubicBezTo>
+                <a:cubicBezTo>
+                  <a:pt x="0" y="2277214"/>
+                  <a:pt x="557582" y="1031820"/>
+                  <a:pt x="1459070" y="130333"/>
+                </a:cubicBezTo>
+                <a:close/>
+              </a:path>
+            </a:pathLst>
+          </a:custGeom>
+          <a:ln w="9525">
+            <a:solidFill>
+              <a:srgbClr val="EFEFEF"/>
+            </a:solidFill>
+          </a:ln>
+          <a:effectLst>
+            <a:outerShdw blurRad="139700" sx="102000" sy="102000" algn="ctr" rotWithShape="0">
+              <a:schemeClr val="bg1">
+                <a:lumMod val="85000"/>
+                <a:alpha val="38000"/>
+              </a:schemeClr>
+            </a:outerShdw>
+          </a:effectLst>
+        </p:spPr>
+        <p:style>
+          <a:lnRef idx="2">
+            <a:schemeClr val="accent1">
+              <a:shade val="50000"/>
+            </a:schemeClr>
+          </a:lnRef>
+          <a:fillRef idx="1">
+            <a:schemeClr val="accent1"/>
+          </a:fillRef>
+          <a:effectRef idx="0">
+            <a:schemeClr val="accent1"/>
+          </a:effectRef>
+          <a:fontRef idx="minor">
+            <a:schemeClr val="lt1"/>
+          </a:fontRef>
+        </p:style>
+        <p:txBody>
+          <a:bodyPr wrap="square" rtlCol="0" anchor="ctr">
+            <a:noAutofit/>
+          </a:bodyPr>
+          <a:lstStyle/>
+          <a:p>
+            <a:pPr marL="0" marR="0" lvl="0" indent="0" algn="ctr" defTabSz="914400" rtl="0" eaLnBrk="1" fontAlgn="auto" latinLnBrk="0" hangingPunct="1">
+              <a:lnSpc>
+                <a:spcPct val="100000"/>
+              </a:lnSpc>
+              <a:spcBef>
+                <a:spcPts val="0"/>
+              </a:spcBef>
+              <a:spcAft>
+                <a:spcPts val="0"/>
+              </a:spcAft>
+              <a:buClrTx/>
+              <a:buSzTx/>
+              <a:buFontTx/>
+              <a:buNone/>
+              <a:tabLst/>
+              <a:defRPr/>
+            </a:pPr>
+            <a:endParaRPr kumimoji="0" lang="en-US" sz="1800" b="0" i="0" u="none" strike="noStrike" kern="1200" cap="none" spc="0" normalizeH="0" baseline="0" noProof="0">
+              <a:ln>
+                <a:noFill/>
+              </a:ln>
+              <a:solidFill>
+                <a:prstClr val="white"/>
+              </a:solidFill>
+              <a:effectLst/>
+              <a:uLnTx/>
+              <a:uFillTx/>
+              <a:latin typeface="Calibri" panose="020F0502020204030204"/>
+              <a:ea typeface="+mn-ea"/>
+              <a:cs typeface="+mn-cs"/>
+            </a:endParaRPr>
+          </a:p>
+        </p:txBody>
+      </p:sp>
+      <p:sp useBgFill="1">
+        <p:nvSpPr>
+          <p:cNvPr id="11" name="Freeform: Shape 10">
+            <a:extLst>
+              <a:ext uri="{FF2B5EF4-FFF2-40B4-BE49-F238E27FC236}">
+                <a16:creationId xmlns:a16="http://schemas.microsoft.com/office/drawing/2014/main" id="{C7F28D52-2A5F-4D23-81AE-7CB8B591C7AF}"/>
+              </a:ext>
+              <a:ext uri="{C183D7F6-B498-43B3-948B-1728B52AA6E4}">
+                <adec:decorative xmlns:adec="http://schemas.microsoft.com/office/drawing/2017/decorative" val="1"/>
+              </a:ext>
+            </a:extLst>
+          </p:cNvPr>
+          <p:cNvSpPr>
+            <a:spLocks noGrp="1" noRot="1" noChangeAspect="1" noMove="1" noResize="1" noEditPoints="1" noAdjustHandles="1" noChangeArrowheads="1" noChangeShapeType="1" noTextEdit="1"/>
+          </p:cNvSpPr>
+          <p:nvPr>
+            <p:extLst>
+              <p:ext uri="{386F3935-93C4-4BCD-93E2-E3B085C9AB24}">
+                <p16:designElem xmlns:p16="http://schemas.microsoft.com/office/powerpoint/2015/main" val="1"/>
+              </p:ext>
+            </p:extLst>
+          </p:nvPr>
+        </p:nvSpPr>
+        <p:spPr>
+          <a:xfrm>
+            <a:off x="1121664" y="0"/>
+            <a:ext cx="9948672" cy="6858000"/>
+          </a:xfrm>
+          <a:custGeom>
+            <a:avLst/>
+            <a:gdLst>
+              <a:gd name="connsiteX0" fmla="*/ 1595771 w 9963150"/>
+              <a:gd name="connsiteY0" fmla="*/ 0 h 6858000"/>
+              <a:gd name="connsiteX1" fmla="*/ 8367379 w 9963150"/>
+              <a:gd name="connsiteY1" fmla="*/ 0 h 6858000"/>
+              <a:gd name="connsiteX2" fmla="*/ 8504080 w 9963150"/>
+              <a:gd name="connsiteY2" fmla="*/ 130333 h 6858000"/>
+              <a:gd name="connsiteX3" fmla="*/ 9963150 w 9963150"/>
+              <a:gd name="connsiteY3" fmla="*/ 3652838 h 6858000"/>
+              <a:gd name="connsiteX4" fmla="*/ 8825600 w 9963150"/>
+              <a:gd name="connsiteY4" fmla="*/ 6821583 h 6858000"/>
+              <a:gd name="connsiteX5" fmla="*/ 8794055 w 9963150"/>
+              <a:gd name="connsiteY5" fmla="*/ 6858000 h 6858000"/>
+              <a:gd name="connsiteX6" fmla="*/ 1169096 w 9963150"/>
+              <a:gd name="connsiteY6" fmla="*/ 6858000 h 6858000"/>
+              <a:gd name="connsiteX7" fmla="*/ 1137550 w 9963150"/>
+              <a:gd name="connsiteY7" fmla="*/ 6821583 h 6858000"/>
+              <a:gd name="connsiteX8" fmla="*/ 0 w 9963150"/>
+              <a:gd name="connsiteY8" fmla="*/ 3652838 h 6858000"/>
+              <a:gd name="connsiteX9" fmla="*/ 1459070 w 9963150"/>
+              <a:gd name="connsiteY9" fmla="*/ 130333 h 6858000"/>
+            </a:gdLst>
+            <a:ahLst/>
+            <a:cxnLst>
+              <a:cxn ang="0">
+                <a:pos x="connsiteX0" y="connsiteY0"/>
+              </a:cxn>
+              <a:cxn ang="0">
+                <a:pos x="connsiteX1" y="connsiteY1"/>
+              </a:cxn>
+              <a:cxn ang="0">
+                <a:pos x="connsiteX2" y="connsiteY2"/>
+              </a:cxn>
+              <a:cxn ang="0">
+                <a:pos x="connsiteX3" y="connsiteY3"/>
+              </a:cxn>
+              <a:cxn ang="0">
+                <a:pos x="connsiteX4" y="connsiteY4"/>
+              </a:cxn>
+              <a:cxn ang="0">
+                <a:pos x="connsiteX5" y="connsiteY5"/>
+              </a:cxn>
+              <a:cxn ang="0">
+                <a:pos x="connsiteX6" y="connsiteY6"/>
+              </a:cxn>
+              <a:cxn ang="0">
+                <a:pos x="connsiteX7" y="connsiteY7"/>
+              </a:cxn>
+              <a:cxn ang="0">
+                <a:pos x="connsiteX8" y="connsiteY8"/>
+              </a:cxn>
+              <a:cxn ang="0">
+                <a:pos x="connsiteX9" y="connsiteY9"/>
+              </a:cxn>
+            </a:cxnLst>
+            <a:rect l="l" t="t" r="r" b="b"/>
+            <a:pathLst>
+              <a:path w="9963150" h="6858000">
+                <a:moveTo>
+                  <a:pt x="1595771" y="0"/>
+                </a:moveTo>
+                <a:lnTo>
+                  <a:pt x="8367379" y="0"/>
+                </a:lnTo>
+                <a:lnTo>
+                  <a:pt x="8504080" y="130333"/>
+                </a:lnTo>
+                <a:cubicBezTo>
+                  <a:pt x="9405568" y="1031820"/>
+                  <a:pt x="9963150" y="2277214"/>
+                  <a:pt x="9963150" y="3652838"/>
+                </a:cubicBezTo>
+                <a:cubicBezTo>
+                  <a:pt x="9963150" y="4856509"/>
+                  <a:pt x="9536251" y="5960473"/>
+                  <a:pt x="8825600" y="6821583"/>
+                </a:cubicBezTo>
+                <a:lnTo>
+                  <a:pt x="8794055" y="6858000"/>
+                </a:lnTo>
+                <a:lnTo>
+                  <a:pt x="1169096" y="6858000"/>
+                </a:lnTo>
+                <a:lnTo>
+                  <a:pt x="1137550" y="6821583"/>
+                </a:lnTo>
+                <a:cubicBezTo>
+                  <a:pt x="426899" y="5960473"/>
+                  <a:pt x="0" y="4856509"/>
+                  <a:pt x="0" y="3652838"/>
+                </a:cubicBezTo>
+                <a:cubicBezTo>
+                  <a:pt x="0" y="2277214"/>
+                  <a:pt x="557582" y="1031820"/>
+                  <a:pt x="1459070" y="130333"/>
+                </a:cubicBezTo>
+                <a:close/>
+              </a:path>
+            </a:pathLst>
+          </a:custGeom>
+          <a:ln w="9525">
+            <a:noFill/>
+          </a:ln>
+          <a:effectLst/>
+        </p:spPr>
+        <p:style>
+          <a:lnRef idx="2">
+            <a:schemeClr val="accent1">
+              <a:shade val="50000"/>
+            </a:schemeClr>
+          </a:lnRef>
+          <a:fillRef idx="1">
+            <a:schemeClr val="accent1"/>
+          </a:fillRef>
+          <a:effectRef idx="0">
+            <a:schemeClr val="accent1"/>
+          </a:effectRef>
+          <a:fontRef idx="minor">
+            <a:schemeClr val="lt1"/>
+          </a:fontRef>
+        </p:style>
+        <p:txBody>
+          <a:bodyPr wrap="square" rtlCol="0" anchor="ctr">
+            <a:noAutofit/>
+          </a:bodyPr>
+          <a:lstStyle/>
+          <a:p>
+            <a:pPr marL="0" marR="0" lvl="0" indent="0" algn="ctr" defTabSz="914400" rtl="0" eaLnBrk="1" fontAlgn="auto" latinLnBrk="0" hangingPunct="1">
+              <a:lnSpc>
+                <a:spcPct val="100000"/>
+              </a:lnSpc>
+              <a:spcBef>
+                <a:spcPts val="0"/>
+              </a:spcBef>
+              <a:spcAft>
+                <a:spcPts val="0"/>
+              </a:spcAft>
+              <a:buClrTx/>
+              <a:buSzTx/>
+              <a:buFontTx/>
+              <a:buNone/>
+              <a:tabLst/>
+              <a:defRPr/>
+            </a:pPr>
+            <a:endParaRPr kumimoji="0" lang="en-US" sz="1800" b="0" i="0" u="none" strike="noStrike" kern="1200" cap="none" spc="0" normalizeH="0" baseline="0" noProof="0">
+              <a:ln>
+                <a:noFill/>
+              </a:ln>
+              <a:solidFill>
+                <a:prstClr val="white"/>
+              </a:solidFill>
+              <a:effectLst/>
+              <a:uLnTx/>
+              <a:uFillTx/>
+              <a:latin typeface="Calibri" panose="020F0502020204030204"/>
+              <a:ea typeface="+mn-ea"/>
+              <a:cs typeface="+mn-cs"/>
+            </a:endParaRPr>
+          </a:p>
+        </p:txBody>
+      </p:sp>
+      <p:sp>
+        <p:nvSpPr>
+          <p:cNvPr id="2" name="Title 1">
+            <a:extLst>
+              <a:ext uri="{FF2B5EF4-FFF2-40B4-BE49-F238E27FC236}">
+                <a16:creationId xmlns:a16="http://schemas.microsoft.com/office/drawing/2014/main" id="{230E5FF9-57D1-481F-978A-B3EFE4610FD2}"/>
+              </a:ext>
+            </a:extLst>
+          </p:cNvPr>
+          <p:cNvSpPr>
+            <a:spLocks noGrp="1"/>
+          </p:cNvSpPr>
+          <p:nvPr>
+            <p:ph type="title"/>
+          </p:nvPr>
+        </p:nvSpPr>
+        <p:spPr>
+          <a:xfrm>
+            <a:off x="1524003" y="1999615"/>
+            <a:ext cx="9144000" cy="2764028"/>
+          </a:xfrm>
+        </p:spPr>
+        <p:txBody>
+          <a:bodyPr vert="horz" lIns="91440" tIns="45720" rIns="91440" bIns="45720" rtlCol="0" anchor="ctr">
+            <a:normAutofit/>
+          </a:bodyPr>
+          <a:lstStyle/>
+          <a:p>
+            <a:pPr algn="ctr"/>
+            <a:r>
+              <a:rPr lang="en-US" sz="7200" kern="1200">
+                <a:solidFill>
+                  <a:schemeClr val="tx1"/>
+                </a:solidFill>
+                <a:latin typeface="+mj-lt"/>
+                <a:ea typeface="+mj-ea"/>
+                <a:cs typeface="+mj-cs"/>
+              </a:rPr>
+              <a:t>Thank you</a:t>
+            </a:r>
+          </a:p>
+        </p:txBody>
+      </p:sp>
+      <p:sp>
+        <p:nvSpPr>
+          <p:cNvPr id="13" name="Rectangle 12">
+            <a:extLst>
+              <a:ext uri="{FF2B5EF4-FFF2-40B4-BE49-F238E27FC236}">
+                <a16:creationId xmlns:a16="http://schemas.microsoft.com/office/drawing/2014/main" id="{3629484E-3792-4B3D-89AD-7C8A1ED0E0D4}"/>
+              </a:ext>
+              <a:ext uri="{C183D7F6-B498-43B3-948B-1728B52AA6E4}">
+                <adec:decorative xmlns:adec="http://schemas.microsoft.com/office/drawing/2017/decorative" val="1"/>
+              </a:ext>
+            </a:extLst>
+          </p:cNvPr>
+          <p:cNvSpPr>
+            <a:spLocks noGrp="1" noRot="1" noChangeAspect="1" noMove="1" noResize="1" noEditPoints="1" noAdjustHandles="1" noChangeArrowheads="1" noChangeShapeType="1" noTextEdit="1"/>
+          </p:cNvSpPr>
+          <p:nvPr>
+            <p:extLst>
+              <p:ext uri="{386F3935-93C4-4BCD-93E2-E3B085C9AB24}">
+                <p16:designElem xmlns:p16="http://schemas.microsoft.com/office/powerpoint/2015/main" val="1"/>
+              </p:ext>
+            </p:extLst>
+          </p:nvPr>
+        </p:nvSpPr>
+        <p:spPr>
+          <a:xfrm>
+            <a:off x="3718560" y="5524786"/>
+            <a:ext cx="4754880" cy="27432"/>
+          </a:xfrm>
+          <a:prstGeom prst="rect">
+            <a:avLst/>
+          </a:prstGeom>
+          <a:solidFill>
+            <a:schemeClr val="accent2"/>
+          </a:solidFill>
+          <a:ln>
+            <a:noFill/>
+          </a:ln>
+        </p:spPr>
+        <p:style>
+          <a:lnRef idx="2">
+            <a:schemeClr val="accent1">
+              <a:shade val="50000"/>
+            </a:schemeClr>
+          </a:lnRef>
+          <a:fillRef idx="1">
+            <a:schemeClr val="accent1"/>
+          </a:fillRef>
+          <a:effectRef idx="0">
+            <a:schemeClr val="accent1"/>
+          </a:effectRef>
+          <a:fontRef idx="minor">
+            <a:schemeClr val="lt1"/>
+          </a:fontRef>
+        </p:style>
+        <p:txBody>
+          <a:bodyPr rtlCol="0" anchor="ctr"/>
+          <a:lstStyle/>
+          <a:p>
+            <a:pPr marL="0" marR="0" lvl="0" indent="0" algn="ctr" defTabSz="914400" rtl="0" eaLnBrk="1" fontAlgn="auto" latinLnBrk="0" hangingPunct="1">
+              <a:lnSpc>
+                <a:spcPct val="100000"/>
+              </a:lnSpc>
+              <a:spcBef>
+                <a:spcPts val="0"/>
+              </a:spcBef>
+              <a:spcAft>
+                <a:spcPts val="0"/>
+              </a:spcAft>
+              <a:buClrTx/>
+              <a:buSzTx/>
+              <a:buFontTx/>
+              <a:buNone/>
+              <a:tabLst/>
+              <a:defRPr/>
+            </a:pPr>
+            <a:endParaRPr kumimoji="0" lang="en-US" sz="1800" b="0" i="0" u="none" strike="noStrike" kern="1200" cap="none" spc="0" normalizeH="0" baseline="0" noProof="0">
+              <a:ln>
+                <a:noFill/>
+              </a:ln>
+              <a:solidFill>
+                <a:prstClr val="white"/>
+              </a:solidFill>
+              <a:effectLst/>
+              <a:uLnTx/>
+              <a:uFillTx/>
+              <a:latin typeface="Calibri" panose="020F0502020204030204"/>
+              <a:ea typeface="+mn-ea"/>
+              <a:cs typeface="+mn-cs"/>
+            </a:endParaRPr>
+          </a:p>
+        </p:txBody>
+      </p:sp>
+    </p:spTree>
+    <p:extLst>
+      <p:ext uri="{BB962C8B-B14F-4D97-AF65-F5344CB8AC3E}">
+        <p14:creationId xmlns:p14="http://schemas.microsoft.com/office/powerpoint/2010/main" val="1104827844"/>
+      </p:ext>
+    </p:extLst>
+  </p:cSld>
+  <p:clrMapOvr>
+    <a:masterClrMapping/>
+  </p:clrMapOvr>
+</p:sld>
+</file>
+
+<file path=ppt/slides/slide15.xml><?xml version="1.0" encoding="utf-8"?>
+<p:sld xmlns:a="http://schemas.openxmlformats.org/drawingml/2006/main" xmlns:r="http://schemas.openxmlformats.org/officeDocument/2006/relationships" xmlns:p="http://schemas.openxmlformats.org/presentationml/2006/main">
+  <p:cSld>
+    <p:spTree>
+      <p:nvGrpSpPr>
+        <p:cNvPr id="1" name=""/>
+        <p:cNvGrpSpPr/>
+        <p:nvPr/>
+      </p:nvGrpSpPr>
+      <p:grpSpPr>
+        <a:xfrm>
+          <a:off x="0" y="0"/>
+          <a:ext cx="0" cy="0"/>
+          <a:chOff x="0" y="0"/>
+          <a:chExt cx="0" cy="0"/>
+        </a:xfrm>
+      </p:grpSpPr>
+      <p:sp>
+        <p:nvSpPr>
+          <p:cNvPr id="2" name="Title 1">
+            <a:extLst>
+              <a:ext uri="{FF2B5EF4-FFF2-40B4-BE49-F238E27FC236}">
+                <a16:creationId xmlns:a16="http://schemas.microsoft.com/office/drawing/2014/main" id="{47CB1DD9-A108-41AE-A941-4957E4082EF4}"/>
+              </a:ext>
+            </a:extLst>
+          </p:cNvPr>
+          <p:cNvSpPr>
+            <a:spLocks noGrp="1"/>
+          </p:cNvSpPr>
+          <p:nvPr>
+            <p:ph type="title"/>
+          </p:nvPr>
+        </p:nvSpPr>
+        <p:spPr/>
+        <p:txBody>
+          <a:bodyPr/>
+          <a:lstStyle/>
+          <a:p>
+            <a:r>
+              <a:rPr lang="en-US" dirty="0">
+                <a:latin typeface="Univers (body)"/>
+              </a:rPr>
+              <a:t>Appendix</a:t>
+            </a:r>
+          </a:p>
+        </p:txBody>
+      </p:sp>
+    </p:spTree>
+    <p:extLst>
+      <p:ext uri="{BB962C8B-B14F-4D97-AF65-F5344CB8AC3E}">
+        <p14:creationId xmlns:p14="http://schemas.microsoft.com/office/powerpoint/2010/main" val="3864256442"/>
+      </p:ext>
+    </p:extLst>
+  </p:cSld>
+  <p:clrMapOvr>
+    <a:masterClrMapping/>
+  </p:clrMapOvr>
+</p:sld>
+</file>
+
+<file path=ppt/slides/slide16.xml><?xml version="1.0" encoding="utf-8"?>
+<p:sld xmlns:a="http://schemas.openxmlformats.org/drawingml/2006/main" xmlns:r="http://schemas.openxmlformats.org/officeDocument/2006/relationships" xmlns:p="http://schemas.openxmlformats.org/presentationml/2006/main">
+  <p:cSld>
+    <p:spTree>
+      <p:nvGrpSpPr>
+        <p:cNvPr id="1" name=""/>
+        <p:cNvGrpSpPr/>
+        <p:nvPr/>
+      </p:nvGrpSpPr>
+      <p:grpSpPr>
+        <a:xfrm>
+          <a:off x="0" y="0"/>
+          <a:ext cx="0" cy="0"/>
+          <a:chOff x="0" y="0"/>
+          <a:chExt cx="0" cy="0"/>
+        </a:xfrm>
+      </p:grpSpPr>
+      <p:sp>
+        <p:nvSpPr>
+          <p:cNvPr id="2" name="Title 1">
+            <a:extLst>
+              <a:ext uri="{FF2B5EF4-FFF2-40B4-BE49-F238E27FC236}">
+                <a16:creationId xmlns:a16="http://schemas.microsoft.com/office/drawing/2014/main" id="{35D973D6-71EC-45D9-B233-8B21390D16AA}"/>
+              </a:ext>
+            </a:extLst>
+          </p:cNvPr>
+          <p:cNvSpPr>
+            <a:spLocks noGrp="1"/>
+          </p:cNvSpPr>
+          <p:nvPr>
+            <p:ph type="title"/>
+          </p:nvPr>
+        </p:nvSpPr>
+        <p:spPr/>
+        <p:txBody>
+          <a:bodyPr/>
+          <a:lstStyle/>
+          <a:p>
+            <a:r>
+              <a:rPr lang="en-US" dirty="0">
+                <a:latin typeface="Univers (body)"/>
+              </a:rPr>
+              <a:t>In California, Testing and Race Emerged as Strongest Predictors</a:t>
+            </a:r>
+          </a:p>
+        </p:txBody>
+      </p:sp>
+      <p:pic>
+        <p:nvPicPr>
+          <p:cNvPr id="6" name="Content Placeholder 5" descr="Chart, bar chart&#10;&#10;Description automatically generated">
+            <a:extLst>
+              <a:ext uri="{FF2B5EF4-FFF2-40B4-BE49-F238E27FC236}">
+                <a16:creationId xmlns:a16="http://schemas.microsoft.com/office/drawing/2014/main" id="{CD1F4428-9C1D-4E9C-AF4C-2E458239EB23}"/>
+              </a:ext>
+            </a:extLst>
+          </p:cNvPr>
+          <p:cNvPicPr>
+            <a:picLocks noGrp="1" noChangeAspect="1"/>
+          </p:cNvPicPr>
+          <p:nvPr>
+            <p:ph sz="half" idx="1"/>
+          </p:nvPr>
+        </p:nvPicPr>
+        <p:blipFill>
+          <a:blip r:embed="rId2">
+            <a:extLst>
+              <a:ext uri="{28A0092B-C50C-407E-A947-70E740481C1C}">
+                <a14:useLocalDpi xmlns:a14="http://schemas.microsoft.com/office/drawing/2010/main" val="0"/>
+              </a:ext>
+            </a:extLst>
+          </a:blip>
+          <a:stretch>
+            <a:fillRect/>
+          </a:stretch>
+        </p:blipFill>
+        <p:spPr>
+          <a:xfrm>
+            <a:off x="304598" y="2096860"/>
+            <a:ext cx="5791402" cy="3900986"/>
+          </a:xfrm>
+        </p:spPr>
+      </p:pic>
+      <p:pic>
+        <p:nvPicPr>
+          <p:cNvPr id="8" name="Content Placeholder 7" descr="Chart, scatter chart&#10;&#10;Description automatically generated">
+            <a:extLst>
+              <a:ext uri="{FF2B5EF4-FFF2-40B4-BE49-F238E27FC236}">
+                <a16:creationId xmlns:a16="http://schemas.microsoft.com/office/drawing/2014/main" id="{2FFEAE23-A9BC-49CE-BB1A-7D10C3BB1F7C}"/>
+              </a:ext>
+            </a:extLst>
+          </p:cNvPr>
+          <p:cNvPicPr>
+            <a:picLocks noGrp="1" noChangeAspect="1"/>
+          </p:cNvPicPr>
+          <p:nvPr>
+            <p:ph sz="half" idx="2"/>
+          </p:nvPr>
+        </p:nvPicPr>
+        <p:blipFill>
+          <a:blip r:embed="rId3">
+            <a:extLst>
+              <a:ext uri="{28A0092B-C50C-407E-A947-70E740481C1C}">
+                <a14:useLocalDpi xmlns:a14="http://schemas.microsoft.com/office/drawing/2010/main" val="0"/>
+              </a:ext>
+            </a:extLst>
+          </a:blip>
+          <a:stretch>
+            <a:fillRect/>
+          </a:stretch>
+        </p:blipFill>
+        <p:spPr>
+          <a:xfrm>
+            <a:off x="6253843" y="2015194"/>
+            <a:ext cx="5181600" cy="4064317"/>
+          </a:xfrm>
+        </p:spPr>
+      </p:pic>
+    </p:spTree>
+    <p:extLst>
+      <p:ext uri="{BB962C8B-B14F-4D97-AF65-F5344CB8AC3E}">
+        <p14:creationId xmlns:p14="http://schemas.microsoft.com/office/powerpoint/2010/main" val="577137192"/>
+      </p:ext>
+    </p:extLst>
+  </p:cSld>
+  <p:clrMapOvr>
+    <a:masterClrMapping/>
+  </p:clrMapOvr>
+</p:sld>
+</file>
+
+<file path=ppt/slides/slide17.xml><?xml version="1.0" encoding="utf-8"?>
+<p:sld xmlns:a="http://schemas.openxmlformats.org/drawingml/2006/main" xmlns:r="http://schemas.openxmlformats.org/officeDocument/2006/relationships" xmlns:p="http://schemas.openxmlformats.org/presentationml/2006/main">
+  <p:cSld>
+    <p:spTree>
+      <p:nvGrpSpPr>
+        <p:cNvPr id="1" name=""/>
+        <p:cNvGrpSpPr/>
+        <p:nvPr/>
+      </p:nvGrpSpPr>
+      <p:grpSpPr>
+        <a:xfrm>
+          <a:off x="0" y="0"/>
+          <a:ext cx="0" cy="0"/>
+          <a:chOff x="0" y="0"/>
+          <a:chExt cx="0" cy="0"/>
+        </a:xfrm>
+      </p:grpSpPr>
+      <p:sp>
+        <p:nvSpPr>
+          <p:cNvPr id="2" name="Title 1">
+            <a:extLst>
+              <a:ext uri="{FF2B5EF4-FFF2-40B4-BE49-F238E27FC236}">
+                <a16:creationId xmlns:a16="http://schemas.microsoft.com/office/drawing/2014/main" id="{35D973D6-71EC-45D9-B233-8B21390D16AA}"/>
+              </a:ext>
+            </a:extLst>
+          </p:cNvPr>
+          <p:cNvSpPr>
+            <a:spLocks noGrp="1"/>
+          </p:cNvSpPr>
+          <p:nvPr>
+            <p:ph type="title"/>
+          </p:nvPr>
+        </p:nvSpPr>
+        <p:spPr/>
+        <p:txBody>
+          <a:bodyPr/>
+          <a:lstStyle/>
+          <a:p>
+            <a:r>
+              <a:rPr lang="en-US" dirty="0">
+                <a:latin typeface="Univers (body)"/>
+              </a:rPr>
+              <a:t>In Florida, Race Emerged as Strongest Predictors</a:t>
+            </a:r>
+          </a:p>
+        </p:txBody>
+      </p:sp>
+      <p:pic>
+        <p:nvPicPr>
+          <p:cNvPr id="10" name="Content Placeholder 9" descr="Chart, bar chart&#10;&#10;Description automatically generated">
+            <a:extLst>
+              <a:ext uri="{FF2B5EF4-FFF2-40B4-BE49-F238E27FC236}">
+                <a16:creationId xmlns:a16="http://schemas.microsoft.com/office/drawing/2014/main" id="{E312025E-BD8A-4464-9C0E-0EAC92745425}"/>
+              </a:ext>
+            </a:extLst>
+          </p:cNvPr>
+          <p:cNvPicPr>
+            <a:picLocks noGrp="1" noChangeAspect="1"/>
+          </p:cNvPicPr>
+          <p:nvPr>
+            <p:ph sz="half" idx="1"/>
+          </p:nvPr>
+        </p:nvPicPr>
+        <p:blipFill>
+          <a:blip r:embed="rId2">
+            <a:extLst>
+              <a:ext uri="{28A0092B-C50C-407E-A947-70E740481C1C}">
+                <a14:useLocalDpi xmlns:a14="http://schemas.microsoft.com/office/drawing/2010/main" val="0"/>
+              </a:ext>
+            </a:extLst>
+          </a:blip>
+          <a:stretch>
+            <a:fillRect/>
+          </a:stretch>
+        </p:blipFill>
+        <p:spPr>
+          <a:xfrm>
+            <a:off x="223575" y="2208201"/>
+            <a:ext cx="5954070" cy="3827616"/>
+          </a:xfrm>
+        </p:spPr>
+      </p:pic>
+      <p:pic>
+        <p:nvPicPr>
+          <p:cNvPr id="12" name="Content Placeholder 11" descr="Chart, scatter chart&#10;&#10;Description automatically generated">
+            <a:extLst>
+              <a:ext uri="{FF2B5EF4-FFF2-40B4-BE49-F238E27FC236}">
+                <a16:creationId xmlns:a16="http://schemas.microsoft.com/office/drawing/2014/main" id="{407A4FD5-049D-4515-AA3C-C6DB394EED30}"/>
+              </a:ext>
+            </a:extLst>
+          </p:cNvPr>
+          <p:cNvPicPr>
+            <a:picLocks noGrp="1" noChangeAspect="1"/>
+          </p:cNvPicPr>
+          <p:nvPr>
+            <p:ph sz="half" idx="2"/>
+          </p:nvPr>
+        </p:nvPicPr>
+        <p:blipFill>
+          <a:blip r:embed="rId3">
+            <a:extLst>
+              <a:ext uri="{28A0092B-C50C-407E-A947-70E740481C1C}">
+                <a14:useLocalDpi xmlns:a14="http://schemas.microsoft.com/office/drawing/2010/main" val="0"/>
+              </a:ext>
+            </a:extLst>
+          </a:blip>
+          <a:stretch>
+            <a:fillRect/>
+          </a:stretch>
+        </p:blipFill>
+        <p:spPr>
+          <a:xfrm>
+            <a:off x="6417130" y="2208201"/>
+            <a:ext cx="5181600" cy="3978072"/>
+          </a:xfrm>
+        </p:spPr>
+      </p:pic>
+    </p:spTree>
+    <p:extLst>
+      <p:ext uri="{BB962C8B-B14F-4D97-AF65-F5344CB8AC3E}">
+        <p14:creationId xmlns:p14="http://schemas.microsoft.com/office/powerpoint/2010/main" val="3391945793"/>
+      </p:ext>
+    </p:extLst>
+  </p:cSld>
+  <p:clrMapOvr>
+    <a:masterClrMapping/>
+  </p:clrMapOvr>
+</p:sld>
+</file>
+
+<file path=ppt/slides/slide18.xml><?xml version="1.0" encoding="utf-8"?>
+<p:sld xmlns:a="http://schemas.openxmlformats.org/drawingml/2006/main" xmlns:r="http://schemas.openxmlformats.org/officeDocument/2006/relationships" xmlns:p="http://schemas.openxmlformats.org/presentationml/2006/main">
+  <p:cSld>
+    <p:spTree>
+      <p:nvGrpSpPr>
+        <p:cNvPr id="1" name=""/>
+        <p:cNvGrpSpPr/>
+        <p:nvPr/>
+      </p:nvGrpSpPr>
+      <p:grpSpPr>
+        <a:xfrm>
+          <a:off x="0" y="0"/>
+          <a:ext cx="0" cy="0"/>
+          <a:chOff x="0" y="0"/>
+          <a:chExt cx="0" cy="0"/>
+        </a:xfrm>
+      </p:grpSpPr>
+      <p:sp>
+        <p:nvSpPr>
+          <p:cNvPr id="2" name="Title 1">
+            <a:extLst>
+              <a:ext uri="{FF2B5EF4-FFF2-40B4-BE49-F238E27FC236}">
+                <a16:creationId xmlns:a16="http://schemas.microsoft.com/office/drawing/2014/main" id="{35D973D6-71EC-45D9-B233-8B21390D16AA}"/>
+              </a:ext>
+            </a:extLst>
+          </p:cNvPr>
+          <p:cNvSpPr>
+            <a:spLocks noGrp="1"/>
+          </p:cNvSpPr>
+          <p:nvPr>
+            <p:ph type="title"/>
+          </p:nvPr>
+        </p:nvSpPr>
+        <p:spPr/>
+        <p:txBody>
+          <a:bodyPr/>
+          <a:lstStyle/>
+          <a:p>
+            <a:r>
+              <a:rPr lang="en-US" dirty="0">
+                <a:latin typeface="Univers (body)"/>
+              </a:rPr>
+              <a:t>In Illinois, Age and Being Insured Emerged as Strongest Predictors</a:t>
+            </a:r>
+          </a:p>
+        </p:txBody>
+      </p:sp>
+      <p:pic>
+        <p:nvPicPr>
+          <p:cNvPr id="8" name="Content Placeholder 7" descr="Chart, bar chart&#10;&#10;Description automatically generated">
+            <a:extLst>
+              <a:ext uri="{FF2B5EF4-FFF2-40B4-BE49-F238E27FC236}">
+                <a16:creationId xmlns:a16="http://schemas.microsoft.com/office/drawing/2014/main" id="{04B03B16-784B-4AF6-BD02-D6ED6E1CD5D4}"/>
+              </a:ext>
+            </a:extLst>
+          </p:cNvPr>
+          <p:cNvPicPr>
+            <a:picLocks noGrp="1" noChangeAspect="1"/>
+          </p:cNvPicPr>
+          <p:nvPr>
+            <p:ph sz="half" idx="1"/>
+          </p:nvPr>
+        </p:nvPicPr>
+        <p:blipFill>
+          <a:blip r:embed="rId2">
+            <a:extLst>
+              <a:ext uri="{28A0092B-C50C-407E-A947-70E740481C1C}">
+                <a14:useLocalDpi xmlns:a14="http://schemas.microsoft.com/office/drawing/2010/main" val="0"/>
+              </a:ext>
+            </a:extLst>
+          </a:blip>
+          <a:stretch>
+            <a:fillRect/>
+          </a:stretch>
+        </p:blipFill>
+        <p:spPr>
+          <a:xfrm>
+            <a:off x="359229" y="2294357"/>
+            <a:ext cx="5521778" cy="3501406"/>
+          </a:xfrm>
+        </p:spPr>
+      </p:pic>
+      <p:pic>
+        <p:nvPicPr>
+          <p:cNvPr id="11" name="Content Placeholder 10" descr="Chart, scatter chart&#10;&#10;Description automatically generated">
+            <a:extLst>
+              <a:ext uri="{FF2B5EF4-FFF2-40B4-BE49-F238E27FC236}">
+                <a16:creationId xmlns:a16="http://schemas.microsoft.com/office/drawing/2014/main" id="{32F0EA16-181C-478B-86C7-6C6431CF5298}"/>
+              </a:ext>
+            </a:extLst>
+          </p:cNvPr>
+          <p:cNvPicPr>
+            <a:picLocks noGrp="1" noChangeAspect="1"/>
+          </p:cNvPicPr>
+          <p:nvPr>
+            <p:ph sz="half" idx="2"/>
+          </p:nvPr>
+        </p:nvPicPr>
+        <p:blipFill>
+          <a:blip r:embed="rId3">
+            <a:extLst>
+              <a:ext uri="{28A0092B-C50C-407E-A947-70E740481C1C}">
+                <a14:useLocalDpi xmlns:a14="http://schemas.microsoft.com/office/drawing/2010/main" val="0"/>
+              </a:ext>
+            </a:extLst>
+          </a:blip>
+          <a:stretch>
+            <a:fillRect/>
+          </a:stretch>
+        </p:blipFill>
+        <p:spPr>
+          <a:xfrm>
+            <a:off x="6096000" y="2192780"/>
+            <a:ext cx="5442857" cy="3754604"/>
+          </a:xfrm>
+        </p:spPr>
+      </p:pic>
+    </p:spTree>
+    <p:extLst>
+      <p:ext uri="{BB962C8B-B14F-4D97-AF65-F5344CB8AC3E}">
+        <p14:creationId xmlns:p14="http://schemas.microsoft.com/office/powerpoint/2010/main" val="1050194192"/>
+      </p:ext>
+    </p:extLst>
+  </p:cSld>
+  <p:clrMapOvr>
+    <a:masterClrMapping/>
+  </p:clrMapOvr>
+</p:sld>
+</file>
+
+<file path=ppt/slides/slide19.xml><?xml version="1.0" encoding="utf-8"?>
+<p:sld xmlns:a="http://schemas.openxmlformats.org/drawingml/2006/main" xmlns:r="http://schemas.openxmlformats.org/officeDocument/2006/relationships" xmlns:p="http://schemas.openxmlformats.org/presentationml/2006/main">
+  <p:cSld>
+    <p:spTree>
+      <p:nvGrpSpPr>
+        <p:cNvPr id="1" name=""/>
+        <p:cNvGrpSpPr/>
+        <p:nvPr/>
+      </p:nvGrpSpPr>
+      <p:grpSpPr>
+        <a:xfrm>
+          <a:off x="0" y="0"/>
+          <a:ext cx="0" cy="0"/>
+          <a:chOff x="0" y="0"/>
+          <a:chExt cx="0" cy="0"/>
+        </a:xfrm>
+      </p:grpSpPr>
+      <p:sp>
+        <p:nvSpPr>
+          <p:cNvPr id="2" name="Title 1">
+            <a:extLst>
+              <a:ext uri="{FF2B5EF4-FFF2-40B4-BE49-F238E27FC236}">
+                <a16:creationId xmlns:a16="http://schemas.microsoft.com/office/drawing/2014/main" id="{35D973D6-71EC-45D9-B233-8B21390D16AA}"/>
+              </a:ext>
+            </a:extLst>
+          </p:cNvPr>
+          <p:cNvSpPr>
+            <a:spLocks noGrp="1"/>
+          </p:cNvSpPr>
+          <p:nvPr>
+            <p:ph type="title"/>
+          </p:nvPr>
+        </p:nvSpPr>
+        <p:spPr/>
+        <p:txBody>
+          <a:bodyPr>
+            <a:normAutofit/>
+          </a:bodyPr>
+          <a:lstStyle/>
+          <a:p>
+            <a:r>
+              <a:rPr lang="en-US" dirty="0">
+                <a:latin typeface="Univers (body)"/>
+              </a:rPr>
+              <a:t>In New York, Race and Age Emerged as Strongest Predictors</a:t>
+            </a:r>
+          </a:p>
+        </p:txBody>
+      </p:sp>
+      <p:pic>
+        <p:nvPicPr>
+          <p:cNvPr id="9" name="Content Placeholder 8" descr="Chart, bar chart&#10;&#10;Description automatically generated">
+            <a:extLst>
+              <a:ext uri="{FF2B5EF4-FFF2-40B4-BE49-F238E27FC236}">
+                <a16:creationId xmlns:a16="http://schemas.microsoft.com/office/drawing/2014/main" id="{FA16E064-5C9E-4131-897E-546106F8CD7C}"/>
+              </a:ext>
+            </a:extLst>
+          </p:cNvPr>
+          <p:cNvPicPr>
+            <a:picLocks noGrp="1" noChangeAspect="1"/>
+          </p:cNvPicPr>
+          <p:nvPr>
+            <p:ph sz="half" idx="1"/>
+          </p:nvPr>
+        </p:nvPicPr>
+        <p:blipFill>
+          <a:blip r:embed="rId2">
+            <a:extLst>
+              <a:ext uri="{28A0092B-C50C-407E-A947-70E740481C1C}">
+                <a14:useLocalDpi xmlns:a14="http://schemas.microsoft.com/office/drawing/2010/main" val="0"/>
+              </a:ext>
+            </a:extLst>
+          </a:blip>
+          <a:stretch>
+            <a:fillRect/>
+          </a:stretch>
+        </p:blipFill>
+        <p:spPr>
+          <a:xfrm>
+            <a:off x="253752" y="2407548"/>
+            <a:ext cx="5766049" cy="3547019"/>
+          </a:xfrm>
+        </p:spPr>
+      </p:pic>
+      <p:pic>
+        <p:nvPicPr>
+          <p:cNvPr id="12" name="Content Placeholder 11" descr="Chart, scatter chart&#10;&#10;Description automatically generated">
+            <a:extLst>
+              <a:ext uri="{FF2B5EF4-FFF2-40B4-BE49-F238E27FC236}">
+                <a16:creationId xmlns:a16="http://schemas.microsoft.com/office/drawing/2014/main" id="{44EFA7C4-B3B3-4025-9B42-ABFB477BE816}"/>
+              </a:ext>
+            </a:extLst>
+          </p:cNvPr>
+          <p:cNvPicPr>
+            <a:picLocks noGrp="1" noChangeAspect="1"/>
+          </p:cNvPicPr>
+          <p:nvPr>
+            <p:ph sz="half" idx="2"/>
+          </p:nvPr>
+        </p:nvPicPr>
+        <p:blipFill>
+          <a:blip r:embed="rId3">
+            <a:extLst>
+              <a:ext uri="{28A0092B-C50C-407E-A947-70E740481C1C}">
+                <a14:useLocalDpi xmlns:a14="http://schemas.microsoft.com/office/drawing/2010/main" val="0"/>
+              </a:ext>
+            </a:extLst>
+          </a:blip>
+          <a:stretch>
+            <a:fillRect/>
+          </a:stretch>
+        </p:blipFill>
+        <p:spPr>
+          <a:xfrm>
+            <a:off x="6457950" y="2325607"/>
+            <a:ext cx="5181600" cy="3906546"/>
+          </a:xfrm>
+        </p:spPr>
+      </p:pic>
+    </p:spTree>
+    <p:extLst>
+      <p:ext uri="{BB962C8B-B14F-4D97-AF65-F5344CB8AC3E}">
+        <p14:creationId xmlns:p14="http://schemas.microsoft.com/office/powerpoint/2010/main" val="458866838"/>
+      </p:ext>
+    </p:extLst>
+  </p:cSld>
+  <p:clrMapOvr>
+    <a:masterClrMapping/>
+  </p:clrMapOvr>
+</p:sld>
+</file>
+
+<file path=ppt/slides/slide2.xml><?xml version="1.0" encoding="utf-8"?>
+<p:sld xmlns:a="http://schemas.openxmlformats.org/drawingml/2006/main" xmlns:r="http://schemas.openxmlformats.org/officeDocument/2006/relationships" xmlns:p="http://schemas.openxmlformats.org/presentationml/2006/main">
+  <p:cSld>
+    <p:spTree>
+      <p:nvGrpSpPr>
+        <p:cNvPr id="1" name=""/>
+        <p:cNvGrpSpPr/>
+        <p:nvPr/>
+      </p:nvGrpSpPr>
+      <p:grpSpPr>
+        <a:xfrm>
+          <a:off x="0" y="0"/>
+          <a:ext cx="0" cy="0"/>
+          <a:chOff x="0" y="0"/>
+          <a:chExt cx="0" cy="0"/>
+        </a:xfrm>
+      </p:grpSpPr>
+      <p:sp>
+        <p:nvSpPr>
+          <p:cNvPr id="2" name="Title 1">
+            <a:extLst>
+              <a:ext uri="{FF2B5EF4-FFF2-40B4-BE49-F238E27FC236}">
+                <a16:creationId xmlns:a16="http://schemas.microsoft.com/office/drawing/2014/main" id="{1C086237-4AD6-4141-95B3-E7ADF12CD7CA}"/>
+              </a:ext>
+            </a:extLst>
+          </p:cNvPr>
+          <p:cNvSpPr>
+            <a:spLocks noGrp="1"/>
+          </p:cNvSpPr>
+          <p:nvPr>
+            <p:ph type="title"/>
+          </p:nvPr>
+        </p:nvSpPr>
+        <p:spPr>
+          <a:xfrm>
+            <a:off x="642815" y="505802"/>
+            <a:ext cx="11103708" cy="1325563"/>
+          </a:xfrm>
+        </p:spPr>
+        <p:txBody>
+          <a:bodyPr/>
+          <a:lstStyle/>
+          <a:p>
+            <a:pPr algn="ctr"/>
+            <a:r>
+              <a:rPr lang="en-US" dirty="0">
+                <a:latin typeface="Univers (body)"/>
+                <a:cs typeface="Arial" panose="020B0604020202020204" pitchFamily="34" charset="0"/>
+              </a:rPr>
+              <a:t>Can we predict COVID-19 severity using demographic data?</a:t>
+            </a:r>
+          </a:p>
+        </p:txBody>
+      </p:sp>
+      <p:pic>
+        <p:nvPicPr>
+          <p:cNvPr id="5" name="Content Placeholder 4" descr="Map&#10;&#10;Description automatically generated">
+            <a:extLst>
+              <a:ext uri="{FF2B5EF4-FFF2-40B4-BE49-F238E27FC236}">
+                <a16:creationId xmlns:a16="http://schemas.microsoft.com/office/drawing/2014/main" id="{B63EA9B2-1151-47BE-9DD8-FE89AAE60894}"/>
+              </a:ext>
+            </a:extLst>
+          </p:cNvPr>
+          <p:cNvPicPr>
+            <a:picLocks noGrp="1" noChangeAspect="1"/>
+          </p:cNvPicPr>
+          <p:nvPr>
+            <p:ph idx="1"/>
+          </p:nvPr>
+        </p:nvPicPr>
+        <p:blipFill>
+          <a:blip r:embed="rId2">
+            <a:extLst>
+              <a:ext uri="{28A0092B-C50C-407E-A947-70E740481C1C}">
+                <a14:useLocalDpi xmlns:a14="http://schemas.microsoft.com/office/drawing/2010/main" val="0"/>
+              </a:ext>
+            </a:extLst>
+          </a:blip>
+          <a:stretch>
+            <a:fillRect/>
+          </a:stretch>
+        </p:blipFill>
+        <p:spPr>
+          <a:xfrm>
+            <a:off x="2313368" y="2146055"/>
+            <a:ext cx="7299541" cy="4351338"/>
+          </a:xfrm>
+        </p:spPr>
+      </p:pic>
+    </p:spTree>
+    <p:extLst>
+      <p:ext uri="{BB962C8B-B14F-4D97-AF65-F5344CB8AC3E}">
+        <p14:creationId xmlns:p14="http://schemas.microsoft.com/office/powerpoint/2010/main" val="1716994429"/>
+      </p:ext>
+    </p:extLst>
+  </p:cSld>
+  <p:clrMapOvr>
+    <a:masterClrMapping/>
+  </p:clrMapOvr>
+</p:sld>
+</file>
+
+<file path=ppt/slides/slide20.xml><?xml version="1.0" encoding="utf-8"?>
+<p:sld xmlns:a="http://schemas.openxmlformats.org/drawingml/2006/main" xmlns:r="http://schemas.openxmlformats.org/officeDocument/2006/relationships" xmlns:p="http://schemas.openxmlformats.org/presentationml/2006/main">
+  <p:cSld>
+    <p:spTree>
+      <p:nvGrpSpPr>
+        <p:cNvPr id="1" name=""/>
+        <p:cNvGrpSpPr/>
+        <p:nvPr/>
+      </p:nvGrpSpPr>
+      <p:grpSpPr>
+        <a:xfrm>
+          <a:off x="0" y="0"/>
+          <a:ext cx="0" cy="0"/>
+          <a:chOff x="0" y="0"/>
+          <a:chExt cx="0" cy="0"/>
+        </a:xfrm>
+      </p:grpSpPr>
+      <p:sp>
+        <p:nvSpPr>
+          <p:cNvPr id="2" name="Title 1">
+            <a:extLst>
+              <a:ext uri="{FF2B5EF4-FFF2-40B4-BE49-F238E27FC236}">
+                <a16:creationId xmlns:a16="http://schemas.microsoft.com/office/drawing/2014/main" id="{35D973D6-71EC-45D9-B233-8B21390D16AA}"/>
+              </a:ext>
+            </a:extLst>
+          </p:cNvPr>
+          <p:cNvSpPr>
+            <a:spLocks noGrp="1"/>
+          </p:cNvSpPr>
+          <p:nvPr>
+            <p:ph type="title"/>
+          </p:nvPr>
+        </p:nvSpPr>
+        <p:spPr/>
+        <p:txBody>
+          <a:bodyPr>
+            <a:normAutofit/>
+          </a:bodyPr>
+          <a:lstStyle/>
+          <a:p>
+            <a:r>
+              <a:rPr lang="en-US">
+                <a:latin typeface="Univers (body)"/>
+              </a:rPr>
+              <a:t>In Texas, Race and Income Emerged as Strongest Predictors</a:t>
+            </a:r>
+            <a:endParaRPr lang="en-US" dirty="0">
+              <a:latin typeface="Univers (body)"/>
+            </a:endParaRPr>
+          </a:p>
+        </p:txBody>
+      </p:sp>
+      <p:pic>
+        <p:nvPicPr>
+          <p:cNvPr id="8" name="Content Placeholder 7" descr="Chart&#10;&#10;Description automatically generated">
+            <a:extLst>
+              <a:ext uri="{FF2B5EF4-FFF2-40B4-BE49-F238E27FC236}">
+                <a16:creationId xmlns:a16="http://schemas.microsoft.com/office/drawing/2014/main" id="{85D0746E-0DEC-4550-8D3E-0ACB2D8F7700}"/>
+              </a:ext>
+            </a:extLst>
+          </p:cNvPr>
+          <p:cNvPicPr>
+            <a:picLocks noGrp="1" noChangeAspect="1"/>
+          </p:cNvPicPr>
+          <p:nvPr>
+            <p:ph sz="half" idx="1"/>
+          </p:nvPr>
+        </p:nvPicPr>
+        <p:blipFill>
+          <a:blip r:embed="rId2">
+            <a:extLst>
+              <a:ext uri="{28A0092B-C50C-407E-A947-70E740481C1C}">
+                <a14:useLocalDpi xmlns:a14="http://schemas.microsoft.com/office/drawing/2010/main" val="0"/>
+              </a:ext>
+            </a:extLst>
+          </a:blip>
+          <a:stretch>
+            <a:fillRect/>
+          </a:stretch>
+        </p:blipFill>
+        <p:spPr>
+          <a:xfrm>
+            <a:off x="406004" y="2155371"/>
+            <a:ext cx="5613797" cy="3742531"/>
+          </a:xfrm>
+        </p:spPr>
+      </p:pic>
+      <p:pic>
+        <p:nvPicPr>
+          <p:cNvPr id="11" name="Content Placeholder 10" descr="Chart, scatter chart&#10;&#10;Description automatically generated">
+            <a:extLst>
+              <a:ext uri="{FF2B5EF4-FFF2-40B4-BE49-F238E27FC236}">
+                <a16:creationId xmlns:a16="http://schemas.microsoft.com/office/drawing/2014/main" id="{DBACF3C1-A5EC-4643-A36B-207BC03D2019}"/>
+              </a:ext>
+            </a:extLst>
+          </p:cNvPr>
+          <p:cNvPicPr>
+            <a:picLocks noGrp="1" noChangeAspect="1"/>
+          </p:cNvPicPr>
+          <p:nvPr>
+            <p:ph sz="half" idx="2"/>
+          </p:nvPr>
+        </p:nvPicPr>
+        <p:blipFill>
+          <a:blip r:embed="rId3">
+            <a:extLst>
+              <a:ext uri="{28A0092B-C50C-407E-A947-70E740481C1C}">
+                <a14:useLocalDpi xmlns:a14="http://schemas.microsoft.com/office/drawing/2010/main" val="0"/>
+              </a:ext>
+            </a:extLst>
+          </a:blip>
+          <a:stretch>
+            <a:fillRect/>
+          </a:stretch>
+        </p:blipFill>
+        <p:spPr>
+          <a:xfrm>
+            <a:off x="6172201" y="2155371"/>
+            <a:ext cx="5415643" cy="4118145"/>
+          </a:xfrm>
+        </p:spPr>
+      </p:pic>
+    </p:spTree>
+    <p:extLst>
+      <p:ext uri="{BB962C8B-B14F-4D97-AF65-F5344CB8AC3E}">
+        <p14:creationId xmlns:p14="http://schemas.microsoft.com/office/powerpoint/2010/main" val="1172165414"/>
+      </p:ext>
+    </p:extLst>
+  </p:cSld>
+  <p:clrMapOvr>
+    <a:masterClrMapping/>
+  </p:clrMapOvr>
+</p:sld>
+</file>
+
+<file path=ppt/slides/slide21.xml><?xml version="1.0" encoding="utf-8"?>
+<p:sld xmlns:a="http://schemas.openxmlformats.org/drawingml/2006/main" xmlns:r="http://schemas.openxmlformats.org/officeDocument/2006/relationships" xmlns:p="http://schemas.openxmlformats.org/presentationml/2006/main">
+  <p:cSld>
+    <p:spTree>
+      <p:nvGrpSpPr>
+        <p:cNvPr id="1" name=""/>
+        <p:cNvGrpSpPr/>
+        <p:nvPr/>
+      </p:nvGrpSpPr>
+      <p:grpSpPr>
+        <a:xfrm>
+          <a:off x="0" y="0"/>
+          <a:ext cx="0" cy="0"/>
+          <a:chOff x="0" y="0"/>
+          <a:chExt cx="0" cy="0"/>
+        </a:xfrm>
+      </p:grpSpPr>
+      <p:sp>
+        <p:nvSpPr>
+          <p:cNvPr id="2" name="Title 1">
+            <a:extLst>
+              <a:ext uri="{FF2B5EF4-FFF2-40B4-BE49-F238E27FC236}">
+                <a16:creationId xmlns:a16="http://schemas.microsoft.com/office/drawing/2014/main" id="{1DED85DE-321B-4CAC-87CC-8211BBDE26D9}"/>
+              </a:ext>
+            </a:extLst>
+          </p:cNvPr>
+          <p:cNvSpPr>
+            <a:spLocks noGrp="1"/>
+          </p:cNvSpPr>
+          <p:nvPr>
+            <p:ph type="title"/>
+          </p:nvPr>
+        </p:nvSpPr>
+        <p:spPr/>
+        <p:txBody>
+          <a:bodyPr/>
+          <a:lstStyle/>
+          <a:p>
+            <a:r>
+              <a:rPr lang="en-US" dirty="0"/>
+              <a:t>Highest Death Rate Counties by State</a:t>
+            </a:r>
+          </a:p>
+        </p:txBody>
+      </p:sp>
+      <p:pic>
+        <p:nvPicPr>
+          <p:cNvPr id="5" name="Content Placeholder 4" descr="Chart, bar chart&#10;&#10;Description automatically generated">
+            <a:extLst>
+              <a:ext uri="{FF2B5EF4-FFF2-40B4-BE49-F238E27FC236}">
+                <a16:creationId xmlns:a16="http://schemas.microsoft.com/office/drawing/2014/main" id="{E5866393-E060-48F9-BA59-B8A5A9168B75}"/>
+              </a:ext>
+            </a:extLst>
+          </p:cNvPr>
+          <p:cNvPicPr>
+            <a:picLocks noGrp="1" noChangeAspect="1"/>
+          </p:cNvPicPr>
+          <p:nvPr>
+            <p:ph idx="1"/>
+          </p:nvPr>
+        </p:nvPicPr>
+        <p:blipFill>
+          <a:blip r:embed="rId2">
+            <a:extLst>
+              <a:ext uri="{28A0092B-C50C-407E-A947-70E740481C1C}">
+                <a14:useLocalDpi xmlns:a14="http://schemas.microsoft.com/office/drawing/2010/main" val="0"/>
+              </a:ext>
+            </a:extLst>
+          </a:blip>
+          <a:stretch>
+            <a:fillRect/>
+          </a:stretch>
+        </p:blipFill>
+        <p:spPr>
+          <a:xfrm>
+            <a:off x="1838325" y="1920081"/>
+            <a:ext cx="8515350" cy="4162425"/>
+          </a:xfrm>
+        </p:spPr>
+      </p:pic>
+    </p:spTree>
+    <p:extLst>
+      <p:ext uri="{BB962C8B-B14F-4D97-AF65-F5344CB8AC3E}">
+        <p14:creationId xmlns:p14="http://schemas.microsoft.com/office/powerpoint/2010/main" val="2223830996"/>
+      </p:ext>
+    </p:extLst>
+  </p:cSld>
+  <p:clrMapOvr>
+    <a:masterClrMapping/>
+  </p:clrMapOvr>
+</p:sld>
+</file>
+
+<file path=ppt/slides/slide22.xml><?xml version="1.0" encoding="utf-8"?>
+<p:sld xmlns:a="http://schemas.openxmlformats.org/drawingml/2006/main" xmlns:r="http://schemas.openxmlformats.org/officeDocument/2006/relationships" xmlns:p="http://schemas.openxmlformats.org/presentationml/2006/main">
+  <p:cSld>
+    <p:spTree>
+      <p:nvGrpSpPr>
+        <p:cNvPr id="1" name=""/>
+        <p:cNvGrpSpPr/>
+        <p:nvPr/>
+      </p:nvGrpSpPr>
+      <p:grpSpPr>
+        <a:xfrm>
+          <a:off x="0" y="0"/>
+          <a:ext cx="0" cy="0"/>
+          <a:chOff x="0" y="0"/>
+          <a:chExt cx="0" cy="0"/>
+        </a:xfrm>
+      </p:grpSpPr>
+      <p:sp>
+        <p:nvSpPr>
+          <p:cNvPr id="2" name="Title 1">
+            <a:extLst>
+              <a:ext uri="{FF2B5EF4-FFF2-40B4-BE49-F238E27FC236}">
+                <a16:creationId xmlns:a16="http://schemas.microsoft.com/office/drawing/2014/main" id="{632FA0E1-08F4-4075-8FBC-63BB33F63322}"/>
+              </a:ext>
+            </a:extLst>
+          </p:cNvPr>
+          <p:cNvSpPr>
+            <a:spLocks noGrp="1"/>
+          </p:cNvSpPr>
+          <p:nvPr>
+            <p:ph type="title"/>
+          </p:nvPr>
+        </p:nvSpPr>
+        <p:spPr/>
+        <p:txBody>
+          <a:bodyPr/>
+          <a:lstStyle/>
+          <a:p>
+            <a:r>
+              <a:rPr lang="en-US" dirty="0"/>
+              <a:t>Highest Case Counties by State</a:t>
+            </a:r>
+          </a:p>
+        </p:txBody>
+      </p:sp>
+      <p:pic>
+        <p:nvPicPr>
+          <p:cNvPr id="5" name="Content Placeholder 4" descr="Chart, bar chart, funnel chart&#10;&#10;Description automatically generated">
+            <a:extLst>
+              <a:ext uri="{FF2B5EF4-FFF2-40B4-BE49-F238E27FC236}">
+                <a16:creationId xmlns:a16="http://schemas.microsoft.com/office/drawing/2014/main" id="{850741C8-BB10-430D-A7C4-BC997CEFE0CE}"/>
+              </a:ext>
+            </a:extLst>
+          </p:cNvPr>
+          <p:cNvPicPr>
+            <a:picLocks noGrp="1" noChangeAspect="1"/>
+          </p:cNvPicPr>
+          <p:nvPr>
+            <p:ph idx="1"/>
+          </p:nvPr>
+        </p:nvPicPr>
+        <p:blipFill>
+          <a:blip r:embed="rId2">
+            <a:extLst>
+              <a:ext uri="{28A0092B-C50C-407E-A947-70E740481C1C}">
+                <a14:useLocalDpi xmlns:a14="http://schemas.microsoft.com/office/drawing/2010/main" val="0"/>
+              </a:ext>
+            </a:extLst>
+          </a:blip>
+          <a:stretch>
+            <a:fillRect/>
+          </a:stretch>
+        </p:blipFill>
+        <p:spPr>
+          <a:xfrm>
+            <a:off x="1733550" y="1943894"/>
+            <a:ext cx="8724900" cy="4114800"/>
+          </a:xfrm>
+        </p:spPr>
+      </p:pic>
+    </p:spTree>
+    <p:extLst>
+      <p:ext uri="{BB962C8B-B14F-4D97-AF65-F5344CB8AC3E}">
+        <p14:creationId xmlns:p14="http://schemas.microsoft.com/office/powerpoint/2010/main" val="541895281"/>
+      </p:ext>
+    </p:extLst>
+  </p:cSld>
+  <p:clrMapOvr>
+    <a:masterClrMapping/>
+  </p:clrMapOvr>
+</p:sld>
+</file>
+
+<file path=ppt/slides/slide23.xml><?xml version="1.0" encoding="utf-8"?>
+<p:sld xmlns:a="http://schemas.openxmlformats.org/drawingml/2006/main" xmlns:r="http://schemas.openxmlformats.org/officeDocument/2006/relationships" xmlns:p="http://schemas.openxmlformats.org/presentationml/2006/main">
+  <p:cSld>
+    <p:spTree>
+      <p:nvGrpSpPr>
+        <p:cNvPr id="1" name=""/>
+        <p:cNvGrpSpPr/>
+        <p:nvPr/>
+      </p:nvGrpSpPr>
+      <p:grpSpPr>
+        <a:xfrm>
+          <a:off x="0" y="0"/>
+          <a:ext cx="0" cy="0"/>
+          <a:chOff x="0" y="0"/>
+          <a:chExt cx="0" cy="0"/>
+        </a:xfrm>
+      </p:grpSpPr>
+      <p:sp>
+        <p:nvSpPr>
+          <p:cNvPr id="2" name="Title 1">
+            <a:extLst>
+              <a:ext uri="{FF2B5EF4-FFF2-40B4-BE49-F238E27FC236}">
+                <a16:creationId xmlns:a16="http://schemas.microsoft.com/office/drawing/2014/main" id="{F5E66CDC-3267-4ADB-824B-C87E9518D34C}"/>
+              </a:ext>
+            </a:extLst>
+          </p:cNvPr>
+          <p:cNvSpPr>
+            <a:spLocks noGrp="1"/>
+          </p:cNvSpPr>
+          <p:nvPr>
+            <p:ph type="title"/>
+          </p:nvPr>
+        </p:nvSpPr>
+        <p:spPr/>
+        <p:txBody>
+          <a:bodyPr/>
+          <a:lstStyle/>
+          <a:p>
+            <a:r>
+              <a:rPr lang="en-US" dirty="0"/>
+              <a:t>Lowest Case Counties by State</a:t>
+            </a:r>
+          </a:p>
+        </p:txBody>
+      </p:sp>
+      <p:pic>
+        <p:nvPicPr>
+          <p:cNvPr id="5" name="Content Placeholder 4" descr="Chart, bar chart&#10;&#10;Description automatically generated">
+            <a:extLst>
+              <a:ext uri="{FF2B5EF4-FFF2-40B4-BE49-F238E27FC236}">
+                <a16:creationId xmlns:a16="http://schemas.microsoft.com/office/drawing/2014/main" id="{D0C79509-4737-457A-A798-D19BE2434D29}"/>
+              </a:ext>
+            </a:extLst>
+          </p:cNvPr>
+          <p:cNvPicPr>
+            <a:picLocks noGrp="1" noChangeAspect="1"/>
+          </p:cNvPicPr>
+          <p:nvPr>
+            <p:ph idx="1"/>
+          </p:nvPr>
+        </p:nvPicPr>
+        <p:blipFill>
+          <a:blip r:embed="rId2">
+            <a:extLst>
+              <a:ext uri="{28A0092B-C50C-407E-A947-70E740481C1C}">
+                <a14:useLocalDpi xmlns:a14="http://schemas.microsoft.com/office/drawing/2010/main" val="0"/>
+              </a:ext>
+            </a:extLst>
+          </a:blip>
+          <a:stretch>
+            <a:fillRect/>
+          </a:stretch>
+        </p:blipFill>
+        <p:spPr>
+          <a:xfrm>
+            <a:off x="1981200" y="1943894"/>
+            <a:ext cx="8229600" cy="4114800"/>
+          </a:xfrm>
+        </p:spPr>
+      </p:pic>
+    </p:spTree>
+    <p:extLst>
+      <p:ext uri="{BB962C8B-B14F-4D97-AF65-F5344CB8AC3E}">
+        <p14:creationId xmlns:p14="http://schemas.microsoft.com/office/powerpoint/2010/main" val="1039485576"/>
+      </p:ext>
+    </p:extLst>
+  </p:cSld>
+  <p:clrMapOvr>
+    <a:masterClrMapping/>
+  </p:clrMapOvr>
+</p:sld>
+</file>
+
+<file path=ppt/slides/slide24.xml><?xml version="1.0" encoding="utf-8"?>
+<p:sld xmlns:a="http://schemas.openxmlformats.org/drawingml/2006/main" xmlns:r="http://schemas.openxmlformats.org/officeDocument/2006/relationships" xmlns:p="http://schemas.openxmlformats.org/presentationml/2006/main">
+  <p:cSld>
+    <p:spTree>
+      <p:nvGrpSpPr>
+        <p:cNvPr id="1" name=""/>
+        <p:cNvGrpSpPr/>
+        <p:nvPr/>
+      </p:nvGrpSpPr>
+      <p:grpSpPr>
+        <a:xfrm>
+          <a:off x="0" y="0"/>
+          <a:ext cx="0" cy="0"/>
+          <a:chOff x="0" y="0"/>
+          <a:chExt cx="0" cy="0"/>
+        </a:xfrm>
+      </p:grpSpPr>
+      <p:sp>
+        <p:nvSpPr>
+          <p:cNvPr id="2" name="Title 1">
+            <a:extLst>
+              <a:ext uri="{FF2B5EF4-FFF2-40B4-BE49-F238E27FC236}">
+                <a16:creationId xmlns:a16="http://schemas.microsoft.com/office/drawing/2014/main" id="{EC11FCF5-95D7-4739-ADC4-9065790DBF46}"/>
+              </a:ext>
+            </a:extLst>
+          </p:cNvPr>
+          <p:cNvSpPr>
+            <a:spLocks noGrp="1"/>
+          </p:cNvSpPr>
+          <p:nvPr>
+            <p:ph type="title"/>
+          </p:nvPr>
+        </p:nvSpPr>
+        <p:spPr/>
+        <p:txBody>
+          <a:bodyPr/>
+          <a:lstStyle/>
+          <a:p>
+            <a:r>
+              <a:rPr lang="en-US" dirty="0"/>
+              <a:t>Lowest Cases/100 People Counties by State</a:t>
+            </a:r>
+          </a:p>
+        </p:txBody>
+      </p:sp>
+      <p:pic>
+        <p:nvPicPr>
+          <p:cNvPr id="5" name="Content Placeholder 4" descr="Chart, bar chart&#10;&#10;Description automatically generated">
+            <a:extLst>
+              <a:ext uri="{FF2B5EF4-FFF2-40B4-BE49-F238E27FC236}">
+                <a16:creationId xmlns:a16="http://schemas.microsoft.com/office/drawing/2014/main" id="{87355CD8-B751-4190-9C32-3962EC7BA040}"/>
+              </a:ext>
+            </a:extLst>
+          </p:cNvPr>
+          <p:cNvPicPr>
+            <a:picLocks noGrp="1" noChangeAspect="1"/>
+          </p:cNvPicPr>
+          <p:nvPr>
+            <p:ph idx="1"/>
+          </p:nvPr>
+        </p:nvPicPr>
+        <p:blipFill>
+          <a:blip r:embed="rId2">
+            <a:extLst>
+              <a:ext uri="{28A0092B-C50C-407E-A947-70E740481C1C}">
+                <a14:useLocalDpi xmlns:a14="http://schemas.microsoft.com/office/drawing/2010/main" val="0"/>
+              </a:ext>
+            </a:extLst>
+          </a:blip>
+          <a:stretch>
+            <a:fillRect/>
+          </a:stretch>
+        </p:blipFill>
+        <p:spPr>
+          <a:xfrm>
+            <a:off x="1843087" y="1924844"/>
+            <a:ext cx="8505825" cy="4152900"/>
+          </a:xfrm>
+        </p:spPr>
+      </p:pic>
+    </p:spTree>
+    <p:extLst>
+      <p:ext uri="{BB962C8B-B14F-4D97-AF65-F5344CB8AC3E}">
+        <p14:creationId xmlns:p14="http://schemas.microsoft.com/office/powerpoint/2010/main" val="329792228"/>
+      </p:ext>
+    </p:extLst>
+  </p:cSld>
+  <p:clrMapOvr>
+    <a:masterClrMapping/>
+  </p:clrMapOvr>
+</p:sld>
+</file>
+
+<file path=ppt/slides/slide25.xml><?xml version="1.0" encoding="utf-8"?>
+<p:sld xmlns:a="http://schemas.openxmlformats.org/drawingml/2006/main" xmlns:r="http://schemas.openxmlformats.org/officeDocument/2006/relationships" xmlns:p="http://schemas.openxmlformats.org/presentationml/2006/main">
+  <p:cSld>
+    <p:spTree>
+      <p:nvGrpSpPr>
+        <p:cNvPr id="1" name=""/>
+        <p:cNvGrpSpPr/>
+        <p:nvPr/>
+      </p:nvGrpSpPr>
+      <p:grpSpPr>
+        <a:xfrm>
+          <a:off x="0" y="0"/>
+          <a:ext cx="0" cy="0"/>
+          <a:chOff x="0" y="0"/>
+          <a:chExt cx="0" cy="0"/>
+        </a:xfrm>
+      </p:grpSpPr>
+      <p:sp>
+        <p:nvSpPr>
+          <p:cNvPr id="2" name="Title 1">
+            <a:extLst>
+              <a:ext uri="{FF2B5EF4-FFF2-40B4-BE49-F238E27FC236}">
+                <a16:creationId xmlns:a16="http://schemas.microsoft.com/office/drawing/2014/main" id="{9D2B5B3A-4DCA-4D6F-9819-01C23241DAE0}"/>
+              </a:ext>
+            </a:extLst>
+          </p:cNvPr>
+          <p:cNvSpPr>
+            <a:spLocks noGrp="1"/>
+          </p:cNvSpPr>
+          <p:nvPr>
+            <p:ph type="title"/>
+          </p:nvPr>
+        </p:nvSpPr>
+        <p:spPr/>
+        <p:txBody>
+          <a:bodyPr/>
+          <a:lstStyle/>
+          <a:p>
+            <a:r>
+              <a:rPr lang="en-US" dirty="0"/>
+              <a:t>Highest Cases/100 People Counties by State</a:t>
+            </a:r>
+          </a:p>
+        </p:txBody>
+      </p:sp>
+      <p:pic>
+        <p:nvPicPr>
+          <p:cNvPr id="5" name="Content Placeholder 4" descr="Chart, bar chart&#10;&#10;Description automatically generated">
+            <a:extLst>
+              <a:ext uri="{FF2B5EF4-FFF2-40B4-BE49-F238E27FC236}">
+                <a16:creationId xmlns:a16="http://schemas.microsoft.com/office/drawing/2014/main" id="{966F1CBE-6EB4-4CF2-B7FF-C34B66E395BE}"/>
+              </a:ext>
+            </a:extLst>
+          </p:cNvPr>
+          <p:cNvPicPr>
+            <a:picLocks noGrp="1" noChangeAspect="1"/>
+          </p:cNvPicPr>
+          <p:nvPr>
+            <p:ph idx="1"/>
+          </p:nvPr>
+        </p:nvPicPr>
+        <p:blipFill>
+          <a:blip r:embed="rId2">
+            <a:extLst>
+              <a:ext uri="{28A0092B-C50C-407E-A947-70E740481C1C}">
+                <a14:useLocalDpi xmlns:a14="http://schemas.microsoft.com/office/drawing/2010/main" val="0"/>
+              </a:ext>
+            </a:extLst>
+          </a:blip>
+          <a:stretch>
+            <a:fillRect/>
+          </a:stretch>
+        </p:blipFill>
+        <p:spPr>
+          <a:xfrm>
+            <a:off x="1838325" y="1958181"/>
+            <a:ext cx="8515350" cy="4086225"/>
+          </a:xfrm>
+        </p:spPr>
+      </p:pic>
+    </p:spTree>
+    <p:extLst>
+      <p:ext uri="{BB962C8B-B14F-4D97-AF65-F5344CB8AC3E}">
+        <p14:creationId xmlns:p14="http://schemas.microsoft.com/office/powerpoint/2010/main" val="858165553"/>
+      </p:ext>
+    </p:extLst>
+  </p:cSld>
+  <p:clrMapOvr>
+    <a:masterClrMapping/>
+  </p:clrMapOvr>
+</p:sld>
+</file>
+
+<file path=ppt/slides/slide3.xml><?xml version="1.0" encoding="utf-8"?>
+<p:sld xmlns:a="http://schemas.openxmlformats.org/drawingml/2006/main" xmlns:r="http://schemas.openxmlformats.org/officeDocument/2006/relationships" xmlns:p="http://schemas.openxmlformats.org/presentationml/2006/main">
+  <p:cSld>
+    <p:bg>
+      <p:bgPr>
+        <a:solidFill>
+          <a:schemeClr val="bg1"/>
+        </a:solidFill>
+        <a:effectLst/>
+      </p:bgPr>
+    </p:bg>
+    <p:spTree>
+      <p:nvGrpSpPr>
+        <p:cNvPr id="1" name=""/>
+        <p:cNvGrpSpPr/>
+        <p:nvPr/>
+      </p:nvGrpSpPr>
+      <p:grpSpPr>
+        <a:xfrm>
+          <a:off x="0" y="0"/>
+          <a:ext cx="0" cy="0"/>
+          <a:chOff x="0" y="0"/>
+          <a:chExt cx="0" cy="0"/>
+        </a:xfrm>
+      </p:grpSpPr>
+      <p:sp useBgFill="1">
+        <p:nvSpPr>
+          <p:cNvPr id="9" name="Rectangle 8">
+            <a:extLst>
+              <a:ext uri="{FF2B5EF4-FFF2-40B4-BE49-F238E27FC236}">
+                <a16:creationId xmlns:a16="http://schemas.microsoft.com/office/drawing/2014/main" id="{53B021B3-DE93-4AB7-8A18-CF5F1CED88B8}"/>
+              </a:ext>
+              <a:ext uri="{C183D7F6-B498-43B3-948B-1728B52AA6E4}">
+                <adec:decorative xmlns:adec="http://schemas.microsoft.com/office/drawing/2017/decorative" val="1"/>
+              </a:ext>
+            </a:extLst>
+          </p:cNvPr>
+          <p:cNvSpPr>
+            <a:spLocks noGrp="1" noRot="1" noChangeAspect="1" noMove="1" noResize="1" noEditPoints="1" noAdjustHandles="1" noChangeArrowheads="1" noChangeShapeType="1" noTextEdit="1"/>
+          </p:cNvSpPr>
+          <p:nvPr>
+            <p:extLst>
+              <p:ext uri="{386F3935-93C4-4BCD-93E2-E3B085C9AB24}">
+                <p16:designElem xmlns:p16="http://schemas.microsoft.com/office/powerpoint/2015/main" val="1"/>
+              </p:ext>
+            </p:extLst>
+          </p:nvPr>
+        </p:nvSpPr>
+        <p:spPr>
+          <a:xfrm>
+            <a:off x="0" y="0"/>
+            <a:ext cx="12192000" cy="6858000"/>
+          </a:xfrm>
+          <a:prstGeom prst="rect">
+            <a:avLst/>
+          </a:prstGeom>
+          <a:ln>
+            <a:noFill/>
+          </a:ln>
+        </p:spPr>
+        <p:style>
+          <a:lnRef idx="2">
+            <a:schemeClr val="accent1">
+              <a:shade val="50000"/>
+            </a:schemeClr>
+          </a:lnRef>
+          <a:fillRef idx="1">
+            <a:schemeClr val="accent1"/>
+          </a:fillRef>
+          <a:effectRef idx="0">
+            <a:schemeClr val="accent1"/>
+          </a:effectRef>
+          <a:fontRef idx="minor">
+            <a:schemeClr val="lt1"/>
+          </a:fontRef>
+        </p:style>
+        <p:txBody>
+          <a:bodyPr rtlCol="0" anchor="ctr"/>
+          <a:lstStyle/>
+          <a:p>
+            <a:pPr algn="ctr"/>
+            <a:endParaRPr lang="en-US"/>
+          </a:p>
+        </p:txBody>
+      </p:sp>
+      <p:sp>
+        <p:nvSpPr>
+          <p:cNvPr id="2" name="Title 1">
+            <a:extLst>
+              <a:ext uri="{FF2B5EF4-FFF2-40B4-BE49-F238E27FC236}">
+                <a16:creationId xmlns:a16="http://schemas.microsoft.com/office/drawing/2014/main" id="{82E305B5-9653-4D8B-85C5-B34A9A99CEBA}"/>
+              </a:ext>
+            </a:extLst>
+          </p:cNvPr>
+          <p:cNvSpPr>
+            <a:spLocks noGrp="1"/>
+          </p:cNvSpPr>
+          <p:nvPr>
+            <p:ph type="title"/>
+          </p:nvPr>
+        </p:nvSpPr>
+        <p:spPr>
+          <a:xfrm>
+            <a:off x="841248" y="256032"/>
+            <a:ext cx="10506456" cy="1014984"/>
+          </a:xfrm>
+        </p:spPr>
+        <p:txBody>
+          <a:bodyPr anchor="b">
+            <a:normAutofit/>
+          </a:bodyPr>
+          <a:lstStyle/>
+          <a:p>
+            <a:r>
+              <a:rPr lang="en-US" dirty="0">
+                <a:latin typeface="Univers (body)"/>
+                <a:cs typeface="Arial" panose="020B0604020202020204" pitchFamily="34" charset="0"/>
+              </a:rPr>
+              <a:t>Project Pipeline</a:t>
+            </a:r>
+          </a:p>
+        </p:txBody>
+      </p:sp>
+      <p:sp>
+        <p:nvSpPr>
+          <p:cNvPr id="11" name="Rectangle 10">
+            <a:extLst>
+              <a:ext uri="{FF2B5EF4-FFF2-40B4-BE49-F238E27FC236}">
+                <a16:creationId xmlns:a16="http://schemas.microsoft.com/office/drawing/2014/main" id="{52D502E5-F6B4-4D58-B4AE-FC466FF15EE8}"/>
+              </a:ext>
+              <a:ext uri="{C183D7F6-B498-43B3-948B-1728B52AA6E4}">
+                <adec:decorative xmlns:adec="http://schemas.microsoft.com/office/drawing/2017/decorative" val="1"/>
+              </a:ext>
+            </a:extLst>
+          </p:cNvPr>
+          <p:cNvSpPr>
+            <a:spLocks noGrp="1" noRot="1" noChangeAspect="1" noMove="1" noResize="1" noEditPoints="1" noAdjustHandles="1" noChangeArrowheads="1" noChangeShapeType="1" noTextEdit="1"/>
+          </p:cNvSpPr>
+          <p:nvPr>
+            <p:extLst>
+              <p:ext uri="{386F3935-93C4-4BCD-93E2-E3B085C9AB24}">
+                <p16:designElem xmlns:p16="http://schemas.microsoft.com/office/powerpoint/2015/main" val="1"/>
+              </p:ext>
+            </p:extLst>
+          </p:nvPr>
+        </p:nvSpPr>
+        <p:spPr>
+          <a:xfrm>
+            <a:off x="865953" y="1634502"/>
+            <a:ext cx="10451592" cy="18288"/>
+          </a:xfrm>
+          <a:prstGeom prst="rect">
+            <a:avLst/>
+          </a:prstGeom>
+          <a:solidFill>
+            <a:srgbClr val="D5D5D5"/>
+          </a:solidFill>
+          <a:ln w="3175">
+            <a:noFill/>
+          </a:ln>
+          <a:effectLst/>
+        </p:spPr>
+        <p:style>
+          <a:lnRef idx="2">
+            <a:schemeClr val="accent1">
+              <a:shade val="50000"/>
+            </a:schemeClr>
+          </a:lnRef>
+          <a:fillRef idx="1">
+            <a:schemeClr val="accent1"/>
+          </a:fillRef>
+          <a:effectRef idx="0">
+            <a:schemeClr val="accent1"/>
+          </a:effectRef>
+          <a:fontRef idx="minor">
+            <a:schemeClr val="lt1"/>
+          </a:fontRef>
+        </p:style>
+        <p:txBody>
+          <a:bodyPr rtlCol="0" anchor="ctr"/>
+          <a:lstStyle/>
+          <a:p>
+            <a:pPr algn="ctr"/>
+            <a:endParaRPr lang="en-US">
+              <a:solidFill>
+                <a:prstClr val="white"/>
+              </a:solidFill>
+              <a:latin typeface="Calibri" panose="020F0502020204030204"/>
+            </a:endParaRPr>
+          </a:p>
+        </p:txBody>
+      </p:sp>
+      <p:sp>
+        <p:nvSpPr>
+          <p:cNvPr id="13" name="Rectangle 12">
+            <a:extLst>
+              <a:ext uri="{FF2B5EF4-FFF2-40B4-BE49-F238E27FC236}">
+                <a16:creationId xmlns:a16="http://schemas.microsoft.com/office/drawing/2014/main" id="{9DECDBF4-02B6-4BB4-B65B-B8107AD6A9E8}"/>
+              </a:ext>
+              <a:ext uri="{C183D7F6-B498-43B3-948B-1728B52AA6E4}">
+                <adec:decorative xmlns:adec="http://schemas.microsoft.com/office/drawing/2017/decorative" val="1"/>
+              </a:ext>
+            </a:extLst>
+          </p:cNvPr>
+          <p:cNvSpPr>
+            <a:spLocks noGrp="1" noRot="1" noChangeAspect="1" noMove="1" noResize="1" noEditPoints="1" noAdjustHandles="1" noChangeArrowheads="1" noChangeShapeType="1" noTextEdit="1"/>
+          </p:cNvSpPr>
+          <p:nvPr>
+            <p:extLst>
+              <p:ext uri="{386F3935-93C4-4BCD-93E2-E3B085C9AB24}">
+                <p16:designElem xmlns:p16="http://schemas.microsoft.com/office/powerpoint/2015/main" val="1"/>
+              </p:ext>
+            </p:extLst>
+          </p:nvPr>
+        </p:nvSpPr>
+        <p:spPr>
+          <a:xfrm flipV="1">
+            <a:off x="841248" y="1538176"/>
+            <a:ext cx="1873457" cy="109814"/>
+          </a:xfrm>
+          <a:prstGeom prst="rect">
+            <a:avLst/>
+          </a:prstGeom>
+          <a:solidFill>
+            <a:schemeClr val="accent2"/>
+          </a:solidFill>
+          <a:ln>
+            <a:noFill/>
+          </a:ln>
+        </p:spPr>
+        <p:style>
+          <a:lnRef idx="2">
+            <a:schemeClr val="accent1">
+              <a:shade val="50000"/>
+            </a:schemeClr>
+          </a:lnRef>
+          <a:fillRef idx="1">
+            <a:schemeClr val="accent1"/>
+          </a:fillRef>
+          <a:effectRef idx="0">
+            <a:schemeClr val="accent1"/>
+          </a:effectRef>
+          <a:fontRef idx="minor">
+            <a:schemeClr val="lt1"/>
+          </a:fontRef>
+        </p:style>
+        <p:txBody>
+          <a:bodyPr rtlCol="0" anchor="ctr"/>
+          <a:lstStyle/>
+          <a:p>
+            <a:pPr algn="ctr"/>
+            <a:endParaRPr lang="en-US">
+              <a:solidFill>
+                <a:prstClr val="white"/>
+              </a:solidFill>
+              <a:latin typeface="Calibri" panose="020F0502020204030204"/>
+            </a:endParaRPr>
+          </a:p>
+        </p:txBody>
+      </p:sp>
+      <p:graphicFrame>
+        <p:nvGraphicFramePr>
+          <p:cNvPr id="6" name="Content Placeholder 2">
+            <a:extLst>
+              <a:ext uri="{FF2B5EF4-FFF2-40B4-BE49-F238E27FC236}">
+                <a16:creationId xmlns:a16="http://schemas.microsoft.com/office/drawing/2014/main" id="{BF2987AD-B0B1-41FC-A03F-1FCA46650C39}"/>
+              </a:ext>
+            </a:extLst>
+          </p:cNvPr>
+          <p:cNvGraphicFramePr>
+            <a:graphicFrameLocks noGrp="1"/>
+          </p:cNvGraphicFramePr>
+          <p:nvPr>
+            <p:ph idx="1"/>
+            <p:extLst>
+              <p:ext uri="{D42A27DB-BD31-4B8C-83A1-F6EECF244321}">
+                <p14:modId xmlns:p14="http://schemas.microsoft.com/office/powerpoint/2010/main" val="2277813771"/>
+              </p:ext>
+            </p:extLst>
+          </p:nvPr>
+        </p:nvGraphicFramePr>
+        <p:xfrm>
+          <a:off x="742236" y="2011476"/>
+          <a:ext cx="10777642" cy="4357524"/>
+        </p:xfrm>
+        <a:graphic>
+          <a:graphicData uri="http://schemas.openxmlformats.org/drawingml/2006/diagram">
+            <dgm:relIds xmlns:dgm="http://schemas.openxmlformats.org/drawingml/2006/diagram" xmlns:r="http://schemas.openxmlformats.org/officeDocument/2006/relationships" r:dm="rId2" r:lo="rId3" r:qs="rId4" r:cs="rId5"/>
+          </a:graphicData>
+        </a:graphic>
+      </p:graphicFrame>
+    </p:spTree>
+    <p:extLst>
+      <p:ext uri="{BB962C8B-B14F-4D97-AF65-F5344CB8AC3E}">
+        <p14:creationId xmlns:p14="http://schemas.microsoft.com/office/powerpoint/2010/main" val="3770369252"/>
+      </p:ext>
+    </p:extLst>
+  </p:cSld>
+  <p:clrMapOvr>
+    <a:masterClrMapping/>
+  </p:clrMapOvr>
+</p:sld>
+</file>
+
+<file path=ppt/slides/slide4.xml><?xml version="1.0" encoding="utf-8"?>
+<p:sld xmlns:a="http://schemas.openxmlformats.org/drawingml/2006/main" xmlns:r="http://schemas.openxmlformats.org/officeDocument/2006/relationships" xmlns:p="http://schemas.openxmlformats.org/presentationml/2006/main">
+  <p:cSld>
+    <p:spTree>
+      <p:nvGrpSpPr>
+        <p:cNvPr id="1" name=""/>
+        <p:cNvGrpSpPr/>
+        <p:nvPr/>
+      </p:nvGrpSpPr>
+      <p:grpSpPr>
+        <a:xfrm>
+          <a:off x="0" y="0"/>
+          <a:ext cx="0" cy="0"/>
+          <a:chOff x="0" y="0"/>
+          <a:chExt cx="0" cy="0"/>
+        </a:xfrm>
+      </p:grpSpPr>
+      <p:pic>
+        <p:nvPicPr>
+          <p:cNvPr id="5" name="Picture 4" descr="A picture containing logo&#10;&#10;Description automatically generated">
+            <a:extLst>
+              <a:ext uri="{FF2B5EF4-FFF2-40B4-BE49-F238E27FC236}">
+                <a16:creationId xmlns:a16="http://schemas.microsoft.com/office/drawing/2014/main" id="{659E7C7B-368A-4327-86B1-FAC5D246817A}"/>
+              </a:ext>
+            </a:extLst>
+          </p:cNvPr>
+          <p:cNvPicPr>
+            <a:picLocks noChangeAspect="1"/>
+          </p:cNvPicPr>
+          <p:nvPr/>
+        </p:nvPicPr>
+        <p:blipFill>
+          <a:blip r:embed="rId2">
+            <a:extLst>
+              <a:ext uri="{28A0092B-C50C-407E-A947-70E740481C1C}">
+                <a14:useLocalDpi xmlns:a14="http://schemas.microsoft.com/office/drawing/2010/main" val="0"/>
+              </a:ext>
+            </a:extLst>
+          </a:blip>
+          <a:stretch>
+            <a:fillRect/>
+          </a:stretch>
+        </p:blipFill>
+        <p:spPr>
+          <a:xfrm>
+            <a:off x="1276254" y="1027906"/>
+            <a:ext cx="4225777" cy="3169333"/>
+          </a:xfrm>
+          <a:prstGeom prst="rect">
+            <a:avLst/>
+          </a:prstGeom>
+        </p:spPr>
+      </p:pic>
+      <p:sp>
+        <p:nvSpPr>
+          <p:cNvPr id="2" name="Title 1">
+            <a:extLst>
+              <a:ext uri="{FF2B5EF4-FFF2-40B4-BE49-F238E27FC236}">
+                <a16:creationId xmlns:a16="http://schemas.microsoft.com/office/drawing/2014/main" id="{B137E46C-952B-4317-B423-8D8A963AEF64}"/>
+              </a:ext>
+            </a:extLst>
+          </p:cNvPr>
+          <p:cNvSpPr>
+            <a:spLocks noGrp="1"/>
+          </p:cNvSpPr>
+          <p:nvPr>
+            <p:ph type="title"/>
+          </p:nvPr>
+        </p:nvSpPr>
+        <p:spPr/>
+        <p:txBody>
+          <a:bodyPr/>
+          <a:lstStyle/>
+          <a:p>
+            <a:r>
+              <a:rPr lang="en-US" dirty="0">
+                <a:latin typeface="Univers (body)"/>
+                <a:cs typeface="Arial" panose="020B0604020202020204" pitchFamily="34" charset="0"/>
+              </a:rPr>
+              <a:t>Data Collection</a:t>
+            </a:r>
+          </a:p>
+        </p:txBody>
+      </p:sp>
+      <p:pic>
+        <p:nvPicPr>
+          <p:cNvPr id="7" name="Content Placeholder 6" descr="Logo&#10;&#10;Description automatically generated">
+            <a:extLst>
+              <a:ext uri="{FF2B5EF4-FFF2-40B4-BE49-F238E27FC236}">
+                <a16:creationId xmlns:a16="http://schemas.microsoft.com/office/drawing/2014/main" id="{13EBC806-D0ED-4D70-AFE5-CF922FBF30FC}"/>
+              </a:ext>
+            </a:extLst>
+          </p:cNvPr>
+          <p:cNvPicPr>
+            <a:picLocks noGrp="1" noChangeAspect="1"/>
+          </p:cNvPicPr>
+          <p:nvPr>
+            <p:ph idx="1"/>
+          </p:nvPr>
+        </p:nvPicPr>
+        <p:blipFill>
+          <a:blip r:embed="rId3">
+            <a:extLst>
+              <a:ext uri="{28A0092B-C50C-407E-A947-70E740481C1C}">
+                <a14:useLocalDpi xmlns:a14="http://schemas.microsoft.com/office/drawing/2010/main" val="0"/>
+              </a:ext>
+            </a:extLst>
+          </a:blip>
+          <a:stretch>
+            <a:fillRect/>
+          </a:stretch>
+        </p:blipFill>
+        <p:spPr>
+          <a:xfrm>
+            <a:off x="1766275" y="3923324"/>
+            <a:ext cx="3323945" cy="2446215"/>
+          </a:xfrm>
+        </p:spPr>
+      </p:pic>
+      <p:sp>
+        <p:nvSpPr>
+          <p:cNvPr id="8" name="TextBox 7">
+            <a:extLst>
+              <a:ext uri="{FF2B5EF4-FFF2-40B4-BE49-F238E27FC236}">
+                <a16:creationId xmlns:a16="http://schemas.microsoft.com/office/drawing/2014/main" id="{68D18CBB-A0CA-43C1-B5EA-4C2814678990}"/>
+              </a:ext>
+            </a:extLst>
+          </p:cNvPr>
+          <p:cNvSpPr txBox="1"/>
+          <p:nvPr/>
+        </p:nvSpPr>
+        <p:spPr>
+          <a:xfrm>
+            <a:off x="6689971" y="1570841"/>
+            <a:ext cx="3157415" cy="4524315"/>
+          </a:xfrm>
+          <a:prstGeom prst="rect">
+            <a:avLst/>
+          </a:prstGeom>
+          <a:noFill/>
+        </p:spPr>
+        <p:txBody>
+          <a:bodyPr wrap="square" rtlCol="0">
+            <a:spAutoFit/>
+          </a:bodyPr>
+          <a:lstStyle/>
+          <a:p>
+            <a:r>
+              <a:rPr lang="en-US" dirty="0">
+                <a:latin typeface="Univers (body)"/>
+              </a:rPr>
+              <a:t>Area</a:t>
+            </a:r>
+          </a:p>
+          <a:p>
+            <a:pPr marL="285750" indent="-285750">
+              <a:buFont typeface="Arial" panose="020B0604020202020204" pitchFamily="34" charset="0"/>
+              <a:buChar char="•"/>
+            </a:pPr>
+            <a:r>
+              <a:rPr lang="en-US" dirty="0">
+                <a:latin typeface="Univers (body)"/>
+              </a:rPr>
+              <a:t>Population Density</a:t>
+            </a:r>
+          </a:p>
+          <a:p>
+            <a:endParaRPr lang="en-US" dirty="0">
+              <a:latin typeface="Univers (body)"/>
+            </a:endParaRPr>
+          </a:p>
+          <a:p>
+            <a:r>
+              <a:rPr lang="en-US" dirty="0">
+                <a:latin typeface="Univers (body)"/>
+              </a:rPr>
+              <a:t>Demographics</a:t>
+            </a:r>
+          </a:p>
+          <a:p>
+            <a:pPr marL="285750" indent="-285750">
+              <a:buFont typeface="Arial" panose="020B0604020202020204" pitchFamily="34" charset="0"/>
+              <a:buChar char="•"/>
+            </a:pPr>
+            <a:r>
+              <a:rPr lang="en-US" dirty="0">
+                <a:latin typeface="Univers (body)"/>
+              </a:rPr>
+              <a:t>Age</a:t>
+            </a:r>
+          </a:p>
+          <a:p>
+            <a:pPr marL="285750" indent="-285750">
+              <a:buFont typeface="Arial" panose="020B0604020202020204" pitchFamily="34" charset="0"/>
+              <a:buChar char="•"/>
+            </a:pPr>
+            <a:r>
+              <a:rPr lang="en-US" dirty="0">
+                <a:latin typeface="Univers (body)"/>
+              </a:rPr>
+              <a:t>Gender</a:t>
+            </a:r>
+          </a:p>
+          <a:p>
+            <a:pPr marL="285750" indent="-285750">
+              <a:buFont typeface="Arial" panose="020B0604020202020204" pitchFamily="34" charset="0"/>
+              <a:buChar char="•"/>
+            </a:pPr>
+            <a:r>
+              <a:rPr lang="en-US" dirty="0">
+                <a:latin typeface="Univers (body)"/>
+              </a:rPr>
+              <a:t>Race</a:t>
+            </a:r>
+          </a:p>
+          <a:p>
+            <a:endParaRPr lang="en-US" dirty="0">
+              <a:latin typeface="Univers (body)"/>
+            </a:endParaRPr>
+          </a:p>
+          <a:p>
+            <a:r>
+              <a:rPr lang="en-US" dirty="0">
+                <a:latin typeface="Univers (body)"/>
+              </a:rPr>
+              <a:t>Economic Indicators</a:t>
+            </a:r>
+          </a:p>
+          <a:p>
+            <a:pPr marL="285750" indent="-285750">
+              <a:buFont typeface="Arial" panose="020B0604020202020204" pitchFamily="34" charset="0"/>
+              <a:buChar char="•"/>
+            </a:pPr>
+            <a:r>
+              <a:rPr lang="en-US" dirty="0">
+                <a:latin typeface="Univers (body)"/>
+              </a:rPr>
+              <a:t>Income Per Capita</a:t>
+            </a:r>
+          </a:p>
+          <a:p>
+            <a:pPr marL="285750" indent="-285750">
+              <a:buFont typeface="Arial" panose="020B0604020202020204" pitchFamily="34" charset="0"/>
+              <a:buChar char="•"/>
+            </a:pPr>
+            <a:r>
+              <a:rPr lang="en-US" dirty="0">
+                <a:latin typeface="Univers (body)"/>
+              </a:rPr>
+              <a:t>Household Income</a:t>
+            </a:r>
+          </a:p>
+          <a:p>
+            <a:pPr marL="285750" indent="-285750">
+              <a:buFont typeface="Arial" panose="020B0604020202020204" pitchFamily="34" charset="0"/>
+              <a:buChar char="•"/>
+            </a:pPr>
+            <a:r>
+              <a:rPr lang="en-US" dirty="0">
+                <a:latin typeface="Univers (body)"/>
+              </a:rPr>
+              <a:t>Median Worker Income</a:t>
+            </a:r>
+          </a:p>
+          <a:p>
+            <a:pPr marL="285750" indent="-285750">
+              <a:buFont typeface="Arial" panose="020B0604020202020204" pitchFamily="34" charset="0"/>
+              <a:buChar char="•"/>
+            </a:pPr>
+            <a:endParaRPr lang="en-US" dirty="0">
+              <a:latin typeface="Univers (body)"/>
+            </a:endParaRPr>
+          </a:p>
+          <a:p>
+            <a:r>
+              <a:rPr lang="en-US" dirty="0">
+                <a:latin typeface="Univers (body)"/>
+              </a:rPr>
+              <a:t>Health Indicators</a:t>
+            </a:r>
+          </a:p>
+          <a:p>
+            <a:pPr marL="285750" indent="-285750">
+              <a:buFont typeface="Arial" panose="020B0604020202020204" pitchFamily="34" charset="0"/>
+              <a:buChar char="•"/>
+            </a:pPr>
+            <a:r>
+              <a:rPr lang="en-US" dirty="0">
+                <a:latin typeface="Univers (body)"/>
+              </a:rPr>
+              <a:t>Obesity Rates</a:t>
+            </a:r>
+          </a:p>
+          <a:p>
+            <a:endParaRPr lang="en-US" dirty="0">
+              <a:latin typeface="Univers (body)"/>
+            </a:endParaRPr>
+          </a:p>
+        </p:txBody>
+      </p:sp>
+      <p:sp>
+        <p:nvSpPr>
+          <p:cNvPr id="9" name="TextBox 8">
+            <a:extLst>
+              <a:ext uri="{FF2B5EF4-FFF2-40B4-BE49-F238E27FC236}">
+                <a16:creationId xmlns:a16="http://schemas.microsoft.com/office/drawing/2014/main" id="{A7321E71-F952-4D86-BDF3-549C265E018F}"/>
+              </a:ext>
+            </a:extLst>
+          </p:cNvPr>
+          <p:cNvSpPr txBox="1"/>
+          <p:nvPr/>
+        </p:nvSpPr>
+        <p:spPr>
+          <a:xfrm>
+            <a:off x="10051299" y="1636824"/>
+            <a:ext cx="1881161" cy="1754326"/>
+          </a:xfrm>
+          <a:prstGeom prst="rect">
+            <a:avLst/>
+          </a:prstGeom>
+          <a:noFill/>
+        </p:spPr>
+        <p:txBody>
+          <a:bodyPr wrap="square" rtlCol="0">
+            <a:spAutoFit/>
+          </a:bodyPr>
+          <a:lstStyle/>
+          <a:p>
+            <a:r>
+              <a:rPr lang="en-US" dirty="0">
+                <a:latin typeface="Univers (body)"/>
+              </a:rPr>
+              <a:t>COVID-19</a:t>
+            </a:r>
+          </a:p>
+          <a:p>
+            <a:pPr marL="285750" indent="-285750">
+              <a:buFont typeface="Arial" panose="020B0604020202020204" pitchFamily="34" charset="0"/>
+              <a:buChar char="•"/>
+            </a:pPr>
+            <a:r>
+              <a:rPr lang="en-US" dirty="0">
+                <a:latin typeface="Univers (body)"/>
+              </a:rPr>
+              <a:t>Tests</a:t>
+            </a:r>
+          </a:p>
+          <a:p>
+            <a:pPr marL="285750" indent="-285750">
+              <a:buFont typeface="Arial" panose="020B0604020202020204" pitchFamily="34" charset="0"/>
+              <a:buChar char="•"/>
+            </a:pPr>
+            <a:r>
+              <a:rPr lang="en-US" dirty="0">
+                <a:latin typeface="Univers (body)"/>
+              </a:rPr>
+              <a:t>Cases</a:t>
+            </a:r>
+          </a:p>
+          <a:p>
+            <a:pPr marL="285750" indent="-285750">
+              <a:buFont typeface="Arial" panose="020B0604020202020204" pitchFamily="34" charset="0"/>
+              <a:buChar char="•"/>
+            </a:pPr>
+            <a:r>
+              <a:rPr lang="en-US" dirty="0">
+                <a:latin typeface="Univers (body)"/>
+              </a:rPr>
+              <a:t>Fatalities</a:t>
+            </a:r>
+          </a:p>
+          <a:p>
+            <a:endParaRPr lang="en-US" dirty="0">
+              <a:latin typeface="Univers (body)"/>
+            </a:endParaRPr>
+          </a:p>
+          <a:p>
+            <a:endParaRPr lang="en-US" dirty="0">
+              <a:latin typeface="Univers (body)"/>
+            </a:endParaRPr>
+          </a:p>
+        </p:txBody>
+      </p:sp>
+      <p:sp>
+        <p:nvSpPr>
+          <p:cNvPr id="11" name="TextBox 10">
+            <a:extLst>
+              <a:ext uri="{FF2B5EF4-FFF2-40B4-BE49-F238E27FC236}">
+                <a16:creationId xmlns:a16="http://schemas.microsoft.com/office/drawing/2014/main" id="{A7FD48D7-FCB4-48E1-9DF9-4F2249EC7986}"/>
+              </a:ext>
+            </a:extLst>
+          </p:cNvPr>
+          <p:cNvSpPr txBox="1"/>
+          <p:nvPr/>
+        </p:nvSpPr>
+        <p:spPr>
+          <a:xfrm>
+            <a:off x="7678419" y="762844"/>
+            <a:ext cx="3157415" cy="369332"/>
+          </a:xfrm>
+          <a:prstGeom prst="rect">
+            <a:avLst/>
+          </a:prstGeom>
+          <a:noFill/>
+        </p:spPr>
+        <p:txBody>
+          <a:bodyPr wrap="square" rtlCol="0">
+            <a:spAutoFit/>
+          </a:bodyPr>
+          <a:lstStyle/>
+          <a:p>
+            <a:pPr algn="ctr"/>
+            <a:r>
+              <a:rPr lang="en-US" dirty="0">
+                <a:latin typeface="Univers (body)"/>
+              </a:rPr>
+              <a:t>County-level</a:t>
+            </a:r>
+          </a:p>
+        </p:txBody>
+      </p:sp>
+    </p:spTree>
+    <p:extLst>
+      <p:ext uri="{BB962C8B-B14F-4D97-AF65-F5344CB8AC3E}">
+        <p14:creationId xmlns:p14="http://schemas.microsoft.com/office/powerpoint/2010/main" val="3103748562"/>
+      </p:ext>
+    </p:extLst>
+  </p:cSld>
+  <p:clrMapOvr>
+    <a:masterClrMapping/>
+  </p:clrMapOvr>
+</p:sld>
+</file>
+
+<file path=ppt/slides/slide5.xml><?xml version="1.0" encoding="utf-8"?>
+<p:sld xmlns:a="http://schemas.openxmlformats.org/drawingml/2006/main" xmlns:r="http://schemas.openxmlformats.org/officeDocument/2006/relationships" xmlns:p="http://schemas.openxmlformats.org/presentationml/2006/main">
+  <p:cSld>
+    <p:bg>
+      <p:bgPr>
+        <a:solidFill>
+          <a:schemeClr val="bg1"/>
+        </a:solidFill>
+        <a:effectLst/>
+      </p:bgPr>
+    </p:bg>
+    <p:spTree>
+      <p:nvGrpSpPr>
+        <p:cNvPr id="1" name=""/>
+        <p:cNvGrpSpPr/>
+        <p:nvPr/>
+      </p:nvGrpSpPr>
+      <p:grpSpPr>
+        <a:xfrm>
+          <a:off x="0" y="0"/>
+          <a:ext cx="0" cy="0"/>
+          <a:chOff x="0" y="0"/>
+          <a:chExt cx="0" cy="0"/>
+        </a:xfrm>
+      </p:grpSpPr>
+      <p:sp useBgFill="1">
+        <p:nvSpPr>
+          <p:cNvPr id="10" name="Rectangle 9">
+            <a:extLst>
+              <a:ext uri="{FF2B5EF4-FFF2-40B4-BE49-F238E27FC236}">
+                <a16:creationId xmlns:a16="http://schemas.microsoft.com/office/drawing/2014/main" id="{E45B1D5C-0827-4AF0-8186-11FC5A8B8B92}"/>
+              </a:ext>
+              <a:ext uri="{C183D7F6-B498-43B3-948B-1728B52AA6E4}">
+                <adec:decorative xmlns:adec="http://schemas.microsoft.com/office/drawing/2017/decorative" val="1"/>
+              </a:ext>
+            </a:extLst>
+          </p:cNvPr>
+          <p:cNvSpPr>
+            <a:spLocks noGrp="1" noRot="1" noChangeAspect="1" noMove="1" noResize="1" noEditPoints="1" noAdjustHandles="1" noChangeArrowheads="1" noChangeShapeType="1" noTextEdit="1"/>
+          </p:cNvSpPr>
+          <p:nvPr>
+            <p:extLst>
+              <p:ext uri="{386F3935-93C4-4BCD-93E2-E3B085C9AB24}">
+                <p16:designElem xmlns:p16="http://schemas.microsoft.com/office/powerpoint/2015/main" val="1"/>
+              </p:ext>
+            </p:extLst>
+          </p:nvPr>
+        </p:nvSpPr>
+        <p:spPr>
+          <a:xfrm>
+            <a:off x="0" y="0"/>
+            <a:ext cx="12191999" cy="6857365"/>
+          </a:xfrm>
+          <a:prstGeom prst="rect">
+            <a:avLst/>
+          </a:prstGeom>
+          <a:ln>
+            <a:noFill/>
+          </a:ln>
+        </p:spPr>
+        <p:style>
+          <a:lnRef idx="2">
+            <a:schemeClr val="accent1">
+              <a:shade val="50000"/>
+            </a:schemeClr>
+          </a:lnRef>
+          <a:fillRef idx="1">
+            <a:schemeClr val="accent1"/>
+          </a:fillRef>
+          <a:effectRef idx="0">
+            <a:schemeClr val="accent1"/>
+          </a:effectRef>
+          <a:fontRef idx="minor">
+            <a:schemeClr val="lt1"/>
+          </a:fontRef>
+        </p:style>
+        <p:txBody>
+          <a:bodyPr rtlCol="0" anchor="ctr"/>
+          <a:lstStyle/>
+          <a:p>
+            <a:pPr algn="ctr"/>
+            <a:endParaRPr lang="en-US"/>
+          </a:p>
+        </p:txBody>
+      </p:sp>
+      <p:sp>
+        <p:nvSpPr>
+          <p:cNvPr id="2" name="Title 1">
+            <a:extLst>
+              <a:ext uri="{FF2B5EF4-FFF2-40B4-BE49-F238E27FC236}">
+                <a16:creationId xmlns:a16="http://schemas.microsoft.com/office/drawing/2014/main" id="{FD6D3165-EE6F-49DB-92BD-10C31853E824}"/>
+              </a:ext>
+            </a:extLst>
+          </p:cNvPr>
+          <p:cNvSpPr>
+            <a:spLocks noGrp="1"/>
+          </p:cNvSpPr>
+          <p:nvPr>
+            <p:ph type="title"/>
+          </p:nvPr>
+        </p:nvSpPr>
+        <p:spPr>
+          <a:xfrm>
+            <a:off x="9267909" y="2023110"/>
+            <a:ext cx="2469624" cy="2846070"/>
+          </a:xfrm>
+        </p:spPr>
+        <p:txBody>
+          <a:bodyPr vert="horz" lIns="91440" tIns="45720" rIns="91440" bIns="45720" rtlCol="0" anchor="ctr">
+            <a:noAutofit/>
+          </a:bodyPr>
+          <a:lstStyle/>
+          <a:p>
+            <a:r>
+              <a:rPr lang="en-US" sz="3700" dirty="0">
+                <a:latin typeface="Univers (body)"/>
+              </a:rPr>
+              <a:t>Five States with the Most COVID-19 Data</a:t>
+            </a:r>
+          </a:p>
+        </p:txBody>
+      </p:sp>
+      <p:sp>
+        <p:nvSpPr>
+          <p:cNvPr id="12" name="Rectangle 11">
+            <a:extLst>
+              <a:ext uri="{FF2B5EF4-FFF2-40B4-BE49-F238E27FC236}">
+                <a16:creationId xmlns:a16="http://schemas.microsoft.com/office/drawing/2014/main" id="{99413ED5-9ED4-4772-BCE4-2BCAE6B12E35}"/>
+              </a:ext>
+              <a:ext uri="{C183D7F6-B498-43B3-948B-1728B52AA6E4}">
+                <adec:decorative xmlns:adec="http://schemas.microsoft.com/office/drawing/2017/decorative" val="1"/>
+              </a:ext>
+            </a:extLst>
+          </p:cNvPr>
+          <p:cNvSpPr>
+            <a:spLocks noGrp="1" noRot="1" noChangeAspect="1" noMove="1" noResize="1" noEditPoints="1" noAdjustHandles="1" noChangeArrowheads="1" noChangeShapeType="1" noTextEdit="1"/>
+          </p:cNvSpPr>
+          <p:nvPr>
+            <p:extLst>
+              <p:ext uri="{386F3935-93C4-4BCD-93E2-E3B085C9AB24}">
+                <p16:designElem xmlns:p16="http://schemas.microsoft.com/office/powerpoint/2015/main" val="1"/>
+              </p:ext>
+            </p:extLst>
+          </p:nvPr>
+        </p:nvSpPr>
+        <p:spPr>
+          <a:xfrm rot="16200000">
+            <a:off x="3433973" y="-827233"/>
+            <a:ext cx="1715478" cy="8583421"/>
+          </a:xfrm>
+          <a:prstGeom prst="rect">
+            <a:avLst/>
+          </a:prstGeom>
+          <a:solidFill>
+            <a:schemeClr val="accent4"/>
+          </a:solidFill>
+          <a:ln>
+            <a:noFill/>
+          </a:ln>
+        </p:spPr>
+        <p:style>
+          <a:lnRef idx="2">
+            <a:schemeClr val="accent1">
+              <a:shade val="50000"/>
+            </a:schemeClr>
+          </a:lnRef>
+          <a:fillRef idx="1">
+            <a:schemeClr val="accent1"/>
+          </a:fillRef>
+          <a:effectRef idx="0">
+            <a:schemeClr val="accent1"/>
+          </a:effectRef>
+          <a:fontRef idx="minor">
+            <a:schemeClr val="lt1"/>
+          </a:fontRef>
+        </p:style>
+        <p:txBody>
+          <a:bodyPr rtlCol="0" anchor="ctr"/>
+          <a:lstStyle/>
+          <a:p>
+            <a:pPr algn="ctr"/>
+            <a:endParaRPr lang="en-US" dirty="0"/>
+          </a:p>
+        </p:txBody>
+      </p:sp>
+      <p:sp>
+        <p:nvSpPr>
+          <p:cNvPr id="14" name="Rectangle 13">
+            <a:extLst>
+              <a:ext uri="{FF2B5EF4-FFF2-40B4-BE49-F238E27FC236}">
+                <a16:creationId xmlns:a16="http://schemas.microsoft.com/office/drawing/2014/main" id="{04357C93-F0CB-4A1C-8F77-4E9063789819}"/>
+              </a:ext>
+              <a:ext uri="{C183D7F6-B498-43B3-948B-1728B52AA6E4}">
+                <adec:decorative xmlns:adec="http://schemas.microsoft.com/office/drawing/2017/decorative" val="1"/>
+              </a:ext>
+            </a:extLst>
+          </p:cNvPr>
+          <p:cNvSpPr>
+            <a:spLocks noGrp="1" noRot="1" noChangeAspect="1" noMove="1" noResize="1" noEditPoints="1" noAdjustHandles="1" noChangeArrowheads="1" noChangeShapeType="1" noTextEdit="1"/>
+          </p:cNvSpPr>
+          <p:nvPr>
+            <p:extLst>
+              <p:ext uri="{386F3935-93C4-4BCD-93E2-E3B085C9AB24}">
+                <p16:designElem xmlns:p16="http://schemas.microsoft.com/office/powerpoint/2015/main" val="1"/>
+              </p:ext>
+            </p:extLst>
+          </p:nvPr>
+        </p:nvSpPr>
+        <p:spPr>
+          <a:xfrm>
+            <a:off x="302085" y="664308"/>
+            <a:ext cx="8082632" cy="5600340"/>
+          </a:xfrm>
+          <a:prstGeom prst="rect">
+            <a:avLst/>
+          </a:prstGeom>
+          <a:solidFill>
+            <a:schemeClr val="bg1"/>
+          </a:solidFill>
+          <a:ln>
+            <a:noFill/>
+          </a:ln>
+          <a:effectLst>
+            <a:outerShdw blurRad="139700" dist="127000" dir="5400000" algn="t" rotWithShape="0">
+              <a:prstClr val="black">
+                <a:alpha val="15000"/>
+              </a:prstClr>
+            </a:outerShdw>
+          </a:effectLst>
+        </p:spPr>
+        <p:style>
+          <a:lnRef idx="2">
+            <a:schemeClr val="accent1">
+              <a:shade val="50000"/>
+            </a:schemeClr>
+          </a:lnRef>
+          <a:fillRef idx="1">
+            <a:schemeClr val="accent1"/>
+          </a:fillRef>
+          <a:effectRef idx="0">
+            <a:schemeClr val="accent1"/>
+          </a:effectRef>
+          <a:fontRef idx="minor">
+            <a:schemeClr val="lt1"/>
+          </a:fontRef>
+        </p:style>
+        <p:txBody>
+          <a:bodyPr rtlCol="0" anchor="ctr"/>
+          <a:lstStyle/>
+          <a:p>
+            <a:pPr algn="ctr"/>
+            <a:endParaRPr lang="en-US"/>
+          </a:p>
+        </p:txBody>
+      </p:sp>
+      <p:pic>
+        <p:nvPicPr>
+          <p:cNvPr id="5" name="Content Placeholder 4" descr="Chart, line chart&#10;&#10;Description automatically generated">
+            <a:extLst>
+              <a:ext uri="{FF2B5EF4-FFF2-40B4-BE49-F238E27FC236}">
+                <a16:creationId xmlns:a16="http://schemas.microsoft.com/office/drawing/2014/main" id="{A741A626-8131-4C77-A7BA-9F03C672C849}"/>
+              </a:ext>
+            </a:extLst>
+          </p:cNvPr>
+          <p:cNvPicPr>
+            <a:picLocks noGrp="1" noChangeAspect="1"/>
+          </p:cNvPicPr>
+          <p:nvPr>
+            <p:ph idx="1"/>
+          </p:nvPr>
+        </p:nvPicPr>
+        <p:blipFill rotWithShape="1">
+          <a:blip r:embed="rId2">
+            <a:extLst>
+              <a:ext uri="{28A0092B-C50C-407E-A947-70E740481C1C}">
+                <a14:useLocalDpi xmlns:a14="http://schemas.microsoft.com/office/drawing/2010/main" val="0"/>
+              </a:ext>
+            </a:extLst>
+          </a:blip>
+          <a:srcRect t="-788" b="2"/>
+          <a:stretch/>
+        </p:blipFill>
+        <p:spPr>
+          <a:xfrm>
+            <a:off x="552310" y="787569"/>
+            <a:ext cx="7608304" cy="5406123"/>
+          </a:xfrm>
+          <a:prstGeom prst="rect">
+            <a:avLst/>
+          </a:prstGeom>
+        </p:spPr>
+      </p:pic>
+      <p:sp>
+        <p:nvSpPr>
+          <p:cNvPr id="16" name="Rectangle 15">
+            <a:extLst>
+              <a:ext uri="{FF2B5EF4-FFF2-40B4-BE49-F238E27FC236}">
+                <a16:creationId xmlns:a16="http://schemas.microsoft.com/office/drawing/2014/main" id="{90F533E9-6690-41A8-A372-4C6C622D028D}"/>
+              </a:ext>
+              <a:ext uri="{C183D7F6-B498-43B3-948B-1728B52AA6E4}">
+                <adec:decorative xmlns:adec="http://schemas.microsoft.com/office/drawing/2017/decorative" val="1"/>
+              </a:ext>
+            </a:extLst>
+          </p:cNvPr>
+          <p:cNvSpPr>
+            <a:spLocks noGrp="1" noRot="1" noChangeAspect="1" noMove="1" noResize="1" noEditPoints="1" noAdjustHandles="1" noChangeArrowheads="1" noChangeShapeType="1" noTextEdit="1"/>
+          </p:cNvSpPr>
+          <p:nvPr>
+            <p:extLst>
+              <p:ext uri="{386F3935-93C4-4BCD-93E2-E3B085C9AB24}">
+                <p16:designElem xmlns:p16="http://schemas.microsoft.com/office/powerpoint/2015/main" val="1"/>
+              </p:ext>
+            </p:extLst>
+          </p:nvPr>
+        </p:nvSpPr>
+        <p:spPr>
+          <a:xfrm rot="5400000">
+            <a:off x="7950447" y="3392097"/>
+            <a:ext cx="1719072" cy="152382"/>
+          </a:xfrm>
+          <a:prstGeom prst="rect">
+            <a:avLst/>
+          </a:prstGeom>
+          <a:solidFill>
+            <a:schemeClr val="accent4"/>
+          </a:solidFill>
+          <a:ln>
+            <a:noFill/>
+          </a:ln>
+        </p:spPr>
+        <p:style>
+          <a:lnRef idx="2">
+            <a:schemeClr val="accent1">
+              <a:shade val="50000"/>
+            </a:schemeClr>
+          </a:lnRef>
+          <a:fillRef idx="1">
+            <a:schemeClr val="accent1"/>
+          </a:fillRef>
+          <a:effectRef idx="0">
+            <a:schemeClr val="accent1"/>
+          </a:effectRef>
+          <a:fontRef idx="minor">
+            <a:schemeClr val="lt1"/>
+          </a:fontRef>
+        </p:style>
+        <p:txBody>
+          <a:bodyPr rtlCol="0" anchor="ctr"/>
+          <a:lstStyle/>
+          <a:p>
+            <a:pPr algn="ctr"/>
+            <a:endParaRPr lang="en-US"/>
+          </a:p>
+        </p:txBody>
+      </p:sp>
+    </p:spTree>
+    <p:extLst>
+      <p:ext uri="{BB962C8B-B14F-4D97-AF65-F5344CB8AC3E}">
+        <p14:creationId xmlns:p14="http://schemas.microsoft.com/office/powerpoint/2010/main" val="547691016"/>
+      </p:ext>
+    </p:extLst>
+  </p:cSld>
+  <p:clrMapOvr>
+    <a:masterClrMapping/>
+  </p:clrMapOvr>
+</p:sld>
+</file>
+
+<file path=ppt/slides/slide6.xml><?xml version="1.0" encoding="utf-8"?>
+<p:sld xmlns:a="http://schemas.openxmlformats.org/drawingml/2006/main" xmlns:r="http://schemas.openxmlformats.org/officeDocument/2006/relationships" xmlns:p="http://schemas.openxmlformats.org/presentationml/2006/main">
+  <p:cSld>
+    <p:spTree>
+      <p:nvGrpSpPr>
+        <p:cNvPr id="1" name=""/>
+        <p:cNvGrpSpPr/>
+        <p:nvPr/>
+      </p:nvGrpSpPr>
+      <p:grpSpPr>
+        <a:xfrm>
+          <a:off x="0" y="0"/>
+          <a:ext cx="0" cy="0"/>
+          <a:chOff x="0" y="0"/>
+          <a:chExt cx="0" cy="0"/>
+        </a:xfrm>
+      </p:grpSpPr>
+      <p:sp>
+        <p:nvSpPr>
+          <p:cNvPr id="2" name="Title 1">
+            <a:extLst>
+              <a:ext uri="{FF2B5EF4-FFF2-40B4-BE49-F238E27FC236}">
+                <a16:creationId xmlns:a16="http://schemas.microsoft.com/office/drawing/2014/main" id="{29800417-36C6-43F2-BF14-27AA0DC18E3E}"/>
+              </a:ext>
+            </a:extLst>
+          </p:cNvPr>
+          <p:cNvSpPr>
+            <a:spLocks noGrp="1"/>
+          </p:cNvSpPr>
+          <p:nvPr>
+            <p:ph type="title"/>
+          </p:nvPr>
+        </p:nvSpPr>
+        <p:spPr/>
+        <p:txBody>
+          <a:bodyPr>
+            <a:normAutofit/>
+          </a:bodyPr>
+          <a:lstStyle/>
+          <a:p>
+            <a:r>
+              <a:rPr lang="en-US" sz="4000" dirty="0">
+                <a:latin typeface="Univers (body)"/>
+              </a:rPr>
+              <a:t>COVID-19 Statistics Vary Widely Among Counties </a:t>
+            </a:r>
+          </a:p>
+        </p:txBody>
+      </p:sp>
+      <p:pic>
+        <p:nvPicPr>
+          <p:cNvPr id="14" name="Content Placeholder 13" descr="Chart, bar chart&#10;&#10;Description automatically generated">
+            <a:extLst>
+              <a:ext uri="{FF2B5EF4-FFF2-40B4-BE49-F238E27FC236}">
+                <a16:creationId xmlns:a16="http://schemas.microsoft.com/office/drawing/2014/main" id="{5C9D743C-E5FB-44DB-8814-F4E36B260134}"/>
+              </a:ext>
+            </a:extLst>
+          </p:cNvPr>
+          <p:cNvPicPr>
+            <a:picLocks noGrp="1" noChangeAspect="1"/>
+          </p:cNvPicPr>
+          <p:nvPr>
+            <p:ph sz="half" idx="1"/>
+          </p:nvPr>
+        </p:nvPicPr>
+        <p:blipFill>
+          <a:blip r:embed="rId2">
+            <a:extLst>
+              <a:ext uri="{28A0092B-C50C-407E-A947-70E740481C1C}">
+                <a14:useLocalDpi xmlns:a14="http://schemas.microsoft.com/office/drawing/2010/main" val="0"/>
+              </a:ext>
+            </a:extLst>
+          </a:blip>
+          <a:stretch>
+            <a:fillRect/>
+          </a:stretch>
+        </p:blipFill>
+        <p:spPr>
+          <a:xfrm>
+            <a:off x="188252" y="2143845"/>
+            <a:ext cx="6038701" cy="3457815"/>
+          </a:xfrm>
+        </p:spPr>
+      </p:pic>
+      <p:pic>
+        <p:nvPicPr>
+          <p:cNvPr id="16" name="Content Placeholder 15" descr="Chart, bar chart&#10;&#10;Description automatically generated">
+            <a:extLst>
+              <a:ext uri="{FF2B5EF4-FFF2-40B4-BE49-F238E27FC236}">
+                <a16:creationId xmlns:a16="http://schemas.microsoft.com/office/drawing/2014/main" id="{2F6FBCDE-E2CE-45DB-A762-F19A7FB23C16}"/>
+              </a:ext>
+            </a:extLst>
+          </p:cNvPr>
+          <p:cNvPicPr>
+            <a:picLocks noGrp="1" noChangeAspect="1"/>
+          </p:cNvPicPr>
+          <p:nvPr>
+            <p:ph sz="half" idx="2"/>
+          </p:nvPr>
+        </p:nvPicPr>
+        <p:blipFill>
+          <a:blip r:embed="rId3">
+            <a:extLst>
+              <a:ext uri="{28A0092B-C50C-407E-A947-70E740481C1C}">
+                <a14:useLocalDpi xmlns:a14="http://schemas.microsoft.com/office/drawing/2010/main" val="0"/>
+              </a:ext>
+            </a:extLst>
+          </a:blip>
+          <a:stretch>
+            <a:fillRect/>
+          </a:stretch>
+        </p:blipFill>
+        <p:spPr>
+          <a:xfrm>
+            <a:off x="6299190" y="2189812"/>
+            <a:ext cx="5656003" cy="3319676"/>
+          </a:xfrm>
+        </p:spPr>
+      </p:pic>
+    </p:spTree>
+    <p:extLst>
+      <p:ext uri="{BB962C8B-B14F-4D97-AF65-F5344CB8AC3E}">
+        <p14:creationId xmlns:p14="http://schemas.microsoft.com/office/powerpoint/2010/main" val="502793554"/>
+      </p:ext>
+    </p:extLst>
+  </p:cSld>
+  <p:clrMapOvr>
+    <a:masterClrMapping/>
+  </p:clrMapOvr>
+</p:sld>
+</file>
+
+<file path=ppt/slides/slide7.xml><?xml version="1.0" encoding="utf-8"?>
+<p:sld xmlns:a="http://schemas.openxmlformats.org/drawingml/2006/main" xmlns:r="http://schemas.openxmlformats.org/officeDocument/2006/relationships" xmlns:p="http://schemas.openxmlformats.org/presentationml/2006/main">
+  <p:cSld>
+    <p:spTree>
+      <p:nvGrpSpPr>
+        <p:cNvPr id="1" name=""/>
+        <p:cNvGrpSpPr/>
+        <p:nvPr/>
+      </p:nvGrpSpPr>
+      <p:grpSpPr>
+        <a:xfrm>
+          <a:off x="0" y="0"/>
+          <a:ext cx="0" cy="0"/>
+          <a:chOff x="0" y="0"/>
+          <a:chExt cx="0" cy="0"/>
+        </a:xfrm>
+      </p:grpSpPr>
+      <p:sp>
+        <p:nvSpPr>
+          <p:cNvPr id="2" name="Title 1">
+            <a:extLst>
+              <a:ext uri="{FF2B5EF4-FFF2-40B4-BE49-F238E27FC236}">
+                <a16:creationId xmlns:a16="http://schemas.microsoft.com/office/drawing/2014/main" id="{C25562AC-F94B-42FD-8660-A811F4491437}"/>
+              </a:ext>
+            </a:extLst>
+          </p:cNvPr>
+          <p:cNvSpPr>
+            <a:spLocks noGrp="1"/>
+          </p:cNvSpPr>
+          <p:nvPr>
+            <p:ph type="title"/>
+          </p:nvPr>
+        </p:nvSpPr>
+        <p:spPr/>
+        <p:txBody>
+          <a:bodyPr>
+            <a:normAutofit fontScale="90000"/>
+          </a:bodyPr>
+          <a:lstStyle/>
+          <a:p>
+            <a:r>
+              <a:rPr lang="en-US" dirty="0">
+                <a:latin typeface="Univers (body)"/>
+              </a:rPr>
+              <a:t>High COVID Counties Likely to be Younger, Have Lower Income Per Capita</a:t>
+            </a:r>
+          </a:p>
+        </p:txBody>
+      </p:sp>
+      <p:pic>
+        <p:nvPicPr>
+          <p:cNvPr id="12" name="Content Placeholder 11" descr="Chart, histogram&#10;&#10;Description automatically generated">
+            <a:extLst>
+              <a:ext uri="{FF2B5EF4-FFF2-40B4-BE49-F238E27FC236}">
+                <a16:creationId xmlns:a16="http://schemas.microsoft.com/office/drawing/2014/main" id="{4A290072-F217-4188-B1DC-6AE17E925777}"/>
+              </a:ext>
+            </a:extLst>
+          </p:cNvPr>
+          <p:cNvPicPr>
+            <a:picLocks noGrp="1" noChangeAspect="1"/>
+          </p:cNvPicPr>
+          <p:nvPr>
+            <p:ph sz="half" idx="1"/>
+          </p:nvPr>
+        </p:nvPicPr>
+        <p:blipFill>
+          <a:blip r:embed="rId2">
+            <a:extLst>
+              <a:ext uri="{28A0092B-C50C-407E-A947-70E740481C1C}">
+                <a14:useLocalDpi xmlns:a14="http://schemas.microsoft.com/office/drawing/2010/main" val="0"/>
+              </a:ext>
+            </a:extLst>
+          </a:blip>
+          <a:stretch>
+            <a:fillRect/>
+          </a:stretch>
+        </p:blipFill>
+        <p:spPr>
+          <a:xfrm>
+            <a:off x="5862471" y="2396084"/>
+            <a:ext cx="5551061" cy="3657508"/>
+          </a:xfrm>
+        </p:spPr>
+      </p:pic>
+      <p:pic>
+        <p:nvPicPr>
+          <p:cNvPr id="16" name="Content Placeholder 15" descr="Chart, line chart&#10;&#10;Description automatically generated">
+            <a:extLst>
+              <a:ext uri="{FF2B5EF4-FFF2-40B4-BE49-F238E27FC236}">
+                <a16:creationId xmlns:a16="http://schemas.microsoft.com/office/drawing/2014/main" id="{953892BA-855C-4501-B32D-1406B15BE372}"/>
+              </a:ext>
+            </a:extLst>
+          </p:cNvPr>
+          <p:cNvPicPr>
+            <a:picLocks noGrp="1" noChangeAspect="1"/>
+          </p:cNvPicPr>
+          <p:nvPr>
+            <p:ph sz="half" idx="2"/>
+          </p:nvPr>
+        </p:nvPicPr>
+        <p:blipFill>
+          <a:blip r:embed="rId3">
+            <a:extLst>
+              <a:ext uri="{28A0092B-C50C-407E-A947-70E740481C1C}">
+                <a14:useLocalDpi xmlns:a14="http://schemas.microsoft.com/office/drawing/2010/main" val="0"/>
+              </a:ext>
+            </a:extLst>
+          </a:blip>
+          <a:stretch>
+            <a:fillRect/>
+          </a:stretch>
+        </p:blipFill>
+        <p:spPr>
+          <a:xfrm>
+            <a:off x="100178" y="2396084"/>
+            <a:ext cx="5595118" cy="3657508"/>
+          </a:xfrm>
+        </p:spPr>
+      </p:pic>
+    </p:spTree>
+    <p:extLst>
+      <p:ext uri="{BB962C8B-B14F-4D97-AF65-F5344CB8AC3E}">
+        <p14:creationId xmlns:p14="http://schemas.microsoft.com/office/powerpoint/2010/main" val="1915659772"/>
+      </p:ext>
+    </p:extLst>
+  </p:cSld>
+  <p:clrMapOvr>
+    <a:masterClrMapping/>
+  </p:clrMapOvr>
+</p:sld>
+</file>
+
+<file path=ppt/slides/slide8.xml><?xml version="1.0" encoding="utf-8"?>
+<p:sld xmlns:a="http://schemas.openxmlformats.org/drawingml/2006/main" xmlns:r="http://schemas.openxmlformats.org/officeDocument/2006/relationships" xmlns:p="http://schemas.openxmlformats.org/presentationml/2006/main">
+  <p:cSld>
+    <p:spTree>
+      <p:nvGrpSpPr>
+        <p:cNvPr id="1" name=""/>
+        <p:cNvGrpSpPr/>
+        <p:nvPr/>
+      </p:nvGrpSpPr>
+      <p:grpSpPr>
+        <a:xfrm>
+          <a:off x="0" y="0"/>
+          <a:ext cx="0" cy="0"/>
+          <a:chOff x="0" y="0"/>
+          <a:chExt cx="0" cy="0"/>
+        </a:xfrm>
+      </p:grpSpPr>
+      <p:sp>
+        <p:nvSpPr>
+          <p:cNvPr id="2" name="Title 1">
+            <a:extLst>
+              <a:ext uri="{FF2B5EF4-FFF2-40B4-BE49-F238E27FC236}">
+                <a16:creationId xmlns:a16="http://schemas.microsoft.com/office/drawing/2014/main" id="{9FAB24F9-9293-4782-9DC2-F77766335E07}"/>
+              </a:ext>
+            </a:extLst>
+          </p:cNvPr>
+          <p:cNvSpPr>
+            <a:spLocks noGrp="1"/>
+          </p:cNvSpPr>
+          <p:nvPr>
+            <p:ph type="title"/>
+          </p:nvPr>
+        </p:nvSpPr>
+        <p:spPr/>
+        <p:txBody>
+          <a:bodyPr>
+            <a:normAutofit/>
+          </a:bodyPr>
+          <a:lstStyle/>
+          <a:p>
+            <a:r>
+              <a:rPr lang="en-US" sz="4000" dirty="0">
+                <a:latin typeface="Univers (body)"/>
+              </a:rPr>
+              <a:t>Low COVID Counties Likely to have Insurance Coverage, Lower Pop. Density</a:t>
+            </a:r>
+          </a:p>
+        </p:txBody>
+      </p:sp>
+      <p:pic>
+        <p:nvPicPr>
+          <p:cNvPr id="12" name="Content Placeholder 11" descr="Chart, line chart, histogram&#10;&#10;Description automatically generated">
+            <a:extLst>
+              <a:ext uri="{FF2B5EF4-FFF2-40B4-BE49-F238E27FC236}">
+                <a16:creationId xmlns:a16="http://schemas.microsoft.com/office/drawing/2014/main" id="{0507CF35-EB6F-45CA-B573-E17F794F9D4E}"/>
+              </a:ext>
+            </a:extLst>
+          </p:cNvPr>
+          <p:cNvPicPr>
+            <a:picLocks noGrp="1" noChangeAspect="1"/>
+          </p:cNvPicPr>
+          <p:nvPr>
+            <p:ph sz="half" idx="1"/>
+          </p:nvPr>
+        </p:nvPicPr>
+        <p:blipFill>
+          <a:blip r:embed="rId2">
+            <a:extLst>
+              <a:ext uri="{28A0092B-C50C-407E-A947-70E740481C1C}">
+                <a14:useLocalDpi xmlns:a14="http://schemas.microsoft.com/office/drawing/2010/main" val="0"/>
+              </a:ext>
+            </a:extLst>
+          </a:blip>
+          <a:stretch>
+            <a:fillRect/>
+          </a:stretch>
+        </p:blipFill>
+        <p:spPr>
+          <a:xfrm>
+            <a:off x="227397" y="2271806"/>
+            <a:ext cx="5531145" cy="3728944"/>
+          </a:xfrm>
+        </p:spPr>
+      </p:pic>
+      <p:pic>
+        <p:nvPicPr>
+          <p:cNvPr id="16" name="Content Placeholder 15" descr="Chart, line chart&#10;&#10;Description automatically generated">
+            <a:extLst>
+              <a:ext uri="{FF2B5EF4-FFF2-40B4-BE49-F238E27FC236}">
+                <a16:creationId xmlns:a16="http://schemas.microsoft.com/office/drawing/2014/main" id="{B3B07CFB-E0F7-4E42-9029-15410F89284F}"/>
+              </a:ext>
+            </a:extLst>
+          </p:cNvPr>
+          <p:cNvPicPr>
+            <a:picLocks noGrp="1" noChangeAspect="1"/>
+          </p:cNvPicPr>
+          <p:nvPr>
+            <p:ph sz="half" idx="2"/>
+          </p:nvPr>
+        </p:nvPicPr>
+        <p:blipFill>
+          <a:blip r:embed="rId3">
+            <a:extLst>
+              <a:ext uri="{28A0092B-C50C-407E-A947-70E740481C1C}">
+                <a14:useLocalDpi xmlns:a14="http://schemas.microsoft.com/office/drawing/2010/main" val="0"/>
+              </a:ext>
+            </a:extLst>
+          </a:blip>
+          <a:stretch>
+            <a:fillRect/>
+          </a:stretch>
+        </p:blipFill>
+        <p:spPr>
+          <a:xfrm>
+            <a:off x="5887968" y="2308436"/>
+            <a:ext cx="5531145" cy="3692314"/>
+          </a:xfrm>
+        </p:spPr>
+      </p:pic>
+    </p:spTree>
+    <p:extLst>
+      <p:ext uri="{BB962C8B-B14F-4D97-AF65-F5344CB8AC3E}">
+        <p14:creationId xmlns:p14="http://schemas.microsoft.com/office/powerpoint/2010/main" val="3953207219"/>
+      </p:ext>
+    </p:extLst>
+  </p:cSld>
+  <p:clrMapOvr>
+    <a:masterClrMapping/>
+  </p:clrMapOvr>
+</p:sld>
+</file>
+
+<file path=ppt/slides/slide9.xml><?xml version="1.0" encoding="utf-8"?>
 <p:sld xmlns:a="http://schemas.openxmlformats.org/drawingml/2006/main" xmlns:r="http://schemas.openxmlformats.org/officeDocument/2006/relationships" xmlns:p="http://schemas.openxmlformats.org/presentationml/2006/main">
   <p:cSld>
     <p:bg>
@@ -11461,5800 +15499,6 @@
 </p:sld>
 </file>
 
-<file path=ppt/slides/slide11.xml><?xml version="1.0" encoding="utf-8"?>
-<p:sld xmlns:a="http://schemas.openxmlformats.org/drawingml/2006/main" xmlns:r="http://schemas.openxmlformats.org/officeDocument/2006/relationships" xmlns:p="http://schemas.openxmlformats.org/presentationml/2006/main">
-  <p:cSld>
-    <p:spTree>
-      <p:nvGrpSpPr>
-        <p:cNvPr id="1" name=""/>
-        <p:cNvGrpSpPr/>
-        <p:nvPr/>
-      </p:nvGrpSpPr>
-      <p:grpSpPr>
-        <a:xfrm>
-          <a:off x="0" y="0"/>
-          <a:ext cx="0" cy="0"/>
-          <a:chOff x="0" y="0"/>
-          <a:chExt cx="0" cy="0"/>
-        </a:xfrm>
-      </p:grpSpPr>
-      <p:sp>
-        <p:nvSpPr>
-          <p:cNvPr id="2" name="Title 1">
-            <a:extLst>
-              <a:ext uri="{FF2B5EF4-FFF2-40B4-BE49-F238E27FC236}">
-                <a16:creationId xmlns:a16="http://schemas.microsoft.com/office/drawing/2014/main" id="{A1A5D932-74A6-4E12-A1DE-2B48BAD3E905}"/>
-              </a:ext>
-            </a:extLst>
-          </p:cNvPr>
-          <p:cNvSpPr>
-            <a:spLocks noGrp="1"/>
-          </p:cNvSpPr>
-          <p:nvPr>
-            <p:ph type="title"/>
-          </p:nvPr>
-        </p:nvSpPr>
-        <p:spPr/>
-        <p:txBody>
-          <a:bodyPr>
-            <a:normAutofit fontScale="90000"/>
-          </a:bodyPr>
-          <a:lstStyle/>
-          <a:p>
-            <a:r>
-              <a:rPr lang="en-US" dirty="0">
-                <a:latin typeface="Univers (body)"/>
-              </a:rPr>
-              <a:t>Population Density and Income Strongest Factors when Modeling All Five States</a:t>
-            </a:r>
-          </a:p>
-        </p:txBody>
-      </p:sp>
-      <p:pic>
-        <p:nvPicPr>
-          <p:cNvPr id="8" name="Content Placeholder 7" descr="Chart, bar chart&#10;&#10;Description automatically generated">
-            <a:extLst>
-              <a:ext uri="{FF2B5EF4-FFF2-40B4-BE49-F238E27FC236}">
-                <a16:creationId xmlns:a16="http://schemas.microsoft.com/office/drawing/2014/main" id="{FD030CD7-FE67-4D33-B5B2-C5B7E0E3D65F}"/>
-              </a:ext>
-            </a:extLst>
-          </p:cNvPr>
-          <p:cNvPicPr>
-            <a:picLocks noGrp="1" noChangeAspect="1"/>
-          </p:cNvPicPr>
-          <p:nvPr>
-            <p:ph sz="half" idx="1"/>
-          </p:nvPr>
-        </p:nvPicPr>
-        <p:blipFill>
-          <a:blip r:embed="rId2">
-            <a:extLst>
-              <a:ext uri="{28A0092B-C50C-407E-A947-70E740481C1C}">
-                <a14:useLocalDpi xmlns:a14="http://schemas.microsoft.com/office/drawing/2010/main" val="0"/>
-              </a:ext>
-            </a:extLst>
-          </a:blip>
-          <a:stretch>
-            <a:fillRect/>
-          </a:stretch>
-        </p:blipFill>
-        <p:spPr>
-          <a:xfrm>
-            <a:off x="186643" y="2118998"/>
-            <a:ext cx="6119942" cy="3967356"/>
-          </a:xfrm>
-        </p:spPr>
-      </p:pic>
-      <p:pic>
-        <p:nvPicPr>
-          <p:cNvPr id="6" name="Content Placeholder 5" descr="Chart, scatter chart&#10;&#10;Description automatically generated">
-            <a:extLst>
-              <a:ext uri="{FF2B5EF4-FFF2-40B4-BE49-F238E27FC236}">
-                <a16:creationId xmlns:a16="http://schemas.microsoft.com/office/drawing/2014/main" id="{153AC1B3-F64B-4C3E-AAF0-84A3B86E3098}"/>
-              </a:ext>
-            </a:extLst>
-          </p:cNvPr>
-          <p:cNvPicPr>
-            <a:picLocks noGrp="1" noChangeAspect="1"/>
-          </p:cNvPicPr>
-          <p:nvPr>
-            <p:ph sz="half" idx="2"/>
-          </p:nvPr>
-        </p:nvPicPr>
-        <p:blipFill>
-          <a:blip r:embed="rId3">
-            <a:extLst>
-              <a:ext uri="{28A0092B-C50C-407E-A947-70E740481C1C}">
-                <a14:useLocalDpi xmlns:a14="http://schemas.microsoft.com/office/drawing/2010/main" val="0"/>
-              </a:ext>
-            </a:extLst>
-          </a:blip>
-          <a:stretch>
-            <a:fillRect/>
-          </a:stretch>
-        </p:blipFill>
-        <p:spPr>
-          <a:xfrm>
-            <a:off x="6352689" y="2118998"/>
-            <a:ext cx="5552074" cy="4055770"/>
-          </a:xfrm>
-        </p:spPr>
-      </p:pic>
-    </p:spTree>
-    <p:extLst>
-      <p:ext uri="{BB962C8B-B14F-4D97-AF65-F5344CB8AC3E}">
-        <p14:creationId xmlns:p14="http://schemas.microsoft.com/office/powerpoint/2010/main" val="44909633"/>
-      </p:ext>
-    </p:extLst>
-  </p:cSld>
-  <p:clrMapOvr>
-    <a:masterClrMapping/>
-  </p:clrMapOvr>
-</p:sld>
-</file>
-
-<file path=ppt/slides/slide12.xml><?xml version="1.0" encoding="utf-8"?>
-<p:sld xmlns:a="http://schemas.openxmlformats.org/drawingml/2006/main" xmlns:r="http://schemas.openxmlformats.org/officeDocument/2006/relationships" xmlns:p="http://schemas.openxmlformats.org/presentationml/2006/main">
-  <p:cSld>
-    <p:spTree>
-      <p:nvGrpSpPr>
-        <p:cNvPr id="1" name=""/>
-        <p:cNvGrpSpPr/>
-        <p:nvPr/>
-      </p:nvGrpSpPr>
-      <p:grpSpPr>
-        <a:xfrm>
-          <a:off x="0" y="0"/>
-          <a:ext cx="0" cy="0"/>
-          <a:chOff x="0" y="0"/>
-          <a:chExt cx="0" cy="0"/>
-        </a:xfrm>
-      </p:grpSpPr>
-      <p:sp>
-        <p:nvSpPr>
-          <p:cNvPr id="2" name="Title 1">
-            <a:extLst>
-              <a:ext uri="{FF2B5EF4-FFF2-40B4-BE49-F238E27FC236}">
-                <a16:creationId xmlns:a16="http://schemas.microsoft.com/office/drawing/2014/main" id="{5CA85E8E-1896-45D6-84F6-BA50194D75BD}"/>
-              </a:ext>
-            </a:extLst>
-          </p:cNvPr>
-          <p:cNvSpPr>
-            <a:spLocks noGrp="1"/>
-          </p:cNvSpPr>
-          <p:nvPr>
-            <p:ph type="title"/>
-          </p:nvPr>
-        </p:nvSpPr>
-        <p:spPr>
-          <a:xfrm>
-            <a:off x="838199" y="365125"/>
-            <a:ext cx="11065330" cy="1325563"/>
-          </a:xfrm>
-        </p:spPr>
-        <p:txBody>
-          <a:bodyPr>
-            <a:normAutofit/>
-          </a:bodyPr>
-          <a:lstStyle/>
-          <a:p>
-            <a:r>
-              <a:rPr lang="en-US" sz="4000" dirty="0">
-                <a:latin typeface="Univers (body)"/>
-              </a:rPr>
-              <a:t>Predictors Varied in State-Level Models</a:t>
-            </a:r>
-          </a:p>
-        </p:txBody>
-      </p:sp>
-      <p:pic>
-        <p:nvPicPr>
-          <p:cNvPr id="18" name="Content Placeholder 17" descr="Chart, bar chart&#10;&#10;Description automatically generated">
-            <a:extLst>
-              <a:ext uri="{FF2B5EF4-FFF2-40B4-BE49-F238E27FC236}">
-                <a16:creationId xmlns:a16="http://schemas.microsoft.com/office/drawing/2014/main" id="{6C1E5650-A0CC-472E-A48C-7467C05E1BCE}"/>
-              </a:ext>
-            </a:extLst>
-          </p:cNvPr>
-          <p:cNvPicPr>
-            <a:picLocks noGrp="1" noChangeAspect="1"/>
-          </p:cNvPicPr>
-          <p:nvPr>
-            <p:ph sz="half" idx="1"/>
-          </p:nvPr>
-        </p:nvPicPr>
-        <p:blipFill>
-          <a:blip r:embed="rId2">
-            <a:extLst>
-              <a:ext uri="{28A0092B-C50C-407E-A947-70E740481C1C}">
-                <a14:useLocalDpi xmlns:a14="http://schemas.microsoft.com/office/drawing/2010/main" val="0"/>
-              </a:ext>
-            </a:extLst>
-          </a:blip>
-          <a:stretch>
-            <a:fillRect/>
-          </a:stretch>
-        </p:blipFill>
-        <p:spPr>
-          <a:xfrm>
-            <a:off x="313439" y="2083411"/>
-            <a:ext cx="5864649" cy="3718823"/>
-          </a:xfrm>
-        </p:spPr>
-      </p:pic>
-    </p:spTree>
-    <p:extLst>
-      <p:ext uri="{BB962C8B-B14F-4D97-AF65-F5344CB8AC3E}">
-        <p14:creationId xmlns:p14="http://schemas.microsoft.com/office/powerpoint/2010/main" val="2771053449"/>
-      </p:ext>
-    </p:extLst>
-  </p:cSld>
-  <p:clrMapOvr>
-    <a:masterClrMapping/>
-  </p:clrMapOvr>
-</p:sld>
-</file>
-
-<file path=ppt/slides/slide13.xml><?xml version="1.0" encoding="utf-8"?>
-<p:sld xmlns:a="http://schemas.openxmlformats.org/drawingml/2006/main" xmlns:r="http://schemas.openxmlformats.org/officeDocument/2006/relationships" xmlns:p="http://schemas.openxmlformats.org/presentationml/2006/main">
-  <p:cSld>
-    <p:spTree>
-      <p:nvGrpSpPr>
-        <p:cNvPr id="1" name=""/>
-        <p:cNvGrpSpPr/>
-        <p:nvPr/>
-      </p:nvGrpSpPr>
-      <p:grpSpPr>
-        <a:xfrm>
-          <a:off x="0" y="0"/>
-          <a:ext cx="0" cy="0"/>
-          <a:chOff x="0" y="0"/>
-          <a:chExt cx="0" cy="0"/>
-        </a:xfrm>
-      </p:grpSpPr>
-      <p:sp>
-        <p:nvSpPr>
-          <p:cNvPr id="2" name="Title 1">
-            <a:extLst>
-              <a:ext uri="{FF2B5EF4-FFF2-40B4-BE49-F238E27FC236}">
-                <a16:creationId xmlns:a16="http://schemas.microsoft.com/office/drawing/2014/main" id="{5CA85E8E-1896-45D6-84F6-BA50194D75BD}"/>
-              </a:ext>
-            </a:extLst>
-          </p:cNvPr>
-          <p:cNvSpPr>
-            <a:spLocks noGrp="1"/>
-          </p:cNvSpPr>
-          <p:nvPr>
-            <p:ph type="title"/>
-          </p:nvPr>
-        </p:nvSpPr>
-        <p:spPr>
-          <a:xfrm>
-            <a:off x="838199" y="365125"/>
-            <a:ext cx="11065330" cy="1325563"/>
-          </a:xfrm>
-        </p:spPr>
-        <p:txBody>
-          <a:bodyPr>
-            <a:normAutofit/>
-          </a:bodyPr>
-          <a:lstStyle/>
-          <a:p>
-            <a:r>
-              <a:rPr lang="en-US" sz="4000" dirty="0">
-                <a:latin typeface="Univers (body)"/>
-              </a:rPr>
-              <a:t>Predictors Varied in State-Level Models</a:t>
-            </a:r>
-          </a:p>
-        </p:txBody>
-      </p:sp>
-      <p:pic>
-        <p:nvPicPr>
-          <p:cNvPr id="18" name="Content Placeholder 17" descr="Chart, bar chart&#10;&#10;Description automatically generated">
-            <a:extLst>
-              <a:ext uri="{FF2B5EF4-FFF2-40B4-BE49-F238E27FC236}">
-                <a16:creationId xmlns:a16="http://schemas.microsoft.com/office/drawing/2014/main" id="{6C1E5650-A0CC-472E-A48C-7467C05E1BCE}"/>
-              </a:ext>
-            </a:extLst>
-          </p:cNvPr>
-          <p:cNvPicPr>
-            <a:picLocks noGrp="1" noChangeAspect="1"/>
-          </p:cNvPicPr>
-          <p:nvPr>
-            <p:ph sz="half" idx="1"/>
-          </p:nvPr>
-        </p:nvPicPr>
-        <p:blipFill>
-          <a:blip r:embed="rId2">
-            <a:extLst>
-              <a:ext uri="{28A0092B-C50C-407E-A947-70E740481C1C}">
-                <a14:useLocalDpi xmlns:a14="http://schemas.microsoft.com/office/drawing/2010/main" val="0"/>
-              </a:ext>
-            </a:extLst>
-          </a:blip>
-          <a:stretch>
-            <a:fillRect/>
-          </a:stretch>
-        </p:blipFill>
-        <p:spPr>
-          <a:xfrm>
-            <a:off x="313439" y="2083411"/>
-            <a:ext cx="5864649" cy="3718823"/>
-          </a:xfrm>
-        </p:spPr>
-      </p:pic>
-      <p:pic>
-        <p:nvPicPr>
-          <p:cNvPr id="20" name="Content Placeholder 19" descr="Chart, bar chart&#10;&#10;Description automatically generated">
-            <a:extLst>
-              <a:ext uri="{FF2B5EF4-FFF2-40B4-BE49-F238E27FC236}">
-                <a16:creationId xmlns:a16="http://schemas.microsoft.com/office/drawing/2014/main" id="{C8E24D5D-C892-4FFE-85C4-F5C0AEE9E12E}"/>
-              </a:ext>
-            </a:extLst>
-          </p:cNvPr>
-          <p:cNvPicPr>
-            <a:picLocks noGrp="1" noChangeAspect="1"/>
-          </p:cNvPicPr>
-          <p:nvPr>
-            <p:ph sz="half" idx="2"/>
-          </p:nvPr>
-        </p:nvPicPr>
-        <p:blipFill>
-          <a:blip r:embed="rId3">
-            <a:extLst>
-              <a:ext uri="{28A0092B-C50C-407E-A947-70E740481C1C}">
-                <a14:useLocalDpi xmlns:a14="http://schemas.microsoft.com/office/drawing/2010/main" val="0"/>
-              </a:ext>
-            </a:extLst>
-          </a:blip>
-          <a:stretch>
-            <a:fillRect/>
-          </a:stretch>
-        </p:blipFill>
-        <p:spPr>
-          <a:xfrm>
-            <a:off x="6059553" y="2138985"/>
-            <a:ext cx="6045332" cy="3718822"/>
-          </a:xfrm>
-        </p:spPr>
-      </p:pic>
-    </p:spTree>
-    <p:extLst>
-      <p:ext uri="{BB962C8B-B14F-4D97-AF65-F5344CB8AC3E}">
-        <p14:creationId xmlns:p14="http://schemas.microsoft.com/office/powerpoint/2010/main" val="98062703"/>
-      </p:ext>
-    </p:extLst>
-  </p:cSld>
-  <p:clrMapOvr>
-    <a:masterClrMapping/>
-  </p:clrMapOvr>
-</p:sld>
-</file>
-
-<file path=ppt/slides/slide14.xml><?xml version="1.0" encoding="utf-8"?>
-<p:sld xmlns:a="http://schemas.openxmlformats.org/drawingml/2006/main" xmlns:r="http://schemas.openxmlformats.org/officeDocument/2006/relationships" xmlns:p="http://schemas.openxmlformats.org/presentationml/2006/main">
-  <p:cSld>
-    <p:bg>
-      <p:bgPr>
-        <a:solidFill>
-          <a:schemeClr val="bg1"/>
-        </a:solidFill>
-        <a:effectLst/>
-      </p:bgPr>
-    </p:bg>
-    <p:spTree>
-      <p:nvGrpSpPr>
-        <p:cNvPr id="1" name=""/>
-        <p:cNvGrpSpPr/>
-        <p:nvPr/>
-      </p:nvGrpSpPr>
-      <p:grpSpPr>
-        <a:xfrm>
-          <a:off x="0" y="0"/>
-          <a:ext cx="0" cy="0"/>
-          <a:chOff x="0" y="0"/>
-          <a:chExt cx="0" cy="0"/>
-        </a:xfrm>
-      </p:grpSpPr>
-      <p:sp>
-        <p:nvSpPr>
-          <p:cNvPr id="2" name="Title 1">
-            <a:extLst>
-              <a:ext uri="{FF2B5EF4-FFF2-40B4-BE49-F238E27FC236}">
-                <a16:creationId xmlns:a16="http://schemas.microsoft.com/office/drawing/2014/main" id="{A0D1BE85-58F0-4D8F-B2DB-F82D419834A9}"/>
-              </a:ext>
-            </a:extLst>
-          </p:cNvPr>
-          <p:cNvSpPr>
-            <a:spLocks noGrp="1"/>
-          </p:cNvSpPr>
-          <p:nvPr>
-            <p:ph type="title"/>
-          </p:nvPr>
-        </p:nvSpPr>
-        <p:spPr>
-          <a:xfrm>
-            <a:off x="396573" y="320675"/>
-            <a:ext cx="11407487" cy="1325563"/>
-          </a:xfrm>
-        </p:spPr>
-        <p:txBody>
-          <a:bodyPr>
-            <a:normAutofit/>
-          </a:bodyPr>
-          <a:lstStyle/>
-          <a:p>
-            <a:r>
-              <a:rPr lang="en-US" sz="5400" dirty="0">
-                <a:latin typeface="Univers (body)"/>
-              </a:rPr>
-              <a:t>Conclusions and Key Challenges</a:t>
-            </a:r>
-          </a:p>
-        </p:txBody>
-      </p:sp>
-      <p:sp>
-        <p:nvSpPr>
-          <p:cNvPr id="9" name="Rectangle 8">
-            <a:extLst>
-              <a:ext uri="{FF2B5EF4-FFF2-40B4-BE49-F238E27FC236}">
-                <a16:creationId xmlns:a16="http://schemas.microsoft.com/office/drawing/2014/main" id="{37E32B78-23DD-4E77-8B9C-7779E3BF20C2}"/>
-              </a:ext>
-              <a:ext uri="{C183D7F6-B498-43B3-948B-1728B52AA6E4}">
-                <adec:decorative xmlns:adec="http://schemas.microsoft.com/office/drawing/2017/decorative" val="1"/>
-              </a:ext>
-            </a:extLst>
-          </p:cNvPr>
-          <p:cNvSpPr>
-            <a:spLocks noGrp="1" noRot="1" noChangeAspect="1" noMove="1" noResize="1" noEditPoints="1" noAdjustHandles="1" noChangeArrowheads="1" noChangeShapeType="1" noTextEdit="1"/>
-          </p:cNvSpPr>
-          <p:nvPr>
-            <p:extLst>
-              <p:ext uri="{386F3935-93C4-4BCD-93E2-E3B085C9AB24}">
-                <p16:designElem xmlns:p16="http://schemas.microsoft.com/office/powerpoint/2015/main" val="1"/>
-              </p:ext>
-            </p:extLst>
-          </p:nvPr>
-        </p:nvSpPr>
-        <p:spPr>
-          <a:xfrm>
-            <a:off x="0" y="0"/>
-            <a:ext cx="126124" cy="6858000"/>
-          </a:xfrm>
-          <a:prstGeom prst="rect">
-            <a:avLst/>
-          </a:prstGeom>
-          <a:solidFill>
-            <a:srgbClr val="4472C4"/>
-          </a:solidFill>
-          <a:ln w="12700" cap="flat" cmpd="sng" algn="ctr">
-            <a:noFill/>
-            <a:prstDash val="solid"/>
-            <a:miter lim="800000"/>
-          </a:ln>
-          <a:effectLst/>
-        </p:spPr>
-        <p:txBody>
-          <a:bodyPr rtlCol="0" anchor="ctr"/>
-          <a:lstStyle/>
-          <a:p>
-            <a:pPr marL="0" marR="0" lvl="0" indent="0" algn="ctr" defTabSz="914400" eaLnBrk="1" fontAlgn="auto" latinLnBrk="0" hangingPunct="1">
-              <a:lnSpc>
-                <a:spcPct val="100000"/>
-              </a:lnSpc>
-              <a:spcBef>
-                <a:spcPts val="0"/>
-              </a:spcBef>
-              <a:spcAft>
-                <a:spcPts val="0"/>
-              </a:spcAft>
-              <a:buClrTx/>
-              <a:buSzTx/>
-              <a:buFontTx/>
-              <a:buNone/>
-              <a:tabLst/>
-              <a:defRPr/>
-            </a:pPr>
-            <a:endParaRPr kumimoji="0" lang="en-US" sz="1800" b="0" i="0" u="none" strike="noStrike" kern="0" cap="none" spc="0" normalizeH="0" baseline="0" noProof="0">
-              <a:ln>
-                <a:noFill/>
-              </a:ln>
-              <a:solidFill>
-                <a:prstClr val="white"/>
-              </a:solidFill>
-              <a:effectLst/>
-              <a:uLnTx/>
-              <a:uFillTx/>
-              <a:latin typeface="Calibri" panose="020F0502020204030204"/>
-              <a:ea typeface="+mn-ea"/>
-              <a:cs typeface="+mn-cs"/>
-            </a:endParaRPr>
-          </a:p>
-        </p:txBody>
-      </p:sp>
-      <p:graphicFrame>
-        <p:nvGraphicFramePr>
-          <p:cNvPr id="5" name="Content Placeholder 2">
-            <a:extLst>
-              <a:ext uri="{FF2B5EF4-FFF2-40B4-BE49-F238E27FC236}">
-                <a16:creationId xmlns:a16="http://schemas.microsoft.com/office/drawing/2014/main" id="{8DAEBF91-F53E-4DD2-8552-D4860C057DE4}"/>
-              </a:ext>
-            </a:extLst>
-          </p:cNvPr>
-          <p:cNvGraphicFramePr>
-            <a:graphicFrameLocks noGrp="1"/>
-          </p:cNvGraphicFramePr>
-          <p:nvPr>
-            <p:ph idx="1"/>
-            <p:extLst>
-              <p:ext uri="{D42A27DB-BD31-4B8C-83A1-F6EECF244321}">
-                <p14:modId xmlns:p14="http://schemas.microsoft.com/office/powerpoint/2010/main" val="1933739201"/>
-              </p:ext>
-            </p:extLst>
-          </p:nvPr>
-        </p:nvGraphicFramePr>
-        <p:xfrm>
-          <a:off x="396574" y="1825625"/>
-          <a:ext cx="11407487" cy="4351338"/>
-        </p:xfrm>
-        <a:graphic>
-          <a:graphicData uri="http://schemas.openxmlformats.org/drawingml/2006/diagram">
-            <dgm:relIds xmlns:dgm="http://schemas.openxmlformats.org/drawingml/2006/diagram" xmlns:r="http://schemas.openxmlformats.org/officeDocument/2006/relationships" r:dm="rId2" r:lo="rId3" r:qs="rId4" r:cs="rId5"/>
-          </a:graphicData>
-        </a:graphic>
-      </p:graphicFrame>
-    </p:spTree>
-    <p:extLst>
-      <p:ext uri="{BB962C8B-B14F-4D97-AF65-F5344CB8AC3E}">
-        <p14:creationId xmlns:p14="http://schemas.microsoft.com/office/powerpoint/2010/main" val="632227119"/>
-      </p:ext>
-    </p:extLst>
-  </p:cSld>
-  <p:clrMapOvr>
-    <a:masterClrMapping/>
-  </p:clrMapOvr>
-</p:sld>
-</file>
-
-<file path=ppt/slides/slide15.xml><?xml version="1.0" encoding="utf-8"?>
-<p:sld xmlns:a="http://schemas.openxmlformats.org/drawingml/2006/main" xmlns:r="http://schemas.openxmlformats.org/officeDocument/2006/relationships" xmlns:p="http://schemas.openxmlformats.org/presentationml/2006/main">
-  <p:cSld>
-    <p:bg>
-      <p:bgPr>
-        <a:solidFill>
-          <a:schemeClr val="bg1"/>
-        </a:solidFill>
-        <a:effectLst/>
-      </p:bgPr>
-    </p:bg>
-    <p:spTree>
-      <p:nvGrpSpPr>
-        <p:cNvPr id="1" name=""/>
-        <p:cNvGrpSpPr/>
-        <p:nvPr/>
-      </p:nvGrpSpPr>
-      <p:grpSpPr>
-        <a:xfrm>
-          <a:off x="0" y="0"/>
-          <a:ext cx="0" cy="0"/>
-          <a:chOff x="0" y="0"/>
-          <a:chExt cx="0" cy="0"/>
-        </a:xfrm>
-      </p:grpSpPr>
-      <p:sp useBgFill="1">
-        <p:nvSpPr>
-          <p:cNvPr id="10" name="Rectangle 9">
-            <a:extLst>
-              <a:ext uri="{FF2B5EF4-FFF2-40B4-BE49-F238E27FC236}">
-                <a16:creationId xmlns:a16="http://schemas.microsoft.com/office/drawing/2014/main" id="{7D9D36D6-2AC5-46A1-A849-4C82D5264A3A}"/>
-              </a:ext>
-              <a:ext uri="{C183D7F6-B498-43B3-948B-1728B52AA6E4}">
-                <adec:decorative xmlns:adec="http://schemas.microsoft.com/office/drawing/2017/decorative" val="1"/>
-              </a:ext>
-            </a:extLst>
-          </p:cNvPr>
-          <p:cNvSpPr>
-            <a:spLocks noGrp="1" noRot="1" noChangeAspect="1" noMove="1" noResize="1" noEditPoints="1" noAdjustHandles="1" noChangeArrowheads="1" noChangeShapeType="1" noTextEdit="1"/>
-          </p:cNvSpPr>
-          <p:nvPr>
-            <p:extLst>
-              <p:ext uri="{386F3935-93C4-4BCD-93E2-E3B085C9AB24}">
-                <p16:designElem xmlns:p16="http://schemas.microsoft.com/office/powerpoint/2015/main" val="1"/>
-              </p:ext>
-            </p:extLst>
-          </p:nvPr>
-        </p:nvSpPr>
-        <p:spPr>
-          <a:xfrm>
-            <a:off x="-1" y="0"/>
-            <a:ext cx="12188952" cy="6858000"/>
-          </a:xfrm>
-          <a:prstGeom prst="rect">
-            <a:avLst/>
-          </a:prstGeom>
-          <a:ln>
-            <a:noFill/>
-          </a:ln>
-        </p:spPr>
-        <p:style>
-          <a:lnRef idx="2">
-            <a:schemeClr val="accent1">
-              <a:shade val="50000"/>
-            </a:schemeClr>
-          </a:lnRef>
-          <a:fillRef idx="1">
-            <a:schemeClr val="accent1"/>
-          </a:fillRef>
-          <a:effectRef idx="0">
-            <a:schemeClr val="accent1"/>
-          </a:effectRef>
-          <a:fontRef idx="minor">
-            <a:schemeClr val="lt1"/>
-          </a:fontRef>
-        </p:style>
-        <p:txBody>
-          <a:bodyPr rtlCol="0" anchor="ctr"/>
-          <a:lstStyle/>
-          <a:p>
-            <a:pPr algn="ctr"/>
-            <a:endParaRPr lang="en-US" dirty="0"/>
-          </a:p>
-        </p:txBody>
-      </p:sp>
-      <p:sp>
-        <p:nvSpPr>
-          <p:cNvPr id="2" name="Title 1">
-            <a:extLst>
-              <a:ext uri="{FF2B5EF4-FFF2-40B4-BE49-F238E27FC236}">
-                <a16:creationId xmlns:a16="http://schemas.microsoft.com/office/drawing/2014/main" id="{411F2758-7045-4E69-9114-0F4233A9A4C4}"/>
-              </a:ext>
-            </a:extLst>
-          </p:cNvPr>
-          <p:cNvSpPr>
-            <a:spLocks noGrp="1"/>
-          </p:cNvSpPr>
-          <p:nvPr>
-            <p:ph type="title"/>
-          </p:nvPr>
-        </p:nvSpPr>
-        <p:spPr>
-          <a:xfrm>
-            <a:off x="5293995" y="1553667"/>
-            <a:ext cx="5998840" cy="3343135"/>
-          </a:xfrm>
-          <a:noFill/>
-        </p:spPr>
-        <p:txBody>
-          <a:bodyPr vert="horz" lIns="91440" tIns="45720" rIns="91440" bIns="45720" rtlCol="0" anchor="b">
-            <a:normAutofit fontScale="90000"/>
-          </a:bodyPr>
-          <a:lstStyle/>
-          <a:p>
-            <a:r>
-              <a:rPr lang="en-US" sz="5200">
-                <a:latin typeface="Univers (body)"/>
-              </a:rPr>
-              <a:t>Demo: Interacting with Demographic Data and Classification Model</a:t>
-            </a:r>
-            <a:endParaRPr lang="en-US" sz="5200" dirty="0">
-              <a:latin typeface="Univers (body)"/>
-            </a:endParaRPr>
-          </a:p>
-        </p:txBody>
-      </p:sp>
-      <p:pic>
-        <p:nvPicPr>
-          <p:cNvPr id="5" name="Content Placeholder 4" descr="Map&#10;&#10;Description automatically generated">
-            <a:extLst>
-              <a:ext uri="{FF2B5EF4-FFF2-40B4-BE49-F238E27FC236}">
-                <a16:creationId xmlns:a16="http://schemas.microsoft.com/office/drawing/2014/main" id="{5E1DF80B-7BC6-43DD-90D2-4E0B724C88B2}"/>
-              </a:ext>
-            </a:extLst>
-          </p:cNvPr>
-          <p:cNvPicPr>
-            <a:picLocks noGrp="1" noChangeAspect="1"/>
-          </p:cNvPicPr>
-          <p:nvPr>
-            <p:ph idx="1"/>
-          </p:nvPr>
-        </p:nvPicPr>
-        <p:blipFill rotWithShape="1">
-          <a:blip r:embed="rId2">
-            <a:extLst>
-              <a:ext uri="{28A0092B-C50C-407E-A947-70E740481C1C}">
-                <a14:useLocalDpi xmlns:a14="http://schemas.microsoft.com/office/drawing/2010/main" val="0"/>
-              </a:ext>
-            </a:extLst>
-          </a:blip>
-          <a:srcRect l="4530" r="5029"/>
-          <a:stretch/>
-        </p:blipFill>
-        <p:spPr>
-          <a:xfrm>
-            <a:off x="20" y="10"/>
-            <a:ext cx="4992985" cy="6857990"/>
-          </a:xfrm>
-          <a:prstGeom prst="rect">
-            <a:avLst/>
-          </a:prstGeom>
-        </p:spPr>
-      </p:pic>
-    </p:spTree>
-    <p:extLst>
-      <p:ext uri="{BB962C8B-B14F-4D97-AF65-F5344CB8AC3E}">
-        <p14:creationId xmlns:p14="http://schemas.microsoft.com/office/powerpoint/2010/main" val="945821856"/>
-      </p:ext>
-    </p:extLst>
-  </p:cSld>
-  <p:clrMapOvr>
-    <a:masterClrMapping/>
-  </p:clrMapOvr>
-</p:sld>
-</file>
-
-<file path=ppt/slides/slide16.xml><?xml version="1.0" encoding="utf-8"?>
-<p:sld xmlns:a="http://schemas.openxmlformats.org/drawingml/2006/main" xmlns:r="http://schemas.openxmlformats.org/officeDocument/2006/relationships" xmlns:p="http://schemas.openxmlformats.org/presentationml/2006/main">
-  <p:cSld>
-    <p:bg>
-      <p:bgPr>
-        <a:solidFill>
-          <a:schemeClr val="bg1"/>
-        </a:solidFill>
-        <a:effectLst/>
-      </p:bgPr>
-    </p:bg>
-    <p:spTree>
-      <p:nvGrpSpPr>
-        <p:cNvPr id="1" name=""/>
-        <p:cNvGrpSpPr/>
-        <p:nvPr/>
-      </p:nvGrpSpPr>
-      <p:grpSpPr>
-        <a:xfrm>
-          <a:off x="0" y="0"/>
-          <a:ext cx="0" cy="0"/>
-          <a:chOff x="0" y="0"/>
-          <a:chExt cx="0" cy="0"/>
-        </a:xfrm>
-      </p:grpSpPr>
-      <p:sp useBgFill="1">
-        <p:nvSpPr>
-          <p:cNvPr id="7" name="Rectangle 6">
-            <a:extLst>
-              <a:ext uri="{FF2B5EF4-FFF2-40B4-BE49-F238E27FC236}">
-                <a16:creationId xmlns:a16="http://schemas.microsoft.com/office/drawing/2014/main" id="{FFD48BC7-DC40-47DE-87EE-9F4B6ECB9ABB}"/>
-              </a:ext>
-              <a:ext uri="{C183D7F6-B498-43B3-948B-1728B52AA6E4}">
-                <adec:decorative xmlns:adec="http://schemas.microsoft.com/office/drawing/2017/decorative" val="1"/>
-              </a:ext>
-            </a:extLst>
-          </p:cNvPr>
-          <p:cNvSpPr>
-            <a:spLocks noGrp="1" noRot="1" noChangeAspect="1" noMove="1" noResize="1" noEditPoints="1" noAdjustHandles="1" noChangeArrowheads="1" noChangeShapeType="1" noTextEdit="1"/>
-          </p:cNvSpPr>
-          <p:nvPr>
-            <p:extLst>
-              <p:ext uri="{386F3935-93C4-4BCD-93E2-E3B085C9AB24}">
-                <p16:designElem xmlns:p16="http://schemas.microsoft.com/office/powerpoint/2015/main" val="1"/>
-              </p:ext>
-            </p:extLst>
-          </p:nvPr>
-        </p:nvSpPr>
-        <p:spPr>
-          <a:xfrm>
-            <a:off x="0" y="0"/>
-            <a:ext cx="12192000" cy="6858000"/>
-          </a:xfrm>
-          <a:prstGeom prst="rect">
-            <a:avLst/>
-          </a:prstGeom>
-          <a:ln>
-            <a:noFill/>
-          </a:ln>
-        </p:spPr>
-        <p:style>
-          <a:lnRef idx="2">
-            <a:schemeClr val="accent1">
-              <a:shade val="50000"/>
-            </a:schemeClr>
-          </a:lnRef>
-          <a:fillRef idx="1">
-            <a:schemeClr val="accent1"/>
-          </a:fillRef>
-          <a:effectRef idx="0">
-            <a:schemeClr val="accent1"/>
-          </a:effectRef>
-          <a:fontRef idx="minor">
-            <a:schemeClr val="lt1"/>
-          </a:fontRef>
-        </p:style>
-        <p:txBody>
-          <a:bodyPr rtlCol="0" anchor="ctr"/>
-          <a:lstStyle/>
-          <a:p>
-            <a:pPr algn="ctr"/>
-            <a:endParaRPr lang="en-US"/>
-          </a:p>
-        </p:txBody>
-      </p:sp>
-      <p:sp useBgFill="1">
-        <p:nvSpPr>
-          <p:cNvPr id="9" name="Freeform: Shape 8">
-            <a:extLst>
-              <a:ext uri="{FF2B5EF4-FFF2-40B4-BE49-F238E27FC236}">
-                <a16:creationId xmlns:a16="http://schemas.microsoft.com/office/drawing/2014/main" id="{E502BBC7-2C76-46F3-BC24-5985BC13DB88}"/>
-              </a:ext>
-              <a:ext uri="{C183D7F6-B498-43B3-948B-1728B52AA6E4}">
-                <adec:decorative xmlns:adec="http://schemas.microsoft.com/office/drawing/2017/decorative" val="1"/>
-              </a:ext>
-            </a:extLst>
-          </p:cNvPr>
-          <p:cNvSpPr>
-            <a:spLocks noGrp="1" noRot="1" noChangeAspect="1" noMove="1" noResize="1" noEditPoints="1" noAdjustHandles="1" noChangeArrowheads="1" noChangeShapeType="1" noTextEdit="1"/>
-          </p:cNvSpPr>
-          <p:nvPr>
-            <p:extLst>
-              <p:ext uri="{386F3935-93C4-4BCD-93E2-E3B085C9AB24}">
-                <p16:designElem xmlns:p16="http://schemas.microsoft.com/office/powerpoint/2015/main" val="1"/>
-              </p:ext>
-            </p:extLst>
-          </p:nvPr>
-        </p:nvSpPr>
-        <p:spPr>
-          <a:xfrm>
-            <a:off x="1114425" y="0"/>
-            <a:ext cx="9963150" cy="6858000"/>
-          </a:xfrm>
-          <a:custGeom>
-            <a:avLst/>
-            <a:gdLst>
-              <a:gd name="connsiteX0" fmla="*/ 1595771 w 9963150"/>
-              <a:gd name="connsiteY0" fmla="*/ 0 h 6858000"/>
-              <a:gd name="connsiteX1" fmla="*/ 8367379 w 9963150"/>
-              <a:gd name="connsiteY1" fmla="*/ 0 h 6858000"/>
-              <a:gd name="connsiteX2" fmla="*/ 8504080 w 9963150"/>
-              <a:gd name="connsiteY2" fmla="*/ 130333 h 6858000"/>
-              <a:gd name="connsiteX3" fmla="*/ 9963150 w 9963150"/>
-              <a:gd name="connsiteY3" fmla="*/ 3652838 h 6858000"/>
-              <a:gd name="connsiteX4" fmla="*/ 8825600 w 9963150"/>
-              <a:gd name="connsiteY4" fmla="*/ 6821583 h 6858000"/>
-              <a:gd name="connsiteX5" fmla="*/ 8794055 w 9963150"/>
-              <a:gd name="connsiteY5" fmla="*/ 6858000 h 6858000"/>
-              <a:gd name="connsiteX6" fmla="*/ 1169096 w 9963150"/>
-              <a:gd name="connsiteY6" fmla="*/ 6858000 h 6858000"/>
-              <a:gd name="connsiteX7" fmla="*/ 1137550 w 9963150"/>
-              <a:gd name="connsiteY7" fmla="*/ 6821583 h 6858000"/>
-              <a:gd name="connsiteX8" fmla="*/ 0 w 9963150"/>
-              <a:gd name="connsiteY8" fmla="*/ 3652838 h 6858000"/>
-              <a:gd name="connsiteX9" fmla="*/ 1459070 w 9963150"/>
-              <a:gd name="connsiteY9" fmla="*/ 130333 h 6858000"/>
-            </a:gdLst>
-            <a:ahLst/>
-            <a:cxnLst>
-              <a:cxn ang="0">
-                <a:pos x="connsiteX0" y="connsiteY0"/>
-              </a:cxn>
-              <a:cxn ang="0">
-                <a:pos x="connsiteX1" y="connsiteY1"/>
-              </a:cxn>
-              <a:cxn ang="0">
-                <a:pos x="connsiteX2" y="connsiteY2"/>
-              </a:cxn>
-              <a:cxn ang="0">
-                <a:pos x="connsiteX3" y="connsiteY3"/>
-              </a:cxn>
-              <a:cxn ang="0">
-                <a:pos x="connsiteX4" y="connsiteY4"/>
-              </a:cxn>
-              <a:cxn ang="0">
-                <a:pos x="connsiteX5" y="connsiteY5"/>
-              </a:cxn>
-              <a:cxn ang="0">
-                <a:pos x="connsiteX6" y="connsiteY6"/>
-              </a:cxn>
-              <a:cxn ang="0">
-                <a:pos x="connsiteX7" y="connsiteY7"/>
-              </a:cxn>
-              <a:cxn ang="0">
-                <a:pos x="connsiteX8" y="connsiteY8"/>
-              </a:cxn>
-              <a:cxn ang="0">
-                <a:pos x="connsiteX9" y="connsiteY9"/>
-              </a:cxn>
-            </a:cxnLst>
-            <a:rect l="l" t="t" r="r" b="b"/>
-            <a:pathLst>
-              <a:path w="9963150" h="6858000">
-                <a:moveTo>
-                  <a:pt x="1595771" y="0"/>
-                </a:moveTo>
-                <a:lnTo>
-                  <a:pt x="8367379" y="0"/>
-                </a:lnTo>
-                <a:lnTo>
-                  <a:pt x="8504080" y="130333"/>
-                </a:lnTo>
-                <a:cubicBezTo>
-                  <a:pt x="9405568" y="1031820"/>
-                  <a:pt x="9963150" y="2277214"/>
-                  <a:pt x="9963150" y="3652838"/>
-                </a:cubicBezTo>
-                <a:cubicBezTo>
-                  <a:pt x="9963150" y="4856509"/>
-                  <a:pt x="9536251" y="5960473"/>
-                  <a:pt x="8825600" y="6821583"/>
-                </a:cubicBezTo>
-                <a:lnTo>
-                  <a:pt x="8794055" y="6858000"/>
-                </a:lnTo>
-                <a:lnTo>
-                  <a:pt x="1169096" y="6858000"/>
-                </a:lnTo>
-                <a:lnTo>
-                  <a:pt x="1137550" y="6821583"/>
-                </a:lnTo>
-                <a:cubicBezTo>
-                  <a:pt x="426899" y="5960473"/>
-                  <a:pt x="0" y="4856509"/>
-                  <a:pt x="0" y="3652838"/>
-                </a:cubicBezTo>
-                <a:cubicBezTo>
-                  <a:pt x="0" y="2277214"/>
-                  <a:pt x="557582" y="1031820"/>
-                  <a:pt x="1459070" y="130333"/>
-                </a:cubicBezTo>
-                <a:close/>
-              </a:path>
-            </a:pathLst>
-          </a:custGeom>
-          <a:ln w="9525">
-            <a:solidFill>
-              <a:srgbClr val="EFEFEF"/>
-            </a:solidFill>
-          </a:ln>
-          <a:effectLst>
-            <a:outerShdw blurRad="139700" sx="102000" sy="102000" algn="ctr" rotWithShape="0">
-              <a:schemeClr val="bg1">
-                <a:lumMod val="85000"/>
-                <a:alpha val="38000"/>
-              </a:schemeClr>
-            </a:outerShdw>
-          </a:effectLst>
-        </p:spPr>
-        <p:style>
-          <a:lnRef idx="2">
-            <a:schemeClr val="accent1">
-              <a:shade val="50000"/>
-            </a:schemeClr>
-          </a:lnRef>
-          <a:fillRef idx="1">
-            <a:schemeClr val="accent1"/>
-          </a:fillRef>
-          <a:effectRef idx="0">
-            <a:schemeClr val="accent1"/>
-          </a:effectRef>
-          <a:fontRef idx="minor">
-            <a:schemeClr val="lt1"/>
-          </a:fontRef>
-        </p:style>
-        <p:txBody>
-          <a:bodyPr wrap="square" rtlCol="0" anchor="ctr">
-            <a:noAutofit/>
-          </a:bodyPr>
-          <a:lstStyle/>
-          <a:p>
-            <a:pPr marL="0" marR="0" lvl="0" indent="0" algn="ctr" defTabSz="914400" rtl="0" eaLnBrk="1" fontAlgn="auto" latinLnBrk="0" hangingPunct="1">
-              <a:lnSpc>
-                <a:spcPct val="100000"/>
-              </a:lnSpc>
-              <a:spcBef>
-                <a:spcPts val="0"/>
-              </a:spcBef>
-              <a:spcAft>
-                <a:spcPts val="0"/>
-              </a:spcAft>
-              <a:buClrTx/>
-              <a:buSzTx/>
-              <a:buFontTx/>
-              <a:buNone/>
-              <a:tabLst/>
-              <a:defRPr/>
-            </a:pPr>
-            <a:endParaRPr kumimoji="0" lang="en-US" sz="1800" b="0" i="0" u="none" strike="noStrike" kern="1200" cap="none" spc="0" normalizeH="0" baseline="0" noProof="0">
-              <a:ln>
-                <a:noFill/>
-              </a:ln>
-              <a:solidFill>
-                <a:prstClr val="white"/>
-              </a:solidFill>
-              <a:effectLst/>
-              <a:uLnTx/>
-              <a:uFillTx/>
-              <a:latin typeface="Calibri" panose="020F0502020204030204"/>
-              <a:ea typeface="+mn-ea"/>
-              <a:cs typeface="+mn-cs"/>
-            </a:endParaRPr>
-          </a:p>
-        </p:txBody>
-      </p:sp>
-      <p:sp useBgFill="1">
-        <p:nvSpPr>
-          <p:cNvPr id="11" name="Freeform: Shape 10">
-            <a:extLst>
-              <a:ext uri="{FF2B5EF4-FFF2-40B4-BE49-F238E27FC236}">
-                <a16:creationId xmlns:a16="http://schemas.microsoft.com/office/drawing/2014/main" id="{C7F28D52-2A5F-4D23-81AE-7CB8B591C7AF}"/>
-              </a:ext>
-              <a:ext uri="{C183D7F6-B498-43B3-948B-1728B52AA6E4}">
-                <adec:decorative xmlns:adec="http://schemas.microsoft.com/office/drawing/2017/decorative" val="1"/>
-              </a:ext>
-            </a:extLst>
-          </p:cNvPr>
-          <p:cNvSpPr>
-            <a:spLocks noGrp="1" noRot="1" noChangeAspect="1" noMove="1" noResize="1" noEditPoints="1" noAdjustHandles="1" noChangeArrowheads="1" noChangeShapeType="1" noTextEdit="1"/>
-          </p:cNvSpPr>
-          <p:nvPr>
-            <p:extLst>
-              <p:ext uri="{386F3935-93C4-4BCD-93E2-E3B085C9AB24}">
-                <p16:designElem xmlns:p16="http://schemas.microsoft.com/office/powerpoint/2015/main" val="1"/>
-              </p:ext>
-            </p:extLst>
-          </p:nvPr>
-        </p:nvSpPr>
-        <p:spPr>
-          <a:xfrm>
-            <a:off x="1121664" y="0"/>
-            <a:ext cx="9948672" cy="6858000"/>
-          </a:xfrm>
-          <a:custGeom>
-            <a:avLst/>
-            <a:gdLst>
-              <a:gd name="connsiteX0" fmla="*/ 1595771 w 9963150"/>
-              <a:gd name="connsiteY0" fmla="*/ 0 h 6858000"/>
-              <a:gd name="connsiteX1" fmla="*/ 8367379 w 9963150"/>
-              <a:gd name="connsiteY1" fmla="*/ 0 h 6858000"/>
-              <a:gd name="connsiteX2" fmla="*/ 8504080 w 9963150"/>
-              <a:gd name="connsiteY2" fmla="*/ 130333 h 6858000"/>
-              <a:gd name="connsiteX3" fmla="*/ 9963150 w 9963150"/>
-              <a:gd name="connsiteY3" fmla="*/ 3652838 h 6858000"/>
-              <a:gd name="connsiteX4" fmla="*/ 8825600 w 9963150"/>
-              <a:gd name="connsiteY4" fmla="*/ 6821583 h 6858000"/>
-              <a:gd name="connsiteX5" fmla="*/ 8794055 w 9963150"/>
-              <a:gd name="connsiteY5" fmla="*/ 6858000 h 6858000"/>
-              <a:gd name="connsiteX6" fmla="*/ 1169096 w 9963150"/>
-              <a:gd name="connsiteY6" fmla="*/ 6858000 h 6858000"/>
-              <a:gd name="connsiteX7" fmla="*/ 1137550 w 9963150"/>
-              <a:gd name="connsiteY7" fmla="*/ 6821583 h 6858000"/>
-              <a:gd name="connsiteX8" fmla="*/ 0 w 9963150"/>
-              <a:gd name="connsiteY8" fmla="*/ 3652838 h 6858000"/>
-              <a:gd name="connsiteX9" fmla="*/ 1459070 w 9963150"/>
-              <a:gd name="connsiteY9" fmla="*/ 130333 h 6858000"/>
-            </a:gdLst>
-            <a:ahLst/>
-            <a:cxnLst>
-              <a:cxn ang="0">
-                <a:pos x="connsiteX0" y="connsiteY0"/>
-              </a:cxn>
-              <a:cxn ang="0">
-                <a:pos x="connsiteX1" y="connsiteY1"/>
-              </a:cxn>
-              <a:cxn ang="0">
-                <a:pos x="connsiteX2" y="connsiteY2"/>
-              </a:cxn>
-              <a:cxn ang="0">
-                <a:pos x="connsiteX3" y="connsiteY3"/>
-              </a:cxn>
-              <a:cxn ang="0">
-                <a:pos x="connsiteX4" y="connsiteY4"/>
-              </a:cxn>
-              <a:cxn ang="0">
-                <a:pos x="connsiteX5" y="connsiteY5"/>
-              </a:cxn>
-              <a:cxn ang="0">
-                <a:pos x="connsiteX6" y="connsiteY6"/>
-              </a:cxn>
-              <a:cxn ang="0">
-                <a:pos x="connsiteX7" y="connsiteY7"/>
-              </a:cxn>
-              <a:cxn ang="0">
-                <a:pos x="connsiteX8" y="connsiteY8"/>
-              </a:cxn>
-              <a:cxn ang="0">
-                <a:pos x="connsiteX9" y="connsiteY9"/>
-              </a:cxn>
-            </a:cxnLst>
-            <a:rect l="l" t="t" r="r" b="b"/>
-            <a:pathLst>
-              <a:path w="9963150" h="6858000">
-                <a:moveTo>
-                  <a:pt x="1595771" y="0"/>
-                </a:moveTo>
-                <a:lnTo>
-                  <a:pt x="8367379" y="0"/>
-                </a:lnTo>
-                <a:lnTo>
-                  <a:pt x="8504080" y="130333"/>
-                </a:lnTo>
-                <a:cubicBezTo>
-                  <a:pt x="9405568" y="1031820"/>
-                  <a:pt x="9963150" y="2277214"/>
-                  <a:pt x="9963150" y="3652838"/>
-                </a:cubicBezTo>
-                <a:cubicBezTo>
-                  <a:pt x="9963150" y="4856509"/>
-                  <a:pt x="9536251" y="5960473"/>
-                  <a:pt x="8825600" y="6821583"/>
-                </a:cubicBezTo>
-                <a:lnTo>
-                  <a:pt x="8794055" y="6858000"/>
-                </a:lnTo>
-                <a:lnTo>
-                  <a:pt x="1169096" y="6858000"/>
-                </a:lnTo>
-                <a:lnTo>
-                  <a:pt x="1137550" y="6821583"/>
-                </a:lnTo>
-                <a:cubicBezTo>
-                  <a:pt x="426899" y="5960473"/>
-                  <a:pt x="0" y="4856509"/>
-                  <a:pt x="0" y="3652838"/>
-                </a:cubicBezTo>
-                <a:cubicBezTo>
-                  <a:pt x="0" y="2277214"/>
-                  <a:pt x="557582" y="1031820"/>
-                  <a:pt x="1459070" y="130333"/>
-                </a:cubicBezTo>
-                <a:close/>
-              </a:path>
-            </a:pathLst>
-          </a:custGeom>
-          <a:ln w="9525">
-            <a:noFill/>
-          </a:ln>
-          <a:effectLst/>
-        </p:spPr>
-        <p:style>
-          <a:lnRef idx="2">
-            <a:schemeClr val="accent1">
-              <a:shade val="50000"/>
-            </a:schemeClr>
-          </a:lnRef>
-          <a:fillRef idx="1">
-            <a:schemeClr val="accent1"/>
-          </a:fillRef>
-          <a:effectRef idx="0">
-            <a:schemeClr val="accent1"/>
-          </a:effectRef>
-          <a:fontRef idx="minor">
-            <a:schemeClr val="lt1"/>
-          </a:fontRef>
-        </p:style>
-        <p:txBody>
-          <a:bodyPr wrap="square" rtlCol="0" anchor="ctr">
-            <a:noAutofit/>
-          </a:bodyPr>
-          <a:lstStyle/>
-          <a:p>
-            <a:pPr marL="0" marR="0" lvl="0" indent="0" algn="ctr" defTabSz="914400" rtl="0" eaLnBrk="1" fontAlgn="auto" latinLnBrk="0" hangingPunct="1">
-              <a:lnSpc>
-                <a:spcPct val="100000"/>
-              </a:lnSpc>
-              <a:spcBef>
-                <a:spcPts val="0"/>
-              </a:spcBef>
-              <a:spcAft>
-                <a:spcPts val="0"/>
-              </a:spcAft>
-              <a:buClrTx/>
-              <a:buSzTx/>
-              <a:buFontTx/>
-              <a:buNone/>
-              <a:tabLst/>
-              <a:defRPr/>
-            </a:pPr>
-            <a:endParaRPr kumimoji="0" lang="en-US" sz="1800" b="0" i="0" u="none" strike="noStrike" kern="1200" cap="none" spc="0" normalizeH="0" baseline="0" noProof="0">
-              <a:ln>
-                <a:noFill/>
-              </a:ln>
-              <a:solidFill>
-                <a:prstClr val="white"/>
-              </a:solidFill>
-              <a:effectLst/>
-              <a:uLnTx/>
-              <a:uFillTx/>
-              <a:latin typeface="Calibri" panose="020F0502020204030204"/>
-              <a:ea typeface="+mn-ea"/>
-              <a:cs typeface="+mn-cs"/>
-            </a:endParaRPr>
-          </a:p>
-        </p:txBody>
-      </p:sp>
-      <p:sp>
-        <p:nvSpPr>
-          <p:cNvPr id="2" name="Title 1">
-            <a:extLst>
-              <a:ext uri="{FF2B5EF4-FFF2-40B4-BE49-F238E27FC236}">
-                <a16:creationId xmlns:a16="http://schemas.microsoft.com/office/drawing/2014/main" id="{230E5FF9-57D1-481F-978A-B3EFE4610FD2}"/>
-              </a:ext>
-            </a:extLst>
-          </p:cNvPr>
-          <p:cNvSpPr>
-            <a:spLocks noGrp="1"/>
-          </p:cNvSpPr>
-          <p:nvPr>
-            <p:ph type="title"/>
-          </p:nvPr>
-        </p:nvSpPr>
-        <p:spPr>
-          <a:xfrm>
-            <a:off x="1524003" y="1999615"/>
-            <a:ext cx="9144000" cy="2764028"/>
-          </a:xfrm>
-        </p:spPr>
-        <p:txBody>
-          <a:bodyPr vert="horz" lIns="91440" tIns="45720" rIns="91440" bIns="45720" rtlCol="0" anchor="ctr">
-            <a:normAutofit/>
-          </a:bodyPr>
-          <a:lstStyle/>
-          <a:p>
-            <a:pPr algn="ctr"/>
-            <a:r>
-              <a:rPr lang="en-US" sz="7200" kern="1200">
-                <a:solidFill>
-                  <a:schemeClr val="tx1"/>
-                </a:solidFill>
-                <a:latin typeface="+mj-lt"/>
-                <a:ea typeface="+mj-ea"/>
-                <a:cs typeface="+mj-cs"/>
-              </a:rPr>
-              <a:t>Thank you</a:t>
-            </a:r>
-          </a:p>
-        </p:txBody>
-      </p:sp>
-      <p:sp>
-        <p:nvSpPr>
-          <p:cNvPr id="13" name="Rectangle 12">
-            <a:extLst>
-              <a:ext uri="{FF2B5EF4-FFF2-40B4-BE49-F238E27FC236}">
-                <a16:creationId xmlns:a16="http://schemas.microsoft.com/office/drawing/2014/main" id="{3629484E-3792-4B3D-89AD-7C8A1ED0E0D4}"/>
-              </a:ext>
-              <a:ext uri="{C183D7F6-B498-43B3-948B-1728B52AA6E4}">
-                <adec:decorative xmlns:adec="http://schemas.microsoft.com/office/drawing/2017/decorative" val="1"/>
-              </a:ext>
-            </a:extLst>
-          </p:cNvPr>
-          <p:cNvSpPr>
-            <a:spLocks noGrp="1" noRot="1" noChangeAspect="1" noMove="1" noResize="1" noEditPoints="1" noAdjustHandles="1" noChangeArrowheads="1" noChangeShapeType="1" noTextEdit="1"/>
-          </p:cNvSpPr>
-          <p:nvPr>
-            <p:extLst>
-              <p:ext uri="{386F3935-93C4-4BCD-93E2-E3B085C9AB24}">
-                <p16:designElem xmlns:p16="http://schemas.microsoft.com/office/powerpoint/2015/main" val="1"/>
-              </p:ext>
-            </p:extLst>
-          </p:nvPr>
-        </p:nvSpPr>
-        <p:spPr>
-          <a:xfrm>
-            <a:off x="3718560" y="5524786"/>
-            <a:ext cx="4754880" cy="27432"/>
-          </a:xfrm>
-          <a:prstGeom prst="rect">
-            <a:avLst/>
-          </a:prstGeom>
-          <a:solidFill>
-            <a:schemeClr val="accent2"/>
-          </a:solidFill>
-          <a:ln>
-            <a:noFill/>
-          </a:ln>
-        </p:spPr>
-        <p:style>
-          <a:lnRef idx="2">
-            <a:schemeClr val="accent1">
-              <a:shade val="50000"/>
-            </a:schemeClr>
-          </a:lnRef>
-          <a:fillRef idx="1">
-            <a:schemeClr val="accent1"/>
-          </a:fillRef>
-          <a:effectRef idx="0">
-            <a:schemeClr val="accent1"/>
-          </a:effectRef>
-          <a:fontRef idx="minor">
-            <a:schemeClr val="lt1"/>
-          </a:fontRef>
-        </p:style>
-        <p:txBody>
-          <a:bodyPr rtlCol="0" anchor="ctr"/>
-          <a:lstStyle/>
-          <a:p>
-            <a:pPr marL="0" marR="0" lvl="0" indent="0" algn="ctr" defTabSz="914400" rtl="0" eaLnBrk="1" fontAlgn="auto" latinLnBrk="0" hangingPunct="1">
-              <a:lnSpc>
-                <a:spcPct val="100000"/>
-              </a:lnSpc>
-              <a:spcBef>
-                <a:spcPts val="0"/>
-              </a:spcBef>
-              <a:spcAft>
-                <a:spcPts val="0"/>
-              </a:spcAft>
-              <a:buClrTx/>
-              <a:buSzTx/>
-              <a:buFontTx/>
-              <a:buNone/>
-              <a:tabLst/>
-              <a:defRPr/>
-            </a:pPr>
-            <a:endParaRPr kumimoji="0" lang="en-US" sz="1800" b="0" i="0" u="none" strike="noStrike" kern="1200" cap="none" spc="0" normalizeH="0" baseline="0" noProof="0">
-              <a:ln>
-                <a:noFill/>
-              </a:ln>
-              <a:solidFill>
-                <a:prstClr val="white"/>
-              </a:solidFill>
-              <a:effectLst/>
-              <a:uLnTx/>
-              <a:uFillTx/>
-              <a:latin typeface="Calibri" panose="020F0502020204030204"/>
-              <a:ea typeface="+mn-ea"/>
-              <a:cs typeface="+mn-cs"/>
-            </a:endParaRPr>
-          </a:p>
-        </p:txBody>
-      </p:sp>
-    </p:spTree>
-    <p:extLst>
-      <p:ext uri="{BB962C8B-B14F-4D97-AF65-F5344CB8AC3E}">
-        <p14:creationId xmlns:p14="http://schemas.microsoft.com/office/powerpoint/2010/main" val="1104827844"/>
-      </p:ext>
-    </p:extLst>
-  </p:cSld>
-  <p:clrMapOvr>
-    <a:masterClrMapping/>
-  </p:clrMapOvr>
-</p:sld>
-</file>
-
-<file path=ppt/slides/slide17.xml><?xml version="1.0" encoding="utf-8"?>
-<p:sld xmlns:a="http://schemas.openxmlformats.org/drawingml/2006/main" xmlns:r="http://schemas.openxmlformats.org/officeDocument/2006/relationships" xmlns:p="http://schemas.openxmlformats.org/presentationml/2006/main">
-  <p:cSld>
-    <p:spTree>
-      <p:nvGrpSpPr>
-        <p:cNvPr id="1" name=""/>
-        <p:cNvGrpSpPr/>
-        <p:nvPr/>
-      </p:nvGrpSpPr>
-      <p:grpSpPr>
-        <a:xfrm>
-          <a:off x="0" y="0"/>
-          <a:ext cx="0" cy="0"/>
-          <a:chOff x="0" y="0"/>
-          <a:chExt cx="0" cy="0"/>
-        </a:xfrm>
-      </p:grpSpPr>
-      <p:sp>
-        <p:nvSpPr>
-          <p:cNvPr id="2" name="Title 1">
-            <a:extLst>
-              <a:ext uri="{FF2B5EF4-FFF2-40B4-BE49-F238E27FC236}">
-                <a16:creationId xmlns:a16="http://schemas.microsoft.com/office/drawing/2014/main" id="{47CB1DD9-A108-41AE-A941-4957E4082EF4}"/>
-              </a:ext>
-            </a:extLst>
-          </p:cNvPr>
-          <p:cNvSpPr>
-            <a:spLocks noGrp="1"/>
-          </p:cNvSpPr>
-          <p:nvPr>
-            <p:ph type="title"/>
-          </p:nvPr>
-        </p:nvSpPr>
-        <p:spPr/>
-        <p:txBody>
-          <a:bodyPr/>
-          <a:lstStyle/>
-          <a:p>
-            <a:r>
-              <a:rPr lang="en-US" dirty="0">
-                <a:latin typeface="Univers (body)"/>
-              </a:rPr>
-              <a:t>Appendix</a:t>
-            </a:r>
-          </a:p>
-        </p:txBody>
-      </p:sp>
-    </p:spTree>
-    <p:extLst>
-      <p:ext uri="{BB962C8B-B14F-4D97-AF65-F5344CB8AC3E}">
-        <p14:creationId xmlns:p14="http://schemas.microsoft.com/office/powerpoint/2010/main" val="3864256442"/>
-      </p:ext>
-    </p:extLst>
-  </p:cSld>
-  <p:clrMapOvr>
-    <a:masterClrMapping/>
-  </p:clrMapOvr>
-</p:sld>
-</file>
-
-<file path=ppt/slides/slide18.xml><?xml version="1.0" encoding="utf-8"?>
-<p:sld xmlns:a="http://schemas.openxmlformats.org/drawingml/2006/main" xmlns:r="http://schemas.openxmlformats.org/officeDocument/2006/relationships" xmlns:p="http://schemas.openxmlformats.org/presentationml/2006/main">
-  <p:cSld>
-    <p:spTree>
-      <p:nvGrpSpPr>
-        <p:cNvPr id="1" name=""/>
-        <p:cNvGrpSpPr/>
-        <p:nvPr/>
-      </p:nvGrpSpPr>
-      <p:grpSpPr>
-        <a:xfrm>
-          <a:off x="0" y="0"/>
-          <a:ext cx="0" cy="0"/>
-          <a:chOff x="0" y="0"/>
-          <a:chExt cx="0" cy="0"/>
-        </a:xfrm>
-      </p:grpSpPr>
-      <p:sp>
-        <p:nvSpPr>
-          <p:cNvPr id="2" name="Title 1">
-            <a:extLst>
-              <a:ext uri="{FF2B5EF4-FFF2-40B4-BE49-F238E27FC236}">
-                <a16:creationId xmlns:a16="http://schemas.microsoft.com/office/drawing/2014/main" id="{35D973D6-71EC-45D9-B233-8B21390D16AA}"/>
-              </a:ext>
-            </a:extLst>
-          </p:cNvPr>
-          <p:cNvSpPr>
-            <a:spLocks noGrp="1"/>
-          </p:cNvSpPr>
-          <p:nvPr>
-            <p:ph type="title"/>
-          </p:nvPr>
-        </p:nvSpPr>
-        <p:spPr/>
-        <p:txBody>
-          <a:bodyPr/>
-          <a:lstStyle/>
-          <a:p>
-            <a:r>
-              <a:rPr lang="en-US" dirty="0">
-                <a:latin typeface="Univers (body)"/>
-              </a:rPr>
-              <a:t>In California, Testing and Race Emerged as Strongest Predictors</a:t>
-            </a:r>
-          </a:p>
-        </p:txBody>
-      </p:sp>
-      <p:pic>
-        <p:nvPicPr>
-          <p:cNvPr id="6" name="Content Placeholder 5" descr="Chart, bar chart&#10;&#10;Description automatically generated">
-            <a:extLst>
-              <a:ext uri="{FF2B5EF4-FFF2-40B4-BE49-F238E27FC236}">
-                <a16:creationId xmlns:a16="http://schemas.microsoft.com/office/drawing/2014/main" id="{CD1F4428-9C1D-4E9C-AF4C-2E458239EB23}"/>
-              </a:ext>
-            </a:extLst>
-          </p:cNvPr>
-          <p:cNvPicPr>
-            <a:picLocks noGrp="1" noChangeAspect="1"/>
-          </p:cNvPicPr>
-          <p:nvPr>
-            <p:ph sz="half" idx="1"/>
-          </p:nvPr>
-        </p:nvPicPr>
-        <p:blipFill>
-          <a:blip r:embed="rId2">
-            <a:extLst>
-              <a:ext uri="{28A0092B-C50C-407E-A947-70E740481C1C}">
-                <a14:useLocalDpi xmlns:a14="http://schemas.microsoft.com/office/drawing/2010/main" val="0"/>
-              </a:ext>
-            </a:extLst>
-          </a:blip>
-          <a:stretch>
-            <a:fillRect/>
-          </a:stretch>
-        </p:blipFill>
-        <p:spPr>
-          <a:xfrm>
-            <a:off x="304598" y="2096860"/>
-            <a:ext cx="5791402" cy="3900986"/>
-          </a:xfrm>
-        </p:spPr>
-      </p:pic>
-      <p:pic>
-        <p:nvPicPr>
-          <p:cNvPr id="8" name="Content Placeholder 7" descr="Chart, scatter chart&#10;&#10;Description automatically generated">
-            <a:extLst>
-              <a:ext uri="{FF2B5EF4-FFF2-40B4-BE49-F238E27FC236}">
-                <a16:creationId xmlns:a16="http://schemas.microsoft.com/office/drawing/2014/main" id="{2FFEAE23-A9BC-49CE-BB1A-7D10C3BB1F7C}"/>
-              </a:ext>
-            </a:extLst>
-          </p:cNvPr>
-          <p:cNvPicPr>
-            <a:picLocks noGrp="1" noChangeAspect="1"/>
-          </p:cNvPicPr>
-          <p:nvPr>
-            <p:ph sz="half" idx="2"/>
-          </p:nvPr>
-        </p:nvPicPr>
-        <p:blipFill>
-          <a:blip r:embed="rId3">
-            <a:extLst>
-              <a:ext uri="{28A0092B-C50C-407E-A947-70E740481C1C}">
-                <a14:useLocalDpi xmlns:a14="http://schemas.microsoft.com/office/drawing/2010/main" val="0"/>
-              </a:ext>
-            </a:extLst>
-          </a:blip>
-          <a:stretch>
-            <a:fillRect/>
-          </a:stretch>
-        </p:blipFill>
-        <p:spPr>
-          <a:xfrm>
-            <a:off x="6253843" y="2015194"/>
-            <a:ext cx="5181600" cy="4064317"/>
-          </a:xfrm>
-        </p:spPr>
-      </p:pic>
-    </p:spTree>
-    <p:extLst>
-      <p:ext uri="{BB962C8B-B14F-4D97-AF65-F5344CB8AC3E}">
-        <p14:creationId xmlns:p14="http://schemas.microsoft.com/office/powerpoint/2010/main" val="577137192"/>
-      </p:ext>
-    </p:extLst>
-  </p:cSld>
-  <p:clrMapOvr>
-    <a:masterClrMapping/>
-  </p:clrMapOvr>
-</p:sld>
-</file>
-
-<file path=ppt/slides/slide19.xml><?xml version="1.0" encoding="utf-8"?>
-<p:sld xmlns:a="http://schemas.openxmlformats.org/drawingml/2006/main" xmlns:r="http://schemas.openxmlformats.org/officeDocument/2006/relationships" xmlns:p="http://schemas.openxmlformats.org/presentationml/2006/main">
-  <p:cSld>
-    <p:spTree>
-      <p:nvGrpSpPr>
-        <p:cNvPr id="1" name=""/>
-        <p:cNvGrpSpPr/>
-        <p:nvPr/>
-      </p:nvGrpSpPr>
-      <p:grpSpPr>
-        <a:xfrm>
-          <a:off x="0" y="0"/>
-          <a:ext cx="0" cy="0"/>
-          <a:chOff x="0" y="0"/>
-          <a:chExt cx="0" cy="0"/>
-        </a:xfrm>
-      </p:grpSpPr>
-      <p:sp>
-        <p:nvSpPr>
-          <p:cNvPr id="2" name="Title 1">
-            <a:extLst>
-              <a:ext uri="{FF2B5EF4-FFF2-40B4-BE49-F238E27FC236}">
-                <a16:creationId xmlns:a16="http://schemas.microsoft.com/office/drawing/2014/main" id="{35D973D6-71EC-45D9-B233-8B21390D16AA}"/>
-              </a:ext>
-            </a:extLst>
-          </p:cNvPr>
-          <p:cNvSpPr>
-            <a:spLocks noGrp="1"/>
-          </p:cNvSpPr>
-          <p:nvPr>
-            <p:ph type="title"/>
-          </p:nvPr>
-        </p:nvSpPr>
-        <p:spPr/>
-        <p:txBody>
-          <a:bodyPr/>
-          <a:lstStyle/>
-          <a:p>
-            <a:r>
-              <a:rPr lang="en-US" dirty="0">
-                <a:latin typeface="Univers (body)"/>
-              </a:rPr>
-              <a:t>In Florida, Race Emerged as Strongest Predictors</a:t>
-            </a:r>
-          </a:p>
-        </p:txBody>
-      </p:sp>
-      <p:pic>
-        <p:nvPicPr>
-          <p:cNvPr id="10" name="Content Placeholder 9" descr="Chart, bar chart&#10;&#10;Description automatically generated">
-            <a:extLst>
-              <a:ext uri="{FF2B5EF4-FFF2-40B4-BE49-F238E27FC236}">
-                <a16:creationId xmlns:a16="http://schemas.microsoft.com/office/drawing/2014/main" id="{E312025E-BD8A-4464-9C0E-0EAC92745425}"/>
-              </a:ext>
-            </a:extLst>
-          </p:cNvPr>
-          <p:cNvPicPr>
-            <a:picLocks noGrp="1" noChangeAspect="1"/>
-          </p:cNvPicPr>
-          <p:nvPr>
-            <p:ph sz="half" idx="1"/>
-          </p:nvPr>
-        </p:nvPicPr>
-        <p:blipFill>
-          <a:blip r:embed="rId2">
-            <a:extLst>
-              <a:ext uri="{28A0092B-C50C-407E-A947-70E740481C1C}">
-                <a14:useLocalDpi xmlns:a14="http://schemas.microsoft.com/office/drawing/2010/main" val="0"/>
-              </a:ext>
-            </a:extLst>
-          </a:blip>
-          <a:stretch>
-            <a:fillRect/>
-          </a:stretch>
-        </p:blipFill>
-        <p:spPr>
-          <a:xfrm>
-            <a:off x="223575" y="2208201"/>
-            <a:ext cx="5954070" cy="3827616"/>
-          </a:xfrm>
-        </p:spPr>
-      </p:pic>
-      <p:pic>
-        <p:nvPicPr>
-          <p:cNvPr id="12" name="Content Placeholder 11" descr="Chart, scatter chart&#10;&#10;Description automatically generated">
-            <a:extLst>
-              <a:ext uri="{FF2B5EF4-FFF2-40B4-BE49-F238E27FC236}">
-                <a16:creationId xmlns:a16="http://schemas.microsoft.com/office/drawing/2014/main" id="{407A4FD5-049D-4515-AA3C-C6DB394EED30}"/>
-              </a:ext>
-            </a:extLst>
-          </p:cNvPr>
-          <p:cNvPicPr>
-            <a:picLocks noGrp="1" noChangeAspect="1"/>
-          </p:cNvPicPr>
-          <p:nvPr>
-            <p:ph sz="half" idx="2"/>
-          </p:nvPr>
-        </p:nvPicPr>
-        <p:blipFill>
-          <a:blip r:embed="rId3">
-            <a:extLst>
-              <a:ext uri="{28A0092B-C50C-407E-A947-70E740481C1C}">
-                <a14:useLocalDpi xmlns:a14="http://schemas.microsoft.com/office/drawing/2010/main" val="0"/>
-              </a:ext>
-            </a:extLst>
-          </a:blip>
-          <a:stretch>
-            <a:fillRect/>
-          </a:stretch>
-        </p:blipFill>
-        <p:spPr>
-          <a:xfrm>
-            <a:off x="6417130" y="2208201"/>
-            <a:ext cx="5181600" cy="3978072"/>
-          </a:xfrm>
-        </p:spPr>
-      </p:pic>
-    </p:spTree>
-    <p:extLst>
-      <p:ext uri="{BB962C8B-B14F-4D97-AF65-F5344CB8AC3E}">
-        <p14:creationId xmlns:p14="http://schemas.microsoft.com/office/powerpoint/2010/main" val="3391945793"/>
-      </p:ext>
-    </p:extLst>
-  </p:cSld>
-  <p:clrMapOvr>
-    <a:masterClrMapping/>
-  </p:clrMapOvr>
-</p:sld>
-</file>
-
-<file path=ppt/slides/slide2.xml><?xml version="1.0" encoding="utf-8"?>
-<p:sld xmlns:a="http://schemas.openxmlformats.org/drawingml/2006/main" xmlns:r="http://schemas.openxmlformats.org/officeDocument/2006/relationships" xmlns:p="http://schemas.openxmlformats.org/presentationml/2006/main">
-  <p:cSld>
-    <p:spTree>
-      <p:nvGrpSpPr>
-        <p:cNvPr id="1" name=""/>
-        <p:cNvGrpSpPr/>
-        <p:nvPr/>
-      </p:nvGrpSpPr>
-      <p:grpSpPr>
-        <a:xfrm>
-          <a:off x="0" y="0"/>
-          <a:ext cx="0" cy="0"/>
-          <a:chOff x="0" y="0"/>
-          <a:chExt cx="0" cy="0"/>
-        </a:xfrm>
-      </p:grpSpPr>
-      <p:sp>
-        <p:nvSpPr>
-          <p:cNvPr id="2" name="Title 1">
-            <a:extLst>
-              <a:ext uri="{FF2B5EF4-FFF2-40B4-BE49-F238E27FC236}">
-                <a16:creationId xmlns:a16="http://schemas.microsoft.com/office/drawing/2014/main" id="{1C086237-4AD6-4141-95B3-E7ADF12CD7CA}"/>
-              </a:ext>
-            </a:extLst>
-          </p:cNvPr>
-          <p:cNvSpPr>
-            <a:spLocks noGrp="1"/>
-          </p:cNvSpPr>
-          <p:nvPr>
-            <p:ph type="title"/>
-          </p:nvPr>
-        </p:nvSpPr>
-        <p:spPr>
-          <a:xfrm>
-            <a:off x="642815" y="505802"/>
-            <a:ext cx="11103708" cy="1325563"/>
-          </a:xfrm>
-        </p:spPr>
-        <p:txBody>
-          <a:bodyPr/>
-          <a:lstStyle/>
-          <a:p>
-            <a:pPr algn="ctr"/>
-            <a:r>
-              <a:rPr lang="en-US" dirty="0">
-                <a:latin typeface="Univers (body)"/>
-                <a:cs typeface="Arial" panose="020B0604020202020204" pitchFamily="34" charset="0"/>
-              </a:rPr>
-              <a:t>Can we predict COVID-19 severity using demographic data?</a:t>
-            </a:r>
-          </a:p>
-        </p:txBody>
-      </p:sp>
-      <p:pic>
-        <p:nvPicPr>
-          <p:cNvPr id="5" name="Content Placeholder 4" descr="Map&#10;&#10;Description automatically generated">
-            <a:extLst>
-              <a:ext uri="{FF2B5EF4-FFF2-40B4-BE49-F238E27FC236}">
-                <a16:creationId xmlns:a16="http://schemas.microsoft.com/office/drawing/2014/main" id="{B63EA9B2-1151-47BE-9DD8-FE89AAE60894}"/>
-              </a:ext>
-            </a:extLst>
-          </p:cNvPr>
-          <p:cNvPicPr>
-            <a:picLocks noGrp="1" noChangeAspect="1"/>
-          </p:cNvPicPr>
-          <p:nvPr>
-            <p:ph idx="1"/>
-          </p:nvPr>
-        </p:nvPicPr>
-        <p:blipFill>
-          <a:blip r:embed="rId2">
-            <a:extLst>
-              <a:ext uri="{28A0092B-C50C-407E-A947-70E740481C1C}">
-                <a14:useLocalDpi xmlns:a14="http://schemas.microsoft.com/office/drawing/2010/main" val="0"/>
-              </a:ext>
-            </a:extLst>
-          </a:blip>
-          <a:stretch>
-            <a:fillRect/>
-          </a:stretch>
-        </p:blipFill>
-        <p:spPr>
-          <a:xfrm>
-            <a:off x="2313368" y="2146055"/>
-            <a:ext cx="7299541" cy="4351338"/>
-          </a:xfrm>
-        </p:spPr>
-      </p:pic>
-    </p:spTree>
-    <p:extLst>
-      <p:ext uri="{BB962C8B-B14F-4D97-AF65-F5344CB8AC3E}">
-        <p14:creationId xmlns:p14="http://schemas.microsoft.com/office/powerpoint/2010/main" val="1716994429"/>
-      </p:ext>
-    </p:extLst>
-  </p:cSld>
-  <p:clrMapOvr>
-    <a:masterClrMapping/>
-  </p:clrMapOvr>
-</p:sld>
-</file>
-
-<file path=ppt/slides/slide20.xml><?xml version="1.0" encoding="utf-8"?>
-<p:sld xmlns:a="http://schemas.openxmlformats.org/drawingml/2006/main" xmlns:r="http://schemas.openxmlformats.org/officeDocument/2006/relationships" xmlns:p="http://schemas.openxmlformats.org/presentationml/2006/main">
-  <p:cSld>
-    <p:spTree>
-      <p:nvGrpSpPr>
-        <p:cNvPr id="1" name=""/>
-        <p:cNvGrpSpPr/>
-        <p:nvPr/>
-      </p:nvGrpSpPr>
-      <p:grpSpPr>
-        <a:xfrm>
-          <a:off x="0" y="0"/>
-          <a:ext cx="0" cy="0"/>
-          <a:chOff x="0" y="0"/>
-          <a:chExt cx="0" cy="0"/>
-        </a:xfrm>
-      </p:grpSpPr>
-      <p:sp>
-        <p:nvSpPr>
-          <p:cNvPr id="2" name="Title 1">
-            <a:extLst>
-              <a:ext uri="{FF2B5EF4-FFF2-40B4-BE49-F238E27FC236}">
-                <a16:creationId xmlns:a16="http://schemas.microsoft.com/office/drawing/2014/main" id="{35D973D6-71EC-45D9-B233-8B21390D16AA}"/>
-              </a:ext>
-            </a:extLst>
-          </p:cNvPr>
-          <p:cNvSpPr>
-            <a:spLocks noGrp="1"/>
-          </p:cNvSpPr>
-          <p:nvPr>
-            <p:ph type="title"/>
-          </p:nvPr>
-        </p:nvSpPr>
-        <p:spPr/>
-        <p:txBody>
-          <a:bodyPr/>
-          <a:lstStyle/>
-          <a:p>
-            <a:r>
-              <a:rPr lang="en-US" dirty="0">
-                <a:latin typeface="Univers (body)"/>
-              </a:rPr>
-              <a:t>In Illinois, Age and Being Insured Emerged as Strongest Predictors</a:t>
-            </a:r>
-          </a:p>
-        </p:txBody>
-      </p:sp>
-      <p:pic>
-        <p:nvPicPr>
-          <p:cNvPr id="8" name="Content Placeholder 7" descr="Chart, bar chart&#10;&#10;Description automatically generated">
-            <a:extLst>
-              <a:ext uri="{FF2B5EF4-FFF2-40B4-BE49-F238E27FC236}">
-                <a16:creationId xmlns:a16="http://schemas.microsoft.com/office/drawing/2014/main" id="{04B03B16-784B-4AF6-BD02-D6ED6E1CD5D4}"/>
-              </a:ext>
-            </a:extLst>
-          </p:cNvPr>
-          <p:cNvPicPr>
-            <a:picLocks noGrp="1" noChangeAspect="1"/>
-          </p:cNvPicPr>
-          <p:nvPr>
-            <p:ph sz="half" idx="1"/>
-          </p:nvPr>
-        </p:nvPicPr>
-        <p:blipFill>
-          <a:blip r:embed="rId2">
-            <a:extLst>
-              <a:ext uri="{28A0092B-C50C-407E-A947-70E740481C1C}">
-                <a14:useLocalDpi xmlns:a14="http://schemas.microsoft.com/office/drawing/2010/main" val="0"/>
-              </a:ext>
-            </a:extLst>
-          </a:blip>
-          <a:stretch>
-            <a:fillRect/>
-          </a:stretch>
-        </p:blipFill>
-        <p:spPr>
-          <a:xfrm>
-            <a:off x="359229" y="2294357"/>
-            <a:ext cx="5521778" cy="3501406"/>
-          </a:xfrm>
-        </p:spPr>
-      </p:pic>
-      <p:pic>
-        <p:nvPicPr>
-          <p:cNvPr id="11" name="Content Placeholder 10" descr="Chart, scatter chart&#10;&#10;Description automatically generated">
-            <a:extLst>
-              <a:ext uri="{FF2B5EF4-FFF2-40B4-BE49-F238E27FC236}">
-                <a16:creationId xmlns:a16="http://schemas.microsoft.com/office/drawing/2014/main" id="{32F0EA16-181C-478B-86C7-6C6431CF5298}"/>
-              </a:ext>
-            </a:extLst>
-          </p:cNvPr>
-          <p:cNvPicPr>
-            <a:picLocks noGrp="1" noChangeAspect="1"/>
-          </p:cNvPicPr>
-          <p:nvPr>
-            <p:ph sz="half" idx="2"/>
-          </p:nvPr>
-        </p:nvPicPr>
-        <p:blipFill>
-          <a:blip r:embed="rId3">
-            <a:extLst>
-              <a:ext uri="{28A0092B-C50C-407E-A947-70E740481C1C}">
-                <a14:useLocalDpi xmlns:a14="http://schemas.microsoft.com/office/drawing/2010/main" val="0"/>
-              </a:ext>
-            </a:extLst>
-          </a:blip>
-          <a:stretch>
-            <a:fillRect/>
-          </a:stretch>
-        </p:blipFill>
-        <p:spPr>
-          <a:xfrm>
-            <a:off x="6096000" y="2192780"/>
-            <a:ext cx="5442857" cy="3754604"/>
-          </a:xfrm>
-        </p:spPr>
-      </p:pic>
-    </p:spTree>
-    <p:extLst>
-      <p:ext uri="{BB962C8B-B14F-4D97-AF65-F5344CB8AC3E}">
-        <p14:creationId xmlns:p14="http://schemas.microsoft.com/office/powerpoint/2010/main" val="1050194192"/>
-      </p:ext>
-    </p:extLst>
-  </p:cSld>
-  <p:clrMapOvr>
-    <a:masterClrMapping/>
-  </p:clrMapOvr>
-</p:sld>
-</file>
-
-<file path=ppt/slides/slide21.xml><?xml version="1.0" encoding="utf-8"?>
-<p:sld xmlns:a="http://schemas.openxmlformats.org/drawingml/2006/main" xmlns:r="http://schemas.openxmlformats.org/officeDocument/2006/relationships" xmlns:p="http://schemas.openxmlformats.org/presentationml/2006/main">
-  <p:cSld>
-    <p:spTree>
-      <p:nvGrpSpPr>
-        <p:cNvPr id="1" name=""/>
-        <p:cNvGrpSpPr/>
-        <p:nvPr/>
-      </p:nvGrpSpPr>
-      <p:grpSpPr>
-        <a:xfrm>
-          <a:off x="0" y="0"/>
-          <a:ext cx="0" cy="0"/>
-          <a:chOff x="0" y="0"/>
-          <a:chExt cx="0" cy="0"/>
-        </a:xfrm>
-      </p:grpSpPr>
-      <p:sp>
-        <p:nvSpPr>
-          <p:cNvPr id="2" name="Title 1">
-            <a:extLst>
-              <a:ext uri="{FF2B5EF4-FFF2-40B4-BE49-F238E27FC236}">
-                <a16:creationId xmlns:a16="http://schemas.microsoft.com/office/drawing/2014/main" id="{35D973D6-71EC-45D9-B233-8B21390D16AA}"/>
-              </a:ext>
-            </a:extLst>
-          </p:cNvPr>
-          <p:cNvSpPr>
-            <a:spLocks noGrp="1"/>
-          </p:cNvSpPr>
-          <p:nvPr>
-            <p:ph type="title"/>
-          </p:nvPr>
-        </p:nvSpPr>
-        <p:spPr/>
-        <p:txBody>
-          <a:bodyPr>
-            <a:normAutofit/>
-          </a:bodyPr>
-          <a:lstStyle/>
-          <a:p>
-            <a:r>
-              <a:rPr lang="en-US" dirty="0">
-                <a:latin typeface="Univers (body)"/>
-              </a:rPr>
-              <a:t>In New York, Race and Age Emerged as Strongest Predictors</a:t>
-            </a:r>
-          </a:p>
-        </p:txBody>
-      </p:sp>
-      <p:pic>
-        <p:nvPicPr>
-          <p:cNvPr id="9" name="Content Placeholder 8" descr="Chart, bar chart&#10;&#10;Description automatically generated">
-            <a:extLst>
-              <a:ext uri="{FF2B5EF4-FFF2-40B4-BE49-F238E27FC236}">
-                <a16:creationId xmlns:a16="http://schemas.microsoft.com/office/drawing/2014/main" id="{FA16E064-5C9E-4131-897E-546106F8CD7C}"/>
-              </a:ext>
-            </a:extLst>
-          </p:cNvPr>
-          <p:cNvPicPr>
-            <a:picLocks noGrp="1" noChangeAspect="1"/>
-          </p:cNvPicPr>
-          <p:nvPr>
-            <p:ph sz="half" idx="1"/>
-          </p:nvPr>
-        </p:nvPicPr>
-        <p:blipFill>
-          <a:blip r:embed="rId2">
-            <a:extLst>
-              <a:ext uri="{28A0092B-C50C-407E-A947-70E740481C1C}">
-                <a14:useLocalDpi xmlns:a14="http://schemas.microsoft.com/office/drawing/2010/main" val="0"/>
-              </a:ext>
-            </a:extLst>
-          </a:blip>
-          <a:stretch>
-            <a:fillRect/>
-          </a:stretch>
-        </p:blipFill>
-        <p:spPr>
-          <a:xfrm>
-            <a:off x="253752" y="2407548"/>
-            <a:ext cx="5766049" cy="3547019"/>
-          </a:xfrm>
-        </p:spPr>
-      </p:pic>
-      <p:pic>
-        <p:nvPicPr>
-          <p:cNvPr id="12" name="Content Placeholder 11" descr="Chart, scatter chart&#10;&#10;Description automatically generated">
-            <a:extLst>
-              <a:ext uri="{FF2B5EF4-FFF2-40B4-BE49-F238E27FC236}">
-                <a16:creationId xmlns:a16="http://schemas.microsoft.com/office/drawing/2014/main" id="{44EFA7C4-B3B3-4025-9B42-ABFB477BE816}"/>
-              </a:ext>
-            </a:extLst>
-          </p:cNvPr>
-          <p:cNvPicPr>
-            <a:picLocks noGrp="1" noChangeAspect="1"/>
-          </p:cNvPicPr>
-          <p:nvPr>
-            <p:ph sz="half" idx="2"/>
-          </p:nvPr>
-        </p:nvPicPr>
-        <p:blipFill>
-          <a:blip r:embed="rId3">
-            <a:extLst>
-              <a:ext uri="{28A0092B-C50C-407E-A947-70E740481C1C}">
-                <a14:useLocalDpi xmlns:a14="http://schemas.microsoft.com/office/drawing/2010/main" val="0"/>
-              </a:ext>
-            </a:extLst>
-          </a:blip>
-          <a:stretch>
-            <a:fillRect/>
-          </a:stretch>
-        </p:blipFill>
-        <p:spPr>
-          <a:xfrm>
-            <a:off x="6457950" y="2325607"/>
-            <a:ext cx="5181600" cy="3906546"/>
-          </a:xfrm>
-        </p:spPr>
-      </p:pic>
-    </p:spTree>
-    <p:extLst>
-      <p:ext uri="{BB962C8B-B14F-4D97-AF65-F5344CB8AC3E}">
-        <p14:creationId xmlns:p14="http://schemas.microsoft.com/office/powerpoint/2010/main" val="458866838"/>
-      </p:ext>
-    </p:extLst>
-  </p:cSld>
-  <p:clrMapOvr>
-    <a:masterClrMapping/>
-  </p:clrMapOvr>
-</p:sld>
-</file>
-
-<file path=ppt/slides/slide22.xml><?xml version="1.0" encoding="utf-8"?>
-<p:sld xmlns:a="http://schemas.openxmlformats.org/drawingml/2006/main" xmlns:r="http://schemas.openxmlformats.org/officeDocument/2006/relationships" xmlns:p="http://schemas.openxmlformats.org/presentationml/2006/main">
-  <p:cSld>
-    <p:spTree>
-      <p:nvGrpSpPr>
-        <p:cNvPr id="1" name=""/>
-        <p:cNvGrpSpPr/>
-        <p:nvPr/>
-      </p:nvGrpSpPr>
-      <p:grpSpPr>
-        <a:xfrm>
-          <a:off x="0" y="0"/>
-          <a:ext cx="0" cy="0"/>
-          <a:chOff x="0" y="0"/>
-          <a:chExt cx="0" cy="0"/>
-        </a:xfrm>
-      </p:grpSpPr>
-      <p:sp>
-        <p:nvSpPr>
-          <p:cNvPr id="2" name="Title 1">
-            <a:extLst>
-              <a:ext uri="{FF2B5EF4-FFF2-40B4-BE49-F238E27FC236}">
-                <a16:creationId xmlns:a16="http://schemas.microsoft.com/office/drawing/2014/main" id="{35D973D6-71EC-45D9-B233-8B21390D16AA}"/>
-              </a:ext>
-            </a:extLst>
-          </p:cNvPr>
-          <p:cNvSpPr>
-            <a:spLocks noGrp="1"/>
-          </p:cNvSpPr>
-          <p:nvPr>
-            <p:ph type="title"/>
-          </p:nvPr>
-        </p:nvSpPr>
-        <p:spPr/>
-        <p:txBody>
-          <a:bodyPr>
-            <a:normAutofit/>
-          </a:bodyPr>
-          <a:lstStyle/>
-          <a:p>
-            <a:r>
-              <a:rPr lang="en-US">
-                <a:latin typeface="Univers (body)"/>
-              </a:rPr>
-              <a:t>In Texas, Race and Income Emerged as Strongest Predictors</a:t>
-            </a:r>
-            <a:endParaRPr lang="en-US" dirty="0">
-              <a:latin typeface="Univers (body)"/>
-            </a:endParaRPr>
-          </a:p>
-        </p:txBody>
-      </p:sp>
-      <p:pic>
-        <p:nvPicPr>
-          <p:cNvPr id="8" name="Content Placeholder 7" descr="Chart&#10;&#10;Description automatically generated">
-            <a:extLst>
-              <a:ext uri="{FF2B5EF4-FFF2-40B4-BE49-F238E27FC236}">
-                <a16:creationId xmlns:a16="http://schemas.microsoft.com/office/drawing/2014/main" id="{85D0746E-0DEC-4550-8D3E-0ACB2D8F7700}"/>
-              </a:ext>
-            </a:extLst>
-          </p:cNvPr>
-          <p:cNvPicPr>
-            <a:picLocks noGrp="1" noChangeAspect="1"/>
-          </p:cNvPicPr>
-          <p:nvPr>
-            <p:ph sz="half" idx="1"/>
-          </p:nvPr>
-        </p:nvPicPr>
-        <p:blipFill>
-          <a:blip r:embed="rId2">
-            <a:extLst>
-              <a:ext uri="{28A0092B-C50C-407E-A947-70E740481C1C}">
-                <a14:useLocalDpi xmlns:a14="http://schemas.microsoft.com/office/drawing/2010/main" val="0"/>
-              </a:ext>
-            </a:extLst>
-          </a:blip>
-          <a:stretch>
-            <a:fillRect/>
-          </a:stretch>
-        </p:blipFill>
-        <p:spPr>
-          <a:xfrm>
-            <a:off x="406004" y="2155371"/>
-            <a:ext cx="5613797" cy="3742531"/>
-          </a:xfrm>
-        </p:spPr>
-      </p:pic>
-      <p:pic>
-        <p:nvPicPr>
-          <p:cNvPr id="11" name="Content Placeholder 10" descr="Chart, scatter chart&#10;&#10;Description automatically generated">
-            <a:extLst>
-              <a:ext uri="{FF2B5EF4-FFF2-40B4-BE49-F238E27FC236}">
-                <a16:creationId xmlns:a16="http://schemas.microsoft.com/office/drawing/2014/main" id="{DBACF3C1-A5EC-4643-A36B-207BC03D2019}"/>
-              </a:ext>
-            </a:extLst>
-          </p:cNvPr>
-          <p:cNvPicPr>
-            <a:picLocks noGrp="1" noChangeAspect="1"/>
-          </p:cNvPicPr>
-          <p:nvPr>
-            <p:ph sz="half" idx="2"/>
-          </p:nvPr>
-        </p:nvPicPr>
-        <p:blipFill>
-          <a:blip r:embed="rId3">
-            <a:extLst>
-              <a:ext uri="{28A0092B-C50C-407E-A947-70E740481C1C}">
-                <a14:useLocalDpi xmlns:a14="http://schemas.microsoft.com/office/drawing/2010/main" val="0"/>
-              </a:ext>
-            </a:extLst>
-          </a:blip>
-          <a:stretch>
-            <a:fillRect/>
-          </a:stretch>
-        </p:blipFill>
-        <p:spPr>
-          <a:xfrm>
-            <a:off x="6172201" y="2155371"/>
-            <a:ext cx="5415643" cy="4118145"/>
-          </a:xfrm>
-        </p:spPr>
-      </p:pic>
-    </p:spTree>
-    <p:extLst>
-      <p:ext uri="{BB962C8B-B14F-4D97-AF65-F5344CB8AC3E}">
-        <p14:creationId xmlns:p14="http://schemas.microsoft.com/office/powerpoint/2010/main" val="1172165414"/>
-      </p:ext>
-    </p:extLst>
-  </p:cSld>
-  <p:clrMapOvr>
-    <a:masterClrMapping/>
-  </p:clrMapOvr>
-</p:sld>
-</file>
-
-<file path=ppt/slides/slide23.xml><?xml version="1.0" encoding="utf-8"?>
-<p:sld xmlns:a="http://schemas.openxmlformats.org/drawingml/2006/main" xmlns:r="http://schemas.openxmlformats.org/officeDocument/2006/relationships" xmlns:p="http://schemas.openxmlformats.org/presentationml/2006/main">
-  <p:cSld>
-    <p:spTree>
-      <p:nvGrpSpPr>
-        <p:cNvPr id="1" name=""/>
-        <p:cNvGrpSpPr/>
-        <p:nvPr/>
-      </p:nvGrpSpPr>
-      <p:grpSpPr>
-        <a:xfrm>
-          <a:off x="0" y="0"/>
-          <a:ext cx="0" cy="0"/>
-          <a:chOff x="0" y="0"/>
-          <a:chExt cx="0" cy="0"/>
-        </a:xfrm>
-      </p:grpSpPr>
-      <p:sp>
-        <p:nvSpPr>
-          <p:cNvPr id="2" name="Title 1">
-            <a:extLst>
-              <a:ext uri="{FF2B5EF4-FFF2-40B4-BE49-F238E27FC236}">
-                <a16:creationId xmlns:a16="http://schemas.microsoft.com/office/drawing/2014/main" id="{1DED85DE-321B-4CAC-87CC-8211BBDE26D9}"/>
-              </a:ext>
-            </a:extLst>
-          </p:cNvPr>
-          <p:cNvSpPr>
-            <a:spLocks noGrp="1"/>
-          </p:cNvSpPr>
-          <p:nvPr>
-            <p:ph type="title"/>
-          </p:nvPr>
-        </p:nvSpPr>
-        <p:spPr/>
-        <p:txBody>
-          <a:bodyPr/>
-          <a:lstStyle/>
-          <a:p>
-            <a:r>
-              <a:rPr lang="en-US" dirty="0"/>
-              <a:t>Highest Death Rate Counties by State</a:t>
-            </a:r>
-          </a:p>
-        </p:txBody>
-      </p:sp>
-      <p:pic>
-        <p:nvPicPr>
-          <p:cNvPr id="5" name="Content Placeholder 4" descr="Chart, bar chart&#10;&#10;Description automatically generated">
-            <a:extLst>
-              <a:ext uri="{FF2B5EF4-FFF2-40B4-BE49-F238E27FC236}">
-                <a16:creationId xmlns:a16="http://schemas.microsoft.com/office/drawing/2014/main" id="{E5866393-E060-48F9-BA59-B8A5A9168B75}"/>
-              </a:ext>
-            </a:extLst>
-          </p:cNvPr>
-          <p:cNvPicPr>
-            <a:picLocks noGrp="1" noChangeAspect="1"/>
-          </p:cNvPicPr>
-          <p:nvPr>
-            <p:ph idx="1"/>
-          </p:nvPr>
-        </p:nvPicPr>
-        <p:blipFill>
-          <a:blip r:embed="rId2">
-            <a:extLst>
-              <a:ext uri="{28A0092B-C50C-407E-A947-70E740481C1C}">
-                <a14:useLocalDpi xmlns:a14="http://schemas.microsoft.com/office/drawing/2010/main" val="0"/>
-              </a:ext>
-            </a:extLst>
-          </a:blip>
-          <a:stretch>
-            <a:fillRect/>
-          </a:stretch>
-        </p:blipFill>
-        <p:spPr>
-          <a:xfrm>
-            <a:off x="1838325" y="1920081"/>
-            <a:ext cx="8515350" cy="4162425"/>
-          </a:xfrm>
-        </p:spPr>
-      </p:pic>
-    </p:spTree>
-    <p:extLst>
-      <p:ext uri="{BB962C8B-B14F-4D97-AF65-F5344CB8AC3E}">
-        <p14:creationId xmlns:p14="http://schemas.microsoft.com/office/powerpoint/2010/main" val="2223830996"/>
-      </p:ext>
-    </p:extLst>
-  </p:cSld>
-  <p:clrMapOvr>
-    <a:masterClrMapping/>
-  </p:clrMapOvr>
-</p:sld>
-</file>
-
-<file path=ppt/slides/slide24.xml><?xml version="1.0" encoding="utf-8"?>
-<p:sld xmlns:a="http://schemas.openxmlformats.org/drawingml/2006/main" xmlns:r="http://schemas.openxmlformats.org/officeDocument/2006/relationships" xmlns:p="http://schemas.openxmlformats.org/presentationml/2006/main">
-  <p:cSld>
-    <p:spTree>
-      <p:nvGrpSpPr>
-        <p:cNvPr id="1" name=""/>
-        <p:cNvGrpSpPr/>
-        <p:nvPr/>
-      </p:nvGrpSpPr>
-      <p:grpSpPr>
-        <a:xfrm>
-          <a:off x="0" y="0"/>
-          <a:ext cx="0" cy="0"/>
-          <a:chOff x="0" y="0"/>
-          <a:chExt cx="0" cy="0"/>
-        </a:xfrm>
-      </p:grpSpPr>
-      <p:sp>
-        <p:nvSpPr>
-          <p:cNvPr id="2" name="Title 1">
-            <a:extLst>
-              <a:ext uri="{FF2B5EF4-FFF2-40B4-BE49-F238E27FC236}">
-                <a16:creationId xmlns:a16="http://schemas.microsoft.com/office/drawing/2014/main" id="{632FA0E1-08F4-4075-8FBC-63BB33F63322}"/>
-              </a:ext>
-            </a:extLst>
-          </p:cNvPr>
-          <p:cNvSpPr>
-            <a:spLocks noGrp="1"/>
-          </p:cNvSpPr>
-          <p:nvPr>
-            <p:ph type="title"/>
-          </p:nvPr>
-        </p:nvSpPr>
-        <p:spPr/>
-        <p:txBody>
-          <a:bodyPr/>
-          <a:lstStyle/>
-          <a:p>
-            <a:r>
-              <a:rPr lang="en-US" dirty="0"/>
-              <a:t>Highest Case Counties by State</a:t>
-            </a:r>
-          </a:p>
-        </p:txBody>
-      </p:sp>
-      <p:pic>
-        <p:nvPicPr>
-          <p:cNvPr id="5" name="Content Placeholder 4" descr="Chart, bar chart, funnel chart&#10;&#10;Description automatically generated">
-            <a:extLst>
-              <a:ext uri="{FF2B5EF4-FFF2-40B4-BE49-F238E27FC236}">
-                <a16:creationId xmlns:a16="http://schemas.microsoft.com/office/drawing/2014/main" id="{850741C8-BB10-430D-A7C4-BC997CEFE0CE}"/>
-              </a:ext>
-            </a:extLst>
-          </p:cNvPr>
-          <p:cNvPicPr>
-            <a:picLocks noGrp="1" noChangeAspect="1"/>
-          </p:cNvPicPr>
-          <p:nvPr>
-            <p:ph idx="1"/>
-          </p:nvPr>
-        </p:nvPicPr>
-        <p:blipFill>
-          <a:blip r:embed="rId2">
-            <a:extLst>
-              <a:ext uri="{28A0092B-C50C-407E-A947-70E740481C1C}">
-                <a14:useLocalDpi xmlns:a14="http://schemas.microsoft.com/office/drawing/2010/main" val="0"/>
-              </a:ext>
-            </a:extLst>
-          </a:blip>
-          <a:stretch>
-            <a:fillRect/>
-          </a:stretch>
-        </p:blipFill>
-        <p:spPr>
-          <a:xfrm>
-            <a:off x="1733550" y="1943894"/>
-            <a:ext cx="8724900" cy="4114800"/>
-          </a:xfrm>
-        </p:spPr>
-      </p:pic>
-    </p:spTree>
-    <p:extLst>
-      <p:ext uri="{BB962C8B-B14F-4D97-AF65-F5344CB8AC3E}">
-        <p14:creationId xmlns:p14="http://schemas.microsoft.com/office/powerpoint/2010/main" val="541895281"/>
-      </p:ext>
-    </p:extLst>
-  </p:cSld>
-  <p:clrMapOvr>
-    <a:masterClrMapping/>
-  </p:clrMapOvr>
-</p:sld>
-</file>
-
-<file path=ppt/slides/slide25.xml><?xml version="1.0" encoding="utf-8"?>
-<p:sld xmlns:a="http://schemas.openxmlformats.org/drawingml/2006/main" xmlns:r="http://schemas.openxmlformats.org/officeDocument/2006/relationships" xmlns:p="http://schemas.openxmlformats.org/presentationml/2006/main">
-  <p:cSld>
-    <p:spTree>
-      <p:nvGrpSpPr>
-        <p:cNvPr id="1" name=""/>
-        <p:cNvGrpSpPr/>
-        <p:nvPr/>
-      </p:nvGrpSpPr>
-      <p:grpSpPr>
-        <a:xfrm>
-          <a:off x="0" y="0"/>
-          <a:ext cx="0" cy="0"/>
-          <a:chOff x="0" y="0"/>
-          <a:chExt cx="0" cy="0"/>
-        </a:xfrm>
-      </p:grpSpPr>
-      <p:sp>
-        <p:nvSpPr>
-          <p:cNvPr id="2" name="Title 1">
-            <a:extLst>
-              <a:ext uri="{FF2B5EF4-FFF2-40B4-BE49-F238E27FC236}">
-                <a16:creationId xmlns:a16="http://schemas.microsoft.com/office/drawing/2014/main" id="{F5E66CDC-3267-4ADB-824B-C87E9518D34C}"/>
-              </a:ext>
-            </a:extLst>
-          </p:cNvPr>
-          <p:cNvSpPr>
-            <a:spLocks noGrp="1"/>
-          </p:cNvSpPr>
-          <p:nvPr>
-            <p:ph type="title"/>
-          </p:nvPr>
-        </p:nvSpPr>
-        <p:spPr/>
-        <p:txBody>
-          <a:bodyPr/>
-          <a:lstStyle/>
-          <a:p>
-            <a:r>
-              <a:rPr lang="en-US" dirty="0"/>
-              <a:t>Lowest Case Counties by State</a:t>
-            </a:r>
-          </a:p>
-        </p:txBody>
-      </p:sp>
-      <p:pic>
-        <p:nvPicPr>
-          <p:cNvPr id="5" name="Content Placeholder 4" descr="Chart, bar chart&#10;&#10;Description automatically generated">
-            <a:extLst>
-              <a:ext uri="{FF2B5EF4-FFF2-40B4-BE49-F238E27FC236}">
-                <a16:creationId xmlns:a16="http://schemas.microsoft.com/office/drawing/2014/main" id="{D0C79509-4737-457A-A798-D19BE2434D29}"/>
-              </a:ext>
-            </a:extLst>
-          </p:cNvPr>
-          <p:cNvPicPr>
-            <a:picLocks noGrp="1" noChangeAspect="1"/>
-          </p:cNvPicPr>
-          <p:nvPr>
-            <p:ph idx="1"/>
-          </p:nvPr>
-        </p:nvPicPr>
-        <p:blipFill>
-          <a:blip r:embed="rId2">
-            <a:extLst>
-              <a:ext uri="{28A0092B-C50C-407E-A947-70E740481C1C}">
-                <a14:useLocalDpi xmlns:a14="http://schemas.microsoft.com/office/drawing/2010/main" val="0"/>
-              </a:ext>
-            </a:extLst>
-          </a:blip>
-          <a:stretch>
-            <a:fillRect/>
-          </a:stretch>
-        </p:blipFill>
-        <p:spPr>
-          <a:xfrm>
-            <a:off x="1981200" y="1943894"/>
-            <a:ext cx="8229600" cy="4114800"/>
-          </a:xfrm>
-        </p:spPr>
-      </p:pic>
-    </p:spTree>
-    <p:extLst>
-      <p:ext uri="{BB962C8B-B14F-4D97-AF65-F5344CB8AC3E}">
-        <p14:creationId xmlns:p14="http://schemas.microsoft.com/office/powerpoint/2010/main" val="1039485576"/>
-      </p:ext>
-    </p:extLst>
-  </p:cSld>
-  <p:clrMapOvr>
-    <a:masterClrMapping/>
-  </p:clrMapOvr>
-</p:sld>
-</file>
-
-<file path=ppt/slides/slide26.xml><?xml version="1.0" encoding="utf-8"?>
-<p:sld xmlns:a="http://schemas.openxmlformats.org/drawingml/2006/main" xmlns:r="http://schemas.openxmlformats.org/officeDocument/2006/relationships" xmlns:p="http://schemas.openxmlformats.org/presentationml/2006/main">
-  <p:cSld>
-    <p:spTree>
-      <p:nvGrpSpPr>
-        <p:cNvPr id="1" name=""/>
-        <p:cNvGrpSpPr/>
-        <p:nvPr/>
-      </p:nvGrpSpPr>
-      <p:grpSpPr>
-        <a:xfrm>
-          <a:off x="0" y="0"/>
-          <a:ext cx="0" cy="0"/>
-          <a:chOff x="0" y="0"/>
-          <a:chExt cx="0" cy="0"/>
-        </a:xfrm>
-      </p:grpSpPr>
-      <p:sp>
-        <p:nvSpPr>
-          <p:cNvPr id="2" name="Title 1">
-            <a:extLst>
-              <a:ext uri="{FF2B5EF4-FFF2-40B4-BE49-F238E27FC236}">
-                <a16:creationId xmlns:a16="http://schemas.microsoft.com/office/drawing/2014/main" id="{EC11FCF5-95D7-4739-ADC4-9065790DBF46}"/>
-              </a:ext>
-            </a:extLst>
-          </p:cNvPr>
-          <p:cNvSpPr>
-            <a:spLocks noGrp="1"/>
-          </p:cNvSpPr>
-          <p:nvPr>
-            <p:ph type="title"/>
-          </p:nvPr>
-        </p:nvSpPr>
-        <p:spPr/>
-        <p:txBody>
-          <a:bodyPr/>
-          <a:lstStyle/>
-          <a:p>
-            <a:r>
-              <a:rPr lang="en-US" dirty="0"/>
-              <a:t>Lowest Cases/100 People Counties by State</a:t>
-            </a:r>
-          </a:p>
-        </p:txBody>
-      </p:sp>
-      <p:pic>
-        <p:nvPicPr>
-          <p:cNvPr id="5" name="Content Placeholder 4" descr="Chart, bar chart&#10;&#10;Description automatically generated">
-            <a:extLst>
-              <a:ext uri="{FF2B5EF4-FFF2-40B4-BE49-F238E27FC236}">
-                <a16:creationId xmlns:a16="http://schemas.microsoft.com/office/drawing/2014/main" id="{87355CD8-B751-4190-9C32-3962EC7BA040}"/>
-              </a:ext>
-            </a:extLst>
-          </p:cNvPr>
-          <p:cNvPicPr>
-            <a:picLocks noGrp="1" noChangeAspect="1"/>
-          </p:cNvPicPr>
-          <p:nvPr>
-            <p:ph idx="1"/>
-          </p:nvPr>
-        </p:nvPicPr>
-        <p:blipFill>
-          <a:blip r:embed="rId2">
-            <a:extLst>
-              <a:ext uri="{28A0092B-C50C-407E-A947-70E740481C1C}">
-                <a14:useLocalDpi xmlns:a14="http://schemas.microsoft.com/office/drawing/2010/main" val="0"/>
-              </a:ext>
-            </a:extLst>
-          </a:blip>
-          <a:stretch>
-            <a:fillRect/>
-          </a:stretch>
-        </p:blipFill>
-        <p:spPr>
-          <a:xfrm>
-            <a:off x="1843087" y="1924844"/>
-            <a:ext cx="8505825" cy="4152900"/>
-          </a:xfrm>
-        </p:spPr>
-      </p:pic>
-    </p:spTree>
-    <p:extLst>
-      <p:ext uri="{BB962C8B-B14F-4D97-AF65-F5344CB8AC3E}">
-        <p14:creationId xmlns:p14="http://schemas.microsoft.com/office/powerpoint/2010/main" val="329792228"/>
-      </p:ext>
-    </p:extLst>
-  </p:cSld>
-  <p:clrMapOvr>
-    <a:masterClrMapping/>
-  </p:clrMapOvr>
-</p:sld>
-</file>
-
-<file path=ppt/slides/slide27.xml><?xml version="1.0" encoding="utf-8"?>
-<p:sld xmlns:a="http://schemas.openxmlformats.org/drawingml/2006/main" xmlns:r="http://schemas.openxmlformats.org/officeDocument/2006/relationships" xmlns:p="http://schemas.openxmlformats.org/presentationml/2006/main">
-  <p:cSld>
-    <p:spTree>
-      <p:nvGrpSpPr>
-        <p:cNvPr id="1" name=""/>
-        <p:cNvGrpSpPr/>
-        <p:nvPr/>
-      </p:nvGrpSpPr>
-      <p:grpSpPr>
-        <a:xfrm>
-          <a:off x="0" y="0"/>
-          <a:ext cx="0" cy="0"/>
-          <a:chOff x="0" y="0"/>
-          <a:chExt cx="0" cy="0"/>
-        </a:xfrm>
-      </p:grpSpPr>
-      <p:sp>
-        <p:nvSpPr>
-          <p:cNvPr id="2" name="Title 1">
-            <a:extLst>
-              <a:ext uri="{FF2B5EF4-FFF2-40B4-BE49-F238E27FC236}">
-                <a16:creationId xmlns:a16="http://schemas.microsoft.com/office/drawing/2014/main" id="{9D2B5B3A-4DCA-4D6F-9819-01C23241DAE0}"/>
-              </a:ext>
-            </a:extLst>
-          </p:cNvPr>
-          <p:cNvSpPr>
-            <a:spLocks noGrp="1"/>
-          </p:cNvSpPr>
-          <p:nvPr>
-            <p:ph type="title"/>
-          </p:nvPr>
-        </p:nvSpPr>
-        <p:spPr/>
-        <p:txBody>
-          <a:bodyPr/>
-          <a:lstStyle/>
-          <a:p>
-            <a:r>
-              <a:rPr lang="en-US" dirty="0"/>
-              <a:t>Highest Cases/100 People Counties by State</a:t>
-            </a:r>
-          </a:p>
-        </p:txBody>
-      </p:sp>
-      <p:pic>
-        <p:nvPicPr>
-          <p:cNvPr id="5" name="Content Placeholder 4" descr="Chart, bar chart&#10;&#10;Description automatically generated">
-            <a:extLst>
-              <a:ext uri="{FF2B5EF4-FFF2-40B4-BE49-F238E27FC236}">
-                <a16:creationId xmlns:a16="http://schemas.microsoft.com/office/drawing/2014/main" id="{966F1CBE-6EB4-4CF2-B7FF-C34B66E395BE}"/>
-              </a:ext>
-            </a:extLst>
-          </p:cNvPr>
-          <p:cNvPicPr>
-            <a:picLocks noGrp="1" noChangeAspect="1"/>
-          </p:cNvPicPr>
-          <p:nvPr>
-            <p:ph idx="1"/>
-          </p:nvPr>
-        </p:nvPicPr>
-        <p:blipFill>
-          <a:blip r:embed="rId2">
-            <a:extLst>
-              <a:ext uri="{28A0092B-C50C-407E-A947-70E740481C1C}">
-                <a14:useLocalDpi xmlns:a14="http://schemas.microsoft.com/office/drawing/2010/main" val="0"/>
-              </a:ext>
-            </a:extLst>
-          </a:blip>
-          <a:stretch>
-            <a:fillRect/>
-          </a:stretch>
-        </p:blipFill>
-        <p:spPr>
-          <a:xfrm>
-            <a:off x="1838325" y="1958181"/>
-            <a:ext cx="8515350" cy="4086225"/>
-          </a:xfrm>
-        </p:spPr>
-      </p:pic>
-    </p:spTree>
-    <p:extLst>
-      <p:ext uri="{BB962C8B-B14F-4D97-AF65-F5344CB8AC3E}">
-        <p14:creationId xmlns:p14="http://schemas.microsoft.com/office/powerpoint/2010/main" val="858165553"/>
-      </p:ext>
-    </p:extLst>
-  </p:cSld>
-  <p:clrMapOvr>
-    <a:masterClrMapping/>
-  </p:clrMapOvr>
-</p:sld>
-</file>
-
-<file path=ppt/slides/slide3.xml><?xml version="1.0" encoding="utf-8"?>
-<p:sld xmlns:a="http://schemas.openxmlformats.org/drawingml/2006/main" xmlns:r="http://schemas.openxmlformats.org/officeDocument/2006/relationships" xmlns:p="http://schemas.openxmlformats.org/presentationml/2006/main">
-  <p:cSld>
-    <p:bg>
-      <p:bgPr>
-        <a:solidFill>
-          <a:schemeClr val="bg1"/>
-        </a:solidFill>
-        <a:effectLst/>
-      </p:bgPr>
-    </p:bg>
-    <p:spTree>
-      <p:nvGrpSpPr>
-        <p:cNvPr id="1" name=""/>
-        <p:cNvGrpSpPr/>
-        <p:nvPr/>
-      </p:nvGrpSpPr>
-      <p:grpSpPr>
-        <a:xfrm>
-          <a:off x="0" y="0"/>
-          <a:ext cx="0" cy="0"/>
-          <a:chOff x="0" y="0"/>
-          <a:chExt cx="0" cy="0"/>
-        </a:xfrm>
-      </p:grpSpPr>
-      <p:sp useBgFill="1">
-        <p:nvSpPr>
-          <p:cNvPr id="9" name="Rectangle 8">
-            <a:extLst>
-              <a:ext uri="{FF2B5EF4-FFF2-40B4-BE49-F238E27FC236}">
-                <a16:creationId xmlns:a16="http://schemas.microsoft.com/office/drawing/2014/main" id="{53B021B3-DE93-4AB7-8A18-CF5F1CED88B8}"/>
-              </a:ext>
-              <a:ext uri="{C183D7F6-B498-43B3-948B-1728B52AA6E4}">
-                <adec:decorative xmlns:adec="http://schemas.microsoft.com/office/drawing/2017/decorative" val="1"/>
-              </a:ext>
-            </a:extLst>
-          </p:cNvPr>
-          <p:cNvSpPr>
-            <a:spLocks noGrp="1" noRot="1" noChangeAspect="1" noMove="1" noResize="1" noEditPoints="1" noAdjustHandles="1" noChangeArrowheads="1" noChangeShapeType="1" noTextEdit="1"/>
-          </p:cNvSpPr>
-          <p:nvPr>
-            <p:extLst>
-              <p:ext uri="{386F3935-93C4-4BCD-93E2-E3B085C9AB24}">
-                <p16:designElem xmlns:p16="http://schemas.microsoft.com/office/powerpoint/2015/main" val="1"/>
-              </p:ext>
-            </p:extLst>
-          </p:nvPr>
-        </p:nvSpPr>
-        <p:spPr>
-          <a:xfrm>
-            <a:off x="0" y="0"/>
-            <a:ext cx="12192000" cy="6858000"/>
-          </a:xfrm>
-          <a:prstGeom prst="rect">
-            <a:avLst/>
-          </a:prstGeom>
-          <a:ln>
-            <a:noFill/>
-          </a:ln>
-        </p:spPr>
-        <p:style>
-          <a:lnRef idx="2">
-            <a:schemeClr val="accent1">
-              <a:shade val="50000"/>
-            </a:schemeClr>
-          </a:lnRef>
-          <a:fillRef idx="1">
-            <a:schemeClr val="accent1"/>
-          </a:fillRef>
-          <a:effectRef idx="0">
-            <a:schemeClr val="accent1"/>
-          </a:effectRef>
-          <a:fontRef idx="minor">
-            <a:schemeClr val="lt1"/>
-          </a:fontRef>
-        </p:style>
-        <p:txBody>
-          <a:bodyPr rtlCol="0" anchor="ctr"/>
-          <a:lstStyle/>
-          <a:p>
-            <a:pPr algn="ctr"/>
-            <a:endParaRPr lang="en-US"/>
-          </a:p>
-        </p:txBody>
-      </p:sp>
-      <p:sp>
-        <p:nvSpPr>
-          <p:cNvPr id="2" name="Title 1">
-            <a:extLst>
-              <a:ext uri="{FF2B5EF4-FFF2-40B4-BE49-F238E27FC236}">
-                <a16:creationId xmlns:a16="http://schemas.microsoft.com/office/drawing/2014/main" id="{82E305B5-9653-4D8B-85C5-B34A9A99CEBA}"/>
-              </a:ext>
-            </a:extLst>
-          </p:cNvPr>
-          <p:cNvSpPr>
-            <a:spLocks noGrp="1"/>
-          </p:cNvSpPr>
-          <p:nvPr>
-            <p:ph type="title"/>
-          </p:nvPr>
-        </p:nvSpPr>
-        <p:spPr>
-          <a:xfrm>
-            <a:off x="841248" y="256032"/>
-            <a:ext cx="10506456" cy="1014984"/>
-          </a:xfrm>
-        </p:spPr>
-        <p:txBody>
-          <a:bodyPr anchor="b">
-            <a:normAutofit/>
-          </a:bodyPr>
-          <a:lstStyle/>
-          <a:p>
-            <a:r>
-              <a:rPr lang="en-US" dirty="0">
-                <a:latin typeface="Univers (body)"/>
-                <a:cs typeface="Arial" panose="020B0604020202020204" pitchFamily="34" charset="0"/>
-              </a:rPr>
-              <a:t>Project Pipeline</a:t>
-            </a:r>
-          </a:p>
-        </p:txBody>
-      </p:sp>
-      <p:sp>
-        <p:nvSpPr>
-          <p:cNvPr id="11" name="Rectangle 10">
-            <a:extLst>
-              <a:ext uri="{FF2B5EF4-FFF2-40B4-BE49-F238E27FC236}">
-                <a16:creationId xmlns:a16="http://schemas.microsoft.com/office/drawing/2014/main" id="{52D502E5-F6B4-4D58-B4AE-FC466FF15EE8}"/>
-              </a:ext>
-              <a:ext uri="{C183D7F6-B498-43B3-948B-1728B52AA6E4}">
-                <adec:decorative xmlns:adec="http://schemas.microsoft.com/office/drawing/2017/decorative" val="1"/>
-              </a:ext>
-            </a:extLst>
-          </p:cNvPr>
-          <p:cNvSpPr>
-            <a:spLocks noGrp="1" noRot="1" noChangeAspect="1" noMove="1" noResize="1" noEditPoints="1" noAdjustHandles="1" noChangeArrowheads="1" noChangeShapeType="1" noTextEdit="1"/>
-          </p:cNvSpPr>
-          <p:nvPr>
-            <p:extLst>
-              <p:ext uri="{386F3935-93C4-4BCD-93E2-E3B085C9AB24}">
-                <p16:designElem xmlns:p16="http://schemas.microsoft.com/office/powerpoint/2015/main" val="1"/>
-              </p:ext>
-            </p:extLst>
-          </p:nvPr>
-        </p:nvSpPr>
-        <p:spPr>
-          <a:xfrm>
-            <a:off x="865953" y="1634502"/>
-            <a:ext cx="10451592" cy="18288"/>
-          </a:xfrm>
-          <a:prstGeom prst="rect">
-            <a:avLst/>
-          </a:prstGeom>
-          <a:solidFill>
-            <a:srgbClr val="D5D5D5"/>
-          </a:solidFill>
-          <a:ln w="3175">
-            <a:noFill/>
-          </a:ln>
-          <a:effectLst/>
-        </p:spPr>
-        <p:style>
-          <a:lnRef idx="2">
-            <a:schemeClr val="accent1">
-              <a:shade val="50000"/>
-            </a:schemeClr>
-          </a:lnRef>
-          <a:fillRef idx="1">
-            <a:schemeClr val="accent1"/>
-          </a:fillRef>
-          <a:effectRef idx="0">
-            <a:schemeClr val="accent1"/>
-          </a:effectRef>
-          <a:fontRef idx="minor">
-            <a:schemeClr val="lt1"/>
-          </a:fontRef>
-        </p:style>
-        <p:txBody>
-          <a:bodyPr rtlCol="0" anchor="ctr"/>
-          <a:lstStyle/>
-          <a:p>
-            <a:pPr algn="ctr"/>
-            <a:endParaRPr lang="en-US">
-              <a:solidFill>
-                <a:prstClr val="white"/>
-              </a:solidFill>
-              <a:latin typeface="Calibri" panose="020F0502020204030204"/>
-            </a:endParaRPr>
-          </a:p>
-        </p:txBody>
-      </p:sp>
-      <p:sp>
-        <p:nvSpPr>
-          <p:cNvPr id="13" name="Rectangle 12">
-            <a:extLst>
-              <a:ext uri="{FF2B5EF4-FFF2-40B4-BE49-F238E27FC236}">
-                <a16:creationId xmlns:a16="http://schemas.microsoft.com/office/drawing/2014/main" id="{9DECDBF4-02B6-4BB4-B65B-B8107AD6A9E8}"/>
-              </a:ext>
-              <a:ext uri="{C183D7F6-B498-43B3-948B-1728B52AA6E4}">
-                <adec:decorative xmlns:adec="http://schemas.microsoft.com/office/drawing/2017/decorative" val="1"/>
-              </a:ext>
-            </a:extLst>
-          </p:cNvPr>
-          <p:cNvSpPr>
-            <a:spLocks noGrp="1" noRot="1" noChangeAspect="1" noMove="1" noResize="1" noEditPoints="1" noAdjustHandles="1" noChangeArrowheads="1" noChangeShapeType="1" noTextEdit="1"/>
-          </p:cNvSpPr>
-          <p:nvPr>
-            <p:extLst>
-              <p:ext uri="{386F3935-93C4-4BCD-93E2-E3B085C9AB24}">
-                <p16:designElem xmlns:p16="http://schemas.microsoft.com/office/powerpoint/2015/main" val="1"/>
-              </p:ext>
-            </p:extLst>
-          </p:nvPr>
-        </p:nvSpPr>
-        <p:spPr>
-          <a:xfrm flipV="1">
-            <a:off x="841248" y="1538176"/>
-            <a:ext cx="1873457" cy="109814"/>
-          </a:xfrm>
-          <a:prstGeom prst="rect">
-            <a:avLst/>
-          </a:prstGeom>
-          <a:solidFill>
-            <a:schemeClr val="accent2"/>
-          </a:solidFill>
-          <a:ln>
-            <a:noFill/>
-          </a:ln>
-        </p:spPr>
-        <p:style>
-          <a:lnRef idx="2">
-            <a:schemeClr val="accent1">
-              <a:shade val="50000"/>
-            </a:schemeClr>
-          </a:lnRef>
-          <a:fillRef idx="1">
-            <a:schemeClr val="accent1"/>
-          </a:fillRef>
-          <a:effectRef idx="0">
-            <a:schemeClr val="accent1"/>
-          </a:effectRef>
-          <a:fontRef idx="minor">
-            <a:schemeClr val="lt1"/>
-          </a:fontRef>
-        </p:style>
-        <p:txBody>
-          <a:bodyPr rtlCol="0" anchor="ctr"/>
-          <a:lstStyle/>
-          <a:p>
-            <a:pPr algn="ctr"/>
-            <a:endParaRPr lang="en-US">
-              <a:solidFill>
-                <a:prstClr val="white"/>
-              </a:solidFill>
-              <a:latin typeface="Calibri" panose="020F0502020204030204"/>
-            </a:endParaRPr>
-          </a:p>
-        </p:txBody>
-      </p:sp>
-      <p:graphicFrame>
-        <p:nvGraphicFramePr>
-          <p:cNvPr id="6" name="Content Placeholder 2">
-            <a:extLst>
-              <a:ext uri="{FF2B5EF4-FFF2-40B4-BE49-F238E27FC236}">
-                <a16:creationId xmlns:a16="http://schemas.microsoft.com/office/drawing/2014/main" id="{BF2987AD-B0B1-41FC-A03F-1FCA46650C39}"/>
-              </a:ext>
-            </a:extLst>
-          </p:cNvPr>
-          <p:cNvGraphicFramePr>
-            <a:graphicFrameLocks noGrp="1"/>
-          </p:cNvGraphicFramePr>
-          <p:nvPr>
-            <p:ph idx="1"/>
-            <p:extLst>
-              <p:ext uri="{D42A27DB-BD31-4B8C-83A1-F6EECF244321}">
-                <p14:modId xmlns:p14="http://schemas.microsoft.com/office/powerpoint/2010/main" val="2277813771"/>
-              </p:ext>
-            </p:extLst>
-          </p:nvPr>
-        </p:nvGraphicFramePr>
-        <p:xfrm>
-          <a:off x="742236" y="2011476"/>
-          <a:ext cx="10777642" cy="4357524"/>
-        </p:xfrm>
-        <a:graphic>
-          <a:graphicData uri="http://schemas.openxmlformats.org/drawingml/2006/diagram">
-            <dgm:relIds xmlns:dgm="http://schemas.openxmlformats.org/drawingml/2006/diagram" xmlns:r="http://schemas.openxmlformats.org/officeDocument/2006/relationships" r:dm="rId2" r:lo="rId3" r:qs="rId4" r:cs="rId5"/>
-          </a:graphicData>
-        </a:graphic>
-      </p:graphicFrame>
-    </p:spTree>
-    <p:extLst>
-      <p:ext uri="{BB962C8B-B14F-4D97-AF65-F5344CB8AC3E}">
-        <p14:creationId xmlns:p14="http://schemas.microsoft.com/office/powerpoint/2010/main" val="3770369252"/>
-      </p:ext>
-    </p:extLst>
-  </p:cSld>
-  <p:clrMapOvr>
-    <a:masterClrMapping/>
-  </p:clrMapOvr>
-</p:sld>
-</file>
-
-<file path=ppt/slides/slide4.xml><?xml version="1.0" encoding="utf-8"?>
-<p:sld xmlns:a="http://schemas.openxmlformats.org/drawingml/2006/main" xmlns:r="http://schemas.openxmlformats.org/officeDocument/2006/relationships" xmlns:p="http://schemas.openxmlformats.org/presentationml/2006/main">
-  <p:cSld>
-    <p:spTree>
-      <p:nvGrpSpPr>
-        <p:cNvPr id="1" name=""/>
-        <p:cNvGrpSpPr/>
-        <p:nvPr/>
-      </p:nvGrpSpPr>
-      <p:grpSpPr>
-        <a:xfrm>
-          <a:off x="0" y="0"/>
-          <a:ext cx="0" cy="0"/>
-          <a:chOff x="0" y="0"/>
-          <a:chExt cx="0" cy="0"/>
-        </a:xfrm>
-      </p:grpSpPr>
-      <p:pic>
-        <p:nvPicPr>
-          <p:cNvPr id="5" name="Picture 4" descr="A picture containing logo&#10;&#10;Description automatically generated">
-            <a:extLst>
-              <a:ext uri="{FF2B5EF4-FFF2-40B4-BE49-F238E27FC236}">
-                <a16:creationId xmlns:a16="http://schemas.microsoft.com/office/drawing/2014/main" id="{659E7C7B-368A-4327-86B1-FAC5D246817A}"/>
-              </a:ext>
-            </a:extLst>
-          </p:cNvPr>
-          <p:cNvPicPr>
-            <a:picLocks noChangeAspect="1"/>
-          </p:cNvPicPr>
-          <p:nvPr/>
-        </p:nvPicPr>
-        <p:blipFill>
-          <a:blip r:embed="rId2">
-            <a:extLst>
-              <a:ext uri="{28A0092B-C50C-407E-A947-70E740481C1C}">
-                <a14:useLocalDpi xmlns:a14="http://schemas.microsoft.com/office/drawing/2010/main" val="0"/>
-              </a:ext>
-            </a:extLst>
-          </a:blip>
-          <a:stretch>
-            <a:fillRect/>
-          </a:stretch>
-        </p:blipFill>
-        <p:spPr>
-          <a:xfrm>
-            <a:off x="1276254" y="1027906"/>
-            <a:ext cx="4225777" cy="3169333"/>
-          </a:xfrm>
-          <a:prstGeom prst="rect">
-            <a:avLst/>
-          </a:prstGeom>
-        </p:spPr>
-      </p:pic>
-      <p:sp>
-        <p:nvSpPr>
-          <p:cNvPr id="2" name="Title 1">
-            <a:extLst>
-              <a:ext uri="{FF2B5EF4-FFF2-40B4-BE49-F238E27FC236}">
-                <a16:creationId xmlns:a16="http://schemas.microsoft.com/office/drawing/2014/main" id="{B137E46C-952B-4317-B423-8D8A963AEF64}"/>
-              </a:ext>
-            </a:extLst>
-          </p:cNvPr>
-          <p:cNvSpPr>
-            <a:spLocks noGrp="1"/>
-          </p:cNvSpPr>
-          <p:nvPr>
-            <p:ph type="title"/>
-          </p:nvPr>
-        </p:nvSpPr>
-        <p:spPr/>
-        <p:txBody>
-          <a:bodyPr/>
-          <a:lstStyle/>
-          <a:p>
-            <a:r>
-              <a:rPr lang="en-US" dirty="0">
-                <a:latin typeface="Univers (body)"/>
-                <a:cs typeface="Arial" panose="020B0604020202020204" pitchFamily="34" charset="0"/>
-              </a:rPr>
-              <a:t>Data Collection</a:t>
-            </a:r>
-          </a:p>
-        </p:txBody>
-      </p:sp>
-      <p:pic>
-        <p:nvPicPr>
-          <p:cNvPr id="7" name="Content Placeholder 6" descr="Logo&#10;&#10;Description automatically generated">
-            <a:extLst>
-              <a:ext uri="{FF2B5EF4-FFF2-40B4-BE49-F238E27FC236}">
-                <a16:creationId xmlns:a16="http://schemas.microsoft.com/office/drawing/2014/main" id="{13EBC806-D0ED-4D70-AFE5-CF922FBF30FC}"/>
-              </a:ext>
-            </a:extLst>
-          </p:cNvPr>
-          <p:cNvPicPr>
-            <a:picLocks noGrp="1" noChangeAspect="1"/>
-          </p:cNvPicPr>
-          <p:nvPr>
-            <p:ph idx="1"/>
-          </p:nvPr>
-        </p:nvPicPr>
-        <p:blipFill>
-          <a:blip r:embed="rId3">
-            <a:extLst>
-              <a:ext uri="{28A0092B-C50C-407E-A947-70E740481C1C}">
-                <a14:useLocalDpi xmlns:a14="http://schemas.microsoft.com/office/drawing/2010/main" val="0"/>
-              </a:ext>
-            </a:extLst>
-          </a:blip>
-          <a:stretch>
-            <a:fillRect/>
-          </a:stretch>
-        </p:blipFill>
-        <p:spPr>
-          <a:xfrm>
-            <a:off x="1766275" y="3923324"/>
-            <a:ext cx="3323945" cy="2446215"/>
-          </a:xfrm>
-        </p:spPr>
-      </p:pic>
-      <p:sp>
-        <p:nvSpPr>
-          <p:cNvPr id="8" name="TextBox 7">
-            <a:extLst>
-              <a:ext uri="{FF2B5EF4-FFF2-40B4-BE49-F238E27FC236}">
-                <a16:creationId xmlns:a16="http://schemas.microsoft.com/office/drawing/2014/main" id="{68D18CBB-A0CA-43C1-B5EA-4C2814678990}"/>
-              </a:ext>
-            </a:extLst>
-          </p:cNvPr>
-          <p:cNvSpPr txBox="1"/>
-          <p:nvPr/>
-        </p:nvSpPr>
-        <p:spPr>
-          <a:xfrm>
-            <a:off x="6689971" y="1570841"/>
-            <a:ext cx="3157415" cy="4524315"/>
-          </a:xfrm>
-          <a:prstGeom prst="rect">
-            <a:avLst/>
-          </a:prstGeom>
-          <a:noFill/>
-        </p:spPr>
-        <p:txBody>
-          <a:bodyPr wrap="square" rtlCol="0">
-            <a:spAutoFit/>
-          </a:bodyPr>
-          <a:lstStyle/>
-          <a:p>
-            <a:r>
-              <a:rPr lang="en-US" dirty="0">
-                <a:latin typeface="Univers (body)"/>
-              </a:rPr>
-              <a:t>Area</a:t>
-            </a:r>
-          </a:p>
-          <a:p>
-            <a:pPr marL="285750" indent="-285750">
-              <a:buFont typeface="Arial" panose="020B0604020202020204" pitchFamily="34" charset="0"/>
-              <a:buChar char="•"/>
-            </a:pPr>
-            <a:r>
-              <a:rPr lang="en-US" dirty="0">
-                <a:latin typeface="Univers (body)"/>
-              </a:rPr>
-              <a:t>Population Density</a:t>
-            </a:r>
-          </a:p>
-          <a:p>
-            <a:endParaRPr lang="en-US" dirty="0">
-              <a:latin typeface="Univers (body)"/>
-            </a:endParaRPr>
-          </a:p>
-          <a:p>
-            <a:r>
-              <a:rPr lang="en-US" dirty="0">
-                <a:latin typeface="Univers (body)"/>
-              </a:rPr>
-              <a:t>Demographics</a:t>
-            </a:r>
-          </a:p>
-          <a:p>
-            <a:pPr marL="285750" indent="-285750">
-              <a:buFont typeface="Arial" panose="020B0604020202020204" pitchFamily="34" charset="0"/>
-              <a:buChar char="•"/>
-            </a:pPr>
-            <a:r>
-              <a:rPr lang="en-US" dirty="0">
-                <a:latin typeface="Univers (body)"/>
-              </a:rPr>
-              <a:t>Age</a:t>
-            </a:r>
-          </a:p>
-          <a:p>
-            <a:pPr marL="285750" indent="-285750">
-              <a:buFont typeface="Arial" panose="020B0604020202020204" pitchFamily="34" charset="0"/>
-              <a:buChar char="•"/>
-            </a:pPr>
-            <a:r>
-              <a:rPr lang="en-US" dirty="0">
-                <a:latin typeface="Univers (body)"/>
-              </a:rPr>
-              <a:t>Gender</a:t>
-            </a:r>
-          </a:p>
-          <a:p>
-            <a:pPr marL="285750" indent="-285750">
-              <a:buFont typeface="Arial" panose="020B0604020202020204" pitchFamily="34" charset="0"/>
-              <a:buChar char="•"/>
-            </a:pPr>
-            <a:r>
-              <a:rPr lang="en-US" dirty="0">
-                <a:latin typeface="Univers (body)"/>
-              </a:rPr>
-              <a:t>Race</a:t>
-            </a:r>
-          </a:p>
-          <a:p>
-            <a:endParaRPr lang="en-US" dirty="0">
-              <a:latin typeface="Univers (body)"/>
-            </a:endParaRPr>
-          </a:p>
-          <a:p>
-            <a:r>
-              <a:rPr lang="en-US" dirty="0">
-                <a:latin typeface="Univers (body)"/>
-              </a:rPr>
-              <a:t>Economic Indicators</a:t>
-            </a:r>
-          </a:p>
-          <a:p>
-            <a:pPr marL="285750" indent="-285750">
-              <a:buFont typeface="Arial" panose="020B0604020202020204" pitchFamily="34" charset="0"/>
-              <a:buChar char="•"/>
-            </a:pPr>
-            <a:r>
-              <a:rPr lang="en-US" dirty="0">
-                <a:latin typeface="Univers (body)"/>
-              </a:rPr>
-              <a:t>Income Per Capita</a:t>
-            </a:r>
-          </a:p>
-          <a:p>
-            <a:pPr marL="285750" indent="-285750">
-              <a:buFont typeface="Arial" panose="020B0604020202020204" pitchFamily="34" charset="0"/>
-              <a:buChar char="•"/>
-            </a:pPr>
-            <a:r>
-              <a:rPr lang="en-US" dirty="0">
-                <a:latin typeface="Univers (body)"/>
-              </a:rPr>
-              <a:t>Household Income</a:t>
-            </a:r>
-          </a:p>
-          <a:p>
-            <a:pPr marL="285750" indent="-285750">
-              <a:buFont typeface="Arial" panose="020B0604020202020204" pitchFamily="34" charset="0"/>
-              <a:buChar char="•"/>
-            </a:pPr>
-            <a:r>
-              <a:rPr lang="en-US" dirty="0">
-                <a:latin typeface="Univers (body)"/>
-              </a:rPr>
-              <a:t>Median Worker Income</a:t>
-            </a:r>
-          </a:p>
-          <a:p>
-            <a:pPr marL="285750" indent="-285750">
-              <a:buFont typeface="Arial" panose="020B0604020202020204" pitchFamily="34" charset="0"/>
-              <a:buChar char="•"/>
-            </a:pPr>
-            <a:endParaRPr lang="en-US" dirty="0">
-              <a:latin typeface="Univers (body)"/>
-            </a:endParaRPr>
-          </a:p>
-          <a:p>
-            <a:r>
-              <a:rPr lang="en-US" dirty="0">
-                <a:latin typeface="Univers (body)"/>
-              </a:rPr>
-              <a:t>Health Indicators</a:t>
-            </a:r>
-          </a:p>
-          <a:p>
-            <a:pPr marL="285750" indent="-285750">
-              <a:buFont typeface="Arial" panose="020B0604020202020204" pitchFamily="34" charset="0"/>
-              <a:buChar char="•"/>
-            </a:pPr>
-            <a:r>
-              <a:rPr lang="en-US" dirty="0">
-                <a:latin typeface="Univers (body)"/>
-              </a:rPr>
-              <a:t>Obesity Rates</a:t>
-            </a:r>
-          </a:p>
-          <a:p>
-            <a:endParaRPr lang="en-US" dirty="0">
-              <a:latin typeface="Univers (body)"/>
-            </a:endParaRPr>
-          </a:p>
-        </p:txBody>
-      </p:sp>
-      <p:sp>
-        <p:nvSpPr>
-          <p:cNvPr id="9" name="TextBox 8">
-            <a:extLst>
-              <a:ext uri="{FF2B5EF4-FFF2-40B4-BE49-F238E27FC236}">
-                <a16:creationId xmlns:a16="http://schemas.microsoft.com/office/drawing/2014/main" id="{A7321E71-F952-4D86-BDF3-549C265E018F}"/>
-              </a:ext>
-            </a:extLst>
-          </p:cNvPr>
-          <p:cNvSpPr txBox="1"/>
-          <p:nvPr/>
-        </p:nvSpPr>
-        <p:spPr>
-          <a:xfrm>
-            <a:off x="10051299" y="1636824"/>
-            <a:ext cx="1881161" cy="1754326"/>
-          </a:xfrm>
-          <a:prstGeom prst="rect">
-            <a:avLst/>
-          </a:prstGeom>
-          <a:noFill/>
-        </p:spPr>
-        <p:txBody>
-          <a:bodyPr wrap="square" rtlCol="0">
-            <a:spAutoFit/>
-          </a:bodyPr>
-          <a:lstStyle/>
-          <a:p>
-            <a:r>
-              <a:rPr lang="en-US" dirty="0">
-                <a:latin typeface="Univers (body)"/>
-              </a:rPr>
-              <a:t>COVID-19</a:t>
-            </a:r>
-          </a:p>
-          <a:p>
-            <a:pPr marL="285750" indent="-285750">
-              <a:buFont typeface="Arial" panose="020B0604020202020204" pitchFamily="34" charset="0"/>
-              <a:buChar char="•"/>
-            </a:pPr>
-            <a:r>
-              <a:rPr lang="en-US" dirty="0">
-                <a:latin typeface="Univers (body)"/>
-              </a:rPr>
-              <a:t>Tests</a:t>
-            </a:r>
-          </a:p>
-          <a:p>
-            <a:pPr marL="285750" indent="-285750">
-              <a:buFont typeface="Arial" panose="020B0604020202020204" pitchFamily="34" charset="0"/>
-              <a:buChar char="•"/>
-            </a:pPr>
-            <a:r>
-              <a:rPr lang="en-US" dirty="0">
-                <a:latin typeface="Univers (body)"/>
-              </a:rPr>
-              <a:t>Cases</a:t>
-            </a:r>
-          </a:p>
-          <a:p>
-            <a:pPr marL="285750" indent="-285750">
-              <a:buFont typeface="Arial" panose="020B0604020202020204" pitchFamily="34" charset="0"/>
-              <a:buChar char="•"/>
-            </a:pPr>
-            <a:r>
-              <a:rPr lang="en-US" dirty="0">
-                <a:latin typeface="Univers (body)"/>
-              </a:rPr>
-              <a:t>Fatalities</a:t>
-            </a:r>
-          </a:p>
-          <a:p>
-            <a:endParaRPr lang="en-US" dirty="0">
-              <a:latin typeface="Univers (body)"/>
-            </a:endParaRPr>
-          </a:p>
-          <a:p>
-            <a:endParaRPr lang="en-US" dirty="0">
-              <a:latin typeface="Univers (body)"/>
-            </a:endParaRPr>
-          </a:p>
-        </p:txBody>
-      </p:sp>
-      <p:sp>
-        <p:nvSpPr>
-          <p:cNvPr id="11" name="TextBox 10">
-            <a:extLst>
-              <a:ext uri="{FF2B5EF4-FFF2-40B4-BE49-F238E27FC236}">
-                <a16:creationId xmlns:a16="http://schemas.microsoft.com/office/drawing/2014/main" id="{A7FD48D7-FCB4-48E1-9DF9-4F2249EC7986}"/>
-              </a:ext>
-            </a:extLst>
-          </p:cNvPr>
-          <p:cNvSpPr txBox="1"/>
-          <p:nvPr/>
-        </p:nvSpPr>
-        <p:spPr>
-          <a:xfrm>
-            <a:off x="7678419" y="762844"/>
-            <a:ext cx="3157415" cy="369332"/>
-          </a:xfrm>
-          <a:prstGeom prst="rect">
-            <a:avLst/>
-          </a:prstGeom>
-          <a:noFill/>
-        </p:spPr>
-        <p:txBody>
-          <a:bodyPr wrap="square" rtlCol="0">
-            <a:spAutoFit/>
-          </a:bodyPr>
-          <a:lstStyle/>
-          <a:p>
-            <a:pPr algn="ctr"/>
-            <a:r>
-              <a:rPr lang="en-US" dirty="0">
-                <a:latin typeface="Univers (body)"/>
-              </a:rPr>
-              <a:t>County-level</a:t>
-            </a:r>
-          </a:p>
-        </p:txBody>
-      </p:sp>
-    </p:spTree>
-    <p:extLst>
-      <p:ext uri="{BB962C8B-B14F-4D97-AF65-F5344CB8AC3E}">
-        <p14:creationId xmlns:p14="http://schemas.microsoft.com/office/powerpoint/2010/main" val="3103748562"/>
-      </p:ext>
-    </p:extLst>
-  </p:cSld>
-  <p:clrMapOvr>
-    <a:masterClrMapping/>
-  </p:clrMapOvr>
-</p:sld>
-</file>
-
-<file path=ppt/slides/slide5.xml><?xml version="1.0" encoding="utf-8"?>
-<p:sld xmlns:a="http://schemas.openxmlformats.org/drawingml/2006/main" xmlns:r="http://schemas.openxmlformats.org/officeDocument/2006/relationships" xmlns:p="http://schemas.openxmlformats.org/presentationml/2006/main">
-  <p:cSld>
-    <p:bg>
-      <p:bgPr>
-        <a:solidFill>
-          <a:schemeClr val="bg1"/>
-        </a:solidFill>
-        <a:effectLst/>
-      </p:bgPr>
-    </p:bg>
-    <p:spTree>
-      <p:nvGrpSpPr>
-        <p:cNvPr id="1" name=""/>
-        <p:cNvGrpSpPr/>
-        <p:nvPr/>
-      </p:nvGrpSpPr>
-      <p:grpSpPr>
-        <a:xfrm>
-          <a:off x="0" y="0"/>
-          <a:ext cx="0" cy="0"/>
-          <a:chOff x="0" y="0"/>
-          <a:chExt cx="0" cy="0"/>
-        </a:xfrm>
-      </p:grpSpPr>
-      <p:sp useBgFill="1">
-        <p:nvSpPr>
-          <p:cNvPr id="10" name="Rectangle 9">
-            <a:extLst>
-              <a:ext uri="{FF2B5EF4-FFF2-40B4-BE49-F238E27FC236}">
-                <a16:creationId xmlns:a16="http://schemas.microsoft.com/office/drawing/2014/main" id="{E45B1D5C-0827-4AF0-8186-11FC5A8B8B92}"/>
-              </a:ext>
-              <a:ext uri="{C183D7F6-B498-43B3-948B-1728B52AA6E4}">
-                <adec:decorative xmlns:adec="http://schemas.microsoft.com/office/drawing/2017/decorative" val="1"/>
-              </a:ext>
-            </a:extLst>
-          </p:cNvPr>
-          <p:cNvSpPr>
-            <a:spLocks noGrp="1" noRot="1" noChangeAspect="1" noMove="1" noResize="1" noEditPoints="1" noAdjustHandles="1" noChangeArrowheads="1" noChangeShapeType="1" noTextEdit="1"/>
-          </p:cNvSpPr>
-          <p:nvPr>
-            <p:extLst>
-              <p:ext uri="{386F3935-93C4-4BCD-93E2-E3B085C9AB24}">
-                <p16:designElem xmlns:p16="http://schemas.microsoft.com/office/powerpoint/2015/main" val="1"/>
-              </p:ext>
-            </p:extLst>
-          </p:nvPr>
-        </p:nvSpPr>
-        <p:spPr>
-          <a:xfrm>
-            <a:off x="0" y="0"/>
-            <a:ext cx="12191999" cy="6857365"/>
-          </a:xfrm>
-          <a:prstGeom prst="rect">
-            <a:avLst/>
-          </a:prstGeom>
-          <a:ln>
-            <a:noFill/>
-          </a:ln>
-        </p:spPr>
-        <p:style>
-          <a:lnRef idx="2">
-            <a:schemeClr val="accent1">
-              <a:shade val="50000"/>
-            </a:schemeClr>
-          </a:lnRef>
-          <a:fillRef idx="1">
-            <a:schemeClr val="accent1"/>
-          </a:fillRef>
-          <a:effectRef idx="0">
-            <a:schemeClr val="accent1"/>
-          </a:effectRef>
-          <a:fontRef idx="minor">
-            <a:schemeClr val="lt1"/>
-          </a:fontRef>
-        </p:style>
-        <p:txBody>
-          <a:bodyPr rtlCol="0" anchor="ctr"/>
-          <a:lstStyle/>
-          <a:p>
-            <a:pPr algn="ctr"/>
-            <a:endParaRPr lang="en-US"/>
-          </a:p>
-        </p:txBody>
-      </p:sp>
-      <p:sp>
-        <p:nvSpPr>
-          <p:cNvPr id="2" name="Title 1">
-            <a:extLst>
-              <a:ext uri="{FF2B5EF4-FFF2-40B4-BE49-F238E27FC236}">
-                <a16:creationId xmlns:a16="http://schemas.microsoft.com/office/drawing/2014/main" id="{FD6D3165-EE6F-49DB-92BD-10C31853E824}"/>
-              </a:ext>
-            </a:extLst>
-          </p:cNvPr>
-          <p:cNvSpPr>
-            <a:spLocks noGrp="1"/>
-          </p:cNvSpPr>
-          <p:nvPr>
-            <p:ph type="title"/>
-          </p:nvPr>
-        </p:nvSpPr>
-        <p:spPr>
-          <a:xfrm>
-            <a:off x="9267909" y="2023110"/>
-            <a:ext cx="2469624" cy="2846070"/>
-          </a:xfrm>
-        </p:spPr>
-        <p:txBody>
-          <a:bodyPr vert="horz" lIns="91440" tIns="45720" rIns="91440" bIns="45720" rtlCol="0" anchor="ctr">
-            <a:noAutofit/>
-          </a:bodyPr>
-          <a:lstStyle/>
-          <a:p>
-            <a:r>
-              <a:rPr lang="en-US" sz="3700" dirty="0">
-                <a:latin typeface="Univers (body)"/>
-              </a:rPr>
-              <a:t>Five States with the Most COVID-19 Data</a:t>
-            </a:r>
-          </a:p>
-        </p:txBody>
-      </p:sp>
-      <p:sp>
-        <p:nvSpPr>
-          <p:cNvPr id="12" name="Rectangle 11">
-            <a:extLst>
-              <a:ext uri="{FF2B5EF4-FFF2-40B4-BE49-F238E27FC236}">
-                <a16:creationId xmlns:a16="http://schemas.microsoft.com/office/drawing/2014/main" id="{99413ED5-9ED4-4772-BCE4-2BCAE6B12E35}"/>
-              </a:ext>
-              <a:ext uri="{C183D7F6-B498-43B3-948B-1728B52AA6E4}">
-                <adec:decorative xmlns:adec="http://schemas.microsoft.com/office/drawing/2017/decorative" val="1"/>
-              </a:ext>
-            </a:extLst>
-          </p:cNvPr>
-          <p:cNvSpPr>
-            <a:spLocks noGrp="1" noRot="1" noChangeAspect="1" noMove="1" noResize="1" noEditPoints="1" noAdjustHandles="1" noChangeArrowheads="1" noChangeShapeType="1" noTextEdit="1"/>
-          </p:cNvSpPr>
-          <p:nvPr>
-            <p:extLst>
-              <p:ext uri="{386F3935-93C4-4BCD-93E2-E3B085C9AB24}">
-                <p16:designElem xmlns:p16="http://schemas.microsoft.com/office/powerpoint/2015/main" val="1"/>
-              </p:ext>
-            </p:extLst>
-          </p:nvPr>
-        </p:nvSpPr>
-        <p:spPr>
-          <a:xfrm rot="16200000">
-            <a:off x="3433973" y="-827233"/>
-            <a:ext cx="1715478" cy="8583421"/>
-          </a:xfrm>
-          <a:prstGeom prst="rect">
-            <a:avLst/>
-          </a:prstGeom>
-          <a:solidFill>
-            <a:schemeClr val="accent4"/>
-          </a:solidFill>
-          <a:ln>
-            <a:noFill/>
-          </a:ln>
-        </p:spPr>
-        <p:style>
-          <a:lnRef idx="2">
-            <a:schemeClr val="accent1">
-              <a:shade val="50000"/>
-            </a:schemeClr>
-          </a:lnRef>
-          <a:fillRef idx="1">
-            <a:schemeClr val="accent1"/>
-          </a:fillRef>
-          <a:effectRef idx="0">
-            <a:schemeClr val="accent1"/>
-          </a:effectRef>
-          <a:fontRef idx="minor">
-            <a:schemeClr val="lt1"/>
-          </a:fontRef>
-        </p:style>
-        <p:txBody>
-          <a:bodyPr rtlCol="0" anchor="ctr"/>
-          <a:lstStyle/>
-          <a:p>
-            <a:pPr algn="ctr"/>
-            <a:endParaRPr lang="en-US" dirty="0"/>
-          </a:p>
-        </p:txBody>
-      </p:sp>
-      <p:sp>
-        <p:nvSpPr>
-          <p:cNvPr id="14" name="Rectangle 13">
-            <a:extLst>
-              <a:ext uri="{FF2B5EF4-FFF2-40B4-BE49-F238E27FC236}">
-                <a16:creationId xmlns:a16="http://schemas.microsoft.com/office/drawing/2014/main" id="{04357C93-F0CB-4A1C-8F77-4E9063789819}"/>
-              </a:ext>
-              <a:ext uri="{C183D7F6-B498-43B3-948B-1728B52AA6E4}">
-                <adec:decorative xmlns:adec="http://schemas.microsoft.com/office/drawing/2017/decorative" val="1"/>
-              </a:ext>
-            </a:extLst>
-          </p:cNvPr>
-          <p:cNvSpPr>
-            <a:spLocks noGrp="1" noRot="1" noChangeAspect="1" noMove="1" noResize="1" noEditPoints="1" noAdjustHandles="1" noChangeArrowheads="1" noChangeShapeType="1" noTextEdit="1"/>
-          </p:cNvSpPr>
-          <p:nvPr>
-            <p:extLst>
-              <p:ext uri="{386F3935-93C4-4BCD-93E2-E3B085C9AB24}">
-                <p16:designElem xmlns:p16="http://schemas.microsoft.com/office/powerpoint/2015/main" val="1"/>
-              </p:ext>
-            </p:extLst>
-          </p:nvPr>
-        </p:nvSpPr>
-        <p:spPr>
-          <a:xfrm>
-            <a:off x="302085" y="664308"/>
-            <a:ext cx="8082632" cy="5600340"/>
-          </a:xfrm>
-          <a:prstGeom prst="rect">
-            <a:avLst/>
-          </a:prstGeom>
-          <a:solidFill>
-            <a:schemeClr val="bg1"/>
-          </a:solidFill>
-          <a:ln>
-            <a:noFill/>
-          </a:ln>
-          <a:effectLst>
-            <a:outerShdw blurRad="139700" dist="127000" dir="5400000" algn="t" rotWithShape="0">
-              <a:prstClr val="black">
-                <a:alpha val="15000"/>
-              </a:prstClr>
-            </a:outerShdw>
-          </a:effectLst>
-        </p:spPr>
-        <p:style>
-          <a:lnRef idx="2">
-            <a:schemeClr val="accent1">
-              <a:shade val="50000"/>
-            </a:schemeClr>
-          </a:lnRef>
-          <a:fillRef idx="1">
-            <a:schemeClr val="accent1"/>
-          </a:fillRef>
-          <a:effectRef idx="0">
-            <a:schemeClr val="accent1"/>
-          </a:effectRef>
-          <a:fontRef idx="minor">
-            <a:schemeClr val="lt1"/>
-          </a:fontRef>
-        </p:style>
-        <p:txBody>
-          <a:bodyPr rtlCol="0" anchor="ctr"/>
-          <a:lstStyle/>
-          <a:p>
-            <a:pPr algn="ctr"/>
-            <a:endParaRPr lang="en-US"/>
-          </a:p>
-        </p:txBody>
-      </p:sp>
-      <p:pic>
-        <p:nvPicPr>
-          <p:cNvPr id="5" name="Content Placeholder 4" descr="Chart, line chart&#10;&#10;Description automatically generated">
-            <a:extLst>
-              <a:ext uri="{FF2B5EF4-FFF2-40B4-BE49-F238E27FC236}">
-                <a16:creationId xmlns:a16="http://schemas.microsoft.com/office/drawing/2014/main" id="{A741A626-8131-4C77-A7BA-9F03C672C849}"/>
-              </a:ext>
-            </a:extLst>
-          </p:cNvPr>
-          <p:cNvPicPr>
-            <a:picLocks noGrp="1" noChangeAspect="1"/>
-          </p:cNvPicPr>
-          <p:nvPr>
-            <p:ph idx="1"/>
-          </p:nvPr>
-        </p:nvPicPr>
-        <p:blipFill rotWithShape="1">
-          <a:blip r:embed="rId2">
-            <a:extLst>
-              <a:ext uri="{28A0092B-C50C-407E-A947-70E740481C1C}">
-                <a14:useLocalDpi xmlns:a14="http://schemas.microsoft.com/office/drawing/2010/main" val="0"/>
-              </a:ext>
-            </a:extLst>
-          </a:blip>
-          <a:srcRect t="-788" b="2"/>
-          <a:stretch/>
-        </p:blipFill>
-        <p:spPr>
-          <a:xfrm>
-            <a:off x="552310" y="787569"/>
-            <a:ext cx="7608304" cy="5406123"/>
-          </a:xfrm>
-          <a:prstGeom prst="rect">
-            <a:avLst/>
-          </a:prstGeom>
-        </p:spPr>
-      </p:pic>
-      <p:sp>
-        <p:nvSpPr>
-          <p:cNvPr id="16" name="Rectangle 15">
-            <a:extLst>
-              <a:ext uri="{FF2B5EF4-FFF2-40B4-BE49-F238E27FC236}">
-                <a16:creationId xmlns:a16="http://schemas.microsoft.com/office/drawing/2014/main" id="{90F533E9-6690-41A8-A372-4C6C622D028D}"/>
-              </a:ext>
-              <a:ext uri="{C183D7F6-B498-43B3-948B-1728B52AA6E4}">
-                <adec:decorative xmlns:adec="http://schemas.microsoft.com/office/drawing/2017/decorative" val="1"/>
-              </a:ext>
-            </a:extLst>
-          </p:cNvPr>
-          <p:cNvSpPr>
-            <a:spLocks noGrp="1" noRot="1" noChangeAspect="1" noMove="1" noResize="1" noEditPoints="1" noAdjustHandles="1" noChangeArrowheads="1" noChangeShapeType="1" noTextEdit="1"/>
-          </p:cNvSpPr>
-          <p:nvPr>
-            <p:extLst>
-              <p:ext uri="{386F3935-93C4-4BCD-93E2-E3B085C9AB24}">
-                <p16:designElem xmlns:p16="http://schemas.microsoft.com/office/powerpoint/2015/main" val="1"/>
-              </p:ext>
-            </p:extLst>
-          </p:nvPr>
-        </p:nvSpPr>
-        <p:spPr>
-          <a:xfrm rot="5400000">
-            <a:off x="7950447" y="3392097"/>
-            <a:ext cx="1719072" cy="152382"/>
-          </a:xfrm>
-          <a:prstGeom prst="rect">
-            <a:avLst/>
-          </a:prstGeom>
-          <a:solidFill>
-            <a:schemeClr val="accent4"/>
-          </a:solidFill>
-          <a:ln>
-            <a:noFill/>
-          </a:ln>
-        </p:spPr>
-        <p:style>
-          <a:lnRef idx="2">
-            <a:schemeClr val="accent1">
-              <a:shade val="50000"/>
-            </a:schemeClr>
-          </a:lnRef>
-          <a:fillRef idx="1">
-            <a:schemeClr val="accent1"/>
-          </a:fillRef>
-          <a:effectRef idx="0">
-            <a:schemeClr val="accent1"/>
-          </a:effectRef>
-          <a:fontRef idx="minor">
-            <a:schemeClr val="lt1"/>
-          </a:fontRef>
-        </p:style>
-        <p:txBody>
-          <a:bodyPr rtlCol="0" anchor="ctr"/>
-          <a:lstStyle/>
-          <a:p>
-            <a:pPr algn="ctr"/>
-            <a:endParaRPr lang="en-US"/>
-          </a:p>
-        </p:txBody>
-      </p:sp>
-    </p:spTree>
-    <p:extLst>
-      <p:ext uri="{BB962C8B-B14F-4D97-AF65-F5344CB8AC3E}">
-        <p14:creationId xmlns:p14="http://schemas.microsoft.com/office/powerpoint/2010/main" val="547691016"/>
-      </p:ext>
-    </p:extLst>
-  </p:cSld>
-  <p:clrMapOvr>
-    <a:masterClrMapping/>
-  </p:clrMapOvr>
-</p:sld>
-</file>
-
-<file path=ppt/slides/slide6.xml><?xml version="1.0" encoding="utf-8"?>
-<p:sld xmlns:a="http://schemas.openxmlformats.org/drawingml/2006/main" xmlns:r="http://schemas.openxmlformats.org/officeDocument/2006/relationships" xmlns:p="http://schemas.openxmlformats.org/presentationml/2006/main">
-  <p:cSld>
-    <p:spTree>
-      <p:nvGrpSpPr>
-        <p:cNvPr id="1" name=""/>
-        <p:cNvGrpSpPr/>
-        <p:nvPr/>
-      </p:nvGrpSpPr>
-      <p:grpSpPr>
-        <a:xfrm>
-          <a:off x="0" y="0"/>
-          <a:ext cx="0" cy="0"/>
-          <a:chOff x="0" y="0"/>
-          <a:chExt cx="0" cy="0"/>
-        </a:xfrm>
-      </p:grpSpPr>
-      <p:sp>
-        <p:nvSpPr>
-          <p:cNvPr id="2" name="Title 1">
-            <a:extLst>
-              <a:ext uri="{FF2B5EF4-FFF2-40B4-BE49-F238E27FC236}">
-                <a16:creationId xmlns:a16="http://schemas.microsoft.com/office/drawing/2014/main" id="{29800417-36C6-43F2-BF14-27AA0DC18E3E}"/>
-              </a:ext>
-            </a:extLst>
-          </p:cNvPr>
-          <p:cNvSpPr>
-            <a:spLocks noGrp="1"/>
-          </p:cNvSpPr>
-          <p:nvPr>
-            <p:ph type="title"/>
-          </p:nvPr>
-        </p:nvSpPr>
-        <p:spPr/>
-        <p:txBody>
-          <a:bodyPr>
-            <a:normAutofit/>
-          </a:bodyPr>
-          <a:lstStyle/>
-          <a:p>
-            <a:r>
-              <a:rPr lang="en-US" sz="4000" dirty="0">
-                <a:latin typeface="Univers (body)"/>
-              </a:rPr>
-              <a:t>COVID-19 Statistics Vary Widely Among Counties </a:t>
-            </a:r>
-          </a:p>
-        </p:txBody>
-      </p:sp>
-      <p:pic>
-        <p:nvPicPr>
-          <p:cNvPr id="14" name="Content Placeholder 13" descr="Chart, bar chart&#10;&#10;Description automatically generated">
-            <a:extLst>
-              <a:ext uri="{FF2B5EF4-FFF2-40B4-BE49-F238E27FC236}">
-                <a16:creationId xmlns:a16="http://schemas.microsoft.com/office/drawing/2014/main" id="{5C9D743C-E5FB-44DB-8814-F4E36B260134}"/>
-              </a:ext>
-            </a:extLst>
-          </p:cNvPr>
-          <p:cNvPicPr>
-            <a:picLocks noGrp="1" noChangeAspect="1"/>
-          </p:cNvPicPr>
-          <p:nvPr>
-            <p:ph sz="half" idx="1"/>
-          </p:nvPr>
-        </p:nvPicPr>
-        <p:blipFill>
-          <a:blip r:embed="rId2">
-            <a:extLst>
-              <a:ext uri="{28A0092B-C50C-407E-A947-70E740481C1C}">
-                <a14:useLocalDpi xmlns:a14="http://schemas.microsoft.com/office/drawing/2010/main" val="0"/>
-              </a:ext>
-            </a:extLst>
-          </a:blip>
-          <a:stretch>
-            <a:fillRect/>
-          </a:stretch>
-        </p:blipFill>
-        <p:spPr>
-          <a:xfrm>
-            <a:off x="188252" y="2143845"/>
-            <a:ext cx="6038701" cy="3457815"/>
-          </a:xfrm>
-        </p:spPr>
-      </p:pic>
-      <p:pic>
-        <p:nvPicPr>
-          <p:cNvPr id="16" name="Content Placeholder 15" descr="Chart, bar chart&#10;&#10;Description automatically generated">
-            <a:extLst>
-              <a:ext uri="{FF2B5EF4-FFF2-40B4-BE49-F238E27FC236}">
-                <a16:creationId xmlns:a16="http://schemas.microsoft.com/office/drawing/2014/main" id="{2F6FBCDE-E2CE-45DB-A762-F19A7FB23C16}"/>
-              </a:ext>
-            </a:extLst>
-          </p:cNvPr>
-          <p:cNvPicPr>
-            <a:picLocks noGrp="1" noChangeAspect="1"/>
-          </p:cNvPicPr>
-          <p:nvPr>
-            <p:ph sz="half" idx="2"/>
-          </p:nvPr>
-        </p:nvPicPr>
-        <p:blipFill>
-          <a:blip r:embed="rId3">
-            <a:extLst>
-              <a:ext uri="{28A0092B-C50C-407E-A947-70E740481C1C}">
-                <a14:useLocalDpi xmlns:a14="http://schemas.microsoft.com/office/drawing/2010/main" val="0"/>
-              </a:ext>
-            </a:extLst>
-          </a:blip>
-          <a:stretch>
-            <a:fillRect/>
-          </a:stretch>
-        </p:blipFill>
-        <p:spPr>
-          <a:xfrm>
-            <a:off x="6299190" y="2189812"/>
-            <a:ext cx="5656003" cy="3319676"/>
-          </a:xfrm>
-        </p:spPr>
-      </p:pic>
-    </p:spTree>
-    <p:extLst>
-      <p:ext uri="{BB962C8B-B14F-4D97-AF65-F5344CB8AC3E}">
-        <p14:creationId xmlns:p14="http://schemas.microsoft.com/office/powerpoint/2010/main" val="502793554"/>
-      </p:ext>
-    </p:extLst>
-  </p:cSld>
-  <p:clrMapOvr>
-    <a:masterClrMapping/>
-  </p:clrMapOvr>
-</p:sld>
-</file>
-
-<file path=ppt/slides/slide7.xml><?xml version="1.0" encoding="utf-8"?>
-<p:sld xmlns:a="http://schemas.openxmlformats.org/drawingml/2006/main" xmlns:r="http://schemas.openxmlformats.org/officeDocument/2006/relationships" xmlns:p="http://schemas.openxmlformats.org/presentationml/2006/main">
-  <p:cSld>
-    <p:spTree>
-      <p:nvGrpSpPr>
-        <p:cNvPr id="1" name=""/>
-        <p:cNvGrpSpPr/>
-        <p:nvPr/>
-      </p:nvGrpSpPr>
-      <p:grpSpPr>
-        <a:xfrm>
-          <a:off x="0" y="0"/>
-          <a:ext cx="0" cy="0"/>
-          <a:chOff x="0" y="0"/>
-          <a:chExt cx="0" cy="0"/>
-        </a:xfrm>
-      </p:grpSpPr>
-      <p:sp>
-        <p:nvSpPr>
-          <p:cNvPr id="2" name="Title 1">
-            <a:extLst>
-              <a:ext uri="{FF2B5EF4-FFF2-40B4-BE49-F238E27FC236}">
-                <a16:creationId xmlns:a16="http://schemas.microsoft.com/office/drawing/2014/main" id="{C25562AC-F94B-42FD-8660-A811F4491437}"/>
-              </a:ext>
-            </a:extLst>
-          </p:cNvPr>
-          <p:cNvSpPr>
-            <a:spLocks noGrp="1"/>
-          </p:cNvSpPr>
-          <p:nvPr>
-            <p:ph type="title"/>
-          </p:nvPr>
-        </p:nvSpPr>
-        <p:spPr/>
-        <p:txBody>
-          <a:bodyPr>
-            <a:normAutofit fontScale="90000"/>
-          </a:bodyPr>
-          <a:lstStyle/>
-          <a:p>
-            <a:r>
-              <a:rPr lang="en-US" dirty="0">
-                <a:latin typeface="Univers (body)"/>
-              </a:rPr>
-              <a:t>High COVID Counties Likely to be Younger, Have Lower Income Per Capita</a:t>
-            </a:r>
-          </a:p>
-        </p:txBody>
-      </p:sp>
-      <p:pic>
-        <p:nvPicPr>
-          <p:cNvPr id="12" name="Content Placeholder 11" descr="Chart, histogram&#10;&#10;Description automatically generated">
-            <a:extLst>
-              <a:ext uri="{FF2B5EF4-FFF2-40B4-BE49-F238E27FC236}">
-                <a16:creationId xmlns:a16="http://schemas.microsoft.com/office/drawing/2014/main" id="{4A290072-F217-4188-B1DC-6AE17E925777}"/>
-              </a:ext>
-            </a:extLst>
-          </p:cNvPr>
-          <p:cNvPicPr>
-            <a:picLocks noGrp="1" noChangeAspect="1"/>
-          </p:cNvPicPr>
-          <p:nvPr>
-            <p:ph sz="half" idx="1"/>
-          </p:nvPr>
-        </p:nvPicPr>
-        <p:blipFill>
-          <a:blip r:embed="rId2">
-            <a:extLst>
-              <a:ext uri="{28A0092B-C50C-407E-A947-70E740481C1C}">
-                <a14:useLocalDpi xmlns:a14="http://schemas.microsoft.com/office/drawing/2010/main" val="0"/>
-              </a:ext>
-            </a:extLst>
-          </a:blip>
-          <a:stretch>
-            <a:fillRect/>
-          </a:stretch>
-        </p:blipFill>
-        <p:spPr>
-          <a:xfrm>
-            <a:off x="5862471" y="2396084"/>
-            <a:ext cx="5551061" cy="3657508"/>
-          </a:xfrm>
-        </p:spPr>
-      </p:pic>
-      <p:pic>
-        <p:nvPicPr>
-          <p:cNvPr id="16" name="Content Placeholder 15" descr="Chart, line chart&#10;&#10;Description automatically generated">
-            <a:extLst>
-              <a:ext uri="{FF2B5EF4-FFF2-40B4-BE49-F238E27FC236}">
-                <a16:creationId xmlns:a16="http://schemas.microsoft.com/office/drawing/2014/main" id="{953892BA-855C-4501-B32D-1406B15BE372}"/>
-              </a:ext>
-            </a:extLst>
-          </p:cNvPr>
-          <p:cNvPicPr>
-            <a:picLocks noGrp="1" noChangeAspect="1"/>
-          </p:cNvPicPr>
-          <p:nvPr>
-            <p:ph sz="half" idx="2"/>
-          </p:nvPr>
-        </p:nvPicPr>
-        <p:blipFill>
-          <a:blip r:embed="rId3">
-            <a:extLst>
-              <a:ext uri="{28A0092B-C50C-407E-A947-70E740481C1C}">
-                <a14:useLocalDpi xmlns:a14="http://schemas.microsoft.com/office/drawing/2010/main" val="0"/>
-              </a:ext>
-            </a:extLst>
-          </a:blip>
-          <a:stretch>
-            <a:fillRect/>
-          </a:stretch>
-        </p:blipFill>
-        <p:spPr>
-          <a:xfrm>
-            <a:off x="100178" y="2396084"/>
-            <a:ext cx="5595118" cy="3657508"/>
-          </a:xfrm>
-        </p:spPr>
-      </p:pic>
-    </p:spTree>
-    <p:extLst>
-      <p:ext uri="{BB962C8B-B14F-4D97-AF65-F5344CB8AC3E}">
-        <p14:creationId xmlns:p14="http://schemas.microsoft.com/office/powerpoint/2010/main" val="1915659772"/>
-      </p:ext>
-    </p:extLst>
-  </p:cSld>
-  <p:clrMapOvr>
-    <a:masterClrMapping/>
-  </p:clrMapOvr>
-</p:sld>
-</file>
-
-<file path=ppt/slides/slide8.xml><?xml version="1.0" encoding="utf-8"?>
-<p:sld xmlns:a="http://schemas.openxmlformats.org/drawingml/2006/main" xmlns:r="http://schemas.openxmlformats.org/officeDocument/2006/relationships" xmlns:p="http://schemas.openxmlformats.org/presentationml/2006/main">
-  <p:cSld>
-    <p:spTree>
-      <p:nvGrpSpPr>
-        <p:cNvPr id="1" name=""/>
-        <p:cNvGrpSpPr/>
-        <p:nvPr/>
-      </p:nvGrpSpPr>
-      <p:grpSpPr>
-        <a:xfrm>
-          <a:off x="0" y="0"/>
-          <a:ext cx="0" cy="0"/>
-          <a:chOff x="0" y="0"/>
-          <a:chExt cx="0" cy="0"/>
-        </a:xfrm>
-      </p:grpSpPr>
-      <p:sp>
-        <p:nvSpPr>
-          <p:cNvPr id="2" name="Title 1">
-            <a:extLst>
-              <a:ext uri="{FF2B5EF4-FFF2-40B4-BE49-F238E27FC236}">
-                <a16:creationId xmlns:a16="http://schemas.microsoft.com/office/drawing/2014/main" id="{9FAB24F9-9293-4782-9DC2-F77766335E07}"/>
-              </a:ext>
-            </a:extLst>
-          </p:cNvPr>
-          <p:cNvSpPr>
-            <a:spLocks noGrp="1"/>
-          </p:cNvSpPr>
-          <p:nvPr>
-            <p:ph type="title"/>
-          </p:nvPr>
-        </p:nvSpPr>
-        <p:spPr/>
-        <p:txBody>
-          <a:bodyPr>
-            <a:normAutofit/>
-          </a:bodyPr>
-          <a:lstStyle/>
-          <a:p>
-            <a:r>
-              <a:rPr lang="en-US" sz="4000" dirty="0">
-                <a:latin typeface="Univers (body)"/>
-              </a:rPr>
-              <a:t>Low COVID Counties Likely to have Insurance Coverage, Lower Pop. Density</a:t>
-            </a:r>
-          </a:p>
-        </p:txBody>
-      </p:sp>
-      <p:pic>
-        <p:nvPicPr>
-          <p:cNvPr id="12" name="Content Placeholder 11" descr="Chart, line chart, histogram&#10;&#10;Description automatically generated">
-            <a:extLst>
-              <a:ext uri="{FF2B5EF4-FFF2-40B4-BE49-F238E27FC236}">
-                <a16:creationId xmlns:a16="http://schemas.microsoft.com/office/drawing/2014/main" id="{0507CF35-EB6F-45CA-B573-E17F794F9D4E}"/>
-              </a:ext>
-            </a:extLst>
-          </p:cNvPr>
-          <p:cNvPicPr>
-            <a:picLocks noGrp="1" noChangeAspect="1"/>
-          </p:cNvPicPr>
-          <p:nvPr>
-            <p:ph sz="half" idx="1"/>
-          </p:nvPr>
-        </p:nvPicPr>
-        <p:blipFill>
-          <a:blip r:embed="rId2">
-            <a:extLst>
-              <a:ext uri="{28A0092B-C50C-407E-A947-70E740481C1C}">
-                <a14:useLocalDpi xmlns:a14="http://schemas.microsoft.com/office/drawing/2010/main" val="0"/>
-              </a:ext>
-            </a:extLst>
-          </a:blip>
-          <a:stretch>
-            <a:fillRect/>
-          </a:stretch>
-        </p:blipFill>
-        <p:spPr>
-          <a:xfrm>
-            <a:off x="227397" y="2271806"/>
-            <a:ext cx="5531145" cy="3728944"/>
-          </a:xfrm>
-        </p:spPr>
-      </p:pic>
-      <p:pic>
-        <p:nvPicPr>
-          <p:cNvPr id="16" name="Content Placeholder 15" descr="Chart, line chart&#10;&#10;Description automatically generated">
-            <a:extLst>
-              <a:ext uri="{FF2B5EF4-FFF2-40B4-BE49-F238E27FC236}">
-                <a16:creationId xmlns:a16="http://schemas.microsoft.com/office/drawing/2014/main" id="{B3B07CFB-E0F7-4E42-9029-15410F89284F}"/>
-              </a:ext>
-            </a:extLst>
-          </p:cNvPr>
-          <p:cNvPicPr>
-            <a:picLocks noGrp="1" noChangeAspect="1"/>
-          </p:cNvPicPr>
-          <p:nvPr>
-            <p:ph sz="half" idx="2"/>
-          </p:nvPr>
-        </p:nvPicPr>
-        <p:blipFill>
-          <a:blip r:embed="rId3">
-            <a:extLst>
-              <a:ext uri="{28A0092B-C50C-407E-A947-70E740481C1C}">
-                <a14:useLocalDpi xmlns:a14="http://schemas.microsoft.com/office/drawing/2010/main" val="0"/>
-              </a:ext>
-            </a:extLst>
-          </a:blip>
-          <a:stretch>
-            <a:fillRect/>
-          </a:stretch>
-        </p:blipFill>
-        <p:spPr>
-          <a:xfrm>
-            <a:off x="5887968" y="2308436"/>
-            <a:ext cx="5531145" cy="3692314"/>
-          </a:xfrm>
-        </p:spPr>
-      </p:pic>
-    </p:spTree>
-    <p:extLst>
-      <p:ext uri="{BB962C8B-B14F-4D97-AF65-F5344CB8AC3E}">
-        <p14:creationId xmlns:p14="http://schemas.microsoft.com/office/powerpoint/2010/main" val="3953207219"/>
-      </p:ext>
-    </p:extLst>
-  </p:cSld>
-  <p:clrMapOvr>
-    <a:masterClrMapping/>
-  </p:clrMapOvr>
-</p:sld>
-</file>
-
-<file path=ppt/slides/slide9.xml><?xml version="1.0" encoding="utf-8"?>
-<p:sld xmlns:a="http://schemas.openxmlformats.org/drawingml/2006/main" xmlns:r="http://schemas.openxmlformats.org/officeDocument/2006/relationships" xmlns:p="http://schemas.openxmlformats.org/presentationml/2006/main">
-  <p:cSld>
-    <p:spTree>
-      <p:nvGrpSpPr>
-        <p:cNvPr id="1" name=""/>
-        <p:cNvGrpSpPr/>
-        <p:nvPr/>
-      </p:nvGrpSpPr>
-      <p:grpSpPr>
-        <a:xfrm>
-          <a:off x="0" y="0"/>
-          <a:ext cx="0" cy="0"/>
-          <a:chOff x="0" y="0"/>
-          <a:chExt cx="0" cy="0"/>
-        </a:xfrm>
-      </p:grpSpPr>
-      <p:sp>
-        <p:nvSpPr>
-          <p:cNvPr id="2" name="Title 1">
-            <a:extLst>
-              <a:ext uri="{FF2B5EF4-FFF2-40B4-BE49-F238E27FC236}">
-                <a16:creationId xmlns:a16="http://schemas.microsoft.com/office/drawing/2014/main" id="{B4BBCC9A-A51F-4F61-A179-478D114E2DF1}"/>
-              </a:ext>
-            </a:extLst>
-          </p:cNvPr>
-          <p:cNvSpPr>
-            <a:spLocks noGrp="1"/>
-          </p:cNvSpPr>
-          <p:nvPr>
-            <p:ph type="title"/>
-          </p:nvPr>
-        </p:nvSpPr>
-        <p:spPr>
-          <a:xfrm>
-            <a:off x="838200" y="184805"/>
-            <a:ext cx="10515600" cy="1505883"/>
-          </a:xfrm>
-        </p:spPr>
-        <p:txBody>
-          <a:bodyPr vert="horz" lIns="91440" tIns="45720" rIns="91440" bIns="45720" rtlCol="0" anchor="ctr">
-            <a:normAutofit/>
-          </a:bodyPr>
-          <a:lstStyle/>
-          <a:p>
-            <a:r>
-              <a:rPr lang="en-US" sz="4000" kern="1200" dirty="0">
-                <a:solidFill>
-                  <a:schemeClr val="tx1"/>
-                </a:solidFill>
-                <a:latin typeface="Univers (body)"/>
-              </a:rPr>
-              <a:t>Modeling Successes and Challenges</a:t>
-            </a:r>
-          </a:p>
-        </p:txBody>
-      </p:sp>
-      <p:graphicFrame>
-        <p:nvGraphicFramePr>
-          <p:cNvPr id="16" name="Table 4">
-            <a:extLst>
-              <a:ext uri="{FF2B5EF4-FFF2-40B4-BE49-F238E27FC236}">
-                <a16:creationId xmlns:a16="http://schemas.microsoft.com/office/drawing/2014/main" id="{FEFE4496-E043-4F59-A8B6-E1546DBD2584}"/>
-              </a:ext>
-            </a:extLst>
-          </p:cNvPr>
-          <p:cNvGraphicFramePr>
-            <a:graphicFrameLocks/>
-          </p:cNvGraphicFramePr>
-          <p:nvPr>
-            <p:extLst>
-              <p:ext uri="{D42A27DB-BD31-4B8C-83A1-F6EECF244321}">
-                <p14:modId xmlns:p14="http://schemas.microsoft.com/office/powerpoint/2010/main" val="1892090100"/>
-              </p:ext>
-            </p:extLst>
-          </p:nvPr>
-        </p:nvGraphicFramePr>
-        <p:xfrm>
-          <a:off x="930730" y="1567544"/>
-          <a:ext cx="10423070" cy="4728194"/>
-        </p:xfrm>
-        <a:graphic>
-          <a:graphicData uri="http://schemas.openxmlformats.org/drawingml/2006/table">
-            <a:tbl>
-              <a:tblPr firstRow="1" bandRow="1">
-                <a:noFill/>
-                <a:tableStyleId>{2D5ABB26-0587-4C30-8999-92F81FD0307C}</a:tableStyleId>
-              </a:tblPr>
-              <a:tblGrid>
-                <a:gridCol w="2379447">
-                  <a:extLst>
-                    <a:ext uri="{9D8B030D-6E8A-4147-A177-3AD203B41FA5}">
-                      <a16:colId xmlns:a16="http://schemas.microsoft.com/office/drawing/2014/main" val="1713280189"/>
-                    </a:ext>
-                  </a:extLst>
-                </a:gridCol>
-                <a:gridCol w="2666080">
-                  <a:extLst>
-                    <a:ext uri="{9D8B030D-6E8A-4147-A177-3AD203B41FA5}">
-                      <a16:colId xmlns:a16="http://schemas.microsoft.com/office/drawing/2014/main" val="896554457"/>
-                    </a:ext>
-                  </a:extLst>
-                </a:gridCol>
-                <a:gridCol w="2955472">
-                  <a:extLst>
-                    <a:ext uri="{9D8B030D-6E8A-4147-A177-3AD203B41FA5}">
-                      <a16:colId xmlns:a16="http://schemas.microsoft.com/office/drawing/2014/main" val="1631822685"/>
-                    </a:ext>
-                  </a:extLst>
-                </a:gridCol>
-                <a:gridCol w="2422071">
-                  <a:extLst>
-                    <a:ext uri="{9D8B030D-6E8A-4147-A177-3AD203B41FA5}">
-                      <a16:colId xmlns:a16="http://schemas.microsoft.com/office/drawing/2014/main" val="1892636438"/>
-                    </a:ext>
-                  </a:extLst>
-                </a:gridCol>
-              </a:tblGrid>
-              <a:tr h="1410398">
-                <a:tc>
-                  <a:txBody>
-                    <a:bodyPr/>
-                    <a:lstStyle/>
-                    <a:p>
-                      <a:r>
-                        <a:rPr lang="en-US" sz="2400" b="0" cap="none" spc="0" dirty="0">
-                          <a:solidFill>
-                            <a:schemeClr val="tx1"/>
-                          </a:solidFill>
-                          <a:latin typeface="Univers (body)"/>
-                          <a:cs typeface="Arial" panose="020B0604020202020204" pitchFamily="34" charset="0"/>
-                        </a:rPr>
-                        <a:t>Region</a:t>
-                      </a:r>
-                    </a:p>
-                  </a:txBody>
-                  <a:tcPr marL="67253" marR="67253" marT="63143" marB="134507" anchor="b">
-                    <a:lnL w="12700" cmpd="sng">
-                      <a:noFill/>
-                    </a:lnL>
-                    <a:lnR w="12700" cmpd="sng">
-                      <a:noFill/>
-                    </a:lnR>
-                    <a:lnT w="9525" cap="flat" cmpd="sng" algn="ctr">
-                      <a:noFill/>
-                      <a:prstDash val="solid"/>
-                    </a:lnT>
-                    <a:lnB w="38100" cmpd="sng">
-                      <a:noFill/>
-                    </a:lnB>
-                    <a:lnTlToBr w="12700" cmpd="sng">
-                      <a:noFill/>
-                      <a:prstDash val="solid"/>
-                    </a:lnTlToBr>
-                    <a:lnBlToTr w="12700" cmpd="sng">
-                      <a:noFill/>
-                      <a:prstDash val="solid"/>
-                    </a:lnBlToTr>
-                    <a:noFill/>
-                  </a:tcPr>
-                </a:tc>
-                <a:tc>
-                  <a:txBody>
-                    <a:bodyPr/>
-                    <a:lstStyle/>
-                    <a:p>
-                      <a:r>
-                        <a:rPr lang="en-US" sz="2400" b="0" cap="none" spc="0">
-                          <a:solidFill>
-                            <a:schemeClr val="tx1"/>
-                          </a:solidFill>
-                          <a:latin typeface="Univers (body)"/>
-                          <a:cs typeface="Arial" panose="020B0604020202020204" pitchFamily="34" charset="0"/>
-                        </a:rPr>
-                        <a:t>Best Regression </a:t>
-                      </a:r>
-                    </a:p>
-                    <a:p>
-                      <a:r>
-                        <a:rPr lang="en-US" sz="2400" b="0" cap="none" spc="0">
-                          <a:solidFill>
-                            <a:schemeClr val="tx1"/>
-                          </a:solidFill>
-                          <a:latin typeface="Univers (body)"/>
-                          <a:cs typeface="Arial" panose="020B0604020202020204" pitchFamily="34" charset="0"/>
-                        </a:rPr>
-                        <a:t>R2 Score</a:t>
-                      </a:r>
-                    </a:p>
-                  </a:txBody>
-                  <a:tcPr marL="67253" marR="67253" marT="63143" marB="134507" anchor="b">
-                    <a:lnL w="12700" cmpd="sng">
-                      <a:noFill/>
-                    </a:lnL>
-                    <a:lnR w="12700" cap="flat" cmpd="sng" algn="ctr">
-                      <a:solidFill>
-                        <a:schemeClr val="tx1">
-                          <a:lumMod val="50000"/>
-                          <a:lumOff val="50000"/>
-                        </a:schemeClr>
-                      </a:solidFill>
-                      <a:prstDash val="solid"/>
-                      <a:round/>
-                      <a:headEnd type="none" w="med" len="med"/>
-                      <a:tailEnd type="none" w="med" len="med"/>
-                    </a:lnR>
-                    <a:lnT w="9525" cap="flat" cmpd="sng" algn="ctr">
-                      <a:noFill/>
-                      <a:prstDash val="solid"/>
-                    </a:lnT>
-                    <a:lnB w="38100" cmpd="sng">
-                      <a:noFill/>
-                    </a:lnB>
-                    <a:lnTlToBr w="12700" cmpd="sng">
-                      <a:noFill/>
-                      <a:prstDash val="solid"/>
-                    </a:lnTlToBr>
-                    <a:lnBlToTr w="12700" cmpd="sng">
-                      <a:noFill/>
-                      <a:prstDash val="solid"/>
-                    </a:lnBlToTr>
-                    <a:noFill/>
-                  </a:tcPr>
-                </a:tc>
-                <a:tc>
-                  <a:txBody>
-                    <a:bodyPr/>
-                    <a:lstStyle/>
-                    <a:p>
-                      <a:r>
-                        <a:rPr lang="en-US" sz="2400" b="0" cap="none" spc="0" dirty="0">
-                          <a:solidFill>
-                            <a:schemeClr val="tx1"/>
-                          </a:solidFill>
-                          <a:latin typeface="Univers (body)"/>
-                          <a:cs typeface="Arial" panose="020B0604020202020204" pitchFamily="34" charset="0"/>
-                        </a:rPr>
-                        <a:t>Best Classification Accuracy Score</a:t>
-                      </a:r>
-                    </a:p>
-                  </a:txBody>
-                  <a:tcPr marL="67253" marR="67253" marT="63143" marB="134507" anchor="b">
-                    <a:lnL w="12700" cap="flat" cmpd="sng" algn="ctr">
-                      <a:solidFill>
-                        <a:schemeClr val="tx1">
-                          <a:lumMod val="50000"/>
-                          <a:lumOff val="50000"/>
-                        </a:schemeClr>
-                      </a:solidFill>
-                      <a:prstDash val="solid"/>
-                      <a:round/>
-                      <a:headEnd type="none" w="med" len="med"/>
-                      <a:tailEnd type="none" w="med" len="med"/>
-                    </a:lnL>
-                    <a:lnR w="12700" cmpd="sng">
-                      <a:noFill/>
-                    </a:lnR>
-                    <a:lnT w="9525" cap="flat" cmpd="sng" algn="ctr">
-                      <a:noFill/>
-                      <a:prstDash val="solid"/>
-                    </a:lnT>
-                    <a:lnB w="38100" cmpd="sng">
-                      <a:noFill/>
-                    </a:lnB>
-                    <a:lnTlToBr w="12700" cmpd="sng">
-                      <a:noFill/>
-                      <a:prstDash val="solid"/>
-                    </a:lnTlToBr>
-                    <a:lnBlToTr w="12700" cmpd="sng">
-                      <a:noFill/>
-                      <a:prstDash val="solid"/>
-                    </a:lnBlToTr>
-                    <a:noFill/>
-                  </a:tcPr>
-                </a:tc>
-                <a:tc>
-                  <a:txBody>
-                    <a:bodyPr/>
-                    <a:lstStyle/>
-                    <a:p>
-                      <a:r>
-                        <a:rPr lang="en-US" sz="2400" b="0" cap="none" spc="0">
-                          <a:solidFill>
-                            <a:schemeClr val="bg1">
-                              <a:lumMod val="65000"/>
-                            </a:schemeClr>
-                          </a:solidFill>
-                          <a:latin typeface="Univers (body)"/>
-                          <a:cs typeface="Arial" panose="020B0604020202020204" pitchFamily="34" charset="0"/>
-                        </a:rPr>
-                        <a:t>Classification Baseline</a:t>
-                      </a:r>
-                    </a:p>
-                  </a:txBody>
-                  <a:tcPr marL="67253" marR="67253" marT="63143" marB="134507" anchor="b">
-                    <a:lnL w="12700" cmpd="sng">
-                      <a:noFill/>
-                    </a:lnL>
-                    <a:lnR w="12700" cmpd="sng">
-                      <a:noFill/>
-                    </a:lnR>
-                    <a:lnT w="9525" cap="flat" cmpd="sng" algn="ctr">
-                      <a:noFill/>
-                      <a:prstDash val="solid"/>
-                    </a:lnT>
-                    <a:lnB w="38100" cmpd="sng">
-                      <a:noFill/>
-                    </a:lnB>
-                    <a:lnTlToBr w="12700" cmpd="sng">
-                      <a:noFill/>
-                      <a:prstDash val="solid"/>
-                    </a:lnTlToBr>
-                    <a:lnBlToTr w="12700" cmpd="sng">
-                      <a:noFill/>
-                      <a:prstDash val="solid"/>
-                    </a:lnBlToTr>
-                    <a:noFill/>
-                  </a:tcPr>
-                </a:tc>
-                <a:extLst>
-                  <a:ext uri="{0D108BD9-81ED-4DB2-BD59-A6C34878D82A}">
-                    <a16:rowId xmlns:a16="http://schemas.microsoft.com/office/drawing/2014/main" val="2657872141"/>
-                  </a:ext>
-                </a:extLst>
-              </a:tr>
-              <a:tr h="552966">
-                <a:tc>
-                  <a:txBody>
-                    <a:bodyPr/>
-                    <a:lstStyle/>
-                    <a:p>
-                      <a:r>
-                        <a:rPr lang="en-US" sz="1800" cap="none" spc="0" dirty="0">
-                          <a:solidFill>
-                            <a:schemeClr val="tx1"/>
-                          </a:solidFill>
-                          <a:latin typeface="Univers (body)"/>
-                          <a:cs typeface="Arial" panose="020B0604020202020204" pitchFamily="34" charset="0"/>
-                        </a:rPr>
-                        <a:t>All Five States</a:t>
-                      </a:r>
-                    </a:p>
-                  </a:txBody>
-                  <a:tcPr marL="67253" marR="67253" marT="63143" marB="134507" anchor="ctr">
-                    <a:lnL w="12700" cmpd="sng">
-                      <a:noFill/>
-                      <a:prstDash val="solid"/>
-                    </a:lnL>
-                    <a:lnR w="12700" cmpd="sng">
-                      <a:noFill/>
-                      <a:prstDash val="solid"/>
-                    </a:lnR>
-                    <a:lnT w="38100" cmpd="sng">
-                      <a:noFill/>
-                    </a:lnT>
-                    <a:lnB w="12700" cap="flat" cmpd="sng" algn="ctr">
-                      <a:solidFill>
-                        <a:schemeClr val="accent1"/>
-                      </a:solidFill>
-                      <a:prstDash val="solid"/>
-                    </a:lnB>
-                    <a:lnTlToBr w="12700" cmpd="sng">
-                      <a:noFill/>
-                      <a:prstDash val="solid"/>
-                    </a:lnTlToBr>
-                    <a:lnBlToTr w="12700" cmpd="sng">
-                      <a:noFill/>
-                      <a:prstDash val="solid"/>
-                    </a:lnBlToTr>
-                    <a:noFill/>
-                  </a:tcPr>
-                </a:tc>
-                <a:tc>
-                  <a:txBody>
-                    <a:bodyPr/>
-                    <a:lstStyle/>
-                    <a:p>
-                      <a:r>
-                        <a:rPr lang="en-US" sz="1800" cap="none" spc="0">
-                          <a:solidFill>
-                            <a:schemeClr val="tx1"/>
-                          </a:solidFill>
-                          <a:latin typeface="Univers (body)"/>
-                          <a:cs typeface="Arial" panose="020B0604020202020204" pitchFamily="34" charset="0"/>
-                        </a:rPr>
-                        <a:t>47%</a:t>
-                      </a:r>
-                    </a:p>
-                  </a:txBody>
-                  <a:tcPr marL="67253" marR="67253" marT="63143" marB="134507" anchor="ctr">
-                    <a:lnL w="12700" cmpd="sng">
-                      <a:noFill/>
-                      <a:prstDash val="solid"/>
-                    </a:lnL>
-                    <a:lnR w="12700" cap="flat" cmpd="sng" algn="ctr">
-                      <a:solidFill>
-                        <a:schemeClr val="tx1">
-                          <a:lumMod val="50000"/>
-                          <a:lumOff val="50000"/>
-                        </a:schemeClr>
-                      </a:solidFill>
-                      <a:prstDash val="solid"/>
-                      <a:round/>
-                      <a:headEnd type="none" w="med" len="med"/>
-                      <a:tailEnd type="none" w="med" len="med"/>
-                    </a:lnR>
-                    <a:lnT w="38100" cmpd="sng">
-                      <a:noFill/>
-                    </a:lnT>
-                    <a:lnB w="12700" cap="flat" cmpd="sng" algn="ctr">
-                      <a:solidFill>
-                        <a:schemeClr val="accent1"/>
-                      </a:solidFill>
-                      <a:prstDash val="solid"/>
-                    </a:lnB>
-                    <a:lnTlToBr w="12700" cmpd="sng">
-                      <a:noFill/>
-                      <a:prstDash val="solid"/>
-                    </a:lnTlToBr>
-                    <a:lnBlToTr w="12700" cmpd="sng">
-                      <a:noFill/>
-                      <a:prstDash val="solid"/>
-                    </a:lnBlToTr>
-                    <a:noFill/>
-                  </a:tcPr>
-                </a:tc>
-                <a:tc>
-                  <a:txBody>
-                    <a:bodyPr/>
-                    <a:lstStyle/>
-                    <a:p>
-                      <a:r>
-                        <a:rPr lang="en-US" sz="1800" cap="none" spc="0" dirty="0">
-                          <a:solidFill>
-                            <a:schemeClr val="tx1"/>
-                          </a:solidFill>
-                          <a:latin typeface="Univers (body)"/>
-                          <a:cs typeface="Arial" panose="020B0604020202020204" pitchFamily="34" charset="0"/>
-                        </a:rPr>
-                        <a:t>63%</a:t>
-                      </a:r>
-                    </a:p>
-                  </a:txBody>
-                  <a:tcPr marL="67253" marR="67253" marT="63143" marB="134507" anchor="ctr">
-                    <a:lnL w="12700" cap="flat" cmpd="sng" algn="ctr">
-                      <a:solidFill>
-                        <a:schemeClr val="tx1">
-                          <a:lumMod val="50000"/>
-                          <a:lumOff val="50000"/>
-                        </a:schemeClr>
-                      </a:solidFill>
-                      <a:prstDash val="solid"/>
-                      <a:round/>
-                      <a:headEnd type="none" w="med" len="med"/>
-                      <a:tailEnd type="none" w="med" len="med"/>
-                    </a:lnL>
-                    <a:lnR w="12700" cmpd="sng">
-                      <a:noFill/>
-                      <a:prstDash val="solid"/>
-                    </a:lnR>
-                    <a:lnT w="38100" cmpd="sng">
-                      <a:noFill/>
-                    </a:lnT>
-                    <a:lnB w="12700" cap="flat" cmpd="sng" algn="ctr">
-                      <a:solidFill>
-                        <a:schemeClr val="accent1"/>
-                      </a:solidFill>
-                      <a:prstDash val="solid"/>
-                    </a:lnB>
-                    <a:lnTlToBr w="12700" cmpd="sng">
-                      <a:noFill/>
-                      <a:prstDash val="solid"/>
-                    </a:lnTlToBr>
-                    <a:lnBlToTr w="12700" cmpd="sng">
-                      <a:noFill/>
-                      <a:prstDash val="solid"/>
-                    </a:lnBlToTr>
-                    <a:noFill/>
-                  </a:tcPr>
-                </a:tc>
-                <a:tc>
-                  <a:txBody>
-                    <a:bodyPr/>
-                    <a:lstStyle/>
-                    <a:p>
-                      <a:r>
-                        <a:rPr lang="en-US" sz="1800" cap="none" spc="0" dirty="0">
-                          <a:solidFill>
-                            <a:schemeClr val="bg1">
-                              <a:lumMod val="65000"/>
-                            </a:schemeClr>
-                          </a:solidFill>
-                          <a:latin typeface="Univers (body)"/>
-                          <a:cs typeface="Arial" panose="020B0604020202020204" pitchFamily="34" charset="0"/>
-                        </a:rPr>
-                        <a:t>42%</a:t>
-                      </a:r>
-                    </a:p>
-                  </a:txBody>
-                  <a:tcPr marL="67253" marR="67253" marT="63143" marB="134507" anchor="ctr">
-                    <a:lnL w="12700" cmpd="sng">
-                      <a:noFill/>
-                      <a:prstDash val="solid"/>
-                    </a:lnL>
-                    <a:lnR w="12700" cmpd="sng">
-                      <a:noFill/>
-                      <a:prstDash val="solid"/>
-                    </a:lnR>
-                    <a:lnT w="38100" cmpd="sng">
-                      <a:noFill/>
-                    </a:lnT>
-                    <a:lnB w="12700" cap="flat" cmpd="sng" algn="ctr">
-                      <a:solidFill>
-                        <a:schemeClr val="accent1"/>
-                      </a:solidFill>
-                      <a:prstDash val="solid"/>
-                    </a:lnB>
-                    <a:lnTlToBr w="12700" cmpd="sng">
-                      <a:noFill/>
-                      <a:prstDash val="solid"/>
-                    </a:lnTlToBr>
-                    <a:lnBlToTr w="12700" cmpd="sng">
-                      <a:noFill/>
-                      <a:prstDash val="solid"/>
-                    </a:lnBlToTr>
-                    <a:noFill/>
-                  </a:tcPr>
-                </a:tc>
-                <a:extLst>
-                  <a:ext uri="{0D108BD9-81ED-4DB2-BD59-A6C34878D82A}">
-                    <a16:rowId xmlns:a16="http://schemas.microsoft.com/office/drawing/2014/main" val="2897736832"/>
-                  </a:ext>
-                </a:extLst>
-              </a:tr>
-              <a:tr h="552966">
-                <a:tc>
-                  <a:txBody>
-                    <a:bodyPr/>
-                    <a:lstStyle/>
-                    <a:p>
-                      <a:endParaRPr lang="en-US" sz="1800" cap="none" spc="0" dirty="0">
-                        <a:solidFill>
-                          <a:schemeClr val="tx1"/>
-                        </a:solidFill>
-                        <a:latin typeface="Univers (body)"/>
-                        <a:cs typeface="Arial" panose="020B0604020202020204" pitchFamily="34" charset="0"/>
-                      </a:endParaRPr>
-                    </a:p>
-                  </a:txBody>
-                  <a:tcPr marL="67253" marR="67253" marT="63143" marB="134507" anchor="ctr">
-                    <a:lnL w="12700" cmpd="sng">
-                      <a:noFill/>
-                      <a:prstDash val="solid"/>
-                    </a:lnL>
-                    <a:lnR w="12700" cmpd="sng">
-                      <a:noFill/>
-                      <a:prstDash val="solid"/>
-                    </a:lnR>
-                    <a:lnT w="12700" cap="flat" cmpd="sng" algn="ctr">
-                      <a:solidFill>
-                        <a:schemeClr val="accent1"/>
-                      </a:solidFill>
-                      <a:prstDash val="solid"/>
-                    </a:lnT>
-                    <a:lnB w="12700" cmpd="sng">
-                      <a:noFill/>
-                      <a:prstDash val="solid"/>
-                    </a:lnB>
-                    <a:lnTlToBr w="12700" cmpd="sng">
-                      <a:noFill/>
-                      <a:prstDash val="solid"/>
-                    </a:lnTlToBr>
-                    <a:lnBlToTr w="12700" cmpd="sng">
-                      <a:noFill/>
-                      <a:prstDash val="solid"/>
-                    </a:lnBlToTr>
-                    <a:solidFill>
-                      <a:schemeClr val="bg1">
-                        <a:lumMod val="95000"/>
-                      </a:schemeClr>
-                    </a:solidFill>
-                  </a:tcPr>
-                </a:tc>
-                <a:tc>
-                  <a:txBody>
-                    <a:bodyPr/>
-                    <a:lstStyle/>
-                    <a:p>
-                      <a:endParaRPr lang="en-US" sz="1800" cap="none" spc="0" dirty="0">
-                        <a:solidFill>
-                          <a:schemeClr val="tx1"/>
-                        </a:solidFill>
-                        <a:latin typeface="Univers (body)"/>
-                        <a:cs typeface="Arial" panose="020B0604020202020204" pitchFamily="34" charset="0"/>
-                      </a:endParaRPr>
-                    </a:p>
-                  </a:txBody>
-                  <a:tcPr marL="67253" marR="67253" marT="63143" marB="134507" anchor="ctr">
-                    <a:lnL w="12700" cmpd="sng">
-                      <a:noFill/>
-                      <a:prstDash val="solid"/>
-                    </a:lnL>
-                    <a:lnR w="12700" cap="flat" cmpd="sng" algn="ctr">
-                      <a:solidFill>
-                        <a:schemeClr val="tx1">
-                          <a:lumMod val="50000"/>
-                          <a:lumOff val="50000"/>
-                        </a:schemeClr>
-                      </a:solidFill>
-                      <a:prstDash val="solid"/>
-                      <a:round/>
-                      <a:headEnd type="none" w="med" len="med"/>
-                      <a:tailEnd type="none" w="med" len="med"/>
-                    </a:lnR>
-                    <a:lnT w="12700" cap="flat" cmpd="sng" algn="ctr">
-                      <a:solidFill>
-                        <a:schemeClr val="accent1"/>
-                      </a:solidFill>
-                      <a:prstDash val="solid"/>
-                    </a:lnT>
-                    <a:lnB w="12700" cmpd="sng">
-                      <a:noFill/>
-                      <a:prstDash val="solid"/>
-                    </a:lnB>
-                    <a:lnTlToBr w="12700" cmpd="sng">
-                      <a:noFill/>
-                      <a:prstDash val="solid"/>
-                    </a:lnTlToBr>
-                    <a:lnBlToTr w="12700" cmpd="sng">
-                      <a:noFill/>
-                      <a:prstDash val="solid"/>
-                    </a:lnBlToTr>
-                    <a:solidFill>
-                      <a:schemeClr val="bg1">
-                        <a:lumMod val="95000"/>
-                      </a:schemeClr>
-                    </a:solidFill>
-                  </a:tcPr>
-                </a:tc>
-                <a:tc>
-                  <a:txBody>
-                    <a:bodyPr/>
-                    <a:lstStyle/>
-                    <a:p>
-                      <a:endParaRPr lang="en-US" sz="1800" cap="none" spc="0" dirty="0">
-                        <a:solidFill>
-                          <a:schemeClr val="tx1"/>
-                        </a:solidFill>
-                        <a:latin typeface="Univers (body)"/>
-                        <a:cs typeface="Arial" panose="020B0604020202020204" pitchFamily="34" charset="0"/>
-                      </a:endParaRPr>
-                    </a:p>
-                  </a:txBody>
-                  <a:tcPr marL="67253" marR="67253" marT="63143" marB="134507" anchor="ctr">
-                    <a:lnL w="12700" cap="flat" cmpd="sng" algn="ctr">
-                      <a:solidFill>
-                        <a:schemeClr val="tx1">
-                          <a:lumMod val="50000"/>
-                          <a:lumOff val="50000"/>
-                        </a:schemeClr>
-                      </a:solidFill>
-                      <a:prstDash val="solid"/>
-                      <a:round/>
-                      <a:headEnd type="none" w="med" len="med"/>
-                      <a:tailEnd type="none" w="med" len="med"/>
-                    </a:lnL>
-                    <a:lnR w="12700" cmpd="sng">
-                      <a:noFill/>
-                      <a:prstDash val="solid"/>
-                    </a:lnR>
-                    <a:lnT w="12700" cap="flat" cmpd="sng" algn="ctr">
-                      <a:solidFill>
-                        <a:schemeClr val="accent1"/>
-                      </a:solidFill>
-                      <a:prstDash val="solid"/>
-                    </a:lnT>
-                    <a:lnB w="12700" cmpd="sng">
-                      <a:noFill/>
-                      <a:prstDash val="solid"/>
-                    </a:lnB>
-                    <a:lnTlToBr w="12700" cmpd="sng">
-                      <a:noFill/>
-                      <a:prstDash val="solid"/>
-                    </a:lnTlToBr>
-                    <a:lnBlToTr w="12700" cmpd="sng">
-                      <a:noFill/>
-                      <a:prstDash val="solid"/>
-                    </a:lnBlToTr>
-                    <a:solidFill>
-                      <a:schemeClr val="bg1">
-                        <a:lumMod val="95000"/>
-                      </a:schemeClr>
-                    </a:solidFill>
-                  </a:tcPr>
-                </a:tc>
-                <a:tc>
-                  <a:txBody>
-                    <a:bodyPr/>
-                    <a:lstStyle/>
-                    <a:p>
-                      <a:endParaRPr lang="en-US" sz="1800" cap="none" spc="0">
-                        <a:solidFill>
-                          <a:schemeClr val="bg1">
-                            <a:lumMod val="65000"/>
-                          </a:schemeClr>
-                        </a:solidFill>
-                        <a:latin typeface="Univers (body)"/>
-                        <a:cs typeface="Arial" panose="020B0604020202020204" pitchFamily="34" charset="0"/>
-                      </a:endParaRPr>
-                    </a:p>
-                  </a:txBody>
-                  <a:tcPr marL="67253" marR="67253" marT="63143" marB="134507" anchor="ctr">
-                    <a:lnL w="12700" cmpd="sng">
-                      <a:noFill/>
-                      <a:prstDash val="solid"/>
-                    </a:lnL>
-                    <a:lnR w="12700" cmpd="sng">
-                      <a:noFill/>
-                      <a:prstDash val="solid"/>
-                    </a:lnR>
-                    <a:lnT w="12700" cap="flat" cmpd="sng" algn="ctr">
-                      <a:solidFill>
-                        <a:schemeClr val="accent1"/>
-                      </a:solidFill>
-                      <a:prstDash val="solid"/>
-                    </a:lnT>
-                    <a:lnB w="12700" cmpd="sng">
-                      <a:noFill/>
-                      <a:prstDash val="solid"/>
-                    </a:lnB>
-                    <a:lnTlToBr w="12700" cmpd="sng">
-                      <a:noFill/>
-                      <a:prstDash val="solid"/>
-                    </a:lnTlToBr>
-                    <a:lnBlToTr w="12700" cmpd="sng">
-                      <a:noFill/>
-                      <a:prstDash val="solid"/>
-                    </a:lnBlToTr>
-                    <a:solidFill>
-                      <a:schemeClr val="bg1">
-                        <a:lumMod val="95000"/>
-                      </a:schemeClr>
-                    </a:solidFill>
-                  </a:tcPr>
-                </a:tc>
-                <a:extLst>
-                  <a:ext uri="{0D108BD9-81ED-4DB2-BD59-A6C34878D82A}">
-                    <a16:rowId xmlns:a16="http://schemas.microsoft.com/office/drawing/2014/main" val="4078723155"/>
-                  </a:ext>
-                </a:extLst>
-              </a:tr>
-              <a:tr h="552966">
-                <a:tc>
-                  <a:txBody>
-                    <a:bodyPr/>
-                    <a:lstStyle/>
-                    <a:p>
-                      <a:endParaRPr lang="en-US" sz="1800" cap="none" spc="0">
-                        <a:solidFill>
-                          <a:schemeClr val="tx1"/>
-                        </a:solidFill>
-                        <a:latin typeface="Univers (body)"/>
-                        <a:cs typeface="Arial" panose="020B0604020202020204" pitchFamily="34" charset="0"/>
-                      </a:endParaRPr>
-                    </a:p>
-                  </a:txBody>
-                  <a:tcPr marL="67253" marR="67253" marT="63143" marB="134507" anchor="ctr">
-                    <a:lnL w="12700" cmpd="sng">
-                      <a:noFill/>
-                      <a:prstDash val="solid"/>
-                    </a:lnL>
-                    <a:lnR w="12700" cmpd="sng">
-                      <a:noFill/>
-                      <a:prstDash val="solid"/>
-                    </a:lnR>
-                    <a:lnT w="12700" cap="flat" cmpd="sng" algn="ctr">
-                      <a:noFill/>
-                      <a:prstDash val="solid"/>
-                      <a:round/>
-                      <a:headEnd type="none" w="med" len="med"/>
-                      <a:tailEnd type="none" w="med" len="med"/>
-                    </a:lnT>
-                    <a:lnB w="12700" cap="flat" cmpd="sng" algn="ctr">
-                      <a:solidFill>
-                        <a:schemeClr val="accent1"/>
-                      </a:solidFill>
-                      <a:prstDash val="solid"/>
-                    </a:lnB>
-                    <a:lnTlToBr w="12700" cmpd="sng">
-                      <a:noFill/>
-                      <a:prstDash val="solid"/>
-                    </a:lnTlToBr>
-                    <a:lnBlToTr w="12700" cmpd="sng">
-                      <a:noFill/>
-                      <a:prstDash val="solid"/>
-                    </a:lnBlToTr>
-                    <a:noFill/>
-                  </a:tcPr>
-                </a:tc>
-                <a:tc>
-                  <a:txBody>
-                    <a:bodyPr/>
-                    <a:lstStyle/>
-                    <a:p>
-                      <a:endParaRPr lang="en-US" sz="1800" cap="none" spc="0">
-                        <a:solidFill>
-                          <a:schemeClr val="tx1"/>
-                        </a:solidFill>
-                        <a:latin typeface="Univers (body)"/>
-                        <a:cs typeface="Arial" panose="020B0604020202020204" pitchFamily="34" charset="0"/>
-                      </a:endParaRPr>
-                    </a:p>
-                  </a:txBody>
-                  <a:tcPr marL="67253" marR="67253" marT="63143" marB="134507" anchor="ctr">
-                    <a:lnL w="12700" cmpd="sng">
-                      <a:noFill/>
-                      <a:prstDash val="solid"/>
-                    </a:lnL>
-                    <a:lnR w="12700" cap="flat" cmpd="sng" algn="ctr">
-                      <a:solidFill>
-                        <a:schemeClr val="tx1">
-                          <a:lumMod val="50000"/>
-                          <a:lumOff val="50000"/>
-                        </a:schemeClr>
-                      </a:solidFill>
-                      <a:prstDash val="solid"/>
-                      <a:round/>
-                      <a:headEnd type="none" w="med" len="med"/>
-                      <a:tailEnd type="none" w="med" len="med"/>
-                    </a:lnR>
-                    <a:lnT w="12700" cap="flat" cmpd="sng" algn="ctr">
-                      <a:noFill/>
-                      <a:prstDash val="solid"/>
-                      <a:round/>
-                      <a:headEnd type="none" w="med" len="med"/>
-                      <a:tailEnd type="none" w="med" len="med"/>
-                    </a:lnT>
-                    <a:lnB w="12700" cap="flat" cmpd="sng" algn="ctr">
-                      <a:solidFill>
-                        <a:schemeClr val="accent1"/>
-                      </a:solidFill>
-                      <a:prstDash val="solid"/>
-                    </a:lnB>
-                    <a:lnTlToBr w="12700" cmpd="sng">
-                      <a:noFill/>
-                      <a:prstDash val="solid"/>
-                    </a:lnTlToBr>
-                    <a:lnBlToTr w="12700" cmpd="sng">
-                      <a:noFill/>
-                      <a:prstDash val="solid"/>
-                    </a:lnBlToTr>
-                    <a:noFill/>
-                  </a:tcPr>
-                </a:tc>
-                <a:tc>
-                  <a:txBody>
-                    <a:bodyPr/>
-                    <a:lstStyle/>
-                    <a:p>
-                      <a:endParaRPr lang="en-US" sz="1800" cap="none" spc="0" dirty="0">
-                        <a:solidFill>
-                          <a:schemeClr val="tx1"/>
-                        </a:solidFill>
-                        <a:latin typeface="Univers (body)"/>
-                        <a:cs typeface="Arial" panose="020B0604020202020204" pitchFamily="34" charset="0"/>
-                      </a:endParaRPr>
-                    </a:p>
-                  </a:txBody>
-                  <a:tcPr marL="67253" marR="67253" marT="63143" marB="134507" anchor="ctr">
-                    <a:lnL w="12700" cap="flat" cmpd="sng" algn="ctr">
-                      <a:solidFill>
-                        <a:schemeClr val="tx1">
-                          <a:lumMod val="50000"/>
-                          <a:lumOff val="50000"/>
-                        </a:schemeClr>
-                      </a:solidFill>
-                      <a:prstDash val="solid"/>
-                      <a:round/>
-                      <a:headEnd type="none" w="med" len="med"/>
-                      <a:tailEnd type="none" w="med" len="med"/>
-                    </a:lnL>
-                    <a:lnR w="12700" cmpd="sng">
-                      <a:noFill/>
-                      <a:prstDash val="solid"/>
-                    </a:lnR>
-                    <a:lnT w="12700" cap="flat" cmpd="sng" algn="ctr">
-                      <a:noFill/>
-                      <a:prstDash val="solid"/>
-                      <a:round/>
-                      <a:headEnd type="none" w="med" len="med"/>
-                      <a:tailEnd type="none" w="med" len="med"/>
-                    </a:lnT>
-                    <a:lnB w="12700" cap="flat" cmpd="sng" algn="ctr">
-                      <a:solidFill>
-                        <a:schemeClr val="accent1"/>
-                      </a:solidFill>
-                      <a:prstDash val="solid"/>
-                    </a:lnB>
-                    <a:lnTlToBr w="12700" cmpd="sng">
-                      <a:noFill/>
-                      <a:prstDash val="solid"/>
-                    </a:lnTlToBr>
-                    <a:lnBlToTr w="12700" cmpd="sng">
-                      <a:noFill/>
-                      <a:prstDash val="solid"/>
-                    </a:lnBlToTr>
-                    <a:noFill/>
-                  </a:tcPr>
-                </a:tc>
-                <a:tc>
-                  <a:txBody>
-                    <a:bodyPr/>
-                    <a:lstStyle/>
-                    <a:p>
-                      <a:endParaRPr lang="en-US" sz="1800" cap="none" spc="0">
-                        <a:solidFill>
-                          <a:schemeClr val="bg1">
-                            <a:lumMod val="65000"/>
-                          </a:schemeClr>
-                        </a:solidFill>
-                        <a:latin typeface="Univers (body)"/>
-                        <a:cs typeface="Arial" panose="020B0604020202020204" pitchFamily="34" charset="0"/>
-                      </a:endParaRPr>
-                    </a:p>
-                  </a:txBody>
-                  <a:tcPr marL="67253" marR="67253" marT="63143" marB="134507" anchor="ctr">
-                    <a:lnL w="12700" cmpd="sng">
-                      <a:noFill/>
-                      <a:prstDash val="solid"/>
-                    </a:lnL>
-                    <a:lnR w="12700" cmpd="sng">
-                      <a:noFill/>
-                      <a:prstDash val="solid"/>
-                    </a:lnR>
-                    <a:lnT w="12700" cap="flat" cmpd="sng" algn="ctr">
-                      <a:noFill/>
-                      <a:prstDash val="solid"/>
-                      <a:round/>
-                      <a:headEnd type="none" w="med" len="med"/>
-                      <a:tailEnd type="none" w="med" len="med"/>
-                    </a:lnT>
-                    <a:lnB w="12700" cap="flat" cmpd="sng" algn="ctr">
-                      <a:solidFill>
-                        <a:schemeClr val="accent1"/>
-                      </a:solidFill>
-                      <a:prstDash val="solid"/>
-                    </a:lnB>
-                    <a:lnTlToBr w="12700" cmpd="sng">
-                      <a:noFill/>
-                      <a:prstDash val="solid"/>
-                    </a:lnTlToBr>
-                    <a:lnBlToTr w="12700" cmpd="sng">
-                      <a:noFill/>
-                      <a:prstDash val="solid"/>
-                    </a:lnBlToTr>
-                    <a:noFill/>
-                  </a:tcPr>
-                </a:tc>
-                <a:extLst>
-                  <a:ext uri="{0D108BD9-81ED-4DB2-BD59-A6C34878D82A}">
-                    <a16:rowId xmlns:a16="http://schemas.microsoft.com/office/drawing/2014/main" val="405655041"/>
-                  </a:ext>
-                </a:extLst>
-              </a:tr>
-              <a:tr h="552966">
-                <a:tc>
-                  <a:txBody>
-                    <a:bodyPr/>
-                    <a:lstStyle/>
-                    <a:p>
-                      <a:endParaRPr lang="en-US" sz="1800" cap="none" spc="0">
-                        <a:solidFill>
-                          <a:schemeClr val="tx1"/>
-                        </a:solidFill>
-                        <a:latin typeface="Univers (body)"/>
-                        <a:cs typeface="Arial" panose="020B0604020202020204" pitchFamily="34" charset="0"/>
-                      </a:endParaRPr>
-                    </a:p>
-                  </a:txBody>
-                  <a:tcPr marL="67253" marR="67253" marT="63143" marB="134507" anchor="ctr">
-                    <a:lnL w="12700" cmpd="sng">
-                      <a:noFill/>
-                      <a:prstDash val="solid"/>
-                    </a:lnL>
-                    <a:lnR w="12700" cmpd="sng">
-                      <a:noFill/>
-                      <a:prstDash val="solid"/>
-                    </a:lnR>
-                    <a:lnT w="12700" cap="flat" cmpd="sng" algn="ctr">
-                      <a:solidFill>
-                        <a:schemeClr val="accent1"/>
-                      </a:solidFill>
-                      <a:prstDash val="solid"/>
-                      <a:round/>
-                      <a:headEnd type="none" w="med" len="med"/>
-                      <a:tailEnd type="none" w="med" len="med"/>
-                    </a:lnT>
-                    <a:lnB w="12700" cmpd="sng">
-                      <a:noFill/>
-                      <a:prstDash val="solid"/>
-                    </a:lnB>
-                    <a:lnTlToBr w="12700" cmpd="sng">
-                      <a:noFill/>
-                      <a:prstDash val="solid"/>
-                    </a:lnTlToBr>
-                    <a:lnBlToTr w="12700" cmpd="sng">
-                      <a:noFill/>
-                      <a:prstDash val="solid"/>
-                    </a:lnBlToTr>
-                    <a:solidFill>
-                      <a:schemeClr val="bg1">
-                        <a:lumMod val="95000"/>
-                      </a:schemeClr>
-                    </a:solidFill>
-                  </a:tcPr>
-                </a:tc>
-                <a:tc>
-                  <a:txBody>
-                    <a:bodyPr/>
-                    <a:lstStyle/>
-                    <a:p>
-                      <a:endParaRPr lang="en-US" sz="1800" cap="none" spc="0">
-                        <a:solidFill>
-                          <a:schemeClr val="tx1"/>
-                        </a:solidFill>
-                        <a:latin typeface="Univers (body)"/>
-                        <a:cs typeface="Arial" panose="020B0604020202020204" pitchFamily="34" charset="0"/>
-                      </a:endParaRPr>
-                    </a:p>
-                  </a:txBody>
-                  <a:tcPr marL="67253" marR="67253" marT="63143" marB="134507" anchor="ctr">
-                    <a:lnL w="12700" cmpd="sng">
-                      <a:noFill/>
-                      <a:prstDash val="solid"/>
-                    </a:lnL>
-                    <a:lnR w="12700" cap="flat" cmpd="sng" algn="ctr">
-                      <a:solidFill>
-                        <a:schemeClr val="tx1">
-                          <a:lumMod val="50000"/>
-                          <a:lumOff val="50000"/>
-                        </a:schemeClr>
-                      </a:solidFill>
-                      <a:prstDash val="solid"/>
-                      <a:round/>
-                      <a:headEnd type="none" w="med" len="med"/>
-                      <a:tailEnd type="none" w="med" len="med"/>
-                    </a:lnR>
-                    <a:lnT w="12700" cap="flat" cmpd="sng" algn="ctr">
-                      <a:solidFill>
-                        <a:schemeClr val="accent1"/>
-                      </a:solidFill>
-                      <a:prstDash val="solid"/>
-                      <a:round/>
-                      <a:headEnd type="none" w="med" len="med"/>
-                      <a:tailEnd type="none" w="med" len="med"/>
-                    </a:lnT>
-                    <a:lnB w="12700" cmpd="sng">
-                      <a:noFill/>
-                      <a:prstDash val="solid"/>
-                    </a:lnB>
-                    <a:lnTlToBr w="12700" cmpd="sng">
-                      <a:noFill/>
-                      <a:prstDash val="solid"/>
-                    </a:lnTlToBr>
-                    <a:lnBlToTr w="12700" cmpd="sng">
-                      <a:noFill/>
-                      <a:prstDash val="solid"/>
-                    </a:lnBlToTr>
-                    <a:solidFill>
-                      <a:schemeClr val="bg1">
-                        <a:lumMod val="95000"/>
-                      </a:schemeClr>
-                    </a:solidFill>
-                  </a:tcPr>
-                </a:tc>
-                <a:tc>
-                  <a:txBody>
-                    <a:bodyPr/>
-                    <a:lstStyle/>
-                    <a:p>
-                      <a:endParaRPr lang="en-US" sz="1800" cap="none" spc="0" dirty="0">
-                        <a:solidFill>
-                          <a:schemeClr val="tx1"/>
-                        </a:solidFill>
-                        <a:latin typeface="Univers (body)"/>
-                        <a:cs typeface="Arial" panose="020B0604020202020204" pitchFamily="34" charset="0"/>
-                      </a:endParaRPr>
-                    </a:p>
-                  </a:txBody>
-                  <a:tcPr marL="67253" marR="67253" marT="63143" marB="134507" anchor="ctr">
-                    <a:lnL w="12700" cap="flat" cmpd="sng" algn="ctr">
-                      <a:solidFill>
-                        <a:schemeClr val="tx1">
-                          <a:lumMod val="50000"/>
-                          <a:lumOff val="50000"/>
-                        </a:schemeClr>
-                      </a:solidFill>
-                      <a:prstDash val="solid"/>
-                      <a:round/>
-                      <a:headEnd type="none" w="med" len="med"/>
-                      <a:tailEnd type="none" w="med" len="med"/>
-                    </a:lnL>
-                    <a:lnR w="12700" cmpd="sng">
-                      <a:noFill/>
-                      <a:prstDash val="solid"/>
-                    </a:lnR>
-                    <a:lnT w="12700" cap="flat" cmpd="sng" algn="ctr">
-                      <a:solidFill>
-                        <a:schemeClr val="accent1"/>
-                      </a:solidFill>
-                      <a:prstDash val="solid"/>
-                      <a:round/>
-                      <a:headEnd type="none" w="med" len="med"/>
-                      <a:tailEnd type="none" w="med" len="med"/>
-                    </a:lnT>
-                    <a:lnB w="12700" cmpd="sng">
-                      <a:noFill/>
-                      <a:prstDash val="solid"/>
-                    </a:lnB>
-                    <a:lnTlToBr w="12700" cmpd="sng">
-                      <a:noFill/>
-                      <a:prstDash val="solid"/>
-                    </a:lnTlToBr>
-                    <a:lnBlToTr w="12700" cmpd="sng">
-                      <a:noFill/>
-                      <a:prstDash val="solid"/>
-                    </a:lnBlToTr>
-                    <a:solidFill>
-                      <a:schemeClr val="bg1">
-                        <a:lumMod val="95000"/>
-                      </a:schemeClr>
-                    </a:solidFill>
-                  </a:tcPr>
-                </a:tc>
-                <a:tc>
-                  <a:txBody>
-                    <a:bodyPr/>
-                    <a:lstStyle/>
-                    <a:p>
-                      <a:endParaRPr lang="en-US" sz="1800" cap="none" spc="0">
-                        <a:solidFill>
-                          <a:schemeClr val="bg1">
-                            <a:lumMod val="65000"/>
-                          </a:schemeClr>
-                        </a:solidFill>
-                        <a:latin typeface="Univers (body)"/>
-                        <a:cs typeface="Arial" panose="020B0604020202020204" pitchFamily="34" charset="0"/>
-                      </a:endParaRPr>
-                    </a:p>
-                  </a:txBody>
-                  <a:tcPr marL="67253" marR="67253" marT="63143" marB="134507" anchor="ctr">
-                    <a:lnL w="12700" cmpd="sng">
-                      <a:noFill/>
-                      <a:prstDash val="solid"/>
-                    </a:lnL>
-                    <a:lnR w="12700" cmpd="sng">
-                      <a:noFill/>
-                      <a:prstDash val="solid"/>
-                    </a:lnR>
-                    <a:lnT w="12700" cap="flat" cmpd="sng" algn="ctr">
-                      <a:solidFill>
-                        <a:schemeClr val="accent1"/>
-                      </a:solidFill>
-                      <a:prstDash val="solid"/>
-                      <a:round/>
-                      <a:headEnd type="none" w="med" len="med"/>
-                      <a:tailEnd type="none" w="med" len="med"/>
-                    </a:lnT>
-                    <a:lnB w="12700" cmpd="sng">
-                      <a:noFill/>
-                      <a:prstDash val="solid"/>
-                    </a:lnB>
-                    <a:lnTlToBr w="12700" cmpd="sng">
-                      <a:noFill/>
-                      <a:prstDash val="solid"/>
-                    </a:lnTlToBr>
-                    <a:lnBlToTr w="12700" cmpd="sng">
-                      <a:noFill/>
-                      <a:prstDash val="solid"/>
-                    </a:lnBlToTr>
-                    <a:solidFill>
-                      <a:schemeClr val="bg1">
-                        <a:lumMod val="95000"/>
-                      </a:schemeClr>
-                    </a:solidFill>
-                  </a:tcPr>
-                </a:tc>
-                <a:extLst>
-                  <a:ext uri="{0D108BD9-81ED-4DB2-BD59-A6C34878D82A}">
-                    <a16:rowId xmlns:a16="http://schemas.microsoft.com/office/drawing/2014/main" val="3853413919"/>
-                  </a:ext>
-                </a:extLst>
-              </a:tr>
-              <a:tr h="552966">
-                <a:tc>
-                  <a:txBody>
-                    <a:bodyPr/>
-                    <a:lstStyle/>
-                    <a:p>
-                      <a:endParaRPr lang="en-US" sz="1800" cap="none" spc="0">
-                        <a:solidFill>
-                          <a:schemeClr val="tx1"/>
-                        </a:solidFill>
-                        <a:latin typeface="Univers (body)"/>
-                        <a:cs typeface="Arial" panose="020B0604020202020204" pitchFamily="34" charset="0"/>
-                      </a:endParaRPr>
-                    </a:p>
-                  </a:txBody>
-                  <a:tcPr marL="67253" marR="67253" marT="63143" marB="134507" anchor="ctr">
-                    <a:lnL w="12700" cmpd="sng">
-                      <a:noFill/>
-                      <a:prstDash val="solid"/>
-                    </a:lnL>
-                    <a:lnR w="12700" cmpd="sng">
-                      <a:noFill/>
-                      <a:prstDash val="solid"/>
-                    </a:lnR>
-                    <a:lnT w="12700" cap="flat" cmpd="sng" algn="ctr">
-                      <a:noFill/>
-                      <a:prstDash val="solid"/>
-                      <a:round/>
-                      <a:headEnd type="none" w="med" len="med"/>
-                      <a:tailEnd type="none" w="med" len="med"/>
-                    </a:lnT>
-                    <a:lnB w="12700" cap="flat" cmpd="sng" algn="ctr">
-                      <a:solidFill>
-                        <a:schemeClr val="accent1"/>
-                      </a:solidFill>
-                      <a:prstDash val="solid"/>
-                    </a:lnB>
-                    <a:lnTlToBr w="12700" cmpd="sng">
-                      <a:noFill/>
-                      <a:prstDash val="solid"/>
-                    </a:lnTlToBr>
-                    <a:lnBlToTr w="12700" cmpd="sng">
-                      <a:noFill/>
-                      <a:prstDash val="solid"/>
-                    </a:lnBlToTr>
-                    <a:noFill/>
-                  </a:tcPr>
-                </a:tc>
-                <a:tc>
-                  <a:txBody>
-                    <a:bodyPr/>
-                    <a:lstStyle/>
-                    <a:p>
-                      <a:endParaRPr lang="en-US" sz="1800" cap="none" spc="0">
-                        <a:solidFill>
-                          <a:schemeClr val="tx1"/>
-                        </a:solidFill>
-                        <a:latin typeface="Univers (body)"/>
-                        <a:cs typeface="Arial" panose="020B0604020202020204" pitchFamily="34" charset="0"/>
-                      </a:endParaRPr>
-                    </a:p>
-                  </a:txBody>
-                  <a:tcPr marL="67253" marR="67253" marT="63143" marB="134507" anchor="ctr">
-                    <a:lnL w="12700" cmpd="sng">
-                      <a:noFill/>
-                      <a:prstDash val="solid"/>
-                    </a:lnL>
-                    <a:lnR w="12700" cap="flat" cmpd="sng" algn="ctr">
-                      <a:solidFill>
-                        <a:schemeClr val="tx1">
-                          <a:lumMod val="50000"/>
-                          <a:lumOff val="50000"/>
-                        </a:schemeClr>
-                      </a:solidFill>
-                      <a:prstDash val="solid"/>
-                      <a:round/>
-                      <a:headEnd type="none" w="med" len="med"/>
-                      <a:tailEnd type="none" w="med" len="med"/>
-                    </a:lnR>
-                    <a:lnT w="12700" cap="flat" cmpd="sng" algn="ctr">
-                      <a:noFill/>
-                      <a:prstDash val="solid"/>
-                      <a:round/>
-                      <a:headEnd type="none" w="med" len="med"/>
-                      <a:tailEnd type="none" w="med" len="med"/>
-                    </a:lnT>
-                    <a:lnB w="12700" cap="flat" cmpd="sng" algn="ctr">
-                      <a:solidFill>
-                        <a:schemeClr val="accent1"/>
-                      </a:solidFill>
-                      <a:prstDash val="solid"/>
-                    </a:lnB>
-                    <a:lnTlToBr w="12700" cmpd="sng">
-                      <a:noFill/>
-                      <a:prstDash val="solid"/>
-                    </a:lnTlToBr>
-                    <a:lnBlToTr w="12700" cmpd="sng">
-                      <a:noFill/>
-                      <a:prstDash val="solid"/>
-                    </a:lnBlToTr>
-                    <a:noFill/>
-                  </a:tcPr>
-                </a:tc>
-                <a:tc>
-                  <a:txBody>
-                    <a:bodyPr/>
-                    <a:lstStyle/>
-                    <a:p>
-                      <a:endParaRPr lang="en-US" sz="1800" cap="none" spc="0" dirty="0">
-                        <a:solidFill>
-                          <a:schemeClr val="tx1"/>
-                        </a:solidFill>
-                        <a:latin typeface="Univers (body)"/>
-                        <a:cs typeface="Arial" panose="020B0604020202020204" pitchFamily="34" charset="0"/>
-                      </a:endParaRPr>
-                    </a:p>
-                  </a:txBody>
-                  <a:tcPr marL="67253" marR="67253" marT="63143" marB="134507" anchor="ctr">
-                    <a:lnL w="12700" cap="flat" cmpd="sng" algn="ctr">
-                      <a:solidFill>
-                        <a:schemeClr val="tx1">
-                          <a:lumMod val="50000"/>
-                          <a:lumOff val="50000"/>
-                        </a:schemeClr>
-                      </a:solidFill>
-                      <a:prstDash val="solid"/>
-                      <a:round/>
-                      <a:headEnd type="none" w="med" len="med"/>
-                      <a:tailEnd type="none" w="med" len="med"/>
-                    </a:lnL>
-                    <a:lnR w="12700" cmpd="sng">
-                      <a:noFill/>
-                      <a:prstDash val="solid"/>
-                    </a:lnR>
-                    <a:lnT w="12700" cap="flat" cmpd="sng" algn="ctr">
-                      <a:noFill/>
-                      <a:prstDash val="solid"/>
-                      <a:round/>
-                      <a:headEnd type="none" w="med" len="med"/>
-                      <a:tailEnd type="none" w="med" len="med"/>
-                    </a:lnT>
-                    <a:lnB w="12700" cap="flat" cmpd="sng" algn="ctr">
-                      <a:solidFill>
-                        <a:schemeClr val="accent1"/>
-                      </a:solidFill>
-                      <a:prstDash val="solid"/>
-                    </a:lnB>
-                    <a:lnTlToBr w="12700" cmpd="sng">
-                      <a:noFill/>
-                      <a:prstDash val="solid"/>
-                    </a:lnTlToBr>
-                    <a:lnBlToTr w="12700" cmpd="sng">
-                      <a:noFill/>
-                      <a:prstDash val="solid"/>
-                    </a:lnBlToTr>
-                    <a:noFill/>
-                  </a:tcPr>
-                </a:tc>
-                <a:tc>
-                  <a:txBody>
-                    <a:bodyPr/>
-                    <a:lstStyle/>
-                    <a:p>
-                      <a:endParaRPr lang="en-US" sz="1800" cap="none" spc="0">
-                        <a:solidFill>
-                          <a:schemeClr val="bg1">
-                            <a:lumMod val="65000"/>
-                          </a:schemeClr>
-                        </a:solidFill>
-                        <a:latin typeface="Univers (body)"/>
-                        <a:cs typeface="Arial" panose="020B0604020202020204" pitchFamily="34" charset="0"/>
-                      </a:endParaRPr>
-                    </a:p>
-                  </a:txBody>
-                  <a:tcPr marL="67253" marR="67253" marT="63143" marB="134507" anchor="ctr">
-                    <a:lnL w="12700" cmpd="sng">
-                      <a:noFill/>
-                      <a:prstDash val="solid"/>
-                    </a:lnL>
-                    <a:lnR w="12700" cmpd="sng">
-                      <a:noFill/>
-                      <a:prstDash val="solid"/>
-                    </a:lnR>
-                    <a:lnT w="12700" cap="flat" cmpd="sng" algn="ctr">
-                      <a:noFill/>
-                      <a:prstDash val="solid"/>
-                      <a:round/>
-                      <a:headEnd type="none" w="med" len="med"/>
-                      <a:tailEnd type="none" w="med" len="med"/>
-                    </a:lnT>
-                    <a:lnB w="12700" cap="flat" cmpd="sng" algn="ctr">
-                      <a:solidFill>
-                        <a:schemeClr val="accent1"/>
-                      </a:solidFill>
-                      <a:prstDash val="solid"/>
-                    </a:lnB>
-                    <a:lnTlToBr w="12700" cmpd="sng">
-                      <a:noFill/>
-                      <a:prstDash val="solid"/>
-                    </a:lnTlToBr>
-                    <a:lnBlToTr w="12700" cmpd="sng">
-                      <a:noFill/>
-                      <a:prstDash val="solid"/>
-                    </a:lnBlToTr>
-                    <a:noFill/>
-                  </a:tcPr>
-                </a:tc>
-                <a:extLst>
-                  <a:ext uri="{0D108BD9-81ED-4DB2-BD59-A6C34878D82A}">
-                    <a16:rowId xmlns:a16="http://schemas.microsoft.com/office/drawing/2014/main" val="2760649330"/>
-                  </a:ext>
-                </a:extLst>
-              </a:tr>
-              <a:tr h="552966">
-                <a:tc>
-                  <a:txBody>
-                    <a:bodyPr/>
-                    <a:lstStyle/>
-                    <a:p>
-                      <a:endParaRPr lang="en-US" sz="1800" cap="none" spc="0">
-                        <a:solidFill>
-                          <a:schemeClr val="tx1"/>
-                        </a:solidFill>
-                        <a:latin typeface="Univers (body)"/>
-                        <a:cs typeface="Arial" panose="020B0604020202020204" pitchFamily="34" charset="0"/>
-                      </a:endParaRPr>
-                    </a:p>
-                  </a:txBody>
-                  <a:tcPr marL="67253" marR="67253" marT="63143" marB="134507" anchor="ctr">
-                    <a:lnL w="12700" cmpd="sng">
-                      <a:noFill/>
-                      <a:prstDash val="solid"/>
-                    </a:lnL>
-                    <a:lnR w="12700" cmpd="sng">
-                      <a:noFill/>
-                      <a:prstDash val="solid"/>
-                    </a:lnR>
-                    <a:lnT w="12700" cap="flat" cmpd="sng" algn="ctr">
-                      <a:solidFill>
-                        <a:schemeClr val="accent1"/>
-                      </a:solidFill>
-                      <a:prstDash val="solid"/>
-                      <a:round/>
-                      <a:headEnd type="none" w="med" len="med"/>
-                      <a:tailEnd type="none" w="med" len="med"/>
-                    </a:lnT>
-                    <a:lnB w="12700" cmpd="sng">
-                      <a:noFill/>
-                      <a:prstDash val="solid"/>
-                    </a:lnB>
-                    <a:lnTlToBr w="12700" cmpd="sng">
-                      <a:noFill/>
-                      <a:prstDash val="solid"/>
-                    </a:lnTlToBr>
-                    <a:lnBlToTr w="12700" cmpd="sng">
-                      <a:noFill/>
-                      <a:prstDash val="solid"/>
-                    </a:lnBlToTr>
-                    <a:solidFill>
-                      <a:schemeClr val="bg1">
-                        <a:lumMod val="95000"/>
-                      </a:schemeClr>
-                    </a:solidFill>
-                  </a:tcPr>
-                </a:tc>
-                <a:tc>
-                  <a:txBody>
-                    <a:bodyPr/>
-                    <a:lstStyle/>
-                    <a:p>
-                      <a:endParaRPr lang="en-US" sz="1800" cap="none" spc="0">
-                        <a:solidFill>
-                          <a:schemeClr val="tx1"/>
-                        </a:solidFill>
-                        <a:latin typeface="Univers (body)"/>
-                        <a:cs typeface="Arial" panose="020B0604020202020204" pitchFamily="34" charset="0"/>
-                      </a:endParaRPr>
-                    </a:p>
-                  </a:txBody>
-                  <a:tcPr marL="67253" marR="67253" marT="63143" marB="134507" anchor="ctr">
-                    <a:lnL w="12700" cmpd="sng">
-                      <a:noFill/>
-                      <a:prstDash val="solid"/>
-                    </a:lnL>
-                    <a:lnR w="12700" cap="flat" cmpd="sng" algn="ctr">
-                      <a:solidFill>
-                        <a:schemeClr val="tx1">
-                          <a:lumMod val="50000"/>
-                          <a:lumOff val="50000"/>
-                        </a:schemeClr>
-                      </a:solidFill>
-                      <a:prstDash val="solid"/>
-                      <a:round/>
-                      <a:headEnd type="none" w="med" len="med"/>
-                      <a:tailEnd type="none" w="med" len="med"/>
-                    </a:lnR>
-                    <a:lnT w="12700" cap="flat" cmpd="sng" algn="ctr">
-                      <a:solidFill>
-                        <a:schemeClr val="accent1"/>
-                      </a:solidFill>
-                      <a:prstDash val="solid"/>
-                      <a:round/>
-                      <a:headEnd type="none" w="med" len="med"/>
-                      <a:tailEnd type="none" w="med" len="med"/>
-                    </a:lnT>
-                    <a:lnB w="12700" cmpd="sng">
-                      <a:noFill/>
-                      <a:prstDash val="solid"/>
-                    </a:lnB>
-                    <a:lnTlToBr w="12700" cmpd="sng">
-                      <a:noFill/>
-                      <a:prstDash val="solid"/>
-                    </a:lnTlToBr>
-                    <a:lnBlToTr w="12700" cmpd="sng">
-                      <a:noFill/>
-                      <a:prstDash val="solid"/>
-                    </a:lnBlToTr>
-                    <a:solidFill>
-                      <a:schemeClr val="bg1">
-                        <a:lumMod val="95000"/>
-                      </a:schemeClr>
-                    </a:solidFill>
-                  </a:tcPr>
-                </a:tc>
-                <a:tc>
-                  <a:txBody>
-                    <a:bodyPr/>
-                    <a:lstStyle/>
-                    <a:p>
-                      <a:endParaRPr lang="en-US" sz="1800" cap="none" spc="0" dirty="0">
-                        <a:solidFill>
-                          <a:schemeClr val="tx1"/>
-                        </a:solidFill>
-                        <a:latin typeface="Univers (body)"/>
-                        <a:cs typeface="Arial" panose="020B0604020202020204" pitchFamily="34" charset="0"/>
-                      </a:endParaRPr>
-                    </a:p>
-                  </a:txBody>
-                  <a:tcPr marL="67253" marR="67253" marT="63143" marB="134507" anchor="ctr">
-                    <a:lnL w="12700" cap="flat" cmpd="sng" algn="ctr">
-                      <a:solidFill>
-                        <a:schemeClr val="tx1">
-                          <a:lumMod val="50000"/>
-                          <a:lumOff val="50000"/>
-                        </a:schemeClr>
-                      </a:solidFill>
-                      <a:prstDash val="solid"/>
-                      <a:round/>
-                      <a:headEnd type="none" w="med" len="med"/>
-                      <a:tailEnd type="none" w="med" len="med"/>
-                    </a:lnL>
-                    <a:lnR w="12700" cmpd="sng">
-                      <a:noFill/>
-                      <a:prstDash val="solid"/>
-                    </a:lnR>
-                    <a:lnT w="12700" cap="flat" cmpd="sng" algn="ctr">
-                      <a:solidFill>
-                        <a:schemeClr val="accent1"/>
-                      </a:solidFill>
-                      <a:prstDash val="solid"/>
-                      <a:round/>
-                      <a:headEnd type="none" w="med" len="med"/>
-                      <a:tailEnd type="none" w="med" len="med"/>
-                    </a:lnT>
-                    <a:lnB w="12700" cmpd="sng">
-                      <a:noFill/>
-                      <a:prstDash val="solid"/>
-                    </a:lnB>
-                    <a:lnTlToBr w="12700" cmpd="sng">
-                      <a:noFill/>
-                      <a:prstDash val="solid"/>
-                    </a:lnTlToBr>
-                    <a:lnBlToTr w="12700" cmpd="sng">
-                      <a:noFill/>
-                      <a:prstDash val="solid"/>
-                    </a:lnBlToTr>
-                    <a:solidFill>
-                      <a:schemeClr val="bg1">
-                        <a:lumMod val="95000"/>
-                      </a:schemeClr>
-                    </a:solidFill>
-                  </a:tcPr>
-                </a:tc>
-                <a:tc>
-                  <a:txBody>
-                    <a:bodyPr/>
-                    <a:lstStyle/>
-                    <a:p>
-                      <a:endParaRPr lang="en-US" sz="1800" cap="none" spc="0" dirty="0">
-                        <a:solidFill>
-                          <a:schemeClr val="bg1">
-                            <a:lumMod val="65000"/>
-                          </a:schemeClr>
-                        </a:solidFill>
-                        <a:latin typeface="Univers (body)"/>
-                        <a:cs typeface="Arial" panose="020B0604020202020204" pitchFamily="34" charset="0"/>
-                      </a:endParaRPr>
-                    </a:p>
-                  </a:txBody>
-                  <a:tcPr marL="67253" marR="67253" marT="63143" marB="134507" anchor="ctr">
-                    <a:lnL w="12700" cmpd="sng">
-                      <a:noFill/>
-                      <a:prstDash val="solid"/>
-                    </a:lnL>
-                    <a:lnR w="12700" cmpd="sng">
-                      <a:noFill/>
-                      <a:prstDash val="solid"/>
-                    </a:lnR>
-                    <a:lnT w="12700" cap="flat" cmpd="sng" algn="ctr">
-                      <a:solidFill>
-                        <a:schemeClr val="accent1"/>
-                      </a:solidFill>
-                      <a:prstDash val="solid"/>
-                      <a:round/>
-                      <a:headEnd type="none" w="med" len="med"/>
-                      <a:tailEnd type="none" w="med" len="med"/>
-                    </a:lnT>
-                    <a:lnB w="12700" cmpd="sng">
-                      <a:noFill/>
-                      <a:prstDash val="solid"/>
-                    </a:lnB>
-                    <a:lnTlToBr w="12700" cmpd="sng">
-                      <a:noFill/>
-                      <a:prstDash val="solid"/>
-                    </a:lnTlToBr>
-                    <a:lnBlToTr w="12700" cmpd="sng">
-                      <a:noFill/>
-                      <a:prstDash val="solid"/>
-                    </a:lnBlToTr>
-                    <a:solidFill>
-                      <a:schemeClr val="bg1">
-                        <a:lumMod val="95000"/>
-                      </a:schemeClr>
-                    </a:solidFill>
-                  </a:tcPr>
-                </a:tc>
-                <a:extLst>
-                  <a:ext uri="{0D108BD9-81ED-4DB2-BD59-A6C34878D82A}">
-                    <a16:rowId xmlns:a16="http://schemas.microsoft.com/office/drawing/2014/main" val="726089835"/>
-                  </a:ext>
-                </a:extLst>
-              </a:tr>
-            </a:tbl>
-          </a:graphicData>
-        </a:graphic>
-      </p:graphicFrame>
-    </p:spTree>
-    <p:extLst>
-      <p:ext uri="{BB962C8B-B14F-4D97-AF65-F5344CB8AC3E}">
-        <p14:creationId xmlns:p14="http://schemas.microsoft.com/office/powerpoint/2010/main" val="2597092904"/>
-      </p:ext>
-    </p:extLst>
-  </p:cSld>
-  <p:clrMapOvr>
-    <a:masterClrMapping/>
-  </p:clrMapOvr>
-</p:sld>
-</file>
-
 <file path=ppt/theme/theme1.xml><?xml version="1.0" encoding="utf-8"?>
 <a:theme xmlns:a="http://schemas.openxmlformats.org/drawingml/2006/main" name="Office Theme">
   <a:themeElements>

--- a/2020_10_30_covid_usa_analysis.pptx
+++ b/2020_10_30_covid_usa_analysis.pptx
@@ -4,6 +4,9 @@
   <p:sldMasterIdLst>
     <p:sldMasterId id="2147483648" r:id="rId1"/>
   </p:sldMasterIdLst>
+  <p:notesMasterIdLst>
+    <p:notesMasterId r:id="rId25"/>
+  </p:notesMasterIdLst>
   <p:sldIdLst>
     <p:sldId id="303" r:id="rId2"/>
     <p:sldId id="257" r:id="rId3"/>
@@ -28,8 +31,6 @@
     <p:sldId id="279" r:id="rId22"/>
     <p:sldId id="280" r:id="rId23"/>
     <p:sldId id="281" r:id="rId24"/>
-    <p:sldId id="264" r:id="rId25"/>
-    <p:sldId id="282" r:id="rId26"/>
   </p:sldIdLst>
   <p:sldSz cx="12192000" cy="6858000"/>
   <p:notesSz cx="6858000" cy="9144000"/>
@@ -2224,7 +2225,7 @@
   <dgm:whole/>
   <dgm:extLst>
     <a:ext uri="http://schemas.microsoft.com/office/drawing/2008/diagram">
-      <dsp:dataModelExt xmlns:dsp="http://schemas.microsoft.com/office/drawing/2008/diagram" relId="rId6" minVer="http://schemas.openxmlformats.org/drawingml/2006/diagram"/>
+      <dsp:dataModelExt xmlns:dsp="http://schemas.microsoft.com/office/drawing/2008/diagram" relId="rId7" minVer="http://schemas.openxmlformats.org/drawingml/2006/diagram"/>
     </a:ext>
   </dgm:extLst>
 </dgm:dataModel>
@@ -2535,7 +2536,7 @@
   <dgm:whole/>
   <dgm:extLst>
     <a:ext uri="http://schemas.microsoft.com/office/drawing/2008/diagram">
-      <dsp:dataModelExt xmlns:dsp="http://schemas.microsoft.com/office/drawing/2008/diagram" relId="rId6" minVer="http://schemas.openxmlformats.org/drawingml/2006/diagram"/>
+      <dsp:dataModelExt xmlns:dsp="http://schemas.microsoft.com/office/drawing/2008/diagram" relId="rId7" minVer="http://schemas.openxmlformats.org/drawingml/2006/diagram"/>
     </a:ext>
   </dgm:extLst>
 </dgm:dataModel>
@@ -6156,6 +6157,1486 @@
     </dgm:style>
   </dgm:styleLbl>
 </dgm:styleDef>
+</file>
+
+<file path=ppt/notesMasters/notesMaster1.xml><?xml version="1.0" encoding="utf-8"?>
+<p:notesMaster xmlns:a="http://schemas.openxmlformats.org/drawingml/2006/main" xmlns:r="http://schemas.openxmlformats.org/officeDocument/2006/relationships" xmlns:p="http://schemas.openxmlformats.org/presentationml/2006/main">
+  <p:cSld>
+    <p:bg>
+      <p:bgRef idx="1001">
+        <a:schemeClr val="bg1"/>
+      </p:bgRef>
+    </p:bg>
+    <p:spTree>
+      <p:nvGrpSpPr>
+        <p:cNvPr id="1" name=""/>
+        <p:cNvGrpSpPr/>
+        <p:nvPr/>
+      </p:nvGrpSpPr>
+      <p:grpSpPr>
+        <a:xfrm>
+          <a:off x="0" y="0"/>
+          <a:ext cx="0" cy="0"/>
+          <a:chOff x="0" y="0"/>
+          <a:chExt cx="0" cy="0"/>
+        </a:xfrm>
+      </p:grpSpPr>
+      <p:sp>
+        <p:nvSpPr>
+          <p:cNvPr id="2" name="Header Placeholder 1"/>
+          <p:cNvSpPr>
+            <a:spLocks noGrp="1"/>
+          </p:cNvSpPr>
+          <p:nvPr>
+            <p:ph type="hdr" sz="quarter"/>
+          </p:nvPr>
+        </p:nvSpPr>
+        <p:spPr>
+          <a:xfrm>
+            <a:off x="0" y="0"/>
+            <a:ext cx="2971800" cy="458788"/>
+          </a:xfrm>
+          <a:prstGeom prst="rect">
+            <a:avLst/>
+          </a:prstGeom>
+        </p:spPr>
+        <p:txBody>
+          <a:bodyPr vert="horz" lIns="91440" tIns="45720" rIns="91440" bIns="45720" rtlCol="0"/>
+          <a:lstStyle>
+            <a:lvl1pPr algn="l">
+              <a:defRPr sz="1200"/>
+            </a:lvl1pPr>
+          </a:lstStyle>
+          <a:p>
+            <a:endParaRPr lang="en-US"/>
+          </a:p>
+        </p:txBody>
+      </p:sp>
+      <p:sp>
+        <p:nvSpPr>
+          <p:cNvPr id="3" name="Date Placeholder 2"/>
+          <p:cNvSpPr>
+            <a:spLocks noGrp="1"/>
+          </p:cNvSpPr>
+          <p:nvPr>
+            <p:ph type="dt" idx="1"/>
+          </p:nvPr>
+        </p:nvSpPr>
+        <p:spPr>
+          <a:xfrm>
+            <a:off x="3884613" y="0"/>
+            <a:ext cx="2971800" cy="458788"/>
+          </a:xfrm>
+          <a:prstGeom prst="rect">
+            <a:avLst/>
+          </a:prstGeom>
+        </p:spPr>
+        <p:txBody>
+          <a:bodyPr vert="horz" lIns="91440" tIns="45720" rIns="91440" bIns="45720" rtlCol="0"/>
+          <a:lstStyle>
+            <a:lvl1pPr algn="r">
+              <a:defRPr sz="1200"/>
+            </a:lvl1pPr>
+          </a:lstStyle>
+          <a:p>
+            <a:fld id="{8673BD2C-3D40-44CC-A737-05E575518844}" type="datetimeFigureOut">
+              <a:rPr lang="en-US" smtClean="0"/>
+              <a:t>10/29/2020</a:t>
+            </a:fld>
+            <a:endParaRPr lang="en-US"/>
+          </a:p>
+        </p:txBody>
+      </p:sp>
+      <p:sp>
+        <p:nvSpPr>
+          <p:cNvPr id="4" name="Slide Image Placeholder 3"/>
+          <p:cNvSpPr>
+            <a:spLocks noGrp="1" noRot="1" noChangeAspect="1"/>
+          </p:cNvSpPr>
+          <p:nvPr>
+            <p:ph type="sldImg" idx="2"/>
+          </p:nvPr>
+        </p:nvSpPr>
+        <p:spPr>
+          <a:xfrm>
+            <a:off x="685800" y="1143000"/>
+            <a:ext cx="5486400" cy="3086100"/>
+          </a:xfrm>
+          <a:prstGeom prst="rect">
+            <a:avLst/>
+          </a:prstGeom>
+          <a:noFill/>
+          <a:ln w="12700">
+            <a:solidFill>
+              <a:prstClr val="black"/>
+            </a:solidFill>
+          </a:ln>
+        </p:spPr>
+        <p:txBody>
+          <a:bodyPr vert="horz" lIns="91440" tIns="45720" rIns="91440" bIns="45720" rtlCol="0" anchor="ctr"/>
+          <a:lstStyle/>
+          <a:p>
+            <a:endParaRPr lang="en-US"/>
+          </a:p>
+        </p:txBody>
+      </p:sp>
+      <p:sp>
+        <p:nvSpPr>
+          <p:cNvPr id="5" name="Notes Placeholder 4"/>
+          <p:cNvSpPr>
+            <a:spLocks noGrp="1"/>
+          </p:cNvSpPr>
+          <p:nvPr>
+            <p:ph type="body" sz="quarter" idx="3"/>
+          </p:nvPr>
+        </p:nvSpPr>
+        <p:spPr>
+          <a:xfrm>
+            <a:off x="685800" y="4400550"/>
+            <a:ext cx="5486400" cy="3600450"/>
+          </a:xfrm>
+          <a:prstGeom prst="rect">
+            <a:avLst/>
+          </a:prstGeom>
+        </p:spPr>
+        <p:txBody>
+          <a:bodyPr vert="horz" lIns="91440" tIns="45720" rIns="91440" bIns="45720" rtlCol="0"/>
+          <a:lstStyle/>
+          <a:p>
+            <a:pPr lvl="0"/>
+            <a:r>
+              <a:rPr lang="en-US"/>
+              <a:t>Click to edit Master text styles</a:t>
+            </a:r>
+          </a:p>
+          <a:p>
+            <a:pPr lvl="1"/>
+            <a:r>
+              <a:rPr lang="en-US"/>
+              <a:t>Second level</a:t>
+            </a:r>
+          </a:p>
+          <a:p>
+            <a:pPr lvl="2"/>
+            <a:r>
+              <a:rPr lang="en-US"/>
+              <a:t>Third level</a:t>
+            </a:r>
+          </a:p>
+          <a:p>
+            <a:pPr lvl="3"/>
+            <a:r>
+              <a:rPr lang="en-US"/>
+              <a:t>Fourth level</a:t>
+            </a:r>
+          </a:p>
+          <a:p>
+            <a:pPr lvl="4"/>
+            <a:r>
+              <a:rPr lang="en-US"/>
+              <a:t>Fifth level</a:t>
+            </a:r>
+          </a:p>
+        </p:txBody>
+      </p:sp>
+      <p:sp>
+        <p:nvSpPr>
+          <p:cNvPr id="6" name="Footer Placeholder 5"/>
+          <p:cNvSpPr>
+            <a:spLocks noGrp="1"/>
+          </p:cNvSpPr>
+          <p:nvPr>
+            <p:ph type="ftr" sz="quarter" idx="4"/>
+          </p:nvPr>
+        </p:nvSpPr>
+        <p:spPr>
+          <a:xfrm>
+            <a:off x="0" y="8685213"/>
+            <a:ext cx="2971800" cy="458787"/>
+          </a:xfrm>
+          <a:prstGeom prst="rect">
+            <a:avLst/>
+          </a:prstGeom>
+        </p:spPr>
+        <p:txBody>
+          <a:bodyPr vert="horz" lIns="91440" tIns="45720" rIns="91440" bIns="45720" rtlCol="0" anchor="b"/>
+          <a:lstStyle>
+            <a:lvl1pPr algn="l">
+              <a:defRPr sz="1200"/>
+            </a:lvl1pPr>
+          </a:lstStyle>
+          <a:p>
+            <a:endParaRPr lang="en-US"/>
+          </a:p>
+        </p:txBody>
+      </p:sp>
+      <p:sp>
+        <p:nvSpPr>
+          <p:cNvPr id="7" name="Slide Number Placeholder 6"/>
+          <p:cNvSpPr>
+            <a:spLocks noGrp="1"/>
+          </p:cNvSpPr>
+          <p:nvPr>
+            <p:ph type="sldNum" sz="quarter" idx="5"/>
+          </p:nvPr>
+        </p:nvSpPr>
+        <p:spPr>
+          <a:xfrm>
+            <a:off x="3884613" y="8685213"/>
+            <a:ext cx="2971800" cy="458787"/>
+          </a:xfrm>
+          <a:prstGeom prst="rect">
+            <a:avLst/>
+          </a:prstGeom>
+        </p:spPr>
+        <p:txBody>
+          <a:bodyPr vert="horz" lIns="91440" tIns="45720" rIns="91440" bIns="45720" rtlCol="0" anchor="b"/>
+          <a:lstStyle>
+            <a:lvl1pPr algn="r">
+              <a:defRPr sz="1200"/>
+            </a:lvl1pPr>
+          </a:lstStyle>
+          <a:p>
+            <a:fld id="{B0CFCD84-D06F-4271-B487-230992708F53}" type="slidenum">
+              <a:rPr lang="en-US" smtClean="0"/>
+              <a:t>‹#›</a:t>
+            </a:fld>
+            <a:endParaRPr lang="en-US"/>
+          </a:p>
+        </p:txBody>
+      </p:sp>
+    </p:spTree>
+    <p:extLst>
+      <p:ext uri="{BB962C8B-B14F-4D97-AF65-F5344CB8AC3E}">
+        <p14:creationId xmlns:p14="http://schemas.microsoft.com/office/powerpoint/2010/main" val="952881212"/>
+      </p:ext>
+    </p:extLst>
+  </p:cSld>
+  <p:clrMap bg1="lt1" tx1="dk1" bg2="lt2" tx2="dk2" accent1="accent1" accent2="accent2" accent3="accent3" accent4="accent4" accent5="accent5" accent6="accent6" hlink="hlink" folHlink="folHlink"/>
+  <p:notesStyle>
+    <a:lvl1pPr marL="0" algn="l" defTabSz="914400" rtl="0" eaLnBrk="1" latinLnBrk="0" hangingPunct="1">
+      <a:defRPr sz="1200" kern="1200">
+        <a:solidFill>
+          <a:schemeClr val="tx1"/>
+        </a:solidFill>
+        <a:latin typeface="+mn-lt"/>
+        <a:ea typeface="+mn-ea"/>
+        <a:cs typeface="+mn-cs"/>
+      </a:defRPr>
+    </a:lvl1pPr>
+    <a:lvl2pPr marL="457200" algn="l" defTabSz="914400" rtl="0" eaLnBrk="1" latinLnBrk="0" hangingPunct="1">
+      <a:defRPr sz="1200" kern="1200">
+        <a:solidFill>
+          <a:schemeClr val="tx1"/>
+        </a:solidFill>
+        <a:latin typeface="+mn-lt"/>
+        <a:ea typeface="+mn-ea"/>
+        <a:cs typeface="+mn-cs"/>
+      </a:defRPr>
+    </a:lvl2pPr>
+    <a:lvl3pPr marL="914400" algn="l" defTabSz="914400" rtl="0" eaLnBrk="1" latinLnBrk="0" hangingPunct="1">
+      <a:defRPr sz="1200" kern="1200">
+        <a:solidFill>
+          <a:schemeClr val="tx1"/>
+        </a:solidFill>
+        <a:latin typeface="+mn-lt"/>
+        <a:ea typeface="+mn-ea"/>
+        <a:cs typeface="+mn-cs"/>
+      </a:defRPr>
+    </a:lvl3pPr>
+    <a:lvl4pPr marL="1371600" algn="l" defTabSz="914400" rtl="0" eaLnBrk="1" latinLnBrk="0" hangingPunct="1">
+      <a:defRPr sz="1200" kern="1200">
+        <a:solidFill>
+          <a:schemeClr val="tx1"/>
+        </a:solidFill>
+        <a:latin typeface="+mn-lt"/>
+        <a:ea typeface="+mn-ea"/>
+        <a:cs typeface="+mn-cs"/>
+      </a:defRPr>
+    </a:lvl4pPr>
+    <a:lvl5pPr marL="1828800" algn="l" defTabSz="914400" rtl="0" eaLnBrk="1" latinLnBrk="0" hangingPunct="1">
+      <a:defRPr sz="1200" kern="1200">
+        <a:solidFill>
+          <a:schemeClr val="tx1"/>
+        </a:solidFill>
+        <a:latin typeface="+mn-lt"/>
+        <a:ea typeface="+mn-ea"/>
+        <a:cs typeface="+mn-cs"/>
+      </a:defRPr>
+    </a:lvl5pPr>
+    <a:lvl6pPr marL="2286000" algn="l" defTabSz="914400" rtl="0" eaLnBrk="1" latinLnBrk="0" hangingPunct="1">
+      <a:defRPr sz="1200" kern="1200">
+        <a:solidFill>
+          <a:schemeClr val="tx1"/>
+        </a:solidFill>
+        <a:latin typeface="+mn-lt"/>
+        <a:ea typeface="+mn-ea"/>
+        <a:cs typeface="+mn-cs"/>
+      </a:defRPr>
+    </a:lvl6pPr>
+    <a:lvl7pPr marL="2743200" algn="l" defTabSz="914400" rtl="0" eaLnBrk="1" latinLnBrk="0" hangingPunct="1">
+      <a:defRPr sz="1200" kern="1200">
+        <a:solidFill>
+          <a:schemeClr val="tx1"/>
+        </a:solidFill>
+        <a:latin typeface="+mn-lt"/>
+        <a:ea typeface="+mn-ea"/>
+        <a:cs typeface="+mn-cs"/>
+      </a:defRPr>
+    </a:lvl7pPr>
+    <a:lvl8pPr marL="3200400" algn="l" defTabSz="914400" rtl="0" eaLnBrk="1" latinLnBrk="0" hangingPunct="1">
+      <a:defRPr sz="1200" kern="1200">
+        <a:solidFill>
+          <a:schemeClr val="tx1"/>
+        </a:solidFill>
+        <a:latin typeface="+mn-lt"/>
+        <a:ea typeface="+mn-ea"/>
+        <a:cs typeface="+mn-cs"/>
+      </a:defRPr>
+    </a:lvl8pPr>
+    <a:lvl9pPr marL="3657600" algn="l" defTabSz="914400" rtl="0" eaLnBrk="1" latinLnBrk="0" hangingPunct="1">
+      <a:defRPr sz="1200" kern="1200">
+        <a:solidFill>
+          <a:schemeClr val="tx1"/>
+        </a:solidFill>
+        <a:latin typeface="+mn-lt"/>
+        <a:ea typeface="+mn-ea"/>
+        <a:cs typeface="+mn-cs"/>
+      </a:defRPr>
+    </a:lvl9pPr>
+  </p:notesStyle>
+</p:notesMaster>
+</file>
+
+<file path=ppt/notesSlides/notesSlide1.xml><?xml version="1.0" encoding="utf-8"?>
+<p:notes xmlns:a="http://schemas.openxmlformats.org/drawingml/2006/main" xmlns:r="http://schemas.openxmlformats.org/officeDocument/2006/relationships" xmlns:p="http://schemas.openxmlformats.org/presentationml/2006/main">
+  <p:cSld>
+    <p:spTree>
+      <p:nvGrpSpPr>
+        <p:cNvPr id="1" name=""/>
+        <p:cNvGrpSpPr/>
+        <p:nvPr/>
+      </p:nvGrpSpPr>
+      <p:grpSpPr>
+        <a:xfrm>
+          <a:off x="0" y="0"/>
+          <a:ext cx="0" cy="0"/>
+          <a:chOff x="0" y="0"/>
+          <a:chExt cx="0" cy="0"/>
+        </a:xfrm>
+      </p:grpSpPr>
+      <p:sp>
+        <p:nvSpPr>
+          <p:cNvPr id="2" name="Slide Image Placeholder 1"/>
+          <p:cNvSpPr>
+            <a:spLocks noGrp="1" noRot="1" noChangeAspect="1"/>
+          </p:cNvSpPr>
+          <p:nvPr>
+            <p:ph type="sldImg"/>
+          </p:nvPr>
+        </p:nvSpPr>
+        <p:spPr/>
+      </p:sp>
+      <p:sp>
+        <p:nvSpPr>
+          <p:cNvPr id="3" name="Notes Placeholder 2"/>
+          <p:cNvSpPr>
+            <a:spLocks noGrp="1"/>
+          </p:cNvSpPr>
+          <p:nvPr>
+            <p:ph type="body" idx="1"/>
+          </p:nvPr>
+        </p:nvSpPr>
+        <p:spPr/>
+        <p:txBody>
+          <a:bodyPr/>
+          <a:lstStyle/>
+          <a:p>
+            <a:r>
+              <a:rPr lang="en-US" dirty="0"/>
+              <a:t>Caroline</a:t>
+            </a:r>
+          </a:p>
+        </p:txBody>
+      </p:sp>
+      <p:sp>
+        <p:nvSpPr>
+          <p:cNvPr id="4" name="Slide Number Placeholder 3"/>
+          <p:cNvSpPr>
+            <a:spLocks noGrp="1"/>
+          </p:cNvSpPr>
+          <p:nvPr>
+            <p:ph type="sldNum" sz="quarter" idx="5"/>
+          </p:nvPr>
+        </p:nvSpPr>
+        <p:spPr/>
+        <p:txBody>
+          <a:bodyPr/>
+          <a:lstStyle/>
+          <a:p>
+            <a:fld id="{B0CFCD84-D06F-4271-B487-230992708F53}" type="slidenum">
+              <a:rPr lang="en-US" smtClean="0"/>
+              <a:t>1</a:t>
+            </a:fld>
+            <a:endParaRPr lang="en-US"/>
+          </a:p>
+        </p:txBody>
+      </p:sp>
+    </p:spTree>
+    <p:extLst>
+      <p:ext uri="{BB962C8B-B14F-4D97-AF65-F5344CB8AC3E}">
+        <p14:creationId xmlns:p14="http://schemas.microsoft.com/office/powerpoint/2010/main" val="4245536724"/>
+      </p:ext>
+    </p:extLst>
+  </p:cSld>
+  <p:clrMapOvr>
+    <a:masterClrMapping/>
+  </p:clrMapOvr>
+</p:notes>
+</file>
+
+<file path=ppt/notesSlides/notesSlide10.xml><?xml version="1.0" encoding="utf-8"?>
+<p:notes xmlns:a="http://schemas.openxmlformats.org/drawingml/2006/main" xmlns:r="http://schemas.openxmlformats.org/officeDocument/2006/relationships" xmlns:p="http://schemas.openxmlformats.org/presentationml/2006/main">
+  <p:cSld>
+    <p:spTree>
+      <p:nvGrpSpPr>
+        <p:cNvPr id="1" name=""/>
+        <p:cNvGrpSpPr/>
+        <p:nvPr/>
+      </p:nvGrpSpPr>
+      <p:grpSpPr>
+        <a:xfrm>
+          <a:off x="0" y="0"/>
+          <a:ext cx="0" cy="0"/>
+          <a:chOff x="0" y="0"/>
+          <a:chExt cx="0" cy="0"/>
+        </a:xfrm>
+      </p:grpSpPr>
+      <p:sp>
+        <p:nvSpPr>
+          <p:cNvPr id="2" name="Slide Image Placeholder 1"/>
+          <p:cNvSpPr>
+            <a:spLocks noGrp="1" noRot="1" noChangeAspect="1"/>
+          </p:cNvSpPr>
+          <p:nvPr>
+            <p:ph type="sldImg"/>
+          </p:nvPr>
+        </p:nvSpPr>
+        <p:spPr/>
+      </p:sp>
+      <p:sp>
+        <p:nvSpPr>
+          <p:cNvPr id="3" name="Notes Placeholder 2"/>
+          <p:cNvSpPr>
+            <a:spLocks noGrp="1"/>
+          </p:cNvSpPr>
+          <p:nvPr>
+            <p:ph type="body" idx="1"/>
+          </p:nvPr>
+        </p:nvSpPr>
+        <p:spPr/>
+        <p:txBody>
+          <a:bodyPr/>
+          <a:lstStyle/>
+          <a:p>
+            <a:r>
+              <a:rPr lang="en-US" dirty="0"/>
+              <a:t>Feras</a:t>
+            </a:r>
+          </a:p>
+        </p:txBody>
+      </p:sp>
+      <p:sp>
+        <p:nvSpPr>
+          <p:cNvPr id="4" name="Slide Number Placeholder 3"/>
+          <p:cNvSpPr>
+            <a:spLocks noGrp="1"/>
+          </p:cNvSpPr>
+          <p:nvPr>
+            <p:ph type="sldNum" sz="quarter" idx="5"/>
+          </p:nvPr>
+        </p:nvSpPr>
+        <p:spPr/>
+        <p:txBody>
+          <a:bodyPr/>
+          <a:lstStyle/>
+          <a:p>
+            <a:fld id="{B0CFCD84-D06F-4271-B487-230992708F53}" type="slidenum">
+              <a:rPr lang="en-US" smtClean="0"/>
+              <a:t>10</a:t>
+            </a:fld>
+            <a:endParaRPr lang="en-US"/>
+          </a:p>
+        </p:txBody>
+      </p:sp>
+    </p:spTree>
+    <p:extLst>
+      <p:ext uri="{BB962C8B-B14F-4D97-AF65-F5344CB8AC3E}">
+        <p14:creationId xmlns:p14="http://schemas.microsoft.com/office/powerpoint/2010/main" val="2588557634"/>
+      </p:ext>
+    </p:extLst>
+  </p:cSld>
+  <p:clrMapOvr>
+    <a:masterClrMapping/>
+  </p:clrMapOvr>
+</p:notes>
+</file>
+
+<file path=ppt/notesSlides/notesSlide11.xml><?xml version="1.0" encoding="utf-8"?>
+<p:notes xmlns:a="http://schemas.openxmlformats.org/drawingml/2006/main" xmlns:r="http://schemas.openxmlformats.org/officeDocument/2006/relationships" xmlns:p="http://schemas.openxmlformats.org/presentationml/2006/main">
+  <p:cSld>
+    <p:spTree>
+      <p:nvGrpSpPr>
+        <p:cNvPr id="1" name=""/>
+        <p:cNvGrpSpPr/>
+        <p:nvPr/>
+      </p:nvGrpSpPr>
+      <p:grpSpPr>
+        <a:xfrm>
+          <a:off x="0" y="0"/>
+          <a:ext cx="0" cy="0"/>
+          <a:chOff x="0" y="0"/>
+          <a:chExt cx="0" cy="0"/>
+        </a:xfrm>
+      </p:grpSpPr>
+      <p:sp>
+        <p:nvSpPr>
+          <p:cNvPr id="2" name="Slide Image Placeholder 1"/>
+          <p:cNvSpPr>
+            <a:spLocks noGrp="1" noRot="1" noChangeAspect="1"/>
+          </p:cNvSpPr>
+          <p:nvPr>
+            <p:ph type="sldImg"/>
+          </p:nvPr>
+        </p:nvSpPr>
+        <p:spPr/>
+      </p:sp>
+      <p:sp>
+        <p:nvSpPr>
+          <p:cNvPr id="3" name="Notes Placeholder 2"/>
+          <p:cNvSpPr>
+            <a:spLocks noGrp="1"/>
+          </p:cNvSpPr>
+          <p:nvPr>
+            <p:ph type="body" idx="1"/>
+          </p:nvPr>
+        </p:nvSpPr>
+        <p:spPr/>
+        <p:txBody>
+          <a:bodyPr/>
+          <a:lstStyle/>
+          <a:p>
+            <a:r>
+              <a:rPr lang="en-US" dirty="0"/>
+              <a:t>Feras</a:t>
+            </a:r>
+          </a:p>
+        </p:txBody>
+      </p:sp>
+      <p:sp>
+        <p:nvSpPr>
+          <p:cNvPr id="4" name="Slide Number Placeholder 3"/>
+          <p:cNvSpPr>
+            <a:spLocks noGrp="1"/>
+          </p:cNvSpPr>
+          <p:nvPr>
+            <p:ph type="sldNum" sz="quarter" idx="5"/>
+          </p:nvPr>
+        </p:nvSpPr>
+        <p:spPr/>
+        <p:txBody>
+          <a:bodyPr/>
+          <a:lstStyle/>
+          <a:p>
+            <a:fld id="{B0CFCD84-D06F-4271-B487-230992708F53}" type="slidenum">
+              <a:rPr lang="en-US" smtClean="0"/>
+              <a:t>11</a:t>
+            </a:fld>
+            <a:endParaRPr lang="en-US"/>
+          </a:p>
+        </p:txBody>
+      </p:sp>
+    </p:spTree>
+    <p:extLst>
+      <p:ext uri="{BB962C8B-B14F-4D97-AF65-F5344CB8AC3E}">
+        <p14:creationId xmlns:p14="http://schemas.microsoft.com/office/powerpoint/2010/main" val="2666238320"/>
+      </p:ext>
+    </p:extLst>
+  </p:cSld>
+  <p:clrMapOvr>
+    <a:masterClrMapping/>
+  </p:clrMapOvr>
+</p:notes>
+</file>
+
+<file path=ppt/notesSlides/notesSlide12.xml><?xml version="1.0" encoding="utf-8"?>
+<p:notes xmlns:a="http://schemas.openxmlformats.org/drawingml/2006/main" xmlns:r="http://schemas.openxmlformats.org/officeDocument/2006/relationships" xmlns:p="http://schemas.openxmlformats.org/presentationml/2006/main">
+  <p:cSld>
+    <p:spTree>
+      <p:nvGrpSpPr>
+        <p:cNvPr id="1" name=""/>
+        <p:cNvGrpSpPr/>
+        <p:nvPr/>
+      </p:nvGrpSpPr>
+      <p:grpSpPr>
+        <a:xfrm>
+          <a:off x="0" y="0"/>
+          <a:ext cx="0" cy="0"/>
+          <a:chOff x="0" y="0"/>
+          <a:chExt cx="0" cy="0"/>
+        </a:xfrm>
+      </p:grpSpPr>
+      <p:sp>
+        <p:nvSpPr>
+          <p:cNvPr id="2" name="Slide Image Placeholder 1"/>
+          <p:cNvSpPr>
+            <a:spLocks noGrp="1" noRot="1" noChangeAspect="1"/>
+          </p:cNvSpPr>
+          <p:nvPr>
+            <p:ph type="sldImg"/>
+          </p:nvPr>
+        </p:nvSpPr>
+        <p:spPr/>
+      </p:sp>
+      <p:sp>
+        <p:nvSpPr>
+          <p:cNvPr id="3" name="Notes Placeholder 2"/>
+          <p:cNvSpPr>
+            <a:spLocks noGrp="1"/>
+          </p:cNvSpPr>
+          <p:nvPr>
+            <p:ph type="body" idx="1"/>
+          </p:nvPr>
+        </p:nvSpPr>
+        <p:spPr/>
+        <p:txBody>
+          <a:bodyPr/>
+          <a:lstStyle/>
+          <a:p>
+            <a:r>
+              <a:rPr lang="en-US" dirty="0"/>
+              <a:t>Feras</a:t>
+            </a:r>
+          </a:p>
+        </p:txBody>
+      </p:sp>
+      <p:sp>
+        <p:nvSpPr>
+          <p:cNvPr id="4" name="Slide Number Placeholder 3"/>
+          <p:cNvSpPr>
+            <a:spLocks noGrp="1"/>
+          </p:cNvSpPr>
+          <p:nvPr>
+            <p:ph type="sldNum" sz="quarter" idx="5"/>
+          </p:nvPr>
+        </p:nvSpPr>
+        <p:spPr/>
+        <p:txBody>
+          <a:bodyPr/>
+          <a:lstStyle/>
+          <a:p>
+            <a:fld id="{B0CFCD84-D06F-4271-B487-230992708F53}" type="slidenum">
+              <a:rPr lang="en-US" smtClean="0"/>
+              <a:t>12</a:t>
+            </a:fld>
+            <a:endParaRPr lang="en-US"/>
+          </a:p>
+        </p:txBody>
+      </p:sp>
+    </p:spTree>
+    <p:extLst>
+      <p:ext uri="{BB962C8B-B14F-4D97-AF65-F5344CB8AC3E}">
+        <p14:creationId xmlns:p14="http://schemas.microsoft.com/office/powerpoint/2010/main" val="2589431219"/>
+      </p:ext>
+    </p:extLst>
+  </p:cSld>
+  <p:clrMapOvr>
+    <a:masterClrMapping/>
+  </p:clrMapOvr>
+</p:notes>
+</file>
+
+<file path=ppt/notesSlides/notesSlide13.xml><?xml version="1.0" encoding="utf-8"?>
+<p:notes xmlns:a="http://schemas.openxmlformats.org/drawingml/2006/main" xmlns:r="http://schemas.openxmlformats.org/officeDocument/2006/relationships" xmlns:p="http://schemas.openxmlformats.org/presentationml/2006/main">
+  <p:cSld>
+    <p:spTree>
+      <p:nvGrpSpPr>
+        <p:cNvPr id="1" name=""/>
+        <p:cNvGrpSpPr/>
+        <p:nvPr/>
+      </p:nvGrpSpPr>
+      <p:grpSpPr>
+        <a:xfrm>
+          <a:off x="0" y="0"/>
+          <a:ext cx="0" cy="0"/>
+          <a:chOff x="0" y="0"/>
+          <a:chExt cx="0" cy="0"/>
+        </a:xfrm>
+      </p:grpSpPr>
+      <p:sp>
+        <p:nvSpPr>
+          <p:cNvPr id="2" name="Slide Image Placeholder 1"/>
+          <p:cNvSpPr>
+            <a:spLocks noGrp="1" noRot="1" noChangeAspect="1"/>
+          </p:cNvSpPr>
+          <p:nvPr>
+            <p:ph type="sldImg"/>
+          </p:nvPr>
+        </p:nvSpPr>
+        <p:spPr/>
+      </p:sp>
+      <p:sp>
+        <p:nvSpPr>
+          <p:cNvPr id="3" name="Notes Placeholder 2"/>
+          <p:cNvSpPr>
+            <a:spLocks noGrp="1"/>
+          </p:cNvSpPr>
+          <p:nvPr>
+            <p:ph type="body" idx="1"/>
+          </p:nvPr>
+        </p:nvSpPr>
+        <p:spPr/>
+        <p:txBody>
+          <a:bodyPr/>
+          <a:lstStyle/>
+          <a:p>
+            <a:r>
+              <a:rPr lang="en-US" dirty="0"/>
+              <a:t>James</a:t>
+            </a:r>
+          </a:p>
+        </p:txBody>
+      </p:sp>
+      <p:sp>
+        <p:nvSpPr>
+          <p:cNvPr id="4" name="Slide Number Placeholder 3"/>
+          <p:cNvSpPr>
+            <a:spLocks noGrp="1"/>
+          </p:cNvSpPr>
+          <p:nvPr>
+            <p:ph type="sldNum" sz="quarter" idx="5"/>
+          </p:nvPr>
+        </p:nvSpPr>
+        <p:spPr/>
+        <p:txBody>
+          <a:bodyPr/>
+          <a:lstStyle/>
+          <a:p>
+            <a:fld id="{B0CFCD84-D06F-4271-B487-230992708F53}" type="slidenum">
+              <a:rPr lang="en-US" smtClean="0"/>
+              <a:t>13</a:t>
+            </a:fld>
+            <a:endParaRPr lang="en-US"/>
+          </a:p>
+        </p:txBody>
+      </p:sp>
+    </p:spTree>
+    <p:extLst>
+      <p:ext uri="{BB962C8B-B14F-4D97-AF65-F5344CB8AC3E}">
+        <p14:creationId xmlns:p14="http://schemas.microsoft.com/office/powerpoint/2010/main" val="248845210"/>
+      </p:ext>
+    </p:extLst>
+  </p:cSld>
+  <p:clrMapOvr>
+    <a:masterClrMapping/>
+  </p:clrMapOvr>
+</p:notes>
+</file>
+
+<file path=ppt/notesSlides/notesSlide2.xml><?xml version="1.0" encoding="utf-8"?>
+<p:notes xmlns:a="http://schemas.openxmlformats.org/drawingml/2006/main" xmlns:r="http://schemas.openxmlformats.org/officeDocument/2006/relationships" xmlns:p="http://schemas.openxmlformats.org/presentationml/2006/main">
+  <p:cSld>
+    <p:spTree>
+      <p:nvGrpSpPr>
+        <p:cNvPr id="1" name=""/>
+        <p:cNvGrpSpPr/>
+        <p:nvPr/>
+      </p:nvGrpSpPr>
+      <p:grpSpPr>
+        <a:xfrm>
+          <a:off x="0" y="0"/>
+          <a:ext cx="0" cy="0"/>
+          <a:chOff x="0" y="0"/>
+          <a:chExt cx="0" cy="0"/>
+        </a:xfrm>
+      </p:grpSpPr>
+      <p:sp>
+        <p:nvSpPr>
+          <p:cNvPr id="2" name="Slide Image Placeholder 1"/>
+          <p:cNvSpPr>
+            <a:spLocks noGrp="1" noRot="1" noChangeAspect="1"/>
+          </p:cNvSpPr>
+          <p:nvPr>
+            <p:ph type="sldImg"/>
+          </p:nvPr>
+        </p:nvSpPr>
+        <p:spPr/>
+      </p:sp>
+      <p:sp>
+        <p:nvSpPr>
+          <p:cNvPr id="3" name="Notes Placeholder 2"/>
+          <p:cNvSpPr>
+            <a:spLocks noGrp="1"/>
+          </p:cNvSpPr>
+          <p:nvPr>
+            <p:ph type="body" idx="1"/>
+          </p:nvPr>
+        </p:nvSpPr>
+        <p:spPr/>
+        <p:txBody>
+          <a:bodyPr/>
+          <a:lstStyle/>
+          <a:p>
+            <a:r>
+              <a:rPr lang="en-US" dirty="0"/>
+              <a:t>Caroline</a:t>
+            </a:r>
+          </a:p>
+        </p:txBody>
+      </p:sp>
+      <p:sp>
+        <p:nvSpPr>
+          <p:cNvPr id="4" name="Slide Number Placeholder 3"/>
+          <p:cNvSpPr>
+            <a:spLocks noGrp="1"/>
+          </p:cNvSpPr>
+          <p:nvPr>
+            <p:ph type="sldNum" sz="quarter" idx="5"/>
+          </p:nvPr>
+        </p:nvSpPr>
+        <p:spPr/>
+        <p:txBody>
+          <a:bodyPr/>
+          <a:lstStyle/>
+          <a:p>
+            <a:fld id="{B0CFCD84-D06F-4271-B487-230992708F53}" type="slidenum">
+              <a:rPr lang="en-US" smtClean="0"/>
+              <a:t>2</a:t>
+            </a:fld>
+            <a:endParaRPr lang="en-US"/>
+          </a:p>
+        </p:txBody>
+      </p:sp>
+    </p:spTree>
+    <p:extLst>
+      <p:ext uri="{BB962C8B-B14F-4D97-AF65-F5344CB8AC3E}">
+        <p14:creationId xmlns:p14="http://schemas.microsoft.com/office/powerpoint/2010/main" val="1431110419"/>
+      </p:ext>
+    </p:extLst>
+  </p:cSld>
+  <p:clrMapOvr>
+    <a:masterClrMapping/>
+  </p:clrMapOvr>
+</p:notes>
+</file>
+
+<file path=ppt/notesSlides/notesSlide3.xml><?xml version="1.0" encoding="utf-8"?>
+<p:notes xmlns:a="http://schemas.openxmlformats.org/drawingml/2006/main" xmlns:r="http://schemas.openxmlformats.org/officeDocument/2006/relationships" xmlns:p="http://schemas.openxmlformats.org/presentationml/2006/main">
+  <p:cSld>
+    <p:spTree>
+      <p:nvGrpSpPr>
+        <p:cNvPr id="1" name=""/>
+        <p:cNvGrpSpPr/>
+        <p:nvPr/>
+      </p:nvGrpSpPr>
+      <p:grpSpPr>
+        <a:xfrm>
+          <a:off x="0" y="0"/>
+          <a:ext cx="0" cy="0"/>
+          <a:chOff x="0" y="0"/>
+          <a:chExt cx="0" cy="0"/>
+        </a:xfrm>
+      </p:grpSpPr>
+      <p:sp>
+        <p:nvSpPr>
+          <p:cNvPr id="2" name="Slide Image Placeholder 1"/>
+          <p:cNvSpPr>
+            <a:spLocks noGrp="1" noRot="1" noChangeAspect="1"/>
+          </p:cNvSpPr>
+          <p:nvPr>
+            <p:ph type="sldImg"/>
+          </p:nvPr>
+        </p:nvSpPr>
+        <p:spPr/>
+      </p:sp>
+      <p:sp>
+        <p:nvSpPr>
+          <p:cNvPr id="3" name="Notes Placeholder 2"/>
+          <p:cNvSpPr>
+            <a:spLocks noGrp="1"/>
+          </p:cNvSpPr>
+          <p:nvPr>
+            <p:ph type="body" idx="1"/>
+          </p:nvPr>
+        </p:nvSpPr>
+        <p:spPr/>
+        <p:txBody>
+          <a:bodyPr/>
+          <a:lstStyle/>
+          <a:p>
+            <a:r>
+              <a:rPr lang="en-US" dirty="0"/>
+              <a:t>Caroline</a:t>
+            </a:r>
+          </a:p>
+        </p:txBody>
+      </p:sp>
+      <p:sp>
+        <p:nvSpPr>
+          <p:cNvPr id="4" name="Slide Number Placeholder 3"/>
+          <p:cNvSpPr>
+            <a:spLocks noGrp="1"/>
+          </p:cNvSpPr>
+          <p:nvPr>
+            <p:ph type="sldNum" sz="quarter" idx="5"/>
+          </p:nvPr>
+        </p:nvSpPr>
+        <p:spPr/>
+        <p:txBody>
+          <a:bodyPr/>
+          <a:lstStyle/>
+          <a:p>
+            <a:fld id="{B0CFCD84-D06F-4271-B487-230992708F53}" type="slidenum">
+              <a:rPr lang="en-US" smtClean="0"/>
+              <a:t>3</a:t>
+            </a:fld>
+            <a:endParaRPr lang="en-US"/>
+          </a:p>
+        </p:txBody>
+      </p:sp>
+    </p:spTree>
+    <p:extLst>
+      <p:ext uri="{BB962C8B-B14F-4D97-AF65-F5344CB8AC3E}">
+        <p14:creationId xmlns:p14="http://schemas.microsoft.com/office/powerpoint/2010/main" val="3585680140"/>
+      </p:ext>
+    </p:extLst>
+  </p:cSld>
+  <p:clrMapOvr>
+    <a:masterClrMapping/>
+  </p:clrMapOvr>
+</p:notes>
+</file>
+
+<file path=ppt/notesSlides/notesSlide4.xml><?xml version="1.0" encoding="utf-8"?>
+<p:notes xmlns:a="http://schemas.openxmlformats.org/drawingml/2006/main" xmlns:r="http://schemas.openxmlformats.org/officeDocument/2006/relationships" xmlns:p="http://schemas.openxmlformats.org/presentationml/2006/main">
+  <p:cSld>
+    <p:spTree>
+      <p:nvGrpSpPr>
+        <p:cNvPr id="1" name=""/>
+        <p:cNvGrpSpPr/>
+        <p:nvPr/>
+      </p:nvGrpSpPr>
+      <p:grpSpPr>
+        <a:xfrm>
+          <a:off x="0" y="0"/>
+          <a:ext cx="0" cy="0"/>
+          <a:chOff x="0" y="0"/>
+          <a:chExt cx="0" cy="0"/>
+        </a:xfrm>
+      </p:grpSpPr>
+      <p:sp>
+        <p:nvSpPr>
+          <p:cNvPr id="2" name="Slide Image Placeholder 1"/>
+          <p:cNvSpPr>
+            <a:spLocks noGrp="1" noRot="1" noChangeAspect="1"/>
+          </p:cNvSpPr>
+          <p:nvPr>
+            <p:ph type="sldImg"/>
+          </p:nvPr>
+        </p:nvSpPr>
+        <p:spPr/>
+      </p:sp>
+      <p:sp>
+        <p:nvSpPr>
+          <p:cNvPr id="3" name="Notes Placeholder 2"/>
+          <p:cNvSpPr>
+            <a:spLocks noGrp="1"/>
+          </p:cNvSpPr>
+          <p:nvPr>
+            <p:ph type="body" idx="1"/>
+          </p:nvPr>
+        </p:nvSpPr>
+        <p:spPr/>
+        <p:txBody>
+          <a:bodyPr/>
+          <a:lstStyle/>
+          <a:p>
+            <a:r>
+              <a:rPr lang="en-US" dirty="0"/>
+              <a:t>Caroline</a:t>
+            </a:r>
+          </a:p>
+        </p:txBody>
+      </p:sp>
+      <p:sp>
+        <p:nvSpPr>
+          <p:cNvPr id="4" name="Slide Number Placeholder 3"/>
+          <p:cNvSpPr>
+            <a:spLocks noGrp="1"/>
+          </p:cNvSpPr>
+          <p:nvPr>
+            <p:ph type="sldNum" sz="quarter" idx="5"/>
+          </p:nvPr>
+        </p:nvSpPr>
+        <p:spPr/>
+        <p:txBody>
+          <a:bodyPr/>
+          <a:lstStyle/>
+          <a:p>
+            <a:fld id="{B0CFCD84-D06F-4271-B487-230992708F53}" type="slidenum">
+              <a:rPr lang="en-US" smtClean="0"/>
+              <a:t>4</a:t>
+            </a:fld>
+            <a:endParaRPr lang="en-US"/>
+          </a:p>
+        </p:txBody>
+      </p:sp>
+    </p:spTree>
+    <p:extLst>
+      <p:ext uri="{BB962C8B-B14F-4D97-AF65-F5344CB8AC3E}">
+        <p14:creationId xmlns:p14="http://schemas.microsoft.com/office/powerpoint/2010/main" val="3297880316"/>
+      </p:ext>
+    </p:extLst>
+  </p:cSld>
+  <p:clrMapOvr>
+    <a:masterClrMapping/>
+  </p:clrMapOvr>
+</p:notes>
+</file>
+
+<file path=ppt/notesSlides/notesSlide5.xml><?xml version="1.0" encoding="utf-8"?>
+<p:notes xmlns:a="http://schemas.openxmlformats.org/drawingml/2006/main" xmlns:r="http://schemas.openxmlformats.org/officeDocument/2006/relationships" xmlns:p="http://schemas.openxmlformats.org/presentationml/2006/main">
+  <p:cSld>
+    <p:spTree>
+      <p:nvGrpSpPr>
+        <p:cNvPr id="1" name=""/>
+        <p:cNvGrpSpPr/>
+        <p:nvPr/>
+      </p:nvGrpSpPr>
+      <p:grpSpPr>
+        <a:xfrm>
+          <a:off x="0" y="0"/>
+          <a:ext cx="0" cy="0"/>
+          <a:chOff x="0" y="0"/>
+          <a:chExt cx="0" cy="0"/>
+        </a:xfrm>
+      </p:grpSpPr>
+      <p:sp>
+        <p:nvSpPr>
+          <p:cNvPr id="2" name="Slide Image Placeholder 1"/>
+          <p:cNvSpPr>
+            <a:spLocks noGrp="1" noRot="1" noChangeAspect="1"/>
+          </p:cNvSpPr>
+          <p:nvPr>
+            <p:ph type="sldImg"/>
+          </p:nvPr>
+        </p:nvSpPr>
+        <p:spPr/>
+      </p:sp>
+      <p:sp>
+        <p:nvSpPr>
+          <p:cNvPr id="3" name="Notes Placeholder 2"/>
+          <p:cNvSpPr>
+            <a:spLocks noGrp="1"/>
+          </p:cNvSpPr>
+          <p:nvPr>
+            <p:ph type="body" idx="1"/>
+          </p:nvPr>
+        </p:nvSpPr>
+        <p:spPr/>
+        <p:txBody>
+          <a:bodyPr/>
+          <a:lstStyle/>
+          <a:p>
+            <a:r>
+              <a:rPr lang="en-US" dirty="0"/>
+              <a:t>Caroline</a:t>
+            </a:r>
+          </a:p>
+        </p:txBody>
+      </p:sp>
+      <p:sp>
+        <p:nvSpPr>
+          <p:cNvPr id="4" name="Slide Number Placeholder 3"/>
+          <p:cNvSpPr>
+            <a:spLocks noGrp="1"/>
+          </p:cNvSpPr>
+          <p:nvPr>
+            <p:ph type="sldNum" sz="quarter" idx="5"/>
+          </p:nvPr>
+        </p:nvSpPr>
+        <p:spPr/>
+        <p:txBody>
+          <a:bodyPr/>
+          <a:lstStyle/>
+          <a:p>
+            <a:fld id="{B0CFCD84-D06F-4271-B487-230992708F53}" type="slidenum">
+              <a:rPr lang="en-US" smtClean="0"/>
+              <a:t>5</a:t>
+            </a:fld>
+            <a:endParaRPr lang="en-US"/>
+          </a:p>
+        </p:txBody>
+      </p:sp>
+    </p:spTree>
+    <p:extLst>
+      <p:ext uri="{BB962C8B-B14F-4D97-AF65-F5344CB8AC3E}">
+        <p14:creationId xmlns:p14="http://schemas.microsoft.com/office/powerpoint/2010/main" val="392957889"/>
+      </p:ext>
+    </p:extLst>
+  </p:cSld>
+  <p:clrMapOvr>
+    <a:masterClrMapping/>
+  </p:clrMapOvr>
+</p:notes>
+</file>
+
+<file path=ppt/notesSlides/notesSlide6.xml><?xml version="1.0" encoding="utf-8"?>
+<p:notes xmlns:a="http://schemas.openxmlformats.org/drawingml/2006/main" xmlns:r="http://schemas.openxmlformats.org/officeDocument/2006/relationships" xmlns:p="http://schemas.openxmlformats.org/presentationml/2006/main">
+  <p:cSld>
+    <p:spTree>
+      <p:nvGrpSpPr>
+        <p:cNvPr id="1" name=""/>
+        <p:cNvGrpSpPr/>
+        <p:nvPr/>
+      </p:nvGrpSpPr>
+      <p:grpSpPr>
+        <a:xfrm>
+          <a:off x="0" y="0"/>
+          <a:ext cx="0" cy="0"/>
+          <a:chOff x="0" y="0"/>
+          <a:chExt cx="0" cy="0"/>
+        </a:xfrm>
+      </p:grpSpPr>
+      <p:sp>
+        <p:nvSpPr>
+          <p:cNvPr id="2" name="Slide Image Placeholder 1"/>
+          <p:cNvSpPr>
+            <a:spLocks noGrp="1" noRot="1" noChangeAspect="1"/>
+          </p:cNvSpPr>
+          <p:nvPr>
+            <p:ph type="sldImg"/>
+          </p:nvPr>
+        </p:nvSpPr>
+        <p:spPr/>
+      </p:sp>
+      <p:sp>
+        <p:nvSpPr>
+          <p:cNvPr id="3" name="Notes Placeholder 2"/>
+          <p:cNvSpPr>
+            <a:spLocks noGrp="1"/>
+          </p:cNvSpPr>
+          <p:nvPr>
+            <p:ph type="body" idx="1"/>
+          </p:nvPr>
+        </p:nvSpPr>
+        <p:spPr/>
+        <p:txBody>
+          <a:bodyPr/>
+          <a:lstStyle/>
+          <a:p>
+            <a:r>
+              <a:rPr lang="en-US" dirty="0"/>
+              <a:t>Caroline</a:t>
+            </a:r>
+          </a:p>
+        </p:txBody>
+      </p:sp>
+      <p:sp>
+        <p:nvSpPr>
+          <p:cNvPr id="4" name="Slide Number Placeholder 3"/>
+          <p:cNvSpPr>
+            <a:spLocks noGrp="1"/>
+          </p:cNvSpPr>
+          <p:nvPr>
+            <p:ph type="sldNum" sz="quarter" idx="5"/>
+          </p:nvPr>
+        </p:nvSpPr>
+        <p:spPr/>
+        <p:txBody>
+          <a:bodyPr/>
+          <a:lstStyle/>
+          <a:p>
+            <a:fld id="{B0CFCD84-D06F-4271-B487-230992708F53}" type="slidenum">
+              <a:rPr lang="en-US" smtClean="0"/>
+              <a:t>6</a:t>
+            </a:fld>
+            <a:endParaRPr lang="en-US"/>
+          </a:p>
+        </p:txBody>
+      </p:sp>
+    </p:spTree>
+    <p:extLst>
+      <p:ext uri="{BB962C8B-B14F-4D97-AF65-F5344CB8AC3E}">
+        <p14:creationId xmlns:p14="http://schemas.microsoft.com/office/powerpoint/2010/main" val="2308785442"/>
+      </p:ext>
+    </p:extLst>
+  </p:cSld>
+  <p:clrMapOvr>
+    <a:masterClrMapping/>
+  </p:clrMapOvr>
+</p:notes>
+</file>
+
+<file path=ppt/notesSlides/notesSlide7.xml><?xml version="1.0" encoding="utf-8"?>
+<p:notes xmlns:a="http://schemas.openxmlformats.org/drawingml/2006/main" xmlns:r="http://schemas.openxmlformats.org/officeDocument/2006/relationships" xmlns:p="http://schemas.openxmlformats.org/presentationml/2006/main">
+  <p:cSld>
+    <p:spTree>
+      <p:nvGrpSpPr>
+        <p:cNvPr id="1" name=""/>
+        <p:cNvGrpSpPr/>
+        <p:nvPr/>
+      </p:nvGrpSpPr>
+      <p:grpSpPr>
+        <a:xfrm>
+          <a:off x="0" y="0"/>
+          <a:ext cx="0" cy="0"/>
+          <a:chOff x="0" y="0"/>
+          <a:chExt cx="0" cy="0"/>
+        </a:xfrm>
+      </p:grpSpPr>
+      <p:sp>
+        <p:nvSpPr>
+          <p:cNvPr id="2" name="Slide Image Placeholder 1"/>
+          <p:cNvSpPr>
+            <a:spLocks noGrp="1" noRot="1" noChangeAspect="1"/>
+          </p:cNvSpPr>
+          <p:nvPr>
+            <p:ph type="sldImg"/>
+          </p:nvPr>
+        </p:nvSpPr>
+        <p:spPr/>
+      </p:sp>
+      <p:sp>
+        <p:nvSpPr>
+          <p:cNvPr id="3" name="Notes Placeholder 2"/>
+          <p:cNvSpPr>
+            <a:spLocks noGrp="1"/>
+          </p:cNvSpPr>
+          <p:nvPr>
+            <p:ph type="body" idx="1"/>
+          </p:nvPr>
+        </p:nvSpPr>
+        <p:spPr/>
+        <p:txBody>
+          <a:bodyPr/>
+          <a:lstStyle/>
+          <a:p>
+            <a:r>
+              <a:rPr lang="en-US" dirty="0"/>
+              <a:t>Caroline</a:t>
+            </a:r>
+          </a:p>
+        </p:txBody>
+      </p:sp>
+      <p:sp>
+        <p:nvSpPr>
+          <p:cNvPr id="4" name="Slide Number Placeholder 3"/>
+          <p:cNvSpPr>
+            <a:spLocks noGrp="1"/>
+          </p:cNvSpPr>
+          <p:nvPr>
+            <p:ph type="sldNum" sz="quarter" idx="5"/>
+          </p:nvPr>
+        </p:nvSpPr>
+        <p:spPr/>
+        <p:txBody>
+          <a:bodyPr/>
+          <a:lstStyle/>
+          <a:p>
+            <a:fld id="{B0CFCD84-D06F-4271-B487-230992708F53}" type="slidenum">
+              <a:rPr lang="en-US" smtClean="0"/>
+              <a:t>7</a:t>
+            </a:fld>
+            <a:endParaRPr lang="en-US"/>
+          </a:p>
+        </p:txBody>
+      </p:sp>
+    </p:spTree>
+    <p:extLst>
+      <p:ext uri="{BB962C8B-B14F-4D97-AF65-F5344CB8AC3E}">
+        <p14:creationId xmlns:p14="http://schemas.microsoft.com/office/powerpoint/2010/main" val="2569049261"/>
+      </p:ext>
+    </p:extLst>
+  </p:cSld>
+  <p:clrMapOvr>
+    <a:masterClrMapping/>
+  </p:clrMapOvr>
+</p:notes>
+</file>
+
+<file path=ppt/notesSlides/notesSlide8.xml><?xml version="1.0" encoding="utf-8"?>
+<p:notes xmlns:a="http://schemas.openxmlformats.org/drawingml/2006/main" xmlns:r="http://schemas.openxmlformats.org/officeDocument/2006/relationships" xmlns:p="http://schemas.openxmlformats.org/presentationml/2006/main">
+  <p:cSld>
+    <p:spTree>
+      <p:nvGrpSpPr>
+        <p:cNvPr id="1" name=""/>
+        <p:cNvGrpSpPr/>
+        <p:nvPr/>
+      </p:nvGrpSpPr>
+      <p:grpSpPr>
+        <a:xfrm>
+          <a:off x="0" y="0"/>
+          <a:ext cx="0" cy="0"/>
+          <a:chOff x="0" y="0"/>
+          <a:chExt cx="0" cy="0"/>
+        </a:xfrm>
+      </p:grpSpPr>
+      <p:sp>
+        <p:nvSpPr>
+          <p:cNvPr id="2" name="Slide Image Placeholder 1"/>
+          <p:cNvSpPr>
+            <a:spLocks noGrp="1" noRot="1" noChangeAspect="1"/>
+          </p:cNvSpPr>
+          <p:nvPr>
+            <p:ph type="sldImg"/>
+          </p:nvPr>
+        </p:nvSpPr>
+        <p:spPr/>
+      </p:sp>
+      <p:sp>
+        <p:nvSpPr>
+          <p:cNvPr id="3" name="Notes Placeholder 2"/>
+          <p:cNvSpPr>
+            <a:spLocks noGrp="1"/>
+          </p:cNvSpPr>
+          <p:nvPr>
+            <p:ph type="body" idx="1"/>
+          </p:nvPr>
+        </p:nvSpPr>
+        <p:spPr/>
+        <p:txBody>
+          <a:bodyPr/>
+          <a:lstStyle/>
+          <a:p>
+            <a:r>
+              <a:rPr lang="en-US" dirty="0"/>
+              <a:t>Caroline</a:t>
+            </a:r>
+          </a:p>
+        </p:txBody>
+      </p:sp>
+      <p:sp>
+        <p:nvSpPr>
+          <p:cNvPr id="4" name="Slide Number Placeholder 3"/>
+          <p:cNvSpPr>
+            <a:spLocks noGrp="1"/>
+          </p:cNvSpPr>
+          <p:nvPr>
+            <p:ph type="sldNum" sz="quarter" idx="5"/>
+          </p:nvPr>
+        </p:nvSpPr>
+        <p:spPr/>
+        <p:txBody>
+          <a:bodyPr/>
+          <a:lstStyle/>
+          <a:p>
+            <a:fld id="{B0CFCD84-D06F-4271-B487-230992708F53}" type="slidenum">
+              <a:rPr lang="en-US" smtClean="0"/>
+              <a:t>8</a:t>
+            </a:fld>
+            <a:endParaRPr lang="en-US"/>
+          </a:p>
+        </p:txBody>
+      </p:sp>
+    </p:spTree>
+    <p:extLst>
+      <p:ext uri="{BB962C8B-B14F-4D97-AF65-F5344CB8AC3E}">
+        <p14:creationId xmlns:p14="http://schemas.microsoft.com/office/powerpoint/2010/main" val="1884943735"/>
+      </p:ext>
+    </p:extLst>
+  </p:cSld>
+  <p:clrMapOvr>
+    <a:masterClrMapping/>
+  </p:clrMapOvr>
+</p:notes>
+</file>
+
+<file path=ppt/notesSlides/notesSlide9.xml><?xml version="1.0" encoding="utf-8"?>
+<p:notes xmlns:a="http://schemas.openxmlformats.org/drawingml/2006/main" xmlns:r="http://schemas.openxmlformats.org/officeDocument/2006/relationships" xmlns:p="http://schemas.openxmlformats.org/presentationml/2006/main">
+  <p:cSld>
+    <p:spTree>
+      <p:nvGrpSpPr>
+        <p:cNvPr id="1" name=""/>
+        <p:cNvGrpSpPr/>
+        <p:nvPr/>
+      </p:nvGrpSpPr>
+      <p:grpSpPr>
+        <a:xfrm>
+          <a:off x="0" y="0"/>
+          <a:ext cx="0" cy="0"/>
+          <a:chOff x="0" y="0"/>
+          <a:chExt cx="0" cy="0"/>
+        </a:xfrm>
+      </p:grpSpPr>
+      <p:sp>
+        <p:nvSpPr>
+          <p:cNvPr id="2" name="Slide Image Placeholder 1"/>
+          <p:cNvSpPr>
+            <a:spLocks noGrp="1" noRot="1" noChangeAspect="1"/>
+          </p:cNvSpPr>
+          <p:nvPr>
+            <p:ph type="sldImg"/>
+          </p:nvPr>
+        </p:nvSpPr>
+        <p:spPr/>
+      </p:sp>
+      <p:sp>
+        <p:nvSpPr>
+          <p:cNvPr id="3" name="Notes Placeholder 2"/>
+          <p:cNvSpPr>
+            <a:spLocks noGrp="1"/>
+          </p:cNvSpPr>
+          <p:nvPr>
+            <p:ph type="body" idx="1"/>
+          </p:nvPr>
+        </p:nvSpPr>
+        <p:spPr/>
+        <p:txBody>
+          <a:bodyPr/>
+          <a:lstStyle/>
+          <a:p>
+            <a:r>
+              <a:rPr lang="en-US" dirty="0"/>
+              <a:t>Feras</a:t>
+            </a:r>
+          </a:p>
+        </p:txBody>
+      </p:sp>
+      <p:sp>
+        <p:nvSpPr>
+          <p:cNvPr id="4" name="Slide Number Placeholder 3"/>
+          <p:cNvSpPr>
+            <a:spLocks noGrp="1"/>
+          </p:cNvSpPr>
+          <p:nvPr>
+            <p:ph type="sldNum" sz="quarter" idx="5"/>
+          </p:nvPr>
+        </p:nvSpPr>
+        <p:spPr/>
+        <p:txBody>
+          <a:bodyPr/>
+          <a:lstStyle/>
+          <a:p>
+            <a:fld id="{B0CFCD84-D06F-4271-B487-230992708F53}" type="slidenum">
+              <a:rPr lang="en-US" smtClean="0"/>
+              <a:t>9</a:t>
+            </a:fld>
+            <a:endParaRPr lang="en-US"/>
+          </a:p>
+        </p:txBody>
+      </p:sp>
+    </p:spTree>
+    <p:extLst>
+      <p:ext uri="{BB962C8B-B14F-4D97-AF65-F5344CB8AC3E}">
+        <p14:creationId xmlns:p14="http://schemas.microsoft.com/office/powerpoint/2010/main" val="4156747916"/>
+      </p:ext>
+    </p:extLst>
+  </p:cSld>
+  <p:clrMapOvr>
+    <a:masterClrMapping/>
+  </p:clrMapOvr>
+</p:notes>
 </file>
 
 <file path=ppt/slideLayouts/slideLayout1.xml><?xml version="1.0" encoding="utf-8"?>
@@ -9631,7 +11112,7 @@
           <p:nvPr/>
         </p:nvPicPr>
         <p:blipFill rotWithShape="1">
-          <a:blip r:embed="rId2">
+          <a:blip r:embed="rId3">
             <a:extLst>
               <a:ext uri="{28A0092B-C50C-407E-A947-70E740481C1C}">
                 <a14:useLocalDpi xmlns:a14="http://schemas.microsoft.com/office/drawing/2010/main" val="0"/>
@@ -9793,7 +11274,7 @@
           </p:nvPr>
         </p:nvPicPr>
         <p:blipFill>
-          <a:blip r:embed="rId2">
+          <a:blip r:embed="rId3">
             <a:extLst>
               <a:ext uri="{28A0092B-C50C-407E-A947-70E740481C1C}">
                 <a14:useLocalDpi xmlns:a14="http://schemas.microsoft.com/office/drawing/2010/main" val="0"/>
@@ -9828,7 +11309,7 @@
           </p:nvPr>
         </p:nvPicPr>
         <p:blipFill>
-          <a:blip r:embed="rId3">
+          <a:blip r:embed="rId4">
             <a:extLst>
               <a:ext uri="{28A0092B-C50C-407E-A947-70E740481C1C}">
                 <a14:useLocalDpi xmlns:a14="http://schemas.microsoft.com/office/drawing/2010/main" val="0"/>
@@ -9930,7 +11411,7 @@
           </p:nvPr>
         </p:nvPicPr>
         <p:blipFill>
-          <a:blip r:embed="rId2">
+          <a:blip r:embed="rId3">
             <a:extLst>
               <a:ext uri="{28A0092B-C50C-407E-A947-70E740481C1C}">
                 <a14:useLocalDpi xmlns:a14="http://schemas.microsoft.com/office/drawing/2010/main" val="0"/>
@@ -9943,7 +11424,7 @@
         </p:blipFill>
         <p:spPr>
           <a:xfrm>
-            <a:off x="313439" y="2083411"/>
+            <a:off x="231351" y="2083411"/>
             <a:ext cx="5864649" cy="3718823"/>
           </a:xfrm>
         </p:spPr>
@@ -9965,7 +11446,7 @@
           </p:nvPr>
         </p:nvPicPr>
         <p:blipFill>
-          <a:blip r:embed="rId3">
+          <a:blip r:embed="rId4">
             <a:extLst>
               <a:ext uri="{28A0092B-C50C-407E-A947-70E740481C1C}">
                 <a14:useLocalDpi xmlns:a14="http://schemas.microsoft.com/office/drawing/2010/main" val="0"/>
@@ -9978,7 +11459,7 @@
         </p:blipFill>
         <p:spPr>
           <a:xfrm>
-            <a:off x="6059553" y="2138985"/>
+            <a:off x="6021132" y="2138985"/>
             <a:ext cx="6045332" cy="3718822"/>
           </a:xfrm>
         </p:spPr>
@@ -10164,7 +11645,7 @@
         </p:xfrm>
         <a:graphic>
           <a:graphicData uri="http://schemas.openxmlformats.org/drawingml/2006/diagram">
-            <dgm:relIds xmlns:dgm="http://schemas.openxmlformats.org/drawingml/2006/diagram" xmlns:r="http://schemas.openxmlformats.org/officeDocument/2006/relationships" r:dm="rId2" r:lo="rId3" r:qs="rId4" r:cs="rId5"/>
+            <dgm:relIds xmlns:dgm="http://schemas.openxmlformats.org/drawingml/2006/diagram" xmlns:r="http://schemas.openxmlformats.org/officeDocument/2006/relationships" r:dm="rId3" r:lo="rId4" r:qs="rId5" r:cs="rId6"/>
           </a:graphicData>
         </a:graphic>
       </p:graphicFrame>
@@ -10324,7 +11805,7 @@
           </p:nvPr>
         </p:nvPicPr>
         <p:blipFill rotWithShape="1">
-          <a:blip r:embed="rId2">
+          <a:blip r:embed="rId3">
             <a:extLst>
               <a:ext uri="{28A0092B-C50C-407E-A947-70E740481C1C}">
                 <a14:useLocalDpi xmlns:a14="http://schemas.microsoft.com/office/drawing/2010/main" val="0"/>
@@ -11634,7 +13115,7 @@
           </p:nvPr>
         </p:nvPicPr>
         <p:blipFill>
-          <a:blip r:embed="rId2">
+          <a:blip r:embed="rId3">
             <a:extLst>
               <a:ext uri="{28A0092B-C50C-407E-A947-70E740481C1C}">
                 <a14:useLocalDpi xmlns:a14="http://schemas.microsoft.com/office/drawing/2010/main" val="0"/>
@@ -11647,11 +13128,57 @@
         </p:blipFill>
         <p:spPr>
           <a:xfrm>
-            <a:off x="2313368" y="2146055"/>
+            <a:off x="2446230" y="2169107"/>
             <a:ext cx="7299541" cy="4351338"/>
           </a:xfrm>
         </p:spPr>
       </p:pic>
+      <p:cxnSp>
+        <p:nvCxnSpPr>
+          <p:cNvPr id="4" name="Straight Connector 3">
+            <a:extLst>
+              <a:ext uri="{FF2B5EF4-FFF2-40B4-BE49-F238E27FC236}">
+                <a16:creationId xmlns:a16="http://schemas.microsoft.com/office/drawing/2014/main" id="{8CABE752-CB53-49E7-BCEC-E0B534F9C945}"/>
+              </a:ext>
+            </a:extLst>
+          </p:cNvPr>
+          <p:cNvCxnSpPr>
+            <a:cxnSpLocks/>
+          </p:cNvCxnSpPr>
+          <p:nvPr/>
+        </p:nvCxnSpPr>
+        <p:spPr>
+          <a:xfrm>
+            <a:off x="3999796" y="2059321"/>
+            <a:ext cx="4192409" cy="0"/>
+          </a:xfrm>
+          <a:prstGeom prst="line">
+            <a:avLst/>
+          </a:prstGeom>
+          <a:ln w="12700">
+            <a:solidFill>
+              <a:schemeClr val="bg1">
+                <a:lumMod val="75000"/>
+              </a:schemeClr>
+            </a:solidFill>
+          </a:ln>
+          <a:effectLst/>
+        </p:spPr>
+        <p:style>
+          <a:lnRef idx="1">
+            <a:schemeClr val="accent1"/>
+          </a:lnRef>
+          <a:fillRef idx="0">
+            <a:schemeClr val="accent1"/>
+          </a:fillRef>
+          <a:effectRef idx="0">
+            <a:schemeClr val="accent1"/>
+          </a:effectRef>
+          <a:fontRef idx="minor">
+            <a:schemeClr val="tx1"/>
+          </a:fontRef>
+        </p:style>
+      </p:cxnSp>
     </p:spTree>
     <p:extLst>
       <p:ext uri="{BB962C8B-B14F-4D97-AF65-F5344CB8AC3E}">
@@ -12070,192 +13597,6 @@
     <p:extLst>
       <p:ext uri="{BB962C8B-B14F-4D97-AF65-F5344CB8AC3E}">
         <p14:creationId xmlns:p14="http://schemas.microsoft.com/office/powerpoint/2010/main" val="1039485576"/>
-      </p:ext>
-    </p:extLst>
-  </p:cSld>
-  <p:clrMapOvr>
-    <a:masterClrMapping/>
-  </p:clrMapOvr>
-</p:sld>
-</file>
-
-<file path=ppt/slides/slide24.xml><?xml version="1.0" encoding="utf-8"?>
-<p:sld xmlns:a="http://schemas.openxmlformats.org/drawingml/2006/main" xmlns:r="http://schemas.openxmlformats.org/officeDocument/2006/relationships" xmlns:p="http://schemas.openxmlformats.org/presentationml/2006/main">
-  <p:cSld>
-    <p:spTree>
-      <p:nvGrpSpPr>
-        <p:cNvPr id="1" name=""/>
-        <p:cNvGrpSpPr/>
-        <p:nvPr/>
-      </p:nvGrpSpPr>
-      <p:grpSpPr>
-        <a:xfrm>
-          <a:off x="0" y="0"/>
-          <a:ext cx="0" cy="0"/>
-          <a:chOff x="0" y="0"/>
-          <a:chExt cx="0" cy="0"/>
-        </a:xfrm>
-      </p:grpSpPr>
-      <p:sp>
-        <p:nvSpPr>
-          <p:cNvPr id="2" name="Title 1">
-            <a:extLst>
-              <a:ext uri="{FF2B5EF4-FFF2-40B4-BE49-F238E27FC236}">
-                <a16:creationId xmlns:a16="http://schemas.microsoft.com/office/drawing/2014/main" id="{EC11FCF5-95D7-4739-ADC4-9065790DBF46}"/>
-              </a:ext>
-            </a:extLst>
-          </p:cNvPr>
-          <p:cNvSpPr>
-            <a:spLocks noGrp="1"/>
-          </p:cNvSpPr>
-          <p:nvPr>
-            <p:ph type="title"/>
-          </p:nvPr>
-        </p:nvSpPr>
-        <p:spPr/>
-        <p:txBody>
-          <a:bodyPr/>
-          <a:lstStyle/>
-          <a:p>
-            <a:r>
-              <a:rPr lang="en-US" dirty="0"/>
-              <a:t>Lowest Cases/100 People Counties by State</a:t>
-            </a:r>
-          </a:p>
-        </p:txBody>
-      </p:sp>
-      <p:pic>
-        <p:nvPicPr>
-          <p:cNvPr id="5" name="Content Placeholder 4" descr="Chart, bar chart&#10;&#10;Description automatically generated">
-            <a:extLst>
-              <a:ext uri="{FF2B5EF4-FFF2-40B4-BE49-F238E27FC236}">
-                <a16:creationId xmlns:a16="http://schemas.microsoft.com/office/drawing/2014/main" id="{87355CD8-B751-4190-9C32-3962EC7BA040}"/>
-              </a:ext>
-            </a:extLst>
-          </p:cNvPr>
-          <p:cNvPicPr>
-            <a:picLocks noGrp="1" noChangeAspect="1"/>
-          </p:cNvPicPr>
-          <p:nvPr>
-            <p:ph idx="1"/>
-          </p:nvPr>
-        </p:nvPicPr>
-        <p:blipFill>
-          <a:blip r:embed="rId2">
-            <a:extLst>
-              <a:ext uri="{28A0092B-C50C-407E-A947-70E740481C1C}">
-                <a14:useLocalDpi xmlns:a14="http://schemas.microsoft.com/office/drawing/2010/main" val="0"/>
-              </a:ext>
-            </a:extLst>
-          </a:blip>
-          <a:stretch>
-            <a:fillRect/>
-          </a:stretch>
-        </p:blipFill>
-        <p:spPr>
-          <a:xfrm>
-            <a:off x="1843087" y="1924844"/>
-            <a:ext cx="8505825" cy="4152900"/>
-          </a:xfrm>
-        </p:spPr>
-      </p:pic>
-    </p:spTree>
-    <p:extLst>
-      <p:ext uri="{BB962C8B-B14F-4D97-AF65-F5344CB8AC3E}">
-        <p14:creationId xmlns:p14="http://schemas.microsoft.com/office/powerpoint/2010/main" val="329792228"/>
-      </p:ext>
-    </p:extLst>
-  </p:cSld>
-  <p:clrMapOvr>
-    <a:masterClrMapping/>
-  </p:clrMapOvr>
-</p:sld>
-</file>
-
-<file path=ppt/slides/slide25.xml><?xml version="1.0" encoding="utf-8"?>
-<p:sld xmlns:a="http://schemas.openxmlformats.org/drawingml/2006/main" xmlns:r="http://schemas.openxmlformats.org/officeDocument/2006/relationships" xmlns:p="http://schemas.openxmlformats.org/presentationml/2006/main">
-  <p:cSld>
-    <p:spTree>
-      <p:nvGrpSpPr>
-        <p:cNvPr id="1" name=""/>
-        <p:cNvGrpSpPr/>
-        <p:nvPr/>
-      </p:nvGrpSpPr>
-      <p:grpSpPr>
-        <a:xfrm>
-          <a:off x="0" y="0"/>
-          <a:ext cx="0" cy="0"/>
-          <a:chOff x="0" y="0"/>
-          <a:chExt cx="0" cy="0"/>
-        </a:xfrm>
-      </p:grpSpPr>
-      <p:sp>
-        <p:nvSpPr>
-          <p:cNvPr id="2" name="Title 1">
-            <a:extLst>
-              <a:ext uri="{FF2B5EF4-FFF2-40B4-BE49-F238E27FC236}">
-                <a16:creationId xmlns:a16="http://schemas.microsoft.com/office/drawing/2014/main" id="{9D2B5B3A-4DCA-4D6F-9819-01C23241DAE0}"/>
-              </a:ext>
-            </a:extLst>
-          </p:cNvPr>
-          <p:cNvSpPr>
-            <a:spLocks noGrp="1"/>
-          </p:cNvSpPr>
-          <p:nvPr>
-            <p:ph type="title"/>
-          </p:nvPr>
-        </p:nvSpPr>
-        <p:spPr/>
-        <p:txBody>
-          <a:bodyPr/>
-          <a:lstStyle/>
-          <a:p>
-            <a:r>
-              <a:rPr lang="en-US" dirty="0"/>
-              <a:t>Highest Cases/100 People Counties by State</a:t>
-            </a:r>
-          </a:p>
-        </p:txBody>
-      </p:sp>
-      <p:pic>
-        <p:nvPicPr>
-          <p:cNvPr id="5" name="Content Placeholder 4" descr="Chart, bar chart&#10;&#10;Description automatically generated">
-            <a:extLst>
-              <a:ext uri="{FF2B5EF4-FFF2-40B4-BE49-F238E27FC236}">
-                <a16:creationId xmlns:a16="http://schemas.microsoft.com/office/drawing/2014/main" id="{966F1CBE-6EB4-4CF2-B7FF-C34B66E395BE}"/>
-              </a:ext>
-            </a:extLst>
-          </p:cNvPr>
-          <p:cNvPicPr>
-            <a:picLocks noGrp="1" noChangeAspect="1"/>
-          </p:cNvPicPr>
-          <p:nvPr>
-            <p:ph idx="1"/>
-          </p:nvPr>
-        </p:nvPicPr>
-        <p:blipFill>
-          <a:blip r:embed="rId2">
-            <a:extLst>
-              <a:ext uri="{28A0092B-C50C-407E-A947-70E740481C1C}">
-                <a14:useLocalDpi xmlns:a14="http://schemas.microsoft.com/office/drawing/2010/main" val="0"/>
-              </a:ext>
-            </a:extLst>
-          </a:blip>
-          <a:stretch>
-            <a:fillRect/>
-          </a:stretch>
-        </p:blipFill>
-        <p:spPr>
-          <a:xfrm>
-            <a:off x="1838325" y="1958181"/>
-            <a:ext cx="8515350" cy="4086225"/>
-          </a:xfrm>
-        </p:spPr>
-      </p:pic>
-    </p:spTree>
-    <p:extLst>
-      <p:ext uri="{BB962C8B-B14F-4D97-AF65-F5344CB8AC3E}">
-        <p14:creationId xmlns:p14="http://schemas.microsoft.com/office/powerpoint/2010/main" val="858165553"/>
       </p:ext>
     </p:extLst>
   </p:cSld>
@@ -12552,7 +13893,7 @@
         </p:xfrm>
         <a:graphic>
           <a:graphicData uri="http://schemas.openxmlformats.org/drawingml/2006/diagram">
-            <dgm:relIds xmlns:dgm="http://schemas.openxmlformats.org/drawingml/2006/diagram" xmlns:r="http://schemas.openxmlformats.org/officeDocument/2006/relationships" r:dm="rId2" r:lo="rId3" r:qs="rId4" r:cs="rId5"/>
+            <dgm:relIds xmlns:dgm="http://schemas.openxmlformats.org/drawingml/2006/diagram" xmlns:r="http://schemas.openxmlformats.org/officeDocument/2006/relationships" r:dm="rId3" r:lo="rId4" r:qs="rId5" r:cs="rId6"/>
           </a:graphicData>
         </a:graphic>
       </p:graphicFrame>
@@ -12572,6 +13913,14 @@
 <file path=ppt/slides/slide4.xml><?xml version="1.0" encoding="utf-8"?>
 <p:sld xmlns:a="http://schemas.openxmlformats.org/drawingml/2006/main" xmlns:r="http://schemas.openxmlformats.org/officeDocument/2006/relationships" xmlns:p="http://schemas.openxmlformats.org/presentationml/2006/main">
   <p:cSld>
+    <p:bg>
+      <p:bgPr>
+        <a:solidFill>
+          <a:schemeClr val="bg1"/>
+        </a:solidFill>
+        <a:effectLst/>
+      </p:bgPr>
+    </p:bg>
     <p:spTree>
       <p:nvGrpSpPr>
         <p:cNvPr id="1" name=""/>
@@ -12586,42 +13935,374 @@
           <a:chExt cx="0" cy="0"/>
         </a:xfrm>
       </p:grpSpPr>
-      <p:pic>
-        <p:nvPicPr>
-          <p:cNvPr id="5" name="Picture 4" descr="A picture containing logo&#10;&#10;Description automatically generated">
+      <p:sp useBgFill="1">
+        <p:nvSpPr>
+          <p:cNvPr id="25" name="Rectangle 24">
             <a:extLst>
               <a:ext uri="{FF2B5EF4-FFF2-40B4-BE49-F238E27FC236}">
-                <a16:creationId xmlns:a16="http://schemas.microsoft.com/office/drawing/2014/main" id="{659E7C7B-368A-4327-86B1-FAC5D246817A}"/>
+                <a16:creationId xmlns:a16="http://schemas.microsoft.com/office/drawing/2014/main" id="{231BF440-39FA-4087-84CC-2EEC0BBDAF29}"/>
+              </a:ext>
+              <a:ext uri="{C183D7F6-B498-43B3-948B-1728B52AA6E4}">
+                <adec:decorative xmlns:adec="http://schemas.microsoft.com/office/drawing/2017/decorative" val="1"/>
               </a:ext>
             </a:extLst>
           </p:cNvPr>
-          <p:cNvPicPr>
-            <a:picLocks noChangeAspect="1"/>
-          </p:cNvPicPr>
-          <p:nvPr/>
-        </p:nvPicPr>
-        <p:blipFill>
-          <a:blip r:embed="rId2">
-            <a:extLst>
-              <a:ext uri="{28A0092B-C50C-407E-A947-70E740481C1C}">
-                <a14:useLocalDpi xmlns:a14="http://schemas.microsoft.com/office/drawing/2010/main" val="0"/>
-              </a:ext>
-            </a:extLst>
-          </a:blip>
-          <a:stretch>
-            <a:fillRect/>
-          </a:stretch>
-        </p:blipFill>
+          <p:cNvSpPr>
+            <a:spLocks noGrp="1" noRot="1" noChangeAspect="1" noMove="1" noResize="1" noEditPoints="1" noAdjustHandles="1" noChangeArrowheads="1" noChangeShapeType="1" noTextEdit="1"/>
+          </p:cNvSpPr>
+          <p:nvPr>
+            <p:extLst>
+              <p:ext uri="{386F3935-93C4-4BCD-93E2-E3B085C9AB24}">
+                <p16:designElem xmlns:p16="http://schemas.microsoft.com/office/powerpoint/2015/main" val="1"/>
+              </p:ext>
+            </p:extLst>
+          </p:nvPr>
+        </p:nvSpPr>
         <p:spPr>
           <a:xfrm>
-            <a:off x="1276254" y="1027906"/>
-            <a:ext cx="4225777" cy="3169333"/>
+            <a:off x="0" y="0"/>
+            <a:ext cx="12192000" cy="6858000"/>
           </a:xfrm>
           <a:prstGeom prst="rect">
             <a:avLst/>
           </a:prstGeom>
+          <a:ln>
+            <a:noFill/>
+          </a:ln>
         </p:spPr>
-      </p:pic>
+        <p:style>
+          <a:lnRef idx="2">
+            <a:schemeClr val="accent1">
+              <a:shade val="50000"/>
+            </a:schemeClr>
+          </a:lnRef>
+          <a:fillRef idx="1">
+            <a:schemeClr val="accent1"/>
+          </a:fillRef>
+          <a:effectRef idx="0">
+            <a:schemeClr val="accent1"/>
+          </a:effectRef>
+          <a:fontRef idx="minor">
+            <a:schemeClr val="lt1"/>
+          </a:fontRef>
+        </p:style>
+        <p:txBody>
+          <a:bodyPr rtlCol="0" anchor="ctr"/>
+          <a:lstStyle/>
+          <a:p>
+            <a:pPr algn="ctr"/>
+            <a:endParaRPr lang="en-US"/>
+          </a:p>
+        </p:txBody>
+      </p:sp>
+      <p:sp useBgFill="1">
+        <p:nvSpPr>
+          <p:cNvPr id="27" name="Freeform: Shape 26">
+            <a:extLst>
+              <a:ext uri="{FF2B5EF4-FFF2-40B4-BE49-F238E27FC236}">
+                <a16:creationId xmlns:a16="http://schemas.microsoft.com/office/drawing/2014/main" id="{F04E4CBA-303B-48BD-8451-C2701CB0EEBF}"/>
+              </a:ext>
+              <a:ext uri="{C183D7F6-B498-43B3-948B-1728B52AA6E4}">
+                <adec:decorative xmlns:adec="http://schemas.microsoft.com/office/drawing/2017/decorative" val="1"/>
+              </a:ext>
+            </a:extLst>
+          </p:cNvPr>
+          <p:cNvSpPr>
+            <a:spLocks noGrp="1" noRot="1" noChangeAspect="1" noMove="1" noResize="1" noEditPoints="1" noAdjustHandles="1" noChangeArrowheads="1" noChangeShapeType="1" noTextEdit="1"/>
+          </p:cNvSpPr>
+          <p:nvPr>
+            <p:extLst>
+              <p:ext uri="{386F3935-93C4-4BCD-93E2-E3B085C9AB24}">
+                <p16:designElem xmlns:p16="http://schemas.microsoft.com/office/powerpoint/2015/main" val="1"/>
+              </p:ext>
+            </p:extLst>
+          </p:nvPr>
+        </p:nvSpPr>
+        <p:spPr>
+          <a:xfrm>
+            <a:off x="0" y="0"/>
+            <a:ext cx="6096001" cy="6858000"/>
+          </a:xfrm>
+          <a:custGeom>
+            <a:avLst/>
+            <a:gdLst>
+              <a:gd name="connsiteX0" fmla="*/ 0 w 6096001"/>
+              <a:gd name="connsiteY0" fmla="*/ 0 h 6858000"/>
+              <a:gd name="connsiteX1" fmla="*/ 4883024 w 6096001"/>
+              <a:gd name="connsiteY1" fmla="*/ 0 h 6858000"/>
+              <a:gd name="connsiteX2" fmla="*/ 4946006 w 6096001"/>
+              <a:gd name="connsiteY2" fmla="*/ 69271 h 6858000"/>
+              <a:gd name="connsiteX3" fmla="*/ 6096001 w 6096001"/>
+              <a:gd name="connsiteY3" fmla="*/ 3429000 h 6858000"/>
+              <a:gd name="connsiteX4" fmla="*/ 4946006 w 6096001"/>
+              <a:gd name="connsiteY4" fmla="*/ 6788730 h 6858000"/>
+              <a:gd name="connsiteX5" fmla="*/ 4883024 w 6096001"/>
+              <a:gd name="connsiteY5" fmla="*/ 6858000 h 6858000"/>
+              <a:gd name="connsiteX6" fmla="*/ 0 w 6096001"/>
+              <a:gd name="connsiteY6" fmla="*/ 6858000 h 6858000"/>
+            </a:gdLst>
+            <a:ahLst/>
+            <a:cxnLst>
+              <a:cxn ang="0">
+                <a:pos x="connsiteX0" y="connsiteY0"/>
+              </a:cxn>
+              <a:cxn ang="0">
+                <a:pos x="connsiteX1" y="connsiteY1"/>
+              </a:cxn>
+              <a:cxn ang="0">
+                <a:pos x="connsiteX2" y="connsiteY2"/>
+              </a:cxn>
+              <a:cxn ang="0">
+                <a:pos x="connsiteX3" y="connsiteY3"/>
+              </a:cxn>
+              <a:cxn ang="0">
+                <a:pos x="connsiteX4" y="connsiteY4"/>
+              </a:cxn>
+              <a:cxn ang="0">
+                <a:pos x="connsiteX5" y="connsiteY5"/>
+              </a:cxn>
+              <a:cxn ang="0">
+                <a:pos x="connsiteX6" y="connsiteY6"/>
+              </a:cxn>
+            </a:cxnLst>
+            <a:rect l="l" t="t" r="r" b="b"/>
+            <a:pathLst>
+              <a:path w="6096001" h="6858000">
+                <a:moveTo>
+                  <a:pt x="0" y="0"/>
+                </a:moveTo>
+                <a:lnTo>
+                  <a:pt x="4883024" y="0"/>
+                </a:lnTo>
+                <a:lnTo>
+                  <a:pt x="4946006" y="69271"/>
+                </a:lnTo>
+                <a:cubicBezTo>
+                  <a:pt x="5656532" y="929100"/>
+                  <a:pt x="6096001" y="2116944"/>
+                  <a:pt x="6096001" y="3429000"/>
+                </a:cubicBezTo>
+                <a:cubicBezTo>
+                  <a:pt x="6096001" y="4741056"/>
+                  <a:pt x="5656532" y="5928900"/>
+                  <a:pt x="4946006" y="6788730"/>
+                </a:cubicBezTo>
+                <a:lnTo>
+                  <a:pt x="4883024" y="6858000"/>
+                </a:lnTo>
+                <a:lnTo>
+                  <a:pt x="0" y="6858000"/>
+                </a:lnTo>
+                <a:close/>
+              </a:path>
+            </a:pathLst>
+          </a:custGeom>
+          <a:ln w="9525">
+            <a:solidFill>
+              <a:srgbClr val="EFEFEF"/>
+            </a:solidFill>
+          </a:ln>
+          <a:effectLst>
+            <a:outerShdw blurRad="50800" dist="38100" algn="l" rotWithShape="0">
+              <a:schemeClr val="bg1">
+                <a:lumMod val="85000"/>
+                <a:alpha val="30000"/>
+              </a:schemeClr>
+            </a:outerShdw>
+          </a:effectLst>
+        </p:spPr>
+        <p:style>
+          <a:lnRef idx="2">
+            <a:schemeClr val="accent1">
+              <a:shade val="50000"/>
+            </a:schemeClr>
+          </a:lnRef>
+          <a:fillRef idx="1">
+            <a:schemeClr val="accent1"/>
+          </a:fillRef>
+          <a:effectRef idx="0">
+            <a:schemeClr val="accent1"/>
+          </a:effectRef>
+          <a:fontRef idx="minor">
+            <a:schemeClr val="lt1"/>
+          </a:fontRef>
+        </p:style>
+        <p:txBody>
+          <a:bodyPr wrap="square" rtlCol="0" anchor="ctr">
+            <a:noAutofit/>
+          </a:bodyPr>
+          <a:lstStyle/>
+          <a:p>
+            <a:pPr marL="0" marR="0" lvl="0" indent="0" algn="ctr" defTabSz="914400" rtl="0" eaLnBrk="1" fontAlgn="auto" latinLnBrk="0" hangingPunct="1">
+              <a:lnSpc>
+                <a:spcPct val="100000"/>
+              </a:lnSpc>
+              <a:spcBef>
+                <a:spcPts val="0"/>
+              </a:spcBef>
+              <a:spcAft>
+                <a:spcPts val="0"/>
+              </a:spcAft>
+              <a:buClrTx/>
+              <a:buSzTx/>
+              <a:buFontTx/>
+              <a:buNone/>
+              <a:tabLst/>
+              <a:defRPr/>
+            </a:pPr>
+            <a:endParaRPr kumimoji="0" lang="en-US" sz="1800" b="0" i="0" u="none" strike="noStrike" kern="1200" cap="none" spc="0" normalizeH="0" baseline="0" noProof="0">
+              <a:ln>
+                <a:noFill/>
+              </a:ln>
+              <a:solidFill>
+                <a:prstClr val="white"/>
+              </a:solidFill>
+              <a:effectLst/>
+              <a:uLnTx/>
+              <a:uFillTx/>
+              <a:latin typeface="Calibri" panose="020F0502020204030204"/>
+              <a:ea typeface="+mn-ea"/>
+              <a:cs typeface="+mn-cs"/>
+            </a:endParaRPr>
+          </a:p>
+        </p:txBody>
+      </p:sp>
+      <p:sp useBgFill="1">
+        <p:nvSpPr>
+          <p:cNvPr id="29" name="Freeform: Shape 28">
+            <a:extLst>
+              <a:ext uri="{FF2B5EF4-FFF2-40B4-BE49-F238E27FC236}">
+                <a16:creationId xmlns:a16="http://schemas.microsoft.com/office/drawing/2014/main" id="{F6CA58B3-AFCC-4A40-9882-50D5080879B0}"/>
+              </a:ext>
+              <a:ext uri="{C183D7F6-B498-43B3-948B-1728B52AA6E4}">
+                <adec:decorative xmlns:adec="http://schemas.microsoft.com/office/drawing/2017/decorative" val="1"/>
+              </a:ext>
+            </a:extLst>
+          </p:cNvPr>
+          <p:cNvSpPr>
+            <a:spLocks noGrp="1" noRot="1" noChangeAspect="1" noMove="1" noResize="1" noEditPoints="1" noAdjustHandles="1" noChangeArrowheads="1" noChangeShapeType="1" noTextEdit="1"/>
+          </p:cNvSpPr>
+          <p:nvPr>
+            <p:extLst>
+              <p:ext uri="{386F3935-93C4-4BCD-93E2-E3B085C9AB24}">
+                <p16:designElem xmlns:p16="http://schemas.microsoft.com/office/powerpoint/2015/main" val="1"/>
+              </p:ext>
+            </p:extLst>
+          </p:nvPr>
+        </p:nvSpPr>
+        <p:spPr>
+          <a:xfrm>
+            <a:off x="1" y="0"/>
+            <a:ext cx="6087332" cy="6858000"/>
+          </a:xfrm>
+          <a:custGeom>
+            <a:avLst/>
+            <a:gdLst>
+              <a:gd name="connsiteX0" fmla="*/ 0 w 6087332"/>
+              <a:gd name="connsiteY0" fmla="*/ 0 h 6858000"/>
+              <a:gd name="connsiteX1" fmla="*/ 4874355 w 6087332"/>
+              <a:gd name="connsiteY1" fmla="*/ 0 h 6858000"/>
+              <a:gd name="connsiteX2" fmla="*/ 4937337 w 6087332"/>
+              <a:gd name="connsiteY2" fmla="*/ 69271 h 6858000"/>
+              <a:gd name="connsiteX3" fmla="*/ 6087332 w 6087332"/>
+              <a:gd name="connsiteY3" fmla="*/ 3429000 h 6858000"/>
+              <a:gd name="connsiteX4" fmla="*/ 4937337 w 6087332"/>
+              <a:gd name="connsiteY4" fmla="*/ 6788730 h 6858000"/>
+              <a:gd name="connsiteX5" fmla="*/ 4874355 w 6087332"/>
+              <a:gd name="connsiteY5" fmla="*/ 6858000 h 6858000"/>
+              <a:gd name="connsiteX6" fmla="*/ 0 w 6087332"/>
+              <a:gd name="connsiteY6" fmla="*/ 6858000 h 6858000"/>
+            </a:gdLst>
+            <a:ahLst/>
+            <a:cxnLst>
+              <a:cxn ang="0">
+                <a:pos x="connsiteX0" y="connsiteY0"/>
+              </a:cxn>
+              <a:cxn ang="0">
+                <a:pos x="connsiteX1" y="connsiteY1"/>
+              </a:cxn>
+              <a:cxn ang="0">
+                <a:pos x="connsiteX2" y="connsiteY2"/>
+              </a:cxn>
+              <a:cxn ang="0">
+                <a:pos x="connsiteX3" y="connsiteY3"/>
+              </a:cxn>
+              <a:cxn ang="0">
+                <a:pos x="connsiteX4" y="connsiteY4"/>
+              </a:cxn>
+              <a:cxn ang="0">
+                <a:pos x="connsiteX5" y="connsiteY5"/>
+              </a:cxn>
+              <a:cxn ang="0">
+                <a:pos x="connsiteX6" y="connsiteY6"/>
+              </a:cxn>
+            </a:cxnLst>
+            <a:rect l="l" t="t" r="r" b="b"/>
+            <a:pathLst>
+              <a:path w="6087332" h="6858000">
+                <a:moveTo>
+                  <a:pt x="0" y="0"/>
+                </a:moveTo>
+                <a:lnTo>
+                  <a:pt x="4874355" y="0"/>
+                </a:lnTo>
+                <a:lnTo>
+                  <a:pt x="4937337" y="69271"/>
+                </a:lnTo>
+                <a:cubicBezTo>
+                  <a:pt x="5647863" y="929100"/>
+                  <a:pt x="6087332" y="2116944"/>
+                  <a:pt x="6087332" y="3429000"/>
+                </a:cubicBezTo>
+                <a:cubicBezTo>
+                  <a:pt x="6087332" y="4741056"/>
+                  <a:pt x="5647863" y="5928900"/>
+                  <a:pt x="4937337" y="6788730"/>
+                </a:cubicBezTo>
+                <a:lnTo>
+                  <a:pt x="4874355" y="6858000"/>
+                </a:lnTo>
+                <a:lnTo>
+                  <a:pt x="0" y="6858000"/>
+                </a:lnTo>
+                <a:close/>
+              </a:path>
+            </a:pathLst>
+          </a:custGeom>
+          <a:ln>
+            <a:noFill/>
+          </a:ln>
+        </p:spPr>
+        <p:style>
+          <a:lnRef idx="2">
+            <a:schemeClr val="accent1">
+              <a:shade val="50000"/>
+            </a:schemeClr>
+          </a:lnRef>
+          <a:fillRef idx="1">
+            <a:schemeClr val="accent1"/>
+          </a:fillRef>
+          <a:effectRef idx="0">
+            <a:schemeClr val="accent1"/>
+          </a:effectRef>
+          <a:fontRef idx="minor">
+            <a:schemeClr val="lt1"/>
+          </a:fontRef>
+        </p:style>
+        <p:txBody>
+          <a:bodyPr rtlCol="0" anchor="ctr"/>
+          <a:lstStyle/>
+          <a:p>
+            <a:pPr algn="ctr"/>
+            <a:endParaRPr lang="en-US">
+              <a:solidFill>
+                <a:prstClr val="white"/>
+              </a:solidFill>
+              <a:latin typeface="Calibri" panose="020F0502020204030204"/>
+            </a:endParaRPr>
+          </a:p>
+        </p:txBody>
+      </p:sp>
       <p:sp>
         <p:nvSpPr>
           <p:cNvPr id="2" name="Title 1">
@@ -12638,27 +14319,299 @@
             <p:ph type="title"/>
           </p:nvPr>
         </p:nvSpPr>
-        <p:spPr/>
+        <p:spPr>
+          <a:xfrm>
+            <a:off x="448056" y="859536"/>
+            <a:ext cx="4832802" cy="1243584"/>
+          </a:xfrm>
+        </p:spPr>
         <p:txBody>
-          <a:bodyPr/>
+          <a:bodyPr vert="horz" lIns="91440" tIns="45720" rIns="91440" bIns="45720" rtlCol="0" anchor="ctr">
+            <a:normAutofit/>
+          </a:bodyPr>
           <a:lstStyle/>
           <a:p>
             <a:r>
-              <a:rPr lang="en-US" dirty="0">
+              <a:rPr lang="en-US" sz="4800" kern="1200" dirty="0">
+                <a:solidFill>
+                  <a:schemeClr val="tx1"/>
+                </a:solidFill>
                 <a:latin typeface="Univers (body)"/>
-                <a:cs typeface="Arial" panose="020B0604020202020204" pitchFamily="34" charset="0"/>
               </a:rPr>
               <a:t>Data Collection</a:t>
             </a:r>
           </a:p>
         </p:txBody>
       </p:sp>
+      <p:sp>
+        <p:nvSpPr>
+          <p:cNvPr id="31" name="Rectangle 30">
+            <a:extLst>
+              <a:ext uri="{FF2B5EF4-FFF2-40B4-BE49-F238E27FC236}">
+                <a16:creationId xmlns:a16="http://schemas.microsoft.com/office/drawing/2014/main" id="{75C56826-D4E5-42ED-8529-079651CB3005}"/>
+              </a:ext>
+              <a:ext uri="{C183D7F6-B498-43B3-948B-1728B52AA6E4}">
+                <adec:decorative xmlns:adec="http://schemas.microsoft.com/office/drawing/2017/decorative" val="1"/>
+              </a:ext>
+            </a:extLst>
+          </p:cNvPr>
+          <p:cNvSpPr>
+            <a:spLocks noGrp="1" noRot="1" noChangeAspect="1" noMove="1" noResize="1" noEditPoints="1" noAdjustHandles="1" noChangeArrowheads="1" noChangeShapeType="1" noTextEdit="1"/>
+          </p:cNvSpPr>
+          <p:nvPr>
+            <p:extLst>
+              <p:ext uri="{386F3935-93C4-4BCD-93E2-E3B085C9AB24}">
+                <p16:designElem xmlns:p16="http://schemas.microsoft.com/office/powerpoint/2015/main" val="1"/>
+              </p:ext>
+            </p:extLst>
+          </p:nvPr>
+        </p:nvSpPr>
+        <p:spPr>
+          <a:xfrm>
+            <a:off x="0" y="1152144"/>
+            <a:ext cx="128016" cy="653903"/>
+          </a:xfrm>
+          <a:prstGeom prst="rect">
+            <a:avLst/>
+          </a:prstGeom>
+          <a:solidFill>
+            <a:schemeClr val="accent2"/>
+          </a:solidFill>
+          <a:ln>
+            <a:noFill/>
+          </a:ln>
+        </p:spPr>
+        <p:style>
+          <a:lnRef idx="2">
+            <a:schemeClr val="accent1">
+              <a:shade val="50000"/>
+            </a:schemeClr>
+          </a:lnRef>
+          <a:fillRef idx="1">
+            <a:schemeClr val="accent1"/>
+          </a:fillRef>
+          <a:effectRef idx="0">
+            <a:schemeClr val="accent1"/>
+          </a:effectRef>
+          <a:fontRef idx="minor">
+            <a:schemeClr val="lt1"/>
+          </a:fontRef>
+        </p:style>
+        <p:txBody>
+          <a:bodyPr rtlCol="0" anchor="ctr"/>
+          <a:lstStyle/>
+          <a:p>
+            <a:pPr algn="ctr"/>
+            <a:endParaRPr lang="en-US">
+              <a:solidFill>
+                <a:prstClr val="white"/>
+              </a:solidFill>
+              <a:latin typeface="Calibri" panose="020F0502020204030204"/>
+            </a:endParaRPr>
+          </a:p>
+        </p:txBody>
+      </p:sp>
+      <p:sp useBgFill="1">
+        <p:nvSpPr>
+          <p:cNvPr id="33" name="Rectangle 32">
+            <a:extLst>
+              <a:ext uri="{FF2B5EF4-FFF2-40B4-BE49-F238E27FC236}">
+                <a16:creationId xmlns:a16="http://schemas.microsoft.com/office/drawing/2014/main" id="{82095FCE-EF05-4443-B97A-85DEE3A5CA17}"/>
+              </a:ext>
+              <a:ext uri="{C183D7F6-B498-43B3-948B-1728B52AA6E4}">
+                <adec:decorative xmlns:adec="http://schemas.microsoft.com/office/drawing/2017/decorative" val="1"/>
+              </a:ext>
+            </a:extLst>
+          </p:cNvPr>
+          <p:cNvSpPr>
+            <a:spLocks noGrp="1" noRot="1" noChangeAspect="1" noMove="1" noResize="1" noEditPoints="1" noAdjustHandles="1" noChangeArrowheads="1" noChangeShapeType="1" noTextEdit="1"/>
+          </p:cNvSpPr>
+          <p:nvPr>
+            <p:extLst>
+              <p:ext uri="{386F3935-93C4-4BCD-93E2-E3B085C9AB24}">
+                <p16:designElem xmlns:p16="http://schemas.microsoft.com/office/powerpoint/2015/main" val="1"/>
+              </p:ext>
+            </p:extLst>
+          </p:nvPr>
+        </p:nvSpPr>
+        <p:spPr>
+          <a:xfrm>
+            <a:off x="449544" y="2194560"/>
+            <a:ext cx="4892040" cy="18288"/>
+          </a:xfrm>
+          <a:prstGeom prst="rect">
+            <a:avLst/>
+          </a:prstGeom>
+          <a:ln w="3175">
+            <a:noFill/>
+          </a:ln>
+          <a:effectLst/>
+        </p:spPr>
+        <p:style>
+          <a:lnRef idx="2">
+            <a:schemeClr val="accent1">
+              <a:shade val="50000"/>
+            </a:schemeClr>
+          </a:lnRef>
+          <a:fillRef idx="1">
+            <a:schemeClr val="accent1"/>
+          </a:fillRef>
+          <a:effectRef idx="0">
+            <a:schemeClr val="accent1"/>
+          </a:effectRef>
+          <a:fontRef idx="minor">
+            <a:schemeClr val="lt1"/>
+          </a:fontRef>
+        </p:style>
+        <p:txBody>
+          <a:bodyPr rtlCol="0" anchor="ctr"/>
+          <a:lstStyle/>
+          <a:p>
+            <a:pPr marL="0" marR="0" lvl="0" indent="0" algn="ctr" defTabSz="914400" rtl="0" eaLnBrk="1" fontAlgn="auto" latinLnBrk="0" hangingPunct="1">
+              <a:lnSpc>
+                <a:spcPct val="100000"/>
+              </a:lnSpc>
+              <a:spcBef>
+                <a:spcPts val="0"/>
+              </a:spcBef>
+              <a:spcAft>
+                <a:spcPts val="0"/>
+              </a:spcAft>
+              <a:buClrTx/>
+              <a:buSzTx/>
+              <a:buFontTx/>
+              <a:buNone/>
+              <a:tabLst/>
+              <a:defRPr/>
+            </a:pPr>
+            <a:endParaRPr kumimoji="0" lang="en-US" sz="1800" b="0" i="0" u="none" strike="noStrike" kern="1200" cap="none" spc="0" normalizeH="0" baseline="0" noProof="0">
+              <a:ln>
+                <a:noFill/>
+              </a:ln>
+              <a:solidFill>
+                <a:prstClr val="white"/>
+              </a:solidFill>
+              <a:effectLst/>
+              <a:uLnTx/>
+              <a:uFillTx/>
+              <a:latin typeface="Calibri" panose="020F0502020204030204"/>
+              <a:ea typeface="+mn-ea"/>
+              <a:cs typeface="+mn-cs"/>
+            </a:endParaRPr>
+          </a:p>
+        </p:txBody>
+      </p:sp>
+      <p:sp>
+        <p:nvSpPr>
+          <p:cNvPr id="35" name="Rectangle 34">
+            <a:extLst>
+              <a:ext uri="{FF2B5EF4-FFF2-40B4-BE49-F238E27FC236}">
+                <a16:creationId xmlns:a16="http://schemas.microsoft.com/office/drawing/2014/main" id="{CA00AE6B-AA30-4CF8-BA6F-339B780AD76C}"/>
+              </a:ext>
+              <a:ext uri="{C183D7F6-B498-43B3-948B-1728B52AA6E4}">
+                <adec:decorative xmlns:adec="http://schemas.microsoft.com/office/drawing/2017/decorative" val="1"/>
+              </a:ext>
+            </a:extLst>
+          </p:cNvPr>
+          <p:cNvSpPr>
+            <a:spLocks noGrp="1" noRot="1" noChangeAspect="1" noMove="1" noResize="1" noEditPoints="1" noAdjustHandles="1" noChangeArrowheads="1" noChangeShapeType="1" noTextEdit="1"/>
+          </p:cNvSpPr>
+          <p:nvPr>
+            <p:extLst>
+              <p:ext uri="{386F3935-93C4-4BCD-93E2-E3B085C9AB24}">
+                <p16:designElem xmlns:p16="http://schemas.microsoft.com/office/powerpoint/2015/main" val="1"/>
+              </p:ext>
+            </p:extLst>
+          </p:nvPr>
+        </p:nvSpPr>
+        <p:spPr>
+          <a:xfrm>
+            <a:off x="449544" y="2194560"/>
+            <a:ext cx="4892040" cy="18288"/>
+          </a:xfrm>
+          <a:prstGeom prst="rect">
+            <a:avLst/>
+          </a:prstGeom>
+          <a:solidFill>
+            <a:srgbClr val="D5D5D5"/>
+          </a:solidFill>
+          <a:ln w="3175">
+            <a:noFill/>
+          </a:ln>
+          <a:effectLst/>
+        </p:spPr>
+        <p:style>
+          <a:lnRef idx="2">
+            <a:schemeClr val="accent1">
+              <a:shade val="50000"/>
+            </a:schemeClr>
+          </a:lnRef>
+          <a:fillRef idx="1">
+            <a:schemeClr val="accent1"/>
+          </a:fillRef>
+          <a:effectRef idx="0">
+            <a:schemeClr val="accent1"/>
+          </a:effectRef>
+          <a:fontRef idx="minor">
+            <a:schemeClr val="lt1"/>
+          </a:fontRef>
+        </p:style>
+        <p:txBody>
+          <a:bodyPr rtlCol="0" anchor="ctr"/>
+          <a:lstStyle/>
+          <a:p>
+            <a:pPr algn="ctr"/>
+            <a:endParaRPr lang="en-US">
+              <a:solidFill>
+                <a:prstClr val="white"/>
+              </a:solidFill>
+              <a:latin typeface="Calibri" panose="020F0502020204030204"/>
+            </a:endParaRPr>
+          </a:p>
+        </p:txBody>
+      </p:sp>
       <p:pic>
         <p:nvPicPr>
-          <p:cNvPr id="7" name="Content Placeholder 6" descr="Logo&#10;&#10;Description automatically generated">
+          <p:cNvPr id="12" name="Picture 11" descr="A picture containing logo&#10;&#10;Description automatically generated">
             <a:extLst>
               <a:ext uri="{FF2B5EF4-FFF2-40B4-BE49-F238E27FC236}">
-                <a16:creationId xmlns:a16="http://schemas.microsoft.com/office/drawing/2014/main" id="{13EBC806-D0ED-4D70-AFE5-CF922FBF30FC}"/>
+                <a16:creationId xmlns:a16="http://schemas.microsoft.com/office/drawing/2014/main" id="{0D8720A2-262C-4CFD-9D1F-270E4C4322AE}"/>
+              </a:ext>
+            </a:extLst>
+          </p:cNvPr>
+          <p:cNvPicPr>
+            <a:picLocks noChangeAspect="1"/>
+          </p:cNvPicPr>
+          <p:nvPr/>
+        </p:nvPicPr>
+        <p:blipFill>
+          <a:blip r:embed="rId3">
+            <a:extLst>
+              <a:ext uri="{28A0092B-C50C-407E-A947-70E740481C1C}">
+                <a14:useLocalDpi xmlns:a14="http://schemas.microsoft.com/office/drawing/2010/main" val="0"/>
+              </a:ext>
+            </a:extLst>
+          </a:blip>
+          <a:stretch>
+            <a:fillRect/>
+          </a:stretch>
+        </p:blipFill>
+        <p:spPr>
+          <a:xfrm>
+            <a:off x="7049486" y="462656"/>
+            <a:ext cx="4225777" cy="3169333"/>
+          </a:xfrm>
+          <a:prstGeom prst="rect">
+            <a:avLst/>
+          </a:prstGeom>
+        </p:spPr>
+      </p:pic>
+      <p:pic>
+        <p:nvPicPr>
+          <p:cNvPr id="26" name="Content Placeholder 6" descr="Logo&#10;&#10;Description automatically generated">
+            <a:extLst>
+              <a:ext uri="{FF2B5EF4-FFF2-40B4-BE49-F238E27FC236}">
+                <a16:creationId xmlns:a16="http://schemas.microsoft.com/office/drawing/2014/main" id="{82493BBA-3016-4D82-8A1F-C47A776CC5A5}"/>
               </a:ext>
             </a:extLst>
           </p:cNvPr>
@@ -12670,7 +14623,7 @@
           </p:nvPr>
         </p:nvPicPr>
         <p:blipFill>
-          <a:blip r:embed="rId3">
+          <a:blip r:embed="rId4">
             <a:extLst>
               <a:ext uri="{28A0092B-C50C-407E-A947-70E740481C1C}">
                 <a14:useLocalDpi xmlns:a14="http://schemas.microsoft.com/office/drawing/2010/main" val="0"/>
@@ -12683,17 +14636,954 @@
         </p:blipFill>
         <p:spPr>
           <a:xfrm>
-            <a:off x="1766275" y="3923324"/>
+            <a:off x="7500401" y="3631989"/>
             <a:ext cx="3323945" cy="2446215"/>
           </a:xfrm>
         </p:spPr>
       </p:pic>
+      <p:graphicFrame>
+        <p:nvGraphicFramePr>
+          <p:cNvPr id="17" name="Table 18">
+            <a:extLst>
+              <a:ext uri="{FF2B5EF4-FFF2-40B4-BE49-F238E27FC236}">
+                <a16:creationId xmlns:a16="http://schemas.microsoft.com/office/drawing/2014/main" id="{080AC571-474B-4CD7-B915-F183B438CE85}"/>
+              </a:ext>
+            </a:extLst>
+          </p:cNvPr>
+          <p:cNvGraphicFramePr>
+            <a:graphicFrameLocks noGrp="1"/>
+          </p:cNvGraphicFramePr>
+          <p:nvPr>
+            <p:extLst>
+              <p:ext uri="{D42A27DB-BD31-4B8C-83A1-F6EECF244321}">
+                <p14:modId xmlns:p14="http://schemas.microsoft.com/office/powerpoint/2010/main" val="849274942"/>
+              </p:ext>
+            </p:extLst>
+          </p:nvPr>
+        </p:nvGraphicFramePr>
+        <p:xfrm>
+          <a:off x="1765766" y="2754143"/>
+          <a:ext cx="4832803" cy="3840480"/>
+        </p:xfrm>
+        <a:graphic>
+          <a:graphicData uri="http://schemas.openxmlformats.org/drawingml/2006/table">
+            <a:tbl>
+              <a:tblPr firstRow="1" bandRow="1">
+                <a:tableStyleId>{2D5ABB26-0587-4C30-8999-92F81FD0307C}</a:tableStyleId>
+              </a:tblPr>
+              <a:tblGrid>
+                <a:gridCol w="404872">
+                  <a:extLst>
+                    <a:ext uri="{9D8B030D-6E8A-4147-A177-3AD203B41FA5}">
+                      <a16:colId xmlns:a16="http://schemas.microsoft.com/office/drawing/2014/main" val="284375434"/>
+                    </a:ext>
+                  </a:extLst>
+                </a:gridCol>
+                <a:gridCol w="2028585">
+                  <a:extLst>
+                    <a:ext uri="{9D8B030D-6E8A-4147-A177-3AD203B41FA5}">
+                      <a16:colId xmlns:a16="http://schemas.microsoft.com/office/drawing/2014/main" val="331247508"/>
+                    </a:ext>
+                  </a:extLst>
+                </a:gridCol>
+                <a:gridCol w="391885">
+                  <a:extLst>
+                    <a:ext uri="{9D8B030D-6E8A-4147-A177-3AD203B41FA5}">
+                      <a16:colId xmlns:a16="http://schemas.microsoft.com/office/drawing/2014/main" val="4087011191"/>
+                    </a:ext>
+                  </a:extLst>
+                </a:gridCol>
+                <a:gridCol w="2007461">
+                  <a:extLst>
+                    <a:ext uri="{9D8B030D-6E8A-4147-A177-3AD203B41FA5}">
+                      <a16:colId xmlns:a16="http://schemas.microsoft.com/office/drawing/2014/main" val="2255967916"/>
+                    </a:ext>
+                  </a:extLst>
+                </a:gridCol>
+              </a:tblGrid>
+              <a:tr h="310822">
+                <a:tc gridSpan="2">
+                  <a:txBody>
+                    <a:bodyPr/>
+                    <a:lstStyle/>
+                    <a:p>
+                      <a:pPr>
+                        <a:lnSpc>
+                          <a:spcPct val="90000"/>
+                        </a:lnSpc>
+                      </a:pPr>
+                      <a:r>
+                        <a:rPr lang="en-US" sz="1800" i="1" dirty="0"/>
+                        <a:t>Area</a:t>
+                      </a:r>
+                      <a:endParaRPr lang="en-US" sz="1800" i="1" dirty="0">
+                        <a:latin typeface="Univers (body)"/>
+                      </a:endParaRPr>
+                    </a:p>
+                  </a:txBody>
+                  <a:tcPr/>
+                </a:tc>
+                <a:tc hMerge="1">
+                  <a:txBody>
+                    <a:bodyPr/>
+                    <a:lstStyle/>
+                    <a:p>
+                      <a:endParaRPr lang="en-US"/>
+                    </a:p>
+                  </a:txBody>
+                  <a:tcPr/>
+                </a:tc>
+                <a:tc gridSpan="2">
+                  <a:txBody>
+                    <a:bodyPr/>
+                    <a:lstStyle/>
+                    <a:p>
+                      <a:pPr>
+                        <a:lnSpc>
+                          <a:spcPct val="90000"/>
+                        </a:lnSpc>
+                      </a:pPr>
+                      <a:r>
+                        <a:rPr lang="en-US" sz="1800" i="1" dirty="0"/>
+                        <a:t>COVID-19</a:t>
+                      </a:r>
+                      <a:endParaRPr lang="en-US" sz="1800" i="1" dirty="0">
+                        <a:latin typeface="Univers (body)"/>
+                      </a:endParaRPr>
+                    </a:p>
+                  </a:txBody>
+                  <a:tcPr/>
+                </a:tc>
+                <a:tc hMerge="1">
+                  <a:txBody>
+                    <a:bodyPr/>
+                    <a:lstStyle/>
+                    <a:p>
+                      <a:endParaRPr lang="en-US"/>
+                    </a:p>
+                  </a:txBody>
+                  <a:tcPr/>
+                </a:tc>
+                <a:extLst>
+                  <a:ext uri="{0D108BD9-81ED-4DB2-BD59-A6C34878D82A}">
+                    <a16:rowId xmlns:a16="http://schemas.microsoft.com/office/drawing/2014/main" val="1218346747"/>
+                  </a:ext>
+                </a:extLst>
+              </a:tr>
+              <a:tr h="285620">
+                <a:tc>
+                  <a:txBody>
+                    <a:bodyPr/>
+                    <a:lstStyle/>
+                    <a:p>
+                      <a:pPr>
+                        <a:lnSpc>
+                          <a:spcPct val="90000"/>
+                        </a:lnSpc>
+                      </a:pPr>
+                      <a:endParaRPr lang="en-US" sz="1600" dirty="0">
+                        <a:latin typeface="Univers (body)"/>
+                      </a:endParaRPr>
+                    </a:p>
+                  </a:txBody>
+                  <a:tcPr/>
+                </a:tc>
+                <a:tc>
+                  <a:txBody>
+                    <a:bodyPr/>
+                    <a:lstStyle/>
+                    <a:p>
+                      <a:pPr>
+                        <a:lnSpc>
+                          <a:spcPct val="90000"/>
+                        </a:lnSpc>
+                      </a:pPr>
+                      <a:r>
+                        <a:rPr lang="en-US" sz="1600" dirty="0"/>
+                        <a:t>Population Density</a:t>
+                      </a:r>
+                      <a:endParaRPr lang="en-US" sz="1600" dirty="0">
+                        <a:latin typeface="Univers (body)"/>
+                      </a:endParaRPr>
+                    </a:p>
+                  </a:txBody>
+                  <a:tcPr/>
+                </a:tc>
+                <a:tc>
+                  <a:txBody>
+                    <a:bodyPr/>
+                    <a:lstStyle/>
+                    <a:p>
+                      <a:pPr>
+                        <a:lnSpc>
+                          <a:spcPct val="90000"/>
+                        </a:lnSpc>
+                      </a:pPr>
+                      <a:endParaRPr lang="en-US" sz="1600" dirty="0">
+                        <a:latin typeface="Univers (body)"/>
+                      </a:endParaRPr>
+                    </a:p>
+                  </a:txBody>
+                  <a:tcPr/>
+                </a:tc>
+                <a:tc>
+                  <a:txBody>
+                    <a:bodyPr/>
+                    <a:lstStyle/>
+                    <a:p>
+                      <a:pPr>
+                        <a:lnSpc>
+                          <a:spcPct val="90000"/>
+                        </a:lnSpc>
+                      </a:pPr>
+                      <a:r>
+                        <a:rPr lang="en-US" sz="1600" dirty="0"/>
+                        <a:t>Total tests</a:t>
+                      </a:r>
+                      <a:endParaRPr lang="en-US" sz="1600" dirty="0">
+                        <a:latin typeface="Univers (body)"/>
+                      </a:endParaRPr>
+                    </a:p>
+                  </a:txBody>
+                  <a:tcPr/>
+                </a:tc>
+                <a:extLst>
+                  <a:ext uri="{0D108BD9-81ED-4DB2-BD59-A6C34878D82A}">
+                    <a16:rowId xmlns:a16="http://schemas.microsoft.com/office/drawing/2014/main" val="3479862313"/>
+                  </a:ext>
+                </a:extLst>
+              </a:tr>
+              <a:tr h="310822">
+                <a:tc gridSpan="2">
+                  <a:txBody>
+                    <a:bodyPr/>
+                    <a:lstStyle/>
+                    <a:p>
+                      <a:pPr>
+                        <a:lnSpc>
+                          <a:spcPct val="90000"/>
+                        </a:lnSpc>
+                      </a:pPr>
+                      <a:r>
+                        <a:rPr lang="en-US" sz="1800" i="1" dirty="0"/>
+                        <a:t>Demographics</a:t>
+                      </a:r>
+                      <a:endParaRPr lang="en-US" sz="1800" i="1" dirty="0">
+                        <a:latin typeface="Univers (body)"/>
+                      </a:endParaRPr>
+                    </a:p>
+                  </a:txBody>
+                  <a:tcPr/>
+                </a:tc>
+                <a:tc hMerge="1">
+                  <a:txBody>
+                    <a:bodyPr/>
+                    <a:lstStyle/>
+                    <a:p>
+                      <a:endParaRPr lang="en-US"/>
+                    </a:p>
+                  </a:txBody>
+                  <a:tcPr/>
+                </a:tc>
+                <a:tc>
+                  <a:txBody>
+                    <a:bodyPr/>
+                    <a:lstStyle/>
+                    <a:p>
+                      <a:pPr>
+                        <a:lnSpc>
+                          <a:spcPct val="90000"/>
+                        </a:lnSpc>
+                      </a:pPr>
+                      <a:endParaRPr lang="en-US" sz="1800" dirty="0">
+                        <a:latin typeface="Univers (body)"/>
+                      </a:endParaRPr>
+                    </a:p>
+                  </a:txBody>
+                  <a:tcPr/>
+                </a:tc>
+                <a:tc>
+                  <a:txBody>
+                    <a:bodyPr/>
+                    <a:lstStyle/>
+                    <a:p>
+                      <a:pPr>
+                        <a:lnSpc>
+                          <a:spcPct val="90000"/>
+                        </a:lnSpc>
+                      </a:pPr>
+                      <a:r>
+                        <a:rPr lang="en-US" sz="1600" dirty="0"/>
+                        <a:t>Total tases </a:t>
+                      </a:r>
+                      <a:endParaRPr lang="en-US" sz="1600" dirty="0">
+                        <a:latin typeface="Univers (body)"/>
+                      </a:endParaRPr>
+                    </a:p>
+                  </a:txBody>
+                  <a:tcPr/>
+                </a:tc>
+                <a:extLst>
+                  <a:ext uri="{0D108BD9-81ED-4DB2-BD59-A6C34878D82A}">
+                    <a16:rowId xmlns:a16="http://schemas.microsoft.com/office/drawing/2014/main" val="3060624780"/>
+                  </a:ext>
+                </a:extLst>
+              </a:tr>
+              <a:tr h="285620">
+                <a:tc>
+                  <a:txBody>
+                    <a:bodyPr/>
+                    <a:lstStyle/>
+                    <a:p>
+                      <a:pPr>
+                        <a:lnSpc>
+                          <a:spcPct val="90000"/>
+                        </a:lnSpc>
+                      </a:pPr>
+                      <a:endParaRPr lang="en-US" sz="1600">
+                        <a:latin typeface="Univers (body)"/>
+                      </a:endParaRPr>
+                    </a:p>
+                  </a:txBody>
+                  <a:tcPr/>
+                </a:tc>
+                <a:tc>
+                  <a:txBody>
+                    <a:bodyPr/>
+                    <a:lstStyle/>
+                    <a:p>
+                      <a:pPr>
+                        <a:lnSpc>
+                          <a:spcPct val="90000"/>
+                        </a:lnSpc>
+                      </a:pPr>
+                      <a:r>
+                        <a:rPr lang="en-US" sz="1600" dirty="0"/>
+                        <a:t>Age</a:t>
+                      </a:r>
+                      <a:endParaRPr lang="en-US" sz="1600" dirty="0">
+                        <a:latin typeface="Univers (body)"/>
+                      </a:endParaRPr>
+                    </a:p>
+                  </a:txBody>
+                  <a:tcPr/>
+                </a:tc>
+                <a:tc>
+                  <a:txBody>
+                    <a:bodyPr/>
+                    <a:lstStyle/>
+                    <a:p>
+                      <a:pPr>
+                        <a:lnSpc>
+                          <a:spcPct val="90000"/>
+                        </a:lnSpc>
+                      </a:pPr>
+                      <a:endParaRPr lang="en-US" sz="1600" dirty="0">
+                        <a:latin typeface="Univers (body)"/>
+                      </a:endParaRPr>
+                    </a:p>
+                  </a:txBody>
+                  <a:tcPr/>
+                </a:tc>
+                <a:tc>
+                  <a:txBody>
+                    <a:bodyPr/>
+                    <a:lstStyle/>
+                    <a:p>
+                      <a:pPr>
+                        <a:lnSpc>
+                          <a:spcPct val="90000"/>
+                        </a:lnSpc>
+                      </a:pPr>
+                      <a:r>
+                        <a:rPr lang="en-US" sz="1600" dirty="0"/>
+                        <a:t>Total deaths</a:t>
+                      </a:r>
+                      <a:endParaRPr lang="en-US" sz="1600" dirty="0">
+                        <a:latin typeface="Univers (body)"/>
+                      </a:endParaRPr>
+                    </a:p>
+                  </a:txBody>
+                  <a:tcPr/>
+                </a:tc>
+                <a:extLst>
+                  <a:ext uri="{0D108BD9-81ED-4DB2-BD59-A6C34878D82A}">
+                    <a16:rowId xmlns:a16="http://schemas.microsoft.com/office/drawing/2014/main" val="3302881694"/>
+                  </a:ext>
+                </a:extLst>
+              </a:tr>
+              <a:tr h="285620">
+                <a:tc>
+                  <a:txBody>
+                    <a:bodyPr/>
+                    <a:lstStyle/>
+                    <a:p>
+                      <a:pPr>
+                        <a:lnSpc>
+                          <a:spcPct val="90000"/>
+                        </a:lnSpc>
+                      </a:pPr>
+                      <a:endParaRPr lang="en-US" sz="1600" dirty="0">
+                        <a:latin typeface="Univers (body)"/>
+                      </a:endParaRPr>
+                    </a:p>
+                  </a:txBody>
+                  <a:tcPr/>
+                </a:tc>
+                <a:tc>
+                  <a:txBody>
+                    <a:bodyPr/>
+                    <a:lstStyle/>
+                    <a:p>
+                      <a:pPr>
+                        <a:lnSpc>
+                          <a:spcPct val="90000"/>
+                        </a:lnSpc>
+                      </a:pPr>
+                      <a:r>
+                        <a:rPr lang="en-US" sz="1600"/>
+                        <a:t>Gender</a:t>
+                      </a:r>
+                      <a:endParaRPr lang="en-US" sz="1600" dirty="0">
+                        <a:latin typeface="Univers (body)"/>
+                      </a:endParaRPr>
+                    </a:p>
+                  </a:txBody>
+                  <a:tcPr/>
+                </a:tc>
+                <a:tc gridSpan="2">
+                  <a:txBody>
+                    <a:bodyPr/>
+                    <a:lstStyle/>
+                    <a:p>
+                      <a:pPr>
+                        <a:lnSpc>
+                          <a:spcPct val="90000"/>
+                        </a:lnSpc>
+                      </a:pPr>
+                      <a:endParaRPr lang="en-US" sz="1600" dirty="0">
+                        <a:latin typeface="Univers (body)"/>
+                      </a:endParaRPr>
+                    </a:p>
+                  </a:txBody>
+                  <a:tcPr/>
+                </a:tc>
+                <a:tc hMerge="1">
+                  <a:txBody>
+                    <a:bodyPr/>
+                    <a:lstStyle/>
+                    <a:p>
+                      <a:endParaRPr lang="en-US"/>
+                    </a:p>
+                  </a:txBody>
+                  <a:tcPr/>
+                </a:tc>
+                <a:extLst>
+                  <a:ext uri="{0D108BD9-81ED-4DB2-BD59-A6C34878D82A}">
+                    <a16:rowId xmlns:a16="http://schemas.microsoft.com/office/drawing/2014/main" val="2063546113"/>
+                  </a:ext>
+                </a:extLst>
+              </a:tr>
+              <a:tr h="285620">
+                <a:tc>
+                  <a:txBody>
+                    <a:bodyPr/>
+                    <a:lstStyle/>
+                    <a:p>
+                      <a:pPr>
+                        <a:lnSpc>
+                          <a:spcPct val="90000"/>
+                        </a:lnSpc>
+                      </a:pPr>
+                      <a:endParaRPr lang="en-US" sz="1600" dirty="0">
+                        <a:latin typeface="Univers (body)"/>
+                      </a:endParaRPr>
+                    </a:p>
+                  </a:txBody>
+                  <a:tcPr/>
+                </a:tc>
+                <a:tc>
+                  <a:txBody>
+                    <a:bodyPr/>
+                    <a:lstStyle/>
+                    <a:p>
+                      <a:pPr>
+                        <a:lnSpc>
+                          <a:spcPct val="90000"/>
+                        </a:lnSpc>
+                      </a:pPr>
+                      <a:r>
+                        <a:rPr lang="en-US" sz="1600" dirty="0"/>
+                        <a:t>Race</a:t>
+                      </a:r>
+                      <a:endParaRPr lang="en-US" sz="1600" dirty="0">
+                        <a:latin typeface="Univers (body)"/>
+                      </a:endParaRPr>
+                    </a:p>
+                  </a:txBody>
+                  <a:tcPr/>
+                </a:tc>
+                <a:tc gridSpan="2">
+                  <a:txBody>
+                    <a:bodyPr/>
+                    <a:lstStyle/>
+                    <a:p>
+                      <a:pPr>
+                        <a:lnSpc>
+                          <a:spcPct val="90000"/>
+                        </a:lnSpc>
+                      </a:pPr>
+                      <a:endParaRPr lang="en-US" sz="1600" dirty="0">
+                        <a:latin typeface="Univers (body)"/>
+                      </a:endParaRPr>
+                    </a:p>
+                  </a:txBody>
+                  <a:tcPr/>
+                </a:tc>
+                <a:tc hMerge="1">
+                  <a:txBody>
+                    <a:bodyPr/>
+                    <a:lstStyle/>
+                    <a:p>
+                      <a:endParaRPr lang="en-US"/>
+                    </a:p>
+                  </a:txBody>
+                  <a:tcPr/>
+                </a:tc>
+                <a:extLst>
+                  <a:ext uri="{0D108BD9-81ED-4DB2-BD59-A6C34878D82A}">
+                    <a16:rowId xmlns:a16="http://schemas.microsoft.com/office/drawing/2014/main" val="3463083717"/>
+                  </a:ext>
+                </a:extLst>
+              </a:tr>
+              <a:tr h="310822">
+                <a:tc gridSpan="2">
+                  <a:txBody>
+                    <a:bodyPr/>
+                    <a:lstStyle/>
+                    <a:p>
+                      <a:pPr>
+                        <a:lnSpc>
+                          <a:spcPct val="90000"/>
+                        </a:lnSpc>
+                      </a:pPr>
+                      <a:r>
+                        <a:rPr lang="en-US" sz="1800" i="1" dirty="0"/>
+                        <a:t>Economic Indicators</a:t>
+                      </a:r>
+                      <a:endParaRPr lang="en-US" sz="1800" i="1" dirty="0">
+                        <a:latin typeface="Univers (body)"/>
+                      </a:endParaRPr>
+                    </a:p>
+                  </a:txBody>
+                  <a:tcPr/>
+                </a:tc>
+                <a:tc hMerge="1">
+                  <a:txBody>
+                    <a:bodyPr/>
+                    <a:lstStyle/>
+                    <a:p>
+                      <a:endParaRPr lang="en-US"/>
+                    </a:p>
+                  </a:txBody>
+                  <a:tcPr/>
+                </a:tc>
+                <a:tc gridSpan="2">
+                  <a:txBody>
+                    <a:bodyPr/>
+                    <a:lstStyle/>
+                    <a:p>
+                      <a:pPr>
+                        <a:lnSpc>
+                          <a:spcPct val="90000"/>
+                        </a:lnSpc>
+                      </a:pPr>
+                      <a:endParaRPr lang="en-US" sz="1800" i="1" dirty="0">
+                        <a:latin typeface="Univers (body)"/>
+                      </a:endParaRPr>
+                    </a:p>
+                  </a:txBody>
+                  <a:tcPr/>
+                </a:tc>
+                <a:tc hMerge="1">
+                  <a:txBody>
+                    <a:bodyPr/>
+                    <a:lstStyle/>
+                    <a:p>
+                      <a:endParaRPr lang="en-US"/>
+                    </a:p>
+                  </a:txBody>
+                  <a:tcPr/>
+                </a:tc>
+                <a:extLst>
+                  <a:ext uri="{0D108BD9-81ED-4DB2-BD59-A6C34878D82A}">
+                    <a16:rowId xmlns:a16="http://schemas.microsoft.com/office/drawing/2014/main" val="1441370370"/>
+                  </a:ext>
+                </a:extLst>
+              </a:tr>
+              <a:tr h="285620">
+                <a:tc>
+                  <a:txBody>
+                    <a:bodyPr/>
+                    <a:lstStyle/>
+                    <a:p>
+                      <a:pPr>
+                        <a:lnSpc>
+                          <a:spcPct val="90000"/>
+                        </a:lnSpc>
+                      </a:pPr>
+                      <a:endParaRPr lang="en-US" sz="1600">
+                        <a:latin typeface="Univers (body)"/>
+                      </a:endParaRPr>
+                    </a:p>
+                  </a:txBody>
+                  <a:tcPr/>
+                </a:tc>
+                <a:tc>
+                  <a:txBody>
+                    <a:bodyPr/>
+                    <a:lstStyle/>
+                    <a:p>
+                      <a:pPr>
+                        <a:lnSpc>
+                          <a:spcPct val="90000"/>
+                        </a:lnSpc>
+                      </a:pPr>
+                      <a:r>
+                        <a:rPr lang="en-US" sz="1600" dirty="0"/>
+                        <a:t>Income Per Capita</a:t>
+                      </a:r>
+                      <a:endParaRPr lang="en-US" sz="1600" dirty="0">
+                        <a:latin typeface="Univers (body)"/>
+                      </a:endParaRPr>
+                    </a:p>
+                  </a:txBody>
+                  <a:tcPr/>
+                </a:tc>
+                <a:tc gridSpan="2">
+                  <a:txBody>
+                    <a:bodyPr/>
+                    <a:lstStyle/>
+                    <a:p>
+                      <a:pPr>
+                        <a:lnSpc>
+                          <a:spcPct val="90000"/>
+                        </a:lnSpc>
+                      </a:pPr>
+                      <a:endParaRPr lang="en-US" sz="1600" dirty="0">
+                        <a:latin typeface="Univers (body)"/>
+                      </a:endParaRPr>
+                    </a:p>
+                  </a:txBody>
+                  <a:tcPr/>
+                </a:tc>
+                <a:tc hMerge="1">
+                  <a:txBody>
+                    <a:bodyPr/>
+                    <a:lstStyle/>
+                    <a:p>
+                      <a:endParaRPr lang="en-US"/>
+                    </a:p>
+                  </a:txBody>
+                  <a:tcPr/>
+                </a:tc>
+                <a:extLst>
+                  <a:ext uri="{0D108BD9-81ED-4DB2-BD59-A6C34878D82A}">
+                    <a16:rowId xmlns:a16="http://schemas.microsoft.com/office/drawing/2014/main" val="544114550"/>
+                  </a:ext>
+                </a:extLst>
+              </a:tr>
+              <a:tr h="285620">
+                <a:tc>
+                  <a:txBody>
+                    <a:bodyPr/>
+                    <a:lstStyle/>
+                    <a:p>
+                      <a:pPr>
+                        <a:lnSpc>
+                          <a:spcPct val="90000"/>
+                        </a:lnSpc>
+                      </a:pPr>
+                      <a:endParaRPr lang="en-US" sz="1600">
+                        <a:latin typeface="Univers (body)"/>
+                      </a:endParaRPr>
+                    </a:p>
+                  </a:txBody>
+                  <a:tcPr/>
+                </a:tc>
+                <a:tc>
+                  <a:txBody>
+                    <a:bodyPr/>
+                    <a:lstStyle/>
+                    <a:p>
+                      <a:pPr>
+                        <a:lnSpc>
+                          <a:spcPct val="90000"/>
+                        </a:lnSpc>
+                      </a:pPr>
+                      <a:r>
+                        <a:rPr lang="en-US" sz="1600"/>
+                        <a:t>Household Income</a:t>
+                      </a:r>
+                      <a:endParaRPr lang="en-US" sz="1600">
+                        <a:latin typeface="Univers (body)"/>
+                      </a:endParaRPr>
+                    </a:p>
+                  </a:txBody>
+                  <a:tcPr/>
+                </a:tc>
+                <a:tc gridSpan="2">
+                  <a:txBody>
+                    <a:bodyPr/>
+                    <a:lstStyle/>
+                    <a:p>
+                      <a:pPr>
+                        <a:lnSpc>
+                          <a:spcPct val="90000"/>
+                        </a:lnSpc>
+                      </a:pPr>
+                      <a:endParaRPr lang="en-US" sz="1600" dirty="0">
+                        <a:latin typeface="Univers (body)"/>
+                      </a:endParaRPr>
+                    </a:p>
+                  </a:txBody>
+                  <a:tcPr/>
+                </a:tc>
+                <a:tc hMerge="1">
+                  <a:txBody>
+                    <a:bodyPr/>
+                    <a:lstStyle/>
+                    <a:p>
+                      <a:endParaRPr lang="en-US"/>
+                    </a:p>
+                  </a:txBody>
+                  <a:tcPr/>
+                </a:tc>
+                <a:extLst>
+                  <a:ext uri="{0D108BD9-81ED-4DB2-BD59-A6C34878D82A}">
+                    <a16:rowId xmlns:a16="http://schemas.microsoft.com/office/drawing/2014/main" val="3963724311"/>
+                  </a:ext>
+                </a:extLst>
+              </a:tr>
+              <a:tr h="285620">
+                <a:tc>
+                  <a:txBody>
+                    <a:bodyPr/>
+                    <a:lstStyle/>
+                    <a:p>
+                      <a:pPr>
+                        <a:lnSpc>
+                          <a:spcPct val="90000"/>
+                        </a:lnSpc>
+                      </a:pPr>
+                      <a:endParaRPr lang="en-US" sz="1600">
+                        <a:latin typeface="Univers (body)"/>
+                      </a:endParaRPr>
+                    </a:p>
+                  </a:txBody>
+                  <a:tcPr/>
+                </a:tc>
+                <a:tc>
+                  <a:txBody>
+                    <a:bodyPr/>
+                    <a:lstStyle/>
+                    <a:p>
+                      <a:pPr>
+                        <a:lnSpc>
+                          <a:spcPct val="90000"/>
+                        </a:lnSpc>
+                      </a:pPr>
+                      <a:r>
+                        <a:rPr lang="en-US" sz="1600" dirty="0"/>
+                        <a:t>Median Income</a:t>
+                      </a:r>
+                      <a:endParaRPr lang="en-US" sz="1600" dirty="0">
+                        <a:latin typeface="Univers (body)"/>
+                      </a:endParaRPr>
+                    </a:p>
+                  </a:txBody>
+                  <a:tcPr/>
+                </a:tc>
+                <a:tc gridSpan="2">
+                  <a:txBody>
+                    <a:bodyPr/>
+                    <a:lstStyle/>
+                    <a:p>
+                      <a:pPr>
+                        <a:lnSpc>
+                          <a:spcPct val="90000"/>
+                        </a:lnSpc>
+                      </a:pPr>
+                      <a:endParaRPr lang="en-US" sz="1600" dirty="0">
+                        <a:latin typeface="Univers (body)"/>
+                      </a:endParaRPr>
+                    </a:p>
+                  </a:txBody>
+                  <a:tcPr/>
+                </a:tc>
+                <a:tc hMerge="1">
+                  <a:txBody>
+                    <a:bodyPr/>
+                    <a:lstStyle/>
+                    <a:p>
+                      <a:endParaRPr lang="en-US"/>
+                    </a:p>
+                  </a:txBody>
+                  <a:tcPr/>
+                </a:tc>
+                <a:extLst>
+                  <a:ext uri="{0D108BD9-81ED-4DB2-BD59-A6C34878D82A}">
+                    <a16:rowId xmlns:a16="http://schemas.microsoft.com/office/drawing/2014/main" val="3082476984"/>
+                  </a:ext>
+                </a:extLst>
+              </a:tr>
+              <a:tr h="310822">
+                <a:tc gridSpan="2">
+                  <a:txBody>
+                    <a:bodyPr/>
+                    <a:lstStyle/>
+                    <a:p>
+                      <a:pPr>
+                        <a:lnSpc>
+                          <a:spcPct val="90000"/>
+                        </a:lnSpc>
+                      </a:pPr>
+                      <a:r>
+                        <a:rPr lang="en-US" sz="1800" i="1" dirty="0"/>
+                        <a:t>Health Indicators</a:t>
+                      </a:r>
+                      <a:endParaRPr lang="en-US" sz="1800" i="1" dirty="0">
+                        <a:latin typeface="Univers (body)"/>
+                      </a:endParaRPr>
+                    </a:p>
+                  </a:txBody>
+                  <a:tcPr/>
+                </a:tc>
+                <a:tc hMerge="1">
+                  <a:txBody>
+                    <a:bodyPr/>
+                    <a:lstStyle/>
+                    <a:p>
+                      <a:endParaRPr lang="en-US"/>
+                    </a:p>
+                  </a:txBody>
+                  <a:tcPr/>
+                </a:tc>
+                <a:tc gridSpan="2">
+                  <a:txBody>
+                    <a:bodyPr/>
+                    <a:lstStyle/>
+                    <a:p>
+                      <a:pPr>
+                        <a:lnSpc>
+                          <a:spcPct val="90000"/>
+                        </a:lnSpc>
+                      </a:pPr>
+                      <a:endParaRPr lang="en-US" sz="1800" dirty="0">
+                        <a:latin typeface="Univers (body)"/>
+                      </a:endParaRPr>
+                    </a:p>
+                  </a:txBody>
+                  <a:tcPr/>
+                </a:tc>
+                <a:tc hMerge="1">
+                  <a:txBody>
+                    <a:bodyPr/>
+                    <a:lstStyle/>
+                    <a:p>
+                      <a:endParaRPr lang="en-US"/>
+                    </a:p>
+                  </a:txBody>
+                  <a:tcPr/>
+                </a:tc>
+                <a:extLst>
+                  <a:ext uri="{0D108BD9-81ED-4DB2-BD59-A6C34878D82A}">
+                    <a16:rowId xmlns:a16="http://schemas.microsoft.com/office/drawing/2014/main" val="1044590427"/>
+                  </a:ext>
+                </a:extLst>
+              </a:tr>
+              <a:tr h="285620">
+                <a:tc>
+                  <a:txBody>
+                    <a:bodyPr/>
+                    <a:lstStyle/>
+                    <a:p>
+                      <a:pPr>
+                        <a:lnSpc>
+                          <a:spcPct val="90000"/>
+                        </a:lnSpc>
+                      </a:pPr>
+                      <a:endParaRPr lang="en-US" sz="1600" dirty="0">
+                        <a:latin typeface="Univers (body)"/>
+                      </a:endParaRPr>
+                    </a:p>
+                  </a:txBody>
+                  <a:tcPr/>
+                </a:tc>
+                <a:tc>
+                  <a:txBody>
+                    <a:bodyPr/>
+                    <a:lstStyle/>
+                    <a:p>
+                      <a:pPr>
+                        <a:lnSpc>
+                          <a:spcPct val="90000"/>
+                        </a:lnSpc>
+                      </a:pPr>
+                      <a:r>
+                        <a:rPr lang="en-US" sz="1600" dirty="0"/>
+                        <a:t>Obesity Rates</a:t>
+                      </a:r>
+                      <a:endParaRPr lang="en-US" sz="1600" dirty="0">
+                        <a:latin typeface="Univers (body)"/>
+                      </a:endParaRPr>
+                    </a:p>
+                  </a:txBody>
+                  <a:tcPr/>
+                </a:tc>
+                <a:tc gridSpan="2">
+                  <a:txBody>
+                    <a:bodyPr/>
+                    <a:lstStyle/>
+                    <a:p>
+                      <a:pPr>
+                        <a:lnSpc>
+                          <a:spcPct val="90000"/>
+                        </a:lnSpc>
+                      </a:pPr>
+                      <a:endParaRPr lang="en-US" sz="1600" dirty="0">
+                        <a:latin typeface="Univers (body)"/>
+                      </a:endParaRPr>
+                    </a:p>
+                  </a:txBody>
+                  <a:tcPr/>
+                </a:tc>
+                <a:tc hMerge="1">
+                  <a:txBody>
+                    <a:bodyPr/>
+                    <a:lstStyle/>
+                    <a:p>
+                      <a:endParaRPr lang="en-US"/>
+                    </a:p>
+                  </a:txBody>
+                  <a:tcPr/>
+                </a:tc>
+                <a:extLst>
+                  <a:ext uri="{0D108BD9-81ED-4DB2-BD59-A6C34878D82A}">
+                    <a16:rowId xmlns:a16="http://schemas.microsoft.com/office/drawing/2014/main" val="683694620"/>
+                  </a:ext>
+                </a:extLst>
+              </a:tr>
+            </a:tbl>
+          </a:graphicData>
+        </a:graphic>
+      </p:graphicFrame>
       <p:sp>
         <p:nvSpPr>
-          <p:cNvPr id="8" name="TextBox 7">
+          <p:cNvPr id="19" name="TextBox 18">
             <a:extLst>
               <a:ext uri="{FF2B5EF4-FFF2-40B4-BE49-F238E27FC236}">
-                <a16:creationId xmlns:a16="http://schemas.microsoft.com/office/drawing/2014/main" id="{68D18CBB-A0CA-43C1-B5EA-4C2814678990}"/>
+                <a16:creationId xmlns:a16="http://schemas.microsoft.com/office/drawing/2014/main" id="{6BEABFCC-E32B-4637-AEB9-8CFDEC5A10E0}"/>
               </a:ext>
             </a:extLst>
           </p:cNvPr>
@@ -12702,8 +15592,8 @@
         </p:nvSpPr>
         <p:spPr>
           <a:xfrm>
-            <a:off x="6689971" y="1570841"/>
-            <a:ext cx="3157415" cy="4524315"/>
+            <a:off x="448056" y="2362636"/>
+            <a:ext cx="1603581" cy="369332"/>
           </a:xfrm>
           <a:prstGeom prst="rect">
             <a:avLst/>
@@ -12720,272 +15610,7 @@
               <a:rPr lang="en-US" dirty="0">
                 <a:latin typeface="Univers (body)"/>
               </a:rPr>
-              <a:t>Area</a:t>
-            </a:r>
-          </a:p>
-          <a:p>
-            <a:pPr marL="285750" indent="-285750">
-              <a:buFont typeface="Arial" panose="020B0604020202020204" pitchFamily="34" charset="0"/>
-              <a:buChar char="•"/>
-            </a:pPr>
-            <a:r>
-              <a:rPr lang="en-US" dirty="0">
-                <a:latin typeface="Univers (body)"/>
-              </a:rPr>
-              <a:t>Population Density</a:t>
-            </a:r>
-          </a:p>
-          <a:p>
-            <a:endParaRPr lang="en-US" dirty="0">
-              <a:latin typeface="Univers (body)"/>
-            </a:endParaRPr>
-          </a:p>
-          <a:p>
-            <a:r>
-              <a:rPr lang="en-US" dirty="0">
-                <a:latin typeface="Univers (body)"/>
-              </a:rPr>
-              <a:t>Demographics</a:t>
-            </a:r>
-          </a:p>
-          <a:p>
-            <a:pPr marL="285750" indent="-285750">
-              <a:buFont typeface="Arial" panose="020B0604020202020204" pitchFamily="34" charset="0"/>
-              <a:buChar char="•"/>
-            </a:pPr>
-            <a:r>
-              <a:rPr lang="en-US" dirty="0">
-                <a:latin typeface="Univers (body)"/>
-              </a:rPr>
-              <a:t>Age</a:t>
-            </a:r>
-          </a:p>
-          <a:p>
-            <a:pPr marL="285750" indent="-285750">
-              <a:buFont typeface="Arial" panose="020B0604020202020204" pitchFamily="34" charset="0"/>
-              <a:buChar char="•"/>
-            </a:pPr>
-            <a:r>
-              <a:rPr lang="en-US" dirty="0">
-                <a:latin typeface="Univers (body)"/>
-              </a:rPr>
-              <a:t>Gender</a:t>
-            </a:r>
-          </a:p>
-          <a:p>
-            <a:pPr marL="285750" indent="-285750">
-              <a:buFont typeface="Arial" panose="020B0604020202020204" pitchFamily="34" charset="0"/>
-              <a:buChar char="•"/>
-            </a:pPr>
-            <a:r>
-              <a:rPr lang="en-US" dirty="0">
-                <a:latin typeface="Univers (body)"/>
-              </a:rPr>
-              <a:t>Race</a:t>
-            </a:r>
-          </a:p>
-          <a:p>
-            <a:endParaRPr lang="en-US" dirty="0">
-              <a:latin typeface="Univers (body)"/>
-            </a:endParaRPr>
-          </a:p>
-          <a:p>
-            <a:r>
-              <a:rPr lang="en-US" dirty="0">
-                <a:latin typeface="Univers (body)"/>
-              </a:rPr>
-              <a:t>Economic Indicators</a:t>
-            </a:r>
-          </a:p>
-          <a:p>
-            <a:pPr marL="285750" indent="-285750">
-              <a:buFont typeface="Arial" panose="020B0604020202020204" pitchFamily="34" charset="0"/>
-              <a:buChar char="•"/>
-            </a:pPr>
-            <a:r>
-              <a:rPr lang="en-US" dirty="0">
-                <a:latin typeface="Univers (body)"/>
-              </a:rPr>
-              <a:t>Income Per Capita</a:t>
-            </a:r>
-          </a:p>
-          <a:p>
-            <a:pPr marL="285750" indent="-285750">
-              <a:buFont typeface="Arial" panose="020B0604020202020204" pitchFamily="34" charset="0"/>
-              <a:buChar char="•"/>
-            </a:pPr>
-            <a:r>
-              <a:rPr lang="en-US" dirty="0">
-                <a:latin typeface="Univers (body)"/>
-              </a:rPr>
-              <a:t>Household Income</a:t>
-            </a:r>
-          </a:p>
-          <a:p>
-            <a:pPr marL="285750" indent="-285750">
-              <a:buFont typeface="Arial" panose="020B0604020202020204" pitchFamily="34" charset="0"/>
-              <a:buChar char="•"/>
-            </a:pPr>
-            <a:r>
-              <a:rPr lang="en-US" dirty="0">
-                <a:latin typeface="Univers (body)"/>
-              </a:rPr>
-              <a:t>Median Worker Income</a:t>
-            </a:r>
-          </a:p>
-          <a:p>
-            <a:pPr marL="285750" indent="-285750">
-              <a:buFont typeface="Arial" panose="020B0604020202020204" pitchFamily="34" charset="0"/>
-              <a:buChar char="•"/>
-            </a:pPr>
-            <a:endParaRPr lang="en-US" dirty="0">
-              <a:latin typeface="Univers (body)"/>
-            </a:endParaRPr>
-          </a:p>
-          <a:p>
-            <a:r>
-              <a:rPr lang="en-US" dirty="0">
-                <a:latin typeface="Univers (body)"/>
-              </a:rPr>
-              <a:t>Health Indicators</a:t>
-            </a:r>
-          </a:p>
-          <a:p>
-            <a:pPr marL="285750" indent="-285750">
-              <a:buFont typeface="Arial" panose="020B0604020202020204" pitchFamily="34" charset="0"/>
-              <a:buChar char="•"/>
-            </a:pPr>
-            <a:r>
-              <a:rPr lang="en-US" dirty="0">
-                <a:latin typeface="Univers (body)"/>
-              </a:rPr>
-              <a:t>Obesity Rates</a:t>
-            </a:r>
-          </a:p>
-          <a:p>
-            <a:endParaRPr lang="en-US" dirty="0">
-              <a:latin typeface="Univers (body)"/>
-            </a:endParaRPr>
-          </a:p>
-        </p:txBody>
-      </p:sp>
-      <p:sp>
-        <p:nvSpPr>
-          <p:cNvPr id="9" name="TextBox 8">
-            <a:extLst>
-              <a:ext uri="{FF2B5EF4-FFF2-40B4-BE49-F238E27FC236}">
-                <a16:creationId xmlns:a16="http://schemas.microsoft.com/office/drawing/2014/main" id="{A7321E71-F952-4D86-BDF3-549C265E018F}"/>
-              </a:ext>
-            </a:extLst>
-          </p:cNvPr>
-          <p:cNvSpPr txBox="1"/>
-          <p:nvPr/>
-        </p:nvSpPr>
-        <p:spPr>
-          <a:xfrm>
-            <a:off x="10051299" y="1636824"/>
-            <a:ext cx="1881161" cy="1754326"/>
-          </a:xfrm>
-          <a:prstGeom prst="rect">
-            <a:avLst/>
-          </a:prstGeom>
-          <a:noFill/>
-        </p:spPr>
-        <p:txBody>
-          <a:bodyPr wrap="square" rtlCol="0">
-            <a:spAutoFit/>
-          </a:bodyPr>
-          <a:lstStyle/>
-          <a:p>
-            <a:r>
-              <a:rPr lang="en-US" dirty="0">
-                <a:latin typeface="Univers (body)"/>
-              </a:rPr>
-              <a:t>COVID-19</a:t>
-            </a:r>
-          </a:p>
-          <a:p>
-            <a:pPr marL="285750" indent="-285750">
-              <a:buFont typeface="Arial" panose="020B0604020202020204" pitchFamily="34" charset="0"/>
-              <a:buChar char="•"/>
-            </a:pPr>
-            <a:r>
-              <a:rPr lang="en-US" dirty="0">
-                <a:latin typeface="Univers (body)"/>
-              </a:rPr>
-              <a:t>Tests</a:t>
-            </a:r>
-          </a:p>
-          <a:p>
-            <a:pPr marL="285750" indent="-285750">
-              <a:buFont typeface="Arial" panose="020B0604020202020204" pitchFamily="34" charset="0"/>
-              <a:buChar char="•"/>
-            </a:pPr>
-            <a:r>
-              <a:rPr lang="en-US" dirty="0">
-                <a:latin typeface="Univers (body)"/>
-              </a:rPr>
-              <a:t>Cases</a:t>
-            </a:r>
-          </a:p>
-          <a:p>
-            <a:pPr marL="285750" indent="-285750">
-              <a:buFont typeface="Arial" panose="020B0604020202020204" pitchFamily="34" charset="0"/>
-              <a:buChar char="•"/>
-            </a:pPr>
-            <a:r>
-              <a:rPr lang="en-US" dirty="0">
-                <a:latin typeface="Univers (body)"/>
-              </a:rPr>
-              <a:t>Fatalities</a:t>
-            </a:r>
-          </a:p>
-          <a:p>
-            <a:endParaRPr lang="en-US" dirty="0">
-              <a:latin typeface="Univers (body)"/>
-            </a:endParaRPr>
-          </a:p>
-          <a:p>
-            <a:endParaRPr lang="en-US" dirty="0">
-              <a:latin typeface="Univers (body)"/>
-            </a:endParaRPr>
-          </a:p>
-        </p:txBody>
-      </p:sp>
-      <p:sp>
-        <p:nvSpPr>
-          <p:cNvPr id="11" name="TextBox 10">
-            <a:extLst>
-              <a:ext uri="{FF2B5EF4-FFF2-40B4-BE49-F238E27FC236}">
-                <a16:creationId xmlns:a16="http://schemas.microsoft.com/office/drawing/2014/main" id="{A7FD48D7-FCB4-48E1-9DF9-4F2249EC7986}"/>
-              </a:ext>
-            </a:extLst>
-          </p:cNvPr>
-          <p:cNvSpPr txBox="1"/>
-          <p:nvPr/>
-        </p:nvSpPr>
-        <p:spPr>
-          <a:xfrm>
-            <a:off x="7678419" y="762844"/>
-            <a:ext cx="3157415" cy="369332"/>
-          </a:xfrm>
-          <a:prstGeom prst="rect">
-            <a:avLst/>
-          </a:prstGeom>
-          <a:noFill/>
-        </p:spPr>
-        <p:txBody>
-          <a:bodyPr wrap="square" rtlCol="0">
-            <a:spAutoFit/>
-          </a:bodyPr>
-          <a:lstStyle/>
-          <a:p>
-            <a:pPr algn="ctr"/>
-            <a:r>
-              <a:rPr lang="en-US" dirty="0">
-                <a:latin typeface="Univers (body)"/>
-              </a:rPr>
-              <a:t>County-level</a:t>
+              <a:t>County Level</a:t>
             </a:r>
           </a:p>
         </p:txBody>
@@ -13117,11 +15742,14 @@
           <a:lstStyle/>
           <a:p>
             <a:r>
-              <a:rPr lang="en-US" sz="3700" dirty="0">
+              <a:rPr lang="en-US" sz="3700">
                 <a:latin typeface="Univers (body)"/>
               </a:rPr>
               <a:t>Five States with the Most COVID-19 Data</a:t>
             </a:r>
+            <a:endParaRPr lang="en-US" sz="3700" dirty="0">
+              <a:latin typeface="Univers (body)"/>
+            </a:endParaRPr>
           </a:p>
         </p:txBody>
       </p:sp>
@@ -13275,7 +15903,7 @@
           </p:nvPr>
         </p:nvPicPr>
         <p:blipFill rotWithShape="1">
-          <a:blip r:embed="rId2">
+          <a:blip r:embed="rId3">
             <a:extLst>
               <a:ext uri="{28A0092B-C50C-407E-A947-70E740481C1C}">
                 <a14:useLocalDpi xmlns:a14="http://schemas.microsoft.com/office/drawing/2010/main" val="0"/>
@@ -13437,7 +16065,7 @@
           </p:nvPr>
         </p:nvPicPr>
         <p:blipFill>
-          <a:blip r:embed="rId2">
+          <a:blip r:embed="rId3">
             <a:extLst>
               <a:ext uri="{28A0092B-C50C-407E-A947-70E740481C1C}">
                 <a14:useLocalDpi xmlns:a14="http://schemas.microsoft.com/office/drawing/2010/main" val="0"/>
@@ -13472,7 +16100,7 @@
           </p:nvPr>
         </p:nvPicPr>
         <p:blipFill>
-          <a:blip r:embed="rId3">
+          <a:blip r:embed="rId4">
             <a:extLst>
               <a:ext uri="{28A0092B-C50C-407E-A947-70E740481C1C}">
                 <a14:useLocalDpi xmlns:a14="http://schemas.microsoft.com/office/drawing/2010/main" val="0"/>
@@ -13569,7 +16197,7 @@
           </p:nvPr>
         </p:nvPicPr>
         <p:blipFill>
-          <a:blip r:embed="rId2">
+          <a:blip r:embed="rId3">
             <a:extLst>
               <a:ext uri="{28A0092B-C50C-407E-A947-70E740481C1C}">
                 <a14:useLocalDpi xmlns:a14="http://schemas.microsoft.com/office/drawing/2010/main" val="0"/>
@@ -13604,7 +16232,7 @@
           </p:nvPr>
         </p:nvPicPr>
         <p:blipFill>
-          <a:blip r:embed="rId3">
+          <a:blip r:embed="rId4">
             <a:extLst>
               <a:ext uri="{28A0092B-C50C-407E-A947-70E740481C1C}">
                 <a14:useLocalDpi xmlns:a14="http://schemas.microsoft.com/office/drawing/2010/main" val="0"/>
@@ -13701,7 +16329,7 @@
           </p:nvPr>
         </p:nvPicPr>
         <p:blipFill>
-          <a:blip r:embed="rId2">
+          <a:blip r:embed="rId3">
             <a:extLst>
               <a:ext uri="{28A0092B-C50C-407E-A947-70E740481C1C}">
                 <a14:useLocalDpi xmlns:a14="http://schemas.microsoft.com/office/drawing/2010/main" val="0"/>
@@ -13736,7 +16364,7 @@
           </p:nvPr>
         </p:nvPicPr>
         <p:blipFill>
-          <a:blip r:embed="rId3">
+          <a:blip r:embed="rId4">
             <a:extLst>
               <a:ext uri="{28A0092B-C50C-407E-A947-70E740481C1C}">
                 <a14:useLocalDpi xmlns:a14="http://schemas.microsoft.com/office/drawing/2010/main" val="0"/>
@@ -15792,4 +18420,299 @@
     </a:ext>
   </a:extLst>
 </a:theme>
+</file>
+
+<file path=ppt/theme/theme2.xml><?xml version="1.0" encoding="utf-8"?>
+<a:theme xmlns:a="http://schemas.openxmlformats.org/drawingml/2006/main" name="Office Theme">
+  <a:themeElements>
+    <a:clrScheme name="Office">
+      <a:dk1>
+        <a:sysClr val="windowText" lastClr="000000"/>
+      </a:dk1>
+      <a:lt1>
+        <a:sysClr val="window" lastClr="FFFFFF"/>
+      </a:lt1>
+      <a:dk2>
+        <a:srgbClr val="44546A"/>
+      </a:dk2>
+      <a:lt2>
+        <a:srgbClr val="E7E6E6"/>
+      </a:lt2>
+      <a:accent1>
+        <a:srgbClr val="4472C4"/>
+      </a:accent1>
+      <a:accent2>
+        <a:srgbClr val="ED7D31"/>
+      </a:accent2>
+      <a:accent3>
+        <a:srgbClr val="A5A5A5"/>
+      </a:accent3>
+      <a:accent4>
+        <a:srgbClr val="FFC000"/>
+      </a:accent4>
+      <a:accent5>
+        <a:srgbClr val="5B9BD5"/>
+      </a:accent5>
+      <a:accent6>
+        <a:srgbClr val="70AD47"/>
+      </a:accent6>
+      <a:hlink>
+        <a:srgbClr val="0563C1"/>
+      </a:hlink>
+      <a:folHlink>
+        <a:srgbClr val="954F72"/>
+      </a:folHlink>
+    </a:clrScheme>
+    <a:fontScheme name="Office">
+      <a:majorFont>
+        <a:latin typeface="Calibri Light" panose="020F0302020204030204"/>
+        <a:ea typeface=""/>
+        <a:cs typeface=""/>
+        <a:font script="Jpan" typeface="游ゴシック Light"/>
+        <a:font script="Hang" typeface="맑은 고딕"/>
+        <a:font script="Hans" typeface="等线 Light"/>
+        <a:font script="Hant" typeface="新細明體"/>
+        <a:font script="Arab" typeface="Times New Roman"/>
+        <a:font script="Hebr" typeface="Times New Roman"/>
+        <a:font script="Thai" typeface="Angsana New"/>
+        <a:font script="Ethi" typeface="Nyala"/>
+        <a:font script="Beng" typeface="Vrinda"/>
+        <a:font script="Gujr" typeface="Shruti"/>
+        <a:font script="Khmr" typeface="MoolBoran"/>
+        <a:font script="Knda" typeface="Tunga"/>
+        <a:font script="Guru" typeface="Raavi"/>
+        <a:font script="Cans" typeface="Euphemia"/>
+        <a:font script="Cher" typeface="Plantagenet Cherokee"/>
+        <a:font script="Yiii" typeface="Microsoft Yi Baiti"/>
+        <a:font script="Tibt" typeface="Microsoft Himalaya"/>
+        <a:font script="Thaa" typeface="MV Boli"/>
+        <a:font script="Deva" typeface="Mangal"/>
+        <a:font script="Telu" typeface="Gautami"/>
+        <a:font script="Taml" typeface="Latha"/>
+        <a:font script="Syrc" typeface="Estrangelo Edessa"/>
+        <a:font script="Orya" typeface="Kalinga"/>
+        <a:font script="Mlym" typeface="Kartika"/>
+        <a:font script="Laoo" typeface="DokChampa"/>
+        <a:font script="Sinh" typeface="Iskoola Pota"/>
+        <a:font script="Mong" typeface="Mongolian Baiti"/>
+        <a:font script="Viet" typeface="Times New Roman"/>
+        <a:font script="Uigh" typeface="Microsoft Uighur"/>
+        <a:font script="Geor" typeface="Sylfaen"/>
+        <a:font script="Armn" typeface="Arial"/>
+        <a:font script="Bugi" typeface="Leelawadee UI"/>
+        <a:font script="Bopo" typeface="Microsoft JhengHei"/>
+        <a:font script="Java" typeface="Javanese Text"/>
+        <a:font script="Lisu" typeface="Segoe UI"/>
+        <a:font script="Mymr" typeface="Myanmar Text"/>
+        <a:font script="Nkoo" typeface="Ebrima"/>
+        <a:font script="Olck" typeface="Nirmala UI"/>
+        <a:font script="Osma" typeface="Ebrima"/>
+        <a:font script="Phag" typeface="Phagspa"/>
+        <a:font script="Syrn" typeface="Estrangelo Edessa"/>
+        <a:font script="Syrj" typeface="Estrangelo Edessa"/>
+        <a:font script="Syre" typeface="Estrangelo Edessa"/>
+        <a:font script="Sora" typeface="Nirmala UI"/>
+        <a:font script="Tale" typeface="Microsoft Tai Le"/>
+        <a:font script="Talu" typeface="Microsoft New Tai Lue"/>
+        <a:font script="Tfng" typeface="Ebrima"/>
+      </a:majorFont>
+      <a:minorFont>
+        <a:latin typeface="Calibri" panose="020F0502020204030204"/>
+        <a:ea typeface=""/>
+        <a:cs typeface=""/>
+        <a:font script="Jpan" typeface="游ゴシック"/>
+        <a:font script="Hang" typeface="맑은 고딕"/>
+        <a:font script="Hans" typeface="等线"/>
+        <a:font script="Hant" typeface="新細明體"/>
+        <a:font script="Arab" typeface="Arial"/>
+        <a:font script="Hebr" typeface="Arial"/>
+        <a:font script="Thai" typeface="Cordia New"/>
+        <a:font script="Ethi" typeface="Nyala"/>
+        <a:font script="Beng" typeface="Vrinda"/>
+        <a:font script="Gujr" typeface="Shruti"/>
+        <a:font script="Khmr" typeface="DaunPenh"/>
+        <a:font script="Knda" typeface="Tunga"/>
+        <a:font script="Guru" typeface="Raavi"/>
+        <a:font script="Cans" typeface="Euphemia"/>
+        <a:font script="Cher" typeface="Plantagenet Cherokee"/>
+        <a:font script="Yiii" typeface="Microsoft Yi Baiti"/>
+        <a:font script="Tibt" typeface="Microsoft Himalaya"/>
+        <a:font script="Thaa" typeface="MV Boli"/>
+        <a:font script="Deva" typeface="Mangal"/>
+        <a:font script="Telu" typeface="Gautami"/>
+        <a:font script="Taml" typeface="Latha"/>
+        <a:font script="Syrc" typeface="Estrangelo Edessa"/>
+        <a:font script="Orya" typeface="Kalinga"/>
+        <a:font script="Mlym" typeface="Kartika"/>
+        <a:font script="Laoo" typeface="DokChampa"/>
+        <a:font script="Sinh" typeface="Iskoola Pota"/>
+        <a:font script="Mong" typeface="Mongolian Baiti"/>
+        <a:font script="Viet" typeface="Arial"/>
+        <a:font script="Uigh" typeface="Microsoft Uighur"/>
+        <a:font script="Geor" typeface="Sylfaen"/>
+        <a:font script="Armn" typeface="Arial"/>
+        <a:font script="Bugi" typeface="Leelawadee UI"/>
+        <a:font script="Bopo" typeface="Microsoft JhengHei"/>
+        <a:font script="Java" typeface="Javanese Text"/>
+        <a:font script="Lisu" typeface="Segoe UI"/>
+        <a:font script="Mymr" typeface="Myanmar Text"/>
+        <a:font script="Nkoo" typeface="Ebrima"/>
+        <a:font script="Olck" typeface="Nirmala UI"/>
+        <a:font script="Osma" typeface="Ebrima"/>
+        <a:font script="Phag" typeface="Phagspa"/>
+        <a:font script="Syrn" typeface="Estrangelo Edessa"/>
+        <a:font script="Syrj" typeface="Estrangelo Edessa"/>
+        <a:font script="Syre" typeface="Estrangelo Edessa"/>
+        <a:font script="Sora" typeface="Nirmala UI"/>
+        <a:font script="Tale" typeface="Microsoft Tai Le"/>
+        <a:font script="Talu" typeface="Microsoft New Tai Lue"/>
+        <a:font script="Tfng" typeface="Ebrima"/>
+      </a:minorFont>
+    </a:fontScheme>
+    <a:fmtScheme name="Office">
+      <a:fillStyleLst>
+        <a:solidFill>
+          <a:schemeClr val="phClr"/>
+        </a:solidFill>
+        <a:gradFill rotWithShape="1">
+          <a:gsLst>
+            <a:gs pos="0">
+              <a:schemeClr val="phClr">
+                <a:lumMod val="110000"/>
+                <a:satMod val="105000"/>
+                <a:tint val="67000"/>
+              </a:schemeClr>
+            </a:gs>
+            <a:gs pos="50000">
+              <a:schemeClr val="phClr">
+                <a:lumMod val="105000"/>
+                <a:satMod val="103000"/>
+                <a:tint val="73000"/>
+              </a:schemeClr>
+            </a:gs>
+            <a:gs pos="100000">
+              <a:schemeClr val="phClr">
+                <a:lumMod val="105000"/>
+                <a:satMod val="109000"/>
+                <a:tint val="81000"/>
+              </a:schemeClr>
+            </a:gs>
+          </a:gsLst>
+          <a:lin ang="5400000" scaled="0"/>
+        </a:gradFill>
+        <a:gradFill rotWithShape="1">
+          <a:gsLst>
+            <a:gs pos="0">
+              <a:schemeClr val="phClr">
+                <a:satMod val="103000"/>
+                <a:lumMod val="102000"/>
+                <a:tint val="94000"/>
+              </a:schemeClr>
+            </a:gs>
+            <a:gs pos="50000">
+              <a:schemeClr val="phClr">
+                <a:satMod val="110000"/>
+                <a:lumMod val="100000"/>
+                <a:shade val="100000"/>
+              </a:schemeClr>
+            </a:gs>
+            <a:gs pos="100000">
+              <a:schemeClr val="phClr">
+                <a:lumMod val="99000"/>
+                <a:satMod val="120000"/>
+                <a:shade val="78000"/>
+              </a:schemeClr>
+            </a:gs>
+          </a:gsLst>
+          <a:lin ang="5400000" scaled="0"/>
+        </a:gradFill>
+      </a:fillStyleLst>
+      <a:lnStyleLst>
+        <a:ln w="6350" cap="flat" cmpd="sng" algn="ctr">
+          <a:solidFill>
+            <a:schemeClr val="phClr"/>
+          </a:solidFill>
+          <a:prstDash val="solid"/>
+          <a:miter lim="800000"/>
+        </a:ln>
+        <a:ln w="12700" cap="flat" cmpd="sng" algn="ctr">
+          <a:solidFill>
+            <a:schemeClr val="phClr"/>
+          </a:solidFill>
+          <a:prstDash val="solid"/>
+          <a:miter lim="800000"/>
+        </a:ln>
+        <a:ln w="19050" cap="flat" cmpd="sng" algn="ctr">
+          <a:solidFill>
+            <a:schemeClr val="phClr"/>
+          </a:solidFill>
+          <a:prstDash val="solid"/>
+          <a:miter lim="800000"/>
+        </a:ln>
+      </a:lnStyleLst>
+      <a:effectStyleLst>
+        <a:effectStyle>
+          <a:effectLst/>
+        </a:effectStyle>
+        <a:effectStyle>
+          <a:effectLst/>
+        </a:effectStyle>
+        <a:effectStyle>
+          <a:effectLst>
+            <a:outerShdw blurRad="57150" dist="19050" dir="5400000" algn="ctr" rotWithShape="0">
+              <a:srgbClr val="000000">
+                <a:alpha val="63000"/>
+              </a:srgbClr>
+            </a:outerShdw>
+          </a:effectLst>
+        </a:effectStyle>
+      </a:effectStyleLst>
+      <a:bgFillStyleLst>
+        <a:solidFill>
+          <a:schemeClr val="phClr"/>
+        </a:solidFill>
+        <a:solidFill>
+          <a:schemeClr val="phClr">
+            <a:tint val="95000"/>
+            <a:satMod val="170000"/>
+          </a:schemeClr>
+        </a:solidFill>
+        <a:gradFill rotWithShape="1">
+          <a:gsLst>
+            <a:gs pos="0">
+              <a:schemeClr val="phClr">
+                <a:tint val="93000"/>
+                <a:satMod val="150000"/>
+                <a:shade val="98000"/>
+                <a:lumMod val="102000"/>
+              </a:schemeClr>
+            </a:gs>
+            <a:gs pos="50000">
+              <a:schemeClr val="phClr">
+                <a:tint val="98000"/>
+                <a:satMod val="130000"/>
+                <a:shade val="90000"/>
+                <a:lumMod val="103000"/>
+              </a:schemeClr>
+            </a:gs>
+            <a:gs pos="100000">
+              <a:schemeClr val="phClr">
+                <a:shade val="63000"/>
+                <a:satMod val="120000"/>
+              </a:schemeClr>
+            </a:gs>
+          </a:gsLst>
+          <a:lin ang="5400000" scaled="0"/>
+        </a:gradFill>
+      </a:bgFillStyleLst>
+    </a:fmtScheme>
+  </a:themeElements>
+  <a:objectDefaults/>
+  <a:extraClrSchemeLst/>
+  <a:extLst>
+    <a:ext uri="{05A4C25C-085E-4340-85A3-A5531E510DB2}">
+      <thm15:themeFamily xmlns:thm15="http://schemas.microsoft.com/office/thememl/2012/main" name="Office Theme" id="{62F939B6-93AF-4DB8-9C6B-D6C7DFDC589F}" vid="{4A3C46E8-61CC-4603-A589-7422A47A8E4A}"/>
+    </a:ext>
+  </a:extLst>
+</a:theme>
 </file>
--- a/2020_10_30_covid_usa_analysis.pptx
+++ b/2020_10_30_covid_usa_analysis.pptx
@@ -13,7 +13,7 @@
     <p:sldId id="258" r:id="rId4"/>
     <p:sldId id="259" r:id="rId5"/>
     <p:sldId id="260" r:id="rId6"/>
-    <p:sldId id="261" r:id="rId7"/>
+    <p:sldId id="307" r:id="rId7"/>
     <p:sldId id="262" r:id="rId8"/>
     <p:sldId id="263" r:id="rId9"/>
     <p:sldId id="265" r:id="rId10"/>
@@ -1668,7 +1668,8 @@
           </a:pPr>
           <a:r>
             <a:rPr lang="en-US" dirty="0">
-              <a:latin typeface="Univers (body)"/>
+              <a:latin typeface="Gill Sans MT" panose="020B0502020104020203" pitchFamily="34" charset="0"/>
+              <a:cs typeface="Helvetica" panose="020B0604020202020204" pitchFamily="34" charset="0"/>
             </a:rPr>
             <a:t>Data collection</a:t>
           </a:r>
@@ -1712,7 +1713,8 @@
           </a:pPr>
           <a:r>
             <a:rPr lang="en-US" dirty="0">
-              <a:latin typeface="Univers (body)"/>
+              <a:latin typeface="Gill Sans MT" panose="020B0502020104020203" pitchFamily="34" charset="0"/>
+              <a:cs typeface="Helvetica" panose="020B0604020202020204" pitchFamily="34" charset="0"/>
             </a:rPr>
             <a:t>Data pre-processing</a:t>
           </a:r>
@@ -1756,7 +1758,8 @@
           </a:pPr>
           <a:r>
             <a:rPr lang="en-US" dirty="0">
-              <a:latin typeface="Univers (body)"/>
+              <a:latin typeface="Gill Sans MT" panose="020B0502020104020203" pitchFamily="34" charset="0"/>
+              <a:cs typeface="Helvetica" panose="020B0604020202020204" pitchFamily="34" charset="0"/>
             </a:rPr>
             <a:t>Data visualization</a:t>
           </a:r>
@@ -1800,7 +1803,8 @@
           </a:pPr>
           <a:r>
             <a:rPr lang="en-US" dirty="0">
-              <a:latin typeface="Univers (body)"/>
+              <a:latin typeface="Gill Sans MT" panose="020B0502020104020203" pitchFamily="34" charset="0"/>
+              <a:cs typeface="Helvetica" panose="020B0604020202020204" pitchFamily="34" charset="0"/>
             </a:rPr>
             <a:t>Modeling</a:t>
           </a:r>
@@ -1844,7 +1848,8 @@
           </a:pPr>
           <a:r>
             <a:rPr lang="en-US" dirty="0">
-              <a:latin typeface="Univers (body)"/>
+              <a:latin typeface="Gill Sans MT" panose="020B0502020104020203" pitchFamily="34" charset="0"/>
+              <a:cs typeface="Helvetica" panose="020B0604020202020204" pitchFamily="34" charset="0"/>
             </a:rPr>
             <a:t>Making the data interactive</a:t>
           </a:r>
@@ -2050,7 +2055,7 @@
       <dgm:spPr/>
     </dgm:pt>
     <dgm:pt modelId="{C9F3C664-E987-44C9-A19B-592A64CECC04}" type="pres">
-      <dgm:prSet presAssocID="{F620037C-0281-453E-94B2-4089F0C0875F}" presName="textRect" presStyleLbl="revTx" presStyleIdx="2" presStyleCnt="5">
+      <dgm:prSet presAssocID="{F620037C-0281-453E-94B2-4089F0C0875F}" presName="textRect" presStyleLbl="revTx" presStyleIdx="2" presStyleCnt="5" custScaleX="108163">
         <dgm:presLayoutVars>
           <dgm:chMax val="1"/>
           <dgm:chPref val="1"/>
@@ -2254,7 +2259,7 @@
         <a:p>
           <a:r>
             <a:rPr lang="en-US" dirty="0">
-              <a:latin typeface="Univers (body)"/>
+              <a:latin typeface="Gill Sans MT" panose="020B0502020104020203" pitchFamily="34" charset="0"/>
             </a:rPr>
             <a:t>Ongoing event</a:t>
           </a:r>
@@ -2292,7 +2297,7 @@
         <a:p>
           <a:r>
             <a:rPr lang="en-US" dirty="0">
-              <a:latin typeface="Univers (body)"/>
+              <a:latin typeface="Gill Sans MT" panose="020B0502020104020203" pitchFamily="34" charset="0"/>
             </a:rPr>
             <a:t>Widely varying data</a:t>
           </a:r>
@@ -2330,7 +2335,7 @@
         <a:p>
           <a:r>
             <a:rPr lang="en-US" dirty="0">
-              <a:latin typeface="Univers (body)"/>
+              <a:latin typeface="Gill Sans MT" panose="020B0502020104020203" pitchFamily="34" charset="0"/>
             </a:rPr>
             <a:t>More features</a:t>
           </a:r>
@@ -2557,8 +2562,8 @@
       </dsp:nvSpPr>
       <dsp:spPr>
         <a:xfrm>
-          <a:off x="358820" y="1098761"/>
-          <a:ext cx="1098000" cy="1098000"/>
+          <a:off x="350143" y="1112472"/>
+          <a:ext cx="1084060" cy="1084060"/>
         </a:xfrm>
         <a:prstGeom prst="round2DiagRect">
           <a:avLst>
@@ -2599,8 +2604,8 @@
       </dsp:nvSpPr>
       <dsp:spPr>
         <a:xfrm>
-          <a:off x="592820" y="1332762"/>
-          <a:ext cx="630000" cy="630000"/>
+          <a:off x="581172" y="1343502"/>
+          <a:ext cx="622001" cy="622001"/>
         </a:xfrm>
         <a:prstGeom prst="rect">
           <a:avLst/>
@@ -2649,8 +2654,8 @@
       </dsp:nvSpPr>
       <dsp:spPr>
         <a:xfrm>
-          <a:off x="7820" y="2538762"/>
-          <a:ext cx="1800000" cy="720000"/>
+          <a:off x="3599" y="2534191"/>
+          <a:ext cx="1777148" cy="710859"/>
         </a:xfrm>
         <a:prstGeom prst="rect">
           <a:avLst/>
@@ -2679,7 +2684,7 @@
         </a:bodyPr>
         <a:lstStyle/>
         <a:p>
-          <a:pPr marL="0" lvl="0" indent="0" algn="ctr" defTabSz="755650">
+          <a:pPr marL="0" lvl="0" indent="0" algn="ctr" defTabSz="844550">
             <a:lnSpc>
               <a:spcPct val="100000"/>
             </a:lnSpc>
@@ -2693,16 +2698,17 @@
             <a:defRPr cap="all"/>
           </a:pPr>
           <a:r>
-            <a:rPr lang="en-US" sz="1700" kern="1200" dirty="0">
-              <a:latin typeface="Univers (body)"/>
+            <a:rPr lang="en-US" sz="1900" kern="1200" dirty="0">
+              <a:latin typeface="Gill Sans MT" panose="020B0502020104020203" pitchFamily="34" charset="0"/>
+              <a:cs typeface="Helvetica" panose="020B0604020202020204" pitchFamily="34" charset="0"/>
             </a:rPr>
             <a:t>Data collection</a:t>
           </a:r>
         </a:p>
       </dsp:txBody>
       <dsp:txXfrm>
-        <a:off x="7820" y="2538762"/>
-        <a:ext cx="1800000" cy="720000"/>
+        <a:off x="3599" y="2534191"/>
+        <a:ext cx="1777148" cy="710859"/>
       </dsp:txXfrm>
     </dsp:sp>
     <dsp:sp modelId="{CC7D7C23-062C-4A58-AE08-DBF5082B28D5}">
@@ -2712,8 +2718,8 @@
       </dsp:nvSpPr>
       <dsp:spPr>
         <a:xfrm>
-          <a:off x="2473820" y="1098761"/>
-          <a:ext cx="1098000" cy="1098000"/>
+          <a:off x="2438292" y="1112472"/>
+          <a:ext cx="1084060" cy="1084060"/>
         </a:xfrm>
         <a:prstGeom prst="round2DiagRect">
           <a:avLst>
@@ -2754,8 +2760,8 @@
       </dsp:nvSpPr>
       <dsp:spPr>
         <a:xfrm>
-          <a:off x="2707820" y="1332762"/>
-          <a:ext cx="630000" cy="630000"/>
+          <a:off x="2669321" y="1343502"/>
+          <a:ext cx="622001" cy="622001"/>
         </a:xfrm>
         <a:prstGeom prst="rect">
           <a:avLst/>
@@ -2804,8 +2810,8 @@
       </dsp:nvSpPr>
       <dsp:spPr>
         <a:xfrm>
-          <a:off x="2122820" y="2538762"/>
-          <a:ext cx="1800000" cy="720000"/>
+          <a:off x="2091748" y="2534191"/>
+          <a:ext cx="1777148" cy="710859"/>
         </a:xfrm>
         <a:prstGeom prst="rect">
           <a:avLst/>
@@ -2834,7 +2840,7 @@
         </a:bodyPr>
         <a:lstStyle/>
         <a:p>
-          <a:pPr marL="0" lvl="0" indent="0" algn="ctr" defTabSz="755650">
+          <a:pPr marL="0" lvl="0" indent="0" algn="ctr" defTabSz="844550">
             <a:lnSpc>
               <a:spcPct val="100000"/>
             </a:lnSpc>
@@ -2848,16 +2854,17 @@
             <a:defRPr cap="all"/>
           </a:pPr>
           <a:r>
-            <a:rPr lang="en-US" sz="1700" kern="1200" dirty="0">
-              <a:latin typeface="Univers (body)"/>
+            <a:rPr lang="en-US" sz="1900" kern="1200" dirty="0">
+              <a:latin typeface="Gill Sans MT" panose="020B0502020104020203" pitchFamily="34" charset="0"/>
+              <a:cs typeface="Helvetica" panose="020B0604020202020204" pitchFamily="34" charset="0"/>
             </a:rPr>
             <a:t>Data pre-processing</a:t>
           </a:r>
         </a:p>
       </dsp:txBody>
       <dsp:txXfrm>
-        <a:off x="2122820" y="2538762"/>
-        <a:ext cx="1800000" cy="720000"/>
+        <a:off x="2091748" y="2534191"/>
+        <a:ext cx="1777148" cy="710859"/>
       </dsp:txXfrm>
     </dsp:sp>
     <dsp:sp modelId="{65A999DF-3975-4A2D-A281-87AAD13C3181}">
@@ -2867,8 +2874,8 @@
       </dsp:nvSpPr>
       <dsp:spPr>
         <a:xfrm>
-          <a:off x="4588820" y="1098761"/>
-          <a:ext cx="1098000" cy="1098000"/>
+          <a:off x="4598976" y="1112472"/>
+          <a:ext cx="1084060" cy="1084060"/>
         </a:xfrm>
         <a:prstGeom prst="round2DiagRect">
           <a:avLst>
@@ -2909,8 +2916,8 @@
       </dsp:nvSpPr>
       <dsp:spPr>
         <a:xfrm>
-          <a:off x="4822820" y="1332762"/>
-          <a:ext cx="630000" cy="630000"/>
+          <a:off x="4830005" y="1343502"/>
+          <a:ext cx="622001" cy="622001"/>
         </a:xfrm>
         <a:prstGeom prst="rect">
           <a:avLst/>
@@ -2959,8 +2966,8 @@
       </dsp:nvSpPr>
       <dsp:spPr>
         <a:xfrm>
-          <a:off x="4237820" y="2538762"/>
-          <a:ext cx="1800000" cy="720000"/>
+          <a:off x="4179898" y="2534191"/>
+          <a:ext cx="1922217" cy="710859"/>
         </a:xfrm>
         <a:prstGeom prst="rect">
           <a:avLst/>
@@ -2989,7 +2996,7 @@
         </a:bodyPr>
         <a:lstStyle/>
         <a:p>
-          <a:pPr marL="0" lvl="0" indent="0" algn="ctr" defTabSz="755650">
+          <a:pPr marL="0" lvl="0" indent="0" algn="ctr" defTabSz="844550">
             <a:lnSpc>
               <a:spcPct val="100000"/>
             </a:lnSpc>
@@ -3003,16 +3010,17 @@
             <a:defRPr cap="all"/>
           </a:pPr>
           <a:r>
-            <a:rPr lang="en-US" sz="1700" kern="1200" dirty="0">
-              <a:latin typeface="Univers (body)"/>
+            <a:rPr lang="en-US" sz="1900" kern="1200" dirty="0">
+              <a:latin typeface="Gill Sans MT" panose="020B0502020104020203" pitchFamily="34" charset="0"/>
+              <a:cs typeface="Helvetica" panose="020B0604020202020204" pitchFamily="34" charset="0"/>
             </a:rPr>
             <a:t>Data visualization</a:t>
           </a:r>
         </a:p>
       </dsp:txBody>
       <dsp:txXfrm>
-        <a:off x="4237820" y="2538762"/>
-        <a:ext cx="1800000" cy="720000"/>
+        <a:off x="4179898" y="2534191"/>
+        <a:ext cx="1922217" cy="710859"/>
       </dsp:txXfrm>
     </dsp:sp>
     <dsp:sp modelId="{D783012D-4018-4D8E-9A6E-76F65253A49E}">
@@ -3022,8 +3030,8 @@
       </dsp:nvSpPr>
       <dsp:spPr>
         <a:xfrm>
-          <a:off x="6703820" y="1098761"/>
-          <a:ext cx="1098000" cy="1098000"/>
+          <a:off x="6759659" y="1112472"/>
+          <a:ext cx="1084060" cy="1084060"/>
         </a:xfrm>
         <a:prstGeom prst="round2DiagRect">
           <a:avLst>
@@ -3064,8 +3072,8 @@
       </dsp:nvSpPr>
       <dsp:spPr>
         <a:xfrm>
-          <a:off x="6937820" y="1332762"/>
-          <a:ext cx="630000" cy="630000"/>
+          <a:off x="6990689" y="1343502"/>
+          <a:ext cx="622001" cy="622001"/>
         </a:xfrm>
         <a:prstGeom prst="rect">
           <a:avLst/>
@@ -3114,8 +3122,8 @@
       </dsp:nvSpPr>
       <dsp:spPr>
         <a:xfrm>
-          <a:off x="6352820" y="2538762"/>
-          <a:ext cx="1800000" cy="720000"/>
+          <a:off x="6413116" y="2534191"/>
+          <a:ext cx="1777148" cy="710859"/>
         </a:xfrm>
         <a:prstGeom prst="rect">
           <a:avLst/>
@@ -3144,7 +3152,7 @@
         </a:bodyPr>
         <a:lstStyle/>
         <a:p>
-          <a:pPr marL="0" lvl="0" indent="0" algn="ctr" defTabSz="755650">
+          <a:pPr marL="0" lvl="0" indent="0" algn="ctr" defTabSz="844550">
             <a:lnSpc>
               <a:spcPct val="100000"/>
             </a:lnSpc>
@@ -3158,16 +3166,17 @@
             <a:defRPr cap="all"/>
           </a:pPr>
           <a:r>
-            <a:rPr lang="en-US" sz="1700" kern="1200" dirty="0">
-              <a:latin typeface="Univers (body)"/>
+            <a:rPr lang="en-US" sz="1900" kern="1200" dirty="0">
+              <a:latin typeface="Gill Sans MT" panose="020B0502020104020203" pitchFamily="34" charset="0"/>
+              <a:cs typeface="Helvetica" panose="020B0604020202020204" pitchFamily="34" charset="0"/>
             </a:rPr>
             <a:t>Modeling</a:t>
           </a:r>
         </a:p>
       </dsp:txBody>
       <dsp:txXfrm>
-        <a:off x="6352820" y="2538762"/>
-        <a:ext cx="1800000" cy="720000"/>
+        <a:off x="6413116" y="2534191"/>
+        <a:ext cx="1777148" cy="710859"/>
       </dsp:txXfrm>
     </dsp:sp>
     <dsp:sp modelId="{42C7F83F-375E-4271-BF36-45E0516EC870}">
@@ -3177,8 +3186,8 @@
       </dsp:nvSpPr>
       <dsp:spPr>
         <a:xfrm>
-          <a:off x="9069821" y="1098761"/>
-          <a:ext cx="1098000" cy="1098000"/>
+          <a:off x="9095623" y="1112472"/>
+          <a:ext cx="1084060" cy="1084060"/>
         </a:xfrm>
         <a:prstGeom prst="round2DiagRect">
           <a:avLst>
@@ -3219,8 +3228,8 @@
       </dsp:nvSpPr>
       <dsp:spPr>
         <a:xfrm>
-          <a:off x="9303821" y="1332761"/>
-          <a:ext cx="630000" cy="630000"/>
+          <a:off x="9326653" y="1343502"/>
+          <a:ext cx="622001" cy="622001"/>
         </a:xfrm>
         <a:prstGeom prst="rect">
           <a:avLst/>
@@ -3269,8 +3278,8 @@
       </dsp:nvSpPr>
       <dsp:spPr>
         <a:xfrm>
-          <a:off x="8467820" y="2538762"/>
-          <a:ext cx="2302001" cy="720000"/>
+          <a:off x="8501265" y="2534191"/>
+          <a:ext cx="2272777" cy="710859"/>
         </a:xfrm>
         <a:prstGeom prst="rect">
           <a:avLst/>
@@ -3299,7 +3308,7 @@
         </a:bodyPr>
         <a:lstStyle/>
         <a:p>
-          <a:pPr marL="0" lvl="0" indent="0" algn="ctr" defTabSz="755650">
+          <a:pPr marL="0" lvl="0" indent="0" algn="ctr" defTabSz="844550">
             <a:lnSpc>
               <a:spcPct val="100000"/>
             </a:lnSpc>
@@ -3313,16 +3322,17 @@
             <a:defRPr cap="all"/>
           </a:pPr>
           <a:r>
-            <a:rPr lang="en-US" sz="1700" kern="1200" dirty="0">
-              <a:latin typeface="Univers (body)"/>
+            <a:rPr lang="en-US" sz="1900" kern="1200" dirty="0">
+              <a:latin typeface="Gill Sans MT" panose="020B0502020104020203" pitchFamily="34" charset="0"/>
+              <a:cs typeface="Helvetica" panose="020B0604020202020204" pitchFamily="34" charset="0"/>
             </a:rPr>
             <a:t>Making the data interactive</a:t>
           </a:r>
         </a:p>
       </dsp:txBody>
       <dsp:txXfrm>
-        <a:off x="8467820" y="2538762"/>
-        <a:ext cx="2302001" cy="720000"/>
+        <a:off x="8501265" y="2534191"/>
+        <a:ext cx="2272777" cy="710859"/>
       </dsp:txXfrm>
     </dsp:sp>
   </dsp:spTree>
@@ -3422,7 +3432,7 @@
         </a:bodyPr>
         <a:lstStyle/>
         <a:p>
-          <a:pPr marL="0" lvl="0" indent="0" algn="ctr" defTabSz="1200150">
+          <a:pPr marL="0" lvl="0" indent="0" algn="ctr" defTabSz="1422400">
             <a:lnSpc>
               <a:spcPct val="90000"/>
             </a:lnSpc>
@@ -3435,8 +3445,8 @@
             <a:buNone/>
           </a:pPr>
           <a:r>
-            <a:rPr lang="en-US" sz="2700" kern="1200" dirty="0">
-              <a:latin typeface="Univers (body)"/>
+            <a:rPr lang="en-US" sz="3200" kern="1200" dirty="0">
+              <a:latin typeface="Gill Sans MT" panose="020B0502020104020203" pitchFamily="34" charset="0"/>
             </a:rPr>
             <a:t>Ongoing event</a:t>
           </a:r>
@@ -3535,7 +3545,7 @@
         </a:bodyPr>
         <a:lstStyle/>
         <a:p>
-          <a:pPr marL="0" lvl="0" indent="0" algn="ctr" defTabSz="1200150">
+          <a:pPr marL="0" lvl="0" indent="0" algn="ctr" defTabSz="1422400">
             <a:lnSpc>
               <a:spcPct val="90000"/>
             </a:lnSpc>
@@ -3548,8 +3558,8 @@
             <a:buNone/>
           </a:pPr>
           <a:r>
-            <a:rPr lang="en-US" sz="2700" kern="1200" dirty="0">
-              <a:latin typeface="Univers (body)"/>
+            <a:rPr lang="en-US" sz="3200" kern="1200" dirty="0">
+              <a:latin typeface="Gill Sans MT" panose="020B0502020104020203" pitchFamily="34" charset="0"/>
             </a:rPr>
             <a:t>Widely varying data</a:t>
           </a:r>
@@ -3645,7 +3655,7 @@
         </a:bodyPr>
         <a:lstStyle/>
         <a:p>
-          <a:pPr marL="0" lvl="0" indent="0" algn="ctr" defTabSz="1200150">
+          <a:pPr marL="0" lvl="0" indent="0" algn="ctr" defTabSz="1422400">
             <a:lnSpc>
               <a:spcPct val="90000"/>
             </a:lnSpc>
@@ -3658,8 +3668,8 @@
             <a:buNone/>
           </a:pPr>
           <a:r>
-            <a:rPr lang="en-US" sz="2700" kern="1200" dirty="0">
-              <a:latin typeface="Univers (body)"/>
+            <a:rPr lang="en-US" sz="3200" kern="1200" dirty="0">
+              <a:latin typeface="Gill Sans MT" panose="020B0502020104020203" pitchFamily="34" charset="0"/>
             </a:rPr>
             <a:t>More features</a:t>
           </a:r>
@@ -7368,7 +7378,7 @@
     </p:spTree>
     <p:extLst>
       <p:ext uri="{BB962C8B-B14F-4D97-AF65-F5344CB8AC3E}">
-        <p14:creationId xmlns:p14="http://schemas.microsoft.com/office/powerpoint/2010/main" val="2308785442"/>
+        <p14:creationId xmlns:p14="http://schemas.microsoft.com/office/powerpoint/2010/main" val="1201635134"/>
       </p:ext>
     </p:extLst>
   </p:cSld>
@@ -10940,7 +10950,7 @@
         <p:spPr>
           <a:xfrm>
             <a:off x="477980" y="1220388"/>
-            <a:ext cx="4738453" cy="3204134"/>
+            <a:ext cx="4224649" cy="3204134"/>
           </a:xfrm>
         </p:spPr>
         <p:txBody>
@@ -10952,8 +10962,8 @@
             <a:pPr algn="l"/>
             <a:r>
               <a:rPr lang="en-US" sz="4800" dirty="0">
-                <a:latin typeface="Univers (body)"/>
-                <a:cs typeface="Arial" panose="020B0604020202020204" pitchFamily="34" charset="0"/>
+                <a:latin typeface="Gill Sans MT" panose="020B0502020104020203" pitchFamily="34" charset="0"/>
+                <a:cs typeface="Helvetica" panose="020B0604020202020204" pitchFamily="34" charset="0"/>
               </a:rPr>
               <a:t>Predicting COVID-19 Using Demographic Data</a:t>
             </a:r>
@@ -11163,8 +11173,8 @@
             <a:pPr algn="l"/>
             <a:r>
               <a:rPr lang="en-US" sz="2000" dirty="0">
-                <a:latin typeface="Univers (body)"/>
-                <a:cs typeface="Arial" panose="020B0604020202020204" pitchFamily="34" charset="0"/>
+                <a:latin typeface="Gill Sans MT" panose="020B0502020104020203" pitchFamily="34" charset="0"/>
+                <a:cs typeface="Helvetica" panose="020B0604020202020204" pitchFamily="34" charset="0"/>
               </a:rPr>
               <a:t>Caroline Clark, Feras Atwal, James Lee</a:t>
             </a:r>
@@ -11173,22 +11183,22 @@
             <a:pPr algn="l"/>
             <a:r>
               <a:rPr lang="en-US" sz="2000" dirty="0">
-                <a:latin typeface="Univers (body)"/>
-                <a:cs typeface="Arial" panose="020B0604020202020204" pitchFamily="34" charset="0"/>
+                <a:latin typeface="Gill Sans MT" panose="020B0502020104020203" pitchFamily="34" charset="0"/>
+                <a:cs typeface="Helvetica" panose="020B0604020202020204" pitchFamily="34" charset="0"/>
               </a:rPr>
               <a:t>October 30</a:t>
             </a:r>
             <a:r>
               <a:rPr lang="en-US" sz="2000" baseline="30000" dirty="0">
-                <a:latin typeface="Univers (body)"/>
-                <a:cs typeface="Arial" panose="020B0604020202020204" pitchFamily="34" charset="0"/>
+                <a:latin typeface="Gill Sans MT" panose="020B0502020104020203" pitchFamily="34" charset="0"/>
+                <a:cs typeface="Helvetica" panose="020B0604020202020204" pitchFamily="34" charset="0"/>
               </a:rPr>
               <a:t>th</a:t>
             </a:r>
             <a:r>
               <a:rPr lang="en-US" sz="2000" dirty="0">
-                <a:latin typeface="Univers (body)"/>
-                <a:cs typeface="Arial" panose="020B0604020202020204" pitchFamily="34" charset="0"/>
+                <a:latin typeface="Gill Sans MT" panose="020B0502020104020203" pitchFamily="34" charset="0"/>
+                <a:cs typeface="Helvetica" panose="020B0604020202020204" pitchFamily="34" charset="0"/>
               </a:rPr>
               <a:t>, 2020</a:t>
             </a:r>
@@ -11244,13 +11254,13 @@
         <p:spPr/>
         <p:txBody>
           <a:bodyPr>
-            <a:normAutofit fontScale="90000"/>
+            <a:normAutofit/>
           </a:bodyPr>
           <a:lstStyle/>
           <a:p>
             <a:r>
-              <a:rPr lang="en-US" dirty="0">
-                <a:latin typeface="Univers (body)"/>
+              <a:rPr lang="en-US" sz="4000" dirty="0">
+                <a:latin typeface="Gill Sans MT" panose="020B0502020104020203" pitchFamily="34" charset="0"/>
               </a:rPr>
               <a:t>Population Density and Income Strongest Factors when Modeling All Five States</a:t>
             </a:r>
@@ -11387,7 +11397,7 @@
           <a:p>
             <a:r>
               <a:rPr lang="en-US" sz="4000" dirty="0">
-                <a:latin typeface="Univers (body)"/>
+                <a:latin typeface="Gill Sans MT" panose="020B0502020104020203" pitchFamily="34" charset="0"/>
               </a:rPr>
               <a:t>Predictors Varied in State-Level Models</a:t>
             </a:r>
@@ -11531,8 +11541,8 @@
           <a:lstStyle/>
           <a:p>
             <a:r>
-              <a:rPr lang="en-US" sz="5400" dirty="0">
-                <a:latin typeface="Univers (body)"/>
+              <a:rPr lang="en-US" sz="4000" dirty="0">
+                <a:latin typeface="Gill Sans MT" panose="020B0502020104020203" pitchFamily="34" charset="0"/>
               </a:rPr>
               <a:t>Conclusions and Key Challenges</a:t>
             </a:r>
@@ -11634,7 +11644,7 @@
             <p:ph idx="1"/>
             <p:extLst>
               <p:ext uri="{D42A27DB-BD31-4B8C-83A1-F6EECF244321}">
-                <p14:modId xmlns:p14="http://schemas.microsoft.com/office/powerpoint/2010/main" val="1933739201"/>
+                <p14:modId xmlns:p14="http://schemas.microsoft.com/office/powerpoint/2010/main" val="2191828451"/>
               </p:ext>
             </p:extLst>
           </p:nvPr>
@@ -11765,26 +11775,23 @@
         </p:nvSpPr>
         <p:spPr>
           <a:xfrm>
-            <a:off x="5293995" y="1553667"/>
+            <a:off x="5386203" y="1653559"/>
             <a:ext cx="5998840" cy="3343135"/>
           </a:xfrm>
           <a:noFill/>
         </p:spPr>
         <p:txBody>
-          <a:bodyPr vert="horz" lIns="91440" tIns="45720" rIns="91440" bIns="45720" rtlCol="0" anchor="b">
-            <a:normAutofit fontScale="90000"/>
+          <a:bodyPr vert="horz" lIns="91440" tIns="45720" rIns="91440" bIns="45720" rtlCol="0" anchor="ctr">
+            <a:normAutofit/>
           </a:bodyPr>
           <a:lstStyle/>
           <a:p>
             <a:r>
-              <a:rPr lang="en-US" sz="5200">
-                <a:latin typeface="Univers (body)"/>
+              <a:rPr lang="en-US" sz="4600" dirty="0">
+                <a:latin typeface="Gill Sans MT" panose="020B0502020104020203" pitchFamily="34" charset="0"/>
               </a:rPr>
               <a:t>Demo: Interacting with Demographic Data and Classification Model</a:t>
             </a:r>
-            <a:endParaRPr lang="en-US" sz="5200" dirty="0">
-              <a:latin typeface="Univers (body)"/>
-            </a:endParaRPr>
           </a:p>
         </p:txBody>
       </p:sp>
@@ -12344,13 +12351,11 @@
           <a:p>
             <a:pPr algn="ctr"/>
             <a:r>
-              <a:rPr lang="en-US" sz="7200" kern="1200">
+              <a:rPr lang="en-US" sz="5800" kern="1200" dirty="0">
                 <a:solidFill>
                   <a:schemeClr val="tx1"/>
                 </a:solidFill>
-                <a:latin typeface="+mj-lt"/>
-                <a:ea typeface="+mj-ea"/>
-                <a:cs typeface="+mj-cs"/>
+                <a:latin typeface="Gill Sans MT" panose="020B0502020104020203" pitchFamily="34" charset="0"/>
               </a:rPr>
               <a:t>Thank you</a:t>
             </a:r>
@@ -12502,7 +12507,7 @@
           <a:p>
             <a:r>
               <a:rPr lang="en-US" dirty="0">
-                <a:latin typeface="Univers (body)"/>
+                <a:latin typeface="Gill Sans MT" panose="020B0502020104020203" pitchFamily="34" charset="0"/>
               </a:rPr>
               <a:t>Appendix</a:t>
             </a:r>
@@ -12557,12 +12562,14 @@
         </p:nvSpPr>
         <p:spPr/>
         <p:txBody>
-          <a:bodyPr/>
+          <a:bodyPr>
+            <a:normAutofit/>
+          </a:bodyPr>
           <a:lstStyle/>
           <a:p>
             <a:r>
-              <a:rPr lang="en-US" dirty="0">
-                <a:latin typeface="Univers (body)"/>
+              <a:rPr lang="en-US" sz="4000" dirty="0">
+                <a:latin typeface="Gill Sans MT" panose="020B0502020104020203" pitchFamily="34" charset="0"/>
               </a:rPr>
               <a:t>In California, Testing and Race Emerged as Strongest Predictors</a:t>
             </a:r>
@@ -12687,12 +12694,14 @@
         </p:nvSpPr>
         <p:spPr/>
         <p:txBody>
-          <a:bodyPr/>
+          <a:bodyPr>
+            <a:normAutofit/>
+          </a:bodyPr>
           <a:lstStyle/>
           <a:p>
             <a:r>
-              <a:rPr lang="en-US" dirty="0">
-                <a:latin typeface="Univers (body)"/>
+              <a:rPr lang="en-US" sz="4000" dirty="0">
+                <a:latin typeface="Gill Sans MT" panose="020B0502020104020203" pitchFamily="34" charset="0"/>
               </a:rPr>
               <a:t>In Florida, Race Emerged as Strongest Predictors</a:t>
             </a:r>
@@ -12817,12 +12826,14 @@
         </p:nvSpPr>
         <p:spPr/>
         <p:txBody>
-          <a:bodyPr/>
+          <a:bodyPr>
+            <a:normAutofit/>
+          </a:bodyPr>
           <a:lstStyle/>
           <a:p>
             <a:r>
-              <a:rPr lang="en-US" dirty="0">
-                <a:latin typeface="Univers (body)"/>
+              <a:rPr lang="en-US" sz="4000" dirty="0">
+                <a:latin typeface="Gill Sans MT" panose="020B0502020104020203" pitchFamily="34" charset="0"/>
               </a:rPr>
               <a:t>In Illinois, Age and Being Insured Emerged as Strongest Predictors</a:t>
             </a:r>
@@ -12945,7 +12956,12 @@
             <p:ph type="title"/>
           </p:nvPr>
         </p:nvSpPr>
-        <p:spPr/>
+        <p:spPr>
+          <a:xfrm>
+            <a:off x="838200" y="334389"/>
+            <a:ext cx="10515600" cy="1325563"/>
+          </a:xfrm>
+        </p:spPr>
         <p:txBody>
           <a:bodyPr>
             <a:normAutofit/>
@@ -12953,8 +12969,8 @@
           <a:lstStyle/>
           <a:p>
             <a:r>
-              <a:rPr lang="en-US" dirty="0">
-                <a:latin typeface="Univers (body)"/>
+              <a:rPr lang="en-US" sz="4000" dirty="0">
+                <a:latin typeface="Gill Sans MT" panose="020B0502020104020203" pitchFamily="34" charset="0"/>
               </a:rPr>
               <a:t>In New York, Race and Age Emerged as Strongest Predictors</a:t>
             </a:r>
@@ -13084,14 +13100,17 @@
           </a:xfrm>
         </p:spPr>
         <p:txBody>
-          <a:bodyPr/>
+          <a:bodyPr>
+            <a:noAutofit/>
+          </a:bodyPr>
           <a:lstStyle/>
           <a:p>
             <a:pPr algn="ctr"/>
             <a:r>
-              <a:rPr lang="en-US" dirty="0">
-                <a:latin typeface="Univers (body)"/>
-                <a:cs typeface="Arial" panose="020B0604020202020204" pitchFamily="34" charset="0"/>
+              <a:rPr lang="en-US" sz="4800" dirty="0">
+                <a:latin typeface="Gill Sans MT" panose="020B0502020104020203" pitchFamily="34" charset="0"/>
+                <a:ea typeface="Verdana" panose="020B0604030504040204" pitchFamily="34" charset="0"/>
+                <a:cs typeface="Helvetica" panose="020B0604020202020204" pitchFamily="34" charset="0"/>
               </a:rPr>
               <a:t>Can we predict COVID-19 severity using demographic data?</a:t>
             </a:r>
@@ -13128,8 +13147,8 @@
         </p:blipFill>
         <p:spPr>
           <a:xfrm>
-            <a:off x="2446230" y="2169107"/>
-            <a:ext cx="7299541" cy="4351338"/>
+            <a:off x="2674119" y="2391944"/>
+            <a:ext cx="6843762" cy="4079643"/>
           </a:xfrm>
         </p:spPr>
       </p:pic>
@@ -13233,14 +13252,11 @@
           <a:lstStyle/>
           <a:p>
             <a:r>
-              <a:rPr lang="en-US">
-                <a:latin typeface="Univers (body)"/>
+              <a:rPr lang="en-US" sz="4000" dirty="0">
+                <a:latin typeface="Gill Sans MT" panose="020B0502020104020203" pitchFamily="34" charset="0"/>
               </a:rPr>
               <a:t>In Texas, Race and Income Emerged as Strongest Predictors</a:t>
             </a:r>
-            <a:endParaRPr lang="en-US" dirty="0">
-              <a:latin typeface="Univers (body)"/>
-            </a:endParaRPr>
           </a:p>
         </p:txBody>
       </p:sp>
@@ -13362,22 +13378,26 @@
         </p:nvSpPr>
         <p:spPr/>
         <p:txBody>
-          <a:bodyPr/>
+          <a:bodyPr>
+            <a:normAutofit/>
+          </a:bodyPr>
           <a:lstStyle/>
           <a:p>
             <a:r>
-              <a:rPr lang="en-US" dirty="0"/>
-              <a:t>Highest Death Rate Counties by State</a:t>
+              <a:rPr lang="en-US" sz="4000" dirty="0">
+                <a:latin typeface="Gill Sans MT" panose="020B0502020104020203" pitchFamily="34" charset="0"/>
+              </a:rPr>
+              <a:t>Highest Death Rate Counties</a:t>
             </a:r>
           </a:p>
         </p:txBody>
       </p:sp>
       <p:pic>
         <p:nvPicPr>
-          <p:cNvPr id="5" name="Content Placeholder 4" descr="Chart, bar chart&#10;&#10;Description automatically generated">
+          <p:cNvPr id="7" name="Content Placeholder 6" descr="Chart, bar chart&#10;&#10;Description automatically generated">
             <a:extLst>
               <a:ext uri="{FF2B5EF4-FFF2-40B4-BE49-F238E27FC236}">
-                <a16:creationId xmlns:a16="http://schemas.microsoft.com/office/drawing/2014/main" id="{E5866393-E060-48F9-BA59-B8A5A9168B75}"/>
+                <a16:creationId xmlns:a16="http://schemas.microsoft.com/office/drawing/2014/main" id="{034FA767-8F45-4417-BA35-47D880C35B67}"/>
               </a:ext>
             </a:extLst>
           </p:cNvPr>
@@ -13402,8 +13422,8 @@
         </p:blipFill>
         <p:spPr>
           <a:xfrm>
-            <a:off x="1838325" y="1920081"/>
-            <a:ext cx="8515350" cy="4162425"/>
+            <a:off x="2696797" y="1618156"/>
+            <a:ext cx="6798406" cy="4868125"/>
           </a:xfrm>
         </p:spPr>
       </p:pic>
@@ -13455,22 +13475,26 @@
         </p:nvSpPr>
         <p:spPr/>
         <p:txBody>
-          <a:bodyPr/>
+          <a:bodyPr>
+            <a:normAutofit/>
+          </a:bodyPr>
           <a:lstStyle/>
           <a:p>
             <a:r>
-              <a:rPr lang="en-US" dirty="0"/>
-              <a:t>Highest Case Counties by State</a:t>
+              <a:rPr lang="en-US" sz="4000" dirty="0">
+                <a:latin typeface="Gill Sans MT" panose="020B0502020104020203" pitchFamily="34" charset="0"/>
+              </a:rPr>
+              <a:t>Highest COVID Case Counties Overall</a:t>
             </a:r>
           </a:p>
         </p:txBody>
       </p:sp>
       <p:pic>
         <p:nvPicPr>
-          <p:cNvPr id="5" name="Content Placeholder 4" descr="Chart, bar chart, funnel chart&#10;&#10;Description automatically generated">
+          <p:cNvPr id="7" name="Content Placeholder 6" descr="Chart, bar chart, funnel chart&#10;&#10;Description automatically generated">
             <a:extLst>
               <a:ext uri="{FF2B5EF4-FFF2-40B4-BE49-F238E27FC236}">
-                <a16:creationId xmlns:a16="http://schemas.microsoft.com/office/drawing/2014/main" id="{850741C8-BB10-430D-A7C4-BC997CEFE0CE}"/>
+                <a16:creationId xmlns:a16="http://schemas.microsoft.com/office/drawing/2014/main" id="{75FAFAFB-C43A-4B62-B472-D153D8B5E3CD}"/>
               </a:ext>
             </a:extLst>
           </p:cNvPr>
@@ -13495,8 +13519,8 @@
         </p:blipFill>
         <p:spPr>
           <a:xfrm>
-            <a:off x="1733550" y="1943894"/>
-            <a:ext cx="8724900" cy="4114800"/>
+            <a:off x="2588209" y="1652018"/>
+            <a:ext cx="7015582" cy="4840857"/>
           </a:xfrm>
         </p:spPr>
       </p:pic>
@@ -13548,22 +13572,26 @@
         </p:nvSpPr>
         <p:spPr/>
         <p:txBody>
-          <a:bodyPr/>
+          <a:bodyPr>
+            <a:normAutofit/>
+          </a:bodyPr>
           <a:lstStyle/>
           <a:p>
             <a:r>
-              <a:rPr lang="en-US" dirty="0"/>
-              <a:t>Lowest Case Counties by State</a:t>
+              <a:rPr lang="en-US" sz="4000" dirty="0">
+                <a:latin typeface="Gill Sans MT" panose="020B0502020104020203" pitchFamily="34" charset="0"/>
+              </a:rPr>
+              <a:t>Lowest COVID Case Counties Overall</a:t>
             </a:r>
           </a:p>
         </p:txBody>
       </p:sp>
       <p:pic>
         <p:nvPicPr>
-          <p:cNvPr id="5" name="Content Placeholder 4" descr="Chart, bar chart&#10;&#10;Description automatically generated">
+          <p:cNvPr id="7" name="Content Placeholder 6" descr="Chart&#10;&#10;Description automatically generated">
             <a:extLst>
               <a:ext uri="{FF2B5EF4-FFF2-40B4-BE49-F238E27FC236}">
-                <a16:creationId xmlns:a16="http://schemas.microsoft.com/office/drawing/2014/main" id="{D0C79509-4737-457A-A798-D19BE2434D29}"/>
+                <a16:creationId xmlns:a16="http://schemas.microsoft.com/office/drawing/2014/main" id="{5B249037-A1A7-428D-AC3E-F35DCF9D6F3B}"/>
               </a:ext>
             </a:extLst>
           </p:cNvPr>
@@ -13588,8 +13616,8 @@
         </p:blipFill>
         <p:spPr>
           <a:xfrm>
-            <a:off x="1981200" y="1943894"/>
-            <a:ext cx="8229600" cy="4114800"/>
+            <a:off x="2952666" y="1718047"/>
+            <a:ext cx="6286667" cy="4766029"/>
           </a:xfrm>
         </p:spPr>
       </p:pic>
@@ -13721,8 +13749,8 @@
           <a:p>
             <a:r>
               <a:rPr lang="en-US" dirty="0">
-                <a:latin typeface="Univers (body)"/>
-                <a:cs typeface="Arial" panose="020B0604020202020204" pitchFamily="34" charset="0"/>
+                <a:latin typeface="Gill Sans MT" panose="020B0502020104020203" pitchFamily="34" charset="0"/>
+                <a:cs typeface="Helvetica" panose="020B0604020202020204" pitchFamily="34" charset="0"/>
               </a:rPr>
               <a:t>Project Pipeline</a:t>
             </a:r>
@@ -13882,7 +13910,7 @@
             <p:ph idx="1"/>
             <p:extLst>
               <p:ext uri="{D42A27DB-BD31-4B8C-83A1-F6EECF244321}">
-                <p14:modId xmlns:p14="http://schemas.microsoft.com/office/powerpoint/2010/main" val="2277813771"/>
+                <p14:modId xmlns:p14="http://schemas.microsoft.com/office/powerpoint/2010/main" val="1638068206"/>
               </p:ext>
             </p:extLst>
           </p:nvPr>
@@ -14336,7 +14364,7 @@
                 <a:solidFill>
                   <a:schemeClr val="tx1"/>
                 </a:solidFill>
-                <a:latin typeface="Univers (body)"/>
+                <a:latin typeface="Gill Sans MT" panose="020B0502020104020203" pitchFamily="34" charset="0"/>
               </a:rPr>
               <a:t>Data Collection</a:t>
             </a:r>
@@ -14656,7 +14684,7 @@
           <p:nvPr>
             <p:extLst>
               <p:ext uri="{D42A27DB-BD31-4B8C-83A1-F6EECF244321}">
-                <p14:modId xmlns:p14="http://schemas.microsoft.com/office/powerpoint/2010/main" val="849274942"/>
+                <p14:modId xmlns:p14="http://schemas.microsoft.com/office/powerpoint/2010/main" val="4108955963"/>
               </p:ext>
             </p:extLst>
           </p:nvPr>
@@ -14713,12 +14741,11 @@
                         </a:lnSpc>
                       </a:pPr>
                       <a:r>
-                        <a:rPr lang="en-US" sz="1800" i="1" dirty="0"/>
+                        <a:rPr lang="en-US" sz="1800" i="1" dirty="0">
+                          <a:latin typeface="Gill Sans MT" panose="020B0502020104020203" pitchFamily="34" charset="0"/>
+                        </a:rPr>
                         <a:t>Area</a:t>
                       </a:r>
-                      <a:endParaRPr lang="en-US" sz="1800" i="1" dirty="0">
-                        <a:latin typeface="Univers (body)"/>
-                      </a:endParaRPr>
                     </a:p>
                   </a:txBody>
                   <a:tcPr/>
@@ -14744,12 +14771,11 @@
                         </a:lnSpc>
                       </a:pPr>
                       <a:r>
-                        <a:rPr lang="en-US" sz="1800" i="1" dirty="0"/>
+                        <a:rPr lang="en-US" sz="1800" i="1" dirty="0">
+                          <a:latin typeface="Gill Sans MT" panose="020B0502020104020203" pitchFamily="34" charset="0"/>
+                        </a:rPr>
                         <a:t>COVID-19</a:t>
                       </a:r>
-                      <a:endParaRPr lang="en-US" sz="1800" i="1" dirty="0">
-                        <a:latin typeface="Univers (body)"/>
-                      </a:endParaRPr>
                     </a:p>
                   </a:txBody>
                   <a:tcPr/>
@@ -14782,7 +14808,7 @@
                         </a:lnSpc>
                       </a:pPr>
                       <a:endParaRPr lang="en-US" sz="1600" dirty="0">
-                        <a:latin typeface="Univers (body)"/>
+                        <a:latin typeface="Gill Sans MT" panose="020B0502020104020203" pitchFamily="34" charset="0"/>
                       </a:endParaRPr>
                     </a:p>
                   </a:txBody>
@@ -14799,12 +14825,11 @@
                         </a:lnSpc>
                       </a:pPr>
                       <a:r>
-                        <a:rPr lang="en-US" sz="1600" dirty="0"/>
+                        <a:rPr lang="en-US" sz="1600" dirty="0">
+                          <a:latin typeface="Gill Sans MT" panose="020B0502020104020203" pitchFamily="34" charset="0"/>
+                        </a:rPr>
                         <a:t>Population Density</a:t>
                       </a:r>
-                      <a:endParaRPr lang="en-US" sz="1600" dirty="0">
-                        <a:latin typeface="Univers (body)"/>
-                      </a:endParaRPr>
                     </a:p>
                   </a:txBody>
                   <a:tcPr/>
@@ -14820,7 +14845,7 @@
                         </a:lnSpc>
                       </a:pPr>
                       <a:endParaRPr lang="en-US" sz="1600" dirty="0">
-                        <a:latin typeface="Univers (body)"/>
+                        <a:latin typeface="Gill Sans MT" panose="020B0502020104020203" pitchFamily="34" charset="0"/>
                       </a:endParaRPr>
                     </a:p>
                   </a:txBody>
@@ -14837,12 +14862,11 @@
                         </a:lnSpc>
                       </a:pPr>
                       <a:r>
-                        <a:rPr lang="en-US" sz="1600" dirty="0"/>
+                        <a:rPr lang="en-US" sz="1600" dirty="0">
+                          <a:latin typeface="Gill Sans MT" panose="020B0502020104020203" pitchFamily="34" charset="0"/>
+                        </a:rPr>
                         <a:t>Total tests</a:t>
                       </a:r>
-                      <a:endParaRPr lang="en-US" sz="1600" dirty="0">
-                        <a:latin typeface="Univers (body)"/>
-                      </a:endParaRPr>
                     </a:p>
                   </a:txBody>
                   <a:tcPr/>
@@ -14865,12 +14889,11 @@
                         </a:lnSpc>
                       </a:pPr>
                       <a:r>
-                        <a:rPr lang="en-US" sz="1800" i="1" dirty="0"/>
+                        <a:rPr lang="en-US" sz="1800" i="1" dirty="0">
+                          <a:latin typeface="Gill Sans MT" panose="020B0502020104020203" pitchFamily="34" charset="0"/>
+                        </a:rPr>
                         <a:t>Demographics</a:t>
                       </a:r>
-                      <a:endParaRPr lang="en-US" sz="1800" i="1" dirty="0">
-                        <a:latin typeface="Univers (body)"/>
-                      </a:endParaRPr>
                     </a:p>
                   </a:txBody>
                   <a:tcPr/>
@@ -14896,7 +14919,7 @@
                         </a:lnSpc>
                       </a:pPr>
                       <a:endParaRPr lang="en-US" sz="1800" dirty="0">
-                        <a:latin typeface="Univers (body)"/>
+                        <a:latin typeface="Gill Sans MT" panose="020B0502020104020203" pitchFamily="34" charset="0"/>
                       </a:endParaRPr>
                     </a:p>
                   </a:txBody>
@@ -14913,12 +14936,11 @@
                         </a:lnSpc>
                       </a:pPr>
                       <a:r>
-                        <a:rPr lang="en-US" sz="1600" dirty="0"/>
+                        <a:rPr lang="en-US" sz="1600" dirty="0">
+                          <a:latin typeface="Gill Sans MT" panose="020B0502020104020203" pitchFamily="34" charset="0"/>
+                        </a:rPr>
                         <a:t>Total tases </a:t>
                       </a:r>
-                      <a:endParaRPr lang="en-US" sz="1600" dirty="0">
-                        <a:latin typeface="Univers (body)"/>
-                      </a:endParaRPr>
                     </a:p>
                   </a:txBody>
                   <a:tcPr/>
@@ -14941,7 +14963,7 @@
                         </a:lnSpc>
                       </a:pPr>
                       <a:endParaRPr lang="en-US" sz="1600">
-                        <a:latin typeface="Univers (body)"/>
+                        <a:latin typeface="Gill Sans MT" panose="020B0502020104020203" pitchFamily="34" charset="0"/>
                       </a:endParaRPr>
                     </a:p>
                   </a:txBody>
@@ -14958,12 +14980,11 @@
                         </a:lnSpc>
                       </a:pPr>
                       <a:r>
-                        <a:rPr lang="en-US" sz="1600" dirty="0"/>
+                        <a:rPr lang="en-US" sz="1600" dirty="0">
+                          <a:latin typeface="Gill Sans MT" panose="020B0502020104020203" pitchFamily="34" charset="0"/>
+                        </a:rPr>
                         <a:t>Age</a:t>
                       </a:r>
-                      <a:endParaRPr lang="en-US" sz="1600" dirty="0">
-                        <a:latin typeface="Univers (body)"/>
-                      </a:endParaRPr>
                     </a:p>
                   </a:txBody>
                   <a:tcPr/>
@@ -14979,7 +15000,7 @@
                         </a:lnSpc>
                       </a:pPr>
                       <a:endParaRPr lang="en-US" sz="1600" dirty="0">
-                        <a:latin typeface="Univers (body)"/>
+                        <a:latin typeface="Gill Sans MT" panose="020B0502020104020203" pitchFamily="34" charset="0"/>
                       </a:endParaRPr>
                     </a:p>
                   </a:txBody>
@@ -14996,12 +15017,11 @@
                         </a:lnSpc>
                       </a:pPr>
                       <a:r>
-                        <a:rPr lang="en-US" sz="1600" dirty="0"/>
+                        <a:rPr lang="en-US" sz="1600" dirty="0">
+                          <a:latin typeface="Gill Sans MT" panose="020B0502020104020203" pitchFamily="34" charset="0"/>
+                        </a:rPr>
                         <a:t>Total deaths</a:t>
                       </a:r>
-                      <a:endParaRPr lang="en-US" sz="1600" dirty="0">
-                        <a:latin typeface="Univers (body)"/>
-                      </a:endParaRPr>
                     </a:p>
                   </a:txBody>
                   <a:tcPr/>
@@ -15024,7 +15044,7 @@
                         </a:lnSpc>
                       </a:pPr>
                       <a:endParaRPr lang="en-US" sz="1600" dirty="0">
-                        <a:latin typeface="Univers (body)"/>
+                        <a:latin typeface="Gill Sans MT" panose="020B0502020104020203" pitchFamily="34" charset="0"/>
                       </a:endParaRPr>
                     </a:p>
                   </a:txBody>
@@ -15041,11 +15061,13 @@
                         </a:lnSpc>
                       </a:pPr>
                       <a:r>
-                        <a:rPr lang="en-US" sz="1600"/>
+                        <a:rPr lang="en-US" sz="1600">
+                          <a:latin typeface="Gill Sans MT" panose="020B0502020104020203" pitchFamily="34" charset="0"/>
+                        </a:rPr>
                         <a:t>Gender</a:t>
                       </a:r>
                       <a:endParaRPr lang="en-US" sz="1600" dirty="0">
-                        <a:latin typeface="Univers (body)"/>
+                        <a:latin typeface="Gill Sans MT" panose="020B0502020104020203" pitchFamily="34" charset="0"/>
                       </a:endParaRPr>
                     </a:p>
                   </a:txBody>
@@ -15062,7 +15084,7 @@
                         </a:lnSpc>
                       </a:pPr>
                       <a:endParaRPr lang="en-US" sz="1600" dirty="0">
-                        <a:latin typeface="Univers (body)"/>
+                        <a:latin typeface="Gill Sans MT" panose="020B0502020104020203" pitchFamily="34" charset="0"/>
                       </a:endParaRPr>
                     </a:p>
                   </a:txBody>
@@ -15096,7 +15118,7 @@
                         </a:lnSpc>
                       </a:pPr>
                       <a:endParaRPr lang="en-US" sz="1600" dirty="0">
-                        <a:latin typeface="Univers (body)"/>
+                        <a:latin typeface="Gill Sans MT" panose="020B0502020104020203" pitchFamily="34" charset="0"/>
                       </a:endParaRPr>
                     </a:p>
                   </a:txBody>
@@ -15113,12 +15135,11 @@
                         </a:lnSpc>
                       </a:pPr>
                       <a:r>
-                        <a:rPr lang="en-US" sz="1600" dirty="0"/>
+                        <a:rPr lang="en-US" sz="1600" dirty="0">
+                          <a:latin typeface="Gill Sans MT" panose="020B0502020104020203" pitchFamily="34" charset="0"/>
+                        </a:rPr>
                         <a:t>Race</a:t>
                       </a:r>
-                      <a:endParaRPr lang="en-US" sz="1600" dirty="0">
-                        <a:latin typeface="Univers (body)"/>
-                      </a:endParaRPr>
                     </a:p>
                   </a:txBody>
                   <a:tcPr/>
@@ -15134,7 +15155,7 @@
                         </a:lnSpc>
                       </a:pPr>
                       <a:endParaRPr lang="en-US" sz="1600" dirty="0">
-                        <a:latin typeface="Univers (body)"/>
+                        <a:latin typeface="Gill Sans MT" panose="020B0502020104020203" pitchFamily="34" charset="0"/>
                       </a:endParaRPr>
                     </a:p>
                   </a:txBody>
@@ -15168,12 +15189,11 @@
                         </a:lnSpc>
                       </a:pPr>
                       <a:r>
-                        <a:rPr lang="en-US" sz="1800" i="1" dirty="0"/>
+                        <a:rPr lang="en-US" sz="1800" i="1" dirty="0">
+                          <a:latin typeface="Gill Sans MT" panose="020B0502020104020203" pitchFamily="34" charset="0"/>
+                        </a:rPr>
                         <a:t>Economic Indicators</a:t>
                       </a:r>
-                      <a:endParaRPr lang="en-US" sz="1800" i="1" dirty="0">
-                        <a:latin typeface="Univers (body)"/>
-                      </a:endParaRPr>
                     </a:p>
                   </a:txBody>
                   <a:tcPr/>
@@ -15199,7 +15219,7 @@
                         </a:lnSpc>
                       </a:pPr>
                       <a:endParaRPr lang="en-US" sz="1800" i="1" dirty="0">
-                        <a:latin typeface="Univers (body)"/>
+                        <a:latin typeface="Gill Sans MT" panose="020B0502020104020203" pitchFamily="34" charset="0"/>
                       </a:endParaRPr>
                     </a:p>
                   </a:txBody>
@@ -15233,7 +15253,7 @@
                         </a:lnSpc>
                       </a:pPr>
                       <a:endParaRPr lang="en-US" sz="1600">
-                        <a:latin typeface="Univers (body)"/>
+                        <a:latin typeface="Gill Sans MT" panose="020B0502020104020203" pitchFamily="34" charset="0"/>
                       </a:endParaRPr>
                     </a:p>
                   </a:txBody>
@@ -15250,12 +15270,11 @@
                         </a:lnSpc>
                       </a:pPr>
                       <a:r>
-                        <a:rPr lang="en-US" sz="1600" dirty="0"/>
+                        <a:rPr lang="en-US" sz="1600" dirty="0">
+                          <a:latin typeface="Gill Sans MT" panose="020B0502020104020203" pitchFamily="34" charset="0"/>
+                        </a:rPr>
                         <a:t>Income Per Capita</a:t>
                       </a:r>
-                      <a:endParaRPr lang="en-US" sz="1600" dirty="0">
-                        <a:latin typeface="Univers (body)"/>
-                      </a:endParaRPr>
                     </a:p>
                   </a:txBody>
                   <a:tcPr/>
@@ -15271,7 +15290,7 @@
                         </a:lnSpc>
                       </a:pPr>
                       <a:endParaRPr lang="en-US" sz="1600" dirty="0">
-                        <a:latin typeface="Univers (body)"/>
+                        <a:latin typeface="Gill Sans MT" panose="020B0502020104020203" pitchFamily="34" charset="0"/>
                       </a:endParaRPr>
                     </a:p>
                   </a:txBody>
@@ -15305,7 +15324,7 @@
                         </a:lnSpc>
                       </a:pPr>
                       <a:endParaRPr lang="en-US" sz="1600">
-                        <a:latin typeface="Univers (body)"/>
+                        <a:latin typeface="Gill Sans MT" panose="020B0502020104020203" pitchFamily="34" charset="0"/>
                       </a:endParaRPr>
                     </a:p>
                   </a:txBody>
@@ -15322,12 +15341,11 @@
                         </a:lnSpc>
                       </a:pPr>
                       <a:r>
-                        <a:rPr lang="en-US" sz="1600"/>
+                        <a:rPr lang="en-US" sz="1600">
+                          <a:latin typeface="Gill Sans MT" panose="020B0502020104020203" pitchFamily="34" charset="0"/>
+                        </a:rPr>
                         <a:t>Household Income</a:t>
                       </a:r>
-                      <a:endParaRPr lang="en-US" sz="1600">
-                        <a:latin typeface="Univers (body)"/>
-                      </a:endParaRPr>
                     </a:p>
                   </a:txBody>
                   <a:tcPr/>
@@ -15343,7 +15361,7 @@
                         </a:lnSpc>
                       </a:pPr>
                       <a:endParaRPr lang="en-US" sz="1600" dirty="0">
-                        <a:latin typeface="Univers (body)"/>
+                        <a:latin typeface="Gill Sans MT" panose="020B0502020104020203" pitchFamily="34" charset="0"/>
                       </a:endParaRPr>
                     </a:p>
                   </a:txBody>
@@ -15377,7 +15395,7 @@
                         </a:lnSpc>
                       </a:pPr>
                       <a:endParaRPr lang="en-US" sz="1600">
-                        <a:latin typeface="Univers (body)"/>
+                        <a:latin typeface="Gill Sans MT" panose="020B0502020104020203" pitchFamily="34" charset="0"/>
                       </a:endParaRPr>
                     </a:p>
                   </a:txBody>
@@ -15394,12 +15412,11 @@
                         </a:lnSpc>
                       </a:pPr>
                       <a:r>
-                        <a:rPr lang="en-US" sz="1600" dirty="0"/>
+                        <a:rPr lang="en-US" sz="1600" dirty="0">
+                          <a:latin typeface="Gill Sans MT" panose="020B0502020104020203" pitchFamily="34" charset="0"/>
+                        </a:rPr>
                         <a:t>Median Income</a:t>
                       </a:r>
-                      <a:endParaRPr lang="en-US" sz="1600" dirty="0">
-                        <a:latin typeface="Univers (body)"/>
-                      </a:endParaRPr>
                     </a:p>
                   </a:txBody>
                   <a:tcPr/>
@@ -15415,7 +15432,7 @@
                         </a:lnSpc>
                       </a:pPr>
                       <a:endParaRPr lang="en-US" sz="1600" dirty="0">
-                        <a:latin typeface="Univers (body)"/>
+                        <a:latin typeface="Gill Sans MT" panose="020B0502020104020203" pitchFamily="34" charset="0"/>
                       </a:endParaRPr>
                     </a:p>
                   </a:txBody>
@@ -15449,12 +15466,11 @@
                         </a:lnSpc>
                       </a:pPr>
                       <a:r>
-                        <a:rPr lang="en-US" sz="1800" i="1" dirty="0"/>
+                        <a:rPr lang="en-US" sz="1800" i="1" dirty="0">
+                          <a:latin typeface="Gill Sans MT" panose="020B0502020104020203" pitchFamily="34" charset="0"/>
+                        </a:rPr>
                         <a:t>Health Indicators</a:t>
                       </a:r>
-                      <a:endParaRPr lang="en-US" sz="1800" i="1" dirty="0">
-                        <a:latin typeface="Univers (body)"/>
-                      </a:endParaRPr>
                     </a:p>
                   </a:txBody>
                   <a:tcPr/>
@@ -15480,7 +15496,7 @@
                         </a:lnSpc>
                       </a:pPr>
                       <a:endParaRPr lang="en-US" sz="1800" dirty="0">
-                        <a:latin typeface="Univers (body)"/>
+                        <a:latin typeface="Gill Sans MT" panose="020B0502020104020203" pitchFamily="34" charset="0"/>
                       </a:endParaRPr>
                     </a:p>
                   </a:txBody>
@@ -15514,7 +15530,7 @@
                         </a:lnSpc>
                       </a:pPr>
                       <a:endParaRPr lang="en-US" sz="1600" dirty="0">
-                        <a:latin typeface="Univers (body)"/>
+                        <a:latin typeface="Gill Sans MT" panose="020B0502020104020203" pitchFamily="34" charset="0"/>
                       </a:endParaRPr>
                     </a:p>
                   </a:txBody>
@@ -15531,12 +15547,11 @@
                         </a:lnSpc>
                       </a:pPr>
                       <a:r>
-                        <a:rPr lang="en-US" sz="1600" dirty="0"/>
+                        <a:rPr lang="en-US" sz="1600" dirty="0">
+                          <a:latin typeface="Gill Sans MT" panose="020B0502020104020203" pitchFamily="34" charset="0"/>
+                        </a:rPr>
                         <a:t>Obesity Rates</a:t>
                       </a:r>
-                      <a:endParaRPr lang="en-US" sz="1600" dirty="0">
-                        <a:latin typeface="Univers (body)"/>
-                      </a:endParaRPr>
                     </a:p>
                   </a:txBody>
                   <a:tcPr/>
@@ -15552,7 +15567,7 @@
                         </a:lnSpc>
                       </a:pPr>
                       <a:endParaRPr lang="en-US" sz="1600" dirty="0">
-                        <a:latin typeface="Univers (body)"/>
+                        <a:latin typeface="Gill Sans MT" panose="020B0502020104020203" pitchFamily="34" charset="0"/>
                       </a:endParaRPr>
                     </a:p>
                   </a:txBody>
@@ -15608,7 +15623,7 @@
           <a:p>
             <a:r>
               <a:rPr lang="en-US" dirty="0">
-                <a:latin typeface="Univers (body)"/>
+                <a:latin typeface="Gill Sans MT" panose="020B0502020104020203" pitchFamily="34" charset="0"/>
               </a:rPr>
               <a:t>County Level</a:t>
             </a:r>
@@ -15742,14 +15757,11 @@
           <a:lstStyle/>
           <a:p>
             <a:r>
-              <a:rPr lang="en-US" sz="3700">
-                <a:latin typeface="Univers (body)"/>
+              <a:rPr lang="en-US" sz="4000" dirty="0">
+                <a:latin typeface="Gill Sans MT" panose="020B0502020104020203" pitchFamily="34" charset="0"/>
               </a:rPr>
               <a:t>Five States with the Most COVID-19 Data</a:t>
             </a:r>
-            <a:endParaRPr lang="en-US" sz="3700" dirty="0">
-              <a:latin typeface="Univers (body)"/>
-            </a:endParaRPr>
           </a:p>
         </p:txBody>
       </p:sp>
@@ -16041,7 +16053,7 @@
           <a:p>
             <a:r>
               <a:rPr lang="en-US" sz="4000" dirty="0">
-                <a:latin typeface="Univers (body)"/>
+                <a:latin typeface="Gill Sans MT" panose="020B0502020104020203" pitchFamily="34" charset="0"/>
               </a:rPr>
               <a:t>COVID-19 Statistics Vary Widely Among Counties </a:t>
             </a:r>
@@ -16050,10 +16062,10 @@
       </p:sp>
       <p:pic>
         <p:nvPicPr>
-          <p:cNvPr id="14" name="Content Placeholder 13" descr="Chart, bar chart&#10;&#10;Description automatically generated">
+          <p:cNvPr id="6" name="Content Placeholder 5" descr="Chart, bar chart&#10;&#10;Description automatically generated">
             <a:extLst>
               <a:ext uri="{FF2B5EF4-FFF2-40B4-BE49-F238E27FC236}">
-                <a16:creationId xmlns:a16="http://schemas.microsoft.com/office/drawing/2014/main" id="{5C9D743C-E5FB-44DB-8814-F4E36B260134}"/>
+                <a16:creationId xmlns:a16="http://schemas.microsoft.com/office/drawing/2014/main" id="{BEA16208-8858-48EF-99B0-B14E579D7712}"/>
               </a:ext>
             </a:extLst>
           </p:cNvPr>
@@ -16078,17 +16090,17 @@
         </p:blipFill>
         <p:spPr>
           <a:xfrm>
-            <a:off x="188252" y="2143845"/>
-            <a:ext cx="6038701" cy="3457815"/>
+            <a:off x="269367" y="1967114"/>
+            <a:ext cx="5988638" cy="4248820"/>
           </a:xfrm>
         </p:spPr>
       </p:pic>
       <p:pic>
         <p:nvPicPr>
-          <p:cNvPr id="16" name="Content Placeholder 15" descr="Chart, bar chart&#10;&#10;Description automatically generated">
+          <p:cNvPr id="10" name="Content Placeholder 9" descr="Chart, bar chart&#10;&#10;Description automatically generated">
             <a:extLst>
               <a:ext uri="{FF2B5EF4-FFF2-40B4-BE49-F238E27FC236}">
-                <a16:creationId xmlns:a16="http://schemas.microsoft.com/office/drawing/2014/main" id="{2F6FBCDE-E2CE-45DB-A762-F19A7FB23C16}"/>
+                <a16:creationId xmlns:a16="http://schemas.microsoft.com/office/drawing/2014/main" id="{80EB1AFF-D7C3-496C-B06B-76C302F4528E}"/>
               </a:ext>
             </a:extLst>
           </p:cNvPr>
@@ -16113,15 +16125,15 @@
         </p:blipFill>
         <p:spPr>
           <a:xfrm>
-            <a:off x="6299190" y="2189812"/>
-            <a:ext cx="5656003" cy="3319676"/>
+            <a:off x="6056938" y="2016120"/>
+            <a:ext cx="5988639" cy="4150808"/>
           </a:xfrm>
         </p:spPr>
       </p:pic>
     </p:spTree>
     <p:extLst>
       <p:ext uri="{BB962C8B-B14F-4D97-AF65-F5344CB8AC3E}">
-        <p14:creationId xmlns:p14="http://schemas.microsoft.com/office/powerpoint/2010/main" val="502793554"/>
+        <p14:creationId xmlns:p14="http://schemas.microsoft.com/office/powerpoint/2010/main" val="253770198"/>
       </p:ext>
     </p:extLst>
   </p:cSld>
@@ -16167,13 +16179,13 @@
         <p:spPr/>
         <p:txBody>
           <a:bodyPr>
-            <a:normAutofit fontScale="90000"/>
+            <a:normAutofit/>
           </a:bodyPr>
           <a:lstStyle/>
           <a:p>
             <a:r>
-              <a:rPr lang="en-US" dirty="0">
-                <a:latin typeface="Univers (body)"/>
+              <a:rPr lang="en-US" sz="4000" dirty="0">
+                <a:latin typeface="Gill Sans MT" panose="020B0502020104020203" pitchFamily="34" charset="0"/>
               </a:rPr>
               <a:t>High COVID Counties Likely to be Younger, Have Lower Income Per Capita</a:t>
             </a:r>
@@ -16305,7 +16317,7 @@
           <a:p>
             <a:r>
               <a:rPr lang="en-US" sz="4000" dirty="0">
-                <a:latin typeface="Univers (body)"/>
+                <a:latin typeface="Gill Sans MT" panose="020B0502020104020203" pitchFamily="34" charset="0"/>
               </a:rPr>
               <a:t>Low COVID Counties Likely to have Insurance Coverage, Lower Pop. Density</a:t>
             </a:r>
@@ -16513,7 +16525,7 @@
                 <a:solidFill>
                   <a:schemeClr val="tx1"/>
                 </a:solidFill>
-                <a:latin typeface="Univers (body)"/>
+                <a:latin typeface="Gill Sans MT" panose="020B0502020104020203" pitchFamily="34" charset="0"/>
               </a:rPr>
               <a:t>Modeling Successes and Challenges</a:t>
             </a:r>
@@ -16535,14 +16547,14 @@
           <p:nvPr>
             <p:extLst>
               <p:ext uri="{D42A27DB-BD31-4B8C-83A1-F6EECF244321}">
-                <p14:modId xmlns:p14="http://schemas.microsoft.com/office/powerpoint/2010/main" val="1732950988"/>
+                <p14:modId xmlns:p14="http://schemas.microsoft.com/office/powerpoint/2010/main" val="612246557"/>
               </p:ext>
             </p:extLst>
           </p:nvPr>
         </p:nvGraphicFramePr>
         <p:xfrm>
-          <a:off x="930730" y="1567544"/>
-          <a:ext cx="10423070" cy="4728194"/>
+          <a:off x="1291238" y="1567544"/>
+          <a:ext cx="9609525" cy="4728194"/>
         </p:xfrm>
         <a:graphic>
           <a:graphicData uri="http://schemas.openxmlformats.org/drawingml/2006/table">
@@ -16552,28 +16564,28 @@
                 <a:tableStyleId>{2D5ABB26-0587-4C30-8999-92F81FD0307C}</a:tableStyleId>
               </a:tblPr>
               <a:tblGrid>
-                <a:gridCol w="2379447">
+                <a:gridCol w="2193726">
                   <a:extLst>
                     <a:ext uri="{9D8B030D-6E8A-4147-A177-3AD203B41FA5}">
                       <a16:colId xmlns:a16="http://schemas.microsoft.com/office/drawing/2014/main" val="1713280189"/>
                     </a:ext>
                   </a:extLst>
                 </a:gridCol>
-                <a:gridCol w="2666080">
+                <a:gridCol w="2457986">
                   <a:extLst>
                     <a:ext uri="{9D8B030D-6E8A-4147-A177-3AD203B41FA5}">
                       <a16:colId xmlns:a16="http://schemas.microsoft.com/office/drawing/2014/main" val="896554457"/>
                     </a:ext>
                   </a:extLst>
                 </a:gridCol>
-                <a:gridCol w="2955472">
+                <a:gridCol w="2724790">
                   <a:extLst>
                     <a:ext uri="{9D8B030D-6E8A-4147-A177-3AD203B41FA5}">
                       <a16:colId xmlns:a16="http://schemas.microsoft.com/office/drawing/2014/main" val="1631822685"/>
                     </a:ext>
                   </a:extLst>
                 </a:gridCol>
-                <a:gridCol w="2422071">
+                <a:gridCol w="2233023">
                   <a:extLst>
                     <a:ext uri="{9D8B030D-6E8A-4147-A177-3AD203B41FA5}">
                       <a16:colId xmlns:a16="http://schemas.microsoft.com/office/drawing/2014/main" val="1892636438"/>
@@ -16588,11 +16600,11 @@
                     <a:lstStyle/>
                     <a:p>
                       <a:r>
-                        <a:rPr lang="en-US" sz="2400" b="0" cap="none" spc="0">
+                        <a:rPr lang="en-US" sz="2400" b="0" cap="none" spc="0" dirty="0">
                           <a:solidFill>
                             <a:schemeClr val="tx1"/>
                           </a:solidFill>
-                          <a:latin typeface="Univers (body)"/>
+                          <a:latin typeface="Gill Sans MT" panose="020B0502020104020203" pitchFamily="34" charset="0"/>
                           <a:cs typeface="Arial" panose="020B0604020202020204" pitchFamily="34" charset="0"/>
                         </a:rPr>
                         <a:t>Region</a:t>
@@ -16630,11 +16642,11 @@
                     <a:lstStyle/>
                     <a:p>
                       <a:r>
-                        <a:rPr lang="en-US" sz="2400" b="0" cap="none" spc="0">
+                        <a:rPr lang="en-US" sz="2400" b="0" cap="none" spc="0" dirty="0">
                           <a:solidFill>
                             <a:schemeClr val="tx1"/>
                           </a:solidFill>
-                          <a:latin typeface="Univers (body)"/>
+                          <a:latin typeface="Gill Sans MT" panose="020B0502020104020203" pitchFamily="34" charset="0"/>
                           <a:cs typeface="Arial" panose="020B0604020202020204" pitchFamily="34" charset="0"/>
                         </a:rPr>
                         <a:t>Best Regression </a:t>
@@ -16642,11 +16654,11 @@
                     </a:p>
                     <a:p>
                       <a:r>
-                        <a:rPr lang="en-US" sz="2400" b="0" cap="none" spc="0">
+                        <a:rPr lang="en-US" sz="2400" b="0" cap="none" spc="0" dirty="0">
                           <a:solidFill>
                             <a:schemeClr val="tx1"/>
                           </a:solidFill>
-                          <a:latin typeface="Univers (body)"/>
+                          <a:latin typeface="Gill Sans MT" panose="020B0502020104020203" pitchFamily="34" charset="0"/>
                           <a:cs typeface="Arial" panose="020B0604020202020204" pitchFamily="34" charset="0"/>
                         </a:rPr>
                         <a:t>R2 Score</a:t>
@@ -16697,7 +16709,7 @@
                           <a:solidFill>
                             <a:schemeClr val="tx1"/>
                           </a:solidFill>
-                          <a:latin typeface="Univers (body)"/>
+                          <a:latin typeface="Gill Sans MT" panose="020B0502020104020203" pitchFamily="34" charset="0"/>
                           <a:cs typeface="Arial" panose="020B0604020202020204" pitchFamily="34" charset="0"/>
                         </a:rPr>
                         <a:t>Best Classification Accuracy Score</a:t>
@@ -16750,7 +16762,7 @@
                               <a:lumMod val="65000"/>
                             </a:schemeClr>
                           </a:solidFill>
-                          <a:latin typeface="Univers (body)"/>
+                          <a:latin typeface="Gill Sans MT" panose="020B0502020104020203" pitchFamily="34" charset="0"/>
                           <a:cs typeface="Arial" panose="020B0604020202020204" pitchFamily="34" charset="0"/>
                         </a:rPr>
                         <a:t>Classification Baseline</a:t>
@@ -16799,7 +16811,7 @@
                           <a:solidFill>
                             <a:schemeClr val="tx1"/>
                           </a:solidFill>
-                          <a:latin typeface="Univers (body)"/>
+                          <a:latin typeface="Gill Sans MT" panose="020B0502020104020203" pitchFamily="34" charset="0"/>
                           <a:cs typeface="Arial" panose="020B0604020202020204" pitchFamily="34" charset="0"/>
                         </a:rPr>
                         <a:t>All Five States</a:t>
@@ -16845,7 +16857,7 @@
                           <a:solidFill>
                             <a:schemeClr val="tx1"/>
                           </a:solidFill>
-                          <a:latin typeface="Univers (body)"/>
+                          <a:latin typeface="Gill Sans MT" panose="020B0502020104020203" pitchFamily="34" charset="0"/>
                           <a:cs typeface="Arial" panose="020B0604020202020204" pitchFamily="34" charset="0"/>
                         </a:rPr>
                         <a:t>47%</a:t>
@@ -16899,7 +16911,7 @@
                           <a:solidFill>
                             <a:schemeClr val="tx1"/>
                           </a:solidFill>
-                          <a:latin typeface="Univers (body)"/>
+                          <a:latin typeface="Gill Sans MT" panose="020B0502020104020203" pitchFamily="34" charset="0"/>
                           <a:cs typeface="Arial" panose="020B0604020202020204" pitchFamily="34" charset="0"/>
                         </a:rPr>
                         <a:t>63%</a:t>
@@ -16955,7 +16967,7 @@
                               <a:lumMod val="65000"/>
                             </a:schemeClr>
                           </a:solidFill>
-                          <a:latin typeface="Univers (body)"/>
+                          <a:latin typeface="Gill Sans MT" panose="020B0502020104020203" pitchFamily="34" charset="0"/>
                           <a:cs typeface="Arial" panose="020B0604020202020204" pitchFamily="34" charset="0"/>
                         </a:rPr>
                         <a:t>42%</a:t>
@@ -17008,7 +17020,7 @@
                           <a:solidFill>
                             <a:schemeClr val="tx1"/>
                           </a:solidFill>
-                          <a:latin typeface="Univers (body)"/>
+                          <a:latin typeface="Gill Sans MT" panose="020B0502020104020203" pitchFamily="34" charset="0"/>
                           <a:cs typeface="Arial" panose="020B0604020202020204" pitchFamily="34" charset="0"/>
                         </a:rPr>
                         <a:t>California</a:t>
@@ -17059,7 +17071,7 @@
                           <a:solidFill>
                             <a:schemeClr val="tx1"/>
                           </a:solidFill>
-                          <a:latin typeface="Univers (body)"/>
+                          <a:latin typeface="Gill Sans MT" panose="020B0502020104020203" pitchFamily="34" charset="0"/>
                           <a:cs typeface="Arial" panose="020B0604020202020204" pitchFamily="34" charset="0"/>
                         </a:rPr>
                         <a:t>75%</a:t>
@@ -17118,7 +17130,7 @@
                           <a:solidFill>
                             <a:schemeClr val="tx1"/>
                           </a:solidFill>
-                          <a:latin typeface="Univers (body)"/>
+                          <a:latin typeface="Gill Sans MT" panose="020B0502020104020203" pitchFamily="34" charset="0"/>
                           <a:cs typeface="Arial" panose="020B0604020202020204" pitchFamily="34" charset="0"/>
                         </a:rPr>
                         <a:t>93%</a:t>
@@ -17179,7 +17191,7 @@
                               <a:lumMod val="65000"/>
                             </a:schemeClr>
                           </a:solidFill>
-                          <a:latin typeface="Univers (body)"/>
+                          <a:latin typeface="Gill Sans MT" panose="020B0502020104020203" pitchFamily="34" charset="0"/>
                           <a:cs typeface="Arial" panose="020B0604020202020204" pitchFamily="34" charset="0"/>
                         </a:rPr>
                         <a:t>66%</a:t>
@@ -17237,7 +17249,7 @@
                           <a:solidFill>
                             <a:schemeClr val="tx1"/>
                           </a:solidFill>
-                          <a:latin typeface="Univers (body)"/>
+                          <a:latin typeface="Gill Sans MT" panose="020B0502020104020203" pitchFamily="34" charset="0"/>
                           <a:cs typeface="Arial" panose="020B0604020202020204" pitchFamily="34" charset="0"/>
                         </a:rPr>
                         <a:t>Florida</a:t>
@@ -17284,7 +17296,7 @@
                           <a:solidFill>
                             <a:schemeClr val="tx1"/>
                           </a:solidFill>
-                          <a:latin typeface="Univers (body)"/>
+                          <a:latin typeface="Gill Sans MT" panose="020B0502020104020203" pitchFamily="34" charset="0"/>
                           <a:cs typeface="Arial" panose="020B0604020202020204" pitchFamily="34" charset="0"/>
                         </a:rPr>
                         <a:t>76%</a:t>
@@ -17339,7 +17351,7 @@
                           <a:solidFill>
                             <a:schemeClr val="tx1"/>
                           </a:solidFill>
-                          <a:latin typeface="Univers (body)"/>
+                          <a:latin typeface="Gill Sans MT" panose="020B0502020104020203" pitchFamily="34" charset="0"/>
                           <a:cs typeface="Arial" panose="020B0604020202020204" pitchFamily="34" charset="0"/>
                         </a:rPr>
                         <a:t>71%</a:t>
@@ -17396,7 +17408,7 @@
                               <a:lumMod val="65000"/>
                             </a:schemeClr>
                           </a:solidFill>
-                          <a:latin typeface="Univers (body)"/>
+                          <a:latin typeface="Gill Sans MT" panose="020B0502020104020203" pitchFamily="34" charset="0"/>
                           <a:cs typeface="Arial" panose="020B0604020202020204" pitchFamily="34" charset="0"/>
                         </a:rPr>
                         <a:t>71%</a:t>
@@ -17450,7 +17462,7 @@
                           <a:solidFill>
                             <a:schemeClr val="tx1"/>
                           </a:solidFill>
-                          <a:latin typeface="Univers (body)"/>
+                          <a:latin typeface="Gill Sans MT" panose="020B0502020104020203" pitchFamily="34" charset="0"/>
                           <a:cs typeface="Arial" panose="020B0604020202020204" pitchFamily="34" charset="0"/>
                         </a:rPr>
                         <a:t>Illinois</a:t>
@@ -17501,7 +17513,7 @@
                           <a:solidFill>
                             <a:schemeClr val="tx1"/>
                           </a:solidFill>
-                          <a:latin typeface="Univers (body)"/>
+                          <a:latin typeface="Gill Sans MT" panose="020B0502020104020203" pitchFamily="34" charset="0"/>
                           <a:cs typeface="Arial" panose="020B0604020202020204" pitchFamily="34" charset="0"/>
                         </a:rPr>
                         <a:t>32%</a:t>
@@ -17560,7 +17572,7 @@
                           <a:solidFill>
                             <a:schemeClr val="tx1"/>
                           </a:solidFill>
-                          <a:latin typeface="Univers (body)"/>
+                          <a:latin typeface="Gill Sans MT" panose="020B0502020104020203" pitchFamily="34" charset="0"/>
                           <a:cs typeface="Arial" panose="020B0604020202020204" pitchFamily="34" charset="0"/>
                         </a:rPr>
                         <a:t>73%</a:t>
@@ -17621,7 +17633,7 @@
                               <a:lumMod val="65000"/>
                             </a:schemeClr>
                           </a:solidFill>
-                          <a:latin typeface="Univers (body)"/>
+                          <a:latin typeface="Gill Sans MT" panose="020B0502020104020203" pitchFamily="34" charset="0"/>
                           <a:cs typeface="Arial" panose="020B0604020202020204" pitchFamily="34" charset="0"/>
                         </a:rPr>
                         <a:t>54%</a:t>
@@ -17679,7 +17691,7 @@
                           <a:solidFill>
                             <a:schemeClr val="tx1"/>
                           </a:solidFill>
-                          <a:latin typeface="Univers (body)"/>
+                          <a:latin typeface="Gill Sans MT" panose="020B0502020104020203" pitchFamily="34" charset="0"/>
                           <a:cs typeface="Arial" panose="020B0604020202020204" pitchFamily="34" charset="0"/>
                         </a:rPr>
                         <a:t>New York</a:t>
@@ -17726,7 +17738,7 @@
                           <a:solidFill>
                             <a:schemeClr val="tx1"/>
                           </a:solidFill>
-                          <a:latin typeface="Univers (body)"/>
+                          <a:latin typeface="Gill Sans MT" panose="020B0502020104020203" pitchFamily="34" charset="0"/>
                           <a:cs typeface="Arial" panose="020B0604020202020204" pitchFamily="34" charset="0"/>
                         </a:rPr>
                         <a:t>81%</a:t>
@@ -17781,7 +17793,7 @@
                           <a:solidFill>
                             <a:schemeClr val="tx1"/>
                           </a:solidFill>
-                          <a:latin typeface="Univers (body)"/>
+                          <a:latin typeface="Gill Sans MT" panose="020B0502020104020203" pitchFamily="34" charset="0"/>
                           <a:cs typeface="Arial" panose="020B0604020202020204" pitchFamily="34" charset="0"/>
                         </a:rPr>
                         <a:t>94%</a:t>
@@ -17838,7 +17850,7 @@
                               <a:lumMod val="65000"/>
                             </a:schemeClr>
                           </a:solidFill>
-                          <a:latin typeface="Univers (body)"/>
+                          <a:latin typeface="Gill Sans MT" panose="020B0502020104020203" pitchFamily="34" charset="0"/>
                           <a:cs typeface="Arial" panose="020B0604020202020204" pitchFamily="34" charset="0"/>
                         </a:rPr>
                         <a:t>81%</a:t>
@@ -17892,7 +17904,7 @@
                           <a:solidFill>
                             <a:schemeClr val="tx1"/>
                           </a:solidFill>
-                          <a:latin typeface="Univers (body)"/>
+                          <a:latin typeface="Gill Sans MT" panose="020B0502020104020203" pitchFamily="34" charset="0"/>
                           <a:cs typeface="Arial" panose="020B0604020202020204" pitchFamily="34" charset="0"/>
                         </a:rPr>
                         <a:t>Texas</a:t>
@@ -17943,7 +17955,7 @@
                           <a:solidFill>
                             <a:schemeClr val="tx1"/>
                           </a:solidFill>
-                          <a:latin typeface="Univers (body)"/>
+                          <a:latin typeface="Gill Sans MT" panose="020B0502020104020203" pitchFamily="34" charset="0"/>
                           <a:cs typeface="Arial" panose="020B0604020202020204" pitchFamily="34" charset="0"/>
                         </a:rPr>
                         <a:t>49%</a:t>
@@ -18002,7 +18014,7 @@
                           <a:solidFill>
                             <a:schemeClr val="tx1"/>
                           </a:solidFill>
-                          <a:latin typeface="Univers (body)"/>
+                          <a:latin typeface="Gill Sans MT" panose="020B0502020104020203" pitchFamily="34" charset="0"/>
                           <a:cs typeface="Arial" panose="020B0604020202020204" pitchFamily="34" charset="0"/>
                         </a:rPr>
                         <a:t>59%</a:t>
@@ -18063,7 +18075,7 @@
                               <a:lumMod val="65000"/>
                             </a:schemeClr>
                           </a:solidFill>
-                          <a:latin typeface="Univers (body)"/>
+                          <a:latin typeface="Gill Sans MT" panose="020B0502020104020203" pitchFamily="34" charset="0"/>
                           <a:cs typeface="Arial" panose="020B0604020202020204" pitchFamily="34" charset="0"/>
                         </a:rPr>
                         <a:t>40%</a:t>

--- a/2020_10_30_covid_usa_analysis.pptx
+++ b/2020_10_30_covid_usa_analysis.pptx
@@ -1908,14 +1908,12 @@
         <a:blipFill>
           <a:blip xmlns:r="http://schemas.openxmlformats.org/officeDocument/2006/relationships" r:embed="rId1">
             <a:extLst>
-              <a:ext uri="{28A0092B-C50C-407E-A947-70E740481C1C}">
-                <a14:useLocalDpi xmlns:a14="http://schemas.microsoft.com/office/drawing/2010/main" val="0"/>
-              </a:ext>
               <a:ext uri="{96DAC541-7B7A-43D3-8B79-37D633B846F1}">
                 <asvg:svgBlip xmlns:asvg="http://schemas.microsoft.com/office/drawing/2016/SVG/main" r:embed="rId2"/>
               </a:ext>
             </a:extLst>
           </a:blip>
+          <a:srcRect/>
           <a:stretch>
             <a:fillRect/>
           </a:stretch>
@@ -1926,7 +1924,7 @@
       </dgm:spPr>
       <dgm:extLst>
         <a:ext uri="{E40237B7-FDA0-4F09-8148-C483321AD2D9}">
-          <dgm14:cNvPr xmlns:dgm14="http://schemas.microsoft.com/office/drawing/2010/diagram" id="0" name="" descr="Database"/>
+          <dgm14:cNvPr xmlns:dgm14="http://schemas.microsoft.com/office/drawing/2010/diagram" id="0" name="" descr="Cmd Terminal"/>
         </a:ext>
       </dgm:extLst>
     </dgm:pt>
@@ -1968,14 +1966,12 @@
         <a:blipFill>
           <a:blip xmlns:r="http://schemas.openxmlformats.org/officeDocument/2006/relationships" r:embed="rId3">
             <a:extLst>
-              <a:ext uri="{28A0092B-C50C-407E-A947-70E740481C1C}">
-                <a14:useLocalDpi xmlns:a14="http://schemas.microsoft.com/office/drawing/2010/main" val="0"/>
-              </a:ext>
               <a:ext uri="{96DAC541-7B7A-43D3-8B79-37D633B846F1}">
                 <asvg:svgBlip xmlns:asvg="http://schemas.microsoft.com/office/drawing/2016/SVG/main" r:embed="rId4"/>
               </a:ext>
             </a:extLst>
           </a:blip>
+          <a:srcRect/>
           <a:stretch>
             <a:fillRect/>
           </a:stretch>
@@ -1986,7 +1982,7 @@
       </dgm:spPr>
       <dgm:extLst>
         <a:ext uri="{E40237B7-FDA0-4F09-8148-C483321AD2D9}">
-          <dgm14:cNvPr xmlns:dgm14="http://schemas.microsoft.com/office/drawing/2010/diagram" id="0" name="" descr="Processor"/>
+          <dgm14:cNvPr xmlns:dgm14="http://schemas.microsoft.com/office/drawing/2010/diagram" id="0" name="" descr="Database"/>
         </a:ext>
       </dgm:extLst>
     </dgm:pt>
@@ -2148,14 +2144,12 @@
         <a:blipFill>
           <a:blip xmlns:r="http://schemas.openxmlformats.org/officeDocument/2006/relationships" r:embed="rId9">
             <a:extLst>
-              <a:ext uri="{28A0092B-C50C-407E-A947-70E740481C1C}">
-                <a14:useLocalDpi xmlns:a14="http://schemas.microsoft.com/office/drawing/2010/main" val="0"/>
-              </a:ext>
               <a:ext uri="{96DAC541-7B7A-43D3-8B79-37D633B846F1}">
                 <asvg:svgBlip xmlns:asvg="http://schemas.microsoft.com/office/drawing/2016/SVG/main" r:embed="rId10"/>
               </a:ext>
             </a:extLst>
           </a:blip>
+          <a:srcRect/>
           <a:stretch>
             <a:fillRect/>
           </a:stretch>
@@ -2166,7 +2160,7 @@
       </dgm:spPr>
       <dgm:extLst>
         <a:ext uri="{E40237B7-FDA0-4F09-8148-C483321AD2D9}">
-          <dgm14:cNvPr xmlns:dgm14="http://schemas.microsoft.com/office/drawing/2010/diagram" id="0" name="" descr="Upward trend"/>
+          <dgm14:cNvPr xmlns:dgm14="http://schemas.microsoft.com/office/drawing/2010/diagram" id="0" name="" descr="Internet"/>
         </a:ext>
       </dgm:extLst>
     </dgm:pt>
@@ -2613,14 +2607,12 @@
         <a:blipFill>
           <a:blip xmlns:r="http://schemas.openxmlformats.org/officeDocument/2006/relationships" r:embed="rId1">
             <a:extLst>
-              <a:ext uri="{28A0092B-C50C-407E-A947-70E740481C1C}">
-                <a14:useLocalDpi xmlns:a14="http://schemas.microsoft.com/office/drawing/2010/main" val="0"/>
-              </a:ext>
               <a:ext uri="{96DAC541-7B7A-43D3-8B79-37D633B846F1}">
                 <asvg:svgBlip xmlns:asvg="http://schemas.microsoft.com/office/drawing/2016/SVG/main" r:embed="rId2"/>
               </a:ext>
             </a:extLst>
           </a:blip>
+          <a:srcRect/>
           <a:stretch>
             <a:fillRect/>
           </a:stretch>
@@ -2769,14 +2761,12 @@
         <a:blipFill>
           <a:blip xmlns:r="http://schemas.openxmlformats.org/officeDocument/2006/relationships" r:embed="rId3">
             <a:extLst>
-              <a:ext uri="{28A0092B-C50C-407E-A947-70E740481C1C}">
-                <a14:useLocalDpi xmlns:a14="http://schemas.microsoft.com/office/drawing/2010/main" val="0"/>
-              </a:ext>
               <a:ext uri="{96DAC541-7B7A-43D3-8B79-37D633B846F1}">
                 <asvg:svgBlip xmlns:asvg="http://schemas.microsoft.com/office/drawing/2016/SVG/main" r:embed="rId4"/>
               </a:ext>
             </a:extLst>
           </a:blip>
+          <a:srcRect/>
           <a:stretch>
             <a:fillRect/>
           </a:stretch>
@@ -3237,14 +3227,12 @@
         <a:blipFill>
           <a:blip xmlns:r="http://schemas.openxmlformats.org/officeDocument/2006/relationships" r:embed="rId9">
             <a:extLst>
-              <a:ext uri="{28A0092B-C50C-407E-A947-70E740481C1C}">
-                <a14:useLocalDpi xmlns:a14="http://schemas.microsoft.com/office/drawing/2010/main" val="0"/>
-              </a:ext>
               <a:ext uri="{96DAC541-7B7A-43D3-8B79-37D633B846F1}">
                 <asvg:svgBlip xmlns:asvg="http://schemas.microsoft.com/office/drawing/2016/SVG/main" r:embed="rId10"/>
               </a:ext>
             </a:extLst>
           </a:blip>
+          <a:srcRect/>
           <a:stretch>
             <a:fillRect/>
           </a:stretch>
@@ -13910,7 +13898,7 @@
             <p:ph idx="1"/>
             <p:extLst>
               <p:ext uri="{D42A27DB-BD31-4B8C-83A1-F6EECF244321}">
-                <p14:modId xmlns:p14="http://schemas.microsoft.com/office/powerpoint/2010/main" val="1638068206"/>
+                <p14:modId xmlns:p14="http://schemas.microsoft.com/office/powerpoint/2010/main" val="875175662"/>
               </p:ext>
             </p:extLst>
           </p:nvPr>
@@ -14684,14 +14672,14 @@
           <p:nvPr>
             <p:extLst>
               <p:ext uri="{D42A27DB-BD31-4B8C-83A1-F6EECF244321}">
-                <p14:modId xmlns:p14="http://schemas.microsoft.com/office/powerpoint/2010/main" val="4108955963"/>
+                <p14:modId xmlns:p14="http://schemas.microsoft.com/office/powerpoint/2010/main" val="869035114"/>
               </p:ext>
             </p:extLst>
           </p:nvPr>
         </p:nvGraphicFramePr>
         <p:xfrm>
-          <a:off x="1765766" y="2754143"/>
-          <a:ext cx="4832803" cy="3840480"/>
+          <a:off x="1765766" y="2615184"/>
+          <a:ext cx="4832803" cy="3688080"/>
         </p:xfrm>
         <a:graphic>
           <a:graphicData uri="http://schemas.openxmlformats.org/drawingml/2006/table">
@@ -14707,21 +14695,21 @@
                     </a:ext>
                   </a:extLst>
                 </a:gridCol>
-                <a:gridCol w="2028585">
+                <a:gridCol w="1799335">
                   <a:extLst>
                     <a:ext uri="{9D8B030D-6E8A-4147-A177-3AD203B41FA5}">
                       <a16:colId xmlns:a16="http://schemas.microsoft.com/office/drawing/2014/main" val="331247508"/>
                     </a:ext>
                   </a:extLst>
                 </a:gridCol>
-                <a:gridCol w="391885">
+                <a:gridCol w="374847">
                   <a:extLst>
                     <a:ext uri="{9D8B030D-6E8A-4147-A177-3AD203B41FA5}">
                       <a16:colId xmlns:a16="http://schemas.microsoft.com/office/drawing/2014/main" val="4087011191"/>
                     </a:ext>
                   </a:extLst>
                 </a:gridCol>
-                <a:gridCol w="2007461">
+                <a:gridCol w="2253749">
                   <a:extLst>
                     <a:ext uri="{9D8B030D-6E8A-4147-A177-3AD203B41FA5}">
                       <a16:colId xmlns:a16="http://schemas.microsoft.com/office/drawing/2014/main" val="2255967916"/>
@@ -14737,7 +14725,7 @@
                     <a:p>
                       <a:pPr>
                         <a:lnSpc>
-                          <a:spcPct val="90000"/>
+                          <a:spcPct val="85000"/>
                         </a:lnSpc>
                       </a:pPr>
                       <a:r>
@@ -14767,7 +14755,7 @@
                     <a:p>
                       <a:pPr>
                         <a:lnSpc>
-                          <a:spcPct val="90000"/>
+                          <a:spcPct val="85000"/>
                         </a:lnSpc>
                       </a:pPr>
                       <a:r>
@@ -14804,7 +14792,7 @@
                     <a:p>
                       <a:pPr>
                         <a:lnSpc>
-                          <a:spcPct val="90000"/>
+                          <a:spcPct val="85000"/>
                         </a:lnSpc>
                       </a:pPr>
                       <a:endParaRPr lang="en-US" sz="1600" dirty="0">
@@ -14821,7 +14809,7 @@
                     <a:p>
                       <a:pPr>
                         <a:lnSpc>
-                          <a:spcPct val="90000"/>
+                          <a:spcPct val="85000"/>
                         </a:lnSpc>
                       </a:pPr>
                       <a:r>
@@ -14841,7 +14829,7 @@
                     <a:p>
                       <a:pPr>
                         <a:lnSpc>
-                          <a:spcPct val="90000"/>
+                          <a:spcPct val="85000"/>
                         </a:lnSpc>
                       </a:pPr>
                       <a:endParaRPr lang="en-US" sz="1600" dirty="0">
@@ -14858,7 +14846,7 @@
                     <a:p>
                       <a:pPr>
                         <a:lnSpc>
-                          <a:spcPct val="90000"/>
+                          <a:spcPct val="85000"/>
                         </a:lnSpc>
                       </a:pPr>
                       <a:r>
@@ -14885,7 +14873,7 @@
                     <a:p>
                       <a:pPr>
                         <a:lnSpc>
-                          <a:spcPct val="90000"/>
+                          <a:spcPct val="85000"/>
                         </a:lnSpc>
                       </a:pPr>
                       <a:r>
@@ -14915,7 +14903,7 @@
                     <a:p>
                       <a:pPr>
                         <a:lnSpc>
-                          <a:spcPct val="90000"/>
+                          <a:spcPct val="85000"/>
                         </a:lnSpc>
                       </a:pPr>
                       <a:endParaRPr lang="en-US" sz="1800" dirty="0">
@@ -14932,7 +14920,7 @@
                     <a:p>
                       <a:pPr>
                         <a:lnSpc>
-                          <a:spcPct val="90000"/>
+                          <a:spcPct val="85000"/>
                         </a:lnSpc>
                       </a:pPr>
                       <a:r>
@@ -14959,7 +14947,7 @@
                     <a:p>
                       <a:pPr>
                         <a:lnSpc>
-                          <a:spcPct val="90000"/>
+                          <a:spcPct val="85000"/>
                         </a:lnSpc>
                       </a:pPr>
                       <a:endParaRPr lang="en-US" sz="1600">
@@ -14976,7 +14964,7 @@
                     <a:p>
                       <a:pPr>
                         <a:lnSpc>
-                          <a:spcPct val="90000"/>
+                          <a:spcPct val="85000"/>
                         </a:lnSpc>
                       </a:pPr>
                       <a:r>
@@ -14996,7 +14984,7 @@
                     <a:p>
                       <a:pPr>
                         <a:lnSpc>
-                          <a:spcPct val="90000"/>
+                          <a:spcPct val="85000"/>
                         </a:lnSpc>
                       </a:pPr>
                       <a:endParaRPr lang="en-US" sz="1600" dirty="0">
@@ -15013,7 +15001,7 @@
                     <a:p>
                       <a:pPr>
                         <a:lnSpc>
-                          <a:spcPct val="90000"/>
+                          <a:spcPct val="85000"/>
                         </a:lnSpc>
                       </a:pPr>
                       <a:r>
@@ -15040,7 +15028,7 @@
                     <a:p>
                       <a:pPr>
                         <a:lnSpc>
-                          <a:spcPct val="90000"/>
+                          <a:spcPct val="85000"/>
                         </a:lnSpc>
                       </a:pPr>
                       <a:endParaRPr lang="en-US" sz="1600" dirty="0">
@@ -15057,7 +15045,7 @@
                     <a:p>
                       <a:pPr>
                         <a:lnSpc>
-                          <a:spcPct val="90000"/>
+                          <a:spcPct val="85000"/>
                         </a:lnSpc>
                       </a:pPr>
                       <a:r>
@@ -15080,7 +15068,7 @@
                     <a:p>
                       <a:pPr>
                         <a:lnSpc>
-                          <a:spcPct val="90000"/>
+                          <a:spcPct val="85000"/>
                         </a:lnSpc>
                       </a:pPr>
                       <a:endParaRPr lang="en-US" sz="1600" dirty="0">
@@ -15114,7 +15102,7 @@
                     <a:p>
                       <a:pPr>
                         <a:lnSpc>
-                          <a:spcPct val="90000"/>
+                          <a:spcPct val="85000"/>
                         </a:lnSpc>
                       </a:pPr>
                       <a:endParaRPr lang="en-US" sz="1600" dirty="0">
@@ -15131,7 +15119,7 @@
                     <a:p>
                       <a:pPr>
                         <a:lnSpc>
-                          <a:spcPct val="90000"/>
+                          <a:spcPct val="85000"/>
                         </a:lnSpc>
                       </a:pPr>
                       <a:r>
@@ -15151,7 +15139,7 @@
                     <a:p>
                       <a:pPr>
                         <a:lnSpc>
-                          <a:spcPct val="90000"/>
+                          <a:spcPct val="85000"/>
                         </a:lnSpc>
                       </a:pPr>
                       <a:endParaRPr lang="en-US" sz="1600" dirty="0">
@@ -15185,7 +15173,7 @@
                     <a:p>
                       <a:pPr>
                         <a:lnSpc>
-                          <a:spcPct val="90000"/>
+                          <a:spcPct val="85000"/>
                         </a:lnSpc>
                       </a:pPr>
                       <a:r>
@@ -15215,7 +15203,7 @@
                     <a:p>
                       <a:pPr>
                         <a:lnSpc>
-                          <a:spcPct val="90000"/>
+                          <a:spcPct val="85000"/>
                         </a:lnSpc>
                       </a:pPr>
                       <a:endParaRPr lang="en-US" sz="1800" i="1" dirty="0">
@@ -15249,7 +15237,7 @@
                     <a:p>
                       <a:pPr>
                         <a:lnSpc>
-                          <a:spcPct val="90000"/>
+                          <a:spcPct val="85000"/>
                         </a:lnSpc>
                       </a:pPr>
                       <a:endParaRPr lang="en-US" sz="1600">
@@ -15266,7 +15254,7 @@
                     <a:p>
                       <a:pPr>
                         <a:lnSpc>
-                          <a:spcPct val="90000"/>
+                          <a:spcPct val="85000"/>
                         </a:lnSpc>
                       </a:pPr>
                       <a:r>
@@ -15286,7 +15274,7 @@
                     <a:p>
                       <a:pPr>
                         <a:lnSpc>
-                          <a:spcPct val="90000"/>
+                          <a:spcPct val="85000"/>
                         </a:lnSpc>
                       </a:pPr>
                       <a:endParaRPr lang="en-US" sz="1600" dirty="0">
@@ -15320,7 +15308,7 @@
                     <a:p>
                       <a:pPr>
                         <a:lnSpc>
-                          <a:spcPct val="90000"/>
+                          <a:spcPct val="85000"/>
                         </a:lnSpc>
                       </a:pPr>
                       <a:endParaRPr lang="en-US" sz="1600">
@@ -15337,7 +15325,7 @@
                     <a:p>
                       <a:pPr>
                         <a:lnSpc>
-                          <a:spcPct val="90000"/>
+                          <a:spcPct val="85000"/>
                         </a:lnSpc>
                       </a:pPr>
                       <a:r>
@@ -15357,7 +15345,7 @@
                     <a:p>
                       <a:pPr>
                         <a:lnSpc>
-                          <a:spcPct val="90000"/>
+                          <a:spcPct val="85000"/>
                         </a:lnSpc>
                       </a:pPr>
                       <a:endParaRPr lang="en-US" sz="1600" dirty="0">
@@ -15391,7 +15379,7 @@
                     <a:p>
                       <a:pPr>
                         <a:lnSpc>
-                          <a:spcPct val="90000"/>
+                          <a:spcPct val="85000"/>
                         </a:lnSpc>
                       </a:pPr>
                       <a:endParaRPr lang="en-US" sz="1600">
@@ -15408,7 +15396,7 @@
                     <a:p>
                       <a:pPr>
                         <a:lnSpc>
-                          <a:spcPct val="90000"/>
+                          <a:spcPct val="85000"/>
                         </a:lnSpc>
                       </a:pPr>
                       <a:r>
@@ -15428,7 +15416,7 @@
                     <a:p>
                       <a:pPr>
                         <a:lnSpc>
-                          <a:spcPct val="90000"/>
+                          <a:spcPct val="85000"/>
                         </a:lnSpc>
                       </a:pPr>
                       <a:endParaRPr lang="en-US" sz="1600" dirty="0">
@@ -15462,7 +15450,7 @@
                     <a:p>
                       <a:pPr>
                         <a:lnSpc>
-                          <a:spcPct val="90000"/>
+                          <a:spcPct val="85000"/>
                         </a:lnSpc>
                       </a:pPr>
                       <a:r>
@@ -15492,7 +15480,7 @@
                     <a:p>
                       <a:pPr>
                         <a:lnSpc>
-                          <a:spcPct val="90000"/>
+                          <a:spcPct val="85000"/>
                         </a:lnSpc>
                       </a:pPr>
                       <a:endParaRPr lang="en-US" sz="1800" dirty="0">
@@ -15526,7 +15514,7 @@
                     <a:p>
                       <a:pPr>
                         <a:lnSpc>
-                          <a:spcPct val="90000"/>
+                          <a:spcPct val="85000"/>
                         </a:lnSpc>
                       </a:pPr>
                       <a:endParaRPr lang="en-US" sz="1600" dirty="0">
@@ -15543,7 +15531,7 @@
                     <a:p>
                       <a:pPr>
                         <a:lnSpc>
-                          <a:spcPct val="90000"/>
+                          <a:spcPct val="85000"/>
                         </a:lnSpc>
                       </a:pPr>
                       <a:r>
@@ -15563,7 +15551,7 @@
                     <a:p>
                       <a:pPr>
                         <a:lnSpc>
-                          <a:spcPct val="90000"/>
+                          <a:spcPct val="85000"/>
                         </a:lnSpc>
                       </a:pPr>
                       <a:endParaRPr lang="en-US" sz="1600" dirty="0">
@@ -15607,7 +15595,7 @@
         </p:nvSpPr>
         <p:spPr>
           <a:xfrm>
-            <a:off x="448056" y="2362636"/>
+            <a:off x="448056" y="2283116"/>
             <a:ext cx="1603581" cy="369332"/>
           </a:xfrm>
           <a:prstGeom prst="rect">
@@ -15625,7 +15613,7 @@
               <a:rPr lang="en-US" dirty="0">
                 <a:latin typeface="Gill Sans MT" panose="020B0502020104020203" pitchFamily="34" charset="0"/>
               </a:rPr>
-              <a:t>County Level</a:t>
+              <a:t>County-Level</a:t>
             </a:r>
           </a:p>
         </p:txBody>
@@ -15670,7 +15658,7 @@
       </p:grpSpPr>
       <p:sp useBgFill="1">
         <p:nvSpPr>
-          <p:cNvPr id="10" name="Rectangle 9">
+          <p:cNvPr id="21" name="Rectangle 20">
             <a:extLst>
               <a:ext uri="{FF2B5EF4-FFF2-40B4-BE49-F238E27FC236}">
                 <a16:creationId xmlns:a16="http://schemas.microsoft.com/office/drawing/2014/main" id="{E45B1D5C-0827-4AF0-8186-11FC5A8B8B92}"/>
@@ -15752,7 +15740,7 @@
         </p:spPr>
         <p:txBody>
           <a:bodyPr vert="horz" lIns="91440" tIns="45720" rIns="91440" bIns="45720" rtlCol="0" anchor="ctr">
-            <a:noAutofit/>
+            <a:normAutofit/>
           </a:bodyPr>
           <a:lstStyle/>
           <a:p>
@@ -15767,7 +15755,7 @@
       </p:sp>
       <p:sp>
         <p:nvSpPr>
-          <p:cNvPr id="12" name="Rectangle 11">
+          <p:cNvPr id="23" name="Rectangle 22">
             <a:extLst>
               <a:ext uri="{FF2B5EF4-FFF2-40B4-BE49-F238E27FC236}">
                 <a16:creationId xmlns:a16="http://schemas.microsoft.com/office/drawing/2014/main" id="{99413ED5-9ED4-4772-BCE4-2BCAE6B12E35}"/>
@@ -15830,7 +15818,7 @@
       </p:sp>
       <p:sp>
         <p:nvSpPr>
-          <p:cNvPr id="14" name="Rectangle 13">
+          <p:cNvPr id="25" name="Rectangle 24">
             <a:extLst>
               <a:ext uri="{FF2B5EF4-FFF2-40B4-BE49-F238E27FC236}">
                 <a16:creationId xmlns:a16="http://schemas.microsoft.com/office/drawing/2014/main" id="{04357C93-F0CB-4A1C-8F77-4E9063789819}"/>
@@ -15900,10 +15888,10 @@
       </p:sp>
       <p:pic>
         <p:nvPicPr>
-          <p:cNvPr id="5" name="Content Placeholder 4" descr="Chart, line chart&#10;&#10;Description automatically generated">
+          <p:cNvPr id="13" name="Content Placeholder 12" descr="Chart, line chart&#10;&#10;Description automatically generated">
             <a:extLst>
               <a:ext uri="{FF2B5EF4-FFF2-40B4-BE49-F238E27FC236}">
-                <a16:creationId xmlns:a16="http://schemas.microsoft.com/office/drawing/2014/main" id="{A741A626-8131-4C77-A7BA-9F03C672C849}"/>
+                <a16:creationId xmlns:a16="http://schemas.microsoft.com/office/drawing/2014/main" id="{F86A9215-08A1-467D-8CD6-13038C122190}"/>
               </a:ext>
             </a:extLst>
           </p:cNvPr>
@@ -15922,13 +15910,13 @@
               </a:ext>
             </a:extLst>
           </a:blip>
-          <a:srcRect t="-788" b="2"/>
+          <a:srcRect l="7303" r="-2" b="-2"/>
           <a:stretch/>
         </p:blipFill>
         <p:spPr>
           <a:xfrm>
-            <a:off x="552310" y="787569"/>
-            <a:ext cx="7608304" cy="5406123"/>
+            <a:off x="545238" y="858525"/>
+            <a:ext cx="7608304" cy="5211906"/>
           </a:xfrm>
           <a:prstGeom prst="rect">
             <a:avLst/>
@@ -15937,7 +15925,7 @@
       </p:pic>
       <p:sp>
         <p:nvSpPr>
-          <p:cNvPr id="16" name="Rectangle 15">
+          <p:cNvPr id="27" name="Rectangle 26">
             <a:extLst>
               <a:ext uri="{FF2B5EF4-FFF2-40B4-BE49-F238E27FC236}">
                 <a16:creationId xmlns:a16="http://schemas.microsoft.com/office/drawing/2014/main" id="{90F533E9-6690-41A8-A372-4C6C622D028D}"/>

--- a/2020_10_30_covid_usa_analysis.pptx
+++ b/2020_10_30_covid_usa_analysis.pptx
@@ -131,7 +131,18 @@
   </p:defaultTextStyle>
   <p:extLst>
     <p:ext uri="{EFAFB233-063F-42B5-8137-9DF3F51BA10A}">
-      <p15:sldGuideLst xmlns:p15="http://schemas.microsoft.com/office/powerpoint/2012/main"/>
+      <p15:sldGuideLst xmlns:p15="http://schemas.microsoft.com/office/powerpoint/2012/main">
+        <p15:guide id="1" orient="horz" pos="1464" userDrawn="1">
+          <p15:clr>
+            <a:srgbClr val="A4A3A4"/>
+          </p15:clr>
+        </p15:guide>
+        <p15:guide id="2" pos="3840" userDrawn="1">
+          <p15:clr>
+            <a:srgbClr val="A4A3A4"/>
+          </p15:clr>
+        </p15:guide>
+      </p15:sldGuideLst>
     </p:ext>
   </p:extLst>
 </p:presentation>
@@ -6239,7 +6250,7 @@
           <a:p>
             <a:fld id="{8673BD2C-3D40-44CC-A737-05E575518844}" type="datetimeFigureOut">
               <a:rPr lang="en-US" smtClean="0"/>
-              <a:t>10/29/2020</a:t>
+              <a:t>10/30/2020</a:t>
             </a:fld>
             <a:endParaRPr lang="en-US"/>
           </a:p>
@@ -7784,7 +7795,7 @@
           <a:p>
             <a:fld id="{05B25BAE-47B8-4DDA-AD99-536B9CF184D5}" type="datetimeFigureOut">
               <a:rPr lang="en-US" smtClean="0"/>
-              <a:t>10/29/2020</a:t>
+              <a:t>10/30/2020</a:t>
             </a:fld>
             <a:endParaRPr lang="en-US"/>
           </a:p>
@@ -7982,7 +7993,7 @@
           <a:p>
             <a:fld id="{05B25BAE-47B8-4DDA-AD99-536B9CF184D5}" type="datetimeFigureOut">
               <a:rPr lang="en-US" smtClean="0"/>
-              <a:t>10/29/2020</a:t>
+              <a:t>10/30/2020</a:t>
             </a:fld>
             <a:endParaRPr lang="en-US"/>
           </a:p>
@@ -8190,7 +8201,7 @@
           <a:p>
             <a:fld id="{05B25BAE-47B8-4DDA-AD99-536B9CF184D5}" type="datetimeFigureOut">
               <a:rPr lang="en-US" smtClean="0"/>
-              <a:t>10/29/2020</a:t>
+              <a:t>10/30/2020</a:t>
             </a:fld>
             <a:endParaRPr lang="en-US"/>
           </a:p>
@@ -8388,7 +8399,7 @@
           <a:p>
             <a:fld id="{05B25BAE-47B8-4DDA-AD99-536B9CF184D5}" type="datetimeFigureOut">
               <a:rPr lang="en-US" smtClean="0"/>
-              <a:t>10/29/2020</a:t>
+              <a:t>10/30/2020</a:t>
             </a:fld>
             <a:endParaRPr lang="en-US"/>
           </a:p>
@@ -8663,7 +8674,7 @@
           <a:p>
             <a:fld id="{05B25BAE-47B8-4DDA-AD99-536B9CF184D5}" type="datetimeFigureOut">
               <a:rPr lang="en-US" smtClean="0"/>
-              <a:t>10/29/2020</a:t>
+              <a:t>10/30/2020</a:t>
             </a:fld>
             <a:endParaRPr lang="en-US"/>
           </a:p>
@@ -8928,7 +8939,7 @@
           <a:p>
             <a:fld id="{05B25BAE-47B8-4DDA-AD99-536B9CF184D5}" type="datetimeFigureOut">
               <a:rPr lang="en-US" smtClean="0"/>
-              <a:t>10/29/2020</a:t>
+              <a:t>10/30/2020</a:t>
             </a:fld>
             <a:endParaRPr lang="en-US"/>
           </a:p>
@@ -9340,7 +9351,7 @@
           <a:p>
             <a:fld id="{05B25BAE-47B8-4DDA-AD99-536B9CF184D5}" type="datetimeFigureOut">
               <a:rPr lang="en-US" smtClean="0"/>
-              <a:t>10/29/2020</a:t>
+              <a:t>10/30/2020</a:t>
             </a:fld>
             <a:endParaRPr lang="en-US"/>
           </a:p>
@@ -9481,7 +9492,7 @@
           <a:p>
             <a:fld id="{05B25BAE-47B8-4DDA-AD99-536B9CF184D5}" type="datetimeFigureOut">
               <a:rPr lang="en-US" smtClean="0"/>
-              <a:t>10/29/2020</a:t>
+              <a:t>10/30/2020</a:t>
             </a:fld>
             <a:endParaRPr lang="en-US"/>
           </a:p>
@@ -9594,7 +9605,7 @@
           <a:p>
             <a:fld id="{05B25BAE-47B8-4DDA-AD99-536B9CF184D5}" type="datetimeFigureOut">
               <a:rPr lang="en-US" smtClean="0"/>
-              <a:t>10/29/2020</a:t>
+              <a:t>10/30/2020</a:t>
             </a:fld>
             <a:endParaRPr lang="en-US"/>
           </a:p>
@@ -9905,7 +9916,7 @@
           <a:p>
             <a:fld id="{05B25BAE-47B8-4DDA-AD99-536B9CF184D5}" type="datetimeFigureOut">
               <a:rPr lang="en-US" smtClean="0"/>
-              <a:t>10/29/2020</a:t>
+              <a:t>10/30/2020</a:t>
             </a:fld>
             <a:endParaRPr lang="en-US"/>
           </a:p>
@@ -10193,7 +10204,7 @@
           <a:p>
             <a:fld id="{05B25BAE-47B8-4DDA-AD99-536B9CF184D5}" type="datetimeFigureOut">
               <a:rPr lang="en-US" smtClean="0"/>
-              <a:t>10/29/2020</a:t>
+              <a:t>10/30/2020</a:t>
             </a:fld>
             <a:endParaRPr lang="en-US"/>
           </a:p>
@@ -10434,7 +10445,7 @@
           <a:p>
             <a:fld id="{05B25BAE-47B8-4DDA-AD99-536B9CF184D5}" type="datetimeFigureOut">
               <a:rPr lang="en-US" smtClean="0"/>
-              <a:t>10/29/2020</a:t>
+              <a:t>10/30/2020</a:t>
             </a:fld>
             <a:endParaRPr lang="en-US"/>
           </a:p>
@@ -10937,7 +10948,7 @@
         </p:nvSpPr>
         <p:spPr>
           <a:xfrm>
-            <a:off x="477980" y="1220388"/>
+            <a:off x="493220" y="1220388"/>
             <a:ext cx="4224649" cy="3204134"/>
           </a:xfrm>
         </p:spPr>
@@ -10949,7 +10960,7 @@
           <a:p>
             <a:pPr algn="l"/>
             <a:r>
-              <a:rPr lang="en-US" sz="4800" dirty="0">
+              <a:rPr lang="en-US" sz="5000" dirty="0">
                 <a:latin typeface="Gill Sans MT" panose="020B0502020104020203" pitchFamily="34" charset="0"/>
                 <a:cs typeface="Helvetica" panose="020B0604020202020204" pitchFamily="34" charset="0"/>
               </a:rPr>
@@ -11422,7 +11433,7 @@
         </p:blipFill>
         <p:spPr>
           <a:xfrm>
-            <a:off x="231351" y="2083411"/>
+            <a:off x="157511" y="2083411"/>
             <a:ext cx="5864649" cy="3718823"/>
           </a:xfrm>
         </p:spPr>
@@ -11457,8 +11468,8 @@
         </p:blipFill>
         <p:spPr>
           <a:xfrm>
-            <a:off x="6021132" y="2138985"/>
-            <a:ext cx="6045332" cy="3718822"/>
+            <a:off x="5827164" y="2061593"/>
+            <a:ext cx="6171140" cy="3796214"/>
           </a:xfrm>
         </p:spPr>
       </p:pic>
@@ -14672,14 +14683,14 @@
           <p:nvPr>
             <p:extLst>
               <p:ext uri="{D42A27DB-BD31-4B8C-83A1-F6EECF244321}">
-                <p14:modId xmlns:p14="http://schemas.microsoft.com/office/powerpoint/2010/main" val="869035114"/>
+                <p14:modId xmlns:p14="http://schemas.microsoft.com/office/powerpoint/2010/main" val="2471401220"/>
               </p:ext>
             </p:extLst>
           </p:nvPr>
         </p:nvGraphicFramePr>
         <p:xfrm>
-          <a:off x="1765766" y="2615184"/>
-          <a:ext cx="4832803" cy="3688080"/>
+          <a:off x="1152367" y="2823973"/>
+          <a:ext cx="5363083" cy="3474720"/>
         </p:xfrm>
         <a:graphic>
           <a:graphicData uri="http://schemas.openxmlformats.org/drawingml/2006/table">
@@ -14688,31 +14699,31 @@
                 <a:tableStyleId>{2D5ABB26-0587-4C30-8999-92F81FD0307C}</a:tableStyleId>
               </a:tblPr>
               <a:tblGrid>
-                <a:gridCol w="404872">
+                <a:gridCol w="449297">
                   <a:extLst>
                     <a:ext uri="{9D8B030D-6E8A-4147-A177-3AD203B41FA5}">
                       <a16:colId xmlns:a16="http://schemas.microsoft.com/office/drawing/2014/main" val="284375434"/>
                     </a:ext>
                   </a:extLst>
                 </a:gridCol>
-                <a:gridCol w="1799335">
+                <a:gridCol w="2204464">
                   <a:extLst>
                     <a:ext uri="{9D8B030D-6E8A-4147-A177-3AD203B41FA5}">
                       <a16:colId xmlns:a16="http://schemas.microsoft.com/office/drawing/2014/main" val="331247508"/>
                     </a:ext>
                   </a:extLst>
                 </a:gridCol>
-                <a:gridCol w="374847">
+                <a:gridCol w="480326">
                   <a:extLst>
                     <a:ext uri="{9D8B030D-6E8A-4147-A177-3AD203B41FA5}">
                       <a16:colId xmlns:a16="http://schemas.microsoft.com/office/drawing/2014/main" val="4087011191"/>
                     </a:ext>
                   </a:extLst>
                 </a:gridCol>
-                <a:gridCol w="2253749">
+                <a:gridCol w="2228996">
                   <a:extLst>
                     <a:ext uri="{9D8B030D-6E8A-4147-A177-3AD203B41FA5}">
-                      <a16:colId xmlns:a16="http://schemas.microsoft.com/office/drawing/2014/main" val="2255967916"/>
+                      <a16:colId xmlns:a16="http://schemas.microsoft.com/office/drawing/2014/main" val="3086869948"/>
                     </a:ext>
                   </a:extLst>
                 </a:gridCol>
@@ -14725,18 +14736,55 @@
                     <a:p>
                       <a:pPr>
                         <a:lnSpc>
-                          <a:spcPct val="85000"/>
+                          <a:spcPct val="100000"/>
                         </a:lnSpc>
                       </a:pPr>
                       <a:r>
-                        <a:rPr lang="en-US" sz="1800" i="1" dirty="0">
+                        <a:rPr lang="en-US" sz="1800" b="1" i="1" dirty="0">
                           <a:latin typeface="Gill Sans MT" panose="020B0502020104020203" pitchFamily="34" charset="0"/>
                         </a:rPr>
                         <a:t>Area</a:t>
                       </a:r>
                     </a:p>
                   </a:txBody>
-                  <a:tcPr/>
+                  <a:tcPr>
+                    <a:lnL w="12700" cap="flat" cmpd="sng" algn="ctr">
+                      <a:noFill/>
+                      <a:prstDash val="solid"/>
+                      <a:round/>
+                      <a:headEnd type="none" w="med" len="med"/>
+                      <a:tailEnd type="none" w="med" len="med"/>
+                    </a:lnL>
+                    <a:lnR w="12700" cap="flat" cmpd="sng" algn="ctr">
+                      <a:noFill/>
+                      <a:prstDash val="solid"/>
+                      <a:round/>
+                      <a:headEnd type="none" w="med" len="med"/>
+                      <a:tailEnd type="none" w="med" len="med"/>
+                    </a:lnR>
+                    <a:lnT w="12700" cap="flat" cmpd="sng" algn="ctr">
+                      <a:noFill/>
+                      <a:prstDash val="solid"/>
+                      <a:round/>
+                      <a:headEnd type="none" w="med" len="med"/>
+                      <a:tailEnd type="none" w="med" len="med"/>
+                    </a:lnT>
+                    <a:lnB w="12700" cap="flat" cmpd="sng" algn="ctr">
+                      <a:noFill/>
+                      <a:prstDash val="solid"/>
+                      <a:round/>
+                      <a:headEnd type="none" w="med" len="med"/>
+                      <a:tailEnd type="none" w="med" len="med"/>
+                    </a:lnB>
+                    <a:lnTlToBr w="12700" cmpd="sng">
+                      <a:noFill/>
+                      <a:prstDash val="solid"/>
+                    </a:lnTlToBr>
+                    <a:lnBlToTr w="12700" cmpd="sng">
+                      <a:noFill/>
+                      <a:prstDash val="solid"/>
+                    </a:lnBlToTr>
+                  </a:tcPr>
                 </a:tc>
                 <a:tc hMerge="1">
                   <a:txBody>
@@ -14755,28 +14803,117 @@
                     <a:p>
                       <a:pPr>
                         <a:lnSpc>
-                          <a:spcPct val="85000"/>
+                          <a:spcPct val="100000"/>
                         </a:lnSpc>
                       </a:pPr>
                       <a:r>
-                        <a:rPr lang="en-US" sz="1800" i="1" dirty="0">
+                        <a:rPr lang="en-US" sz="1800" b="1" i="1" dirty="0">
                           <a:latin typeface="Gill Sans MT" panose="020B0502020104020203" pitchFamily="34" charset="0"/>
                         </a:rPr>
                         <a:t>COVID-19</a:t>
                       </a:r>
                     </a:p>
                   </a:txBody>
-                  <a:tcPr/>
+                  <a:tcPr>
+                    <a:lnL w="12700" cap="flat" cmpd="sng" algn="ctr">
+                      <a:noFill/>
+                      <a:prstDash val="solid"/>
+                      <a:round/>
+                      <a:headEnd type="none" w="med" len="med"/>
+                      <a:tailEnd type="none" w="med" len="med"/>
+                    </a:lnL>
+                    <a:lnR w="12700" cap="flat" cmpd="sng" algn="ctr">
+                      <a:noFill/>
+                      <a:prstDash val="solid"/>
+                      <a:round/>
+                      <a:headEnd type="none" w="med" len="med"/>
+                      <a:tailEnd type="none" w="med" len="med"/>
+                    </a:lnR>
+                    <a:lnT w="12700" cap="flat" cmpd="sng" algn="ctr">
+                      <a:noFill/>
+                      <a:prstDash val="solid"/>
+                      <a:round/>
+                      <a:headEnd type="none" w="med" len="med"/>
+                      <a:tailEnd type="none" w="med" len="med"/>
+                    </a:lnT>
+                    <a:lnB w="12700" cap="flat" cmpd="sng" algn="ctr">
+                      <a:noFill/>
+                      <a:prstDash val="solid"/>
+                      <a:round/>
+                      <a:headEnd type="none" w="med" len="med"/>
+                      <a:tailEnd type="none" w="med" len="med"/>
+                    </a:lnB>
+                    <a:lnTlToBr w="12700" cmpd="sng">
+                      <a:noFill/>
+                      <a:prstDash val="solid"/>
+                    </a:lnTlToBr>
+                    <a:lnBlToTr w="12700" cmpd="sng">
+                      <a:noFill/>
+                      <a:prstDash val="solid"/>
+                    </a:lnBlToTr>
+                  </a:tcPr>
                 </a:tc>
                 <a:tc hMerge="1">
                   <a:txBody>
                     <a:bodyPr/>
                     <a:lstStyle/>
                     <a:p>
-                      <a:endParaRPr lang="en-US"/>
+                      <a:pPr>
+                        <a:lnSpc>
+                          <a:spcPct val="100000"/>
+                        </a:lnSpc>
+                      </a:pPr>
+                      <a:endParaRPr lang="en-US" sz="1800" b="1" i="1" dirty="0">
+                        <a:latin typeface="Gill Sans MT" panose="020B0502020104020203" pitchFamily="34" charset="0"/>
+                      </a:endParaRPr>
                     </a:p>
                   </a:txBody>
-                  <a:tcPr/>
+                  <a:tcPr>
+                    <a:lnL w="12700" cap="flat" cmpd="sng" algn="ctr">
+                      <a:solidFill>
+                        <a:schemeClr val="tx1"/>
+                      </a:solidFill>
+                      <a:prstDash val="solid"/>
+                      <a:round/>
+                      <a:headEnd type="none" w="med" len="med"/>
+                      <a:tailEnd type="none" w="med" len="med"/>
+                    </a:lnL>
+                    <a:lnR w="12700" cap="flat" cmpd="sng" algn="ctr">
+                      <a:solidFill>
+                        <a:schemeClr val="tx1"/>
+                      </a:solidFill>
+                      <a:prstDash val="solid"/>
+                      <a:round/>
+                      <a:headEnd type="none" w="med" len="med"/>
+                      <a:tailEnd type="none" w="med" len="med"/>
+                    </a:lnR>
+                    <a:lnT w="12700" cap="flat" cmpd="sng" algn="ctr">
+                      <a:solidFill>
+                        <a:schemeClr val="tx1"/>
+                      </a:solidFill>
+                      <a:prstDash val="solid"/>
+                      <a:round/>
+                      <a:headEnd type="none" w="med" len="med"/>
+                      <a:tailEnd type="none" w="med" len="med"/>
+                    </a:lnT>
+                    <a:lnB w="12700" cap="flat" cmpd="sng" algn="ctr">
+                      <a:solidFill>
+                        <a:schemeClr val="tx1"/>
+                      </a:solidFill>
+                      <a:prstDash val="solid"/>
+                      <a:round/>
+                      <a:headEnd type="none" w="med" len="med"/>
+                      <a:tailEnd type="none" w="med" len="med"/>
+                    </a:lnB>
+                    <a:lnTlToBr w="12700" cmpd="sng">
+                      <a:noFill/>
+                      <a:prstDash val="solid"/>
+                    </a:lnTlToBr>
+                    <a:lnBlToTr w="12700" cmpd="sng">
+                      <a:noFill/>
+                      <a:prstDash val="solid"/>
+                    </a:lnBlToTr>
+                  </a:tcPr>
                 </a:tc>
                 <a:extLst>
                   <a:ext uri="{0D108BD9-81ED-4DB2-BD59-A6C34878D82A}">
@@ -14792,7 +14929,7 @@
                     <a:p>
                       <a:pPr>
                         <a:lnSpc>
-                          <a:spcPct val="85000"/>
+                          <a:spcPct val="100000"/>
                         </a:lnSpc>
                       </a:pPr>
                       <a:endParaRPr lang="en-US" sz="1600" dirty="0">
@@ -14800,7 +14937,44 @@
                       </a:endParaRPr>
                     </a:p>
                   </a:txBody>
-                  <a:tcPr/>
+                  <a:tcPr>
+                    <a:lnL w="12700" cap="flat" cmpd="sng" algn="ctr">
+                      <a:noFill/>
+                      <a:prstDash val="solid"/>
+                      <a:round/>
+                      <a:headEnd type="none" w="med" len="med"/>
+                      <a:tailEnd type="none" w="med" len="med"/>
+                    </a:lnL>
+                    <a:lnR w="12700" cap="flat" cmpd="sng" algn="ctr">
+                      <a:noFill/>
+                      <a:prstDash val="solid"/>
+                      <a:round/>
+                      <a:headEnd type="none" w="med" len="med"/>
+                      <a:tailEnd type="none" w="med" len="med"/>
+                    </a:lnR>
+                    <a:lnT w="12700" cap="flat" cmpd="sng" algn="ctr">
+                      <a:noFill/>
+                      <a:prstDash val="solid"/>
+                      <a:round/>
+                      <a:headEnd type="none" w="med" len="med"/>
+                      <a:tailEnd type="none" w="med" len="med"/>
+                    </a:lnT>
+                    <a:lnB w="12700" cap="flat" cmpd="sng" algn="ctr">
+                      <a:noFill/>
+                      <a:prstDash val="solid"/>
+                      <a:round/>
+                      <a:headEnd type="none" w="med" len="med"/>
+                      <a:tailEnd type="none" w="med" len="med"/>
+                    </a:lnB>
+                    <a:lnTlToBr w="12700" cmpd="sng">
+                      <a:noFill/>
+                      <a:prstDash val="solid"/>
+                    </a:lnTlToBr>
+                    <a:lnBlToTr w="12700" cmpd="sng">
+                      <a:noFill/>
+                      <a:prstDash val="solid"/>
+                    </a:lnBlToTr>
+                  </a:tcPr>
                 </a:tc>
                 <a:tc>
                   <a:txBody>
@@ -14809,7 +14983,7 @@
                     <a:p>
                       <a:pPr>
                         <a:lnSpc>
-                          <a:spcPct val="85000"/>
+                          <a:spcPct val="100000"/>
                         </a:lnSpc>
                       </a:pPr>
                       <a:r>
@@ -14820,7 +14994,44 @@
                       </a:r>
                     </a:p>
                   </a:txBody>
-                  <a:tcPr/>
+                  <a:tcPr>
+                    <a:lnL w="12700" cap="flat" cmpd="sng" algn="ctr">
+                      <a:noFill/>
+                      <a:prstDash val="solid"/>
+                      <a:round/>
+                      <a:headEnd type="none" w="med" len="med"/>
+                      <a:tailEnd type="none" w="med" len="med"/>
+                    </a:lnL>
+                    <a:lnR w="12700" cap="flat" cmpd="sng" algn="ctr">
+                      <a:noFill/>
+                      <a:prstDash val="solid"/>
+                      <a:round/>
+                      <a:headEnd type="none" w="med" len="med"/>
+                      <a:tailEnd type="none" w="med" len="med"/>
+                    </a:lnR>
+                    <a:lnT w="12700" cap="flat" cmpd="sng" algn="ctr">
+                      <a:noFill/>
+                      <a:prstDash val="solid"/>
+                      <a:round/>
+                      <a:headEnd type="none" w="med" len="med"/>
+                      <a:tailEnd type="none" w="med" len="med"/>
+                    </a:lnT>
+                    <a:lnB w="12700" cap="flat" cmpd="sng" algn="ctr">
+                      <a:noFill/>
+                      <a:prstDash val="solid"/>
+                      <a:round/>
+                      <a:headEnd type="none" w="med" len="med"/>
+                      <a:tailEnd type="none" w="med" len="med"/>
+                    </a:lnB>
+                    <a:lnTlToBr w="12700" cmpd="sng">
+                      <a:noFill/>
+                      <a:prstDash val="solid"/>
+                    </a:lnTlToBr>
+                    <a:lnBlToTr w="12700" cmpd="sng">
+                      <a:noFill/>
+                      <a:prstDash val="solid"/>
+                    </a:lnBlToTr>
+                  </a:tcPr>
                 </a:tc>
                 <a:tc>
                   <a:txBody>
@@ -14829,7 +15040,7 @@
                     <a:p>
                       <a:pPr>
                         <a:lnSpc>
-                          <a:spcPct val="85000"/>
+                          <a:spcPct val="100000"/>
                         </a:lnSpc>
                       </a:pPr>
                       <a:endParaRPr lang="en-US" sz="1600" dirty="0">
@@ -14837,7 +15048,44 @@
                       </a:endParaRPr>
                     </a:p>
                   </a:txBody>
-                  <a:tcPr/>
+                  <a:tcPr>
+                    <a:lnL w="12700" cap="flat" cmpd="sng" algn="ctr">
+                      <a:noFill/>
+                      <a:prstDash val="solid"/>
+                      <a:round/>
+                      <a:headEnd type="none" w="med" len="med"/>
+                      <a:tailEnd type="none" w="med" len="med"/>
+                    </a:lnL>
+                    <a:lnR w="12700" cap="flat" cmpd="sng" algn="ctr">
+                      <a:noFill/>
+                      <a:prstDash val="solid"/>
+                      <a:round/>
+                      <a:headEnd type="none" w="med" len="med"/>
+                      <a:tailEnd type="none" w="med" len="med"/>
+                    </a:lnR>
+                    <a:lnT w="12700" cap="flat" cmpd="sng" algn="ctr">
+                      <a:noFill/>
+                      <a:prstDash val="solid"/>
+                      <a:round/>
+                      <a:headEnd type="none" w="med" len="med"/>
+                      <a:tailEnd type="none" w="med" len="med"/>
+                    </a:lnT>
+                    <a:lnB w="12700" cap="flat" cmpd="sng" algn="ctr">
+                      <a:noFill/>
+                      <a:prstDash val="solid"/>
+                      <a:round/>
+                      <a:headEnd type="none" w="med" len="med"/>
+                      <a:tailEnd type="none" w="med" len="med"/>
+                    </a:lnB>
+                    <a:lnTlToBr w="12700" cmpd="sng">
+                      <a:noFill/>
+                      <a:prstDash val="solid"/>
+                    </a:lnTlToBr>
+                    <a:lnBlToTr w="12700" cmpd="sng">
+                      <a:noFill/>
+                      <a:prstDash val="solid"/>
+                    </a:lnBlToTr>
+                  </a:tcPr>
                 </a:tc>
                 <a:tc>
                   <a:txBody>
@@ -14846,18 +15094,58 @@
                     <a:p>
                       <a:pPr>
                         <a:lnSpc>
-                          <a:spcPct val="85000"/>
+                          <a:spcPct val="100000"/>
                         </a:lnSpc>
                       </a:pPr>
                       <a:r>
-                        <a:rPr lang="en-US" sz="1600" dirty="0">
+                        <a:rPr lang="en-US" sz="1600">
                           <a:latin typeface="Gill Sans MT" panose="020B0502020104020203" pitchFamily="34" charset="0"/>
                         </a:rPr>
                         <a:t>Total tests</a:t>
                       </a:r>
+                      <a:endParaRPr lang="en-US" sz="1600" dirty="0">
+                        <a:latin typeface="Gill Sans MT" panose="020B0502020104020203" pitchFamily="34" charset="0"/>
+                      </a:endParaRPr>
                     </a:p>
                   </a:txBody>
-                  <a:tcPr/>
+                  <a:tcPr>
+                    <a:lnL w="12700" cap="flat" cmpd="sng" algn="ctr">
+                      <a:noFill/>
+                      <a:prstDash val="solid"/>
+                      <a:round/>
+                      <a:headEnd type="none" w="med" len="med"/>
+                      <a:tailEnd type="none" w="med" len="med"/>
+                    </a:lnL>
+                    <a:lnR w="12700" cap="flat" cmpd="sng" algn="ctr">
+                      <a:noFill/>
+                      <a:prstDash val="solid"/>
+                      <a:round/>
+                      <a:headEnd type="none" w="med" len="med"/>
+                      <a:tailEnd type="none" w="med" len="med"/>
+                    </a:lnR>
+                    <a:lnT w="12700" cap="flat" cmpd="sng" algn="ctr">
+                      <a:noFill/>
+                      <a:prstDash val="solid"/>
+                      <a:round/>
+                      <a:headEnd type="none" w="med" len="med"/>
+                      <a:tailEnd type="none" w="med" len="med"/>
+                    </a:lnT>
+                    <a:lnB w="12700" cap="flat" cmpd="sng" algn="ctr">
+                      <a:noFill/>
+                      <a:prstDash val="solid"/>
+                      <a:round/>
+                      <a:headEnd type="none" w="med" len="med"/>
+                      <a:tailEnd type="none" w="med" len="med"/>
+                    </a:lnB>
+                    <a:lnTlToBr w="12700" cmpd="sng">
+                      <a:noFill/>
+                      <a:prstDash val="solid"/>
+                    </a:lnTlToBr>
+                    <a:lnBlToTr w="12700" cmpd="sng">
+                      <a:noFill/>
+                      <a:prstDash val="solid"/>
+                    </a:lnBlToTr>
+                  </a:tcPr>
                 </a:tc>
                 <a:extLst>
                   <a:ext uri="{0D108BD9-81ED-4DB2-BD59-A6C34878D82A}">
@@ -14873,18 +15161,55 @@
                     <a:p>
                       <a:pPr>
                         <a:lnSpc>
-                          <a:spcPct val="85000"/>
+                          <a:spcPct val="100000"/>
                         </a:lnSpc>
                       </a:pPr>
                       <a:r>
-                        <a:rPr lang="en-US" sz="1800" i="1" dirty="0">
+                        <a:rPr lang="en-US" sz="1800" b="1" i="1" dirty="0">
                           <a:latin typeface="Gill Sans MT" panose="020B0502020104020203" pitchFamily="34" charset="0"/>
                         </a:rPr>
                         <a:t>Demographics</a:t>
                       </a:r>
                     </a:p>
                   </a:txBody>
-                  <a:tcPr/>
+                  <a:tcPr>
+                    <a:lnL w="12700" cap="flat" cmpd="sng" algn="ctr">
+                      <a:noFill/>
+                      <a:prstDash val="solid"/>
+                      <a:round/>
+                      <a:headEnd type="none" w="med" len="med"/>
+                      <a:tailEnd type="none" w="med" len="med"/>
+                    </a:lnL>
+                    <a:lnR w="12700" cap="flat" cmpd="sng" algn="ctr">
+                      <a:noFill/>
+                      <a:prstDash val="solid"/>
+                      <a:round/>
+                      <a:headEnd type="none" w="med" len="med"/>
+                      <a:tailEnd type="none" w="med" len="med"/>
+                    </a:lnR>
+                    <a:lnT w="12700" cap="flat" cmpd="sng" algn="ctr">
+                      <a:noFill/>
+                      <a:prstDash val="solid"/>
+                      <a:round/>
+                      <a:headEnd type="none" w="med" len="med"/>
+                      <a:tailEnd type="none" w="med" len="med"/>
+                    </a:lnT>
+                    <a:lnB w="12700" cap="flat" cmpd="sng" algn="ctr">
+                      <a:noFill/>
+                      <a:prstDash val="solid"/>
+                      <a:round/>
+                      <a:headEnd type="none" w="med" len="med"/>
+                      <a:tailEnd type="none" w="med" len="med"/>
+                    </a:lnB>
+                    <a:lnTlToBr w="12700" cmpd="sng">
+                      <a:noFill/>
+                      <a:prstDash val="solid"/>
+                    </a:lnTlToBr>
+                    <a:lnBlToTr w="12700" cmpd="sng">
+                      <a:noFill/>
+                      <a:prstDash val="solid"/>
+                    </a:lnBlToTr>
+                  </a:tcPr>
                 </a:tc>
                 <a:tc hMerge="1">
                   <a:txBody>
@@ -14903,7 +15228,7 @@
                     <a:p>
                       <a:pPr>
                         <a:lnSpc>
-                          <a:spcPct val="85000"/>
+                          <a:spcPct val="100000"/>
                         </a:lnSpc>
                       </a:pPr>
                       <a:endParaRPr lang="en-US" sz="1800" dirty="0">
@@ -14911,7 +15236,44 @@
                       </a:endParaRPr>
                     </a:p>
                   </a:txBody>
-                  <a:tcPr/>
+                  <a:tcPr>
+                    <a:lnL w="12700" cap="flat" cmpd="sng" algn="ctr">
+                      <a:noFill/>
+                      <a:prstDash val="solid"/>
+                      <a:round/>
+                      <a:headEnd type="none" w="med" len="med"/>
+                      <a:tailEnd type="none" w="med" len="med"/>
+                    </a:lnL>
+                    <a:lnR w="12700" cap="flat" cmpd="sng" algn="ctr">
+                      <a:noFill/>
+                      <a:prstDash val="solid"/>
+                      <a:round/>
+                      <a:headEnd type="none" w="med" len="med"/>
+                      <a:tailEnd type="none" w="med" len="med"/>
+                    </a:lnR>
+                    <a:lnT w="12700" cap="flat" cmpd="sng" algn="ctr">
+                      <a:noFill/>
+                      <a:prstDash val="solid"/>
+                      <a:round/>
+                      <a:headEnd type="none" w="med" len="med"/>
+                      <a:tailEnd type="none" w="med" len="med"/>
+                    </a:lnT>
+                    <a:lnB w="12700" cap="flat" cmpd="sng" algn="ctr">
+                      <a:noFill/>
+                      <a:prstDash val="solid"/>
+                      <a:round/>
+                      <a:headEnd type="none" w="med" len="med"/>
+                      <a:tailEnd type="none" w="med" len="med"/>
+                    </a:lnB>
+                    <a:lnTlToBr w="12700" cmpd="sng">
+                      <a:noFill/>
+                      <a:prstDash val="solid"/>
+                    </a:lnTlToBr>
+                    <a:lnBlToTr w="12700" cmpd="sng">
+                      <a:noFill/>
+                      <a:prstDash val="solid"/>
+                    </a:lnBlToTr>
+                  </a:tcPr>
                 </a:tc>
                 <a:tc>
                   <a:txBody>
@@ -14920,18 +15282,58 @@
                     <a:p>
                       <a:pPr>
                         <a:lnSpc>
-                          <a:spcPct val="85000"/>
+                          <a:spcPct val="100000"/>
                         </a:lnSpc>
                       </a:pPr>
                       <a:r>
-                        <a:rPr lang="en-US" sz="1600" dirty="0">
+                        <a:rPr lang="en-US" sz="1600">
                           <a:latin typeface="Gill Sans MT" panose="020B0502020104020203" pitchFamily="34" charset="0"/>
                         </a:rPr>
                         <a:t>Total tases </a:t>
                       </a:r>
+                      <a:endParaRPr lang="en-US" sz="1600" dirty="0">
+                        <a:latin typeface="Gill Sans MT" panose="020B0502020104020203" pitchFamily="34" charset="0"/>
+                      </a:endParaRPr>
                     </a:p>
                   </a:txBody>
-                  <a:tcPr/>
+                  <a:tcPr>
+                    <a:lnL w="12700" cap="flat" cmpd="sng" algn="ctr">
+                      <a:noFill/>
+                      <a:prstDash val="solid"/>
+                      <a:round/>
+                      <a:headEnd type="none" w="med" len="med"/>
+                      <a:tailEnd type="none" w="med" len="med"/>
+                    </a:lnL>
+                    <a:lnR w="12700" cap="flat" cmpd="sng" algn="ctr">
+                      <a:noFill/>
+                      <a:prstDash val="solid"/>
+                      <a:round/>
+                      <a:headEnd type="none" w="med" len="med"/>
+                      <a:tailEnd type="none" w="med" len="med"/>
+                    </a:lnR>
+                    <a:lnT w="12700" cap="flat" cmpd="sng" algn="ctr">
+                      <a:noFill/>
+                      <a:prstDash val="solid"/>
+                      <a:round/>
+                      <a:headEnd type="none" w="med" len="med"/>
+                      <a:tailEnd type="none" w="med" len="med"/>
+                    </a:lnT>
+                    <a:lnB w="12700" cap="flat" cmpd="sng" algn="ctr">
+                      <a:noFill/>
+                      <a:prstDash val="solid"/>
+                      <a:round/>
+                      <a:headEnd type="none" w="med" len="med"/>
+                      <a:tailEnd type="none" w="med" len="med"/>
+                    </a:lnB>
+                    <a:lnTlToBr w="12700" cmpd="sng">
+                      <a:noFill/>
+                      <a:prstDash val="solid"/>
+                    </a:lnTlToBr>
+                    <a:lnBlToTr w="12700" cmpd="sng">
+                      <a:noFill/>
+                      <a:prstDash val="solid"/>
+                    </a:lnBlToTr>
+                  </a:tcPr>
                 </a:tc>
                 <a:extLst>
                   <a:ext uri="{0D108BD9-81ED-4DB2-BD59-A6C34878D82A}">
@@ -14947,7 +15349,7 @@
                     <a:p>
                       <a:pPr>
                         <a:lnSpc>
-                          <a:spcPct val="85000"/>
+                          <a:spcPct val="100000"/>
                         </a:lnSpc>
                       </a:pPr>
                       <a:endParaRPr lang="en-US" sz="1600">
@@ -14955,7 +15357,44 @@
                       </a:endParaRPr>
                     </a:p>
                   </a:txBody>
-                  <a:tcPr/>
+                  <a:tcPr>
+                    <a:lnL w="12700" cap="flat" cmpd="sng" algn="ctr">
+                      <a:noFill/>
+                      <a:prstDash val="solid"/>
+                      <a:round/>
+                      <a:headEnd type="none" w="med" len="med"/>
+                      <a:tailEnd type="none" w="med" len="med"/>
+                    </a:lnL>
+                    <a:lnR w="12700" cap="flat" cmpd="sng" algn="ctr">
+                      <a:noFill/>
+                      <a:prstDash val="solid"/>
+                      <a:round/>
+                      <a:headEnd type="none" w="med" len="med"/>
+                      <a:tailEnd type="none" w="med" len="med"/>
+                    </a:lnR>
+                    <a:lnT w="12700" cap="flat" cmpd="sng" algn="ctr">
+                      <a:noFill/>
+                      <a:prstDash val="solid"/>
+                      <a:round/>
+                      <a:headEnd type="none" w="med" len="med"/>
+                      <a:tailEnd type="none" w="med" len="med"/>
+                    </a:lnT>
+                    <a:lnB w="12700" cap="flat" cmpd="sng" algn="ctr">
+                      <a:noFill/>
+                      <a:prstDash val="solid"/>
+                      <a:round/>
+                      <a:headEnd type="none" w="med" len="med"/>
+                      <a:tailEnd type="none" w="med" len="med"/>
+                    </a:lnB>
+                    <a:lnTlToBr w="12700" cmpd="sng">
+                      <a:noFill/>
+                      <a:prstDash val="solid"/>
+                    </a:lnTlToBr>
+                    <a:lnBlToTr w="12700" cmpd="sng">
+                      <a:noFill/>
+                      <a:prstDash val="solid"/>
+                    </a:lnBlToTr>
+                  </a:tcPr>
                 </a:tc>
                 <a:tc>
                   <a:txBody>
@@ -14964,7 +15403,7 @@
                     <a:p>
                       <a:pPr>
                         <a:lnSpc>
-                          <a:spcPct val="85000"/>
+                          <a:spcPct val="100000"/>
                         </a:lnSpc>
                       </a:pPr>
                       <a:r>
@@ -14975,7 +15414,44 @@
                       </a:r>
                     </a:p>
                   </a:txBody>
-                  <a:tcPr/>
+                  <a:tcPr>
+                    <a:lnL w="12700" cap="flat" cmpd="sng" algn="ctr">
+                      <a:noFill/>
+                      <a:prstDash val="solid"/>
+                      <a:round/>
+                      <a:headEnd type="none" w="med" len="med"/>
+                      <a:tailEnd type="none" w="med" len="med"/>
+                    </a:lnL>
+                    <a:lnR w="12700" cap="flat" cmpd="sng" algn="ctr">
+                      <a:noFill/>
+                      <a:prstDash val="solid"/>
+                      <a:round/>
+                      <a:headEnd type="none" w="med" len="med"/>
+                      <a:tailEnd type="none" w="med" len="med"/>
+                    </a:lnR>
+                    <a:lnT w="12700" cap="flat" cmpd="sng" algn="ctr">
+                      <a:noFill/>
+                      <a:prstDash val="solid"/>
+                      <a:round/>
+                      <a:headEnd type="none" w="med" len="med"/>
+                      <a:tailEnd type="none" w="med" len="med"/>
+                    </a:lnT>
+                    <a:lnB w="12700" cap="flat" cmpd="sng" algn="ctr">
+                      <a:noFill/>
+                      <a:prstDash val="solid"/>
+                      <a:round/>
+                      <a:headEnd type="none" w="med" len="med"/>
+                      <a:tailEnd type="none" w="med" len="med"/>
+                    </a:lnB>
+                    <a:lnTlToBr w="12700" cmpd="sng">
+                      <a:noFill/>
+                      <a:prstDash val="solid"/>
+                    </a:lnTlToBr>
+                    <a:lnBlToTr w="12700" cmpd="sng">
+                      <a:noFill/>
+                      <a:prstDash val="solid"/>
+                    </a:lnBlToTr>
+                  </a:tcPr>
                 </a:tc>
                 <a:tc>
                   <a:txBody>
@@ -14984,7 +15460,7 @@
                     <a:p>
                       <a:pPr>
                         <a:lnSpc>
-                          <a:spcPct val="85000"/>
+                          <a:spcPct val="100000"/>
                         </a:lnSpc>
                       </a:pPr>
                       <a:endParaRPr lang="en-US" sz="1600" dirty="0">
@@ -14992,7 +15468,44 @@
                       </a:endParaRPr>
                     </a:p>
                   </a:txBody>
-                  <a:tcPr/>
+                  <a:tcPr>
+                    <a:lnL w="12700" cap="flat" cmpd="sng" algn="ctr">
+                      <a:noFill/>
+                      <a:prstDash val="solid"/>
+                      <a:round/>
+                      <a:headEnd type="none" w="med" len="med"/>
+                      <a:tailEnd type="none" w="med" len="med"/>
+                    </a:lnL>
+                    <a:lnR w="12700" cap="flat" cmpd="sng" algn="ctr">
+                      <a:noFill/>
+                      <a:prstDash val="solid"/>
+                      <a:round/>
+                      <a:headEnd type="none" w="med" len="med"/>
+                      <a:tailEnd type="none" w="med" len="med"/>
+                    </a:lnR>
+                    <a:lnT w="12700" cap="flat" cmpd="sng" algn="ctr">
+                      <a:noFill/>
+                      <a:prstDash val="solid"/>
+                      <a:round/>
+                      <a:headEnd type="none" w="med" len="med"/>
+                      <a:tailEnd type="none" w="med" len="med"/>
+                    </a:lnT>
+                    <a:lnB w="12700" cap="flat" cmpd="sng" algn="ctr">
+                      <a:noFill/>
+                      <a:prstDash val="solid"/>
+                      <a:round/>
+                      <a:headEnd type="none" w="med" len="med"/>
+                      <a:tailEnd type="none" w="med" len="med"/>
+                    </a:lnB>
+                    <a:lnTlToBr w="12700" cmpd="sng">
+                      <a:noFill/>
+                      <a:prstDash val="solid"/>
+                    </a:lnTlToBr>
+                    <a:lnBlToTr w="12700" cmpd="sng">
+                      <a:noFill/>
+                      <a:prstDash val="solid"/>
+                    </a:lnBlToTr>
+                  </a:tcPr>
                 </a:tc>
                 <a:tc>
                   <a:txBody>
@@ -15001,7 +15514,7 @@
                     <a:p>
                       <a:pPr>
                         <a:lnSpc>
-                          <a:spcPct val="85000"/>
+                          <a:spcPct val="100000"/>
                         </a:lnSpc>
                       </a:pPr>
                       <a:r>
@@ -15012,7 +15525,44 @@
                       </a:r>
                     </a:p>
                   </a:txBody>
-                  <a:tcPr/>
+                  <a:tcPr>
+                    <a:lnL w="12700" cap="flat" cmpd="sng" algn="ctr">
+                      <a:noFill/>
+                      <a:prstDash val="solid"/>
+                      <a:round/>
+                      <a:headEnd type="none" w="med" len="med"/>
+                      <a:tailEnd type="none" w="med" len="med"/>
+                    </a:lnL>
+                    <a:lnR w="12700" cap="flat" cmpd="sng" algn="ctr">
+                      <a:noFill/>
+                      <a:prstDash val="solid"/>
+                      <a:round/>
+                      <a:headEnd type="none" w="med" len="med"/>
+                      <a:tailEnd type="none" w="med" len="med"/>
+                    </a:lnR>
+                    <a:lnT w="12700" cap="flat" cmpd="sng" algn="ctr">
+                      <a:noFill/>
+                      <a:prstDash val="solid"/>
+                      <a:round/>
+                      <a:headEnd type="none" w="med" len="med"/>
+                      <a:tailEnd type="none" w="med" len="med"/>
+                    </a:lnT>
+                    <a:lnB w="12700" cap="flat" cmpd="sng" algn="ctr">
+                      <a:noFill/>
+                      <a:prstDash val="solid"/>
+                      <a:round/>
+                      <a:headEnd type="none" w="med" len="med"/>
+                      <a:tailEnd type="none" w="med" len="med"/>
+                    </a:lnB>
+                    <a:lnTlToBr w="12700" cmpd="sng">
+                      <a:noFill/>
+                      <a:prstDash val="solid"/>
+                    </a:lnTlToBr>
+                    <a:lnBlToTr w="12700" cmpd="sng">
+                      <a:noFill/>
+                      <a:prstDash val="solid"/>
+                    </a:lnBlToTr>
+                  </a:tcPr>
                 </a:tc>
                 <a:extLst>
                   <a:ext uri="{0D108BD9-81ED-4DB2-BD59-A6C34878D82A}">
@@ -15028,15 +15578,52 @@
                     <a:p>
                       <a:pPr>
                         <a:lnSpc>
-                          <a:spcPct val="85000"/>
+                          <a:spcPct val="100000"/>
                         </a:lnSpc>
                       </a:pPr>
-                      <a:endParaRPr lang="en-US" sz="1600" dirty="0">
+                      <a:endParaRPr lang="en-US" sz="1600">
                         <a:latin typeface="Gill Sans MT" panose="020B0502020104020203" pitchFamily="34" charset="0"/>
                       </a:endParaRPr>
                     </a:p>
                   </a:txBody>
-                  <a:tcPr/>
+                  <a:tcPr>
+                    <a:lnL w="12700" cap="flat" cmpd="sng" algn="ctr">
+                      <a:noFill/>
+                      <a:prstDash val="solid"/>
+                      <a:round/>
+                      <a:headEnd type="none" w="med" len="med"/>
+                      <a:tailEnd type="none" w="med" len="med"/>
+                    </a:lnL>
+                    <a:lnR w="12700" cap="flat" cmpd="sng" algn="ctr">
+                      <a:noFill/>
+                      <a:prstDash val="solid"/>
+                      <a:round/>
+                      <a:headEnd type="none" w="med" len="med"/>
+                      <a:tailEnd type="none" w="med" len="med"/>
+                    </a:lnR>
+                    <a:lnT w="12700" cap="flat" cmpd="sng" algn="ctr">
+                      <a:noFill/>
+                      <a:prstDash val="solid"/>
+                      <a:round/>
+                      <a:headEnd type="none" w="med" len="med"/>
+                      <a:tailEnd type="none" w="med" len="med"/>
+                    </a:lnT>
+                    <a:lnB w="12700" cap="flat" cmpd="sng" algn="ctr">
+                      <a:noFill/>
+                      <a:prstDash val="solid"/>
+                      <a:round/>
+                      <a:headEnd type="none" w="med" len="med"/>
+                      <a:tailEnd type="none" w="med" len="med"/>
+                    </a:lnB>
+                    <a:lnTlToBr w="12700" cmpd="sng">
+                      <a:noFill/>
+                      <a:prstDash val="solid"/>
+                    </a:lnTlToBr>
+                    <a:lnBlToTr w="12700" cmpd="sng">
+                      <a:noFill/>
+                      <a:prstDash val="solid"/>
+                    </a:lnBlToTr>
+                  </a:tcPr>
                 </a:tc>
                 <a:tc>
                   <a:txBody>
@@ -15045,52 +15632,202 @@
                     <a:p>
                       <a:pPr>
                         <a:lnSpc>
-                          <a:spcPct val="85000"/>
+                          <a:spcPct val="100000"/>
                         </a:lnSpc>
                       </a:pPr>
                       <a:r>
-                        <a:rPr lang="en-US" sz="1600">
+                        <a:rPr lang="en-US" sz="1600" dirty="0">
                           <a:latin typeface="Gill Sans MT" panose="020B0502020104020203" pitchFamily="34" charset="0"/>
                         </a:rPr>
                         <a:t>Gender</a:t>
                       </a:r>
-                      <a:endParaRPr lang="en-US" sz="1600" dirty="0">
-                        <a:latin typeface="Gill Sans MT" panose="020B0502020104020203" pitchFamily="34" charset="0"/>
-                      </a:endParaRPr>
                     </a:p>
                   </a:txBody>
-                  <a:tcPr/>
+                  <a:tcPr>
+                    <a:lnL w="12700" cap="flat" cmpd="sng" algn="ctr">
+                      <a:noFill/>
+                      <a:prstDash val="solid"/>
+                      <a:round/>
+                      <a:headEnd type="none" w="med" len="med"/>
+                      <a:tailEnd type="none" w="med" len="med"/>
+                    </a:lnL>
+                    <a:lnR w="12700" cap="flat" cmpd="sng" algn="ctr">
+                      <a:noFill/>
+                      <a:prstDash val="solid"/>
+                      <a:round/>
+                      <a:headEnd type="none" w="med" len="med"/>
+                      <a:tailEnd type="none" w="med" len="med"/>
+                    </a:lnR>
+                    <a:lnT w="12700" cap="flat" cmpd="sng" algn="ctr">
+                      <a:noFill/>
+                      <a:prstDash val="solid"/>
+                      <a:round/>
+                      <a:headEnd type="none" w="med" len="med"/>
+                      <a:tailEnd type="none" w="med" len="med"/>
+                    </a:lnT>
+                    <a:lnB w="12700" cap="flat" cmpd="sng" algn="ctr">
+                      <a:noFill/>
+                      <a:prstDash val="solid"/>
+                      <a:round/>
+                      <a:headEnd type="none" w="med" len="med"/>
+                      <a:tailEnd type="none" w="med" len="med"/>
+                    </a:lnB>
+                    <a:lnTlToBr w="12700" cmpd="sng">
+                      <a:noFill/>
+                      <a:prstDash val="solid"/>
+                    </a:lnTlToBr>
+                    <a:lnBlToTr w="12700" cmpd="sng">
+                      <a:noFill/>
+                      <a:prstDash val="solid"/>
+                    </a:lnBlToTr>
+                  </a:tcPr>
                 </a:tc>
                 <a:tc gridSpan="2">
                   <a:txBody>
                     <a:bodyPr/>
                     <a:lstStyle/>
                     <a:p>
-                      <a:pPr>
+                      <a:pPr marL="0" marR="0" lvl="0" indent="0" algn="l" defTabSz="914400" rtl="0" eaLnBrk="1" fontAlgn="auto" latinLnBrk="0" hangingPunct="1">
                         <a:lnSpc>
-                          <a:spcPct val="85000"/>
+                          <a:spcPct val="100000"/>
                         </a:lnSpc>
+                        <a:spcBef>
+                          <a:spcPts val="0"/>
+                        </a:spcBef>
+                        <a:spcAft>
+                          <a:spcPts val="0"/>
+                        </a:spcAft>
+                        <a:buClrTx/>
+                        <a:buSzTx/>
+                        <a:buFontTx/>
+                        <a:buNone/>
+                        <a:tabLst/>
+                        <a:defRPr/>
                       </a:pPr>
-                      <a:endParaRPr lang="en-US" sz="1600" dirty="0">
-                        <a:latin typeface="Gill Sans MT" panose="020B0502020104020203" pitchFamily="34" charset="0"/>
-                      </a:endParaRPr>
+                      <a:r>
+                        <a:rPr lang="en-US" sz="1800" b="1" i="1" dirty="0">
+                          <a:latin typeface="Gill Sans MT" panose="020B0502020104020203" pitchFamily="34" charset="0"/>
+                        </a:rPr>
+                        <a:t>Health Indicators</a:t>
+                      </a:r>
                     </a:p>
                   </a:txBody>
-                  <a:tcPr/>
+                  <a:tcPr>
+                    <a:lnL w="12700" cap="flat" cmpd="sng" algn="ctr">
+                      <a:noFill/>
+                      <a:prstDash val="solid"/>
+                      <a:round/>
+                      <a:headEnd type="none" w="med" len="med"/>
+                      <a:tailEnd type="none" w="med" len="med"/>
+                    </a:lnL>
+                    <a:lnR w="12700" cap="flat" cmpd="sng" algn="ctr">
+                      <a:noFill/>
+                      <a:prstDash val="solid"/>
+                      <a:round/>
+                      <a:headEnd type="none" w="med" len="med"/>
+                      <a:tailEnd type="none" w="med" len="med"/>
+                    </a:lnR>
+                    <a:lnT w="12700" cap="flat" cmpd="sng" algn="ctr">
+                      <a:noFill/>
+                      <a:prstDash val="solid"/>
+                      <a:round/>
+                      <a:headEnd type="none" w="med" len="med"/>
+                      <a:tailEnd type="none" w="med" len="med"/>
+                    </a:lnT>
+                    <a:lnB w="12700" cap="flat" cmpd="sng" algn="ctr">
+                      <a:noFill/>
+                      <a:prstDash val="solid"/>
+                      <a:round/>
+                      <a:headEnd type="none" w="med" len="med"/>
+                      <a:tailEnd type="none" w="med" len="med"/>
+                    </a:lnB>
+                    <a:lnTlToBr w="12700" cmpd="sng">
+                      <a:noFill/>
+                      <a:prstDash val="solid"/>
+                    </a:lnTlToBr>
+                    <a:lnBlToTr w="12700" cmpd="sng">
+                      <a:noFill/>
+                      <a:prstDash val="solid"/>
+                    </a:lnBlToTr>
+                  </a:tcPr>
                 </a:tc>
                 <a:tc hMerge="1">
                   <a:txBody>
                     <a:bodyPr/>
                     <a:lstStyle/>
                     <a:p>
-                      <a:endParaRPr lang="en-US"/>
+                      <a:pPr marL="0" marR="0" lvl="0" indent="0" algn="l" defTabSz="914400" rtl="0" eaLnBrk="1" fontAlgn="auto" latinLnBrk="0" hangingPunct="1">
+                        <a:lnSpc>
+                          <a:spcPct val="100000"/>
+                        </a:lnSpc>
+                        <a:spcBef>
+                          <a:spcPts val="0"/>
+                        </a:spcBef>
+                        <a:spcAft>
+                          <a:spcPts val="0"/>
+                        </a:spcAft>
+                        <a:buClrTx/>
+                        <a:buSzTx/>
+                        <a:buFontTx/>
+                        <a:buNone/>
+                        <a:tabLst/>
+                        <a:defRPr/>
+                      </a:pPr>
+                      <a:endParaRPr lang="en-US" sz="1800" b="1" i="1" dirty="0">
+                        <a:latin typeface="Gill Sans MT" panose="020B0502020104020203" pitchFamily="34" charset="0"/>
+                      </a:endParaRPr>
                     </a:p>
                   </a:txBody>
-                  <a:tcPr/>
+                  <a:tcPr>
+                    <a:lnL w="12700" cap="flat" cmpd="sng" algn="ctr">
+                      <a:solidFill>
+                        <a:schemeClr val="tx1"/>
+                      </a:solidFill>
+                      <a:prstDash val="solid"/>
+                      <a:round/>
+                      <a:headEnd type="none" w="med" len="med"/>
+                      <a:tailEnd type="none" w="med" len="med"/>
+                    </a:lnL>
+                    <a:lnR w="12700" cap="flat" cmpd="sng" algn="ctr">
+                      <a:solidFill>
+                        <a:schemeClr val="tx1"/>
+                      </a:solidFill>
+                      <a:prstDash val="solid"/>
+                      <a:round/>
+                      <a:headEnd type="none" w="med" len="med"/>
+                      <a:tailEnd type="none" w="med" len="med"/>
+                    </a:lnR>
+                    <a:lnT w="12700" cap="flat" cmpd="sng" algn="ctr">
+                      <a:solidFill>
+                        <a:schemeClr val="tx1"/>
+                      </a:solidFill>
+                      <a:prstDash val="solid"/>
+                      <a:round/>
+                      <a:headEnd type="none" w="med" len="med"/>
+                      <a:tailEnd type="none" w="med" len="med"/>
+                    </a:lnT>
+                    <a:lnB w="12700" cap="flat" cmpd="sng" algn="ctr">
+                      <a:solidFill>
+                        <a:schemeClr val="tx1"/>
+                      </a:solidFill>
+                      <a:prstDash val="solid"/>
+                      <a:round/>
+                      <a:headEnd type="none" w="med" len="med"/>
+                      <a:tailEnd type="none" w="med" len="med"/>
+                    </a:lnB>
+                    <a:lnTlToBr w="12700" cmpd="sng">
+                      <a:noFill/>
+                      <a:prstDash val="solid"/>
+                    </a:lnTlToBr>
+                    <a:lnBlToTr w="12700" cmpd="sng">
+                      <a:noFill/>
+                      <a:prstDash val="solid"/>
+                    </a:lnBlToTr>
+                  </a:tcPr>
                 </a:tc>
                 <a:extLst>
                   <a:ext uri="{0D108BD9-81ED-4DB2-BD59-A6C34878D82A}">
-                    <a16:rowId xmlns:a16="http://schemas.microsoft.com/office/drawing/2014/main" val="2063546113"/>
+                    <a16:rowId xmlns:a16="http://schemas.microsoft.com/office/drawing/2014/main" val="48603092"/>
                   </a:ext>
                 </a:extLst>
               </a:tr>
@@ -15102,15 +15839,52 @@
                     <a:p>
                       <a:pPr>
                         <a:lnSpc>
-                          <a:spcPct val="85000"/>
+                          <a:spcPct val="100000"/>
                         </a:lnSpc>
                       </a:pPr>
-                      <a:endParaRPr lang="en-US" sz="1600" dirty="0">
+                      <a:endParaRPr lang="en-US" sz="1600">
                         <a:latin typeface="Gill Sans MT" panose="020B0502020104020203" pitchFamily="34" charset="0"/>
                       </a:endParaRPr>
                     </a:p>
                   </a:txBody>
-                  <a:tcPr/>
+                  <a:tcPr>
+                    <a:lnL w="12700" cap="flat" cmpd="sng" algn="ctr">
+                      <a:noFill/>
+                      <a:prstDash val="solid"/>
+                      <a:round/>
+                      <a:headEnd type="none" w="med" len="med"/>
+                      <a:tailEnd type="none" w="med" len="med"/>
+                    </a:lnL>
+                    <a:lnR w="12700" cap="flat" cmpd="sng" algn="ctr">
+                      <a:noFill/>
+                      <a:prstDash val="solid"/>
+                      <a:round/>
+                      <a:headEnd type="none" w="med" len="med"/>
+                      <a:tailEnd type="none" w="med" len="med"/>
+                    </a:lnR>
+                    <a:lnT w="12700" cap="flat" cmpd="sng" algn="ctr">
+                      <a:noFill/>
+                      <a:prstDash val="solid"/>
+                      <a:round/>
+                      <a:headEnd type="none" w="med" len="med"/>
+                      <a:tailEnd type="none" w="med" len="med"/>
+                    </a:lnT>
+                    <a:lnB w="12700" cap="flat" cmpd="sng" algn="ctr">
+                      <a:noFill/>
+                      <a:prstDash val="solid"/>
+                      <a:round/>
+                      <a:headEnd type="none" w="med" len="med"/>
+                      <a:tailEnd type="none" w="med" len="med"/>
+                    </a:lnB>
+                    <a:lnTlToBr w="12700" cmpd="sng">
+                      <a:noFill/>
+                      <a:prstDash val="solid"/>
+                    </a:lnTlToBr>
+                    <a:lnBlToTr w="12700" cmpd="sng">
+                      <a:noFill/>
+                      <a:prstDash val="solid"/>
+                    </a:lnBlToTr>
+                  </a:tcPr>
                 </a:tc>
                 <a:tc>
                   <a:txBody>
@@ -15119,7 +15893,7 @@
                     <a:p>
                       <a:pPr>
                         <a:lnSpc>
-                          <a:spcPct val="85000"/>
+                          <a:spcPct val="100000"/>
                         </a:lnSpc>
                       </a:pPr>
                       <a:r>
@@ -15130,16 +15904,53 @@
                       </a:r>
                     </a:p>
                   </a:txBody>
-                  <a:tcPr/>
+                  <a:tcPr>
+                    <a:lnL w="12700" cap="flat" cmpd="sng" algn="ctr">
+                      <a:noFill/>
+                      <a:prstDash val="solid"/>
+                      <a:round/>
+                      <a:headEnd type="none" w="med" len="med"/>
+                      <a:tailEnd type="none" w="med" len="med"/>
+                    </a:lnL>
+                    <a:lnR w="12700" cap="flat" cmpd="sng" algn="ctr">
+                      <a:noFill/>
+                      <a:prstDash val="solid"/>
+                      <a:round/>
+                      <a:headEnd type="none" w="med" len="med"/>
+                      <a:tailEnd type="none" w="med" len="med"/>
+                    </a:lnR>
+                    <a:lnT w="12700" cap="flat" cmpd="sng" algn="ctr">
+                      <a:noFill/>
+                      <a:prstDash val="solid"/>
+                      <a:round/>
+                      <a:headEnd type="none" w="med" len="med"/>
+                      <a:tailEnd type="none" w="med" len="med"/>
+                    </a:lnT>
+                    <a:lnB w="12700" cap="flat" cmpd="sng" algn="ctr">
+                      <a:noFill/>
+                      <a:prstDash val="solid"/>
+                      <a:round/>
+                      <a:headEnd type="none" w="med" len="med"/>
+                      <a:tailEnd type="none" w="med" len="med"/>
+                    </a:lnB>
+                    <a:lnTlToBr w="12700" cmpd="sng">
+                      <a:noFill/>
+                      <a:prstDash val="solid"/>
+                    </a:lnTlToBr>
+                    <a:lnBlToTr w="12700" cmpd="sng">
+                      <a:noFill/>
+                      <a:prstDash val="solid"/>
+                    </a:lnBlToTr>
+                  </a:tcPr>
                 </a:tc>
-                <a:tc gridSpan="2">
+                <a:tc>
                   <a:txBody>
                     <a:bodyPr/>
                     <a:lstStyle/>
                     <a:p>
                       <a:pPr>
                         <a:lnSpc>
-                          <a:spcPct val="85000"/>
+                          <a:spcPct val="100000"/>
                         </a:lnSpc>
                       </a:pPr>
                       <a:endParaRPr lang="en-US" sz="1600" dirty="0">
@@ -15147,21 +15958,117 @@
                       </a:endParaRPr>
                     </a:p>
                   </a:txBody>
-                  <a:tcPr/>
+                  <a:tcPr>
+                    <a:lnL w="12700" cap="flat" cmpd="sng" algn="ctr">
+                      <a:noFill/>
+                      <a:prstDash val="solid"/>
+                      <a:round/>
+                      <a:headEnd type="none" w="med" len="med"/>
+                      <a:tailEnd type="none" w="med" len="med"/>
+                    </a:lnL>
+                    <a:lnR w="12700" cap="flat" cmpd="sng" algn="ctr">
+                      <a:noFill/>
+                      <a:prstDash val="solid"/>
+                      <a:round/>
+                      <a:headEnd type="none" w="med" len="med"/>
+                      <a:tailEnd type="none" w="med" len="med"/>
+                    </a:lnR>
+                    <a:lnT w="12700" cap="flat" cmpd="sng" algn="ctr">
+                      <a:noFill/>
+                      <a:prstDash val="solid"/>
+                      <a:round/>
+                      <a:headEnd type="none" w="med" len="med"/>
+                      <a:tailEnd type="none" w="med" len="med"/>
+                    </a:lnT>
+                    <a:lnB w="12700" cap="flat" cmpd="sng" algn="ctr">
+                      <a:noFill/>
+                      <a:prstDash val="solid"/>
+                      <a:round/>
+                      <a:headEnd type="none" w="med" len="med"/>
+                      <a:tailEnd type="none" w="med" len="med"/>
+                    </a:lnB>
+                    <a:lnTlToBr w="12700" cmpd="sng">
+                      <a:noFill/>
+                      <a:prstDash val="solid"/>
+                    </a:lnTlToBr>
+                    <a:lnBlToTr w="12700" cmpd="sng">
+                      <a:noFill/>
+                      <a:prstDash val="solid"/>
+                    </a:lnBlToTr>
+                  </a:tcPr>
                 </a:tc>
-                <a:tc hMerge="1">
+                <a:tc>
                   <a:txBody>
                     <a:bodyPr/>
                     <a:lstStyle/>
                     <a:p>
-                      <a:endParaRPr lang="en-US"/>
+                      <a:pPr marL="0" marR="0" lvl="0" indent="0" algn="l" defTabSz="914400" rtl="0" eaLnBrk="1" fontAlgn="auto" latinLnBrk="0" hangingPunct="1">
+                        <a:lnSpc>
+                          <a:spcPct val="100000"/>
+                        </a:lnSpc>
+                        <a:spcBef>
+                          <a:spcPts val="0"/>
+                        </a:spcBef>
+                        <a:spcAft>
+                          <a:spcPts val="0"/>
+                        </a:spcAft>
+                        <a:buClrTx/>
+                        <a:buSzTx/>
+                        <a:buFontTx/>
+                        <a:buNone/>
+                        <a:tabLst/>
+                        <a:defRPr/>
+                      </a:pPr>
+                      <a:r>
+                        <a:rPr lang="en-US" sz="1600" dirty="0">
+                          <a:latin typeface="Gill Sans MT" panose="020B0502020104020203" pitchFamily="34" charset="0"/>
+                        </a:rPr>
+                        <a:t>Obesity Rates</a:t>
+                      </a:r>
                     </a:p>
                   </a:txBody>
-                  <a:tcPr/>
+                  <a:tcPr>
+                    <a:lnL w="12700" cap="flat" cmpd="sng" algn="ctr">
+                      <a:noFill/>
+                      <a:prstDash val="solid"/>
+                      <a:round/>
+                      <a:headEnd type="none" w="med" len="med"/>
+                      <a:tailEnd type="none" w="med" len="med"/>
+                    </a:lnL>
+                    <a:lnR w="12700" cap="flat" cmpd="sng" algn="ctr">
+                      <a:noFill/>
+                      <a:prstDash val="solid"/>
+                      <a:round/>
+                      <a:headEnd type="none" w="med" len="med"/>
+                      <a:tailEnd type="none" w="med" len="med"/>
+                    </a:lnR>
+                    <a:lnT w="12700" cap="flat" cmpd="sng" algn="ctr">
+                      <a:noFill/>
+                      <a:prstDash val="solid"/>
+                      <a:round/>
+                      <a:headEnd type="none" w="med" len="med"/>
+                      <a:tailEnd type="none" w="med" len="med"/>
+                    </a:lnT>
+                    <a:lnB w="12700" cap="flat" cmpd="sng" algn="ctr">
+                      <a:noFill/>
+                      <a:prstDash val="solid"/>
+                      <a:round/>
+                      <a:headEnd type="none" w="med" len="med"/>
+                      <a:tailEnd type="none" w="med" len="med"/>
+                    </a:lnB>
+                    <a:lnTlToBr w="12700" cmpd="sng">
+                      <a:noFill/>
+                      <a:prstDash val="solid"/>
+                    </a:lnTlToBr>
+                    <a:lnBlToTr w="12700" cmpd="sng">
+                      <a:noFill/>
+                      <a:prstDash val="solid"/>
+                    </a:lnBlToTr>
+                  </a:tcPr>
                 </a:tc>
                 <a:extLst>
                   <a:ext uri="{0D108BD9-81ED-4DB2-BD59-A6C34878D82A}">
-                    <a16:rowId xmlns:a16="http://schemas.microsoft.com/office/drawing/2014/main" val="3463083717"/>
+                    <a16:rowId xmlns:a16="http://schemas.microsoft.com/office/drawing/2014/main" val="1977178582"/>
                   </a:ext>
                 </a:extLst>
               </a:tr>
@@ -15173,18 +16080,55 @@
                     <a:p>
                       <a:pPr>
                         <a:lnSpc>
-                          <a:spcPct val="85000"/>
+                          <a:spcPct val="100000"/>
                         </a:lnSpc>
                       </a:pPr>
                       <a:r>
-                        <a:rPr lang="en-US" sz="1800" i="1" dirty="0">
+                        <a:rPr lang="en-US" sz="1800" b="1" i="1" dirty="0">
                           <a:latin typeface="Gill Sans MT" panose="020B0502020104020203" pitchFamily="34" charset="0"/>
                         </a:rPr>
                         <a:t>Economic Indicators</a:t>
                       </a:r>
                     </a:p>
                   </a:txBody>
-                  <a:tcPr/>
+                  <a:tcPr>
+                    <a:lnL w="12700" cap="flat" cmpd="sng" algn="ctr">
+                      <a:noFill/>
+                      <a:prstDash val="solid"/>
+                      <a:round/>
+                      <a:headEnd type="none" w="med" len="med"/>
+                      <a:tailEnd type="none" w="med" len="med"/>
+                    </a:lnL>
+                    <a:lnR w="12700" cap="flat" cmpd="sng" algn="ctr">
+                      <a:noFill/>
+                      <a:prstDash val="solid"/>
+                      <a:round/>
+                      <a:headEnd type="none" w="med" len="med"/>
+                      <a:tailEnd type="none" w="med" len="med"/>
+                    </a:lnR>
+                    <a:lnT w="12700" cap="flat" cmpd="sng" algn="ctr">
+                      <a:noFill/>
+                      <a:prstDash val="solid"/>
+                      <a:round/>
+                      <a:headEnd type="none" w="med" len="med"/>
+                      <a:tailEnd type="none" w="med" len="med"/>
+                    </a:lnT>
+                    <a:lnB w="12700" cap="flat" cmpd="sng" algn="ctr">
+                      <a:noFill/>
+                      <a:prstDash val="solid"/>
+                      <a:round/>
+                      <a:headEnd type="none" w="med" len="med"/>
+                      <a:tailEnd type="none" w="med" len="med"/>
+                    </a:lnB>
+                    <a:lnTlToBr w="12700" cmpd="sng">
+                      <a:noFill/>
+                      <a:prstDash val="solid"/>
+                    </a:lnTlToBr>
+                    <a:lnBlToTr w="12700" cmpd="sng">
+                      <a:noFill/>
+                      <a:prstDash val="solid"/>
+                    </a:lnBlToTr>
+                  </a:tcPr>
                 </a:tc>
                 <a:tc hMerge="1">
                   <a:txBody>
@@ -15203,7 +16147,7 @@
                     <a:p>
                       <a:pPr>
                         <a:lnSpc>
-                          <a:spcPct val="85000"/>
+                          <a:spcPct val="100000"/>
                         </a:lnSpc>
                       </a:pPr>
                       <a:endParaRPr lang="en-US" sz="1800" i="1" dirty="0">
@@ -15211,17 +16155,106 @@
                       </a:endParaRPr>
                     </a:p>
                   </a:txBody>
-                  <a:tcPr/>
+                  <a:tcPr>
+                    <a:lnL w="12700" cap="flat" cmpd="sng" algn="ctr">
+                      <a:noFill/>
+                      <a:prstDash val="solid"/>
+                      <a:round/>
+                      <a:headEnd type="none" w="med" len="med"/>
+                      <a:tailEnd type="none" w="med" len="med"/>
+                    </a:lnL>
+                    <a:lnR w="12700" cap="flat" cmpd="sng" algn="ctr">
+                      <a:noFill/>
+                      <a:prstDash val="solid"/>
+                      <a:round/>
+                      <a:headEnd type="none" w="med" len="med"/>
+                      <a:tailEnd type="none" w="med" len="med"/>
+                    </a:lnR>
+                    <a:lnT w="12700" cap="flat" cmpd="sng" algn="ctr">
+                      <a:noFill/>
+                      <a:prstDash val="solid"/>
+                      <a:round/>
+                      <a:headEnd type="none" w="med" len="med"/>
+                      <a:tailEnd type="none" w="med" len="med"/>
+                    </a:lnT>
+                    <a:lnB w="12700" cap="flat" cmpd="sng" algn="ctr">
+                      <a:noFill/>
+                      <a:prstDash val="solid"/>
+                      <a:round/>
+                      <a:headEnd type="none" w="med" len="med"/>
+                      <a:tailEnd type="none" w="med" len="med"/>
+                    </a:lnB>
+                    <a:lnTlToBr w="12700" cmpd="sng">
+                      <a:noFill/>
+                      <a:prstDash val="solid"/>
+                    </a:lnTlToBr>
+                    <a:lnBlToTr w="12700" cmpd="sng">
+                      <a:noFill/>
+                      <a:prstDash val="solid"/>
+                    </a:lnBlToTr>
+                  </a:tcPr>
                 </a:tc>
                 <a:tc hMerge="1">
                   <a:txBody>
                     <a:bodyPr/>
                     <a:lstStyle/>
                     <a:p>
-                      <a:endParaRPr lang="en-US"/>
+                      <a:pPr>
+                        <a:lnSpc>
+                          <a:spcPct val="100000"/>
+                        </a:lnSpc>
+                      </a:pPr>
+                      <a:endParaRPr lang="en-US" sz="1800" i="1" dirty="0">
+                        <a:latin typeface="Gill Sans MT" panose="020B0502020104020203" pitchFamily="34" charset="0"/>
+                      </a:endParaRPr>
                     </a:p>
                   </a:txBody>
-                  <a:tcPr/>
+                  <a:tcPr>
+                    <a:lnL w="12700" cap="flat" cmpd="sng" algn="ctr">
+                      <a:solidFill>
+                        <a:schemeClr val="tx1"/>
+                      </a:solidFill>
+                      <a:prstDash val="solid"/>
+                      <a:round/>
+                      <a:headEnd type="none" w="med" len="med"/>
+                      <a:tailEnd type="none" w="med" len="med"/>
+                    </a:lnL>
+                    <a:lnR w="12700" cap="flat" cmpd="sng" algn="ctr">
+                      <a:solidFill>
+                        <a:schemeClr val="tx1"/>
+                      </a:solidFill>
+                      <a:prstDash val="solid"/>
+                      <a:round/>
+                      <a:headEnd type="none" w="med" len="med"/>
+                      <a:tailEnd type="none" w="med" len="med"/>
+                    </a:lnR>
+                    <a:lnT w="12700" cap="flat" cmpd="sng" algn="ctr">
+                      <a:solidFill>
+                        <a:schemeClr val="tx1"/>
+                      </a:solidFill>
+                      <a:prstDash val="solid"/>
+                      <a:round/>
+                      <a:headEnd type="none" w="med" len="med"/>
+                      <a:tailEnd type="none" w="med" len="med"/>
+                    </a:lnT>
+                    <a:lnB w="12700" cap="flat" cmpd="sng" algn="ctr">
+                      <a:solidFill>
+                        <a:schemeClr val="tx1"/>
+                      </a:solidFill>
+                      <a:prstDash val="solid"/>
+                      <a:round/>
+                      <a:headEnd type="none" w="med" len="med"/>
+                      <a:tailEnd type="none" w="med" len="med"/>
+                    </a:lnB>
+                    <a:lnTlToBr w="12700" cmpd="sng">
+                      <a:noFill/>
+                      <a:prstDash val="solid"/>
+                    </a:lnTlToBr>
+                    <a:lnBlToTr w="12700" cmpd="sng">
+                      <a:noFill/>
+                      <a:prstDash val="solid"/>
+                    </a:lnBlToTr>
+                  </a:tcPr>
                 </a:tc>
                 <a:extLst>
                   <a:ext uri="{0D108BD9-81ED-4DB2-BD59-A6C34878D82A}">
@@ -15237,7 +16270,7 @@
                     <a:p>
                       <a:pPr>
                         <a:lnSpc>
-                          <a:spcPct val="85000"/>
+                          <a:spcPct val="100000"/>
                         </a:lnSpc>
                       </a:pPr>
                       <a:endParaRPr lang="en-US" sz="1600">
@@ -15245,7 +16278,44 @@
                       </a:endParaRPr>
                     </a:p>
                   </a:txBody>
-                  <a:tcPr/>
+                  <a:tcPr>
+                    <a:lnL w="12700" cap="flat" cmpd="sng" algn="ctr">
+                      <a:noFill/>
+                      <a:prstDash val="solid"/>
+                      <a:round/>
+                      <a:headEnd type="none" w="med" len="med"/>
+                      <a:tailEnd type="none" w="med" len="med"/>
+                    </a:lnL>
+                    <a:lnR w="12700" cap="flat" cmpd="sng" algn="ctr">
+                      <a:noFill/>
+                      <a:prstDash val="solid"/>
+                      <a:round/>
+                      <a:headEnd type="none" w="med" len="med"/>
+                      <a:tailEnd type="none" w="med" len="med"/>
+                    </a:lnR>
+                    <a:lnT w="12700" cap="flat" cmpd="sng" algn="ctr">
+                      <a:noFill/>
+                      <a:prstDash val="solid"/>
+                      <a:round/>
+                      <a:headEnd type="none" w="med" len="med"/>
+                      <a:tailEnd type="none" w="med" len="med"/>
+                    </a:lnT>
+                    <a:lnB w="12700" cap="flat" cmpd="sng" algn="ctr">
+                      <a:noFill/>
+                      <a:prstDash val="solid"/>
+                      <a:round/>
+                      <a:headEnd type="none" w="med" len="med"/>
+                      <a:tailEnd type="none" w="med" len="med"/>
+                    </a:lnB>
+                    <a:lnTlToBr w="12700" cmpd="sng">
+                      <a:noFill/>
+                      <a:prstDash val="solid"/>
+                    </a:lnTlToBr>
+                    <a:lnBlToTr w="12700" cmpd="sng">
+                      <a:noFill/>
+                      <a:prstDash val="solid"/>
+                    </a:lnBlToTr>
+                  </a:tcPr>
                 </a:tc>
                 <a:tc>
                   <a:txBody>
@@ -15254,7 +16324,7 @@
                     <a:p>
                       <a:pPr>
                         <a:lnSpc>
-                          <a:spcPct val="85000"/>
+                          <a:spcPct val="100000"/>
                         </a:lnSpc>
                       </a:pPr>
                       <a:r>
@@ -15265,7 +16335,44 @@
                       </a:r>
                     </a:p>
                   </a:txBody>
-                  <a:tcPr/>
+                  <a:tcPr>
+                    <a:lnL w="12700" cap="flat" cmpd="sng" algn="ctr">
+                      <a:noFill/>
+                      <a:prstDash val="solid"/>
+                      <a:round/>
+                      <a:headEnd type="none" w="med" len="med"/>
+                      <a:tailEnd type="none" w="med" len="med"/>
+                    </a:lnL>
+                    <a:lnR w="12700" cap="flat" cmpd="sng" algn="ctr">
+                      <a:noFill/>
+                      <a:prstDash val="solid"/>
+                      <a:round/>
+                      <a:headEnd type="none" w="med" len="med"/>
+                      <a:tailEnd type="none" w="med" len="med"/>
+                    </a:lnR>
+                    <a:lnT w="12700" cap="flat" cmpd="sng" algn="ctr">
+                      <a:noFill/>
+                      <a:prstDash val="solid"/>
+                      <a:round/>
+                      <a:headEnd type="none" w="med" len="med"/>
+                      <a:tailEnd type="none" w="med" len="med"/>
+                    </a:lnT>
+                    <a:lnB w="12700" cap="flat" cmpd="sng" algn="ctr">
+                      <a:noFill/>
+                      <a:prstDash val="solid"/>
+                      <a:round/>
+                      <a:headEnd type="none" w="med" len="med"/>
+                      <a:tailEnd type="none" w="med" len="med"/>
+                    </a:lnB>
+                    <a:lnTlToBr w="12700" cmpd="sng">
+                      <a:noFill/>
+                      <a:prstDash val="solid"/>
+                    </a:lnTlToBr>
+                    <a:lnBlToTr w="12700" cmpd="sng">
+                      <a:noFill/>
+                      <a:prstDash val="solid"/>
+                    </a:lnBlToTr>
+                  </a:tcPr>
                 </a:tc>
                 <a:tc gridSpan="2">
                   <a:txBody>
@@ -15274,7 +16381,7 @@
                     <a:p>
                       <a:pPr>
                         <a:lnSpc>
-                          <a:spcPct val="85000"/>
+                          <a:spcPct val="100000"/>
                         </a:lnSpc>
                       </a:pPr>
                       <a:endParaRPr lang="en-US" sz="1600" dirty="0">
@@ -15282,17 +16389,106 @@
                       </a:endParaRPr>
                     </a:p>
                   </a:txBody>
-                  <a:tcPr/>
+                  <a:tcPr>
+                    <a:lnL w="12700" cap="flat" cmpd="sng" algn="ctr">
+                      <a:noFill/>
+                      <a:prstDash val="solid"/>
+                      <a:round/>
+                      <a:headEnd type="none" w="med" len="med"/>
+                      <a:tailEnd type="none" w="med" len="med"/>
+                    </a:lnL>
+                    <a:lnR w="12700" cap="flat" cmpd="sng" algn="ctr">
+                      <a:noFill/>
+                      <a:prstDash val="solid"/>
+                      <a:round/>
+                      <a:headEnd type="none" w="med" len="med"/>
+                      <a:tailEnd type="none" w="med" len="med"/>
+                    </a:lnR>
+                    <a:lnT w="12700" cap="flat" cmpd="sng" algn="ctr">
+                      <a:noFill/>
+                      <a:prstDash val="solid"/>
+                      <a:round/>
+                      <a:headEnd type="none" w="med" len="med"/>
+                      <a:tailEnd type="none" w="med" len="med"/>
+                    </a:lnT>
+                    <a:lnB w="12700" cap="flat" cmpd="sng" algn="ctr">
+                      <a:noFill/>
+                      <a:prstDash val="solid"/>
+                      <a:round/>
+                      <a:headEnd type="none" w="med" len="med"/>
+                      <a:tailEnd type="none" w="med" len="med"/>
+                    </a:lnB>
+                    <a:lnTlToBr w="12700" cmpd="sng">
+                      <a:noFill/>
+                      <a:prstDash val="solid"/>
+                    </a:lnTlToBr>
+                    <a:lnBlToTr w="12700" cmpd="sng">
+                      <a:noFill/>
+                      <a:prstDash val="solid"/>
+                    </a:lnBlToTr>
+                  </a:tcPr>
                 </a:tc>
                 <a:tc hMerge="1">
                   <a:txBody>
                     <a:bodyPr/>
                     <a:lstStyle/>
                     <a:p>
-                      <a:endParaRPr lang="en-US"/>
+                      <a:pPr>
+                        <a:lnSpc>
+                          <a:spcPct val="100000"/>
+                        </a:lnSpc>
+                      </a:pPr>
+                      <a:endParaRPr lang="en-US" sz="1600" dirty="0">
+                        <a:latin typeface="Gill Sans MT" panose="020B0502020104020203" pitchFamily="34" charset="0"/>
+                      </a:endParaRPr>
                     </a:p>
                   </a:txBody>
-                  <a:tcPr/>
+                  <a:tcPr>
+                    <a:lnL w="12700" cap="flat" cmpd="sng" algn="ctr">
+                      <a:solidFill>
+                        <a:schemeClr val="tx1"/>
+                      </a:solidFill>
+                      <a:prstDash val="solid"/>
+                      <a:round/>
+                      <a:headEnd type="none" w="med" len="med"/>
+                      <a:tailEnd type="none" w="med" len="med"/>
+                    </a:lnL>
+                    <a:lnR w="12700" cap="flat" cmpd="sng" algn="ctr">
+                      <a:solidFill>
+                        <a:schemeClr val="tx1"/>
+                      </a:solidFill>
+                      <a:prstDash val="solid"/>
+                      <a:round/>
+                      <a:headEnd type="none" w="med" len="med"/>
+                      <a:tailEnd type="none" w="med" len="med"/>
+                    </a:lnR>
+                    <a:lnT w="12700" cap="flat" cmpd="sng" algn="ctr">
+                      <a:solidFill>
+                        <a:schemeClr val="tx1"/>
+                      </a:solidFill>
+                      <a:prstDash val="solid"/>
+                      <a:round/>
+                      <a:headEnd type="none" w="med" len="med"/>
+                      <a:tailEnd type="none" w="med" len="med"/>
+                    </a:lnT>
+                    <a:lnB w="12700" cap="flat" cmpd="sng" algn="ctr">
+                      <a:solidFill>
+                        <a:schemeClr val="tx1"/>
+                      </a:solidFill>
+                      <a:prstDash val="solid"/>
+                      <a:round/>
+                      <a:headEnd type="none" w="med" len="med"/>
+                      <a:tailEnd type="none" w="med" len="med"/>
+                    </a:lnB>
+                    <a:lnTlToBr w="12700" cmpd="sng">
+                      <a:noFill/>
+                      <a:prstDash val="solid"/>
+                    </a:lnTlToBr>
+                    <a:lnBlToTr w="12700" cmpd="sng">
+                      <a:noFill/>
+                      <a:prstDash val="solid"/>
+                    </a:lnBlToTr>
+                  </a:tcPr>
                 </a:tc>
                 <a:extLst>
                   <a:ext uri="{0D108BD9-81ED-4DB2-BD59-A6C34878D82A}">
@@ -15308,7 +16504,7 @@
                     <a:p>
                       <a:pPr>
                         <a:lnSpc>
-                          <a:spcPct val="85000"/>
+                          <a:spcPct val="100000"/>
                         </a:lnSpc>
                       </a:pPr>
                       <a:endParaRPr lang="en-US" sz="1600">
@@ -15316,7 +16512,44 @@
                       </a:endParaRPr>
                     </a:p>
                   </a:txBody>
-                  <a:tcPr/>
+                  <a:tcPr>
+                    <a:lnL w="12700" cap="flat" cmpd="sng" algn="ctr">
+                      <a:noFill/>
+                      <a:prstDash val="solid"/>
+                      <a:round/>
+                      <a:headEnd type="none" w="med" len="med"/>
+                      <a:tailEnd type="none" w="med" len="med"/>
+                    </a:lnL>
+                    <a:lnR w="12700" cap="flat" cmpd="sng" algn="ctr">
+                      <a:noFill/>
+                      <a:prstDash val="solid"/>
+                      <a:round/>
+                      <a:headEnd type="none" w="med" len="med"/>
+                      <a:tailEnd type="none" w="med" len="med"/>
+                    </a:lnR>
+                    <a:lnT w="12700" cap="flat" cmpd="sng" algn="ctr">
+                      <a:noFill/>
+                      <a:prstDash val="solid"/>
+                      <a:round/>
+                      <a:headEnd type="none" w="med" len="med"/>
+                      <a:tailEnd type="none" w="med" len="med"/>
+                    </a:lnT>
+                    <a:lnB w="12700" cap="flat" cmpd="sng" algn="ctr">
+                      <a:noFill/>
+                      <a:prstDash val="solid"/>
+                      <a:round/>
+                      <a:headEnd type="none" w="med" len="med"/>
+                      <a:tailEnd type="none" w="med" len="med"/>
+                    </a:lnB>
+                    <a:lnTlToBr w="12700" cmpd="sng">
+                      <a:noFill/>
+                      <a:prstDash val="solid"/>
+                    </a:lnTlToBr>
+                    <a:lnBlToTr w="12700" cmpd="sng">
+                      <a:noFill/>
+                      <a:prstDash val="solid"/>
+                    </a:lnBlToTr>
+                  </a:tcPr>
                 </a:tc>
                 <a:tc>
                   <a:txBody>
@@ -15325,18 +16558,55 @@
                     <a:p>
                       <a:pPr>
                         <a:lnSpc>
-                          <a:spcPct val="85000"/>
+                          <a:spcPct val="100000"/>
                         </a:lnSpc>
                       </a:pPr>
                       <a:r>
-                        <a:rPr lang="en-US" sz="1600">
+                        <a:rPr lang="en-US" sz="1600" dirty="0">
                           <a:latin typeface="Gill Sans MT" panose="020B0502020104020203" pitchFamily="34" charset="0"/>
                         </a:rPr>
-                        <a:t>Household Income</a:t>
+                        <a:t>Health Insurance</a:t>
                       </a:r>
                     </a:p>
                   </a:txBody>
-                  <a:tcPr/>
+                  <a:tcPr>
+                    <a:lnL w="12700" cap="flat" cmpd="sng" algn="ctr">
+                      <a:noFill/>
+                      <a:prstDash val="solid"/>
+                      <a:round/>
+                      <a:headEnd type="none" w="med" len="med"/>
+                      <a:tailEnd type="none" w="med" len="med"/>
+                    </a:lnL>
+                    <a:lnR w="12700" cap="flat" cmpd="sng" algn="ctr">
+                      <a:noFill/>
+                      <a:prstDash val="solid"/>
+                      <a:round/>
+                      <a:headEnd type="none" w="med" len="med"/>
+                      <a:tailEnd type="none" w="med" len="med"/>
+                    </a:lnR>
+                    <a:lnT w="12700" cap="flat" cmpd="sng" algn="ctr">
+                      <a:noFill/>
+                      <a:prstDash val="solid"/>
+                      <a:round/>
+                      <a:headEnd type="none" w="med" len="med"/>
+                      <a:tailEnd type="none" w="med" len="med"/>
+                    </a:lnT>
+                    <a:lnB w="12700" cap="flat" cmpd="sng" algn="ctr">
+                      <a:noFill/>
+                      <a:prstDash val="solid"/>
+                      <a:round/>
+                      <a:headEnd type="none" w="med" len="med"/>
+                      <a:tailEnd type="none" w="med" len="med"/>
+                    </a:lnB>
+                    <a:lnTlToBr w="12700" cmpd="sng">
+                      <a:noFill/>
+                      <a:prstDash val="solid"/>
+                    </a:lnTlToBr>
+                    <a:lnBlToTr w="12700" cmpd="sng">
+                      <a:noFill/>
+                      <a:prstDash val="solid"/>
+                    </a:lnBlToTr>
+                  </a:tcPr>
                 </a:tc>
                 <a:tc gridSpan="2">
                   <a:txBody>
@@ -15345,7 +16615,7 @@
                     <a:p>
                       <a:pPr>
                         <a:lnSpc>
-                          <a:spcPct val="85000"/>
+                          <a:spcPct val="100000"/>
                         </a:lnSpc>
                       </a:pPr>
                       <a:endParaRPr lang="en-US" sz="1600" dirty="0">
@@ -15353,17 +16623,106 @@
                       </a:endParaRPr>
                     </a:p>
                   </a:txBody>
-                  <a:tcPr/>
+                  <a:tcPr>
+                    <a:lnL w="12700" cap="flat" cmpd="sng" algn="ctr">
+                      <a:noFill/>
+                      <a:prstDash val="solid"/>
+                      <a:round/>
+                      <a:headEnd type="none" w="med" len="med"/>
+                      <a:tailEnd type="none" w="med" len="med"/>
+                    </a:lnL>
+                    <a:lnR w="12700" cap="flat" cmpd="sng" algn="ctr">
+                      <a:noFill/>
+                      <a:prstDash val="solid"/>
+                      <a:round/>
+                      <a:headEnd type="none" w="med" len="med"/>
+                      <a:tailEnd type="none" w="med" len="med"/>
+                    </a:lnR>
+                    <a:lnT w="12700" cap="flat" cmpd="sng" algn="ctr">
+                      <a:noFill/>
+                      <a:prstDash val="solid"/>
+                      <a:round/>
+                      <a:headEnd type="none" w="med" len="med"/>
+                      <a:tailEnd type="none" w="med" len="med"/>
+                    </a:lnT>
+                    <a:lnB w="12700" cap="flat" cmpd="sng" algn="ctr">
+                      <a:noFill/>
+                      <a:prstDash val="solid"/>
+                      <a:round/>
+                      <a:headEnd type="none" w="med" len="med"/>
+                      <a:tailEnd type="none" w="med" len="med"/>
+                    </a:lnB>
+                    <a:lnTlToBr w="12700" cmpd="sng">
+                      <a:noFill/>
+                      <a:prstDash val="solid"/>
+                    </a:lnTlToBr>
+                    <a:lnBlToTr w="12700" cmpd="sng">
+                      <a:noFill/>
+                      <a:prstDash val="solid"/>
+                    </a:lnBlToTr>
+                  </a:tcPr>
                 </a:tc>
                 <a:tc hMerge="1">
                   <a:txBody>
                     <a:bodyPr/>
                     <a:lstStyle/>
                     <a:p>
-                      <a:endParaRPr lang="en-US"/>
+                      <a:pPr>
+                        <a:lnSpc>
+                          <a:spcPct val="100000"/>
+                        </a:lnSpc>
+                      </a:pPr>
+                      <a:endParaRPr lang="en-US" sz="1600" dirty="0">
+                        <a:latin typeface="Gill Sans MT" panose="020B0502020104020203" pitchFamily="34" charset="0"/>
+                      </a:endParaRPr>
                     </a:p>
                   </a:txBody>
-                  <a:tcPr/>
+                  <a:tcPr>
+                    <a:lnL w="12700" cap="flat" cmpd="sng" algn="ctr">
+                      <a:solidFill>
+                        <a:schemeClr val="tx1"/>
+                      </a:solidFill>
+                      <a:prstDash val="solid"/>
+                      <a:round/>
+                      <a:headEnd type="none" w="med" len="med"/>
+                      <a:tailEnd type="none" w="med" len="med"/>
+                    </a:lnL>
+                    <a:lnR w="12700" cap="flat" cmpd="sng" algn="ctr">
+                      <a:solidFill>
+                        <a:schemeClr val="tx1"/>
+                      </a:solidFill>
+                      <a:prstDash val="solid"/>
+                      <a:round/>
+                      <a:headEnd type="none" w="med" len="med"/>
+                      <a:tailEnd type="none" w="med" len="med"/>
+                    </a:lnR>
+                    <a:lnT w="12700" cap="flat" cmpd="sng" algn="ctr">
+                      <a:solidFill>
+                        <a:schemeClr val="tx1"/>
+                      </a:solidFill>
+                      <a:prstDash val="solid"/>
+                      <a:round/>
+                      <a:headEnd type="none" w="med" len="med"/>
+                      <a:tailEnd type="none" w="med" len="med"/>
+                    </a:lnT>
+                    <a:lnB w="12700" cap="flat" cmpd="sng" algn="ctr">
+                      <a:solidFill>
+                        <a:schemeClr val="tx1"/>
+                      </a:solidFill>
+                      <a:prstDash val="solid"/>
+                      <a:round/>
+                      <a:headEnd type="none" w="med" len="med"/>
+                      <a:tailEnd type="none" w="med" len="med"/>
+                    </a:lnB>
+                    <a:lnTlToBr w="12700" cmpd="sng">
+                      <a:noFill/>
+                      <a:prstDash val="solid"/>
+                    </a:lnTlToBr>
+                    <a:lnBlToTr w="12700" cmpd="sng">
+                      <a:noFill/>
+                      <a:prstDash val="solid"/>
+                    </a:lnBlToTr>
+                  </a:tcPr>
                 </a:tc>
                 <a:extLst>
                   <a:ext uri="{0D108BD9-81ED-4DB2-BD59-A6C34878D82A}">
@@ -15379,7 +16738,7 @@
                     <a:p>
                       <a:pPr>
                         <a:lnSpc>
-                          <a:spcPct val="85000"/>
+                          <a:spcPct val="100000"/>
                         </a:lnSpc>
                       </a:pPr>
                       <a:endParaRPr lang="en-US" sz="1600">
@@ -15387,7 +16746,44 @@
                       </a:endParaRPr>
                     </a:p>
                   </a:txBody>
-                  <a:tcPr/>
+                  <a:tcPr>
+                    <a:lnL w="12700" cap="flat" cmpd="sng" algn="ctr">
+                      <a:noFill/>
+                      <a:prstDash val="solid"/>
+                      <a:round/>
+                      <a:headEnd type="none" w="med" len="med"/>
+                      <a:tailEnd type="none" w="med" len="med"/>
+                    </a:lnL>
+                    <a:lnR w="12700" cap="flat" cmpd="sng" algn="ctr">
+                      <a:noFill/>
+                      <a:prstDash val="solid"/>
+                      <a:round/>
+                      <a:headEnd type="none" w="med" len="med"/>
+                      <a:tailEnd type="none" w="med" len="med"/>
+                    </a:lnR>
+                    <a:lnT w="12700" cap="flat" cmpd="sng" algn="ctr">
+                      <a:noFill/>
+                      <a:prstDash val="solid"/>
+                      <a:round/>
+                      <a:headEnd type="none" w="med" len="med"/>
+                      <a:tailEnd type="none" w="med" len="med"/>
+                    </a:lnT>
+                    <a:lnB w="12700" cap="flat" cmpd="sng" algn="ctr">
+                      <a:noFill/>
+                      <a:prstDash val="solid"/>
+                      <a:round/>
+                      <a:headEnd type="none" w="med" len="med"/>
+                      <a:tailEnd type="none" w="med" len="med"/>
+                    </a:lnB>
+                    <a:lnTlToBr w="12700" cmpd="sng">
+                      <a:noFill/>
+                      <a:prstDash val="solid"/>
+                    </a:lnTlToBr>
+                    <a:lnBlToTr w="12700" cmpd="sng">
+                      <a:noFill/>
+                      <a:prstDash val="solid"/>
+                    </a:lnBlToTr>
+                  </a:tcPr>
                 </a:tc>
                 <a:tc>
                   <a:txBody>
@@ -15396,18 +16792,55 @@
                     <a:p>
                       <a:pPr>
                         <a:lnSpc>
-                          <a:spcPct val="85000"/>
+                          <a:spcPct val="100000"/>
                         </a:lnSpc>
                       </a:pPr>
                       <a:r>
                         <a:rPr lang="en-US" sz="1600" dirty="0">
                           <a:latin typeface="Gill Sans MT" panose="020B0502020104020203" pitchFamily="34" charset="0"/>
                         </a:rPr>
-                        <a:t>Median Income</a:t>
+                        <a:t>Household Income</a:t>
                       </a:r>
                     </a:p>
                   </a:txBody>
-                  <a:tcPr/>
+                  <a:tcPr>
+                    <a:lnL w="12700" cap="flat" cmpd="sng" algn="ctr">
+                      <a:noFill/>
+                      <a:prstDash val="solid"/>
+                      <a:round/>
+                      <a:headEnd type="none" w="med" len="med"/>
+                      <a:tailEnd type="none" w="med" len="med"/>
+                    </a:lnL>
+                    <a:lnR w="12700" cap="flat" cmpd="sng" algn="ctr">
+                      <a:noFill/>
+                      <a:prstDash val="solid"/>
+                      <a:round/>
+                      <a:headEnd type="none" w="med" len="med"/>
+                      <a:tailEnd type="none" w="med" len="med"/>
+                    </a:lnR>
+                    <a:lnT w="12700" cap="flat" cmpd="sng" algn="ctr">
+                      <a:noFill/>
+                      <a:prstDash val="solid"/>
+                      <a:round/>
+                      <a:headEnd type="none" w="med" len="med"/>
+                      <a:tailEnd type="none" w="med" len="med"/>
+                    </a:lnT>
+                    <a:lnB w="12700" cap="flat" cmpd="sng" algn="ctr">
+                      <a:noFill/>
+                      <a:prstDash val="solid"/>
+                      <a:round/>
+                      <a:headEnd type="none" w="med" len="med"/>
+                      <a:tailEnd type="none" w="med" len="med"/>
+                    </a:lnB>
+                    <a:lnTlToBr w="12700" cmpd="sng">
+                      <a:noFill/>
+                      <a:prstDash val="solid"/>
+                    </a:lnTlToBr>
+                    <a:lnBlToTr w="12700" cmpd="sng">
+                      <a:noFill/>
+                      <a:prstDash val="solid"/>
+                    </a:lnBlToTr>
+                  </a:tcPr>
                 </a:tc>
                 <a:tc gridSpan="2">
                   <a:txBody>
@@ -15416,7 +16849,7 @@
                     <a:p>
                       <a:pPr>
                         <a:lnSpc>
-                          <a:spcPct val="85000"/>
+                          <a:spcPct val="100000"/>
                         </a:lnSpc>
                       </a:pPr>
                       <a:endParaRPr lang="en-US" sz="1600" dirty="0">
@@ -15424,97 +16857,53 @@
                       </a:endParaRPr>
                     </a:p>
                   </a:txBody>
-                  <a:tcPr/>
+                  <a:tcPr>
+                    <a:lnL w="12700" cap="flat" cmpd="sng" algn="ctr">
+                      <a:noFill/>
+                      <a:prstDash val="solid"/>
+                      <a:round/>
+                      <a:headEnd type="none" w="med" len="med"/>
+                      <a:tailEnd type="none" w="med" len="med"/>
+                    </a:lnL>
+                    <a:lnR w="12700" cap="flat" cmpd="sng" algn="ctr">
+                      <a:noFill/>
+                      <a:prstDash val="solid"/>
+                      <a:round/>
+                      <a:headEnd type="none" w="med" len="med"/>
+                      <a:tailEnd type="none" w="med" len="med"/>
+                    </a:lnR>
+                    <a:lnT w="12700" cap="flat" cmpd="sng" algn="ctr">
+                      <a:noFill/>
+                      <a:prstDash val="solid"/>
+                      <a:round/>
+                      <a:headEnd type="none" w="med" len="med"/>
+                      <a:tailEnd type="none" w="med" len="med"/>
+                    </a:lnT>
+                    <a:lnB w="12700" cap="flat" cmpd="sng" algn="ctr">
+                      <a:noFill/>
+                      <a:prstDash val="solid"/>
+                      <a:round/>
+                      <a:headEnd type="none" w="med" len="med"/>
+                      <a:tailEnd type="none" w="med" len="med"/>
+                    </a:lnB>
+                    <a:lnTlToBr w="12700" cmpd="sng">
+                      <a:noFill/>
+                      <a:prstDash val="solid"/>
+                    </a:lnTlToBr>
+                    <a:lnBlToTr w="12700" cmpd="sng">
+                      <a:noFill/>
+                      <a:prstDash val="solid"/>
+                    </a:lnBlToTr>
+                  </a:tcPr>
                 </a:tc>
                 <a:tc hMerge="1">
                   <a:txBody>
                     <a:bodyPr/>
                     <a:lstStyle/>
                     <a:p>
-                      <a:endParaRPr lang="en-US"/>
-                    </a:p>
-                  </a:txBody>
-                  <a:tcPr/>
-                </a:tc>
-                <a:extLst>
-                  <a:ext uri="{0D108BD9-81ED-4DB2-BD59-A6C34878D82A}">
-                    <a16:rowId xmlns:a16="http://schemas.microsoft.com/office/drawing/2014/main" val="3082476984"/>
-                  </a:ext>
-                </a:extLst>
-              </a:tr>
-              <a:tr h="310822">
-                <a:tc gridSpan="2">
-                  <a:txBody>
-                    <a:bodyPr/>
-                    <a:lstStyle/>
-                    <a:p>
                       <a:pPr>
                         <a:lnSpc>
-                          <a:spcPct val="85000"/>
-                        </a:lnSpc>
-                      </a:pPr>
-                      <a:r>
-                        <a:rPr lang="en-US" sz="1800" i="1" dirty="0">
-                          <a:latin typeface="Gill Sans MT" panose="020B0502020104020203" pitchFamily="34" charset="0"/>
-                        </a:rPr>
-                        <a:t>Health Indicators</a:t>
-                      </a:r>
-                    </a:p>
-                  </a:txBody>
-                  <a:tcPr/>
-                </a:tc>
-                <a:tc hMerge="1">
-                  <a:txBody>
-                    <a:bodyPr/>
-                    <a:lstStyle/>
-                    <a:p>
-                      <a:endParaRPr lang="en-US"/>
-                    </a:p>
-                  </a:txBody>
-                  <a:tcPr/>
-                </a:tc>
-                <a:tc gridSpan="2">
-                  <a:txBody>
-                    <a:bodyPr/>
-                    <a:lstStyle/>
-                    <a:p>
-                      <a:pPr>
-                        <a:lnSpc>
-                          <a:spcPct val="85000"/>
-                        </a:lnSpc>
-                      </a:pPr>
-                      <a:endParaRPr lang="en-US" sz="1800" dirty="0">
-                        <a:latin typeface="Gill Sans MT" panose="020B0502020104020203" pitchFamily="34" charset="0"/>
-                      </a:endParaRPr>
-                    </a:p>
-                  </a:txBody>
-                  <a:tcPr/>
-                </a:tc>
-                <a:tc hMerge="1">
-                  <a:txBody>
-                    <a:bodyPr/>
-                    <a:lstStyle/>
-                    <a:p>
-                      <a:endParaRPr lang="en-US"/>
-                    </a:p>
-                  </a:txBody>
-                  <a:tcPr/>
-                </a:tc>
-                <a:extLst>
-                  <a:ext uri="{0D108BD9-81ED-4DB2-BD59-A6C34878D82A}">
-                    <a16:rowId xmlns:a16="http://schemas.microsoft.com/office/drawing/2014/main" val="1044590427"/>
-                  </a:ext>
-                </a:extLst>
-              </a:tr>
-              <a:tr h="285620">
-                <a:tc>
-                  <a:txBody>
-                    <a:bodyPr/>
-                    <a:lstStyle/>
-                    <a:p>
-                      <a:pPr>
-                        <a:lnSpc>
-                          <a:spcPct val="85000"/>
+                          <a:spcPct val="100000"/>
                         </a:lnSpc>
                       </a:pPr>
                       <a:endParaRPr lang="en-US" sz="1600" dirty="0">
@@ -15522,58 +16911,56 @@
                       </a:endParaRPr>
                     </a:p>
                   </a:txBody>
-                  <a:tcPr/>
-                </a:tc>
-                <a:tc>
-                  <a:txBody>
-                    <a:bodyPr/>
-                    <a:lstStyle/>
-                    <a:p>
-                      <a:pPr>
-                        <a:lnSpc>
-                          <a:spcPct val="85000"/>
-                        </a:lnSpc>
-                      </a:pPr>
-                      <a:r>
-                        <a:rPr lang="en-US" sz="1600" dirty="0">
-                          <a:latin typeface="Gill Sans MT" panose="020B0502020104020203" pitchFamily="34" charset="0"/>
-                        </a:rPr>
-                        <a:t>Obesity Rates</a:t>
-                      </a:r>
-                    </a:p>
-                  </a:txBody>
-                  <a:tcPr/>
-                </a:tc>
-                <a:tc gridSpan="2">
-                  <a:txBody>
-                    <a:bodyPr/>
-                    <a:lstStyle/>
-                    <a:p>
-                      <a:pPr>
-                        <a:lnSpc>
-                          <a:spcPct val="85000"/>
-                        </a:lnSpc>
-                      </a:pPr>
-                      <a:endParaRPr lang="en-US" sz="1600" dirty="0">
-                        <a:latin typeface="Gill Sans MT" panose="020B0502020104020203" pitchFamily="34" charset="0"/>
-                      </a:endParaRPr>
-                    </a:p>
-                  </a:txBody>
-                  <a:tcPr/>
-                </a:tc>
-                <a:tc hMerge="1">
-                  <a:txBody>
-                    <a:bodyPr/>
-                    <a:lstStyle/>
-                    <a:p>
-                      <a:endParaRPr lang="en-US"/>
-                    </a:p>
-                  </a:txBody>
-                  <a:tcPr/>
+                  <a:tcPr>
+                    <a:lnL w="12700" cap="flat" cmpd="sng" algn="ctr">
+                      <a:solidFill>
+                        <a:schemeClr val="tx1"/>
+                      </a:solidFill>
+                      <a:prstDash val="solid"/>
+                      <a:round/>
+                      <a:headEnd type="none" w="med" len="med"/>
+                      <a:tailEnd type="none" w="med" len="med"/>
+                    </a:lnL>
+                    <a:lnR w="12700" cap="flat" cmpd="sng" algn="ctr">
+                      <a:solidFill>
+                        <a:schemeClr val="tx1"/>
+                      </a:solidFill>
+                      <a:prstDash val="solid"/>
+                      <a:round/>
+                      <a:headEnd type="none" w="med" len="med"/>
+                      <a:tailEnd type="none" w="med" len="med"/>
+                    </a:lnR>
+                    <a:lnT w="12700" cap="flat" cmpd="sng" algn="ctr">
+                      <a:solidFill>
+                        <a:schemeClr val="tx1"/>
+                      </a:solidFill>
+                      <a:prstDash val="solid"/>
+                      <a:round/>
+                      <a:headEnd type="none" w="med" len="med"/>
+                      <a:tailEnd type="none" w="med" len="med"/>
+                    </a:lnT>
+                    <a:lnB w="12700" cap="flat" cmpd="sng" algn="ctr">
+                      <a:solidFill>
+                        <a:schemeClr val="tx1"/>
+                      </a:solidFill>
+                      <a:prstDash val="solid"/>
+                      <a:round/>
+                      <a:headEnd type="none" w="med" len="med"/>
+                      <a:tailEnd type="none" w="med" len="med"/>
+                    </a:lnB>
+                    <a:lnTlToBr w="12700" cmpd="sng">
+                      <a:noFill/>
+                      <a:prstDash val="solid"/>
+                    </a:lnTlToBr>
+                    <a:lnBlToTr w="12700" cmpd="sng">
+                      <a:noFill/>
+                      <a:prstDash val="solid"/>
+                    </a:lnBlToTr>
+                  </a:tcPr>
                 </a:tc>
                 <a:extLst>
                   <a:ext uri="{0D108BD9-81ED-4DB2-BD59-A6C34878D82A}">
-                    <a16:rowId xmlns:a16="http://schemas.microsoft.com/office/drawing/2014/main" val="683694620"/>
+                    <a16:rowId xmlns:a16="http://schemas.microsoft.com/office/drawing/2014/main" val="3082476984"/>
                   </a:ext>
                 </a:extLst>
               </a:tr>
@@ -15596,7 +16983,7 @@
         <p:spPr>
           <a:xfrm>
             <a:off x="448056" y="2283116"/>
-            <a:ext cx="1603581" cy="369332"/>
+            <a:ext cx="1603581" cy="400110"/>
           </a:xfrm>
           <a:prstGeom prst="rect">
             <a:avLst/>
@@ -15610,7 +16997,7 @@
           <a:lstStyle/>
           <a:p>
             <a:r>
-              <a:rPr lang="en-US" dirty="0">
+              <a:rPr lang="en-US" sz="2000" dirty="0">
                 <a:latin typeface="Gill Sans MT" panose="020B0502020104020203" pitchFamily="34" charset="0"/>
               </a:rPr>
               <a:t>County-Level</a:t>
@@ -16307,7 +17694,7 @@
               <a:rPr lang="en-US" sz="4000" dirty="0">
                 <a:latin typeface="Gill Sans MT" panose="020B0502020104020203" pitchFamily="34" charset="0"/>
               </a:rPr>
-              <a:t>Low COVID Counties Likely to have Insurance Coverage, Lower Pop. Density</a:t>
+              <a:t>Low COVID Counties Likely to have Insurance Coverage, Lower Population Density</a:t>
             </a:r>
           </a:p>
         </p:txBody>

--- a/2020_10_30_covid_usa_analysis.pptx
+++ b/2020_10_30_covid_usa_analysis.pptx
@@ -132,12 +132,17 @@
   <p:extLst>
     <p:ext uri="{EFAFB233-063F-42B5-8137-9DF3F51BA10A}">
       <p15:sldGuideLst xmlns:p15="http://schemas.microsoft.com/office/powerpoint/2012/main">
-        <p15:guide id="1" orient="horz" pos="1464" userDrawn="1">
+        <p15:guide id="1" orient="horz" pos="1416" userDrawn="1">
           <p15:clr>
             <a:srgbClr val="A4A3A4"/>
           </p15:clr>
         </p15:guide>
         <p15:guide id="2" pos="3840" userDrawn="1">
+          <p15:clr>
+            <a:srgbClr val="A4A3A4"/>
+          </p15:clr>
+        </p15:guide>
+        <p15:guide id="3" orient="horz" pos="3624" userDrawn="1">
           <p15:clr>
             <a:srgbClr val="A4A3A4"/>
           </p15:clr>
@@ -12605,8 +12610,8 @@
         </p:blipFill>
         <p:spPr>
           <a:xfrm>
-            <a:off x="304598" y="2096860"/>
-            <a:ext cx="5791402" cy="3900986"/>
+            <a:off x="309477" y="2046724"/>
+            <a:ext cx="5912643" cy="3982652"/>
           </a:xfrm>
         </p:spPr>
       </p:pic>
@@ -12640,7 +12645,7 @@
         </p:blipFill>
         <p:spPr>
           <a:xfrm>
-            <a:off x="6253843" y="2015194"/>
+            <a:off x="6327413" y="2015194"/>
             <a:ext cx="5181600" cy="4064317"/>
           </a:xfrm>
         </p:spPr>
@@ -12737,8 +12742,8 @@
         </p:blipFill>
         <p:spPr>
           <a:xfrm>
-            <a:off x="223575" y="2208201"/>
-            <a:ext cx="5954070" cy="3827616"/>
+            <a:off x="150004" y="2208200"/>
+            <a:ext cx="6051101" cy="3889993"/>
           </a:xfrm>
         </p:spPr>
       </p:pic>
@@ -12869,8 +12874,8 @@
         </p:blipFill>
         <p:spPr>
           <a:xfrm>
-            <a:off x="359229" y="2294357"/>
-            <a:ext cx="5521778" cy="3501406"/>
+            <a:off x="277774" y="2192780"/>
+            <a:ext cx="5921076" cy="3754604"/>
           </a:xfrm>
         </p:spPr>
       </p:pic>
@@ -12904,8 +12909,8 @@
         </p:blipFill>
         <p:spPr>
           <a:xfrm>
-            <a:off x="6096000" y="2192780"/>
-            <a:ext cx="5442857" cy="3754604"/>
+            <a:off x="6138040" y="2192779"/>
+            <a:ext cx="5719243" cy="3945261"/>
           </a:xfrm>
         </p:spPr>
       </p:pic>
@@ -13006,8 +13011,8 @@
         </p:blipFill>
         <p:spPr>
           <a:xfrm>
-            <a:off x="253752" y="2407548"/>
-            <a:ext cx="5766049" cy="3547019"/>
+            <a:off x="130989" y="2205866"/>
+            <a:ext cx="6110991" cy="3759212"/>
           </a:xfrm>
         </p:spPr>
       </p:pic>
@@ -13041,8 +13046,8 @@
         </p:blipFill>
         <p:spPr>
           <a:xfrm>
-            <a:off x="6457950" y="2325607"/>
-            <a:ext cx="5181600" cy="3906546"/>
+            <a:off x="6369267" y="2195356"/>
+            <a:ext cx="5354364" cy="4036797"/>
           </a:xfrm>
         </p:spPr>
       </p:pic>
@@ -13289,8 +13294,8 @@
         </p:blipFill>
         <p:spPr>
           <a:xfrm>
-            <a:off x="406004" y="2155371"/>
-            <a:ext cx="5613797" cy="3742531"/>
+            <a:off x="282278" y="2155371"/>
+            <a:ext cx="5737523" cy="3825015"/>
           </a:xfrm>
         </p:spPr>
       </p:pic>
@@ -14683,7 +14688,7 @@
           <p:nvPr>
             <p:extLst>
               <p:ext uri="{D42A27DB-BD31-4B8C-83A1-F6EECF244321}">
-                <p14:modId xmlns:p14="http://schemas.microsoft.com/office/powerpoint/2010/main" val="2471401220"/>
+                <p14:modId xmlns:p14="http://schemas.microsoft.com/office/powerpoint/2010/main" val="2813856825"/>
               </p:ext>
             </p:extLst>
           </p:nvPr>
@@ -15098,14 +15103,11 @@
                         </a:lnSpc>
                       </a:pPr>
                       <a:r>
-                        <a:rPr lang="en-US" sz="1600">
+                        <a:rPr lang="en-US" sz="1600" dirty="0">
                           <a:latin typeface="Gill Sans MT" panose="020B0502020104020203" pitchFamily="34" charset="0"/>
                         </a:rPr>
-                        <a:t>Total tests</a:t>
+                        <a:t>Total Tests</a:t>
                       </a:r>
-                      <a:endParaRPr lang="en-US" sz="1600" dirty="0">
-                        <a:latin typeface="Gill Sans MT" panose="020B0502020104020203" pitchFamily="34" charset="0"/>
-                      </a:endParaRPr>
                     </a:p>
                   </a:txBody>
                   <a:tcPr>
@@ -15286,14 +15288,11 @@
                         </a:lnSpc>
                       </a:pPr>
                       <a:r>
-                        <a:rPr lang="en-US" sz="1600">
+                        <a:rPr lang="en-US" sz="1600" dirty="0">
                           <a:latin typeface="Gill Sans MT" panose="020B0502020104020203" pitchFamily="34" charset="0"/>
                         </a:rPr>
-                        <a:t>Total tases </a:t>
+                        <a:t>Total Cases </a:t>
                       </a:r>
-                      <a:endParaRPr lang="en-US" sz="1600" dirty="0">
-                        <a:latin typeface="Gill Sans MT" panose="020B0502020104020203" pitchFamily="34" charset="0"/>
-                      </a:endParaRPr>
                     </a:p>
                   </a:txBody>
                   <a:tcPr>
@@ -15521,7 +15520,7 @@
                         <a:rPr lang="en-US" sz="1600" dirty="0">
                           <a:latin typeface="Gill Sans MT" panose="020B0502020104020203" pitchFamily="34" charset="0"/>
                         </a:rPr>
-                        <a:t>Total deaths</a:t>
+                        <a:t>Total Deaths</a:t>
                       </a:r>
                     </a:p>
                   </a:txBody>
@@ -17472,10 +17471,10 @@
       </p:pic>
       <p:pic>
         <p:nvPicPr>
-          <p:cNvPr id="10" name="Content Placeholder 9" descr="Chart, bar chart&#10;&#10;Description automatically generated">
+          <p:cNvPr id="7" name="Content Placeholder 6" descr="Chart, bar chart&#10;&#10;Description automatically generated">
             <a:extLst>
               <a:ext uri="{FF2B5EF4-FFF2-40B4-BE49-F238E27FC236}">
-                <a16:creationId xmlns:a16="http://schemas.microsoft.com/office/drawing/2014/main" id="{80EB1AFF-D7C3-496C-B06B-76C302F4528E}"/>
+                <a16:creationId xmlns:a16="http://schemas.microsoft.com/office/drawing/2014/main" id="{303F0744-B38D-4BC7-B121-BFF16FDA1E14}"/>
               </a:ext>
             </a:extLst>
           </p:cNvPr>
@@ -17500,8 +17499,8 @@
         </p:blipFill>
         <p:spPr>
           <a:xfrm>
-            <a:off x="6056938" y="2016120"/>
-            <a:ext cx="5988639" cy="4150808"/>
+            <a:off x="6158022" y="1967113"/>
+            <a:ext cx="5674290" cy="4248819"/>
           </a:xfrm>
         </p:spPr>
       </p:pic>

--- a/2020_10_30_covid_usa_analysis.pptx
+++ b/2020_10_30_covid_usa_analysis.pptx
@@ -11180,7 +11180,21 @@
                 <a:latin typeface="Gill Sans MT" panose="020B0502020104020203" pitchFamily="34" charset="0"/>
                 <a:cs typeface="Helvetica" panose="020B0604020202020204" pitchFamily="34" charset="0"/>
               </a:rPr>
-              <a:t>Caroline Clark, Feras Atwal, James Lee</a:t>
+              <a:t>Caroline Clark, Feras </a:t>
+            </a:r>
+            <a:r>
+              <a:rPr lang="en-US" sz="2000" dirty="0" err="1">
+                <a:latin typeface="Gill Sans MT" panose="020B0502020104020203" pitchFamily="34" charset="0"/>
+                <a:cs typeface="Helvetica" panose="020B0604020202020204" pitchFamily="34" charset="0"/>
+              </a:rPr>
+              <a:t>Altwal</a:t>
+            </a:r>
+            <a:r>
+              <a:rPr lang="en-US" sz="2000" dirty="0">
+                <a:latin typeface="Gill Sans MT" panose="020B0502020104020203" pitchFamily="34" charset="0"/>
+                <a:cs typeface="Helvetica" panose="020B0604020202020204" pitchFamily="34" charset="0"/>
+              </a:rPr>
+              <a:t>, James Lee</a:t>
             </a:r>
           </a:p>
           <a:p>

--- a/2020_10_30_covid_usa_analysis.pptx
+++ b/2020_10_30_covid_usa_analysis.pptx
@@ -17058,7 +17058,7 @@
       </p:grpSpPr>
       <p:sp useBgFill="1">
         <p:nvSpPr>
-          <p:cNvPr id="21" name="Rectangle 20">
+          <p:cNvPr id="32" name="Rectangle 31">
             <a:extLst>
               <a:ext uri="{FF2B5EF4-FFF2-40B4-BE49-F238E27FC236}">
                 <a16:creationId xmlns:a16="http://schemas.microsoft.com/office/drawing/2014/main" id="{E45B1D5C-0827-4AF0-8186-11FC5A8B8B92}"/>
@@ -17155,7 +17155,7 @@
       </p:sp>
       <p:sp>
         <p:nvSpPr>
-          <p:cNvPr id="23" name="Rectangle 22">
+          <p:cNvPr id="34" name="Rectangle 33">
             <a:extLst>
               <a:ext uri="{FF2B5EF4-FFF2-40B4-BE49-F238E27FC236}">
                 <a16:creationId xmlns:a16="http://schemas.microsoft.com/office/drawing/2014/main" id="{99413ED5-9ED4-4772-BCE4-2BCAE6B12E35}"/>
@@ -17218,7 +17218,7 @@
       </p:sp>
       <p:sp>
         <p:nvSpPr>
-          <p:cNvPr id="25" name="Rectangle 24">
+          <p:cNvPr id="36" name="Rectangle 35">
             <a:extLst>
               <a:ext uri="{FF2B5EF4-FFF2-40B4-BE49-F238E27FC236}">
                 <a16:creationId xmlns:a16="http://schemas.microsoft.com/office/drawing/2014/main" id="{04357C93-F0CB-4A1C-8F77-4E9063789819}"/>
@@ -17286,46 +17286,9 @@
           </a:p>
         </p:txBody>
       </p:sp>
-      <p:pic>
-        <p:nvPicPr>
-          <p:cNvPr id="13" name="Content Placeholder 12" descr="Chart, line chart&#10;&#10;Description automatically generated">
-            <a:extLst>
-              <a:ext uri="{FF2B5EF4-FFF2-40B4-BE49-F238E27FC236}">
-                <a16:creationId xmlns:a16="http://schemas.microsoft.com/office/drawing/2014/main" id="{F86A9215-08A1-467D-8CD6-13038C122190}"/>
-              </a:ext>
-            </a:extLst>
-          </p:cNvPr>
-          <p:cNvPicPr>
-            <a:picLocks noGrp="1" noChangeAspect="1"/>
-          </p:cNvPicPr>
-          <p:nvPr>
-            <p:ph idx="1"/>
-          </p:nvPr>
-        </p:nvPicPr>
-        <p:blipFill rotWithShape="1">
-          <a:blip r:embed="rId3">
-            <a:extLst>
-              <a:ext uri="{28A0092B-C50C-407E-A947-70E740481C1C}">
-                <a14:useLocalDpi xmlns:a14="http://schemas.microsoft.com/office/drawing/2010/main" val="0"/>
-              </a:ext>
-            </a:extLst>
-          </a:blip>
-          <a:srcRect l="7303" r="-2" b="-2"/>
-          <a:stretch/>
-        </p:blipFill>
-        <p:spPr>
-          <a:xfrm>
-            <a:off x="545238" y="858525"/>
-            <a:ext cx="7608304" cy="5211906"/>
-          </a:xfrm>
-          <a:prstGeom prst="rect">
-            <a:avLst/>
-          </a:prstGeom>
-        </p:spPr>
-      </p:pic>
       <p:sp>
         <p:nvSpPr>
-          <p:cNvPr id="27" name="Rectangle 26">
+          <p:cNvPr id="38" name="Rectangle 37">
             <a:extLst>
               <a:ext uri="{FF2B5EF4-FFF2-40B4-BE49-F238E27FC236}">
                 <a16:creationId xmlns:a16="http://schemas.microsoft.com/office/drawing/2014/main" id="{90F533E9-6690-41A8-A372-4C6C622D028D}"/>
@@ -17359,6 +17322,95 @@
           </a:solidFill>
           <a:ln>
             <a:noFill/>
+          </a:ln>
+        </p:spPr>
+        <p:style>
+          <a:lnRef idx="2">
+            <a:schemeClr val="accent1">
+              <a:shade val="50000"/>
+            </a:schemeClr>
+          </a:lnRef>
+          <a:fillRef idx="1">
+            <a:schemeClr val="accent1"/>
+          </a:fillRef>
+          <a:effectRef idx="0">
+            <a:schemeClr val="accent1"/>
+          </a:effectRef>
+          <a:fontRef idx="minor">
+            <a:schemeClr val="lt1"/>
+          </a:fontRef>
+        </p:style>
+        <p:txBody>
+          <a:bodyPr rtlCol="0" anchor="ctr"/>
+          <a:lstStyle/>
+          <a:p>
+            <a:pPr algn="ctr"/>
+            <a:endParaRPr lang="en-US"/>
+          </a:p>
+        </p:txBody>
+      </p:sp>
+      <p:pic>
+        <p:nvPicPr>
+          <p:cNvPr id="9" name="Picture 8" descr="Chart, line chart&#10;&#10;Description automatically generated">
+            <a:extLst>
+              <a:ext uri="{FF2B5EF4-FFF2-40B4-BE49-F238E27FC236}">
+                <a16:creationId xmlns:a16="http://schemas.microsoft.com/office/drawing/2014/main" id="{738F0BD7-AEAB-4ADD-B931-60779048DE72}"/>
+              </a:ext>
+            </a:extLst>
+          </p:cNvPr>
+          <p:cNvPicPr>
+            <a:picLocks noChangeAspect="1"/>
+          </p:cNvPicPr>
+          <p:nvPr/>
+        </p:nvPicPr>
+        <p:blipFill rotWithShape="1">
+          <a:blip r:embed="rId3">
+            <a:extLst>
+              <a:ext uri="{28A0092B-C50C-407E-A947-70E740481C1C}">
+                <a14:useLocalDpi xmlns:a14="http://schemas.microsoft.com/office/drawing/2010/main" val="0"/>
+              </a:ext>
+            </a:extLst>
+          </a:blip>
+          <a:srcRect l="5233"/>
+          <a:stretch/>
+        </p:blipFill>
+        <p:spPr>
+          <a:xfrm>
+            <a:off x="546339" y="868032"/>
+            <a:ext cx="7737137" cy="5313048"/>
+          </a:xfrm>
+          <a:prstGeom prst="rect">
+            <a:avLst/>
+          </a:prstGeom>
+        </p:spPr>
+      </p:pic>
+      <p:sp>
+        <p:nvSpPr>
+          <p:cNvPr id="7" name="Rectangle 6">
+            <a:extLst>
+              <a:ext uri="{FF2B5EF4-FFF2-40B4-BE49-F238E27FC236}">
+                <a16:creationId xmlns:a16="http://schemas.microsoft.com/office/drawing/2014/main" id="{5D79212E-F51F-40C5-9DF9-711E4F7B31EC}"/>
+              </a:ext>
+            </a:extLst>
+          </p:cNvPr>
+          <p:cNvSpPr/>
+          <p:nvPr/>
+        </p:nvSpPr>
+        <p:spPr>
+          <a:xfrm>
+            <a:off x="491980" y="1206587"/>
+            <a:ext cx="199140" cy="4356013"/>
+          </a:xfrm>
+          <a:prstGeom prst="rect">
+            <a:avLst/>
+          </a:prstGeom>
+          <a:solidFill>
+            <a:schemeClr val="bg1"/>
+          </a:solidFill>
+          <a:ln>
+            <a:solidFill>
+              <a:schemeClr val="bg1"/>
+            </a:solidFill>
           </a:ln>
         </p:spPr>
         <p:style>
